--- a/ppt/yyx_v1.1.pptx
+++ b/ppt/yyx_v1.1.pptx
@@ -15,7 +15,7 @@
   <p:sldIdLst>
     <p:sldId id="279" r:id="rId4"/>
     <p:sldId id="259" r:id="rId5"/>
-    <p:sldId id="258" r:id="rId6"/>
+    <p:sldId id="290" r:id="rId6"/>
     <p:sldId id="282" r:id="rId7"/>
     <p:sldId id="264" r:id="rId8"/>
     <p:sldId id="284" r:id="rId9"/>
@@ -214,7 +214,7 @@
           <a:p>
             <a:fld id="{41C171BD-44C2-486C-A04B-5A7F58ADE3A6}" type="datetimeFigureOut">
               <a:rPr lang="zh-CN" altLang="en-US" smtClean="0"/>
-              <a:t>2017/1/10</a:t>
+              <a:t>2017/1/12</a:t>
             </a:fld>
             <a:endParaRPr lang="zh-CN" altLang="en-US"/>
           </a:p>
@@ -380,7 +380,7 @@
           <a:p>
             <a:fld id="{52870B4D-8E9B-40BE-BFA7-166D04D852CD}" type="datetimeFigureOut">
               <a:rPr lang="zh-CN" altLang="en-US" smtClean="0"/>
-              <a:t>2017/1/10</a:t>
+              <a:t>2017/1/12</a:t>
             </a:fld>
             <a:endParaRPr lang="zh-CN" altLang="en-US"/>
           </a:p>
@@ -728,7 +728,19 @@
           <a:bodyPr/>
           <a:lstStyle/>
           <a:p>
-            <a:endParaRPr lang="zh-CN" altLang="zh-CN"/>
+            <a:r>
+              <a:rPr lang="zh-CN" altLang="en-US" dirty="0" smtClean="0"/>
+              <a:t>各位老师，大家好。我是第二组</a:t>
+            </a:r>
+            <a:r>
+              <a:rPr lang="en-US" altLang="zh-CN" dirty="0" smtClean="0"/>
+              <a:t>6</a:t>
+            </a:r>
+            <a:r>
+              <a:rPr lang="zh-CN" altLang="en-US" dirty="0" smtClean="0"/>
+              <a:t>号杨一雄。我的毕业设计选题是超高速、高精度数控振荡器。</a:t>
+            </a:r>
+            <a:endParaRPr lang="zh-CN" altLang="zh-CN" dirty="0"/>
           </a:p>
         </p:txBody>
       </p:sp>
@@ -959,43 +971,27 @@
           <a:p>
             <a:r>
               <a:rPr lang="zh-CN" altLang="en-US" dirty="0"/>
-              <a:t>我的报告思路主要分为以下四个部分：背景研究</a:t>
-            </a:r>
-            <a:r>
-              <a:rPr lang="en-US" altLang="zh-CN" dirty="0"/>
-              <a:t>——</a:t>
+              <a:t>我的报告思路主要分为</a:t>
+            </a:r>
+            <a:r>
+              <a:rPr lang="zh-CN" altLang="en-US" dirty="0" smtClean="0"/>
+              <a:t>以下五个</a:t>
             </a:r>
             <a:r>
               <a:rPr lang="zh-CN" altLang="en-US" dirty="0"/>
-              <a:t>分别针对柔性、</a:t>
-            </a:r>
-            <a:r>
-              <a:rPr lang="en-US" altLang="zh-CN" dirty="0"/>
-              <a:t>TFT</a:t>
-            </a:r>
-            <a:r>
-              <a:rPr lang="zh-CN" altLang="en-US" dirty="0"/>
-              <a:t>以及模数转换电路介绍其背景、前期调研结果</a:t>
-            </a:r>
-            <a:r>
-              <a:rPr lang="en-US" altLang="zh-CN" dirty="0"/>
-              <a:t>——</a:t>
-            </a:r>
-            <a:r>
-              <a:rPr lang="zh-CN" altLang="en-US" dirty="0"/>
-              <a:t>分析前人的工作、课题目标</a:t>
-            </a:r>
-            <a:r>
-              <a:rPr lang="en-US" altLang="zh-CN" dirty="0"/>
-              <a:t>——</a:t>
-            </a:r>
-            <a:r>
-              <a:rPr lang="zh-CN" altLang="en-US" dirty="0"/>
-              <a:t>详细介绍毕设的任务、最后介绍一下计划安排</a:t>
-            </a:r>
-            <a:endParaRPr lang="en-US" altLang="zh-CN" dirty="0"/>
-          </a:p>
-          <a:p>
+              <a:t>部分</a:t>
+            </a:r>
+            <a:r>
+              <a:rPr lang="zh-CN" altLang="en-US" dirty="0" smtClean="0"/>
+              <a:t>：研究背景、课题目标、前期调研、实施方案、计划安排</a:t>
+            </a:r>
+            <a:endParaRPr lang="en-US" altLang="zh-CN" dirty="0" smtClean="0"/>
+          </a:p>
+          <a:p>
+            <a:r>
+              <a:rPr lang="zh-CN" altLang="en-US" dirty="0" smtClean="0"/>
+              <a:t>研究背景部分我将会描述研究目标以及介绍相关应用</a:t>
+            </a:r>
             <a:endParaRPr lang="zh-CN" altLang="en-US" dirty="0"/>
           </a:p>
         </p:txBody>
@@ -1080,18 +1076,60 @@
           <a:bodyPr/>
           <a:lstStyle/>
           <a:p>
-            <a:r>
-              <a:rPr lang="zh-CN" altLang="en-US" dirty="0"/>
-              <a:t>众所周知，未来十年内可穿戴设备将成为电子行业的一大热门领域。在可穿戴式系统中，为了与皮肤贴合，柔性是必不可少的特征，比如图中的体温传感器以及心电</a:t>
-            </a:r>
-            <a:r>
-              <a:rPr lang="en-US" altLang="zh-CN" dirty="0"/>
-              <a:t>ECG</a:t>
-            </a:r>
-            <a:r>
-              <a:rPr lang="zh-CN" altLang="en-US" dirty="0"/>
-              <a:t>传感系统。不光如此，在显示系统中，可折叠、弯曲的显示屏成为未来研究的热点；在电子标签中，柔性的标签大大便利了商品管理与运输。因此，对于柔性电路的器件研究则显得至关重要。</a:t>
-            </a:r>
+            <a:pPr>
+              <a:lnSpc>
+                <a:spcPct val="130000"/>
+              </a:lnSpc>
+            </a:pPr>
+            <a:r>
+              <a:rPr lang="zh-CN" altLang="en-US" dirty="0" smtClean="0"/>
+              <a:t>无线电应用中，正弦波生成是一个基础而重要的部分。锁相环技术的出现后，模拟正弦波振荡器在无线通信、雷达等系统中有广泛应用。</a:t>
+            </a:r>
+            <a:endParaRPr lang="en-US" altLang="zh-CN" dirty="0" smtClean="0"/>
+          </a:p>
+          <a:p>
+            <a:pPr marL="0" marR="0" indent="0" algn="l" defTabSz="914400" rtl="0" eaLnBrk="1" fontAlgn="auto" latinLnBrk="0" hangingPunct="1">
+              <a:lnSpc>
+                <a:spcPct val="130000"/>
+              </a:lnSpc>
+              <a:spcBef>
+                <a:spcPts val="0"/>
+              </a:spcBef>
+              <a:spcAft>
+                <a:spcPts val="0"/>
+              </a:spcAft>
+              <a:buClrTx/>
+              <a:buSzTx/>
+              <a:buFontTx/>
+              <a:buNone/>
+              <a:tabLst/>
+              <a:defRPr/>
+            </a:pPr>
+            <a:r>
+              <a:rPr lang="zh-CN" altLang="en-US" dirty="0" smtClean="0"/>
+              <a:t>但是随着通信系统对带宽、精度等需求增长迅速，但是振荡器性能受到模拟的限制。尤其是雷达这样的军用系统，使用模拟器件已经无法满足频率切换速度的要求。</a:t>
+            </a:r>
+            <a:endParaRPr lang="en-US" altLang="zh-CN" dirty="0" smtClean="0"/>
+          </a:p>
+          <a:p>
+            <a:pPr marL="0" marR="0" indent="0" algn="l" defTabSz="914400" rtl="0" eaLnBrk="1" fontAlgn="auto" latinLnBrk="0" hangingPunct="1">
+              <a:lnSpc>
+                <a:spcPct val="130000"/>
+              </a:lnSpc>
+              <a:spcBef>
+                <a:spcPts val="0"/>
+              </a:spcBef>
+              <a:spcAft>
+                <a:spcPts val="0"/>
+              </a:spcAft>
+              <a:buClrTx/>
+              <a:buSzTx/>
+              <a:buFontTx/>
+              <a:buNone/>
+              <a:tabLst/>
+              <a:defRPr/>
+            </a:pPr>
+            <a:endParaRPr lang="en-US" altLang="zh-CN" dirty="0" smtClean="0"/>
           </a:p>
         </p:txBody>
       </p:sp>
@@ -1121,7 +1159,7 @@
     </p:spTree>
     <p:extLst>
       <p:ext uri="{BB962C8B-B14F-4D97-AF65-F5344CB8AC3E}">
-        <p14:creationId xmlns:p14="http://schemas.microsoft.com/office/powerpoint/2010/main" val="2806074141"/>
+        <p14:creationId xmlns:p14="http://schemas.microsoft.com/office/powerpoint/2010/main" val="3761837953"/>
       </p:ext>
     </p:extLst>
   </p:cSld>
@@ -1175,18 +1213,68 @@
           <a:bodyPr/>
           <a:lstStyle/>
           <a:p>
-            <a:r>
-              <a:rPr lang="zh-CN" altLang="en-US" dirty="0"/>
-              <a:t>众所周知，未来十年内可穿戴设备将成为电子行业的一大热门领域。在可穿戴式系统中，为了与皮肤贴合，柔性是必不可少的特征，比如图中的体温传感器以及心电</a:t>
-            </a:r>
-            <a:r>
-              <a:rPr lang="en-US" altLang="zh-CN" dirty="0"/>
-              <a:t>ECG</a:t>
-            </a:r>
-            <a:r>
-              <a:rPr lang="zh-CN" altLang="en-US" dirty="0"/>
-              <a:t>传感系统。不光如此，在显示系统中，可折叠、弯曲的显示屏成为未来研究的热点；在电子标签中，柔性的标签大大便利了商品管理与运输。因此，对于柔性电路的器件研究则显得至关重要。</a:t>
-            </a:r>
+            <a:pPr marL="0" marR="0" indent="0" algn="l" defTabSz="914400" rtl="0" eaLnBrk="1" fontAlgn="auto" latinLnBrk="0" hangingPunct="1">
+              <a:lnSpc>
+                <a:spcPct val="100000"/>
+              </a:lnSpc>
+              <a:spcBef>
+                <a:spcPts val="0"/>
+              </a:spcBef>
+              <a:spcAft>
+                <a:spcPts val="0"/>
+              </a:spcAft>
+              <a:buClrTx/>
+              <a:buSzTx/>
+              <a:buFontTx/>
+              <a:buNone/>
+              <a:tabLst/>
+              <a:defRPr/>
+            </a:pPr>
+            <a:r>
+              <a:rPr lang="zh-CN" altLang="en-US" dirty="0" smtClean="0"/>
+              <a:t>（第</a:t>
+            </a:r>
+            <a:r>
+              <a:rPr lang="en-US" altLang="zh-CN" dirty="0" smtClean="0"/>
+              <a:t>3-4</a:t>
+            </a:r>
+            <a:r>
+              <a:rPr lang="zh-CN" altLang="en-US" dirty="0" smtClean="0"/>
+              <a:t>页</a:t>
+            </a:r>
+            <a:r>
+              <a:rPr lang="en-US" altLang="zh-CN" dirty="0" smtClean="0"/>
+              <a:t>PPT</a:t>
+            </a:r>
+            <a:r>
+              <a:rPr lang="zh-CN" altLang="en-US" dirty="0" smtClean="0"/>
+              <a:t>是合在一起的）</a:t>
+            </a:r>
+            <a:endParaRPr lang="en-US" altLang="zh-CN" dirty="0" smtClean="0"/>
+          </a:p>
+          <a:p>
+            <a:pPr marL="0" marR="0" indent="0" algn="l" defTabSz="914400" rtl="0" eaLnBrk="1" fontAlgn="auto" latinLnBrk="0" hangingPunct="1">
+              <a:lnSpc>
+                <a:spcPct val="100000"/>
+              </a:lnSpc>
+              <a:spcBef>
+                <a:spcPts val="0"/>
+              </a:spcBef>
+              <a:spcAft>
+                <a:spcPts val="0"/>
+              </a:spcAft>
+              <a:buClrTx/>
+              <a:buSzTx/>
+              <a:buFontTx/>
+              <a:buNone/>
+              <a:tabLst/>
+              <a:defRPr/>
+            </a:pPr>
+            <a:r>
+              <a:rPr lang="zh-CN" altLang="en-US" dirty="0" smtClean="0"/>
+              <a:t>目前来看，使用数控振荡器成为主流，伴随数字电路的优势，较传统模拟振荡器在频率分辨率、杂散性能、鲁棒性上均实现超越</a:t>
+            </a:r>
+            <a:endParaRPr lang="en-US" altLang="zh-CN" dirty="0" smtClean="0"/>
           </a:p>
         </p:txBody>
       </p:sp>
@@ -1271,113 +1359,10 @@
           <a:lstStyle/>
           <a:p>
             <a:r>
-              <a:rPr lang="en-US" altLang="zh-CN" dirty="0"/>
-              <a:t>TFT</a:t>
-            </a:r>
-            <a:r>
-              <a:rPr lang="zh-CN" altLang="en-US" dirty="0"/>
-              <a:t>，即薄膜晶体管，是柔性电路的核心器件，由于其材料、加工工艺等不同导致了</a:t>
-            </a:r>
-            <a:r>
-              <a:rPr lang="en-US" altLang="zh-CN" dirty="0"/>
-              <a:t>TFT</a:t>
-            </a:r>
-            <a:r>
-              <a:rPr lang="zh-CN" altLang="en-US" dirty="0"/>
-              <a:t>分为许多种类。图中给出了三种实验室中常用的</a:t>
-            </a:r>
-            <a:r>
-              <a:rPr lang="en-US" altLang="zh-CN" dirty="0"/>
-              <a:t>TFT</a:t>
-            </a:r>
-            <a:r>
-              <a:rPr lang="zh-CN" altLang="en-US" dirty="0"/>
-              <a:t>结构，分别是</a:t>
-            </a:r>
-            <a:r>
-              <a:rPr lang="en-US" altLang="zh-CN" dirty="0"/>
-              <a:t>…… </a:t>
-            </a:r>
-          </a:p>
-          <a:p>
-            <a:r>
-              <a:rPr lang="zh-CN" altLang="en-US" dirty="0"/>
-              <a:t>下面三幅图对应的是</a:t>
-            </a:r>
-            <a:r>
-              <a:rPr lang="en-US" altLang="zh-CN" dirty="0"/>
-              <a:t>IGZO TFT</a:t>
-            </a:r>
-            <a:r>
-              <a:rPr lang="zh-CN" altLang="en-US" dirty="0"/>
-              <a:t>的简化模型和特性曲线</a:t>
-            </a:r>
-            <a:endParaRPr lang="en-US" altLang="zh-CN" dirty="0"/>
-          </a:p>
-          <a:p>
-            <a:r>
-              <a:rPr lang="en-US" altLang="zh-CN" dirty="0"/>
-              <a:t>TFT</a:t>
-            </a:r>
-            <a:r>
-              <a:rPr lang="zh-CN" altLang="en-US" dirty="0"/>
-              <a:t>器件相对于</a:t>
-            </a:r>
-            <a:r>
-              <a:rPr lang="en-US" altLang="zh-CN" dirty="0"/>
-              <a:t>CMOS</a:t>
-            </a:r>
-            <a:r>
-              <a:rPr lang="zh-CN" altLang="en-US" dirty="0"/>
-              <a:t>电路来说，优点在于柔性、器件体积小，同时适合打印工艺，使得其加工成本很低</a:t>
-            </a:r>
-            <a:endParaRPr lang="en-US" altLang="zh-CN" dirty="0"/>
-          </a:p>
-          <a:p>
-            <a:r>
-              <a:rPr lang="zh-CN" altLang="en-US" dirty="0"/>
-              <a:t>但是</a:t>
-            </a:r>
-            <a:r>
-              <a:rPr lang="en-US" altLang="zh-CN" dirty="0"/>
-              <a:t>TFT</a:t>
-            </a:r>
-            <a:r>
-              <a:rPr lang="zh-CN" altLang="en-US" dirty="0"/>
-              <a:t>存在一些固有的缺陷，比如迁移率很低，一般</a:t>
-            </a:r>
-            <a:r>
-              <a:rPr lang="en-US" altLang="zh-CN" dirty="0"/>
-              <a:t>CMOS</a:t>
-            </a:r>
-            <a:r>
-              <a:rPr lang="zh-CN" altLang="en-US" dirty="0"/>
-              <a:t>器件的迁移率能达到</a:t>
-            </a:r>
-            <a:r>
-              <a:rPr lang="en-US" altLang="zh-CN" dirty="0"/>
-              <a:t>10^6cm2/V.s</a:t>
-            </a:r>
-            <a:r>
-              <a:rPr lang="zh-CN" altLang="en-US" dirty="0"/>
-              <a:t>以上，但是</a:t>
-            </a:r>
-            <a:r>
-              <a:rPr lang="en-US" altLang="zh-CN" dirty="0"/>
-              <a:t>TFT</a:t>
-            </a:r>
-            <a:r>
-              <a:rPr lang="zh-CN" altLang="en-US" dirty="0"/>
-              <a:t>的迁移率则在</a:t>
-            </a:r>
-            <a:r>
-              <a:rPr lang="en-US" altLang="zh-CN" dirty="0"/>
-              <a:t>0.1~200</a:t>
-            </a:r>
-            <a:r>
-              <a:rPr lang="zh-CN" altLang="en-US" dirty="0"/>
-              <a:t>不等，导致了较慢的开关速度以及较低的电路截止频率。同时其低开关电流比也影响着功耗问题，工艺偏差问题更对电路设计提出了挑战</a:t>
-            </a:r>
+              <a:rPr lang="zh-CN" altLang="en-US" dirty="0" smtClean="0"/>
+              <a:t>实现数控振荡器的</a:t>
+            </a:r>
+            <a:endParaRPr lang="zh-CN" altLang="en-US" dirty="0"/>
           </a:p>
         </p:txBody>
       </p:sp>
@@ -1471,12 +1456,56 @@
               <a:buNone/>
             </a:pPr>
             <a:r>
-              <a:rPr lang="en-US" altLang="zh-CN" dirty="0"/>
+              <a:rPr lang="zh-CN" altLang="en-US" dirty="0" smtClean="0"/>
+              <a:t>影响</a:t>
+            </a:r>
+            <a:r>
+              <a:rPr lang="en-US" altLang="zh-CN" dirty="0" smtClean="0"/>
+              <a:t>NCO</a:t>
+            </a:r>
+            <a:r>
+              <a:rPr lang="zh-CN" altLang="en-US" dirty="0" smtClean="0"/>
+              <a:t>频率和杂散性能的主要是时钟、存储器和数模转换器</a:t>
+            </a:r>
+            <a:endParaRPr lang="en-US" altLang="zh-CN" dirty="0" smtClean="0"/>
+          </a:p>
+          <a:p>
+            <a:pPr marL="342900" lvl="1" indent="0">
+              <a:spcBef>
+                <a:spcPts val="0"/>
+              </a:spcBef>
+              <a:spcAft>
+                <a:spcPts val="1200"/>
+              </a:spcAft>
+              <a:buNone/>
+            </a:pPr>
+            <a:r>
+              <a:rPr lang="zh-CN" altLang="en-US" dirty="0" smtClean="0"/>
+              <a:t>使用</a:t>
+            </a:r>
+            <a:r>
+              <a:rPr lang="en-US" altLang="zh-CN" dirty="0" smtClean="0"/>
+              <a:t>CMOS</a:t>
+            </a:r>
+            <a:r>
+              <a:rPr lang="zh-CN" altLang="en-US" dirty="0" smtClean="0"/>
+              <a:t>工艺在片上实现</a:t>
+            </a:r>
+            <a:r>
+              <a:rPr lang="en-US" altLang="zh-CN" dirty="0" smtClean="0"/>
+              <a:t>10GHz</a:t>
+            </a:r>
+            <a:r>
+              <a:rPr lang="zh-CN" altLang="en-US" dirty="0" smtClean="0"/>
+              <a:t>以上的且稳定的时钟仍相当困难；</a:t>
+            </a:r>
+            <a:r>
+              <a:rPr lang="en-US" altLang="zh-CN" dirty="0" smtClean="0"/>
               <a:t>DAC</a:t>
             </a:r>
             <a:r>
-              <a:rPr lang="zh-CN" altLang="en-US" dirty="0"/>
-              <a:t>制约</a:t>
+              <a:rPr lang="zh-CN" altLang="en-US" dirty="0" smtClean="0"/>
+              <a:t>采样率同样制约</a:t>
             </a:r>
             <a:r>
               <a:rPr lang="en-US" altLang="zh-CN" dirty="0"/>
@@ -1492,7 +1521,134 @@
             </a:r>
             <a:r>
               <a:rPr lang="zh-CN" altLang="en-US" dirty="0"/>
-              <a:t>以上超高速综合器</a:t>
+              <a:t>以上超高速综合</a:t>
+            </a:r>
+            <a:r>
+              <a:rPr lang="zh-CN" altLang="en-US" dirty="0" smtClean="0"/>
+              <a:t>器</a:t>
+            </a:r>
+            <a:endParaRPr lang="en-US" altLang="zh-CN" dirty="0" smtClean="0"/>
+          </a:p>
+          <a:p>
+            <a:pPr marL="342900" lvl="1" indent="0">
+              <a:spcBef>
+                <a:spcPts val="0"/>
+              </a:spcBef>
+              <a:spcAft>
+                <a:spcPts val="1200"/>
+              </a:spcAft>
+              <a:buNone/>
+            </a:pPr>
+            <a:r>
+              <a:rPr lang="zh-CN" altLang="en-US" dirty="0" smtClean="0"/>
+              <a:t>存储器的限制最主要，利用</a:t>
+            </a:r>
+            <a:r>
+              <a:rPr lang="en-US" altLang="zh-CN" dirty="0" smtClean="0"/>
+              <a:t>memory compiler </a:t>
+            </a:r>
+            <a:r>
+              <a:rPr lang="zh-CN" altLang="en-US" dirty="0" smtClean="0"/>
+              <a:t>工具以</a:t>
+            </a:r>
+            <a:r>
+              <a:rPr lang="en-US" altLang="zh-CN" dirty="0" smtClean="0"/>
+              <a:t>65 nm</a:t>
+            </a:r>
+            <a:r>
+              <a:rPr lang="zh-CN" altLang="en-US" dirty="0" smtClean="0"/>
+              <a:t>工艺生成的的存储器，访存速度上限约为</a:t>
+            </a:r>
+            <a:r>
+              <a:rPr lang="en-US" altLang="zh-CN" dirty="0" smtClean="0"/>
+              <a:t>1 GHz</a:t>
+            </a:r>
+          </a:p>
+          <a:p>
+            <a:pPr marL="342900" lvl="1" indent="0">
+              <a:spcBef>
+                <a:spcPts val="0"/>
+              </a:spcBef>
+              <a:spcAft>
+                <a:spcPts val="1200"/>
+              </a:spcAft>
+              <a:buNone/>
+            </a:pPr>
+            <a:r>
+              <a:rPr lang="zh-CN" altLang="en-US" dirty="0" smtClean="0"/>
+              <a:t>解决该局限，学术界主要有三个方向：</a:t>
+            </a:r>
+            <a:endParaRPr lang="en-US" altLang="zh-CN" dirty="0" smtClean="0"/>
+          </a:p>
+          <a:p>
+            <a:pPr marL="342900" lvl="1" indent="0">
+              <a:spcBef>
+                <a:spcPts val="0"/>
+              </a:spcBef>
+              <a:spcAft>
+                <a:spcPts val="1200"/>
+              </a:spcAft>
+              <a:buNone/>
+            </a:pPr>
+            <a:r>
+              <a:rPr lang="zh-CN" altLang="en-US" dirty="0" smtClean="0"/>
+              <a:t>压缩算法（利用更少的存储量，达到接近的杂散性能，从而提高频率）</a:t>
+            </a:r>
+            <a:endParaRPr lang="en-US" altLang="zh-CN" dirty="0" smtClean="0"/>
+          </a:p>
+          <a:p>
+            <a:pPr marL="342900" lvl="1" indent="0">
+              <a:spcBef>
+                <a:spcPts val="0"/>
+              </a:spcBef>
+              <a:spcAft>
+                <a:spcPts val="1200"/>
+              </a:spcAft>
+              <a:buNone/>
+            </a:pPr>
+            <a:r>
+              <a:rPr lang="zh-CN" altLang="en-US" dirty="0" smtClean="0"/>
+              <a:t>矩阵旋转法（通过矩阵旋转电路实现正弦函数，没有存储器</a:t>
+            </a:r>
+            <a:r>
+              <a:rPr lang="en-US" altLang="zh-CN" dirty="0" smtClean="0"/>
+              <a:t>,</a:t>
+            </a:r>
+            <a:r>
+              <a:rPr lang="zh-CN" altLang="en-US" dirty="0" smtClean="0"/>
+              <a:t>解决了存储器瓶颈，但是引入矩阵旋转电路的问题）</a:t>
+            </a:r>
+            <a:endParaRPr lang="en-US" altLang="zh-CN" dirty="0" smtClean="0"/>
+          </a:p>
+          <a:p>
+            <a:pPr marL="342900" lvl="1" indent="0">
+              <a:spcBef>
+                <a:spcPts val="0"/>
+              </a:spcBef>
+              <a:spcAft>
+                <a:spcPts val="1200"/>
+              </a:spcAft>
+              <a:buNone/>
+            </a:pPr>
+            <a:r>
+              <a:rPr lang="zh-CN" altLang="en-US" dirty="0" smtClean="0"/>
+              <a:t>非线性</a:t>
+            </a:r>
+            <a:r>
+              <a:rPr lang="en-US" altLang="zh-CN" dirty="0" smtClean="0"/>
+              <a:t>DAC</a:t>
+            </a:r>
+            <a:r>
+              <a:rPr lang="zh-CN" altLang="en-US" dirty="0" smtClean="0"/>
+              <a:t>（通过非线性</a:t>
+            </a:r>
+            <a:r>
+              <a:rPr lang="en-US" altLang="zh-CN" dirty="0" smtClean="0"/>
+              <a:t>DAC</a:t>
+            </a:r>
+            <a:r>
+              <a:rPr lang="zh-CN" altLang="en-US" dirty="0" smtClean="0"/>
+              <a:t>，直接实现相位到正弦值的映射）</a:t>
             </a:r>
             <a:endParaRPr lang="en-US" altLang="zh-CN" dirty="0"/>
           </a:p>
@@ -1581,201 +1737,18 @@
           <a:bodyPr/>
           <a:lstStyle/>
           <a:p>
-            <a:pPr marL="0" marR="0" indent="0" algn="l" defTabSz="914400" rtl="0" eaLnBrk="1" fontAlgn="auto" latinLnBrk="0" hangingPunct="1">
-              <a:lnSpc>
-                <a:spcPct val="100000"/>
-              </a:lnSpc>
-              <a:spcBef>
-                <a:spcPts val="0"/>
-              </a:spcBef>
-              <a:spcAft>
-                <a:spcPts val="0"/>
-              </a:spcAft>
-              <a:buClrTx/>
-              <a:buSzTx/>
-              <a:buFontTx/>
-              <a:buNone/>
-              <a:tabLst/>
-              <a:defRPr/>
-            </a:pPr>
-            <a:r>
-              <a:rPr lang="zh-CN" altLang="en-US" dirty="0"/>
-              <a:t>经过调研，之前一共有</a:t>
-            </a:r>
-            <a:r>
-              <a:rPr lang="en-US" altLang="zh-CN" dirty="0"/>
-              <a:t>4</a:t>
-            </a:r>
-            <a:r>
-              <a:rPr lang="zh-CN" altLang="en-US" dirty="0"/>
-              <a:t>篇文献做过</a:t>
-            </a:r>
-            <a:r>
-              <a:rPr lang="en-US" altLang="zh-CN" dirty="0"/>
-              <a:t>TFT-ADC</a:t>
-            </a:r>
-            <a:r>
-              <a:rPr lang="zh-CN" altLang="en-US" dirty="0"/>
-              <a:t>并流片的工作，其中两篇</a:t>
-            </a:r>
-            <a:r>
-              <a:rPr lang="en-US" altLang="zh-CN" dirty="0"/>
-              <a:t>SAR-ADC</a:t>
-            </a:r>
-            <a:r>
-              <a:rPr lang="zh-CN" altLang="en-US" dirty="0"/>
-              <a:t>结构、一篇</a:t>
-            </a:r>
-            <a:r>
-              <a:rPr lang="en-US" altLang="zh-CN" sz="1200" b="1" kern="1200" dirty="0">
-                <a:solidFill>
-                  <a:srgbClr val="000066"/>
-                </a:solidFill>
-                <a:latin typeface="+mn-lt"/>
-                <a:ea typeface="+mn-ea"/>
-                <a:cs typeface="+mn-cs"/>
-              </a:rPr>
-              <a:t>∑-∆</a:t>
-            </a:r>
-            <a:r>
-              <a:rPr lang="zh-CN" altLang="en-US" sz="1200" b="1" kern="1200" dirty="0">
-                <a:solidFill>
-                  <a:srgbClr val="000066"/>
-                </a:solidFill>
-                <a:latin typeface="+mn-lt"/>
-                <a:ea typeface="+mn-ea"/>
-                <a:cs typeface="+mn-cs"/>
-              </a:rPr>
-              <a:t>结构以及一篇</a:t>
-            </a:r>
-            <a:r>
-              <a:rPr lang="en-US" altLang="zh-CN" sz="1200" b="1" kern="1200" dirty="0">
-                <a:solidFill>
-                  <a:srgbClr val="000066"/>
-                </a:solidFill>
-                <a:latin typeface="+mn-lt"/>
-                <a:ea typeface="+mn-ea"/>
-                <a:cs typeface="+mn-cs"/>
-              </a:rPr>
-              <a:t>VCO</a:t>
-            </a:r>
-            <a:r>
-              <a:rPr lang="zh-CN" altLang="en-US" sz="1200" b="1" kern="1200" dirty="0">
-                <a:solidFill>
-                  <a:srgbClr val="000066"/>
-                </a:solidFill>
-                <a:latin typeface="+mn-lt"/>
-                <a:ea typeface="+mn-ea"/>
-                <a:cs typeface="+mn-cs"/>
-              </a:rPr>
-              <a:t>型。</a:t>
-            </a:r>
-            <a:endParaRPr lang="en-US" altLang="zh-CN" sz="1200" b="1" kern="1200" dirty="0">
-              <a:solidFill>
-                <a:srgbClr val="000066"/>
-              </a:solidFill>
-              <a:latin typeface="+mn-lt"/>
-              <a:ea typeface="+mn-ea"/>
-              <a:cs typeface="+mn-cs"/>
-            </a:endParaRPr>
-          </a:p>
-          <a:p>
-            <a:pPr marL="0" marR="0" indent="0" algn="l" defTabSz="914400" rtl="0" eaLnBrk="1" fontAlgn="auto" latinLnBrk="0" hangingPunct="1">
-              <a:lnSpc>
-                <a:spcPct val="100000"/>
-              </a:lnSpc>
-              <a:spcBef>
-                <a:spcPts val="0"/>
-              </a:spcBef>
-              <a:spcAft>
-                <a:spcPts val="0"/>
-              </a:spcAft>
-              <a:buClrTx/>
-              <a:buSzTx/>
-              <a:buFontTx/>
-              <a:buNone/>
-              <a:tabLst/>
-              <a:defRPr/>
-            </a:pPr>
-            <a:r>
-              <a:rPr lang="zh-CN" altLang="en-US" sz="1200" b="1" kern="1200" dirty="0">
-                <a:solidFill>
-                  <a:srgbClr val="000066"/>
-                </a:solidFill>
-                <a:latin typeface="+mn-lt"/>
-                <a:ea typeface="+mn-ea"/>
-                <a:cs typeface="+mn-cs"/>
-              </a:rPr>
-              <a:t>四个工作都是基于实验室环境下的有机</a:t>
-            </a:r>
-            <a:r>
-              <a:rPr lang="en-US" altLang="zh-CN" sz="1200" b="1" kern="1200" dirty="0">
-                <a:solidFill>
-                  <a:srgbClr val="000066"/>
-                </a:solidFill>
-                <a:latin typeface="+mn-lt"/>
-                <a:ea typeface="+mn-ea"/>
-                <a:cs typeface="+mn-cs"/>
-              </a:rPr>
-              <a:t>TFT</a:t>
-            </a:r>
-            <a:r>
-              <a:rPr lang="zh-CN" altLang="en-US" sz="1200" b="1" kern="1200" dirty="0">
-                <a:solidFill>
-                  <a:srgbClr val="000066"/>
-                </a:solidFill>
-                <a:latin typeface="+mn-lt"/>
-                <a:ea typeface="+mn-ea"/>
-                <a:cs typeface="+mn-cs"/>
-              </a:rPr>
-              <a:t>，精度分别为</a:t>
-            </a:r>
-            <a:r>
-              <a:rPr lang="en-US" altLang="zh-CN" sz="1200" b="1" kern="1200" dirty="0">
-                <a:solidFill>
-                  <a:srgbClr val="000066"/>
-                </a:solidFill>
-                <a:latin typeface="+mn-lt"/>
-                <a:ea typeface="+mn-ea"/>
-                <a:cs typeface="+mn-cs"/>
-              </a:rPr>
-              <a:t>……</a:t>
-            </a:r>
-            <a:r>
-              <a:rPr lang="zh-CN" altLang="en-US" sz="1200" b="1" kern="1200" dirty="0">
-                <a:solidFill>
-                  <a:srgbClr val="000066"/>
-                </a:solidFill>
-                <a:latin typeface="+mn-lt"/>
-                <a:ea typeface="+mn-ea"/>
-                <a:cs typeface="+mn-cs"/>
-              </a:rPr>
-              <a:t>表中给出了一些</a:t>
-            </a:r>
-            <a:r>
-              <a:rPr lang="en-US" altLang="zh-CN" sz="1200" b="1" kern="1200" dirty="0">
-                <a:solidFill>
-                  <a:srgbClr val="000066"/>
-                </a:solidFill>
-                <a:latin typeface="+mn-lt"/>
-                <a:ea typeface="+mn-ea"/>
-                <a:cs typeface="+mn-cs"/>
-              </a:rPr>
-              <a:t>ADC</a:t>
-            </a:r>
-            <a:r>
-              <a:rPr lang="zh-CN" altLang="en-US" sz="1200" b="1" kern="1200" dirty="0">
-                <a:solidFill>
-                  <a:srgbClr val="000066"/>
-                </a:solidFill>
-                <a:latin typeface="+mn-lt"/>
-                <a:ea typeface="+mn-ea"/>
-                <a:cs typeface="+mn-cs"/>
-              </a:rPr>
-              <a:t>指标，下面将就每个文献的工作作详细分析</a:t>
-            </a:r>
-          </a:p>
-          <a:p>
+            <a:r>
+              <a:rPr lang="zh-CN" altLang="en-US" dirty="0" smtClean="0"/>
+              <a:t>我选了</a:t>
+            </a:r>
+            <a:r>
+              <a:rPr lang="en-US" altLang="zh-CN" dirty="0" smtClean="0"/>
+              <a:t>3</a:t>
+            </a:r>
+            <a:r>
+              <a:rPr lang="zh-CN" altLang="en-US" dirty="0" smtClean="0"/>
+              <a:t>篇近年的文献，分别使用查找表压缩、矩阵旋转法和非线性数模转换器</a:t>
+            </a:r>
             <a:endParaRPr lang="zh-CN" altLang="en-US" dirty="0"/>
           </a:p>
         </p:txBody>
@@ -1871,6 +1844,129 @@
             <a:endParaRPr lang="en-US" altLang="zh-CN" dirty="0"/>
           </a:p>
           <a:p>
+            <a:r>
+              <a:rPr lang="zh-CN" altLang="en-US" dirty="0" smtClean="0"/>
+              <a:t>传统的</a:t>
+            </a:r>
+            <a:r>
+              <a:rPr lang="en-US" altLang="zh-CN" dirty="0" smtClean="0"/>
+              <a:t>DDS</a:t>
+            </a:r>
+            <a:r>
+              <a:rPr lang="zh-CN" altLang="en-US" dirty="0" smtClean="0"/>
+              <a:t>结构受到存储器限制，通过压缩，使用更小的存储器实现更快的速度</a:t>
+            </a:r>
+            <a:endParaRPr lang="en-US" altLang="zh-CN" dirty="0" smtClean="0"/>
+          </a:p>
+          <a:p>
+            <a:pPr marL="0" marR="0" indent="0" algn="l" defTabSz="914400" rtl="0" eaLnBrk="1" fontAlgn="auto" latinLnBrk="0" hangingPunct="1">
+              <a:lnSpc>
+                <a:spcPct val="100000"/>
+              </a:lnSpc>
+              <a:spcBef>
+                <a:spcPts val="0"/>
+              </a:spcBef>
+              <a:spcAft>
+                <a:spcPts val="0"/>
+              </a:spcAft>
+              <a:buClrTx/>
+              <a:buSzTx/>
+              <a:buFontTx/>
+              <a:buNone/>
+              <a:tabLst/>
+              <a:defRPr/>
+            </a:pPr>
+            <a:r>
+              <a:rPr lang="zh-CN" altLang="en-US" dirty="0" smtClean="0"/>
+              <a:t>以往的压缩方法是在（</a:t>
+            </a:r>
+            <a:r>
+              <a:rPr lang="en-US" altLang="zh-CN" dirty="0" smtClean="0"/>
+              <a:t>0,1/2pi</a:t>
+            </a:r>
+            <a:r>
+              <a:rPr lang="zh-CN" altLang="en-US" dirty="0" smtClean="0"/>
+              <a:t>）空间上进行了均匀分段的线性拟合，文献一的主要贡献是进行了非均匀分段。和均匀分段相比，引入噪声水平相当时容量可减小</a:t>
+            </a:r>
+            <a:r>
+              <a:rPr lang="en-US" altLang="zh-CN" dirty="0" smtClean="0"/>
+              <a:t>40%</a:t>
+            </a:r>
+          </a:p>
+          <a:p>
+            <a:pPr marL="0" marR="0" indent="0" algn="l" defTabSz="914400" rtl="0" eaLnBrk="1" fontAlgn="auto" latinLnBrk="0" hangingPunct="1">
+              <a:lnSpc>
+                <a:spcPct val="100000"/>
+              </a:lnSpc>
+              <a:spcBef>
+                <a:spcPts val="0"/>
+              </a:spcBef>
+              <a:spcAft>
+                <a:spcPts val="0"/>
+              </a:spcAft>
+              <a:buClrTx/>
+              <a:buSzTx/>
+              <a:buFontTx/>
+              <a:buNone/>
+              <a:tabLst/>
+              <a:defRPr/>
+            </a:pPr>
+            <a:r>
+              <a:rPr lang="en-US" altLang="zh-CN" dirty="0" smtClean="0"/>
+              <a:t>Basic</a:t>
+            </a:r>
+            <a:r>
+              <a:rPr lang="zh-CN" altLang="en-US" dirty="0" smtClean="0"/>
+              <a:t>的</a:t>
+            </a:r>
+            <a:r>
+              <a:rPr lang="en-US" altLang="zh-CN" dirty="0" err="1" smtClean="0"/>
+              <a:t>cordic</a:t>
+            </a:r>
+            <a:r>
+              <a:rPr lang="zh-CN" altLang="en-US" dirty="0" smtClean="0"/>
+              <a:t>算法存在流水级数过长的问题，文献二的主要工作是通过</a:t>
+            </a:r>
+            <a:r>
+              <a:rPr lang="en-US" altLang="zh-CN" dirty="0" smtClean="0"/>
+              <a:t>excess-four</a:t>
+            </a:r>
+            <a:r>
+              <a:rPr lang="zh-CN" altLang="en-US" dirty="0" smtClean="0"/>
+              <a:t>电路减小了了矩阵旋转法的切换延时</a:t>
+            </a:r>
+            <a:endParaRPr lang="en-US" altLang="zh-CN" dirty="0" smtClean="0"/>
+          </a:p>
+          <a:p>
+            <a:pPr marL="0" marR="0" indent="0" algn="l" defTabSz="914400" rtl="0" eaLnBrk="1" fontAlgn="auto" latinLnBrk="0" hangingPunct="1">
+              <a:lnSpc>
+                <a:spcPct val="100000"/>
+              </a:lnSpc>
+              <a:spcBef>
+                <a:spcPts val="0"/>
+              </a:spcBef>
+              <a:spcAft>
+                <a:spcPts val="0"/>
+              </a:spcAft>
+              <a:buClrTx/>
+              <a:buSzTx/>
+              <a:buFontTx/>
+              <a:buNone/>
+              <a:tabLst/>
+              <a:defRPr/>
+            </a:pPr>
+            <a:r>
+              <a:rPr lang="zh-CN" altLang="en-US" dirty="0" smtClean="0"/>
+              <a:t>文献三使用的是非线性</a:t>
+            </a:r>
+            <a:r>
+              <a:rPr lang="en-US" altLang="zh-CN" dirty="0" smtClean="0"/>
+              <a:t>DAC</a:t>
+            </a:r>
+            <a:r>
+              <a:rPr lang="zh-CN" altLang="en-US" dirty="0" smtClean="0"/>
+              <a:t>，提出了更优的电路方案，论文中显示的时钟频率和杂散性能都达到近年来最高水平</a:t>
+            </a:r>
             <a:endParaRPr lang="zh-CN" altLang="en-US" dirty="0"/>
           </a:p>
         </p:txBody>
@@ -1955,36 +2051,133 @@
           <a:bodyPr/>
           <a:lstStyle/>
           <a:p>
-            <a:r>
-              <a:rPr lang="zh-CN" altLang="en-US" dirty="0"/>
-              <a:t>总结一下文献调研的结果，可以发现</a:t>
-            </a:r>
-            <a:r>
-              <a:rPr lang="en-US" altLang="zh-CN" dirty="0"/>
-              <a:t>……</a:t>
-            </a:r>
-          </a:p>
-          <a:p>
-            <a:r>
-              <a:rPr lang="zh-CN" altLang="en-US" dirty="0"/>
-              <a:t>而</a:t>
-            </a:r>
-            <a:r>
-              <a:rPr lang="en-US" altLang="zh-CN" dirty="0"/>
-              <a:t>oxide TFT</a:t>
-            </a:r>
-            <a:r>
-              <a:rPr lang="zh-CN" altLang="en-US" dirty="0"/>
-              <a:t>相对于</a:t>
-            </a:r>
-            <a:r>
-              <a:rPr lang="en-US" altLang="zh-CN" dirty="0"/>
-              <a:t>organic TFT</a:t>
-            </a:r>
-            <a:r>
-              <a:rPr lang="zh-CN" altLang="en-US" dirty="0"/>
-              <a:t>由于具有更高迁移率、更高精度工艺、更低成本，或许能够成为柔性电路的一个突破点</a:t>
-            </a:r>
+            <a:pPr lvl="1">
+              <a:spcBef>
+                <a:spcPts val="600"/>
+              </a:spcBef>
+              <a:spcAft>
+                <a:spcPts val="0"/>
+              </a:spcAft>
+            </a:pPr>
+            <a:r>
+              <a:rPr lang="zh-CN" altLang="en-US" sz="2000" dirty="0" smtClean="0"/>
+              <a:t>查找表压缩优点：使用传统结构，通过减小存储器大小提升性能。</a:t>
+            </a:r>
+            <a:endParaRPr lang="en-US" altLang="zh-CN" sz="2000" dirty="0" smtClean="0"/>
+          </a:p>
+          <a:p>
+            <a:pPr marL="342900" lvl="1" indent="0">
+              <a:spcBef>
+                <a:spcPts val="0"/>
+              </a:spcBef>
+              <a:spcAft>
+                <a:spcPts val="600"/>
+              </a:spcAft>
+              <a:buNone/>
+            </a:pPr>
+            <a:r>
+              <a:rPr lang="en-US" altLang="zh-CN" sz="2000" dirty="0" smtClean="0"/>
+              <a:t>   </a:t>
+            </a:r>
+            <a:r>
+              <a:rPr lang="zh-CN" altLang="en-US" sz="2000" dirty="0" smtClean="0"/>
+              <a:t>查找表压缩缺点：特点是实现简单，但是在原理上突破很难。</a:t>
+            </a:r>
+            <a:endParaRPr lang="en-US" altLang="zh-CN" sz="2000" dirty="0" smtClean="0"/>
+          </a:p>
+          <a:p>
+            <a:pPr lvl="1">
+              <a:spcBef>
+                <a:spcPts val="600"/>
+              </a:spcBef>
+              <a:spcAft>
+                <a:spcPts val="0"/>
+              </a:spcAft>
+            </a:pPr>
+            <a:r>
+              <a:rPr lang="zh-CN" altLang="en-US" sz="2000" dirty="0" smtClean="0"/>
+              <a:t>矩阵旋转优点：不需要存储器，杂散性能最好，可用流水线加速</a:t>
+            </a:r>
+            <a:endParaRPr lang="en-US" altLang="zh-CN" sz="2000" dirty="0" smtClean="0"/>
+          </a:p>
+          <a:p>
+            <a:pPr marL="342900" lvl="1" indent="0">
+              <a:spcBef>
+                <a:spcPts val="0"/>
+              </a:spcBef>
+              <a:spcAft>
+                <a:spcPts val="600"/>
+              </a:spcAft>
+              <a:buNone/>
+            </a:pPr>
+            <a:r>
+              <a:rPr lang="en-US" altLang="zh-CN" sz="2000" dirty="0" smtClean="0"/>
+              <a:t>   </a:t>
+            </a:r>
+            <a:r>
+              <a:rPr lang="zh-CN" altLang="en-US" sz="2000" dirty="0" smtClean="0"/>
+              <a:t>矩阵旋转缺点：但是占用资源过多，速度仍然比较慢。</a:t>
+            </a:r>
+            <a:endParaRPr lang="en-US" altLang="zh-CN" sz="2000" dirty="0" smtClean="0"/>
+          </a:p>
+          <a:p>
+            <a:pPr lvl="1">
+              <a:spcBef>
+                <a:spcPts val="600"/>
+              </a:spcBef>
+              <a:spcAft>
+                <a:spcPts val="0"/>
+              </a:spcAft>
+            </a:pPr>
+            <a:r>
+              <a:rPr lang="zh-CN" altLang="en-US" sz="2000" dirty="0" smtClean="0"/>
+              <a:t>非线性</a:t>
+            </a:r>
+            <a:r>
+              <a:rPr lang="en-US" altLang="zh-CN" sz="2000" dirty="0" smtClean="0"/>
+              <a:t>DAC</a:t>
+            </a:r>
+            <a:r>
+              <a:rPr lang="zh-CN" altLang="en-US" sz="2000" dirty="0" smtClean="0"/>
+              <a:t>优点：不需要存储器，利用部分模拟器件优势提升性能。</a:t>
+            </a:r>
+            <a:endParaRPr lang="en-US" altLang="zh-CN" sz="2000" dirty="0" smtClean="0"/>
+          </a:p>
+          <a:p>
+            <a:pPr marL="342900" lvl="1" indent="0">
+              <a:spcBef>
+                <a:spcPts val="0"/>
+              </a:spcBef>
+              <a:spcAft>
+                <a:spcPts val="600"/>
+              </a:spcAft>
+              <a:buNone/>
+            </a:pPr>
+            <a:r>
+              <a:rPr lang="en-US" altLang="zh-CN" sz="2000" dirty="0" smtClean="0"/>
+              <a:t>   </a:t>
+            </a:r>
+            <a:r>
+              <a:rPr lang="zh-CN" altLang="en-US" sz="2000" dirty="0" smtClean="0"/>
+              <a:t>非线性</a:t>
+            </a:r>
+            <a:r>
+              <a:rPr lang="en-US" altLang="zh-CN" sz="2000" dirty="0" smtClean="0"/>
+              <a:t>DAC</a:t>
+            </a:r>
+            <a:r>
+              <a:rPr lang="zh-CN" altLang="en-US" sz="2000" dirty="0" smtClean="0"/>
+              <a:t>缺点：大大增加了</a:t>
+            </a:r>
+            <a:r>
+              <a:rPr lang="en-US" altLang="zh-CN" sz="2000" dirty="0" smtClean="0"/>
+              <a:t>DAC</a:t>
+            </a:r>
+            <a:r>
+              <a:rPr lang="zh-CN" altLang="en-US" sz="2000" dirty="0" smtClean="0"/>
+              <a:t>的复杂度和功耗。</a:t>
+            </a:r>
+            <a:endParaRPr lang="en-US" altLang="zh-CN" sz="2000" dirty="0" smtClean="0"/>
           </a:p>
         </p:txBody>
       </p:sp>
@@ -12639,6 +12832,13 @@
   <p:clrMapOvr>
     <a:masterClrMapping/>
   </p:clrMapOvr>
+  <p:timing>
+    <p:tnLst>
+      <p:par>
+        <p:cTn id="1" dur="indefinite" restart="never" nodeType="tmRoot"/>
+      </p:par>
+    </p:tnLst>
+  </p:timing>
 </p:sld>
 </file>
 
@@ -12730,138 +12930,73 @@
             </a:r>
             <a:r>
               <a:rPr lang="zh-CN" altLang="en-US" dirty="0"/>
-              <a:t>，存在不同的特点：</a:t>
-            </a:r>
-            <a:endParaRPr lang="en-US" altLang="zh-CN" dirty="0"/>
-          </a:p>
-          <a:p>
-            <a:pPr lvl="1">
+              <a:t>，存在不同的</a:t>
+            </a:r>
+            <a:r>
+              <a:rPr lang="zh-CN" altLang="en-US" dirty="0" smtClean="0"/>
+              <a:t>特点：</a:t>
+            </a:r>
+            <a:endParaRPr lang="en-US" altLang="zh-CN" dirty="0" smtClean="0"/>
+          </a:p>
+          <a:p>
+            <a:pPr marL="0" indent="0">
               <a:spcBef>
                 <a:spcPts val="600"/>
               </a:spcBef>
               <a:spcAft>
-                <a:spcPts val="0"/>
-              </a:spcAft>
-            </a:pPr>
-            <a:r>
-              <a:rPr lang="zh-CN" altLang="en-US" sz="2000" dirty="0"/>
-              <a:t>查找表压缩优点：使用传统结构，通过减小存储器大小提升性能。</a:t>
-            </a:r>
-            <a:endParaRPr lang="en-US" altLang="zh-CN" sz="2000" dirty="0"/>
-          </a:p>
-          <a:p>
-            <a:pPr marL="342900" lvl="1" indent="0">
-              <a:spcBef>
-                <a:spcPts val="0"/>
-              </a:spcBef>
-              <a:spcAft>
-                <a:spcPts val="600"/>
+                <a:spcPts val="1200"/>
               </a:spcAft>
               <a:buNone/>
             </a:pPr>
-            <a:r>
-              <a:rPr lang="en-US" altLang="zh-CN" sz="2000" dirty="0"/>
-              <a:t>   </a:t>
-            </a:r>
-            <a:r>
-              <a:rPr lang="zh-CN" altLang="en-US" sz="2000" dirty="0"/>
-              <a:t>查找表压缩缺点：特点是实现简单，但是在原理上突破很难。</a:t>
-            </a:r>
-            <a:endParaRPr lang="en-US" altLang="zh-CN" sz="2000" dirty="0"/>
-          </a:p>
-          <a:p>
-            <a:pPr lvl="1">
+            <a:endParaRPr lang="en-US" altLang="zh-CN" dirty="0"/>
+          </a:p>
+          <a:p>
+            <a:pPr marL="0" indent="0">
               <a:spcBef>
                 <a:spcPts val="600"/>
               </a:spcBef>
               <a:spcAft>
-                <a:spcPts val="0"/>
-              </a:spcAft>
-            </a:pPr>
-            <a:r>
-              <a:rPr lang="zh-CN" altLang="en-US" sz="2000" dirty="0"/>
-              <a:t>矩阵旋转优点：不需要存储器，杂散性能最好，可用流水线加速</a:t>
-            </a:r>
-            <a:endParaRPr lang="en-US" altLang="zh-CN" sz="2000" dirty="0"/>
-          </a:p>
-          <a:p>
-            <a:pPr marL="342900" lvl="1" indent="0">
-              <a:spcBef>
-                <a:spcPts val="0"/>
-              </a:spcBef>
-              <a:spcAft>
-                <a:spcPts val="600"/>
+                <a:spcPts val="1200"/>
               </a:spcAft>
               <a:buNone/>
             </a:pPr>
-            <a:r>
-              <a:rPr lang="en-US" altLang="zh-CN" sz="2000" dirty="0"/>
-              <a:t>   </a:t>
-            </a:r>
-            <a:r>
-              <a:rPr lang="zh-CN" altLang="en-US" sz="2000" dirty="0"/>
-              <a:t>矩阵旋转缺点：但是占用资源过多，速度仍然比较慢。</a:t>
-            </a:r>
-            <a:endParaRPr lang="en-US" altLang="zh-CN" sz="2000" dirty="0"/>
-          </a:p>
-          <a:p>
-            <a:pPr lvl="1">
+            <a:endParaRPr lang="en-US" altLang="zh-CN" dirty="0" smtClean="0"/>
+          </a:p>
+          <a:p>
+            <a:pPr marL="0" indent="0">
               <a:spcBef>
                 <a:spcPts val="600"/>
               </a:spcBef>
               <a:spcAft>
-                <a:spcPts val="0"/>
-              </a:spcAft>
-            </a:pPr>
-            <a:r>
-              <a:rPr lang="zh-CN" altLang="en-US" sz="2000" dirty="0"/>
-              <a:t>非线性</a:t>
-            </a:r>
-            <a:r>
-              <a:rPr lang="en-US" altLang="zh-CN" sz="2000" dirty="0"/>
-              <a:t>DAC</a:t>
-            </a:r>
-            <a:r>
-              <a:rPr lang="zh-CN" altLang="en-US" sz="2000" dirty="0"/>
-              <a:t>优点：不需要存储器，利用部分模拟器件优势提升性能。</a:t>
-            </a:r>
-            <a:endParaRPr lang="en-US" altLang="zh-CN" sz="2000" dirty="0"/>
-          </a:p>
-          <a:p>
-            <a:pPr marL="342900" lvl="1" indent="0">
-              <a:spcBef>
-                <a:spcPts val="0"/>
-              </a:spcBef>
-              <a:spcAft>
-                <a:spcPts val="600"/>
+                <a:spcPts val="1200"/>
               </a:spcAft>
               <a:buNone/>
             </a:pPr>
-            <a:r>
-              <a:rPr lang="en-US" altLang="zh-CN" sz="2000" dirty="0"/>
-              <a:t>   </a:t>
-            </a:r>
-            <a:r>
-              <a:rPr lang="zh-CN" altLang="en-US" sz="2000" dirty="0"/>
-              <a:t>非线性</a:t>
-            </a:r>
-            <a:r>
-              <a:rPr lang="en-US" altLang="zh-CN" sz="2000" dirty="0"/>
-              <a:t>DAC</a:t>
-            </a:r>
-            <a:r>
-              <a:rPr lang="zh-CN" altLang="en-US" sz="2000" dirty="0"/>
-              <a:t>缺点：大大增加了</a:t>
-            </a:r>
-            <a:r>
-              <a:rPr lang="en-US" altLang="zh-CN" sz="2000" dirty="0"/>
-              <a:t>DAC</a:t>
-            </a:r>
-            <a:r>
-              <a:rPr lang="zh-CN" altLang="en-US" sz="2000" dirty="0"/>
-              <a:t>的复杂度和功耗。</a:t>
-            </a:r>
-            <a:endParaRPr lang="en-US" altLang="zh-CN" sz="2000" dirty="0"/>
+            <a:endParaRPr lang="en-US" altLang="zh-CN" dirty="0" smtClean="0"/>
+          </a:p>
+          <a:p>
+            <a:pPr marL="0" indent="0">
+              <a:spcBef>
+                <a:spcPts val="600"/>
+              </a:spcBef>
+              <a:spcAft>
+                <a:spcPts val="1200"/>
+              </a:spcAft>
+              <a:buNone/>
+            </a:pPr>
+            <a:endParaRPr lang="en-US" altLang="zh-CN" dirty="0"/>
+          </a:p>
+          <a:p>
+            <a:pPr marL="0" indent="0">
+              <a:spcBef>
+                <a:spcPts val="600"/>
+              </a:spcBef>
+              <a:spcAft>
+                <a:spcPts val="1200"/>
+              </a:spcAft>
+              <a:buNone/>
+            </a:pPr>
+            <a:endParaRPr lang="en-US" altLang="zh-CN" dirty="0" smtClean="0"/>
           </a:p>
           <a:p>
             <a:pPr>
@@ -12878,14 +13013,10 @@
             </a:r>
             <a:r>
               <a:rPr lang="zh-CN" altLang="en-US" dirty="0"/>
-              <a:t>种优化方法</a:t>
-            </a:r>
-            <a:r>
-              <a:rPr lang="zh-CN" altLang="en-US"/>
-              <a:t>的</a:t>
-            </a:r>
-            <a:r>
-              <a:rPr lang="zh-CN" altLang="en-US" smtClean="0"/>
+              <a:t>种优化方法的</a:t>
+            </a:r>
+            <a:r>
+              <a:rPr lang="zh-CN" altLang="en-US" dirty="0" smtClean="0"/>
               <a:t>融合的趋势：</a:t>
             </a:r>
             <a:endParaRPr lang="en-US" altLang="zh-CN" dirty="0"/>
@@ -12923,16 +13054,20 @@
               </a:spcAft>
             </a:pPr>
             <a:r>
-              <a:rPr lang="zh-CN" altLang="en-US" sz="2000" dirty="0"/>
-              <a:t>针对非线性</a:t>
+              <a:rPr lang="zh-CN" altLang="en-US" sz="2000" dirty="0" smtClean="0"/>
+              <a:t>非线性</a:t>
             </a:r>
             <a:r>
               <a:rPr lang="en-US" altLang="zh-CN" sz="2000" dirty="0"/>
               <a:t>DAC</a:t>
             </a:r>
             <a:r>
+              <a:rPr lang="zh-CN" altLang="en-US" sz="2000" dirty="0" smtClean="0"/>
+              <a:t>设计中，同样引入</a:t>
+            </a:r>
+            <a:r>
               <a:rPr lang="zh-CN" altLang="en-US" sz="2000" dirty="0"/>
-              <a:t>设计，引入压缩优化方法</a:t>
+              <a:t>压缩优化方法</a:t>
             </a:r>
             <a:endParaRPr lang="en-US" altLang="zh-CN" sz="2000" dirty="0"/>
           </a:p>
@@ -12969,6 +13104,498 @@
           </a:p>
         </p:txBody>
       </p:sp>
+      <p:grpSp>
+        <p:nvGrpSpPr>
+          <p:cNvPr id="24" name="组合 23"/>
+          <p:cNvGrpSpPr/>
+          <p:nvPr/>
+        </p:nvGrpSpPr>
+        <p:grpSpPr>
+          <a:xfrm>
+            <a:off x="251460" y="1938094"/>
+            <a:ext cx="8583786" cy="2857453"/>
+            <a:chOff x="251460" y="1966034"/>
+            <a:chExt cx="8583786" cy="2857453"/>
+          </a:xfrm>
+        </p:grpSpPr>
+        <p:pic>
+          <p:nvPicPr>
+            <p:cNvPr id="8" name="图片 7"/>
+            <p:cNvPicPr>
+              <a:picLocks noChangeAspect="1"/>
+            </p:cNvPicPr>
+            <p:nvPr/>
+          </p:nvPicPr>
+          <p:blipFill>
+            <a:blip r:embed="rId3"/>
+            <a:stretch>
+              <a:fillRect/>
+            </a:stretch>
+          </p:blipFill>
+          <p:spPr>
+            <a:xfrm>
+              <a:off x="1085993" y="1966034"/>
+              <a:ext cx="6057758" cy="1435652"/>
+            </a:xfrm>
+            <a:prstGeom prst="rect">
+              <a:avLst/>
+            </a:prstGeom>
+          </p:spPr>
+        </p:pic>
+        <p:cxnSp>
+          <p:nvCxnSpPr>
+            <p:cNvPr id="9" name="直接箭头连接符 8"/>
+            <p:cNvCxnSpPr>
+              <a:endCxn id="12" idx="0"/>
+            </p:cNvCxnSpPr>
+            <p:nvPr/>
+          </p:nvCxnSpPr>
+          <p:spPr>
+            <a:xfrm flipH="1">
+              <a:off x="1234440" y="3397595"/>
+              <a:ext cx="2443942" cy="374231"/>
+            </a:xfrm>
+            <a:prstGeom prst="straightConnector1">
+              <a:avLst/>
+            </a:prstGeom>
+            <a:ln w="28575">
+              <a:solidFill>
+                <a:schemeClr val="tx1"/>
+              </a:solidFill>
+              <a:tailEnd type="triangle"/>
+            </a:ln>
+          </p:spPr>
+          <p:style>
+            <a:lnRef idx="1">
+              <a:schemeClr val="accent1"/>
+            </a:lnRef>
+            <a:fillRef idx="0">
+              <a:schemeClr val="accent1"/>
+            </a:fillRef>
+            <a:effectRef idx="0">
+              <a:schemeClr val="accent1"/>
+            </a:effectRef>
+            <a:fontRef idx="minor">
+              <a:schemeClr val="tx1"/>
+            </a:fontRef>
+          </p:style>
+        </p:cxnSp>
+        <p:sp>
+          <p:nvSpPr>
+            <p:cNvPr id="12" name="矩形 11"/>
+            <p:cNvSpPr/>
+            <p:nvPr/>
+          </p:nvSpPr>
+          <p:spPr>
+            <a:xfrm>
+              <a:off x="251460" y="3771826"/>
+              <a:ext cx="1965960" cy="1051661"/>
+            </a:xfrm>
+            <a:prstGeom prst="rect">
+              <a:avLst/>
+            </a:prstGeom>
+            <a:solidFill>
+              <a:srgbClr val="00B0F0"/>
+            </a:solidFill>
+            <a:ln w="19050">
+              <a:solidFill>
+                <a:schemeClr val="tx2"/>
+              </a:solidFill>
+            </a:ln>
+          </p:spPr>
+          <p:style>
+            <a:lnRef idx="2">
+              <a:schemeClr val="accent1">
+                <a:shade val="50000"/>
+              </a:schemeClr>
+            </a:lnRef>
+            <a:fillRef idx="1">
+              <a:schemeClr val="accent1"/>
+            </a:fillRef>
+            <a:effectRef idx="0">
+              <a:schemeClr val="accent1"/>
+            </a:effectRef>
+            <a:fontRef idx="minor">
+              <a:schemeClr val="lt1"/>
+            </a:fontRef>
+          </p:style>
+          <p:txBody>
+            <a:bodyPr rtlCol="0" anchor="ctr"/>
+            <a:lstStyle/>
+            <a:p>
+              <a:pPr algn="ctr">
+                <a:spcAft>
+                  <a:spcPts val="600"/>
+                </a:spcAft>
+              </a:pPr>
+              <a:r>
+                <a:rPr lang="zh-CN" altLang="en-US" b="1" dirty="0">
+                  <a:solidFill>
+                    <a:schemeClr val="tx1"/>
+                  </a:solidFill>
+                </a:rPr>
+                <a:t>压缩</a:t>
+              </a:r>
+              <a:r>
+                <a:rPr lang="zh-CN" altLang="en-US" b="1" dirty="0" smtClean="0">
+                  <a:solidFill>
+                    <a:schemeClr val="tx1"/>
+                  </a:solidFill>
+                </a:rPr>
+                <a:t>法：</a:t>
+              </a:r>
+              <a:endParaRPr lang="en-US" altLang="zh-CN" b="1" dirty="0" smtClean="0">
+                <a:solidFill>
+                  <a:schemeClr val="tx1"/>
+                </a:solidFill>
+              </a:endParaRPr>
+            </a:p>
+            <a:p>
+              <a:pPr algn="ctr"/>
+              <a:r>
+                <a:rPr lang="zh-CN" altLang="en-US" sz="1600" dirty="0" smtClean="0">
+                  <a:solidFill>
+                    <a:schemeClr val="tx1"/>
+                  </a:solidFill>
+                </a:rPr>
+                <a:t>优点：电路改动小</a:t>
+              </a:r>
+              <a:endParaRPr lang="en-US" altLang="zh-CN" sz="1600" dirty="0" smtClean="0">
+                <a:solidFill>
+                  <a:schemeClr val="tx1"/>
+                </a:solidFill>
+              </a:endParaRPr>
+            </a:p>
+            <a:p>
+              <a:pPr algn="ctr"/>
+              <a:r>
+                <a:rPr lang="zh-CN" altLang="en-US" sz="1600" dirty="0" smtClean="0">
+                  <a:solidFill>
+                    <a:schemeClr val="tx1"/>
+                  </a:solidFill>
+                </a:rPr>
+                <a:t>缺点：提升空间小</a:t>
+              </a:r>
+              <a:endParaRPr lang="zh-CN" altLang="en-US" sz="1600" dirty="0">
+                <a:solidFill>
+                  <a:schemeClr val="tx1"/>
+                </a:solidFill>
+              </a:endParaRPr>
+            </a:p>
+          </p:txBody>
+        </p:sp>
+        <p:sp>
+          <p:nvSpPr>
+            <p:cNvPr id="14" name="矩形 13"/>
+            <p:cNvSpPr/>
+            <p:nvPr/>
+          </p:nvSpPr>
+          <p:spPr>
+            <a:xfrm>
+              <a:off x="2499360" y="3767735"/>
+              <a:ext cx="3272790" cy="1051661"/>
+            </a:xfrm>
+            <a:prstGeom prst="rect">
+              <a:avLst/>
+            </a:prstGeom>
+            <a:solidFill>
+              <a:srgbClr val="92D050">
+                <a:tint val="66000"/>
+                <a:satMod val="160000"/>
+              </a:srgbClr>
+            </a:solidFill>
+            <a:ln w="19050">
+              <a:solidFill>
+                <a:schemeClr val="tx2"/>
+              </a:solidFill>
+            </a:ln>
+          </p:spPr>
+          <p:style>
+            <a:lnRef idx="2">
+              <a:schemeClr val="accent1">
+                <a:shade val="50000"/>
+              </a:schemeClr>
+            </a:lnRef>
+            <a:fillRef idx="1">
+              <a:schemeClr val="accent1"/>
+            </a:fillRef>
+            <a:effectRef idx="0">
+              <a:schemeClr val="accent1"/>
+            </a:effectRef>
+            <a:fontRef idx="minor">
+              <a:schemeClr val="lt1"/>
+            </a:fontRef>
+          </p:style>
+          <p:txBody>
+            <a:bodyPr rtlCol="0" anchor="ctr"/>
+            <a:lstStyle/>
+            <a:p>
+              <a:pPr algn="ctr">
+                <a:spcAft>
+                  <a:spcPts val="600"/>
+                </a:spcAft>
+              </a:pPr>
+              <a:r>
+                <a:rPr lang="zh-CN" altLang="en-US" b="1" dirty="0">
+                  <a:solidFill>
+                    <a:schemeClr val="tx1"/>
+                  </a:solidFill>
+                </a:rPr>
+                <a:t>矩阵</a:t>
+              </a:r>
+              <a:r>
+                <a:rPr lang="zh-CN" altLang="en-US" b="1" dirty="0" smtClean="0">
+                  <a:solidFill>
+                    <a:schemeClr val="tx1"/>
+                  </a:solidFill>
+                </a:rPr>
+                <a:t>旋转法：</a:t>
+              </a:r>
+              <a:endParaRPr lang="en-US" altLang="zh-CN" b="1" dirty="0" smtClean="0">
+                <a:solidFill>
+                  <a:schemeClr val="tx1"/>
+                </a:solidFill>
+              </a:endParaRPr>
+            </a:p>
+            <a:p>
+              <a:pPr algn="ctr"/>
+              <a:r>
+                <a:rPr lang="zh-CN" altLang="en-US" sz="1600" dirty="0" smtClean="0">
+                  <a:solidFill>
+                    <a:schemeClr val="tx1"/>
+                  </a:solidFill>
+                </a:rPr>
+                <a:t>优点：不需要存储器，杂散性能好</a:t>
+              </a:r>
+              <a:endParaRPr lang="en-US" altLang="zh-CN" sz="1600" dirty="0" smtClean="0">
+                <a:solidFill>
+                  <a:schemeClr val="tx1"/>
+                </a:solidFill>
+              </a:endParaRPr>
+            </a:p>
+            <a:p>
+              <a:pPr algn="ctr"/>
+              <a:r>
+                <a:rPr lang="zh-CN" altLang="en-US" sz="1600" dirty="0" smtClean="0">
+                  <a:solidFill>
+                    <a:schemeClr val="tx1"/>
+                  </a:solidFill>
+                </a:rPr>
+                <a:t>缺点：占用资源过多，切换延时大</a:t>
+              </a:r>
+              <a:endParaRPr lang="zh-CN" altLang="en-US" sz="1600" dirty="0">
+                <a:solidFill>
+                  <a:schemeClr val="tx1"/>
+                </a:solidFill>
+              </a:endParaRPr>
+            </a:p>
+          </p:txBody>
+        </p:sp>
+        <p:sp>
+          <p:nvSpPr>
+            <p:cNvPr id="15" name="矩形 14"/>
+            <p:cNvSpPr/>
+            <p:nvPr/>
+          </p:nvSpPr>
+          <p:spPr>
+            <a:xfrm>
+              <a:off x="6054089" y="3767735"/>
+              <a:ext cx="2781157" cy="1051661"/>
+            </a:xfrm>
+            <a:prstGeom prst="rect">
+              <a:avLst/>
+            </a:prstGeom>
+            <a:solidFill>
+              <a:srgbClr val="FF9C85"/>
+            </a:solidFill>
+            <a:ln w="19050">
+              <a:solidFill>
+                <a:schemeClr val="tx2"/>
+              </a:solidFill>
+            </a:ln>
+          </p:spPr>
+          <p:style>
+            <a:lnRef idx="2">
+              <a:schemeClr val="accent1">
+                <a:shade val="50000"/>
+              </a:schemeClr>
+            </a:lnRef>
+            <a:fillRef idx="1">
+              <a:schemeClr val="accent1"/>
+            </a:fillRef>
+            <a:effectRef idx="0">
+              <a:schemeClr val="accent1"/>
+            </a:effectRef>
+            <a:fontRef idx="minor">
+              <a:schemeClr val="lt1"/>
+            </a:fontRef>
+          </p:style>
+          <p:txBody>
+            <a:bodyPr rtlCol="0" anchor="ctr"/>
+            <a:lstStyle/>
+            <a:p>
+              <a:pPr algn="ctr">
+                <a:spcAft>
+                  <a:spcPts val="600"/>
+                </a:spcAft>
+              </a:pPr>
+              <a:r>
+                <a:rPr lang="zh-CN" altLang="en-US" b="1" dirty="0" smtClean="0">
+                  <a:solidFill>
+                    <a:schemeClr val="tx1"/>
+                  </a:solidFill>
+                </a:rPr>
+                <a:t>非线性</a:t>
+              </a:r>
+              <a:r>
+                <a:rPr lang="en-US" altLang="zh-CN" b="1" dirty="0" smtClean="0">
+                  <a:solidFill>
+                    <a:schemeClr val="tx1"/>
+                  </a:solidFill>
+                </a:rPr>
+                <a:t>DAC</a:t>
+              </a:r>
+              <a:r>
+                <a:rPr lang="zh-CN" altLang="en-US" b="1" dirty="0" smtClean="0">
+                  <a:solidFill>
+                    <a:schemeClr val="tx1"/>
+                  </a:solidFill>
+                </a:rPr>
+                <a:t>：</a:t>
+              </a:r>
+              <a:endParaRPr lang="en-US" altLang="zh-CN" b="1" dirty="0" smtClean="0">
+                <a:solidFill>
+                  <a:schemeClr val="tx1"/>
+                </a:solidFill>
+              </a:endParaRPr>
+            </a:p>
+            <a:p>
+              <a:pPr algn="ctr"/>
+              <a:r>
+                <a:rPr lang="zh-CN" altLang="en-US" sz="1600" dirty="0" smtClean="0">
+                  <a:solidFill>
+                    <a:schemeClr val="tx1"/>
+                  </a:solidFill>
+                </a:rPr>
+                <a:t>优点：速度比传统结构更快</a:t>
+              </a:r>
+              <a:endParaRPr lang="en-US" altLang="zh-CN" sz="1600" dirty="0" smtClean="0">
+                <a:solidFill>
+                  <a:schemeClr val="tx1"/>
+                </a:solidFill>
+              </a:endParaRPr>
+            </a:p>
+            <a:p>
+              <a:pPr algn="ctr"/>
+              <a:r>
+                <a:rPr lang="zh-CN" altLang="en-US" sz="1600" dirty="0" smtClean="0">
+                  <a:solidFill>
+                    <a:schemeClr val="tx1"/>
+                  </a:solidFill>
+                </a:rPr>
+                <a:t>缺点：增加了</a:t>
+              </a:r>
+              <a:r>
+                <a:rPr lang="en-US" altLang="zh-CN" sz="1600" dirty="0" smtClean="0">
+                  <a:solidFill>
+                    <a:schemeClr val="tx1"/>
+                  </a:solidFill>
+                </a:rPr>
+                <a:t>DAC</a:t>
+              </a:r>
+              <a:r>
+                <a:rPr lang="zh-CN" altLang="en-US" sz="1600" dirty="0" smtClean="0">
+                  <a:solidFill>
+                    <a:schemeClr val="tx1"/>
+                  </a:solidFill>
+                </a:rPr>
+                <a:t>的复杂度</a:t>
+              </a:r>
+              <a:endParaRPr lang="zh-CN" altLang="en-US" sz="1600" dirty="0">
+                <a:solidFill>
+                  <a:schemeClr val="tx1"/>
+                </a:solidFill>
+              </a:endParaRPr>
+            </a:p>
+          </p:txBody>
+        </p:sp>
+        <p:cxnSp>
+          <p:nvCxnSpPr>
+            <p:cNvPr id="17" name="直接箭头连接符 16"/>
+            <p:cNvCxnSpPr>
+              <a:endCxn id="14" idx="0"/>
+            </p:cNvCxnSpPr>
+            <p:nvPr/>
+          </p:nvCxnSpPr>
+          <p:spPr>
+            <a:xfrm flipH="1">
+              <a:off x="4135755" y="3397595"/>
+              <a:ext cx="573406" cy="370140"/>
+            </a:xfrm>
+            <a:prstGeom prst="straightConnector1">
+              <a:avLst/>
+            </a:prstGeom>
+            <a:ln w="28575">
+              <a:solidFill>
+                <a:schemeClr val="tx1"/>
+              </a:solidFill>
+              <a:tailEnd type="triangle"/>
+            </a:ln>
+          </p:spPr>
+          <p:style>
+            <a:lnRef idx="1">
+              <a:schemeClr val="accent1"/>
+            </a:lnRef>
+            <a:fillRef idx="0">
+              <a:schemeClr val="accent1"/>
+            </a:fillRef>
+            <a:effectRef idx="0">
+              <a:schemeClr val="accent1"/>
+            </a:effectRef>
+            <a:fontRef idx="minor">
+              <a:schemeClr val="tx1"/>
+            </a:fontRef>
+          </p:style>
+        </p:cxnSp>
+        <p:cxnSp>
+          <p:nvCxnSpPr>
+            <p:cNvPr id="21" name="直接箭头连接符 20"/>
+            <p:cNvCxnSpPr>
+              <a:endCxn id="15" idx="0"/>
+            </p:cNvCxnSpPr>
+            <p:nvPr/>
+          </p:nvCxnSpPr>
+          <p:spPr>
+            <a:xfrm>
+              <a:off x="5569527" y="3397595"/>
+              <a:ext cx="1875141" cy="370140"/>
+            </a:xfrm>
+            <a:prstGeom prst="straightConnector1">
+              <a:avLst/>
+            </a:prstGeom>
+            <a:ln w="28575">
+              <a:solidFill>
+                <a:schemeClr val="tx1"/>
+              </a:solidFill>
+              <a:tailEnd type="triangle"/>
+            </a:ln>
+          </p:spPr>
+          <p:style>
+            <a:lnRef idx="1">
+              <a:schemeClr val="accent1"/>
+            </a:lnRef>
+            <a:fillRef idx="0">
+              <a:schemeClr val="accent1"/>
+            </a:fillRef>
+            <a:effectRef idx="0">
+              <a:schemeClr val="accent1"/>
+            </a:effectRef>
+            <a:fontRef idx="minor">
+              <a:schemeClr val="tx1"/>
+            </a:fontRef>
+          </p:style>
+        </p:cxnSp>
+      </p:grpSp>
     </p:spTree>
     <p:extLst>
       <p:ext uri="{BB962C8B-B14F-4D97-AF65-F5344CB8AC3E}">
@@ -12979,6 +13606,13 @@
   <p:clrMapOvr>
     <a:masterClrMapping/>
   </p:clrMapOvr>
+  <p:timing>
+    <p:tnLst>
+      <p:par>
+        <p:cTn id="1" dur="indefinite" restart="never" nodeType="tmRoot"/>
+      </p:par>
+    </p:tnLst>
+  </p:timing>
 </p:sld>
 </file>
 
@@ -13052,260 +13686,2701 @@
           </a:p>
         </p:txBody>
       </p:sp>
-      <p:pic>
-        <p:nvPicPr>
-          <p:cNvPr id="5" name="图片 4"/>
-          <p:cNvPicPr>
-            <a:picLocks noChangeAspect="1"/>
-          </p:cNvPicPr>
+      <p:sp>
+        <p:nvSpPr>
+          <p:cNvPr id="7" name="文本框 6"/>
+          <p:cNvSpPr txBox="1"/>
           <p:nvPr/>
-        </p:nvPicPr>
-        <p:blipFill>
-          <a:blip r:embed="rId3"/>
-          <a:stretch>
-            <a:fillRect/>
-          </a:stretch>
-        </p:blipFill>
+        </p:nvSpPr>
         <p:spPr>
           <a:xfrm>
-            <a:off x="1337452" y="4616496"/>
-            <a:ext cx="6525347" cy="1546468"/>
+            <a:off x="486063" y="846247"/>
+            <a:ext cx="8019473" cy="2939266"/>
           </a:xfrm>
           <a:prstGeom prst="rect">
             <a:avLst/>
           </a:prstGeom>
+          <a:noFill/>
         </p:spPr>
-      </p:pic>
-      <p:sp>
-        <p:nvSpPr>
-          <p:cNvPr id="6" name="内容占位符 2"/>
-          <p:cNvSpPr>
-            <a:spLocks noGrp="1"/>
-          </p:cNvSpPr>
-          <p:nvPr>
-            <p:ph idx="1"/>
-          </p:nvPr>
-        </p:nvSpPr>
-        <p:spPr>
-          <a:xfrm>
-            <a:off x="403354" y="820133"/>
-            <a:ext cx="8393545" cy="3520864"/>
-          </a:xfrm>
-        </p:spPr>
-        <p:txBody>
-          <a:bodyPr/>
+        <p:txBody>
+          <a:bodyPr wrap="square" rtlCol="0">
+            <a:spAutoFit/>
+          </a:bodyPr>
           <a:lstStyle/>
           <a:p>
-            <a:pPr marL="0" indent="0">
+            <a:pPr marL="342900" indent="-342900">
               <a:spcBef>
                 <a:spcPts val="600"/>
               </a:spcBef>
-              <a:spcAft>
-                <a:spcPts val="0"/>
-              </a:spcAft>
-              <a:buNone/>
+              <a:buAutoNum type="arabicPeriod"/>
             </a:pPr>
             <a:r>
-              <a:rPr lang="zh-CN" altLang="en-US" dirty="0"/>
-              <a:t>一、电路结构的设计和代码编写</a:t>
-            </a:r>
-            <a:endParaRPr lang="en-US" altLang="zh-CN" dirty="0"/>
-          </a:p>
-          <a:p>
-            <a:pPr>
+              <a:rPr lang="zh-CN" altLang="en-US" sz="2000" dirty="0" smtClean="0"/>
+              <a:t>在</a:t>
+            </a:r>
+            <a:r>
+              <a:rPr lang="en-US" altLang="zh-CN" sz="2000" dirty="0" err="1"/>
+              <a:t>M</a:t>
+            </a:r>
+            <a:r>
+              <a:rPr lang="en-US" altLang="zh-CN" sz="2000" dirty="0" err="1" smtClean="0"/>
+              <a:t>odelsim</a:t>
+            </a:r>
+            <a:r>
+              <a:rPr lang="zh-CN" altLang="en-US" sz="2000" dirty="0" smtClean="0"/>
+              <a:t>和</a:t>
+            </a:r>
+            <a:r>
+              <a:rPr lang="en-US" altLang="zh-CN" sz="2000" dirty="0" err="1"/>
+              <a:t>M</a:t>
+            </a:r>
+            <a:r>
+              <a:rPr lang="en-US" altLang="zh-CN" sz="2000" dirty="0" err="1" smtClean="0"/>
+              <a:t>atlab</a:t>
+            </a:r>
+            <a:r>
+              <a:rPr lang="zh-CN" altLang="en-US" sz="2000" dirty="0" smtClean="0"/>
+              <a:t>上搭建数控振荡器</a:t>
+            </a:r>
+            <a:r>
+              <a:rPr lang="zh-CN" altLang="en-US" sz="2000" dirty="0"/>
+              <a:t>测试</a:t>
+            </a:r>
+            <a:r>
+              <a:rPr lang="zh-CN" altLang="en-US" sz="2000" dirty="0" smtClean="0"/>
+              <a:t>平台</a:t>
+            </a:r>
+            <a:endParaRPr lang="en-US" altLang="zh-CN" sz="2000" dirty="0"/>
+          </a:p>
+          <a:p>
+            <a:pPr marL="342900" indent="-342900">
               <a:spcBef>
                 <a:spcPts val="600"/>
               </a:spcBef>
-              <a:spcAft>
-                <a:spcPts val="0"/>
-              </a:spcAft>
+              <a:buAutoNum type="arabicPeriod"/>
             </a:pPr>
             <a:r>
-              <a:rPr lang="en-US" altLang="zh-CN" dirty="0"/>
-              <a:t>1.1</a:t>
-            </a:r>
-            <a:r>
-              <a:rPr lang="zh-CN" altLang="en-US" dirty="0"/>
-              <a:t>设计高速、低功耗的相位累加器</a:t>
-            </a:r>
-            <a:endParaRPr lang="en-US" altLang="zh-CN" dirty="0"/>
-          </a:p>
-          <a:p>
-            <a:pPr lvl="1">
+              <a:rPr lang="zh-CN" altLang="en-US" sz="2000" dirty="0" smtClean="0"/>
+              <a:t>理论上分析误差</a:t>
+            </a:r>
+            <a:r>
+              <a:rPr lang="zh-CN" altLang="en-US" sz="2000" dirty="0"/>
+              <a:t>来源</a:t>
+            </a:r>
+            <a:r>
+              <a:rPr lang="zh-CN" altLang="en-US" sz="2000" dirty="0" smtClean="0"/>
+              <a:t>，通过前端仿真找到</a:t>
+            </a:r>
+            <a:r>
+              <a:rPr lang="zh-CN" altLang="en-US" sz="2000" dirty="0"/>
+              <a:t>性能</a:t>
+            </a:r>
+            <a:r>
+              <a:rPr lang="zh-CN" altLang="en-US" sz="2000" dirty="0" smtClean="0"/>
+              <a:t>瓶颈</a:t>
+            </a:r>
+            <a:endParaRPr lang="en-US" altLang="zh-CN" sz="2000" dirty="0"/>
+          </a:p>
+          <a:p>
+            <a:pPr marL="342900" indent="-342900">
               <a:spcBef>
                 <a:spcPts val="600"/>
               </a:spcBef>
-              <a:spcAft>
-                <a:spcPts val="600"/>
-              </a:spcAft>
+              <a:buAutoNum type="arabicPeriod"/>
             </a:pPr>
             <a:r>
-              <a:rPr lang="zh-CN" altLang="en-US" sz="2000" dirty="0"/>
-              <a:t>在</a:t>
-            </a:r>
-            <a:r>
-              <a:rPr lang="en-US" altLang="zh-CN" sz="2000" dirty="0"/>
-              <a:t>CORDIC</a:t>
-            </a:r>
-            <a:r>
-              <a:rPr lang="zh-CN" altLang="en-US" sz="2000" dirty="0"/>
-              <a:t>设计中可以使用</a:t>
-            </a:r>
-            <a:endParaRPr lang="en-US" altLang="zh-CN" sz="2000" dirty="0"/>
-          </a:p>
-          <a:p>
-            <a:pPr>
+              <a:rPr lang="zh-CN" altLang="en-US" sz="2000" dirty="0" smtClean="0"/>
+              <a:t>根据使用场景，混合利用改进结构，提出创新的</a:t>
+            </a:r>
+            <a:r>
+              <a:rPr lang="en-US" altLang="zh-CN" sz="2000" dirty="0" smtClean="0"/>
+              <a:t>NCO</a:t>
+            </a:r>
+            <a:r>
+              <a:rPr lang="zh-CN" altLang="en-US" sz="2000" dirty="0" smtClean="0"/>
+              <a:t>设计方案</a:t>
+            </a:r>
+            <a:endParaRPr lang="en-US" altLang="zh-CN" sz="2000" dirty="0" smtClean="0"/>
+          </a:p>
+          <a:p>
+            <a:pPr marL="342900" indent="-342900">
               <a:spcBef>
                 <a:spcPts val="600"/>
               </a:spcBef>
-              <a:spcAft>
-                <a:spcPts val="0"/>
-              </a:spcAft>
+              <a:buAutoNum type="arabicPeriod"/>
             </a:pPr>
             <a:r>
-              <a:rPr lang="en-US" altLang="zh-CN" dirty="0"/>
-              <a:t>1.2 </a:t>
-            </a:r>
-            <a:r>
-              <a:rPr lang="zh-CN" altLang="en-US" dirty="0"/>
-              <a:t>设计相位</a:t>
-            </a:r>
-            <a:r>
-              <a:rPr lang="en-US" altLang="zh-CN" dirty="0"/>
-              <a:t>-</a:t>
-            </a:r>
-            <a:r>
-              <a:rPr lang="zh-CN" altLang="en-US" dirty="0"/>
-              <a:t>幅度转换器</a:t>
-            </a:r>
-            <a:endParaRPr lang="en-US" altLang="zh-CN" dirty="0"/>
-          </a:p>
-          <a:p>
-            <a:pPr lvl="1">
+              <a:rPr lang="zh-CN" altLang="en-US" sz="2000" dirty="0" smtClean="0"/>
+              <a:t>电路实现上谋求优化，进一步提高</a:t>
+            </a:r>
+            <a:r>
+              <a:rPr lang="en-US" altLang="zh-CN" sz="2000" dirty="0" smtClean="0"/>
+              <a:t>NCO</a:t>
+            </a:r>
+            <a:r>
+              <a:rPr lang="zh-CN" altLang="en-US" sz="2000" dirty="0" smtClean="0"/>
+              <a:t>性能</a:t>
+            </a:r>
+            <a:endParaRPr lang="en-US" altLang="zh-CN" sz="2000" dirty="0" smtClean="0"/>
+          </a:p>
+          <a:p>
+            <a:pPr marL="342900" indent="-342900">
               <a:spcBef>
                 <a:spcPts val="600"/>
               </a:spcBef>
-              <a:spcAft>
-                <a:spcPts val="0"/>
-              </a:spcAft>
+              <a:buAutoNum type="arabicPeriod"/>
             </a:pPr>
             <a:r>
-              <a:rPr lang="zh-CN" altLang="en-US" dirty="0"/>
-              <a:t>结合查找表、</a:t>
-            </a:r>
-            <a:r>
-              <a:rPr lang="en-US" altLang="zh-CN" dirty="0"/>
-              <a:t>CORDIC</a:t>
-            </a:r>
-            <a:r>
-              <a:rPr lang="zh-CN" altLang="en-US" dirty="0"/>
-              <a:t>算法，实现速度上的提升</a:t>
-            </a:r>
-            <a:endParaRPr lang="en-US" altLang="zh-CN" dirty="0"/>
-          </a:p>
-          <a:p>
-            <a:pPr marL="0" indent="0">
+              <a:rPr lang="zh-CN" altLang="en-US" sz="2000" dirty="0" smtClean="0"/>
+              <a:t>总结项目结果，综合测试</a:t>
+            </a:r>
+            <a:r>
+              <a:rPr lang="en-US" altLang="zh-CN" sz="2000" dirty="0" smtClean="0"/>
+              <a:t>NCO</a:t>
+            </a:r>
+            <a:r>
+              <a:rPr lang="zh-CN" altLang="en-US" sz="2000" dirty="0" smtClean="0"/>
+              <a:t>性能，完成毕业论文</a:t>
+            </a:r>
+            <a:endParaRPr lang="en-US" altLang="zh-CN" sz="2000" dirty="0"/>
+          </a:p>
+          <a:p>
+            <a:pPr marL="342900" indent="-342900">
               <a:spcBef>
                 <a:spcPts val="600"/>
               </a:spcBef>
-              <a:spcAft>
-                <a:spcPts val="0"/>
-              </a:spcAft>
-              <a:buNone/>
+              <a:buAutoNum type="arabicPeriod"/>
             </a:pPr>
-            <a:r>
-              <a:rPr lang="zh-CN" altLang="en-US" dirty="0"/>
-              <a:t>二、电路仿真检查</a:t>
-            </a:r>
-            <a:endParaRPr lang="en-US" altLang="zh-CN" dirty="0"/>
-          </a:p>
-          <a:p>
-            <a:pPr>
-              <a:spcBef>
-                <a:spcPts val="600"/>
-              </a:spcBef>
-              <a:spcAft>
-                <a:spcPts val="0"/>
-              </a:spcAft>
+            <a:endParaRPr lang="en-US" altLang="zh-CN" sz="2000" dirty="0">
+              <a:ea typeface="Arial Unicode MS" pitchFamily="34" charset="-122"/>
+            </a:endParaRPr>
+          </a:p>
+          <a:p>
+            <a:pPr marL="342900" indent="-342900">
+              <a:buAutoNum type="arabicPeriod"/>
             </a:pPr>
-            <a:r>
-              <a:rPr lang="en-US" altLang="zh-CN" dirty="0"/>
-              <a:t>2.1 </a:t>
-            </a:r>
-            <a:r>
-              <a:rPr lang="zh-CN" altLang="en-US" dirty="0"/>
-              <a:t>寻找系统瓶颈，减少最长路径延时</a:t>
-            </a:r>
-            <a:endParaRPr lang="en-US" altLang="zh-CN" dirty="0"/>
-          </a:p>
-          <a:p>
-            <a:pPr>
-              <a:spcBef>
-                <a:spcPts val="600"/>
-              </a:spcBef>
-              <a:spcAft>
-                <a:spcPts val="0"/>
-              </a:spcAft>
+            <a:endParaRPr lang="en-US" altLang="zh-CN" sz="2000" dirty="0">
+              <a:ea typeface="Arial Unicode MS" pitchFamily="34" charset="-122"/>
+            </a:endParaRPr>
+          </a:p>
+          <a:p>
+            <a:pPr marL="342900" indent="-342900">
+              <a:buAutoNum type="arabicPeriod"/>
             </a:pPr>
-            <a:r>
-              <a:rPr lang="en-US" altLang="zh-CN" dirty="0"/>
-              <a:t>2.2 </a:t>
-            </a:r>
-            <a:r>
-              <a:rPr lang="zh-CN" altLang="en-US" dirty="0"/>
-              <a:t>探索混合方法中合理的资源配置方案</a:t>
-            </a:r>
-            <a:endParaRPr lang="en-US" altLang="zh-CN" dirty="0"/>
-          </a:p>
-          <a:p>
-            <a:pPr marL="0" indent="0">
-              <a:spcBef>
-                <a:spcPts val="600"/>
-              </a:spcBef>
-              <a:spcAft>
-                <a:spcPts val="0"/>
-              </a:spcAft>
-              <a:buNone/>
+            <a:endParaRPr lang="en-US" altLang="zh-CN" sz="2000" dirty="0">
+              <a:ea typeface="Arial Unicode MS" pitchFamily="34" charset="-122"/>
+            </a:endParaRPr>
+          </a:p>
+        </p:txBody>
+      </p:sp>
+      <p:grpSp>
+        <p:nvGrpSpPr>
+          <p:cNvPr id="50" name="组合 49"/>
+          <p:cNvGrpSpPr/>
+          <p:nvPr/>
+        </p:nvGrpSpPr>
+        <p:grpSpPr>
+          <a:xfrm>
+            <a:off x="431800" y="2843369"/>
+            <a:ext cx="8280400" cy="3776506"/>
+            <a:chOff x="431800" y="1301023"/>
+            <a:chExt cx="8280400" cy="3776506"/>
+          </a:xfrm>
+        </p:grpSpPr>
+        <p:cxnSp>
+          <p:nvCxnSpPr>
+            <p:cNvPr id="51" name="intervalshape"/>
+            <p:cNvCxnSpPr>
+              <a:endCxn id="52" idx="3"/>
+            </p:cNvCxnSpPr>
+            <p:nvPr/>
+          </p:nvCxnSpPr>
+          <p:spPr>
+            <a:xfrm>
+              <a:off x="7710974" y="1962674"/>
+              <a:ext cx="0" cy="2877727"/>
+            </a:xfrm>
+            <a:prstGeom prst="line">
+              <a:avLst/>
+            </a:prstGeom>
+            <a:ln w="1270">
+              <a:solidFill>
+                <a:srgbClr val="CCCCCC"/>
+              </a:solidFill>
+            </a:ln>
+          </p:spPr>
+          <p:style>
+            <a:lnRef idx="1">
+              <a:schemeClr val="accent1"/>
+            </a:lnRef>
+            <a:fillRef idx="0">
+              <a:schemeClr val="accent1"/>
+            </a:fillRef>
+            <a:effectRef idx="0">
+              <a:schemeClr val="accent1"/>
+            </a:effectRef>
+            <a:fontRef idx="minor">
+              <a:schemeClr val="tx1"/>
+            </a:fontRef>
+          </p:style>
+        </p:cxnSp>
+        <p:sp>
+          <p:nvSpPr>
+            <p:cNvPr id="52" name="intervalshape"/>
+            <p:cNvSpPr/>
+            <p:nvPr>
+              <p:custDataLst>
+                <p:tags r:id="rId2"/>
+              </p:custDataLst>
+            </p:nvPr>
+          </p:nvSpPr>
+          <p:spPr>
+            <a:xfrm>
+              <a:off x="6507514" y="4603272"/>
+              <a:ext cx="1203460" cy="474257"/>
+            </a:xfrm>
+            <a:prstGeom prst="homePlate">
+              <a:avLst/>
+            </a:prstGeom>
+            <a:solidFill>
+              <a:srgbClr val="EA161E"/>
+            </a:solidFill>
+            <a:ln w="25400" cap="flat" cmpd="sng" algn="ctr">
+              <a:noFill/>
+              <a:prstDash val="solid"/>
+            </a:ln>
+            <a:effectLst>
+              <a:outerShdw blurRad="63500">
+                <a:scrgbClr r="0" g="0" b="0">
+                  <a:alpha val="50000"/>
+                </a:scrgbClr>
+              </a:outerShdw>
+            </a:effectLst>
+            <a:scene3d>
+              <a:camera prst="orthographicFront"/>
+              <a:lightRig rig="balanced" dir="t">
+                <a:rot lat="0" lon="0" rev="8700000"/>
+              </a:lightRig>
+            </a:scene3d>
+            <a:sp3d>
+              <a:bevelT w="165100" h="12700"/>
+            </a:sp3d>
+            <a:extLst>
+              <a:ext uri="{91240B29-F687-4F45-9708-019B960494DF}">
+                <a14:hiddenLine xmlns:a14="http://schemas.microsoft.com/office/drawing/2010/main" w="25400" cap="flat" cmpd="sng" algn="ctr">
+                  <a:solidFill>
+                    <a:schemeClr val="accent1">
+                      <a:shade val="50000"/>
+                    </a:schemeClr>
+                  </a:solidFill>
+                  <a:prstDash val="solid"/>
+                </a14:hiddenLine>
+              </a:ext>
+              <a:ext uri="{53640926-AAD7-44D8-BBD7-CCE9431645EC}">
+                <a14:shadowObscured xmlns:a14="http://schemas.microsoft.com/office/drawing/2010/main" val="1"/>
+              </a:ext>
+            </a:extLst>
+          </p:spPr>
+          <p:style>
+            <a:lnRef idx="2">
+              <a:schemeClr val="accent1">
+                <a:shade val="50000"/>
+              </a:schemeClr>
+            </a:lnRef>
+            <a:fillRef idx="1">
+              <a:schemeClr val="accent1"/>
+            </a:fillRef>
+            <a:effectRef idx="0">
+              <a:schemeClr val="accent1"/>
+            </a:effectRef>
+            <a:fontRef idx="minor">
+              <a:schemeClr val="lt1"/>
+            </a:fontRef>
+          </p:style>
+          <p:txBody>
+            <a:bodyPr rtlCol="0" anchor="ctr"/>
+            <a:lstStyle/>
+            <a:p>
+              <a:pPr algn="ctr"/>
+              <a:r>
+                <a:rPr lang="zh-CN" altLang="en-US" sz="1500" dirty="0" smtClean="0">
+                  <a:solidFill>
+                    <a:prstClr val="white"/>
+                  </a:solidFill>
+                </a:rPr>
+                <a:t>综合测试</a:t>
+              </a:r>
+              <a:endParaRPr lang="en-US" altLang="zh-CN" sz="1500" dirty="0" smtClean="0">
+                <a:solidFill>
+                  <a:prstClr val="white"/>
+                </a:solidFill>
+              </a:endParaRPr>
+            </a:p>
+            <a:p>
+              <a:pPr algn="ctr"/>
+              <a:r>
+                <a:rPr lang="zh-CN" altLang="en-US" sz="1500" dirty="0" smtClean="0">
+                  <a:solidFill>
+                    <a:prstClr val="white"/>
+                  </a:solidFill>
+                </a:rPr>
+                <a:t>完成论文</a:t>
+              </a:r>
+              <a:endParaRPr lang="en-US" sz="1500" dirty="0">
+                <a:solidFill>
+                  <a:prstClr val="white"/>
+                </a:solidFill>
+              </a:endParaRPr>
+            </a:p>
+          </p:txBody>
+        </p:sp>
+        <p:sp>
+          <p:nvSpPr>
+            <p:cNvPr id="53" name="intervalshape"/>
+            <p:cNvSpPr/>
+            <p:nvPr>
+              <p:custDataLst>
+                <p:tags r:id="rId3"/>
+              </p:custDataLst>
+            </p:nvPr>
+          </p:nvSpPr>
+          <p:spPr>
+            <a:xfrm>
+              <a:off x="4158614" y="4332339"/>
+              <a:ext cx="1650401" cy="270933"/>
+            </a:xfrm>
+            <a:prstGeom prst="roundRect">
+              <a:avLst/>
+            </a:prstGeom>
+            <a:solidFill>
+              <a:srgbClr val="1AAA42"/>
+            </a:solidFill>
+            <a:ln w="25400" cap="flat" cmpd="sng" algn="ctr">
+              <a:noFill/>
+              <a:prstDash val="solid"/>
+            </a:ln>
+            <a:effectLst>
+              <a:outerShdw blurRad="63500">
+                <a:scrgbClr r="0" g="0" b="0">
+                  <a:alpha val="50000"/>
+                </a:scrgbClr>
+              </a:outerShdw>
+            </a:effectLst>
+            <a:scene3d>
+              <a:camera prst="orthographicFront"/>
+              <a:lightRig rig="balanced" dir="t">
+                <a:rot lat="0" lon="0" rev="8700000"/>
+              </a:lightRig>
+            </a:scene3d>
+            <a:sp3d>
+              <a:bevelT w="165100" h="12700"/>
+            </a:sp3d>
+            <a:extLst>
+              <a:ext uri="{91240B29-F687-4F45-9708-019B960494DF}">
+                <a14:hiddenLine xmlns:a14="http://schemas.microsoft.com/office/drawing/2010/main" w="25400" cap="flat" cmpd="sng" algn="ctr">
+                  <a:solidFill>
+                    <a:schemeClr val="accent1">
+                      <a:shade val="50000"/>
+                    </a:schemeClr>
+                  </a:solidFill>
+                  <a:prstDash val="solid"/>
+                </a14:hiddenLine>
+              </a:ext>
+              <a:ext uri="{53640926-AAD7-44D8-BBD7-CCE9431645EC}">
+                <a14:shadowObscured xmlns:a14="http://schemas.microsoft.com/office/drawing/2010/main" val="1"/>
+              </a:ext>
+            </a:extLst>
+          </p:spPr>
+          <p:style>
+            <a:lnRef idx="2">
+              <a:schemeClr val="accent1">
+                <a:shade val="50000"/>
+              </a:schemeClr>
+            </a:lnRef>
+            <a:fillRef idx="1">
+              <a:schemeClr val="accent1"/>
+            </a:fillRef>
+            <a:effectRef idx="0">
+              <a:schemeClr val="accent1"/>
+            </a:effectRef>
+            <a:fontRef idx="minor">
+              <a:schemeClr val="lt1"/>
+            </a:fontRef>
+          </p:style>
+          <p:txBody>
+            <a:bodyPr wrap="none" lIns="44450" tIns="19050" rIns="44450" bIns="6350" rtlCol="0" anchor="ctr"/>
+            <a:lstStyle/>
+            <a:p>
+              <a:pPr algn="ctr">
+                <a:lnSpc>
+                  <a:spcPts val="1000"/>
+                </a:lnSpc>
+              </a:pPr>
+              <a:r>
+                <a:rPr lang="zh-CN" altLang="en-US" sz="1500" dirty="0">
+                  <a:solidFill>
+                    <a:srgbClr val="FFFFFF"/>
+                  </a:solidFill>
+                  <a:latin typeface=""/>
+                </a:rPr>
+                <a:t>迭代优化设计方案</a:t>
+              </a:r>
+              <a:endParaRPr lang="en-US" sz="1500" dirty="0">
+                <a:solidFill>
+                  <a:srgbClr val="FFFFFF"/>
+                </a:solidFill>
+                <a:latin typeface=""/>
+              </a:endParaRPr>
+            </a:p>
+          </p:txBody>
+        </p:sp>
+        <p:sp>
+          <p:nvSpPr>
+            <p:cNvPr id="54" name="intervalshape"/>
+            <p:cNvSpPr/>
+            <p:nvPr>
+              <p:custDataLst>
+                <p:tags r:id="rId4"/>
+              </p:custDataLst>
+            </p:nvPr>
+          </p:nvSpPr>
+          <p:spPr>
+            <a:xfrm>
+              <a:off x="3411574" y="3801419"/>
+              <a:ext cx="1566825" cy="451970"/>
+            </a:xfrm>
+            <a:prstGeom prst="roundRect">
+              <a:avLst/>
+            </a:prstGeom>
+            <a:solidFill>
+              <a:srgbClr val="0072BC"/>
+            </a:solidFill>
+            <a:ln w="25400" cap="flat" cmpd="sng" algn="ctr">
+              <a:noFill/>
+              <a:prstDash val="solid"/>
+            </a:ln>
+            <a:effectLst>
+              <a:outerShdw blurRad="63500">
+                <a:scrgbClr r="0" g="0" b="0">
+                  <a:alpha val="50000"/>
+                </a:scrgbClr>
+              </a:outerShdw>
+            </a:effectLst>
+            <a:scene3d>
+              <a:camera prst="orthographicFront"/>
+              <a:lightRig rig="balanced" dir="t">
+                <a:rot lat="0" lon="0" rev="8700000"/>
+              </a:lightRig>
+            </a:scene3d>
+            <a:sp3d>
+              <a:bevelT w="165100" h="12700"/>
+            </a:sp3d>
+            <a:extLst>
+              <a:ext uri="{91240B29-F687-4F45-9708-019B960494DF}">
+                <a14:hiddenLine xmlns:a14="http://schemas.microsoft.com/office/drawing/2010/main" w="25400" cap="flat" cmpd="sng" algn="ctr">
+                  <a:solidFill>
+                    <a:schemeClr val="accent1">
+                      <a:shade val="50000"/>
+                    </a:schemeClr>
+                  </a:solidFill>
+                  <a:prstDash val="solid"/>
+                </a14:hiddenLine>
+              </a:ext>
+              <a:ext uri="{53640926-AAD7-44D8-BBD7-CCE9431645EC}">
+                <a14:shadowObscured xmlns:a14="http://schemas.microsoft.com/office/drawing/2010/main" val="1"/>
+              </a:ext>
+            </a:extLst>
+          </p:spPr>
+          <p:style>
+            <a:lnRef idx="2">
+              <a:schemeClr val="accent1">
+                <a:shade val="50000"/>
+              </a:schemeClr>
+            </a:lnRef>
+            <a:fillRef idx="1">
+              <a:schemeClr val="accent1"/>
+            </a:fillRef>
+            <a:effectRef idx="0">
+              <a:schemeClr val="accent1"/>
+            </a:effectRef>
+            <a:fontRef idx="minor">
+              <a:schemeClr val="lt1"/>
+            </a:fontRef>
+          </p:style>
+          <p:txBody>
+            <a:bodyPr wrap="none" lIns="44450" tIns="19050" rIns="44450" bIns="6350" rtlCol="0" anchor="ctr"/>
+            <a:lstStyle/>
+            <a:p>
+              <a:pPr algn="ctr">
+                <a:lnSpc>
+                  <a:spcPct val="90000"/>
+                </a:lnSpc>
+              </a:pPr>
+              <a:r>
+                <a:rPr lang="zh-CN" altLang="en-US" sz="1500" dirty="0" smtClean="0">
+                  <a:solidFill>
+                    <a:srgbClr val="FFFFFF"/>
+                  </a:solidFill>
+                  <a:latin typeface=""/>
+                </a:rPr>
+                <a:t>前端综合</a:t>
+              </a:r>
+              <a:endParaRPr lang="en-US" altLang="zh-CN" sz="1500" dirty="0" smtClean="0">
+                <a:solidFill>
+                  <a:srgbClr val="FFFFFF"/>
+                </a:solidFill>
+                <a:latin typeface=""/>
+              </a:endParaRPr>
+            </a:p>
+            <a:p>
+              <a:pPr algn="ctr">
+                <a:lnSpc>
+                  <a:spcPct val="90000"/>
+                </a:lnSpc>
+              </a:pPr>
+              <a:r>
+                <a:rPr lang="zh-CN" altLang="en-US" sz="1500" dirty="0" smtClean="0">
+                  <a:solidFill>
+                    <a:srgbClr val="FFFFFF"/>
+                  </a:solidFill>
+                  <a:latin typeface=""/>
+                </a:rPr>
+                <a:t>静态时序分析</a:t>
+              </a:r>
+              <a:endParaRPr lang="en-US" sz="1500" dirty="0">
+                <a:solidFill>
+                  <a:srgbClr val="FFFFFF"/>
+                </a:solidFill>
+                <a:latin typeface=""/>
+              </a:endParaRPr>
+            </a:p>
+          </p:txBody>
+        </p:sp>
+        <p:sp>
+          <p:nvSpPr>
+            <p:cNvPr id="55" name="pgshape"/>
+            <p:cNvSpPr/>
+            <p:nvPr>
+              <p:custDataLst>
+                <p:tags r:id="rId5"/>
+              </p:custDataLst>
+            </p:nvPr>
+          </p:nvSpPr>
+          <p:spPr>
+            <a:xfrm>
+              <a:off x="1193800" y="1824067"/>
+              <a:ext cx="6756400" cy="338667"/>
+            </a:xfrm>
+            <a:prstGeom prst="roundRect">
+              <a:avLst/>
+            </a:prstGeom>
+            <a:gradFill flip="none" rotWithShape="1">
+              <a:gsLst>
+                <a:gs pos="0">
+                  <a:srgbClr val="2F3699"/>
+                </a:gs>
+                <a:gs pos="100000">
+                  <a:srgbClr val="272D7F"/>
+                </a:gs>
+              </a:gsLst>
+              <a:lin ang="5400000" scaled="1"/>
+              <a:tileRect/>
+            </a:gradFill>
+            <a:ln w="25400" cap="flat" cmpd="sng" algn="ctr">
+              <a:noFill/>
+              <a:prstDash val="solid"/>
+            </a:ln>
+            <a:effectLst>
+              <a:reflection blurRad="6350" stA="50000" endA="300" endPos="55500" dist="50800" dir="5400000" sy="-100000" algn="bl" rotWithShape="0"/>
+            </a:effectLst>
+            <a:scene3d>
+              <a:camera prst="orthographicFront"/>
+              <a:lightRig rig="threePt" dir="t">
+                <a:rot lat="0" lon="0" rev="8700000"/>
+              </a:lightRig>
+            </a:scene3d>
+            <a:sp3d>
+              <a:bevelT w="165100" h="19050"/>
+            </a:sp3d>
+            <a:extLst>
+              <a:ext uri="{91240B29-F687-4F45-9708-019B960494DF}">
+                <a14:hiddenLine xmlns:a14="http://schemas.microsoft.com/office/drawing/2010/main" w="25400" cap="flat" cmpd="sng" algn="ctr">
+                  <a:solidFill>
+                    <a:schemeClr val="accent1">
+                      <a:shade val="50000"/>
+                    </a:schemeClr>
+                  </a:solidFill>
+                  <a:prstDash val="solid"/>
+                </a14:hiddenLine>
+              </a:ext>
+            </a:extLst>
+          </p:spPr>
+          <p:style>
+            <a:lnRef idx="2">
+              <a:schemeClr val="accent1">
+                <a:shade val="50000"/>
+              </a:schemeClr>
+            </a:lnRef>
+            <a:fillRef idx="1">
+              <a:schemeClr val="accent1"/>
+            </a:fillRef>
+            <a:effectRef idx="0">
+              <a:schemeClr val="accent1"/>
+            </a:effectRef>
+            <a:fontRef idx="minor">
+              <a:schemeClr val="lt1"/>
+            </a:fontRef>
+          </p:style>
+          <p:txBody>
+            <a:bodyPr rtlCol="0" anchor="ctr"/>
+            <a:lstStyle/>
+            <a:p>
+              <a:pPr algn="ctr"/>
+              <a:endParaRPr lang="en-US" dirty="0">
+                <a:solidFill>
+                  <a:prstClr val="white"/>
+                </a:solidFill>
+              </a:endParaRPr>
+            </a:p>
+          </p:txBody>
+        </p:sp>
+        <p:sp>
+          <p:nvSpPr>
+            <p:cNvPr id="56" name="pgshape"/>
+            <p:cNvSpPr txBox="1"/>
+            <p:nvPr>
+              <p:custDataLst>
+                <p:tags r:id="rId6"/>
+              </p:custDataLst>
+            </p:nvPr>
+          </p:nvSpPr>
+          <p:spPr>
+            <a:xfrm>
+              <a:off x="431800" y="1824067"/>
+              <a:ext cx="635000" cy="338667"/>
+            </a:xfrm>
+            <a:prstGeom prst="rect">
+              <a:avLst/>
+            </a:prstGeom>
+            <a:noFill/>
+          </p:spPr>
+          <p:txBody>
+            <a:bodyPr vert="horz" wrap="none" rtlCol="0" anchor="ctr">
+              <a:noAutofit/>
+            </a:bodyPr>
+            <a:lstStyle/>
+            <a:p>
+              <a:pPr algn="ctr"/>
+              <a:r>
+                <a:rPr lang="en-US" sz="2400" b="1" dirty="0" smtClean="0">
+                  <a:solidFill>
+                    <a:srgbClr val="C0504D"/>
+                  </a:solidFill>
+                </a:rPr>
+                <a:t>2016</a:t>
+              </a:r>
+              <a:endParaRPr lang="en-US" sz="2400" b="1" dirty="0">
+                <a:solidFill>
+                  <a:srgbClr val="C0504D"/>
+                </a:solidFill>
+              </a:endParaRPr>
+            </a:p>
+          </p:txBody>
+        </p:sp>
+        <p:cxnSp>
+          <p:nvCxnSpPr>
+            <p:cNvPr id="57" name="pgshape"/>
+            <p:cNvCxnSpPr/>
+            <p:nvPr/>
+          </p:nvCxnSpPr>
+          <p:spPr>
+            <a:xfrm flipV="1">
+              <a:off x="1338649" y="1654734"/>
+              <a:ext cx="0" cy="169333"/>
+            </a:xfrm>
+            <a:prstGeom prst="line">
+              <a:avLst/>
+            </a:prstGeom>
+            <a:ln w="25400">
+              <a:solidFill>
+                <a:srgbClr val="7D7D7D"/>
+              </a:solidFill>
+            </a:ln>
+          </p:spPr>
+          <p:style>
+            <a:lnRef idx="1">
+              <a:schemeClr val="accent1"/>
+            </a:lnRef>
+            <a:fillRef idx="0">
+              <a:schemeClr val="accent1"/>
+            </a:fillRef>
+            <a:effectRef idx="0">
+              <a:schemeClr val="accent1"/>
+            </a:effectRef>
+            <a:fontRef idx="minor">
+              <a:schemeClr val="tx1"/>
+            </a:fontRef>
+          </p:style>
+        </p:cxnSp>
+        <p:sp>
+          <p:nvSpPr>
+            <p:cNvPr id="58" name="pgshape"/>
+            <p:cNvSpPr txBox="1"/>
+            <p:nvPr>
+              <p:custDataLst>
+                <p:tags r:id="rId7"/>
+              </p:custDataLst>
+            </p:nvPr>
+          </p:nvSpPr>
+          <p:spPr>
+            <a:xfrm>
+              <a:off x="1934367" y="1824066"/>
+              <a:ext cx="563033" cy="338667"/>
+            </a:xfrm>
+            <a:prstGeom prst="rect">
+              <a:avLst/>
+            </a:prstGeom>
+            <a:noFill/>
+          </p:spPr>
+          <p:txBody>
+            <a:bodyPr vert="horz" wrap="square" rtlCol="0" anchor="ctr" anchorCtr="0">
+              <a:noAutofit/>
+            </a:bodyPr>
+            <a:lstStyle/>
+            <a:p>
+              <a:r>
+                <a:rPr lang="en-US" altLang="zh-CN" sz="1400" dirty="0" smtClean="0">
+                  <a:solidFill>
+                    <a:srgbClr val="FFFFFF"/>
+                  </a:solidFill>
+                </a:rPr>
+                <a:t>Nov</a:t>
+              </a:r>
+              <a:endParaRPr lang="en-US" sz="1400" dirty="0">
+                <a:solidFill>
+                  <a:srgbClr val="FFFFFF"/>
+                </a:solidFill>
+              </a:endParaRPr>
+            </a:p>
+          </p:txBody>
+        </p:sp>
+        <p:sp>
+          <p:nvSpPr>
+            <p:cNvPr id="59" name="pgshape"/>
+            <p:cNvSpPr txBox="1"/>
+            <p:nvPr>
+              <p:custDataLst>
+                <p:tags r:id="rId8"/>
+              </p:custDataLst>
+            </p:nvPr>
+          </p:nvSpPr>
+          <p:spPr>
+            <a:xfrm>
+              <a:off x="2689373" y="1824066"/>
+              <a:ext cx="563033" cy="338667"/>
+            </a:xfrm>
+            <a:prstGeom prst="rect">
+              <a:avLst/>
+            </a:prstGeom>
+            <a:noFill/>
+          </p:spPr>
+          <p:txBody>
+            <a:bodyPr vert="horz" wrap="square" rtlCol="0" anchor="ctr" anchorCtr="0">
+              <a:noAutofit/>
+            </a:bodyPr>
+            <a:lstStyle/>
+            <a:p>
+              <a:r>
+                <a:rPr lang="en-US" altLang="zh-CN" sz="1400" dirty="0" smtClean="0">
+                  <a:solidFill>
+                    <a:srgbClr val="FFFFFF"/>
+                  </a:solidFill>
+                </a:rPr>
+                <a:t>Dec</a:t>
+              </a:r>
+              <a:endParaRPr lang="en-US" sz="1400" dirty="0">
+                <a:solidFill>
+                  <a:srgbClr val="FFFFFF"/>
+                </a:solidFill>
+              </a:endParaRPr>
+            </a:p>
+          </p:txBody>
+        </p:sp>
+        <p:cxnSp>
+          <p:nvCxnSpPr>
+            <p:cNvPr id="60" name="pgshape"/>
+            <p:cNvCxnSpPr/>
+            <p:nvPr/>
+          </p:nvCxnSpPr>
+          <p:spPr>
+            <a:xfrm flipV="1">
+              <a:off x="2051720" y="1654734"/>
+              <a:ext cx="0" cy="169333"/>
+            </a:xfrm>
+            <a:prstGeom prst="line">
+              <a:avLst/>
+            </a:prstGeom>
+            <a:ln w="25400">
+              <a:solidFill>
+                <a:srgbClr val="7D7D7D"/>
+              </a:solidFill>
+            </a:ln>
+          </p:spPr>
+          <p:style>
+            <a:lnRef idx="1">
+              <a:schemeClr val="accent1"/>
+            </a:lnRef>
+            <a:fillRef idx="0">
+              <a:schemeClr val="accent1"/>
+            </a:fillRef>
+            <a:effectRef idx="0">
+              <a:schemeClr val="accent1"/>
+            </a:effectRef>
+            <a:fontRef idx="minor">
+              <a:schemeClr val="tx1"/>
+            </a:fontRef>
+          </p:style>
+        </p:cxnSp>
+        <p:sp>
+          <p:nvSpPr>
+            <p:cNvPr id="61" name="pgshape"/>
+            <p:cNvSpPr txBox="1"/>
+            <p:nvPr>
+              <p:custDataLst>
+                <p:tags r:id="rId9"/>
+              </p:custDataLst>
+            </p:nvPr>
+          </p:nvSpPr>
+          <p:spPr>
+            <a:xfrm>
+              <a:off x="3413168" y="1824066"/>
+              <a:ext cx="563033" cy="338667"/>
+            </a:xfrm>
+            <a:prstGeom prst="rect">
+              <a:avLst/>
+            </a:prstGeom>
+            <a:noFill/>
+          </p:spPr>
+          <p:txBody>
+            <a:bodyPr vert="horz" wrap="square" rtlCol="0" anchor="ctr" anchorCtr="0">
+              <a:noAutofit/>
+            </a:bodyPr>
+            <a:lstStyle/>
+            <a:p>
+              <a:r>
+                <a:rPr lang="en-US" altLang="zh-CN" sz="1400" dirty="0" smtClean="0">
+                  <a:solidFill>
+                    <a:srgbClr val="FFFFFF"/>
+                  </a:solidFill>
+                </a:rPr>
+                <a:t>Jan</a:t>
+              </a:r>
+              <a:endParaRPr lang="en-US" sz="1400" dirty="0">
+                <a:solidFill>
+                  <a:srgbClr val="FFFFFF"/>
+                </a:solidFill>
+              </a:endParaRPr>
+            </a:p>
+          </p:txBody>
+        </p:sp>
+        <p:cxnSp>
+          <p:nvCxnSpPr>
+            <p:cNvPr id="62" name="pgshape"/>
+            <p:cNvCxnSpPr/>
+            <p:nvPr/>
+          </p:nvCxnSpPr>
+          <p:spPr>
+            <a:xfrm flipV="1">
+              <a:off x="2796427" y="1654734"/>
+              <a:ext cx="0" cy="169333"/>
+            </a:xfrm>
+            <a:prstGeom prst="line">
+              <a:avLst/>
+            </a:prstGeom>
+            <a:ln w="25400">
+              <a:solidFill>
+                <a:srgbClr val="7D7D7D"/>
+              </a:solidFill>
+            </a:ln>
+          </p:spPr>
+          <p:style>
+            <a:lnRef idx="1">
+              <a:schemeClr val="accent1"/>
+            </a:lnRef>
+            <a:fillRef idx="0">
+              <a:schemeClr val="accent1"/>
+            </a:fillRef>
+            <a:effectRef idx="0">
+              <a:schemeClr val="accent1"/>
+            </a:effectRef>
+            <a:fontRef idx="minor">
+              <a:schemeClr val="tx1"/>
+            </a:fontRef>
+          </p:style>
+        </p:cxnSp>
+        <p:sp>
+          <p:nvSpPr>
+            <p:cNvPr id="63" name="pgshape"/>
+            <p:cNvSpPr txBox="1"/>
+            <p:nvPr>
+              <p:custDataLst>
+                <p:tags r:id="rId10"/>
+              </p:custDataLst>
+            </p:nvPr>
+          </p:nvSpPr>
+          <p:spPr>
+            <a:xfrm>
+              <a:off x="4158615" y="1824066"/>
+              <a:ext cx="563033" cy="338667"/>
+            </a:xfrm>
+            <a:prstGeom prst="rect">
+              <a:avLst/>
+            </a:prstGeom>
+            <a:noFill/>
+          </p:spPr>
+          <p:txBody>
+            <a:bodyPr vert="horz" wrap="square" rtlCol="0" anchor="ctr" anchorCtr="0">
+              <a:noAutofit/>
+            </a:bodyPr>
+            <a:lstStyle/>
+            <a:p>
+              <a:r>
+                <a:rPr lang="en-US" altLang="zh-CN" sz="1400" dirty="0" smtClean="0">
+                  <a:solidFill>
+                    <a:srgbClr val="FFFFFF"/>
+                  </a:solidFill>
+                </a:rPr>
+                <a:t>Feb</a:t>
+              </a:r>
+              <a:endParaRPr lang="en-US" sz="1400" dirty="0">
+                <a:solidFill>
+                  <a:srgbClr val="FFFFFF"/>
+                </a:solidFill>
+              </a:endParaRPr>
+            </a:p>
+          </p:txBody>
+        </p:sp>
+        <p:sp>
+          <p:nvSpPr>
+            <p:cNvPr id="64" name="pgshape"/>
+            <p:cNvSpPr txBox="1"/>
+            <p:nvPr>
+              <p:custDataLst>
+                <p:tags r:id="rId11"/>
+              </p:custDataLst>
+            </p:nvPr>
+          </p:nvSpPr>
+          <p:spPr>
+            <a:xfrm>
+              <a:off x="4916670" y="1824066"/>
+              <a:ext cx="563033" cy="338667"/>
+            </a:xfrm>
+            <a:prstGeom prst="rect">
+              <a:avLst/>
+            </a:prstGeom>
+            <a:noFill/>
+          </p:spPr>
+          <p:txBody>
+            <a:bodyPr vert="horz" wrap="square" rtlCol="0" anchor="ctr" anchorCtr="0">
+              <a:noAutofit/>
+            </a:bodyPr>
+            <a:lstStyle/>
+            <a:p>
+              <a:r>
+                <a:rPr lang="en-US" altLang="zh-CN" sz="1400" dirty="0" smtClean="0">
+                  <a:solidFill>
+                    <a:srgbClr val="FFFFFF"/>
+                  </a:solidFill>
+                </a:rPr>
+                <a:t>Mar</a:t>
+              </a:r>
+              <a:endParaRPr lang="en-US" sz="1400" dirty="0">
+                <a:solidFill>
+                  <a:srgbClr val="FFFFFF"/>
+                </a:solidFill>
+              </a:endParaRPr>
+            </a:p>
+          </p:txBody>
+        </p:sp>
+        <p:sp>
+          <p:nvSpPr>
+            <p:cNvPr id="65" name="pgshape"/>
+            <p:cNvSpPr txBox="1"/>
+            <p:nvPr>
+              <p:custDataLst>
+                <p:tags r:id="rId12"/>
+              </p:custDataLst>
+            </p:nvPr>
+          </p:nvSpPr>
+          <p:spPr>
+            <a:xfrm>
+              <a:off x="5683465" y="1824066"/>
+              <a:ext cx="563033" cy="338667"/>
+            </a:xfrm>
+            <a:prstGeom prst="rect">
+              <a:avLst/>
+            </a:prstGeom>
+            <a:noFill/>
+          </p:spPr>
+          <p:txBody>
+            <a:bodyPr vert="horz" wrap="square" rtlCol="0" anchor="ctr" anchorCtr="0">
+              <a:noAutofit/>
+            </a:bodyPr>
+            <a:lstStyle/>
+            <a:p>
+              <a:r>
+                <a:rPr lang="en-US" altLang="zh-CN" sz="1400" dirty="0" smtClean="0">
+                  <a:solidFill>
+                    <a:srgbClr val="FFFFFF"/>
+                  </a:solidFill>
+                </a:rPr>
+                <a:t>Apr</a:t>
+              </a:r>
+              <a:endParaRPr lang="en-US" sz="1400" dirty="0">
+                <a:solidFill>
+                  <a:srgbClr val="FFFFFF"/>
+                </a:solidFill>
+              </a:endParaRPr>
+            </a:p>
+          </p:txBody>
+        </p:sp>
+        <p:cxnSp>
+          <p:nvCxnSpPr>
+            <p:cNvPr id="66" name="pgshape"/>
+            <p:cNvCxnSpPr/>
+            <p:nvPr/>
+          </p:nvCxnSpPr>
+          <p:spPr>
+            <a:xfrm flipV="1">
+              <a:off x="4283968" y="1651059"/>
+              <a:ext cx="0" cy="169333"/>
+            </a:xfrm>
+            <a:prstGeom prst="line">
+              <a:avLst/>
+            </a:prstGeom>
+            <a:ln w="25400">
+              <a:solidFill>
+                <a:srgbClr val="7D7D7D"/>
+              </a:solidFill>
+            </a:ln>
+          </p:spPr>
+          <p:style>
+            <a:lnRef idx="1">
+              <a:schemeClr val="accent1"/>
+            </a:lnRef>
+            <a:fillRef idx="0">
+              <a:schemeClr val="accent1"/>
+            </a:fillRef>
+            <a:effectRef idx="0">
+              <a:schemeClr val="accent1"/>
+            </a:effectRef>
+            <a:fontRef idx="minor">
+              <a:schemeClr val="tx1"/>
+            </a:fontRef>
+          </p:style>
+        </p:cxnSp>
+        <p:sp>
+          <p:nvSpPr>
+            <p:cNvPr id="67" name="pgshape"/>
+            <p:cNvSpPr txBox="1"/>
+            <p:nvPr>
+              <p:custDataLst>
+                <p:tags r:id="rId13"/>
+              </p:custDataLst>
+            </p:nvPr>
+          </p:nvSpPr>
+          <p:spPr>
+            <a:xfrm>
+              <a:off x="6389152" y="1824066"/>
+              <a:ext cx="563033" cy="338667"/>
+            </a:xfrm>
+            <a:prstGeom prst="rect">
+              <a:avLst/>
+            </a:prstGeom>
+            <a:noFill/>
+          </p:spPr>
+          <p:txBody>
+            <a:bodyPr vert="horz" wrap="square" rtlCol="0" anchor="ctr" anchorCtr="0">
+              <a:noAutofit/>
+            </a:bodyPr>
+            <a:lstStyle/>
+            <a:p>
+              <a:r>
+                <a:rPr lang="en-US" altLang="zh-CN" sz="1400" dirty="0" smtClean="0">
+                  <a:solidFill>
+                    <a:srgbClr val="FFFFFF"/>
+                  </a:solidFill>
+                </a:rPr>
+                <a:t>May</a:t>
+              </a:r>
+              <a:endParaRPr lang="en-US" sz="1400" dirty="0">
+                <a:solidFill>
+                  <a:srgbClr val="FFFFFF"/>
+                </a:solidFill>
+              </a:endParaRPr>
+            </a:p>
+          </p:txBody>
+        </p:sp>
+        <p:cxnSp>
+          <p:nvCxnSpPr>
+            <p:cNvPr id="68" name="pgshape"/>
+            <p:cNvCxnSpPr/>
+            <p:nvPr/>
+          </p:nvCxnSpPr>
+          <p:spPr>
+            <a:xfrm flipV="1">
+              <a:off x="5076056" y="1651059"/>
+              <a:ext cx="0" cy="169333"/>
+            </a:xfrm>
+            <a:prstGeom prst="line">
+              <a:avLst/>
+            </a:prstGeom>
+            <a:ln w="25400">
+              <a:solidFill>
+                <a:srgbClr val="7D7D7D"/>
+              </a:solidFill>
+            </a:ln>
+          </p:spPr>
+          <p:style>
+            <a:lnRef idx="1">
+              <a:schemeClr val="accent1"/>
+            </a:lnRef>
+            <a:fillRef idx="0">
+              <a:schemeClr val="accent1"/>
+            </a:fillRef>
+            <a:effectRef idx="0">
+              <a:schemeClr val="accent1"/>
+            </a:effectRef>
+            <a:fontRef idx="minor">
+              <a:schemeClr val="tx1"/>
+            </a:fontRef>
+          </p:style>
+        </p:cxnSp>
+        <p:sp>
+          <p:nvSpPr>
+            <p:cNvPr id="69" name="pgshape"/>
+            <p:cNvSpPr txBox="1"/>
+            <p:nvPr>
+              <p:custDataLst>
+                <p:tags r:id="rId14"/>
+              </p:custDataLst>
+            </p:nvPr>
+          </p:nvSpPr>
+          <p:spPr>
+            <a:xfrm>
+              <a:off x="7156845" y="1824066"/>
+              <a:ext cx="505088" cy="338667"/>
+            </a:xfrm>
+            <a:prstGeom prst="rect">
+              <a:avLst/>
+            </a:prstGeom>
+            <a:noFill/>
+          </p:spPr>
+          <p:txBody>
+            <a:bodyPr vert="horz" wrap="square" rtlCol="0" anchor="ctr" anchorCtr="0">
+              <a:noAutofit/>
+            </a:bodyPr>
+            <a:lstStyle/>
+            <a:p>
+              <a:r>
+                <a:rPr lang="en-US" altLang="zh-CN" sz="1400" dirty="0" smtClean="0">
+                  <a:solidFill>
+                    <a:srgbClr val="FFFFFF"/>
+                  </a:solidFill>
+                </a:rPr>
+                <a:t>Jun</a:t>
+              </a:r>
+              <a:endParaRPr lang="en-US" sz="1400" dirty="0">
+                <a:solidFill>
+                  <a:srgbClr val="FFFFFF"/>
+                </a:solidFill>
+              </a:endParaRPr>
+            </a:p>
+          </p:txBody>
+        </p:sp>
+        <p:cxnSp>
+          <p:nvCxnSpPr>
+            <p:cNvPr id="70" name="pgshape"/>
+            <p:cNvCxnSpPr/>
+            <p:nvPr/>
+          </p:nvCxnSpPr>
+          <p:spPr>
+            <a:xfrm flipV="1">
+              <a:off x="5796136" y="1651059"/>
+              <a:ext cx="0" cy="169333"/>
+            </a:xfrm>
+            <a:prstGeom prst="line">
+              <a:avLst/>
+            </a:prstGeom>
+            <a:ln w="25400">
+              <a:solidFill>
+                <a:srgbClr val="7D7D7D"/>
+              </a:solidFill>
+            </a:ln>
+          </p:spPr>
+          <p:style>
+            <a:lnRef idx="1">
+              <a:schemeClr val="accent1"/>
+            </a:lnRef>
+            <a:fillRef idx="0">
+              <a:schemeClr val="accent1"/>
+            </a:fillRef>
+            <a:effectRef idx="0">
+              <a:schemeClr val="accent1"/>
+            </a:effectRef>
+            <a:fontRef idx="minor">
+              <a:schemeClr val="tx1"/>
+            </a:fontRef>
+          </p:style>
+        </p:cxnSp>
+        <p:cxnSp>
+          <p:nvCxnSpPr>
+            <p:cNvPr id="71" name="pgshape"/>
+            <p:cNvCxnSpPr/>
+            <p:nvPr/>
+          </p:nvCxnSpPr>
+          <p:spPr>
+            <a:xfrm flipV="1">
+              <a:off x="6507514" y="1651059"/>
+              <a:ext cx="0" cy="169333"/>
+            </a:xfrm>
+            <a:prstGeom prst="line">
+              <a:avLst/>
+            </a:prstGeom>
+            <a:ln w="25400">
+              <a:solidFill>
+                <a:srgbClr val="7D7D7D"/>
+              </a:solidFill>
+            </a:ln>
+          </p:spPr>
+          <p:style>
+            <a:lnRef idx="1">
+              <a:schemeClr val="accent1"/>
+            </a:lnRef>
+            <a:fillRef idx="0">
+              <a:schemeClr val="accent1"/>
+            </a:fillRef>
+            <a:effectRef idx="0">
+              <a:schemeClr val="accent1"/>
+            </a:effectRef>
+            <a:fontRef idx="minor">
+              <a:schemeClr val="tx1"/>
+            </a:fontRef>
+          </p:style>
+        </p:cxnSp>
+        <p:cxnSp>
+          <p:nvCxnSpPr>
+            <p:cNvPr id="72" name="pgshape"/>
+            <p:cNvCxnSpPr/>
+            <p:nvPr/>
+          </p:nvCxnSpPr>
+          <p:spPr>
+            <a:xfrm flipV="1">
+              <a:off x="7950200" y="1654734"/>
+              <a:ext cx="0" cy="169333"/>
+            </a:xfrm>
+            <a:prstGeom prst="line">
+              <a:avLst/>
+            </a:prstGeom>
+            <a:ln w="25400">
+              <a:solidFill>
+                <a:schemeClr val="lt2"/>
+              </a:solidFill>
+            </a:ln>
+          </p:spPr>
+          <p:style>
+            <a:lnRef idx="1">
+              <a:schemeClr val="accent1"/>
+            </a:lnRef>
+            <a:fillRef idx="0">
+              <a:schemeClr val="accent1"/>
+            </a:fillRef>
+            <a:effectRef idx="0">
+              <a:schemeClr val="accent1"/>
+            </a:effectRef>
+            <a:fontRef idx="minor">
+              <a:schemeClr val="tx1"/>
+            </a:fontRef>
+          </p:style>
+        </p:cxnSp>
+        <p:sp>
+          <p:nvSpPr>
+            <p:cNvPr id="73" name="pgshape"/>
+            <p:cNvSpPr txBox="1"/>
+            <p:nvPr>
+              <p:custDataLst>
+                <p:tags r:id="rId15"/>
+              </p:custDataLst>
+            </p:nvPr>
+          </p:nvSpPr>
+          <p:spPr>
+            <a:xfrm>
+              <a:off x="8077200" y="1824067"/>
+              <a:ext cx="635000" cy="338667"/>
+            </a:xfrm>
+            <a:prstGeom prst="rect">
+              <a:avLst/>
+            </a:prstGeom>
+            <a:noFill/>
+          </p:spPr>
+          <p:txBody>
+            <a:bodyPr vert="horz" wrap="none" rtlCol="0" anchor="ctr">
+              <a:noAutofit/>
+            </a:bodyPr>
+            <a:lstStyle/>
+            <a:p>
+              <a:pPr algn="ctr"/>
+              <a:r>
+                <a:rPr lang="en-US" sz="2400" b="1" dirty="0" smtClean="0">
+                  <a:solidFill>
+                    <a:srgbClr val="C0504D"/>
+                  </a:solidFill>
+                </a:rPr>
+                <a:t>2017</a:t>
+              </a:r>
+              <a:endParaRPr lang="en-US" sz="2400" b="1" dirty="0">
+                <a:solidFill>
+                  <a:srgbClr val="C0504D"/>
+                </a:solidFill>
+              </a:endParaRPr>
+            </a:p>
+          </p:txBody>
+        </p:sp>
+        <p:sp>
+          <p:nvSpPr>
+            <p:cNvPr id="74" name="milestoneshape"/>
+            <p:cNvSpPr/>
+            <p:nvPr/>
+          </p:nvSpPr>
+          <p:spPr>
+            <a:xfrm rot="10800000">
+              <a:off x="7583974" y="2044201"/>
+              <a:ext cx="254000" cy="372533"/>
+            </a:xfrm>
+            <a:prstGeom prst="flowChartMerge">
+              <a:avLst/>
+            </a:prstGeom>
+            <a:solidFill>
+              <a:schemeClr val="tx1"/>
+            </a:solidFill>
+            <a:ln w="25400" cap="flat" cmpd="sng" algn="ctr">
+              <a:noFill/>
+              <a:prstDash val="solid"/>
+            </a:ln>
+            <a:effectLst>
+              <a:outerShdw blurRad="63500">
+                <a:scrgbClr r="0" g="0" b="0">
+                  <a:alpha val="50000"/>
+                </a:scrgbClr>
+              </a:outerShdw>
+            </a:effectLst>
+            <a:scene3d>
+              <a:camera prst="orthographicFront"/>
+              <a:lightRig rig="threePt" dir="t"/>
+            </a:scene3d>
+            <a:sp3d>
+              <a:bevelT h="12700"/>
+            </a:sp3d>
+            <a:extLst>
+              <a:ext uri="{91240B29-F687-4F45-9708-019B960494DF}">
+                <a14:hiddenLine xmlns:a14="http://schemas.microsoft.com/office/drawing/2010/main" w="25400" cap="flat" cmpd="sng" algn="ctr">
+                  <a:solidFill>
+                    <a:schemeClr val="accent1">
+                      <a:shade val="50000"/>
+                    </a:schemeClr>
+                  </a:solidFill>
+                  <a:prstDash val="solid"/>
+                </a14:hiddenLine>
+              </a:ext>
+            </a:extLst>
+          </p:spPr>
+          <p:style>
+            <a:lnRef idx="2">
+              <a:schemeClr val="accent1">
+                <a:shade val="50000"/>
+              </a:schemeClr>
+            </a:lnRef>
+            <a:fillRef idx="1">
+              <a:schemeClr val="accent1"/>
+            </a:fillRef>
+            <a:effectRef idx="0">
+              <a:schemeClr val="accent1"/>
+            </a:effectRef>
+            <a:fontRef idx="minor">
+              <a:schemeClr val="lt1"/>
+            </a:fontRef>
+          </p:style>
+          <p:txBody>
+            <a:bodyPr rtlCol="0" anchor="ctr"/>
+            <a:lstStyle/>
+            <a:p>
+              <a:pPr algn="ctr"/>
+              <a:endParaRPr lang="en-US" dirty="0">
+                <a:solidFill>
+                  <a:prstClr val="white"/>
+                </a:solidFill>
+              </a:endParaRPr>
+            </a:p>
+          </p:txBody>
+        </p:sp>
+        <p:sp>
+          <p:nvSpPr>
+            <p:cNvPr id="75" name="milestoneshape"/>
+            <p:cNvSpPr txBox="1"/>
+            <p:nvPr>
+              <p:custDataLst>
+                <p:tags r:id="rId16"/>
+              </p:custDataLst>
+            </p:nvPr>
+          </p:nvSpPr>
+          <p:spPr>
+            <a:xfrm>
+              <a:off x="7012474" y="2442134"/>
+              <a:ext cx="1397000" cy="304800"/>
+            </a:xfrm>
+            <a:prstGeom prst="rect">
+              <a:avLst/>
+            </a:prstGeom>
+            <a:noFill/>
+          </p:spPr>
+          <p:txBody>
+            <a:bodyPr vert="horz" wrap="none" lIns="88900" tIns="44450" rIns="88900" bIns="44450" rtlCol="0" anchor="ctr" anchorCtr="1">
+              <a:noAutofit/>
+            </a:bodyPr>
+            <a:lstStyle/>
+            <a:p>
+              <a:pPr algn="ctr"/>
+              <a:r>
+                <a:rPr lang="en-US" sz="1000" dirty="0" smtClean="0">
+                  <a:solidFill>
+                    <a:prstClr val="black"/>
+                  </a:solidFill>
+                  <a:latin typeface=""/>
+                </a:rPr>
+                <a:t>2017</a:t>
+              </a:r>
+              <a:r>
+                <a:rPr lang="zh-CN" altLang="en-US" sz="1000" dirty="0" smtClean="0">
+                  <a:solidFill>
+                    <a:prstClr val="black"/>
+                  </a:solidFill>
+                  <a:latin typeface=""/>
+                </a:rPr>
+                <a:t>年</a:t>
+              </a:r>
+              <a:r>
+                <a:rPr lang="en-US" altLang="zh-CN" sz="1000" dirty="0" smtClean="0">
+                  <a:solidFill>
+                    <a:prstClr val="black"/>
+                  </a:solidFill>
+                  <a:latin typeface=""/>
+                </a:rPr>
+                <a:t>6</a:t>
+              </a:r>
+              <a:r>
+                <a:rPr lang="zh-CN" altLang="en-US" sz="1000" dirty="0" smtClean="0">
+                  <a:solidFill>
+                    <a:prstClr val="black"/>
+                  </a:solidFill>
+                  <a:latin typeface=""/>
+                </a:rPr>
+                <a:t>月</a:t>
+              </a:r>
+              <a:endParaRPr lang="en-US" altLang="zh-CN" sz="1000" dirty="0" smtClean="0">
+                <a:solidFill>
+                  <a:prstClr val="black"/>
+                </a:solidFill>
+                <a:latin typeface=""/>
+              </a:endParaRPr>
+            </a:p>
+            <a:p>
+              <a:pPr algn="ctr"/>
+              <a:r>
+                <a:rPr lang="zh-CN" altLang="en-US" sz="1000" dirty="0" smtClean="0">
+                  <a:solidFill>
+                    <a:prstClr val="black"/>
+                  </a:solidFill>
+                  <a:latin typeface=""/>
+                </a:rPr>
+                <a:t>提交论文 </a:t>
+              </a:r>
+              <a:r>
+                <a:rPr lang="en-US" altLang="zh-CN" sz="1000" dirty="0" smtClean="0">
+                  <a:solidFill>
+                    <a:prstClr val="black"/>
+                  </a:solidFill>
+                  <a:latin typeface=""/>
+                </a:rPr>
+                <a:t>&amp; </a:t>
+              </a:r>
+              <a:r>
+                <a:rPr lang="zh-CN" altLang="en-US" sz="1000" dirty="0" smtClean="0">
+                  <a:solidFill>
+                    <a:prstClr val="black"/>
+                  </a:solidFill>
+                  <a:latin typeface=""/>
+                </a:rPr>
+                <a:t>毕设答辩</a:t>
+              </a:r>
+              <a:endParaRPr lang="en-US" sz="1000" dirty="0">
+                <a:solidFill>
+                  <a:prstClr val="black"/>
+                </a:solidFill>
+                <a:latin typeface=""/>
+              </a:endParaRPr>
+            </a:p>
+          </p:txBody>
+        </p:sp>
+        <p:grpSp>
+          <p:nvGrpSpPr>
+            <p:cNvPr id="76" name="组合 75"/>
+            <p:cNvGrpSpPr/>
+            <p:nvPr/>
+          </p:nvGrpSpPr>
+          <p:grpSpPr>
+            <a:xfrm>
+              <a:off x="3170202" y="1301023"/>
+              <a:ext cx="1397000" cy="590842"/>
+              <a:chOff x="6116737" y="1351758"/>
+              <a:chExt cx="1397000" cy="590842"/>
+            </a:xfrm>
+          </p:grpSpPr>
+          <p:sp>
+            <p:nvSpPr>
+              <p:cNvPr id="88" name="milestoneshape"/>
+              <p:cNvSpPr/>
+              <p:nvPr/>
+            </p:nvSpPr>
+            <p:spPr>
+              <a:xfrm>
+                <a:off x="6688237" y="1570067"/>
+                <a:ext cx="254000" cy="372533"/>
+              </a:xfrm>
+              <a:prstGeom prst="flowChartMerge">
+                <a:avLst/>
+              </a:prstGeom>
+              <a:solidFill>
+                <a:srgbClr val="CCFF33"/>
+              </a:solidFill>
+              <a:ln w="25400" cap="flat" cmpd="sng" algn="ctr">
+                <a:noFill/>
+                <a:prstDash val="solid"/>
+              </a:ln>
+              <a:effectLst>
+                <a:outerShdw blurRad="63500">
+                  <a:scrgbClr r="0" g="0" b="0">
+                    <a:alpha val="50000"/>
+                  </a:scrgbClr>
+                </a:outerShdw>
+              </a:effectLst>
+              <a:scene3d>
+                <a:camera prst="orthographicFront"/>
+                <a:lightRig rig="threePt" dir="t"/>
+              </a:scene3d>
+              <a:sp3d>
+                <a:bevelT h="12700"/>
+              </a:sp3d>
+              <a:extLst>
+                <a:ext uri="{91240B29-F687-4F45-9708-019B960494DF}">
+                  <a14:hiddenLine xmlns:a14="http://schemas.microsoft.com/office/drawing/2010/main" w="25400" cap="flat" cmpd="sng" algn="ctr">
+                    <a:solidFill>
+                      <a:schemeClr val="accent1">
+                        <a:shade val="50000"/>
+                      </a:schemeClr>
+                    </a:solidFill>
+                    <a:prstDash val="solid"/>
+                  </a14:hiddenLine>
+                </a:ext>
+              </a:extLst>
+            </p:spPr>
+            <p:style>
+              <a:lnRef idx="2">
+                <a:schemeClr val="accent1">
+                  <a:shade val="50000"/>
+                </a:schemeClr>
+              </a:lnRef>
+              <a:fillRef idx="1">
+                <a:schemeClr val="accent1"/>
+              </a:fillRef>
+              <a:effectRef idx="0">
+                <a:schemeClr val="accent1"/>
+              </a:effectRef>
+              <a:fontRef idx="minor">
+                <a:schemeClr val="lt1"/>
+              </a:fontRef>
+            </p:style>
+            <p:txBody>
+              <a:bodyPr rtlCol="0" anchor="ctr"/>
+              <a:lstStyle/>
+              <a:p>
+                <a:pPr algn="ctr"/>
+                <a:endParaRPr lang="en-US" dirty="0">
+                  <a:solidFill>
+                    <a:prstClr val="white"/>
+                  </a:solidFill>
+                </a:endParaRPr>
+              </a:p>
+            </p:txBody>
+          </p:sp>
+          <p:sp>
+            <p:nvSpPr>
+              <p:cNvPr id="89" name="milestoneshape"/>
+              <p:cNvSpPr txBox="1"/>
+              <p:nvPr>
+                <p:custDataLst>
+                  <p:tags r:id="rId24"/>
+                </p:custDataLst>
+              </p:nvPr>
+            </p:nvSpPr>
+            <p:spPr>
+              <a:xfrm>
+                <a:off x="6116737" y="1351758"/>
+                <a:ext cx="1397000" cy="225190"/>
+              </a:xfrm>
+              <a:prstGeom prst="rect">
+                <a:avLst/>
+              </a:prstGeom>
+              <a:noFill/>
+            </p:spPr>
+            <p:txBody>
+              <a:bodyPr vert="horz" wrap="square" lIns="88900" tIns="44450" rIns="88900" bIns="44450" rtlCol="0" anchor="b" anchorCtr="1">
+                <a:spAutoFit/>
+              </a:bodyPr>
+              <a:lstStyle/>
+              <a:p>
+                <a:pPr algn="ctr">
+                  <a:lnSpc>
+                    <a:spcPct val="80000"/>
+                  </a:lnSpc>
+                </a:pPr>
+                <a:r>
+                  <a:rPr lang="zh-CN" altLang="en-US" sz="1100" dirty="0">
+                    <a:solidFill>
+                      <a:prstClr val="black"/>
+                    </a:solidFill>
+                    <a:latin typeface=""/>
+                  </a:rPr>
+                  <a:t>毕设</a:t>
+                </a:r>
+                <a:r>
+                  <a:rPr lang="zh-CN" altLang="en-US" sz="1100" dirty="0" smtClean="0">
+                    <a:solidFill>
+                      <a:prstClr val="black"/>
+                    </a:solidFill>
+                    <a:latin typeface=""/>
+                  </a:rPr>
+                  <a:t>开题报告</a:t>
+                </a:r>
+                <a:endParaRPr lang="en-US" sz="1100" dirty="0">
+                  <a:solidFill>
+                    <a:prstClr val="black"/>
+                  </a:solidFill>
+                  <a:latin typeface=""/>
+                </a:endParaRPr>
+              </a:p>
+            </p:txBody>
+          </p:sp>
+        </p:grpSp>
+        <p:sp>
+          <p:nvSpPr>
+            <p:cNvPr id="77" name="milestoneshape"/>
+            <p:cNvSpPr/>
+            <p:nvPr/>
+          </p:nvSpPr>
+          <p:spPr>
+            <a:xfrm rot="10800000">
+              <a:off x="1483205" y="2059390"/>
+              <a:ext cx="254000" cy="372533"/>
+            </a:xfrm>
+            <a:prstGeom prst="flowChartMerge">
+              <a:avLst/>
+            </a:prstGeom>
+            <a:solidFill>
+              <a:srgbClr val="1AAA42"/>
+            </a:solidFill>
+            <a:ln w="25400" cap="flat" cmpd="sng" algn="ctr">
+              <a:noFill/>
+              <a:prstDash val="solid"/>
+            </a:ln>
+            <a:effectLst>
+              <a:outerShdw blurRad="63500">
+                <a:scrgbClr r="0" g="0" b="0">
+                  <a:alpha val="50000"/>
+                </a:scrgbClr>
+              </a:outerShdw>
+            </a:effectLst>
+            <a:scene3d>
+              <a:camera prst="orthographicFront"/>
+              <a:lightRig rig="threePt" dir="t"/>
+            </a:scene3d>
+            <a:sp3d>
+              <a:bevelT h="12700"/>
+            </a:sp3d>
+            <a:extLst>
+              <a:ext uri="{91240B29-F687-4F45-9708-019B960494DF}">
+                <a14:hiddenLine xmlns:a14="http://schemas.microsoft.com/office/drawing/2010/main" w="25400" cap="flat" cmpd="sng" algn="ctr">
+                  <a:solidFill>
+                    <a:schemeClr val="accent1">
+                      <a:shade val="50000"/>
+                    </a:schemeClr>
+                  </a:solidFill>
+                  <a:prstDash val="solid"/>
+                </a14:hiddenLine>
+              </a:ext>
+            </a:extLst>
+          </p:spPr>
+          <p:style>
+            <a:lnRef idx="2">
+              <a:schemeClr val="accent1">
+                <a:shade val="50000"/>
+              </a:schemeClr>
+            </a:lnRef>
+            <a:fillRef idx="1">
+              <a:schemeClr val="accent1"/>
+            </a:fillRef>
+            <a:effectRef idx="0">
+              <a:schemeClr val="accent1"/>
+            </a:effectRef>
+            <a:fontRef idx="minor">
+              <a:schemeClr val="lt1"/>
+            </a:fontRef>
+          </p:style>
+          <p:txBody>
+            <a:bodyPr rtlCol="0" anchor="ctr"/>
+            <a:lstStyle/>
+            <a:p>
+              <a:pPr algn="ctr"/>
+              <a:endParaRPr lang="en-US" dirty="0">
+                <a:solidFill>
+                  <a:prstClr val="white"/>
+                </a:solidFill>
+              </a:endParaRPr>
+            </a:p>
+          </p:txBody>
+        </p:sp>
+        <p:sp>
+          <p:nvSpPr>
+            <p:cNvPr id="78" name="milestoneshape"/>
+            <p:cNvSpPr txBox="1"/>
+            <p:nvPr>
+              <p:custDataLst>
+                <p:tags r:id="rId17"/>
+              </p:custDataLst>
+            </p:nvPr>
+          </p:nvSpPr>
+          <p:spPr>
+            <a:xfrm>
+              <a:off x="486191" y="2199225"/>
+              <a:ext cx="1397000" cy="445323"/>
+            </a:xfrm>
+            <a:prstGeom prst="rect">
+              <a:avLst/>
+            </a:prstGeom>
+            <a:noFill/>
+          </p:spPr>
+          <p:txBody>
+            <a:bodyPr vert="horz" wrap="none" lIns="88900" tIns="44450" rIns="88900" bIns="44450" rtlCol="0" anchor="ctr" anchorCtr="1">
+              <a:noAutofit/>
+            </a:bodyPr>
+            <a:lstStyle/>
+            <a:p>
+              <a:pPr algn="ctr"/>
+              <a:r>
+                <a:rPr lang="en-US" sz="1000" dirty="0" smtClean="0">
+                  <a:solidFill>
+                    <a:prstClr val="black"/>
+                  </a:solidFill>
+                  <a:latin typeface=""/>
+                </a:rPr>
+                <a:t>10/14</a:t>
+              </a:r>
+            </a:p>
+            <a:p>
+              <a:pPr algn="ctr"/>
+              <a:r>
+                <a:rPr lang="zh-CN" altLang="en-US" sz="1000" dirty="0" smtClean="0">
+                  <a:solidFill>
+                    <a:prstClr val="black"/>
+                  </a:solidFill>
+                  <a:latin typeface=""/>
+                </a:rPr>
+                <a:t>第一次项目讨论</a:t>
+              </a:r>
+              <a:endParaRPr lang="en-US" sz="1000" dirty="0">
+                <a:solidFill>
+                  <a:prstClr val="black"/>
+                </a:solidFill>
+                <a:latin typeface=""/>
+              </a:endParaRPr>
+            </a:p>
+          </p:txBody>
+        </p:sp>
+        <p:cxnSp>
+          <p:nvCxnSpPr>
+            <p:cNvPr id="79" name="pgshape"/>
+            <p:cNvCxnSpPr/>
+            <p:nvPr/>
+          </p:nvCxnSpPr>
+          <p:spPr>
+            <a:xfrm flipV="1">
+              <a:off x="3563888" y="1651059"/>
+              <a:ext cx="0" cy="169333"/>
+            </a:xfrm>
+            <a:prstGeom prst="line">
+              <a:avLst/>
+            </a:prstGeom>
+            <a:ln w="25400">
+              <a:solidFill>
+                <a:srgbClr val="7D7D7D"/>
+              </a:solidFill>
+            </a:ln>
+          </p:spPr>
+          <p:style>
+            <a:lnRef idx="1">
+              <a:schemeClr val="accent1"/>
+            </a:lnRef>
+            <a:fillRef idx="0">
+              <a:schemeClr val="accent1"/>
+            </a:fillRef>
+            <a:effectRef idx="0">
+              <a:schemeClr val="accent1"/>
+            </a:effectRef>
+            <a:fontRef idx="minor">
+              <a:schemeClr val="tx1"/>
+            </a:fontRef>
+          </p:style>
+        </p:cxnSp>
+        <p:sp>
+          <p:nvSpPr>
+            <p:cNvPr id="80" name="intervalshape"/>
+            <p:cNvSpPr/>
+            <p:nvPr>
+              <p:custDataLst>
+                <p:tags r:id="rId18"/>
+              </p:custDataLst>
+            </p:nvPr>
+          </p:nvSpPr>
+          <p:spPr>
+            <a:xfrm>
+              <a:off x="1749121" y="2461149"/>
+              <a:ext cx="1298880" cy="325028"/>
+            </a:xfrm>
+            <a:prstGeom prst="roundRect">
+              <a:avLst/>
+            </a:prstGeom>
+            <a:solidFill>
+              <a:srgbClr val="FEBA0A"/>
+            </a:solidFill>
+            <a:ln w="25400" cap="flat" cmpd="sng" algn="ctr">
+              <a:noFill/>
+              <a:prstDash val="solid"/>
+            </a:ln>
+            <a:effectLst>
+              <a:outerShdw blurRad="63500">
+                <a:scrgbClr r="0" g="0" b="0">
+                  <a:alpha val="50000"/>
+                </a:scrgbClr>
+              </a:outerShdw>
+            </a:effectLst>
+            <a:scene3d>
+              <a:camera prst="orthographicFront"/>
+              <a:lightRig rig="balanced" dir="t">
+                <a:rot lat="0" lon="0" rev="8700000"/>
+              </a:lightRig>
+            </a:scene3d>
+            <a:sp3d>
+              <a:bevelT w="165100" h="12700"/>
+            </a:sp3d>
+            <a:extLst>
+              <a:ext uri="{91240B29-F687-4F45-9708-019B960494DF}">
+                <a14:hiddenLine xmlns:a14="http://schemas.microsoft.com/office/drawing/2010/main" w="25400" cap="flat" cmpd="sng" algn="ctr">
+                  <a:solidFill>
+                    <a:schemeClr val="accent1">
+                      <a:shade val="50000"/>
+                    </a:schemeClr>
+                  </a:solidFill>
+                  <a:prstDash val="solid"/>
+                </a14:hiddenLine>
+              </a:ext>
+              <a:ext uri="{53640926-AAD7-44D8-BBD7-CCE9431645EC}">
+                <a14:shadowObscured xmlns:a14="http://schemas.microsoft.com/office/drawing/2010/main" val="1"/>
+              </a:ext>
+            </a:extLst>
+          </p:spPr>
+          <p:style>
+            <a:lnRef idx="2">
+              <a:schemeClr val="accent1">
+                <a:shade val="50000"/>
+              </a:schemeClr>
+            </a:lnRef>
+            <a:fillRef idx="1">
+              <a:schemeClr val="accent1"/>
+            </a:fillRef>
+            <a:effectRef idx="0">
+              <a:schemeClr val="accent1"/>
+            </a:effectRef>
+            <a:fontRef idx="minor">
+              <a:schemeClr val="lt1"/>
+            </a:fontRef>
+          </p:style>
+          <p:txBody>
+            <a:bodyPr wrap="none" lIns="44450" tIns="19050" rIns="44450" bIns="6350" rtlCol="0" anchor="ctr"/>
+            <a:lstStyle/>
+            <a:p>
+              <a:pPr algn="ctr">
+                <a:lnSpc>
+                  <a:spcPts val="1000"/>
+                </a:lnSpc>
+              </a:pPr>
+              <a:r>
+                <a:rPr lang="zh-CN" altLang="en-US" sz="1500" dirty="0" smtClean="0">
+                  <a:solidFill>
+                    <a:srgbClr val="FFFFFF"/>
+                  </a:solidFill>
+                  <a:latin typeface=""/>
+                </a:rPr>
+                <a:t>文献调研</a:t>
+              </a:r>
+              <a:endParaRPr lang="en-US" sz="1500" dirty="0">
+                <a:solidFill>
+                  <a:srgbClr val="FFFFFF"/>
+                </a:solidFill>
+                <a:latin typeface=""/>
+              </a:endParaRPr>
+            </a:p>
+          </p:txBody>
+        </p:sp>
+        <p:sp>
+          <p:nvSpPr>
+            <p:cNvPr id="81" name="pgshape"/>
+            <p:cNvSpPr txBox="1"/>
+            <p:nvPr>
+              <p:custDataLst>
+                <p:tags r:id="rId19"/>
+              </p:custDataLst>
+            </p:nvPr>
+          </p:nvSpPr>
+          <p:spPr>
+            <a:xfrm>
+              <a:off x="1209888" y="1818153"/>
+              <a:ext cx="563033" cy="338667"/>
+            </a:xfrm>
+            <a:prstGeom prst="rect">
+              <a:avLst/>
+            </a:prstGeom>
+            <a:noFill/>
+          </p:spPr>
+          <p:txBody>
+            <a:bodyPr vert="horz" wrap="square" rtlCol="0" anchor="ctr" anchorCtr="0">
+              <a:noAutofit/>
+            </a:bodyPr>
+            <a:lstStyle/>
+            <a:p>
+              <a:r>
+                <a:rPr lang="en-US" sz="1400" dirty="0" smtClean="0">
+                  <a:solidFill>
+                    <a:srgbClr val="FFFFFF"/>
+                  </a:solidFill>
+                </a:rPr>
+                <a:t>Oct</a:t>
+              </a:r>
+              <a:endParaRPr lang="en-US" sz="1400" dirty="0">
+                <a:solidFill>
+                  <a:srgbClr val="FFFFFF"/>
+                </a:solidFill>
+              </a:endParaRPr>
+            </a:p>
+          </p:txBody>
+        </p:sp>
+        <p:sp>
+          <p:nvSpPr>
+            <p:cNvPr id="82" name="intervalshape"/>
+            <p:cNvSpPr/>
+            <p:nvPr>
+              <p:custDataLst>
+                <p:tags r:id="rId20"/>
+              </p:custDataLst>
+            </p:nvPr>
+          </p:nvSpPr>
+          <p:spPr>
+            <a:xfrm>
+              <a:off x="2537888" y="3397441"/>
+              <a:ext cx="1005842" cy="325028"/>
+            </a:xfrm>
+            <a:prstGeom prst="roundRect">
+              <a:avLst/>
+            </a:prstGeom>
+            <a:solidFill>
+              <a:srgbClr val="C78E01"/>
+            </a:solidFill>
+            <a:ln w="25400" cap="flat" cmpd="sng" algn="ctr">
+              <a:noFill/>
+              <a:prstDash val="solid"/>
+            </a:ln>
+            <a:effectLst>
+              <a:outerShdw blurRad="63500">
+                <a:scrgbClr r="0" g="0" b="0">
+                  <a:alpha val="50000"/>
+                </a:scrgbClr>
+              </a:outerShdw>
+            </a:effectLst>
+            <a:scene3d>
+              <a:camera prst="orthographicFront"/>
+              <a:lightRig rig="balanced" dir="t">
+                <a:rot lat="0" lon="0" rev="8700000"/>
+              </a:lightRig>
+            </a:scene3d>
+            <a:sp3d>
+              <a:bevelT w="165100" h="12700"/>
+            </a:sp3d>
+            <a:extLst>
+              <a:ext uri="{91240B29-F687-4F45-9708-019B960494DF}">
+                <a14:hiddenLine xmlns:a14="http://schemas.microsoft.com/office/drawing/2010/main" w="25400" cap="flat" cmpd="sng" algn="ctr">
+                  <a:solidFill>
+                    <a:schemeClr val="accent1">
+                      <a:shade val="50000"/>
+                    </a:schemeClr>
+                  </a:solidFill>
+                  <a:prstDash val="solid"/>
+                </a14:hiddenLine>
+              </a:ext>
+              <a:ext uri="{53640926-AAD7-44D8-BBD7-CCE9431645EC}">
+                <a14:shadowObscured xmlns:a14="http://schemas.microsoft.com/office/drawing/2010/main" val="1"/>
+              </a:ext>
+            </a:extLst>
+          </p:spPr>
+          <p:style>
+            <a:lnRef idx="2">
+              <a:schemeClr val="accent1">
+                <a:shade val="50000"/>
+              </a:schemeClr>
+            </a:lnRef>
+            <a:fillRef idx="1">
+              <a:schemeClr val="accent1"/>
+            </a:fillRef>
+            <a:effectRef idx="0">
+              <a:schemeClr val="accent1"/>
+            </a:effectRef>
+            <a:fontRef idx="minor">
+              <a:schemeClr val="lt1"/>
+            </a:fontRef>
+          </p:style>
+          <p:txBody>
+            <a:bodyPr wrap="none" lIns="44450" tIns="19050" rIns="44450" bIns="6350" rtlCol="0" anchor="ctr"/>
+            <a:lstStyle/>
+            <a:p>
+              <a:pPr algn="ctr">
+                <a:lnSpc>
+                  <a:spcPts val="1000"/>
+                </a:lnSpc>
+              </a:pPr>
+              <a:r>
+                <a:rPr lang="zh-CN" altLang="en-US" sz="1500" dirty="0">
+                  <a:solidFill>
+                    <a:srgbClr val="FFFFFF"/>
+                  </a:solidFill>
+                  <a:latin typeface=""/>
+                </a:rPr>
+                <a:t>误差</a:t>
+              </a:r>
+              <a:r>
+                <a:rPr lang="zh-CN" altLang="en-US" sz="1500" dirty="0" smtClean="0">
+                  <a:solidFill>
+                    <a:srgbClr val="FFFFFF"/>
+                  </a:solidFill>
+                  <a:latin typeface=""/>
+                </a:rPr>
+                <a:t>分析</a:t>
+              </a:r>
+              <a:endParaRPr lang="en-US" sz="1500" dirty="0">
+                <a:solidFill>
+                  <a:srgbClr val="FFFFFF"/>
+                </a:solidFill>
+                <a:latin typeface=""/>
+              </a:endParaRPr>
+            </a:p>
+          </p:txBody>
+        </p:sp>
+        <p:grpSp>
+          <p:nvGrpSpPr>
+            <p:cNvPr id="83" name="组合 82"/>
+            <p:cNvGrpSpPr/>
+            <p:nvPr/>
+          </p:nvGrpSpPr>
+          <p:grpSpPr>
+            <a:xfrm>
+              <a:off x="1737205" y="2867218"/>
+              <a:ext cx="1674369" cy="458748"/>
+              <a:chOff x="1737205" y="2825896"/>
+              <a:chExt cx="1674369" cy="531096"/>
+            </a:xfrm>
+          </p:grpSpPr>
+          <p:sp>
+            <p:nvSpPr>
+              <p:cNvPr id="86" name="intervalshape"/>
+              <p:cNvSpPr/>
+              <p:nvPr>
+                <p:custDataLst>
+                  <p:tags r:id="rId22"/>
+                </p:custDataLst>
+              </p:nvPr>
+            </p:nvSpPr>
+            <p:spPr>
+              <a:xfrm>
+                <a:off x="1737205" y="2836971"/>
+                <a:ext cx="760195" cy="520021"/>
+              </a:xfrm>
+              <a:prstGeom prst="roundRect">
+                <a:avLst/>
+              </a:prstGeom>
+              <a:solidFill>
+                <a:schemeClr val="accent1">
+                  <a:lumMod val="75000"/>
+                </a:schemeClr>
+              </a:solidFill>
+              <a:ln w="25400" cap="flat" cmpd="sng" algn="ctr">
+                <a:noFill/>
+                <a:prstDash val="solid"/>
+              </a:ln>
+              <a:effectLst>
+                <a:outerShdw blurRad="63500">
+                  <a:scrgbClr r="0" g="0" b="0">
+                    <a:alpha val="50000"/>
+                  </a:scrgbClr>
+                </a:outerShdw>
+              </a:effectLst>
+              <a:scene3d>
+                <a:camera prst="orthographicFront"/>
+                <a:lightRig rig="balanced" dir="t">
+                  <a:rot lat="0" lon="0" rev="8700000"/>
+                </a:lightRig>
+              </a:scene3d>
+              <a:sp3d>
+                <a:bevelT w="165100" h="12700"/>
+              </a:sp3d>
+              <a:extLst>
+                <a:ext uri="{53640926-AAD7-44D8-BBD7-CCE9431645EC}">
+                  <a14:shadowObscured xmlns:a14="http://schemas.microsoft.com/office/drawing/2010/main" val="1"/>
+                </a:ext>
+              </a:extLst>
+            </p:spPr>
+            <p:style>
+              <a:lnRef idx="2">
+                <a:schemeClr val="accent1">
+                  <a:shade val="50000"/>
+                </a:schemeClr>
+              </a:lnRef>
+              <a:fillRef idx="1">
+                <a:schemeClr val="accent1"/>
+              </a:fillRef>
+              <a:effectRef idx="0">
+                <a:schemeClr val="accent1"/>
+              </a:effectRef>
+              <a:fontRef idx="minor">
+                <a:schemeClr val="lt1"/>
+              </a:fontRef>
+            </p:style>
+            <p:txBody>
+              <a:bodyPr wrap="none" lIns="44450" tIns="19050" rIns="44450" bIns="6350" rtlCol="0" anchor="ctr"/>
+              <a:lstStyle/>
+              <a:p>
+                <a:pPr algn="ctr">
+                  <a:lnSpc>
+                    <a:spcPct val="90000"/>
+                  </a:lnSpc>
+                </a:pPr>
+                <a:r>
+                  <a:rPr lang="en-US" altLang="zh-CN" sz="1500" dirty="0" err="1">
+                    <a:solidFill>
+                      <a:srgbClr val="FFFFFF"/>
+                    </a:solidFill>
+                    <a:latin typeface=""/>
+                  </a:rPr>
+                  <a:t>Matlab</a:t>
+                </a:r>
+                <a:endParaRPr lang="en-US" altLang="zh-CN" sz="1500" dirty="0">
+                  <a:solidFill>
+                    <a:srgbClr val="FFFFFF"/>
+                  </a:solidFill>
+                  <a:latin typeface=""/>
+                </a:endParaRPr>
+              </a:p>
+              <a:p>
+                <a:pPr algn="ctr">
+                  <a:lnSpc>
+                    <a:spcPct val="90000"/>
+                  </a:lnSpc>
+                </a:pPr>
+                <a:r>
+                  <a:rPr lang="zh-CN" altLang="en-US" sz="1500" dirty="0">
+                    <a:solidFill>
+                      <a:srgbClr val="FFFFFF"/>
+                    </a:solidFill>
+                    <a:latin typeface=""/>
+                  </a:rPr>
+                  <a:t>测试平台</a:t>
+                </a:r>
+                <a:endParaRPr lang="en-US" sz="1500" dirty="0">
+                  <a:solidFill>
+                    <a:srgbClr val="FFFFFF"/>
+                  </a:solidFill>
+                  <a:latin typeface=""/>
+                </a:endParaRPr>
+              </a:p>
+            </p:txBody>
+          </p:sp>
+          <p:sp>
+            <p:nvSpPr>
+              <p:cNvPr id="87" name="intervalshape"/>
+              <p:cNvSpPr/>
+              <p:nvPr>
+                <p:custDataLst>
+                  <p:tags r:id="rId23"/>
+                </p:custDataLst>
+              </p:nvPr>
+            </p:nvSpPr>
+            <p:spPr>
+              <a:xfrm>
+                <a:off x="2537887" y="2825896"/>
+                <a:ext cx="873687" cy="520021"/>
+              </a:xfrm>
+              <a:prstGeom prst="roundRect">
+                <a:avLst/>
+              </a:prstGeom>
+              <a:solidFill>
+                <a:schemeClr val="accent1">
+                  <a:lumMod val="75000"/>
+                </a:schemeClr>
+              </a:solidFill>
+              <a:ln w="25400" cap="flat" cmpd="sng" algn="ctr">
+                <a:noFill/>
+                <a:prstDash val="solid"/>
+              </a:ln>
+              <a:effectLst>
+                <a:outerShdw blurRad="63500">
+                  <a:scrgbClr r="0" g="0" b="0">
+                    <a:alpha val="50000"/>
+                  </a:scrgbClr>
+                </a:outerShdw>
+              </a:effectLst>
+              <a:scene3d>
+                <a:camera prst="orthographicFront"/>
+                <a:lightRig rig="balanced" dir="t">
+                  <a:rot lat="0" lon="0" rev="8700000"/>
+                </a:lightRig>
+              </a:scene3d>
+              <a:sp3d>
+                <a:bevelT w="165100" h="12700"/>
+              </a:sp3d>
+              <a:extLst>
+                <a:ext uri="{53640926-AAD7-44D8-BBD7-CCE9431645EC}">
+                  <a14:shadowObscured xmlns:a14="http://schemas.microsoft.com/office/drawing/2010/main" val="1"/>
+                </a:ext>
+              </a:extLst>
+            </p:spPr>
+            <p:style>
+              <a:lnRef idx="2">
+                <a:schemeClr val="accent1">
+                  <a:shade val="50000"/>
+                </a:schemeClr>
+              </a:lnRef>
+              <a:fillRef idx="1">
+                <a:schemeClr val="accent1"/>
+              </a:fillRef>
+              <a:effectRef idx="0">
+                <a:schemeClr val="accent1"/>
+              </a:effectRef>
+              <a:fontRef idx="minor">
+                <a:schemeClr val="lt1"/>
+              </a:fontRef>
+            </p:style>
+            <p:txBody>
+              <a:bodyPr wrap="none" lIns="44450" tIns="19050" rIns="44450" bIns="6350" rtlCol="0" anchor="ctr"/>
+              <a:lstStyle/>
+              <a:p>
+                <a:pPr algn="ctr">
+                  <a:lnSpc>
+                    <a:spcPct val="90000"/>
+                  </a:lnSpc>
+                </a:pPr>
+                <a:r>
+                  <a:rPr lang="en-US" altLang="zh-CN" sz="1500" dirty="0" err="1">
+                    <a:solidFill>
+                      <a:srgbClr val="FFFFFF"/>
+                    </a:solidFill>
+                    <a:latin typeface=""/>
+                  </a:rPr>
+                  <a:t>Modelsim</a:t>
+                </a:r>
+                <a:endParaRPr lang="en-US" altLang="zh-CN" sz="1500" dirty="0">
+                  <a:solidFill>
+                    <a:srgbClr val="FFFFFF"/>
+                  </a:solidFill>
+                  <a:latin typeface=""/>
+                </a:endParaRPr>
+              </a:p>
+              <a:p>
+                <a:pPr algn="ctr">
+                  <a:lnSpc>
+                    <a:spcPct val="90000"/>
+                  </a:lnSpc>
+                </a:pPr>
+                <a:r>
+                  <a:rPr lang="zh-CN" altLang="en-US" sz="1500" dirty="0">
+                    <a:solidFill>
+                      <a:srgbClr val="FFFFFF"/>
+                    </a:solidFill>
+                    <a:latin typeface=""/>
+                  </a:rPr>
+                  <a:t>测试平台</a:t>
+                </a:r>
+                <a:endParaRPr lang="en-US" sz="1500" dirty="0">
+                  <a:solidFill>
+                    <a:srgbClr val="FFFFFF"/>
+                  </a:solidFill>
+                  <a:latin typeface=""/>
+                </a:endParaRPr>
+              </a:p>
+            </p:txBody>
+          </p:sp>
+        </p:grpSp>
+        <p:cxnSp>
+          <p:nvCxnSpPr>
+            <p:cNvPr id="84" name="intervalshape"/>
+            <p:cNvCxnSpPr/>
+            <p:nvPr/>
+          </p:nvCxnSpPr>
+          <p:spPr>
+            <a:xfrm>
+              <a:off x="3868702" y="1886203"/>
+              <a:ext cx="0" cy="1915216"/>
+            </a:xfrm>
+            <a:prstGeom prst="line">
+              <a:avLst/>
+            </a:prstGeom>
+            <a:ln w="1270">
+              <a:solidFill>
+                <a:srgbClr val="CCCCCC"/>
+              </a:solidFill>
+            </a:ln>
+          </p:spPr>
+          <p:style>
+            <a:lnRef idx="1">
+              <a:schemeClr val="accent1"/>
+            </a:lnRef>
+            <a:fillRef idx="0">
+              <a:schemeClr val="accent1"/>
+            </a:fillRef>
+            <a:effectRef idx="0">
+              <a:schemeClr val="accent1"/>
+            </a:effectRef>
+            <a:fontRef idx="minor">
+              <a:schemeClr val="tx1"/>
+            </a:fontRef>
+          </p:style>
+        </p:cxnSp>
+        <p:sp>
+          <p:nvSpPr>
+            <p:cNvPr id="85" name="intervalshape"/>
+            <p:cNvSpPr/>
+            <p:nvPr>
+              <p:custDataLst>
+                <p:tags r:id="rId21"/>
+              </p:custDataLst>
+            </p:nvPr>
+          </p:nvSpPr>
+          <p:spPr>
+            <a:xfrm>
+              <a:off x="5043670" y="3801419"/>
+              <a:ext cx="1463843" cy="451970"/>
+            </a:xfrm>
+            <a:prstGeom prst="roundRect">
+              <a:avLst/>
+            </a:prstGeom>
+            <a:solidFill>
+              <a:srgbClr val="0072BC"/>
+            </a:solidFill>
+            <a:ln w="25400" cap="flat" cmpd="sng" algn="ctr">
+              <a:noFill/>
+              <a:prstDash val="solid"/>
+            </a:ln>
+            <a:effectLst>
+              <a:outerShdw blurRad="63500">
+                <a:scrgbClr r="0" g="0" b="0">
+                  <a:alpha val="50000"/>
+                </a:scrgbClr>
+              </a:outerShdw>
+            </a:effectLst>
+            <a:scene3d>
+              <a:camera prst="orthographicFront"/>
+              <a:lightRig rig="balanced" dir="t">
+                <a:rot lat="0" lon="0" rev="8700000"/>
+              </a:lightRig>
+            </a:scene3d>
+            <a:sp3d>
+              <a:bevelT w="165100" h="12700"/>
+            </a:sp3d>
+            <a:extLst>
+              <a:ext uri="{91240B29-F687-4F45-9708-019B960494DF}">
+                <a14:hiddenLine xmlns:a14="http://schemas.microsoft.com/office/drawing/2010/main" w="25400" cap="flat" cmpd="sng" algn="ctr">
+                  <a:solidFill>
+                    <a:schemeClr val="accent1">
+                      <a:shade val="50000"/>
+                    </a:schemeClr>
+                  </a:solidFill>
+                  <a:prstDash val="solid"/>
+                </a14:hiddenLine>
+              </a:ext>
+              <a:ext uri="{53640926-AAD7-44D8-BBD7-CCE9431645EC}">
+                <a14:shadowObscured xmlns:a14="http://schemas.microsoft.com/office/drawing/2010/main" val="1"/>
+              </a:ext>
+            </a:extLst>
+          </p:spPr>
+          <p:style>
+            <a:lnRef idx="2">
+              <a:schemeClr val="accent1">
+                <a:shade val="50000"/>
+              </a:schemeClr>
+            </a:lnRef>
+            <a:fillRef idx="1">
+              <a:schemeClr val="accent1"/>
+            </a:fillRef>
+            <a:effectRef idx="0">
+              <a:schemeClr val="accent1"/>
+            </a:effectRef>
+            <a:fontRef idx="minor">
+              <a:schemeClr val="lt1"/>
+            </a:fontRef>
+          </p:style>
+          <p:txBody>
+            <a:bodyPr wrap="none" lIns="44450" tIns="19050" rIns="44450" bIns="6350" rtlCol="0" anchor="ctr"/>
+            <a:lstStyle/>
+            <a:p>
+              <a:pPr algn="ctr">
+                <a:lnSpc>
+                  <a:spcPct val="90000"/>
+                </a:lnSpc>
+              </a:pPr>
+              <a:r>
+                <a:rPr lang="zh-CN" altLang="en-US" sz="1500" dirty="0" smtClean="0">
+                  <a:solidFill>
+                    <a:srgbClr val="FFFFFF"/>
+                  </a:solidFill>
+                  <a:latin typeface=""/>
+                </a:rPr>
+                <a:t>后端设计</a:t>
+              </a:r>
+              <a:endParaRPr lang="en-US" altLang="zh-CN" sz="1500" dirty="0" smtClean="0">
+                <a:solidFill>
+                  <a:srgbClr val="FFFFFF"/>
+                </a:solidFill>
+                <a:latin typeface=""/>
+              </a:endParaRPr>
+            </a:p>
+            <a:p>
+              <a:pPr algn="ctr">
+                <a:lnSpc>
+                  <a:spcPct val="90000"/>
+                </a:lnSpc>
+              </a:pPr>
+              <a:r>
+                <a:rPr lang="zh-CN" altLang="en-US" sz="1500" dirty="0" smtClean="0">
+                  <a:solidFill>
+                    <a:srgbClr val="FFFFFF"/>
+                  </a:solidFill>
+                  <a:latin typeface=""/>
+                </a:rPr>
+                <a:t>电路实现优化</a:t>
+              </a:r>
+              <a:endParaRPr lang="en-US" sz="1500" dirty="0">
+                <a:solidFill>
+                  <a:srgbClr val="FFFFFF"/>
+                </a:solidFill>
+                <a:latin typeface=""/>
+              </a:endParaRPr>
+            </a:p>
+          </p:txBody>
+        </p:sp>
+      </p:grpSp>
+      <p:sp>
+        <p:nvSpPr>
+          <p:cNvPr id="92" name="milestoneshape"/>
+          <p:cNvSpPr/>
+          <p:nvPr/>
+        </p:nvSpPr>
+        <p:spPr>
+          <a:xfrm>
+            <a:off x="5918030" y="3067592"/>
+            <a:ext cx="254000" cy="372533"/>
+          </a:xfrm>
+          <a:prstGeom prst="flowChartMerge">
+            <a:avLst/>
+          </a:prstGeom>
+          <a:solidFill>
+            <a:srgbClr val="FF4B21"/>
+          </a:solidFill>
+          <a:ln w="25400" cap="flat" cmpd="sng" algn="ctr">
+            <a:noFill/>
+            <a:prstDash val="solid"/>
+          </a:ln>
+          <a:effectLst>
+            <a:outerShdw blurRad="63500">
+              <a:scrgbClr r="0" g="0" b="0">
+                <a:alpha val="50000"/>
+              </a:scrgbClr>
+            </a:outerShdw>
+          </a:effectLst>
+          <a:scene3d>
+            <a:camera prst="orthographicFront"/>
+            <a:lightRig rig="threePt" dir="t"/>
+          </a:scene3d>
+          <a:sp3d>
+            <a:bevelT h="12700"/>
+          </a:sp3d>
+          <a:extLst>
+            <a:ext uri="{91240B29-F687-4F45-9708-019B960494DF}">
+              <a14:hiddenLine xmlns:a14="http://schemas.microsoft.com/office/drawing/2010/main" w="25400" cap="flat" cmpd="sng" algn="ctr">
+                <a:solidFill>
+                  <a:schemeClr val="accent1">
+                    <a:shade val="50000"/>
+                  </a:schemeClr>
+                </a:solidFill>
+                <a:prstDash val="solid"/>
+              </a14:hiddenLine>
+            </a:ext>
+          </a:extLst>
+        </p:spPr>
+        <p:style>
+          <a:lnRef idx="2">
+            <a:schemeClr val="accent1">
+              <a:shade val="50000"/>
+            </a:schemeClr>
+          </a:lnRef>
+          <a:fillRef idx="1">
+            <a:schemeClr val="accent1"/>
+          </a:fillRef>
+          <a:effectRef idx="0">
+            <a:schemeClr val="accent1"/>
+          </a:effectRef>
+          <a:fontRef idx="minor">
+            <a:schemeClr val="lt1"/>
+          </a:fontRef>
+        </p:style>
+        <p:txBody>
+          <a:bodyPr rtlCol="0" anchor="ctr"/>
+          <a:lstStyle/>
+          <a:p>
+            <a:pPr algn="ctr"/>
+            <a:endParaRPr lang="en-US" dirty="0">
+              <a:solidFill>
+                <a:prstClr val="white"/>
+              </a:solidFill>
+            </a:endParaRPr>
+          </a:p>
+        </p:txBody>
+      </p:sp>
+      <p:sp>
+        <p:nvSpPr>
+          <p:cNvPr id="93" name="milestoneshape"/>
+          <p:cNvSpPr txBox="1"/>
+          <p:nvPr>
+            <p:custDataLst>
+              <p:tags r:id="rId1"/>
+            </p:custDataLst>
+          </p:nvPr>
+        </p:nvSpPr>
+        <p:spPr>
+          <a:xfrm>
+            <a:off x="5336035" y="2849283"/>
+            <a:ext cx="1397000" cy="225190"/>
+          </a:xfrm>
+          <a:prstGeom prst="rect">
+            <a:avLst/>
+          </a:prstGeom>
+          <a:noFill/>
+        </p:spPr>
+        <p:txBody>
+          <a:bodyPr vert="horz" wrap="square" lIns="88900" tIns="44450" rIns="88900" bIns="44450" rtlCol="0" anchor="b" anchorCtr="1">
+            <a:spAutoFit/>
+          </a:bodyPr>
+          <a:lstStyle/>
+          <a:p>
+            <a:pPr algn="ctr">
+              <a:lnSpc>
+                <a:spcPct val="80000"/>
+              </a:lnSpc>
             </a:pPr>
-            <a:endParaRPr lang="en-US" altLang="zh-CN" dirty="0"/>
-          </a:p>
-          <a:p>
-            <a:pPr marL="0" indent="0">
-              <a:spcBef>
-                <a:spcPts val="600"/>
-              </a:spcBef>
-              <a:spcAft>
-                <a:spcPts val="0"/>
-              </a:spcAft>
-              <a:buNone/>
-            </a:pPr>
-            <a:endParaRPr lang="en-US" altLang="zh-CN" dirty="0"/>
-          </a:p>
-          <a:p>
-            <a:pPr>
-              <a:spcBef>
-                <a:spcPts val="600"/>
-              </a:spcBef>
-              <a:spcAft>
-                <a:spcPts val="0"/>
-              </a:spcAft>
-            </a:pPr>
-            <a:endParaRPr lang="en-US" altLang="zh-CN" dirty="0"/>
-          </a:p>
-          <a:p>
-            <a:pPr marL="342900" lvl="1" indent="0">
-              <a:spcBef>
-                <a:spcPts val="600"/>
-              </a:spcBef>
-              <a:spcAft>
-                <a:spcPts val="600"/>
-              </a:spcAft>
-              <a:buNone/>
-            </a:pPr>
-            <a:endParaRPr lang="en-US" altLang="zh-CN" dirty="0"/>
-          </a:p>
-        </p:txBody>
-      </p:sp>
+            <a:r>
+              <a:rPr lang="zh-CN" altLang="en-US" sz="1100" dirty="0">
+                <a:solidFill>
+                  <a:prstClr val="black"/>
+                </a:solidFill>
+                <a:latin typeface=""/>
+              </a:rPr>
+              <a:t>毕</a:t>
+            </a:r>
+            <a:r>
+              <a:rPr lang="zh-CN" altLang="en-US" sz="1100" dirty="0" smtClean="0">
+                <a:solidFill>
+                  <a:prstClr val="black"/>
+                </a:solidFill>
+                <a:latin typeface=""/>
+              </a:rPr>
+              <a:t>设</a:t>
+            </a:r>
+            <a:r>
+              <a:rPr lang="zh-CN" altLang="en-US" sz="1100" dirty="0">
+                <a:solidFill>
+                  <a:prstClr val="black"/>
+                </a:solidFill>
+                <a:latin typeface=""/>
+              </a:rPr>
+              <a:t>中期报告</a:t>
+            </a:r>
+            <a:endParaRPr lang="en-US" sz="1100" dirty="0">
+              <a:solidFill>
+                <a:prstClr val="black"/>
+              </a:solidFill>
+              <a:latin typeface=""/>
+            </a:endParaRPr>
+          </a:p>
+        </p:txBody>
+      </p:sp>
+      <p:cxnSp>
+        <p:nvCxnSpPr>
+          <p:cNvPr id="134" name="intervalshape"/>
+          <p:cNvCxnSpPr/>
+          <p:nvPr/>
+        </p:nvCxnSpPr>
+        <p:spPr>
+          <a:xfrm>
+            <a:off x="6034535" y="3419882"/>
+            <a:ext cx="0" cy="1923883"/>
+          </a:xfrm>
+          <a:prstGeom prst="line">
+            <a:avLst/>
+          </a:prstGeom>
+          <a:ln w="1270">
+            <a:solidFill>
+              <a:srgbClr val="CCCCCC"/>
+            </a:solidFill>
+          </a:ln>
+        </p:spPr>
+        <p:style>
+          <a:lnRef idx="1">
+            <a:schemeClr val="accent1"/>
+          </a:lnRef>
+          <a:fillRef idx="0">
+            <a:schemeClr val="accent1"/>
+          </a:fillRef>
+          <a:effectRef idx="0">
+            <a:schemeClr val="accent1"/>
+          </a:effectRef>
+          <a:fontRef idx="minor">
+            <a:schemeClr val="tx1"/>
+          </a:fontRef>
+        </p:style>
+      </p:cxnSp>
     </p:spTree>
     <p:extLst>
       <p:ext uri="{BB962C8B-B14F-4D97-AF65-F5344CB8AC3E}">
@@ -13316,6 +16391,13 @@
   <p:clrMapOvr>
     <a:masterClrMapping/>
   </p:clrMapOvr>
+  <p:timing>
+    <p:tnLst>
+      <p:par>
+        <p:cTn id="1" dur="indefinite" restart="never" nodeType="tmRoot"/>
+      </p:par>
+    </p:tnLst>
+  </p:timing>
 </p:sld>
 </file>
 
@@ -13391,16 +16473,247 @@
           <a:p>
             <a:pPr lvl="1"/>
             <a:r>
+              <a:rPr lang="zh-CN" altLang="en-US" sz="2000" dirty="0" smtClean="0"/>
+              <a:t>第</a:t>
+            </a:r>
+            <a:r>
+              <a:rPr lang="en-US" altLang="zh-CN" sz="2000" dirty="0" smtClean="0"/>
+              <a:t>5 ~10</a:t>
+            </a:r>
+            <a:r>
+              <a:rPr lang="zh-CN" altLang="en-US" sz="2000" dirty="0" smtClean="0"/>
+              <a:t>周</a:t>
+            </a:r>
+            <a:r>
+              <a:rPr lang="zh-CN" altLang="en-US" sz="2000" dirty="0"/>
+              <a:t>：前期文献调研、课题背景了解</a:t>
+            </a:r>
+            <a:endParaRPr lang="en-US" altLang="zh-CN" sz="2000" dirty="0"/>
+          </a:p>
+          <a:p>
+            <a:pPr lvl="1"/>
+            <a:r>
+              <a:rPr lang="zh-CN" altLang="en-US" sz="2000" dirty="0" smtClean="0"/>
+              <a:t>第</a:t>
+            </a:r>
+            <a:r>
+              <a:rPr lang="en-US" altLang="zh-CN" sz="2000" dirty="0" smtClean="0"/>
+              <a:t>8 ~13</a:t>
+            </a:r>
+            <a:r>
+              <a:rPr lang="zh-CN" altLang="en-US" sz="2000" dirty="0" smtClean="0"/>
+              <a:t>周</a:t>
+            </a:r>
+            <a:r>
+              <a:rPr lang="zh-CN" altLang="en-US" sz="2000" dirty="0"/>
+              <a:t>：</a:t>
+            </a:r>
+            <a:r>
+              <a:rPr lang="en-US" altLang="zh-CN" sz="2000" dirty="0" err="1"/>
+              <a:t>Matlab</a:t>
+            </a:r>
+            <a:r>
+              <a:rPr lang="zh-CN" altLang="en-US" sz="2000" dirty="0"/>
+              <a:t>和</a:t>
+            </a:r>
+            <a:r>
+              <a:rPr lang="en-US" altLang="zh-CN" sz="2000" dirty="0" err="1"/>
+              <a:t>Modelsim</a:t>
+            </a:r>
+            <a:r>
+              <a:rPr lang="zh-CN" altLang="en-US" sz="2000" dirty="0"/>
+              <a:t>上搭建</a:t>
+            </a:r>
+            <a:r>
+              <a:rPr lang="en-US" altLang="zh-CN" sz="2000" dirty="0"/>
+              <a:t>NCO</a:t>
+            </a:r>
+            <a:r>
+              <a:rPr lang="zh-CN" altLang="en-US" sz="2000" dirty="0"/>
+              <a:t>基本模型</a:t>
+            </a:r>
+            <a:r>
+              <a:rPr lang="zh-CN" altLang="en-US" sz="2000" dirty="0" smtClean="0"/>
+              <a:t>，</a:t>
+            </a:r>
+            <a:endParaRPr lang="en-US" altLang="zh-CN" sz="2000" dirty="0" smtClean="0"/>
+          </a:p>
+          <a:p>
+            <a:pPr lvl="1"/>
+            <a:r>
+              <a:rPr lang="zh-CN" altLang="en-US" sz="2000" dirty="0" smtClean="0"/>
+              <a:t>第</a:t>
+            </a:r>
+            <a:r>
+              <a:rPr lang="en-US" altLang="zh-CN" sz="2000" dirty="0" smtClean="0"/>
+              <a:t>14~15</a:t>
+            </a:r>
+            <a:r>
+              <a:rPr lang="zh-CN" altLang="en-US" sz="2000" dirty="0" smtClean="0"/>
+              <a:t>周：进行</a:t>
+            </a:r>
+            <a:r>
+              <a:rPr lang="zh-CN" altLang="en-US" sz="2000" dirty="0"/>
+              <a:t>理论分析和</a:t>
+            </a:r>
+            <a:r>
+              <a:rPr lang="zh-CN" altLang="en-US" sz="2000" dirty="0" smtClean="0"/>
+              <a:t>功能性仿真</a:t>
+            </a:r>
+            <a:endParaRPr lang="en-US" altLang="zh-CN" sz="2000" dirty="0"/>
+          </a:p>
+          <a:p>
+            <a:pPr lvl="1"/>
+            <a:r>
               <a:rPr lang="zh-CN" altLang="en-US" sz="2000" dirty="0"/>
               <a:t>第</a:t>
             </a:r>
             <a:r>
+              <a:rPr lang="en-US" altLang="zh-CN" sz="2000" dirty="0" smtClean="0"/>
+              <a:t>15~18</a:t>
+            </a:r>
+            <a:r>
+              <a:rPr lang="zh-CN" altLang="en-US" sz="2000" dirty="0" smtClean="0"/>
+              <a:t>周：学习使用综合工具；总结</a:t>
+            </a:r>
+            <a:r>
+              <a:rPr lang="zh-CN" altLang="en-US" sz="2000" dirty="0"/>
+              <a:t>调研结果，准备开题</a:t>
+            </a:r>
+            <a:r>
+              <a:rPr lang="zh-CN" altLang="en-US" sz="2000" dirty="0" smtClean="0"/>
+              <a:t>报告</a:t>
+            </a:r>
+            <a:endParaRPr lang="en-US" altLang="zh-CN" sz="2000" dirty="0" smtClean="0"/>
+          </a:p>
+          <a:p>
+            <a:r>
+              <a:rPr lang="en-US" altLang="zh-CN" dirty="0" smtClean="0"/>
+              <a:t>2016</a:t>
+            </a:r>
+            <a:r>
+              <a:rPr lang="zh-CN" altLang="en-US" dirty="0"/>
+              <a:t>年春季学期：</a:t>
+            </a:r>
+            <a:endParaRPr lang="en-US" altLang="zh-CN" dirty="0"/>
+          </a:p>
+          <a:p>
+            <a:pPr lvl="1"/>
+            <a:r>
+              <a:rPr lang="zh-CN" altLang="en-US" sz="2000" dirty="0"/>
+              <a:t>第 </a:t>
+            </a:r>
+            <a:r>
+              <a:rPr lang="en-US" altLang="zh-CN" sz="2000" dirty="0" smtClean="0"/>
+              <a:t>1 ~ </a:t>
+            </a:r>
+            <a:r>
               <a:rPr lang="en-US" altLang="zh-CN" sz="2000" dirty="0"/>
-              <a:t>12~13</a:t>
+              <a:t>3</a:t>
+            </a:r>
+            <a:r>
+              <a:rPr lang="en-US" altLang="zh-CN" sz="2000" dirty="0" smtClean="0"/>
+              <a:t> </a:t>
             </a:r>
             <a:r>
               <a:rPr lang="zh-CN" altLang="en-US" sz="2000" dirty="0"/>
-              <a:t>周：前期文献调研、课题背景了解</a:t>
+              <a:t>周：在电路层面对各模块进行仿真，寻找合理配置方案</a:t>
+            </a:r>
+            <a:endParaRPr lang="en-US" altLang="zh-CN" sz="2000" dirty="0"/>
+          </a:p>
+          <a:p>
+            <a:pPr lvl="1"/>
+            <a:r>
+              <a:rPr lang="zh-CN" altLang="en-US" sz="2000" dirty="0"/>
+              <a:t>第 </a:t>
+            </a:r>
+            <a:r>
+              <a:rPr lang="en-US" altLang="zh-CN" sz="2000" dirty="0" smtClean="0"/>
+              <a:t>4 ~ </a:t>
+            </a:r>
+            <a:r>
+              <a:rPr lang="en-US" altLang="zh-CN" sz="2000" dirty="0"/>
+              <a:t>6</a:t>
+            </a:r>
+            <a:r>
+              <a:rPr lang="en-US" altLang="zh-CN" sz="2000" dirty="0" smtClean="0"/>
+              <a:t> </a:t>
+            </a:r>
+            <a:r>
+              <a:rPr lang="zh-CN" altLang="en-US" sz="2000" dirty="0" smtClean="0"/>
+              <a:t>周：规划查找</a:t>
+            </a:r>
+            <a:r>
+              <a:rPr lang="zh-CN" altLang="en-US" sz="2000" dirty="0"/>
+              <a:t>表、矩阵</a:t>
+            </a:r>
+            <a:r>
+              <a:rPr lang="zh-CN" altLang="en-US" sz="2000" dirty="0" smtClean="0"/>
+              <a:t>旋转混合</a:t>
+            </a:r>
+            <a:r>
+              <a:rPr lang="zh-CN" altLang="en-US" sz="2000" dirty="0"/>
+              <a:t>方案</a:t>
+            </a:r>
+            <a:r>
+              <a:rPr lang="zh-CN" altLang="en-US" sz="2000" dirty="0" smtClean="0"/>
+              <a:t>，学习后端仿真流程</a:t>
+            </a:r>
+            <a:endParaRPr lang="en-US" altLang="zh-CN" sz="2000" dirty="0"/>
+          </a:p>
+          <a:p>
+            <a:pPr lvl="1"/>
+            <a:r>
+              <a:rPr lang="zh-CN" altLang="en-US" sz="2000" dirty="0"/>
+              <a:t>第 </a:t>
+            </a:r>
+            <a:r>
+              <a:rPr lang="en-US" altLang="zh-CN" sz="2000" dirty="0"/>
+              <a:t>7 ~ 8 </a:t>
+            </a:r>
+            <a:r>
+              <a:rPr lang="zh-CN" altLang="en-US" sz="2000" dirty="0"/>
+              <a:t>周</a:t>
+            </a:r>
+            <a:r>
+              <a:rPr lang="zh-CN" altLang="en-US" sz="2000" dirty="0" smtClean="0"/>
+              <a:t>：讨论</a:t>
+            </a:r>
+            <a:r>
+              <a:rPr lang="zh-CN" altLang="en-US" sz="2000" dirty="0"/>
+              <a:t>改进方案，准备中期答辩</a:t>
+            </a:r>
+            <a:endParaRPr lang="en-US" altLang="zh-CN" sz="2000" dirty="0"/>
+          </a:p>
+          <a:p>
+            <a:pPr lvl="1"/>
+            <a:r>
+              <a:rPr lang="zh-CN" altLang="en-US" sz="2000" dirty="0"/>
+              <a:t>第 </a:t>
+            </a:r>
+            <a:r>
+              <a:rPr lang="en-US" altLang="zh-CN" sz="2000" dirty="0"/>
+              <a:t>9 </a:t>
+            </a:r>
+            <a:r>
+              <a:rPr lang="en-US" altLang="zh-CN" sz="2000" dirty="0" smtClean="0"/>
+              <a:t>~ 13</a:t>
+            </a:r>
+            <a:r>
+              <a:rPr lang="zh-CN" altLang="en-US" sz="2000" dirty="0" smtClean="0"/>
+              <a:t>周：电路实现上寻找</a:t>
+            </a:r>
+            <a:r>
+              <a:rPr lang="zh-CN" altLang="en-US" sz="2000" dirty="0"/>
+              <a:t>突破点，进一步优化</a:t>
+            </a:r>
+            <a:r>
+              <a:rPr lang="en-US" altLang="zh-CN" sz="2000" dirty="0"/>
+              <a:t>NCO</a:t>
+            </a:r>
+            <a:r>
+              <a:rPr lang="zh-CN" altLang="en-US" sz="2000" dirty="0"/>
+              <a:t>性能</a:t>
             </a:r>
             <a:endParaRPr lang="en-US" altLang="zh-CN" sz="2000" dirty="0"/>
           </a:p>
@@ -13411,159 +16724,24 @@
               <a:t>第</a:t>
             </a:r>
             <a:r>
-              <a:rPr lang="en-US" altLang="zh-CN" sz="2000" dirty="0"/>
-              <a:t>14~15</a:t>
+              <a:rPr lang="en-US" altLang="zh-CN" sz="2000" dirty="0" smtClean="0"/>
+              <a:t>14 ~ 16</a:t>
+            </a:r>
+            <a:r>
+              <a:rPr lang="zh-CN" altLang="en-US" sz="2000" dirty="0" smtClean="0"/>
+              <a:t>周</a:t>
             </a:r>
             <a:r>
               <a:rPr lang="zh-CN" altLang="en-US" sz="2000" dirty="0"/>
-              <a:t>周：</a:t>
-            </a:r>
-            <a:r>
-              <a:rPr lang="en-US" altLang="zh-CN" sz="2000" dirty="0" err="1"/>
-              <a:t>Matlab</a:t>
+              <a:t>：</a:t>
+            </a:r>
+            <a:r>
+              <a:rPr lang="zh-CN" altLang="en-US" sz="2000" dirty="0" smtClean="0"/>
+              <a:t>进行综合的</a:t>
             </a:r>
             <a:r>
               <a:rPr lang="zh-CN" altLang="en-US" sz="2000" dirty="0"/>
-              <a:t>和</a:t>
-            </a:r>
-            <a:r>
-              <a:rPr lang="en-US" altLang="zh-CN" sz="2000" dirty="0" err="1"/>
-              <a:t>Modelsim</a:t>
-            </a:r>
-            <a:r>
-              <a:rPr lang="zh-CN" altLang="en-US" sz="2000" dirty="0"/>
-              <a:t>上搭建</a:t>
-            </a:r>
-            <a:r>
-              <a:rPr lang="en-US" altLang="zh-CN" sz="2000" dirty="0"/>
-              <a:t>NCO</a:t>
-            </a:r>
-            <a:r>
-              <a:rPr lang="zh-CN" altLang="en-US" sz="2000" dirty="0"/>
-              <a:t>基本模型，进行理论分析和功能仿真</a:t>
-            </a:r>
-            <a:endParaRPr lang="en-US" altLang="zh-CN" sz="2000" dirty="0"/>
-          </a:p>
-          <a:p>
-            <a:pPr lvl="1"/>
-            <a:r>
-              <a:rPr lang="zh-CN" altLang="en-US" sz="2000" dirty="0"/>
-              <a:t>第</a:t>
-            </a:r>
-            <a:r>
-              <a:rPr lang="en-US" altLang="zh-CN" sz="2000" dirty="0"/>
-              <a:t>15~16</a:t>
-            </a:r>
-            <a:r>
-              <a:rPr lang="zh-CN" altLang="en-US" sz="2000" dirty="0"/>
-              <a:t>周：总结调研结果，准备开题报告</a:t>
-            </a:r>
-            <a:endParaRPr lang="en-US" altLang="zh-CN" sz="2000" dirty="0"/>
-          </a:p>
-          <a:p>
-            <a:r>
-              <a:rPr lang="en-US" altLang="zh-CN" dirty="0"/>
-              <a:t>2016</a:t>
-            </a:r>
-            <a:r>
-              <a:rPr lang="zh-CN" altLang="en-US" dirty="0"/>
-              <a:t>年春季学期：</a:t>
-            </a:r>
-            <a:endParaRPr lang="en-US" altLang="zh-CN" dirty="0"/>
-          </a:p>
-          <a:p>
-            <a:pPr lvl="1"/>
-            <a:r>
-              <a:rPr lang="zh-CN" altLang="en-US" sz="2000" dirty="0"/>
-              <a:t>第 </a:t>
-            </a:r>
-            <a:r>
-              <a:rPr lang="en-US" altLang="zh-CN" sz="2000" dirty="0"/>
-              <a:t>1 ~ 2 </a:t>
-            </a:r>
-            <a:r>
-              <a:rPr lang="zh-CN" altLang="en-US" sz="2000" dirty="0"/>
-              <a:t>周：在电路层面对各模块进行仿真，寻找合理配置方案</a:t>
-            </a:r>
-            <a:endParaRPr lang="en-US" altLang="zh-CN" sz="2000" dirty="0"/>
-          </a:p>
-          <a:p>
-            <a:pPr lvl="1"/>
-            <a:r>
-              <a:rPr lang="zh-CN" altLang="en-US" sz="2000" dirty="0"/>
-              <a:t>第 </a:t>
-            </a:r>
-            <a:r>
-              <a:rPr lang="en-US" altLang="zh-CN" sz="2000" dirty="0"/>
-              <a:t>3 ~ 6 </a:t>
-            </a:r>
-            <a:r>
-              <a:rPr lang="zh-CN" altLang="en-US" sz="2000" dirty="0"/>
-              <a:t>周：确定查找表、矩阵旋转的混合方案，完成电路设计和仿真</a:t>
-            </a:r>
-            <a:endParaRPr lang="en-US" altLang="zh-CN" sz="2000" dirty="0"/>
-          </a:p>
-          <a:p>
-            <a:pPr lvl="1"/>
-            <a:r>
-              <a:rPr lang="zh-CN" altLang="en-US" sz="2000" dirty="0"/>
-              <a:t>第 </a:t>
-            </a:r>
-            <a:r>
-              <a:rPr lang="en-US" altLang="zh-CN" sz="2000" dirty="0"/>
-              <a:t>7 ~ 8 </a:t>
-            </a:r>
-            <a:r>
-              <a:rPr lang="zh-CN" altLang="en-US" sz="2000" dirty="0"/>
-              <a:t>周：讨论改进方案，准备中期答辩</a:t>
-            </a:r>
-            <a:endParaRPr lang="en-US" altLang="zh-CN" sz="2000" dirty="0"/>
-          </a:p>
-          <a:p>
-            <a:pPr lvl="1"/>
-            <a:r>
-              <a:rPr lang="zh-CN" altLang="en-US" sz="2000" dirty="0"/>
-              <a:t>第 </a:t>
-            </a:r>
-            <a:r>
-              <a:rPr lang="en-US" altLang="zh-CN" sz="2000" dirty="0"/>
-              <a:t>9 </a:t>
-            </a:r>
-            <a:r>
-              <a:rPr lang="en-US" altLang="zh-CN" sz="2000"/>
-              <a:t>~13</a:t>
-            </a:r>
-            <a:r>
-              <a:rPr lang="zh-CN" altLang="en-US" sz="2000"/>
-              <a:t>周</a:t>
-            </a:r>
-            <a:r>
-              <a:rPr lang="zh-CN" altLang="en-US" sz="2000" dirty="0"/>
-              <a:t>：关键电路寻找突破点，进一步优化</a:t>
-            </a:r>
-            <a:r>
-              <a:rPr lang="en-US" altLang="zh-CN" sz="2000" dirty="0"/>
-              <a:t>NCO</a:t>
-            </a:r>
-            <a:r>
-              <a:rPr lang="zh-CN" altLang="en-US" sz="2000" dirty="0"/>
-              <a:t>性能</a:t>
-            </a:r>
-            <a:endParaRPr lang="en-US" altLang="zh-CN" sz="2000" dirty="0"/>
-          </a:p>
-          <a:p>
-            <a:pPr lvl="1"/>
-            <a:r>
-              <a:rPr lang="zh-CN" altLang="en-US" sz="2000" dirty="0"/>
-              <a:t>第</a:t>
-            </a:r>
-            <a:r>
-              <a:rPr lang="en-US" altLang="zh-CN" sz="2000" dirty="0"/>
-              <a:t>14~16</a:t>
-            </a:r>
-            <a:r>
-              <a:rPr lang="zh-CN" altLang="en-US" sz="2000" dirty="0"/>
-              <a:t>周：进行最后的仿真验证，完成毕业论文，准备论文答辩</a:t>
+              <a:t>仿真验证，完成毕业论文，准备论文答辩</a:t>
             </a:r>
             <a:endParaRPr lang="en-US" altLang="zh-CN" sz="2000" dirty="0"/>
           </a:p>
@@ -13610,6 +16788,13 @@
   <p:clrMapOvr>
     <a:masterClrMapping/>
   </p:clrMapOvr>
+  <p:timing>
+    <p:tnLst>
+      <p:par>
+        <p:cTn id="1" dur="indefinite" restart="never" nodeType="tmRoot"/>
+      </p:par>
+    </p:tnLst>
+  </p:timing>
 </p:sld>
 </file>
 
@@ -13698,6 +16883,13 @@
   <p:clrMapOvr>
     <a:masterClrMapping/>
   </p:clrMapOvr>
+  <p:timing>
+    <p:tnLst>
+      <p:par>
+        <p:cTn id="1" dur="indefinite" restart="never" nodeType="tmRoot"/>
+      </p:par>
+    </p:tnLst>
+  </p:timing>
 </p:sld>
 </file>
 
@@ -13837,6 +17029,13 @@
   <p:clrMapOvr>
     <a:masterClrMapping/>
   </p:clrMapOvr>
+  <p:timing>
+    <p:tnLst>
+      <p:par>
+        <p:cTn id="1" dur="indefinite" restart="never" nodeType="tmRoot"/>
+      </p:par>
+    </p:tnLst>
+  </p:timing>
 </p:sld>
 </file>
 
@@ -13882,7 +17081,7 @@
             </a:r>
             <a:r>
               <a:rPr lang="zh-CN" altLang="en-US" sz="3600" dirty="0"/>
-              <a:t>频率综合器</a:t>
+              <a:t>数控振荡器</a:t>
             </a:r>
           </a:p>
         </p:txBody>
@@ -13900,7 +17099,7 @@
         <p:spPr>
           <a:xfrm>
             <a:off x="381000" y="1066800"/>
-            <a:ext cx="8763000" cy="4973781"/>
+            <a:ext cx="8458200" cy="5165725"/>
           </a:xfrm>
         </p:spPr>
         <p:txBody>
@@ -13913,10 +17112,10 @@
               </a:lnSpc>
             </a:pPr>
             <a:r>
-              <a:rPr lang="zh-CN" altLang="en-US" dirty="0"/>
-              <a:t>通信系统中，信号需要高频载调制，并在接收端解调</a:t>
-            </a:r>
-            <a:endParaRPr lang="en-US" altLang="zh-CN" dirty="0"/>
+              <a:rPr lang="zh-CN" altLang="en-US" dirty="0" smtClean="0"/>
+              <a:t>无线电应用中，正弦波生成是一个基础而重要的部分</a:t>
+            </a:r>
+            <a:endParaRPr lang="en-US" altLang="zh-CN" dirty="0" smtClean="0"/>
           </a:p>
           <a:p>
             <a:pPr>
@@ -13925,8 +17124,24 @@
               </a:lnSpc>
             </a:pPr>
             <a:r>
+              <a:rPr lang="zh-CN" altLang="en-US" dirty="0" smtClean="0"/>
+              <a:t>现代</a:t>
+            </a:r>
+            <a:r>
               <a:rPr lang="zh-CN" altLang="en-US" dirty="0"/>
-              <a:t>需要设计出频率和相位可控的正弦波生成器</a:t>
+              <a:t>通信系统对带宽、精度的</a:t>
+            </a:r>
+            <a:r>
+              <a:rPr lang="zh-CN" altLang="en-US" dirty="0" smtClean="0"/>
+              <a:t>需求</a:t>
+            </a:r>
+            <a:r>
+              <a:rPr lang="zh-CN" altLang="en-US" dirty="0"/>
+              <a:t>不断</a:t>
+            </a:r>
+            <a:r>
+              <a:rPr lang="zh-CN" altLang="en-US" dirty="0" smtClean="0"/>
+              <a:t>增长</a:t>
             </a:r>
             <a:endParaRPr lang="en-US" altLang="zh-CN" dirty="0"/>
           </a:p>
@@ -13938,8 +17153,13 @@
             </a:pPr>
             <a:r>
               <a:rPr lang="zh-CN" altLang="en-US" dirty="0"/>
-              <a:t>传统方法使用晶体振荡器和锁相环技术设计综合器</a:t>
-            </a:r>
+              <a:t>雷达等军用</a:t>
+            </a:r>
+            <a:r>
+              <a:rPr lang="zh-CN" altLang="en-US" dirty="0" smtClean="0"/>
+              <a:t>系统对切换延时有特殊要求，模拟器件实现困难</a:t>
+            </a:r>
+            <a:endParaRPr lang="en-US" altLang="zh-CN" dirty="0"/>
           </a:p>
         </p:txBody>
       </p:sp>
@@ -13964,7 +17184,7 @@
                   <a:srgbClr val="000000"/>
                 </a:solidFill>
               </a:rPr>
-              <a:t>3/13</a:t>
+              <a:t>4/13</a:t>
             </a:r>
             <a:endParaRPr lang="en-US" altLang="zh-CN" dirty="0">
               <a:solidFill>
@@ -14054,660 +17274,14 @@
       </p:sp>
       <p:grpSp>
         <p:nvGrpSpPr>
-          <p:cNvPr id="19" name="组合 18"/>
-          <p:cNvGrpSpPr/>
-          <p:nvPr/>
-        </p:nvGrpSpPr>
-        <p:grpSpPr>
-          <a:xfrm>
-            <a:off x="1804592" y="3553690"/>
-            <a:ext cx="5534816" cy="1604842"/>
-            <a:chOff x="5407269" y="1354015"/>
-            <a:chExt cx="3851034" cy="1116623"/>
-          </a:xfrm>
-        </p:grpSpPr>
-        <p:grpSp>
-          <p:nvGrpSpPr>
-            <p:cNvPr id="20" name="组合 19"/>
-            <p:cNvGrpSpPr/>
-            <p:nvPr/>
-          </p:nvGrpSpPr>
-          <p:grpSpPr>
-            <a:xfrm>
-              <a:off x="5934808" y="1354015"/>
-              <a:ext cx="2488223" cy="1116623"/>
-              <a:chOff x="5934808" y="1354015"/>
-              <a:chExt cx="2488223" cy="1116623"/>
-            </a:xfrm>
-          </p:grpSpPr>
-          <p:sp>
-            <p:nvSpPr>
-              <p:cNvPr id="27" name="矩形 26"/>
-              <p:cNvSpPr/>
-              <p:nvPr/>
-            </p:nvSpPr>
-            <p:spPr>
-              <a:xfrm>
-                <a:off x="6479931" y="1354015"/>
-                <a:ext cx="1397977" cy="1116623"/>
-              </a:xfrm>
-              <a:prstGeom prst="rect">
-                <a:avLst/>
-              </a:prstGeom>
-            </p:spPr>
-            <p:style>
-              <a:lnRef idx="1">
-                <a:schemeClr val="dk1"/>
-              </a:lnRef>
-              <a:fillRef idx="2">
-                <a:schemeClr val="dk1"/>
-              </a:fillRef>
-              <a:effectRef idx="1">
-                <a:schemeClr val="dk1"/>
-              </a:effectRef>
-              <a:fontRef idx="minor">
-                <a:schemeClr val="dk1"/>
-              </a:fontRef>
-            </p:style>
-            <p:txBody>
-              <a:bodyPr rtlCol="0" anchor="ctr"/>
-              <a:lstStyle/>
-              <a:p>
-                <a:pPr algn="ctr"/>
-                <a:r>
-                  <a:rPr lang="en-US" altLang="zh-CN" dirty="0"/>
-                  <a:t>Synthesizer</a:t>
-                </a:r>
-                <a:endParaRPr lang="zh-CN" altLang="en-US" dirty="0"/>
-              </a:p>
-            </p:txBody>
-          </p:sp>
-          <p:cxnSp>
-            <p:nvCxnSpPr>
-              <p:cNvPr id="28" name="直接箭头连接符 27"/>
-              <p:cNvCxnSpPr/>
-              <p:nvPr/>
-            </p:nvCxnSpPr>
-            <p:spPr>
-              <a:xfrm>
-                <a:off x="5943600" y="1652955"/>
-                <a:ext cx="545123" cy="0"/>
-              </a:xfrm>
-              <a:prstGeom prst="straightConnector1">
-                <a:avLst/>
-              </a:prstGeom>
-              <a:ln w="28575">
-                <a:solidFill>
-                  <a:schemeClr val="tx2"/>
-                </a:solidFill>
-                <a:tailEnd type="triangle"/>
-              </a:ln>
-            </p:spPr>
-            <p:style>
-              <a:lnRef idx="1">
-                <a:schemeClr val="accent1"/>
-              </a:lnRef>
-              <a:fillRef idx="0">
-                <a:schemeClr val="accent1"/>
-              </a:fillRef>
-              <a:effectRef idx="0">
-                <a:schemeClr val="accent1"/>
-              </a:effectRef>
-              <a:fontRef idx="minor">
-                <a:schemeClr val="tx1"/>
-              </a:fontRef>
-            </p:style>
-          </p:cxnSp>
-          <p:cxnSp>
-            <p:nvCxnSpPr>
-              <p:cNvPr id="29" name="直接箭头连接符 28"/>
-              <p:cNvCxnSpPr/>
-              <p:nvPr/>
-            </p:nvCxnSpPr>
-            <p:spPr>
-              <a:xfrm>
-                <a:off x="5934808" y="2174631"/>
-                <a:ext cx="545123" cy="0"/>
-              </a:xfrm>
-              <a:prstGeom prst="straightConnector1">
-                <a:avLst/>
-              </a:prstGeom>
-              <a:ln w="28575">
-                <a:solidFill>
-                  <a:schemeClr val="tx2"/>
-                </a:solidFill>
-                <a:tailEnd type="triangle"/>
-              </a:ln>
-            </p:spPr>
-            <p:style>
-              <a:lnRef idx="1">
-                <a:schemeClr val="accent1"/>
-              </a:lnRef>
-              <a:fillRef idx="0">
-                <a:schemeClr val="accent1"/>
-              </a:fillRef>
-              <a:effectRef idx="0">
-                <a:schemeClr val="accent1"/>
-              </a:effectRef>
-              <a:fontRef idx="minor">
-                <a:schemeClr val="tx1"/>
-              </a:fontRef>
-            </p:style>
-          </p:cxnSp>
-          <p:cxnSp>
-            <p:nvCxnSpPr>
-              <p:cNvPr id="30" name="直接箭头连接符 29"/>
-              <p:cNvCxnSpPr/>
-              <p:nvPr/>
-            </p:nvCxnSpPr>
-            <p:spPr>
-              <a:xfrm>
-                <a:off x="7877908" y="1915258"/>
-                <a:ext cx="545123" cy="0"/>
-              </a:xfrm>
-              <a:prstGeom prst="straightConnector1">
-                <a:avLst/>
-              </a:prstGeom>
-              <a:ln w="28575">
-                <a:solidFill>
-                  <a:schemeClr val="tx2"/>
-                </a:solidFill>
-                <a:tailEnd type="triangle"/>
-              </a:ln>
-            </p:spPr>
-            <p:style>
-              <a:lnRef idx="1">
-                <a:schemeClr val="accent1"/>
-              </a:lnRef>
-              <a:fillRef idx="0">
-                <a:schemeClr val="accent1"/>
-              </a:fillRef>
-              <a:effectRef idx="0">
-                <a:schemeClr val="accent1"/>
-              </a:effectRef>
-              <a:fontRef idx="minor">
-                <a:schemeClr val="tx1"/>
-              </a:fontRef>
-            </p:style>
-          </p:cxnSp>
-        </p:grpSp>
-        <mc:AlternateContent xmlns:mc="http://schemas.openxmlformats.org/markup-compatibility/2006" xmlns:a14="http://schemas.microsoft.com/office/drawing/2010/main">
-          <mc:Choice Requires="a14">
-            <p:sp>
-              <p:nvSpPr>
-                <p:cNvPr id="21" name="文本框 20"/>
-                <p:cNvSpPr txBox="1"/>
-                <p:nvPr/>
-              </p:nvSpPr>
-              <p:spPr>
-                <a:xfrm>
-                  <a:off x="5407269" y="1430571"/>
-                  <a:ext cx="668215" cy="256975"/>
-                </a:xfrm>
-                <a:prstGeom prst="rect">
-                  <a:avLst/>
-                </a:prstGeom>
-                <a:noFill/>
-              </p:spPr>
-              <p:txBody>
-                <a:bodyPr wrap="square" rtlCol="0">
-                  <a:spAutoFit/>
-                </a:bodyPr>
-                <a:lstStyle/>
-                <a:p>
-                  <a:pPr algn="ctr"/>
-                  <a14:m>
-                    <m:oMathPara xmlns:m="http://schemas.openxmlformats.org/officeDocument/2006/math">
-                      <m:oMathParaPr>
-                        <m:jc m:val="centerGroup"/>
-                      </m:oMathParaPr>
-                      <m:oMath xmlns:m="http://schemas.openxmlformats.org/officeDocument/2006/math">
-                        <m:sSub>
-                          <m:sSubPr>
-                            <m:ctrlPr>
-                              <a:rPr lang="en-US" altLang="zh-CN" i="1">
-                                <a:latin typeface="Cambria Math" panose="02040503050406030204" pitchFamily="18" charset="0"/>
-                              </a:rPr>
-                            </m:ctrlPr>
-                          </m:sSubPr>
-                          <m:e>
-                            <m:r>
-                              <a:rPr lang="en-US" altLang="zh-CN" i="1">
-                                <a:latin typeface="Cambria Math" panose="02040503050406030204" pitchFamily="18" charset="0"/>
-                              </a:rPr>
-                              <m:t>𝐹</m:t>
-                            </m:r>
-                          </m:e>
-                          <m:sub>
-                            <m:r>
-                              <m:rPr>
-                                <m:sty m:val="p"/>
-                              </m:rPr>
-                              <a:rPr lang="en-US" altLang="zh-CN" i="1">
-                                <a:latin typeface="Cambria Math" panose="02040503050406030204" pitchFamily="18" charset="0"/>
-                              </a:rPr>
-                              <m:t>o</m:t>
-                            </m:r>
-                          </m:sub>
-                        </m:sSub>
-                      </m:oMath>
-                    </m:oMathPara>
-                  </a14:m>
-                  <a:endParaRPr lang="zh-CN" altLang="en-US" dirty="0"/>
-                </a:p>
-              </p:txBody>
-            </p:sp>
-          </mc:Choice>
-          <mc:Fallback xmlns="">
-            <p:sp>
-              <p:nvSpPr>
-                <p:cNvPr id="21" name="文本框 20"/>
-                <p:cNvSpPr txBox="1">
-                  <a:spLocks noRot="1" noChangeAspect="1" noMove="1" noResize="1" noEditPoints="1" noAdjustHandles="1" noChangeArrowheads="1" noChangeShapeType="1" noTextEdit="1"/>
-                </p:cNvSpPr>
-                <p:nvPr/>
-              </p:nvSpPr>
-              <p:spPr>
-                <a:xfrm>
-                  <a:off x="5407269" y="1430571"/>
-                  <a:ext cx="668215" cy="256975"/>
-                </a:xfrm>
-                <a:prstGeom prst="rect">
-                  <a:avLst/>
-                </a:prstGeom>
-                <a:blipFill>
-                  <a:blip r:embed="rId3"/>
-                  <a:stretch>
-                    <a:fillRect/>
-                  </a:stretch>
-                </a:blipFill>
-              </p:spPr>
-              <p:txBody>
-                <a:bodyPr/>
-                <a:lstStyle/>
-                <a:p>
-                  <a:r>
-                    <a:rPr lang="zh-CN" altLang="en-US">
-                      <a:noFill/>
-                    </a:rPr>
-                    <a:t> </a:t>
-                  </a:r>
-                </a:p>
-              </p:txBody>
-            </p:sp>
-          </mc:Fallback>
-        </mc:AlternateContent>
-        <mc:AlternateContent xmlns:mc="http://schemas.openxmlformats.org/markup-compatibility/2006" xmlns:a14="http://schemas.microsoft.com/office/drawing/2010/main">
-          <mc:Choice Requires="a14">
-            <p:sp>
-              <p:nvSpPr>
-                <p:cNvPr id="22" name="文本框 21"/>
-                <p:cNvSpPr txBox="1"/>
-                <p:nvPr/>
-              </p:nvSpPr>
-              <p:spPr>
-                <a:xfrm>
-                  <a:off x="5407269" y="1941345"/>
-                  <a:ext cx="668215" cy="256975"/>
-                </a:xfrm>
-                <a:prstGeom prst="rect">
-                  <a:avLst/>
-                </a:prstGeom>
-                <a:noFill/>
-              </p:spPr>
-              <p:txBody>
-                <a:bodyPr wrap="square" rtlCol="0">
-                  <a:spAutoFit/>
-                </a:bodyPr>
-                <a:lstStyle/>
-                <a:p>
-                  <a:pPr algn="ctr"/>
-                  <a14:m>
-                    <m:oMathPara xmlns:m="http://schemas.openxmlformats.org/officeDocument/2006/math">
-                      <m:oMathParaPr>
-                        <m:jc m:val="centerGroup"/>
-                      </m:oMathParaPr>
-                      <m:oMath xmlns:m="http://schemas.openxmlformats.org/officeDocument/2006/math">
-                        <m:sSub>
-                          <m:sSubPr>
-                            <m:ctrlPr>
-                              <a:rPr lang="en-US" altLang="zh-CN" i="1">
-                                <a:latin typeface="Cambria Math" panose="02040503050406030204" pitchFamily="18" charset="0"/>
-                              </a:rPr>
-                            </m:ctrlPr>
-                          </m:sSubPr>
-                          <m:e>
-                            <m:r>
-                              <a:rPr lang="zh-CN" altLang="en-US" i="1">
-                                <a:latin typeface="Cambria Math" panose="02040503050406030204" pitchFamily="18" charset="0"/>
-                              </a:rPr>
-                              <m:t>𝜃</m:t>
-                            </m:r>
-                          </m:e>
-                          <m:sub>
-                            <m:r>
-                              <a:rPr lang="en-US" altLang="zh-CN" i="1">
-                                <a:latin typeface="Cambria Math" panose="02040503050406030204" pitchFamily="18" charset="0"/>
-                              </a:rPr>
-                              <m:t>0</m:t>
-                            </m:r>
-                          </m:sub>
-                        </m:sSub>
-                      </m:oMath>
-                    </m:oMathPara>
-                  </a14:m>
-                  <a:endParaRPr lang="zh-CN" altLang="en-US" dirty="0"/>
-                </a:p>
-              </p:txBody>
-            </p:sp>
-          </mc:Choice>
-          <mc:Fallback xmlns="">
-            <p:sp>
-              <p:nvSpPr>
-                <p:cNvPr id="22" name="文本框 21"/>
-                <p:cNvSpPr txBox="1">
-                  <a:spLocks noRot="1" noChangeAspect="1" noMove="1" noResize="1" noEditPoints="1" noAdjustHandles="1" noChangeArrowheads="1" noChangeShapeType="1" noTextEdit="1"/>
-                </p:cNvSpPr>
-                <p:nvPr/>
-              </p:nvSpPr>
-              <p:spPr>
-                <a:xfrm>
-                  <a:off x="5407269" y="1941345"/>
-                  <a:ext cx="668215" cy="256975"/>
-                </a:xfrm>
-                <a:prstGeom prst="rect">
-                  <a:avLst/>
-                </a:prstGeom>
-                <a:blipFill>
-                  <a:blip r:embed="rId4"/>
-                  <a:stretch>
-                    <a:fillRect/>
-                  </a:stretch>
-                </a:blipFill>
-              </p:spPr>
-              <p:txBody>
-                <a:bodyPr/>
-                <a:lstStyle/>
-                <a:p>
-                  <a:r>
-                    <a:rPr lang="zh-CN" altLang="en-US">
-                      <a:noFill/>
-                    </a:rPr>
-                    <a:t> </a:t>
-                  </a:r>
-                </a:p>
-              </p:txBody>
-            </p:sp>
-          </mc:Fallback>
-        </mc:AlternateContent>
-        <p:sp>
-          <p:nvSpPr>
-            <p:cNvPr id="25" name="文本框 24"/>
-            <p:cNvSpPr txBox="1"/>
-            <p:nvPr/>
-          </p:nvSpPr>
-          <p:spPr>
-            <a:xfrm>
-              <a:off x="8323147" y="1727660"/>
-              <a:ext cx="935156" cy="256975"/>
-            </a:xfrm>
-            <a:prstGeom prst="rect">
-              <a:avLst/>
-            </a:prstGeom>
-            <a:noFill/>
-          </p:spPr>
-          <p:txBody>
-            <a:bodyPr wrap="square" rtlCol="0">
-              <a:spAutoFit/>
-            </a:bodyPr>
-            <a:lstStyle/>
-            <a:p>
-              <a:pPr algn="ctr"/>
-              <a:r>
-                <a:rPr lang="en-US" altLang="zh-CN" dirty="0"/>
-                <a:t>Output</a:t>
-              </a:r>
-              <a:endParaRPr lang="zh-CN" altLang="en-US" dirty="0"/>
-            </a:p>
-          </p:txBody>
-        </p:sp>
-      </p:grpSp>
-    </p:spTree>
-    <p:extLst>
-      <p:ext uri="{BB962C8B-B14F-4D97-AF65-F5344CB8AC3E}">
-        <p14:creationId xmlns:p14="http://schemas.microsoft.com/office/powerpoint/2010/main" val="2530648858"/>
-      </p:ext>
-    </p:extLst>
-  </p:cSld>
-  <p:clrMapOvr>
-    <a:masterClrMapping/>
-  </p:clrMapOvr>
-</p:sld>
-</file>
-
-<file path=ppt/slides/slide4.xml><?xml version="1.0" encoding="utf-8"?>
-<p:sld xmlns:a="http://schemas.openxmlformats.org/drawingml/2006/main" xmlns:r="http://schemas.openxmlformats.org/officeDocument/2006/relationships" xmlns:p="http://schemas.openxmlformats.org/presentationml/2006/main">
-  <p:cSld>
-    <p:spTree>
-      <p:nvGrpSpPr>
-        <p:cNvPr id="1" name=""/>
-        <p:cNvGrpSpPr/>
-        <p:nvPr/>
-      </p:nvGrpSpPr>
-      <p:grpSpPr>
-        <a:xfrm>
-          <a:off x="0" y="0"/>
-          <a:ext cx="0" cy="0"/>
-          <a:chOff x="0" y="0"/>
-          <a:chExt cx="0" cy="0"/>
-        </a:xfrm>
-      </p:grpSpPr>
-      <p:sp>
-        <p:nvSpPr>
-          <p:cNvPr id="2" name="标题 1"/>
-          <p:cNvSpPr>
-            <a:spLocks noGrp="1"/>
-          </p:cNvSpPr>
-          <p:nvPr>
-            <p:ph type="title"/>
-          </p:nvPr>
-        </p:nvSpPr>
-        <p:spPr/>
-        <p:txBody>
-          <a:bodyPr/>
-          <a:lstStyle/>
-          <a:p>
-            <a:r>
-              <a:rPr lang="zh-CN" altLang="en-US" sz="3600" dirty="0"/>
-              <a:t>研究背景</a:t>
-            </a:r>
-            <a:r>
-              <a:rPr lang="en-US" altLang="zh-CN" sz="3600" dirty="0"/>
-              <a:t>——</a:t>
-            </a:r>
-            <a:r>
-              <a:rPr lang="zh-CN" altLang="en-US" sz="3600" dirty="0"/>
-              <a:t>数控振荡器</a:t>
-            </a:r>
-          </a:p>
-        </p:txBody>
-      </p:sp>
-      <p:sp>
-        <p:nvSpPr>
-          <p:cNvPr id="3" name="内容占位符 2"/>
-          <p:cNvSpPr>
-            <a:spLocks noGrp="1"/>
-          </p:cNvSpPr>
-          <p:nvPr>
-            <p:ph idx="1"/>
-          </p:nvPr>
-        </p:nvSpPr>
-        <p:spPr>
-          <a:xfrm>
-            <a:off x="381000" y="1066800"/>
-            <a:ext cx="8458200" cy="5165725"/>
-          </a:xfrm>
-        </p:spPr>
-        <p:txBody>
-          <a:bodyPr/>
-          <a:lstStyle/>
-          <a:p>
-            <a:pPr>
-              <a:lnSpc>
-                <a:spcPct val="130000"/>
-              </a:lnSpc>
-            </a:pPr>
-            <a:r>
-              <a:rPr lang="zh-CN" altLang="en-US" dirty="0"/>
-              <a:t>现代通信系统对带宽、精度的需求越来越大</a:t>
-            </a:r>
-            <a:endParaRPr lang="en-US" altLang="zh-CN" dirty="0"/>
-          </a:p>
-          <a:p>
-            <a:pPr>
-              <a:lnSpc>
-                <a:spcPct val="130000"/>
-              </a:lnSpc>
-            </a:pPr>
-            <a:r>
-              <a:rPr lang="zh-CN" altLang="en-US" dirty="0"/>
-              <a:t>雷达等军用系统，对于频率偏移和切换时间有特殊要求</a:t>
-            </a:r>
-            <a:endParaRPr lang="en-US" altLang="zh-CN" dirty="0"/>
-          </a:p>
-          <a:p>
-            <a:pPr>
-              <a:lnSpc>
-                <a:spcPct val="130000"/>
-              </a:lnSpc>
-            </a:pPr>
-            <a:r>
-              <a:rPr lang="zh-CN" altLang="en-US" dirty="0"/>
-              <a:t>数字电路逐渐替代模拟器件，数控振荡器是未来发展趋势</a:t>
-            </a:r>
-            <a:endParaRPr lang="en-US" altLang="zh-CN" dirty="0"/>
-          </a:p>
-        </p:txBody>
-      </p:sp>
-      <p:sp>
-        <p:nvSpPr>
-          <p:cNvPr id="15" name="页脚占位符 14"/>
-          <p:cNvSpPr>
-            <a:spLocks noGrp="1"/>
-          </p:cNvSpPr>
-          <p:nvPr>
-            <p:ph type="ftr" sz="quarter" idx="11"/>
-          </p:nvPr>
-        </p:nvSpPr>
-        <p:spPr/>
-        <p:txBody>
-          <a:bodyPr/>
-          <a:lstStyle/>
-          <a:p>
-            <a:r>
-              <a:rPr lang="en-US" altLang="zh-CN" dirty="0" smtClean="0">
-                <a:solidFill>
-                  <a:srgbClr val="000000"/>
-                </a:solidFill>
-              </a:rPr>
-              <a:t>4/13</a:t>
-            </a:r>
-            <a:endParaRPr lang="en-US" altLang="zh-CN" dirty="0">
-              <a:solidFill>
-                <a:srgbClr val="000000"/>
-              </a:solidFill>
-            </a:endParaRPr>
-          </a:p>
-        </p:txBody>
-      </p:sp>
-      <p:sp>
-        <p:nvSpPr>
-          <p:cNvPr id="13" name="AutoShape 2" descr="http://img0.imgtn.bdimg.com/it/u=3628156229,2531544788&amp;fm=214&amp;gp=0.jpg"/>
-          <p:cNvSpPr>
-            <a:spLocks noChangeAspect="1" noChangeArrowheads="1"/>
-          </p:cNvSpPr>
-          <p:nvPr/>
-        </p:nvSpPr>
-        <p:spPr bwMode="auto">
-          <a:xfrm>
-            <a:off x="1714500" y="1671638"/>
-            <a:ext cx="5715000" cy="3514725"/>
-          </a:xfrm>
-          <a:prstGeom prst="rect">
-            <a:avLst/>
-          </a:prstGeom>
-          <a:noFill/>
-          <a:extLst>
-            <a:ext uri="{909E8E84-426E-40DD-AFC4-6F175D3DCCD1}">
-              <a14:hiddenFill xmlns:a14="http://schemas.microsoft.com/office/drawing/2010/main">
-                <a:solidFill>
-                  <a:srgbClr val="FFFFFF"/>
-                </a:solidFill>
-              </a14:hiddenFill>
-            </a:ext>
-          </a:extLst>
-        </p:spPr>
-        <p:txBody>
-          <a:bodyPr vert="horz" wrap="square" lIns="91440" tIns="45720" rIns="91440" bIns="45720" numCol="1" anchor="t" anchorCtr="0" compatLnSpc="1">
-            <a:prstTxWarp prst="textNoShape">
-              <a:avLst/>
-            </a:prstTxWarp>
-          </a:bodyPr>
-          <a:lstStyle/>
-          <a:p>
-            <a:endParaRPr lang="zh-CN" altLang="en-US"/>
-          </a:p>
-        </p:txBody>
-      </p:sp>
-      <p:sp>
-        <p:nvSpPr>
-          <p:cNvPr id="14" name="AutoShape 4" descr="http://img0.imgtn.bdimg.com/it/u=3628156229,2531544788&amp;fm=214&amp;gp=0.jpg"/>
-          <p:cNvSpPr>
-            <a:spLocks noChangeAspect="1" noChangeArrowheads="1"/>
-          </p:cNvSpPr>
-          <p:nvPr/>
-        </p:nvSpPr>
-        <p:spPr bwMode="auto">
-          <a:xfrm>
-            <a:off x="1866900" y="1824038"/>
-            <a:ext cx="5715000" cy="3514725"/>
-          </a:xfrm>
-          <a:prstGeom prst="rect">
-            <a:avLst/>
-          </a:prstGeom>
-          <a:noFill/>
-          <a:extLst>
-            <a:ext uri="{909E8E84-426E-40DD-AFC4-6F175D3DCCD1}">
-              <a14:hiddenFill xmlns:a14="http://schemas.microsoft.com/office/drawing/2010/main">
-                <a:solidFill>
-                  <a:srgbClr val="FFFFFF"/>
-                </a:solidFill>
-              </a14:hiddenFill>
-            </a:ext>
-          </a:extLst>
-        </p:spPr>
-        <p:txBody>
-          <a:bodyPr vert="horz" wrap="square" lIns="91440" tIns="45720" rIns="91440" bIns="45720" numCol="1" anchor="t" anchorCtr="0" compatLnSpc="1">
-            <a:prstTxWarp prst="textNoShape">
-              <a:avLst/>
-            </a:prstTxWarp>
-          </a:bodyPr>
-          <a:lstStyle/>
-          <a:p>
-            <a:endParaRPr lang="zh-CN" altLang="en-US"/>
-          </a:p>
-        </p:txBody>
-      </p:sp>
-      <p:grpSp>
-        <p:nvGrpSpPr>
           <p:cNvPr id="22" name="组合 21"/>
           <p:cNvGrpSpPr/>
           <p:nvPr/>
         </p:nvGrpSpPr>
         <p:grpSpPr>
           <a:xfrm>
-            <a:off x="1756641" y="2736873"/>
-            <a:ext cx="5630718" cy="3880982"/>
+            <a:off x="1593904" y="2792049"/>
+            <a:ext cx="5553594" cy="3827826"/>
             <a:chOff x="1638300" y="2736873"/>
             <a:chExt cx="5630718" cy="3880982"/>
           </a:xfrm>
@@ -15089,6 +17663,358 @@
     </p:spTree>
     <p:extLst>
       <p:ext uri="{BB962C8B-B14F-4D97-AF65-F5344CB8AC3E}">
+        <p14:creationId xmlns:p14="http://schemas.microsoft.com/office/powerpoint/2010/main" val="1119042226"/>
+      </p:ext>
+    </p:extLst>
+  </p:cSld>
+  <p:clrMapOvr>
+    <a:masterClrMapping/>
+  </p:clrMapOvr>
+  <p:timing>
+    <p:tnLst>
+      <p:par>
+        <p:cTn id="1" dur="indefinite" restart="never" nodeType="tmRoot">
+          <p:childTnLst>
+            <p:seq concurrent="1" nextAc="seek">
+              <p:cTn id="2" dur="indefinite" nodeType="mainSeq">
+                <p:childTnLst>
+                  <p:par>
+                    <p:cTn id="3" fill="hold">
+                      <p:stCondLst>
+                        <p:cond delay="indefinite"/>
+                      </p:stCondLst>
+                      <p:childTnLst>
+                        <p:par>
+                          <p:cTn id="4" fill="hold">
+                            <p:stCondLst>
+                              <p:cond delay="0"/>
+                            </p:stCondLst>
+                            <p:childTnLst>
+                              <p:par>
+                                <p:cTn id="5" presetID="10" presetClass="exit" presetSubtype="0" fill="hold" nodeType="clickEffect">
+                                  <p:stCondLst>
+                                    <p:cond delay="0"/>
+                                  </p:stCondLst>
+                                  <p:childTnLst>
+                                    <p:animEffect transition="out" filter="fade">
+                                      <p:cBhvr>
+                                        <p:cTn id="6" dur="500"/>
+                                        <p:tgtEl>
+                                          <p:spTgt spid="22"/>
+                                        </p:tgtEl>
+                                      </p:cBhvr>
+                                    </p:animEffect>
+                                    <p:set>
+                                      <p:cBhvr>
+                                        <p:cTn id="7" dur="1" fill="hold">
+                                          <p:stCondLst>
+                                            <p:cond delay="499"/>
+                                          </p:stCondLst>
+                                        </p:cTn>
+                                        <p:tgtEl>
+                                          <p:spTgt spid="22"/>
+                                        </p:tgtEl>
+                                        <p:attrNameLst>
+                                          <p:attrName>style.visibility</p:attrName>
+                                        </p:attrNameLst>
+                                      </p:cBhvr>
+                                      <p:to>
+                                        <p:strVal val="hidden"/>
+                                      </p:to>
+                                    </p:set>
+                                  </p:childTnLst>
+                                </p:cTn>
+                              </p:par>
+                            </p:childTnLst>
+                          </p:cTn>
+                        </p:par>
+                      </p:childTnLst>
+                    </p:cTn>
+                  </p:par>
+                </p:childTnLst>
+              </p:cTn>
+              <p:prevCondLst>
+                <p:cond evt="onPrev" delay="0">
+                  <p:tgtEl>
+                    <p:sldTgt/>
+                  </p:tgtEl>
+                </p:cond>
+              </p:prevCondLst>
+              <p:nextCondLst>
+                <p:cond evt="onNext" delay="0">
+                  <p:tgtEl>
+                    <p:sldTgt/>
+                  </p:tgtEl>
+                </p:cond>
+              </p:nextCondLst>
+            </p:seq>
+          </p:childTnLst>
+        </p:cTn>
+      </p:par>
+    </p:tnLst>
+  </p:timing>
+</p:sld>
+</file>
+
+<file path=ppt/slides/slide4.xml><?xml version="1.0" encoding="utf-8"?>
+<p:sld xmlns:a="http://schemas.openxmlformats.org/drawingml/2006/main" xmlns:r="http://schemas.openxmlformats.org/officeDocument/2006/relationships" xmlns:p="http://schemas.openxmlformats.org/presentationml/2006/main">
+  <p:cSld>
+    <p:spTree>
+      <p:nvGrpSpPr>
+        <p:cNvPr id="1" name=""/>
+        <p:cNvGrpSpPr/>
+        <p:nvPr/>
+      </p:nvGrpSpPr>
+      <p:grpSpPr>
+        <a:xfrm>
+          <a:off x="0" y="0"/>
+          <a:ext cx="0" cy="0"/>
+          <a:chOff x="0" y="0"/>
+          <a:chExt cx="0" cy="0"/>
+        </a:xfrm>
+      </p:grpSpPr>
+      <p:sp>
+        <p:nvSpPr>
+          <p:cNvPr id="2" name="标题 1"/>
+          <p:cNvSpPr>
+            <a:spLocks noGrp="1"/>
+          </p:cNvSpPr>
+          <p:nvPr>
+            <p:ph type="title"/>
+          </p:nvPr>
+        </p:nvSpPr>
+        <p:spPr/>
+        <p:txBody>
+          <a:bodyPr/>
+          <a:lstStyle/>
+          <a:p>
+            <a:r>
+              <a:rPr lang="zh-CN" altLang="en-US" sz="3600" dirty="0"/>
+              <a:t>研究背景</a:t>
+            </a:r>
+            <a:r>
+              <a:rPr lang="en-US" altLang="zh-CN" sz="3600" dirty="0"/>
+              <a:t>——</a:t>
+            </a:r>
+            <a:r>
+              <a:rPr lang="zh-CN" altLang="en-US" sz="3600" dirty="0"/>
+              <a:t>数控振荡器</a:t>
+            </a:r>
+          </a:p>
+        </p:txBody>
+      </p:sp>
+      <p:sp>
+        <p:nvSpPr>
+          <p:cNvPr id="15" name="页脚占位符 14"/>
+          <p:cNvSpPr>
+            <a:spLocks noGrp="1"/>
+          </p:cNvSpPr>
+          <p:nvPr>
+            <p:ph type="ftr" sz="quarter" idx="11"/>
+          </p:nvPr>
+        </p:nvSpPr>
+        <p:spPr/>
+        <p:txBody>
+          <a:bodyPr/>
+          <a:lstStyle/>
+          <a:p>
+            <a:r>
+              <a:rPr lang="en-US" altLang="zh-CN" dirty="0" smtClean="0">
+                <a:solidFill>
+                  <a:srgbClr val="000000"/>
+                </a:solidFill>
+              </a:rPr>
+              <a:t>4/13</a:t>
+            </a:r>
+            <a:endParaRPr lang="en-US" altLang="zh-CN" dirty="0">
+              <a:solidFill>
+                <a:srgbClr val="000000"/>
+              </a:solidFill>
+            </a:endParaRPr>
+          </a:p>
+        </p:txBody>
+      </p:sp>
+      <p:sp>
+        <p:nvSpPr>
+          <p:cNvPr id="13" name="AutoShape 2" descr="http://img0.imgtn.bdimg.com/it/u=3628156229,2531544788&amp;fm=214&amp;gp=0.jpg"/>
+          <p:cNvSpPr>
+            <a:spLocks noChangeAspect="1" noChangeArrowheads="1"/>
+          </p:cNvSpPr>
+          <p:nvPr/>
+        </p:nvSpPr>
+        <p:spPr bwMode="auto">
+          <a:xfrm>
+            <a:off x="1714500" y="1671638"/>
+            <a:ext cx="5715000" cy="3514725"/>
+          </a:xfrm>
+          <a:prstGeom prst="rect">
+            <a:avLst/>
+          </a:prstGeom>
+          <a:noFill/>
+          <a:extLst>
+            <a:ext uri="{909E8E84-426E-40DD-AFC4-6F175D3DCCD1}">
+              <a14:hiddenFill xmlns:a14="http://schemas.microsoft.com/office/drawing/2010/main">
+                <a:solidFill>
+                  <a:srgbClr val="FFFFFF"/>
+                </a:solidFill>
+              </a14:hiddenFill>
+            </a:ext>
+          </a:extLst>
+        </p:spPr>
+        <p:txBody>
+          <a:bodyPr vert="horz" wrap="square" lIns="91440" tIns="45720" rIns="91440" bIns="45720" numCol="1" anchor="t" anchorCtr="0" compatLnSpc="1">
+            <a:prstTxWarp prst="textNoShape">
+              <a:avLst/>
+            </a:prstTxWarp>
+          </a:bodyPr>
+          <a:lstStyle/>
+          <a:p>
+            <a:endParaRPr lang="zh-CN" altLang="en-US"/>
+          </a:p>
+        </p:txBody>
+      </p:sp>
+      <p:sp>
+        <p:nvSpPr>
+          <p:cNvPr id="14" name="AutoShape 4" descr="http://img0.imgtn.bdimg.com/it/u=3628156229,2531544788&amp;fm=214&amp;gp=0.jpg"/>
+          <p:cNvSpPr>
+            <a:spLocks noChangeAspect="1" noChangeArrowheads="1"/>
+          </p:cNvSpPr>
+          <p:nvPr/>
+        </p:nvSpPr>
+        <p:spPr bwMode="auto">
+          <a:xfrm>
+            <a:off x="1866900" y="1824038"/>
+            <a:ext cx="5715000" cy="3514725"/>
+          </a:xfrm>
+          <a:prstGeom prst="rect">
+            <a:avLst/>
+          </a:prstGeom>
+          <a:noFill/>
+          <a:extLst>
+            <a:ext uri="{909E8E84-426E-40DD-AFC4-6F175D3DCCD1}">
+              <a14:hiddenFill xmlns:a14="http://schemas.microsoft.com/office/drawing/2010/main">
+                <a:solidFill>
+                  <a:srgbClr val="FFFFFF"/>
+                </a:solidFill>
+              </a14:hiddenFill>
+            </a:ext>
+          </a:extLst>
+        </p:spPr>
+        <p:txBody>
+          <a:bodyPr vert="horz" wrap="square" lIns="91440" tIns="45720" rIns="91440" bIns="45720" numCol="1" anchor="t" anchorCtr="0" compatLnSpc="1">
+            <a:prstTxWarp prst="textNoShape">
+              <a:avLst/>
+            </a:prstTxWarp>
+          </a:bodyPr>
+          <a:lstStyle/>
+          <a:p>
+            <a:endParaRPr lang="zh-CN" altLang="en-US"/>
+          </a:p>
+        </p:txBody>
+      </p:sp>
+      <p:sp>
+        <p:nvSpPr>
+          <p:cNvPr id="4" name="内容占位符 3"/>
+          <p:cNvSpPr>
+            <a:spLocks noGrp="1"/>
+          </p:cNvSpPr>
+          <p:nvPr>
+            <p:ph idx="1"/>
+          </p:nvPr>
+        </p:nvSpPr>
+        <p:spPr>
+          <a:xfrm>
+            <a:off x="381000" y="1066800"/>
+            <a:ext cx="8585200" cy="2236297"/>
+          </a:xfrm>
+        </p:spPr>
+        <p:txBody>
+          <a:bodyPr/>
+          <a:lstStyle/>
+          <a:p>
+            <a:pPr>
+              <a:lnSpc>
+                <a:spcPct val="130000"/>
+              </a:lnSpc>
+            </a:pPr>
+            <a:r>
+              <a:rPr lang="zh-CN" altLang="en-US" dirty="0"/>
+              <a:t>无线电应用中，正弦波生成是一个基础而重要的部分</a:t>
+            </a:r>
+            <a:endParaRPr lang="en-US" altLang="zh-CN" dirty="0"/>
+          </a:p>
+          <a:p>
+            <a:pPr>
+              <a:lnSpc>
+                <a:spcPct val="130000"/>
+              </a:lnSpc>
+            </a:pPr>
+            <a:r>
+              <a:rPr lang="zh-CN" altLang="en-US" dirty="0"/>
+              <a:t>现代通信系统对带宽、精度的需求不断增长</a:t>
+            </a:r>
+            <a:endParaRPr lang="en-US" altLang="zh-CN" dirty="0"/>
+          </a:p>
+          <a:p>
+            <a:pPr>
+              <a:lnSpc>
+                <a:spcPct val="130000"/>
+              </a:lnSpc>
+            </a:pPr>
+            <a:r>
+              <a:rPr lang="zh-CN" altLang="en-US" dirty="0"/>
+              <a:t>雷达等军用系统对切换延时有特殊要求，模拟器件实现</a:t>
+            </a:r>
+            <a:r>
+              <a:rPr lang="zh-CN" altLang="en-US" dirty="0" smtClean="0"/>
+              <a:t>困难</a:t>
+            </a:r>
+            <a:endParaRPr lang="en-US" altLang="zh-CN" dirty="0" smtClean="0"/>
+          </a:p>
+          <a:p>
+            <a:pPr>
+              <a:lnSpc>
+                <a:spcPct val="130000"/>
+              </a:lnSpc>
+            </a:pPr>
+            <a:r>
+              <a:rPr lang="zh-CN" altLang="en-US" dirty="0" smtClean="0"/>
+              <a:t>模拟锁相环技术逐渐被淘汰，数控振荡器成为发展的必然</a:t>
+            </a:r>
+            <a:endParaRPr lang="en-US" altLang="zh-CN" dirty="0"/>
+          </a:p>
+          <a:p>
+            <a:endParaRPr lang="zh-CN" altLang="en-US" dirty="0"/>
+          </a:p>
+        </p:txBody>
+      </p:sp>
+      <p:pic>
+        <p:nvPicPr>
+          <p:cNvPr id="34" name="图片 33"/>
+          <p:cNvPicPr>
+            <a:picLocks noChangeAspect="1"/>
+          </p:cNvPicPr>
+          <p:nvPr/>
+        </p:nvPicPr>
+        <p:blipFill>
+          <a:blip r:embed="rId3"/>
+          <a:stretch>
+            <a:fillRect/>
+          </a:stretch>
+        </p:blipFill>
+        <p:spPr>
+          <a:xfrm>
+            <a:off x="598763" y="3607897"/>
+            <a:ext cx="7946473" cy="1883266"/>
+          </a:xfrm>
+          <a:prstGeom prst="rect">
+            <a:avLst/>
+          </a:prstGeom>
+        </p:spPr>
+      </p:pic>
+    </p:spTree>
+    <p:extLst>
+      <p:ext uri="{BB962C8B-B14F-4D97-AF65-F5344CB8AC3E}">
         <p14:creationId xmlns:p14="http://schemas.microsoft.com/office/powerpoint/2010/main" val="791133876"/>
       </p:ext>
     </p:extLst>
@@ -15096,6 +18022,89 @@
   <p:clrMapOvr>
     <a:masterClrMapping/>
   </p:clrMapOvr>
+  <p:timing>
+    <p:tnLst>
+      <p:par>
+        <p:cTn id="1" dur="indefinite" restart="never" nodeType="tmRoot">
+          <p:childTnLst>
+            <p:seq concurrent="1" nextAc="seek">
+              <p:cTn id="2" dur="indefinite" nodeType="mainSeq">
+                <p:childTnLst>
+                  <p:par>
+                    <p:cTn id="3" fill="hold">
+                      <p:stCondLst>
+                        <p:cond delay="indefinite"/>
+                      </p:stCondLst>
+                      <p:childTnLst>
+                        <p:par>
+                          <p:cTn id="4" fill="hold">
+                            <p:stCondLst>
+                              <p:cond delay="0"/>
+                            </p:stCondLst>
+                            <p:childTnLst>
+                              <p:par>
+                                <p:cTn id="5" presetID="10" presetClass="entr" presetSubtype="0" fill="hold" nodeType="clickEffect">
+                                  <p:stCondLst>
+                                    <p:cond delay="0"/>
+                                  </p:stCondLst>
+                                  <p:childTnLst>
+                                    <p:set>
+                                      <p:cBhvr>
+                                        <p:cTn id="6" dur="1" fill="hold">
+                                          <p:stCondLst>
+                                            <p:cond delay="0"/>
+                                          </p:stCondLst>
+                                        </p:cTn>
+                                        <p:tgtEl>
+                                          <p:spTgt spid="34"/>
+                                        </p:tgtEl>
+                                        <p:attrNameLst>
+                                          <p:attrName>style.visibility</p:attrName>
+                                        </p:attrNameLst>
+                                      </p:cBhvr>
+                                      <p:to>
+                                        <p:strVal val="visible"/>
+                                      </p:to>
+                                    </p:set>
+                                    <p:animEffect transition="in" filter="fade">
+                                      <p:cBhvr>
+                                        <p:cTn id="7" dur="500"/>
+                                        <p:tgtEl>
+                                          <p:spTgt spid="34"/>
+                                        </p:tgtEl>
+                                      </p:cBhvr>
+                                    </p:animEffect>
+                                  </p:childTnLst>
+                                </p:cTn>
+                              </p:par>
+                            </p:childTnLst>
+                          </p:cTn>
+                        </p:par>
+                      </p:childTnLst>
+                    </p:cTn>
+                  </p:par>
+                </p:childTnLst>
+              </p:cTn>
+              <p:prevCondLst>
+                <p:cond evt="onPrev" delay="0">
+                  <p:tgtEl>
+                    <p:sldTgt/>
+                  </p:tgtEl>
+                </p:cond>
+              </p:prevCondLst>
+              <p:nextCondLst>
+                <p:cond evt="onNext" delay="0">
+                  <p:tgtEl>
+                    <p:sldTgt/>
+                  </p:tgtEl>
+                </p:cond>
+              </p:nextCondLst>
+            </p:seq>
+          </p:childTnLst>
+        </p:cTn>
+      </p:par>
+    </p:tnLst>
+  </p:timing>
 </p:sld>
 </file>
 
@@ -15203,20 +18212,28 @@
               </a:lnSpc>
             </a:pPr>
             <a:r>
+              <a:rPr lang="zh-CN" altLang="en-US" dirty="0" smtClean="0"/>
+              <a:t>使用方法是直接</a:t>
+            </a:r>
+            <a:r>
+              <a:rPr lang="zh-CN" altLang="en-US" dirty="0"/>
+              <a:t>数字综合</a:t>
+            </a:r>
+            <a:r>
               <a:rPr lang="en-US" altLang="zh-CN" dirty="0"/>
-              <a:t>NCO</a:t>
+              <a:t>(DDS</a:t>
+            </a:r>
+            <a:r>
+              <a:rPr lang="en-US" altLang="zh-CN" dirty="0" smtClean="0"/>
+              <a:t>)</a:t>
+            </a:r>
+            <a:r>
+              <a:rPr lang="zh-CN" altLang="en-US" dirty="0" smtClean="0"/>
+              <a:t>，</a:t>
             </a:r>
             <a:r>
               <a:rPr lang="zh-CN" altLang="en-US" dirty="0"/>
-              <a:t>使用直接数字综合</a:t>
-            </a:r>
-            <a:r>
-              <a:rPr lang="en-US" altLang="zh-CN" dirty="0"/>
-              <a:t>(DDS)</a:t>
-            </a:r>
-            <a:r>
-              <a:rPr lang="zh-CN" altLang="en-US" dirty="0"/>
-              <a:t>方法，完全去除了模拟器件</a:t>
+              <a:t>完全去除了模拟器件</a:t>
             </a:r>
             <a:endParaRPr lang="en-US" altLang="zh-CN" dirty="0"/>
           </a:p>
@@ -17294,7 +20311,7 @@
         <p:spPr>
           <a:xfrm>
             <a:off x="173734" y="4777389"/>
-            <a:ext cx="5657087" cy="1477328"/>
+            <a:ext cx="7232906" cy="1477328"/>
           </a:xfrm>
           <a:prstGeom prst="rect">
             <a:avLst/>
@@ -17354,8 +20371,12 @@
               <a:buChar char="ü"/>
             </a:pPr>
             <a:r>
+              <a:rPr lang="zh-CN" altLang="en-US" dirty="0" smtClean="0"/>
+              <a:t>直接切换频率，无需等待负反馈，</a:t>
+            </a:r>
+            <a:r>
               <a:rPr lang="zh-CN" altLang="en-US" dirty="0"/>
-              <a:t>没有大电容电感，切换延时</a:t>
+              <a:t>切换延时</a:t>
             </a:r>
             <a:r>
               <a:rPr lang="zh-CN" altLang="en-US" dirty="0">
@@ -17483,6 +20504,13 @@
   <p:clrMapOvr>
     <a:masterClrMapping/>
   </p:clrMapOvr>
+  <p:timing>
+    <p:tnLst>
+      <p:par>
+        <p:cTn id="1" dur="indefinite" restart="never" nodeType="tmRoot"/>
+      </p:par>
+    </p:tnLst>
+  </p:timing>
 </p:sld>
 </file>
 
@@ -17546,15 +20574,7 @@
                   <a:srgbClr val="000000"/>
                 </a:solidFill>
               </a:rPr>
-              <a:t>6</a:t>
-            </a:r>
-            <a:r>
-              <a:rPr lang="en-US" altLang="zh-CN" dirty="0" smtClean="0">
-                <a:solidFill>
-                  <a:srgbClr val="000000"/>
-                </a:solidFill>
-              </a:rPr>
-              <a:t>/13</a:t>
+              <a:t>6/13</a:t>
             </a:r>
             <a:endParaRPr lang="en-US" altLang="zh-CN" dirty="0">
               <a:solidFill>
@@ -17566,24 +20586,22 @@
       </p:sp>
       <p:sp>
         <p:nvSpPr>
-          <p:cNvPr id="5" name="文本框 4"/>
-          <p:cNvSpPr txBox="1"/>
-          <p:nvPr/>
+          <p:cNvPr id="6" name="内容占位符 2"/>
+          <p:cNvSpPr>
+            <a:spLocks noGrp="1"/>
+          </p:cNvSpPr>
+          <p:nvPr>
+            <p:ph idx="1"/>
+          </p:nvPr>
         </p:nvSpPr>
         <p:spPr>
           <a:xfrm>
-            <a:off x="591127" y="1163782"/>
-            <a:ext cx="8019473" cy="5139869"/>
+            <a:off x="381000" y="914400"/>
+            <a:ext cx="8393545" cy="5367308"/>
           </a:xfrm>
-          <a:prstGeom prst="rect">
-            <a:avLst/>
-          </a:prstGeom>
-          <a:noFill/>
         </p:spPr>
         <p:txBody>
-          <a:bodyPr wrap="square" rtlCol="0">
-            <a:spAutoFit/>
-          </a:bodyPr>
+          <a:bodyPr/>
           <a:lstStyle/>
           <a:p>
             <a:pPr>
@@ -17592,96 +20610,232 @@
               </a:spcAft>
             </a:pPr>
             <a:r>
-              <a:rPr lang="zh-CN" altLang="en-US" sz="2800" dirty="0" smtClean="0">
-                <a:ea typeface="Arial Unicode MS" pitchFamily="34" charset="-122"/>
-              </a:rPr>
+              <a:rPr lang="zh-CN" altLang="en-US" dirty="0"/>
+              <a:t>总</a:t>
+            </a:r>
+            <a:r>
+              <a:rPr lang="zh-CN" altLang="en-US" dirty="0" smtClean="0"/>
               <a:t>目标</a:t>
             </a:r>
             <a:r>
-              <a:rPr lang="zh-CN" altLang="en-US" sz="2800" dirty="0">
-                <a:ea typeface="Arial Unicode MS" pitchFamily="34" charset="-122"/>
-              </a:rPr>
+              <a:rPr lang="zh-CN" altLang="en-US" dirty="0"/>
               <a:t>：设计高速、高精度数控振荡器</a:t>
             </a:r>
-            <a:endParaRPr lang="en-US" altLang="zh-CN" sz="2800" dirty="0">
-              <a:ea typeface="Arial Unicode MS" pitchFamily="34" charset="-122"/>
-            </a:endParaRPr>
-          </a:p>
-          <a:p>
-            <a:pPr marL="342900" indent="-342900">
+            <a:endParaRPr lang="en-US" altLang="zh-CN" dirty="0"/>
+          </a:p>
+          <a:p>
+            <a:pPr marL="0" indent="0">
               <a:spcBef>
                 <a:spcPts val="600"/>
               </a:spcBef>
-              <a:buAutoNum type="arabicPeriod"/>
+              <a:spcAft>
+                <a:spcPts val="0"/>
+              </a:spcAft>
+              <a:buNone/>
             </a:pPr>
             <a:r>
-              <a:rPr lang="zh-CN" altLang="en-US" sz="2000" dirty="0"/>
-              <a:t>利用直接数字综合方法实现数控振荡器</a:t>
-            </a:r>
-            <a:endParaRPr lang="en-US" altLang="zh-CN" sz="2000" dirty="0"/>
-          </a:p>
-          <a:p>
-            <a:pPr marL="342900" indent="-342900">
+              <a:rPr lang="zh-CN" altLang="en-US" dirty="0" smtClean="0"/>
+              <a:t>一</a:t>
+            </a:r>
+            <a:r>
+              <a:rPr lang="zh-CN" altLang="en-US" dirty="0"/>
+              <a:t>、电路结构的设计和代码编写</a:t>
+            </a:r>
+            <a:endParaRPr lang="en-US" altLang="zh-CN" dirty="0"/>
+          </a:p>
+          <a:p>
+            <a:pPr>
               <a:spcBef>
                 <a:spcPts val="600"/>
               </a:spcBef>
-              <a:buAutoNum type="arabicPeriod"/>
+              <a:spcAft>
+                <a:spcPts val="0"/>
+              </a:spcAft>
             </a:pPr>
             <a:r>
+              <a:rPr lang="en-US" altLang="zh-CN" sz="2000" dirty="0" smtClean="0"/>
+              <a:t>1.1 </a:t>
+            </a:r>
+            <a:r>
+              <a:rPr lang="zh-CN" altLang="en-US" sz="2000" dirty="0" smtClean="0"/>
+              <a:t>设计</a:t>
+            </a:r>
+            <a:r>
               <a:rPr lang="zh-CN" altLang="en-US" sz="2000" dirty="0"/>
-              <a:t>理论上解释数控振荡器的误差来源，仿真中找到性能瓶颈</a:t>
+              <a:t>高速、低功耗的相位累加器</a:t>
             </a:r>
             <a:endParaRPr lang="en-US" altLang="zh-CN" sz="2000" dirty="0"/>
           </a:p>
           <a:p>
-            <a:pPr marL="342900" indent="-342900">
+            <a:pPr>
               <a:spcBef>
                 <a:spcPts val="600"/>
               </a:spcBef>
-              <a:buAutoNum type="arabicPeriod"/>
+              <a:spcAft>
+                <a:spcPts val="0"/>
+              </a:spcAft>
             </a:pPr>
             <a:r>
+              <a:rPr lang="en-US" altLang="zh-CN" sz="2000" dirty="0" smtClean="0"/>
+              <a:t>1.2 </a:t>
+            </a:r>
+            <a:r>
+              <a:rPr lang="zh-CN" altLang="en-US" sz="2000" dirty="0" smtClean="0"/>
+              <a:t>设计混合方案的相位</a:t>
+            </a:r>
+            <a:r>
+              <a:rPr lang="en-US" altLang="zh-CN" sz="2000" dirty="0"/>
+              <a:t>-</a:t>
+            </a:r>
+            <a:r>
               <a:rPr lang="zh-CN" altLang="en-US" sz="2000" dirty="0"/>
-              <a:t>根据场景，结合压缩算法、非线性</a:t>
-            </a:r>
-            <a:r>
-              <a:rPr lang="en-US" altLang="zh-CN" sz="2000" dirty="0"/>
-              <a:t>DAC</a:t>
-            </a:r>
-            <a:r>
-              <a:rPr lang="zh-CN" altLang="en-US" sz="2000" dirty="0"/>
-              <a:t>、</a:t>
-            </a:r>
-            <a:r>
-              <a:rPr lang="en-US" altLang="zh-CN" sz="2000" dirty="0"/>
-              <a:t>CORDIC</a:t>
-            </a:r>
-            <a:r>
-              <a:rPr lang="zh-CN" altLang="en-US" sz="2000" dirty="0"/>
-              <a:t>算法，合理优化</a:t>
+              <a:t>幅度转换器</a:t>
             </a:r>
             <a:endParaRPr lang="en-US" altLang="zh-CN" sz="2000" dirty="0"/>
           </a:p>
           <a:p>
-            <a:pPr marL="342900" indent="-342900">
+            <a:pPr marL="0" indent="0">
               <a:spcBef>
                 <a:spcPts val="600"/>
               </a:spcBef>
-              <a:buAutoNum type="arabicPeriod"/>
+              <a:spcAft>
+                <a:spcPts val="0"/>
+              </a:spcAft>
+              <a:buNone/>
             </a:pPr>
             <a:r>
-              <a:rPr lang="zh-CN" altLang="en-US" sz="2000" dirty="0"/>
-              <a:t>提出新的</a:t>
-            </a:r>
+              <a:rPr lang="zh-CN" altLang="en-US" dirty="0" smtClean="0"/>
+              <a:t>二</a:t>
+            </a:r>
+            <a:r>
+              <a:rPr lang="zh-CN" altLang="en-US" dirty="0"/>
+              <a:t>、电路仿真检查</a:t>
+            </a:r>
+            <a:endParaRPr lang="en-US" altLang="zh-CN" dirty="0"/>
+          </a:p>
+          <a:p>
+            <a:pPr>
+              <a:spcBef>
+                <a:spcPts val="600"/>
+              </a:spcBef>
+              <a:spcAft>
+                <a:spcPts val="0"/>
+              </a:spcAft>
+            </a:pPr>
             <a:r>
               <a:rPr lang="en-US" altLang="zh-CN" sz="2000" dirty="0"/>
+              <a:t>2.1 </a:t>
+            </a:r>
+            <a:r>
+              <a:rPr lang="zh-CN" altLang="en-US" sz="2000" dirty="0" smtClean="0"/>
+              <a:t>搭建可扩展的</a:t>
+            </a:r>
+            <a:r>
+              <a:rPr lang="en-US" altLang="zh-CN" sz="2000" dirty="0" smtClean="0"/>
               <a:t>NCO</a:t>
             </a:r>
             <a:r>
-              <a:rPr lang="zh-CN" altLang="en-US" sz="2000" dirty="0"/>
-              <a:t>电路设计，在仿真中达到以下主要指标：</a:t>
+              <a:rPr lang="zh-CN" altLang="en-US" sz="2000" dirty="0" smtClean="0"/>
+              <a:t>仿真平台</a:t>
             </a:r>
             <a:endParaRPr lang="en-US" altLang="zh-CN" sz="2000" dirty="0"/>
+          </a:p>
+          <a:p>
+            <a:pPr>
+              <a:spcBef>
+                <a:spcPts val="600"/>
+              </a:spcBef>
+              <a:spcAft>
+                <a:spcPts val="0"/>
+              </a:spcAft>
+            </a:pPr>
+            <a:r>
+              <a:rPr lang="en-US" altLang="zh-CN" sz="2000" dirty="0" smtClean="0"/>
+              <a:t>2.2 </a:t>
+            </a:r>
+            <a:r>
+              <a:rPr lang="zh-CN" altLang="en-US" sz="2000" dirty="0" smtClean="0"/>
+              <a:t>熟悉使用</a:t>
+            </a:r>
+            <a:r>
+              <a:rPr lang="en-US" altLang="zh-CN" sz="2000" dirty="0" smtClean="0"/>
+              <a:t>Design Compiler</a:t>
+            </a:r>
+            <a:r>
+              <a:rPr lang="zh-CN" altLang="en-US" sz="2000" dirty="0" smtClean="0"/>
+              <a:t>、</a:t>
+            </a:r>
+            <a:r>
+              <a:rPr lang="en-US" altLang="zh-CN" sz="2000" dirty="0"/>
+              <a:t>M</a:t>
+            </a:r>
+            <a:r>
+              <a:rPr lang="en-US" altLang="zh-CN" sz="2000" dirty="0" smtClean="0"/>
+              <a:t>emory Complier</a:t>
+            </a:r>
+            <a:r>
+              <a:rPr lang="zh-CN" altLang="en-US" sz="2000" dirty="0" smtClean="0"/>
+              <a:t>等前端设计工具</a:t>
+            </a:r>
+            <a:endParaRPr lang="en-US" altLang="zh-CN" sz="2000" dirty="0" smtClean="0"/>
+          </a:p>
+          <a:p>
+            <a:pPr>
+              <a:spcBef>
+                <a:spcPts val="600"/>
+              </a:spcBef>
+              <a:spcAft>
+                <a:spcPts val="0"/>
+              </a:spcAft>
+            </a:pPr>
+            <a:r>
+              <a:rPr lang="en-US" altLang="zh-CN" sz="2000" dirty="0" smtClean="0"/>
+              <a:t>2.3 </a:t>
+            </a:r>
+            <a:r>
+              <a:rPr lang="zh-CN" altLang="en-US" sz="2000" dirty="0" smtClean="0"/>
+              <a:t>静态分析电路时序，根据静态时序思考改进方案</a:t>
+            </a:r>
+            <a:endParaRPr lang="en-US" altLang="zh-CN" sz="2000" dirty="0"/>
+          </a:p>
+          <a:p>
+            <a:pPr>
+              <a:spcBef>
+                <a:spcPts val="600"/>
+              </a:spcBef>
+              <a:spcAft>
+                <a:spcPts val="0"/>
+              </a:spcAft>
+            </a:pPr>
+            <a:r>
+              <a:rPr lang="en-US" altLang="zh-CN" sz="2000" dirty="0" smtClean="0"/>
+              <a:t>2.4 </a:t>
+            </a:r>
+            <a:r>
+              <a:rPr lang="zh-CN" altLang="en-US" sz="2000" dirty="0" smtClean="0"/>
+              <a:t>学习使用后端设计工具，在电路实现上寻找优化点</a:t>
+            </a:r>
+            <a:endParaRPr lang="en-US" altLang="zh-CN" sz="2000" dirty="0" smtClean="0"/>
+          </a:p>
+          <a:p>
+            <a:pPr marL="0" indent="0">
+              <a:spcBef>
+                <a:spcPts val="600"/>
+              </a:spcBef>
+              <a:spcAft>
+                <a:spcPts val="0"/>
+              </a:spcAft>
+              <a:buNone/>
+            </a:pPr>
+            <a:r>
+              <a:rPr lang="zh-CN" altLang="en-US" dirty="0"/>
+              <a:t>三、达成</a:t>
+            </a:r>
+            <a:r>
+              <a:rPr lang="zh-CN" altLang="en-US" dirty="0" smtClean="0"/>
+              <a:t>指标</a:t>
+            </a:r>
+            <a:endParaRPr lang="en-US" altLang="zh-CN" dirty="0" smtClean="0"/>
           </a:p>
           <a:p>
             <a:pPr>
@@ -17690,12 +20844,16 @@
               </a:spcBef>
             </a:pPr>
             <a:r>
-              <a:rPr lang="en-US" altLang="zh-CN" sz="2000" dirty="0"/>
-              <a:t>       —</a:t>
+              <a:rPr lang="en-US" altLang="zh-CN" sz="2000" dirty="0" smtClean="0"/>
+              <a:t>3.1 </a:t>
+            </a:r>
+            <a:r>
+              <a:rPr lang="zh-CN" altLang="en-US" sz="2000" dirty="0" smtClean="0"/>
+              <a:t>频率</a:t>
             </a:r>
             <a:r>
               <a:rPr lang="zh-CN" altLang="en-US" sz="2000" dirty="0"/>
-              <a:t>频率分辨率：</a:t>
+              <a:t>分辨率：</a:t>
             </a:r>
             <a:r>
               <a:rPr lang="en-US" altLang="zh-CN" sz="2000" dirty="0" err="1"/>
@@ -17718,22 +20876,21 @@
               </a:spcBef>
             </a:pPr>
             <a:r>
-              <a:rPr lang="en-US" altLang="zh-CN" sz="2000" dirty="0"/>
-              <a:t>       —</a:t>
+              <a:rPr lang="en-US" altLang="zh-CN" sz="2000" dirty="0" smtClean="0"/>
+              <a:t>3.2 </a:t>
+            </a:r>
+            <a:r>
+              <a:rPr lang="zh-CN" altLang="en-US" sz="2000" dirty="0" smtClean="0"/>
+              <a:t>时钟频率</a:t>
             </a:r>
             <a:r>
               <a:rPr lang="zh-CN" altLang="en-US" sz="2000" dirty="0"/>
-              <a:t>时钟频率：</a:t>
+              <a:t>：</a:t>
             </a:r>
             <a:r>
               <a:rPr lang="en-US" altLang="zh-CN" sz="2000" dirty="0"/>
               <a:t>1 GHz </a:t>
             </a:r>
-            <a:r>
-              <a:rPr lang="zh-CN" altLang="en-US" sz="2000" dirty="0"/>
-              <a:t>以上</a:t>
-            </a:r>
-            <a:endParaRPr lang="en-US" altLang="zh-CN" sz="2000" dirty="0"/>
           </a:p>
           <a:p>
             <a:pPr>
@@ -17742,97 +20899,61 @@
               </a:spcBef>
             </a:pPr>
             <a:r>
-              <a:rPr lang="en-US" altLang="zh-CN" sz="2000" dirty="0"/>
-              <a:t>       —</a:t>
+              <a:rPr lang="en-US" altLang="zh-CN" sz="2000" dirty="0" smtClean="0"/>
+              <a:t>3.3 </a:t>
+            </a:r>
+            <a:r>
+              <a:rPr lang="zh-CN" altLang="en-US" sz="2000" dirty="0" smtClean="0"/>
+              <a:t>杂散</a:t>
             </a:r>
             <a:r>
               <a:rPr lang="zh-CN" altLang="en-US" sz="2000" dirty="0"/>
-              <a:t>杂散性能：</a:t>
+              <a:t>性能：</a:t>
             </a:r>
             <a:r>
               <a:rPr lang="en-US" altLang="zh-CN" sz="2000" dirty="0"/>
               <a:t>50 </a:t>
             </a:r>
             <a:r>
-              <a:rPr lang="en-US" altLang="zh-CN" sz="2000" dirty="0" err="1"/>
+              <a:rPr lang="en-US" altLang="zh-CN" sz="2000" dirty="0" err="1" smtClean="0"/>
               <a:t>dBc</a:t>
             </a:r>
-            <a:endParaRPr lang="en-US" altLang="zh-CN" sz="2000" dirty="0"/>
+            <a:endParaRPr lang="en-US" altLang="zh-CN" dirty="0"/>
+          </a:p>
+          <a:p>
+            <a:pPr marL="0" indent="0">
+              <a:spcBef>
+                <a:spcPts val="600"/>
+              </a:spcBef>
+              <a:spcAft>
+                <a:spcPts val="0"/>
+              </a:spcAft>
+              <a:buNone/>
+            </a:pPr>
+            <a:endParaRPr lang="en-US" altLang="zh-CN" dirty="0"/>
           </a:p>
           <a:p>
             <a:pPr>
               <a:spcBef>
                 <a:spcPts val="600"/>
               </a:spcBef>
+              <a:spcAft>
+                <a:spcPts val="0"/>
+              </a:spcAft>
             </a:pPr>
-            <a:r>
-              <a:rPr lang="en-US" altLang="zh-CN" sz="2000" dirty="0"/>
-              <a:t>       —</a:t>
-            </a:r>
-            <a:r>
-              <a:rPr lang="zh-CN" altLang="en-US" sz="2000" dirty="0"/>
-              <a:t>切换延时：</a:t>
-            </a:r>
-            <a:r>
-              <a:rPr lang="en-US" altLang="zh-CN" sz="2000" dirty="0"/>
-              <a:t>10 ns </a:t>
-            </a:r>
-            <a:r>
-              <a:rPr lang="zh-CN" altLang="en-US" sz="2000" dirty="0"/>
-              <a:t>数量级</a:t>
-            </a:r>
-            <a:endParaRPr lang="en-US" altLang="zh-CN" sz="2000" dirty="0"/>
-          </a:p>
-          <a:p>
-            <a:pPr>
+            <a:endParaRPr lang="en-US" altLang="zh-CN" dirty="0"/>
+          </a:p>
+          <a:p>
+            <a:pPr marL="342900" lvl="1" indent="0">
               <a:spcBef>
                 <a:spcPts val="600"/>
               </a:spcBef>
+              <a:spcAft>
+                <a:spcPts val="600"/>
+              </a:spcAft>
+              <a:buNone/>
             </a:pPr>
-            <a:r>
-              <a:rPr lang="en-US" altLang="zh-CN" sz="2000" dirty="0"/>
-              <a:t>5. </a:t>
-            </a:r>
-            <a:r>
-              <a:rPr lang="zh-CN" altLang="en-US" sz="2000" dirty="0"/>
-              <a:t>谋求在电路层面创新，利用高速低功耗的电路进一步提高</a:t>
-            </a:r>
-            <a:r>
-              <a:rPr lang="en-US" altLang="zh-CN" sz="2000" dirty="0"/>
-              <a:t>NCO</a:t>
-            </a:r>
-            <a:r>
-              <a:rPr lang="zh-CN" altLang="en-US" sz="2000" dirty="0"/>
-              <a:t>性能</a:t>
-            </a:r>
-            <a:endParaRPr lang="en-US" altLang="zh-CN" sz="2000" dirty="0"/>
-          </a:p>
-          <a:p>
-            <a:pPr marL="342900" indent="-342900">
-              <a:spcBef>
-                <a:spcPts val="600"/>
-              </a:spcBef>
-              <a:buAutoNum type="arabicPeriod"/>
-            </a:pPr>
-            <a:endParaRPr lang="en-US" altLang="zh-CN" sz="2000" dirty="0">
-              <a:ea typeface="Arial Unicode MS" pitchFamily="34" charset="-122"/>
-            </a:endParaRPr>
-          </a:p>
-          <a:p>
-            <a:pPr marL="342900" indent="-342900">
-              <a:buAutoNum type="arabicPeriod"/>
-            </a:pPr>
-            <a:endParaRPr lang="en-US" altLang="zh-CN" sz="2000" dirty="0">
-              <a:ea typeface="Arial Unicode MS" pitchFamily="34" charset="-122"/>
-            </a:endParaRPr>
-          </a:p>
-          <a:p>
-            <a:pPr marL="342900" indent="-342900">
-              <a:buAutoNum type="arabicPeriod"/>
-            </a:pPr>
-            <a:endParaRPr lang="en-US" altLang="zh-CN" sz="2000" dirty="0">
-              <a:ea typeface="Arial Unicode MS" pitchFamily="34" charset="-122"/>
-            </a:endParaRPr>
+            <a:endParaRPr lang="en-US" altLang="zh-CN" dirty="0"/>
           </a:p>
         </p:txBody>
       </p:sp>
@@ -17846,6 +20967,13 @@
   <p:clrMapOvr>
     <a:masterClrMapping/>
   </p:clrMapOvr>
+  <p:timing>
+    <p:tnLst>
+      <p:par>
+        <p:cTn id="1" dur="indefinite" restart="never" nodeType="tmRoot"/>
+      </p:par>
+    </p:tnLst>
+  </p:timing>
 </p:sld>
 </file>
 
@@ -17909,15 +21037,7 @@
                   <a:srgbClr val="000000"/>
                 </a:solidFill>
               </a:rPr>
-              <a:t>7</a:t>
-            </a:r>
-            <a:r>
-              <a:rPr lang="en-US" altLang="zh-CN" dirty="0" smtClean="0">
-                <a:solidFill>
-                  <a:srgbClr val="000000"/>
-                </a:solidFill>
-              </a:rPr>
-              <a:t>/13</a:t>
+              <a:t>7/13</a:t>
             </a:r>
             <a:endParaRPr lang="en-US" altLang="zh-CN" dirty="0">
               <a:solidFill>
@@ -18033,8 +21153,8 @@
               <a:t>速率普遍在</a:t>
             </a:r>
             <a:r>
-              <a:rPr lang="en-US" altLang="zh-CN" dirty="0"/>
-              <a:t>10Gbs</a:t>
+              <a:rPr lang="en-US" altLang="zh-CN" dirty="0" smtClean="0"/>
+              <a:t>10Gbps</a:t>
             </a:r>
             <a:r>
               <a:rPr lang="zh-CN" altLang="en-US" dirty="0"/>
@@ -18053,8 +21173,12 @@
               <a:buNone/>
             </a:pPr>
             <a:r>
+              <a:rPr lang="zh-CN" altLang="en-US" dirty="0" smtClean="0"/>
+              <a:t>实际的系统</a:t>
+            </a:r>
+            <a:r>
               <a:rPr lang="zh-CN" altLang="en-US" dirty="0"/>
-              <a:t>目前的系统瓶颈是存储器访问速度比较慢</a:t>
+              <a:t>瓶颈是存储器访问速度比较慢</a:t>
             </a:r>
             <a:endParaRPr lang="en-US" altLang="zh-CN" dirty="0"/>
           </a:p>
@@ -18084,7 +21208,15 @@
             </a:pPr>
             <a:r>
               <a:rPr lang="zh-CN" altLang="en-US" dirty="0"/>
-              <a:t>压缩方法：利用对称性压缩、</a:t>
+              <a:t>查找表</a:t>
+            </a:r>
+            <a:r>
+              <a:rPr lang="zh-CN" altLang="en-US" dirty="0" smtClean="0"/>
+              <a:t>缩法：</a:t>
+            </a:r>
+            <a:r>
+              <a:rPr lang="zh-CN" altLang="en-US" dirty="0"/>
+              <a:t>利用对称性压缩、</a:t>
             </a:r>
             <a:r>
               <a:rPr lang="en-US" altLang="zh-CN" dirty="0"/>
@@ -18106,8 +21238,12 @@
               </a:spcAft>
             </a:pPr>
             <a:r>
+              <a:rPr lang="zh-CN" altLang="en-US" dirty="0" smtClean="0"/>
+              <a:t>矩阵旋转法</a:t>
+            </a:r>
+            <a:r>
               <a:rPr lang="zh-CN" altLang="en-US" dirty="0"/>
-              <a:t>旋转法：通过</a:t>
+              <a:t>：通过</a:t>
             </a:r>
             <a:r>
               <a:rPr lang="en-US" altLang="zh-CN" dirty="0"/>
@@ -18154,6 +21290,13 @@
   <p:clrMapOvr>
     <a:masterClrMapping/>
   </p:clrMapOvr>
+  <p:timing>
+    <p:tnLst>
+      <p:par>
+        <p:cTn id="1" dur="indefinite" restart="never" nodeType="tmRoot"/>
+      </p:par>
+    </p:tnLst>
+  </p:timing>
 </p:sld>
 </file>
 
@@ -18250,15 +21393,19 @@
             </a:r>
             <a:r>
               <a:rPr lang="zh-CN" altLang="en-US" dirty="0"/>
-              <a:t>种，分别挑选近年</a:t>
-            </a:r>
-            <a:r>
-              <a:rPr lang="en-US" altLang="zh-CN" dirty="0"/>
+              <a:t>种</a:t>
+            </a:r>
+            <a:r>
+              <a:rPr lang="zh-CN" altLang="en-US" dirty="0" smtClean="0"/>
+              <a:t>，分别挑选</a:t>
+            </a:r>
+            <a:r>
+              <a:rPr lang="en-US" altLang="zh-CN" dirty="0" smtClean="0"/>
               <a:t>3</a:t>
             </a:r>
             <a:r>
               <a:rPr lang="zh-CN" altLang="en-US" dirty="0"/>
-              <a:t>篇相关文献</a:t>
+              <a:t>篇近年相关文献</a:t>
             </a:r>
             <a:endParaRPr lang="en-US" altLang="zh-CN" dirty="0"/>
           </a:p>
@@ -18392,15 +21539,7 @@
                   <a:srgbClr val="000000"/>
                 </a:solidFill>
               </a:rPr>
-              <a:t>8</a:t>
-            </a:r>
-            <a:r>
-              <a:rPr lang="en-US" altLang="zh-CN" dirty="0" smtClean="0">
-                <a:solidFill>
-                  <a:srgbClr val="000000"/>
-                </a:solidFill>
-              </a:rPr>
-              <a:t>/13</a:t>
+              <a:t>8/13</a:t>
             </a:r>
             <a:endParaRPr lang="en-US" altLang="zh-CN" dirty="0">
               <a:solidFill>
@@ -19329,6 +22468,13 @@
   <p:clrMapOvr>
     <a:masterClrMapping/>
   </p:clrMapOvr>
+  <p:timing>
+    <p:tnLst>
+      <p:par>
+        <p:cTn id="1" dur="indefinite" restart="never" nodeType="tmRoot"/>
+      </p:par>
+    </p:tnLst>
+  </p:timing>
 </p:sld>
 </file>
 
@@ -19903,16 +23049,24 @@
                   <a:t>DAC</a:t>
                 </a:r>
                 <a:r>
-                  <a:rPr lang="zh-CN" altLang="en-US" sz="2000" dirty="0"/>
-                  <a:t>，压缩</a:t>
+                  <a:rPr lang="zh-CN" altLang="en-US" sz="2000" dirty="0" smtClean="0"/>
+                  <a:t>，</a:t>
                 </a:r>
                 <a:r>
-                  <a:rPr lang="en-US" altLang="zh-CN" sz="2000" dirty="0"/>
+                  <a:rPr lang="zh-CN" altLang="en-US" sz="2000" dirty="0"/>
+                  <a:t>简化</a:t>
+                </a:r>
+                <a:r>
+                  <a:rPr lang="en-US" altLang="zh-CN" sz="2000" dirty="0" smtClean="0"/>
                   <a:t>DAC</a:t>
                 </a:r>
                 <a:r>
                   <a:rPr lang="zh-CN" altLang="en-US" sz="2000" dirty="0"/>
-                  <a:t>中编解码器复杂度</a:t>
+                  <a:t>中编</a:t>
+                </a:r>
+                <a:r>
+                  <a:rPr lang="zh-CN" altLang="en-US" sz="2000" dirty="0" smtClean="0"/>
+                  <a:t>解码器</a:t>
                 </a:r>
                 <a:endParaRPr lang="en-US" altLang="zh-CN" sz="2000" dirty="0"/>
               </a:p>
@@ -20051,15 +23205,7 @@
                   <a:srgbClr val="000000"/>
                 </a:solidFill>
               </a:rPr>
-              <a:t>9</a:t>
-            </a:r>
-            <a:r>
-              <a:rPr lang="en-US" altLang="zh-CN" dirty="0" smtClean="0">
-                <a:solidFill>
-                  <a:srgbClr val="000000"/>
-                </a:solidFill>
-              </a:rPr>
-              <a:t>/13</a:t>
+              <a:t>9/13</a:t>
             </a:r>
             <a:endParaRPr lang="en-US" altLang="zh-CN" dirty="0">
               <a:solidFill>
@@ -20079,7 +23225,158 @@
   <p:clrMapOvr>
     <a:masterClrMapping/>
   </p:clrMapOvr>
+  <p:timing>
+    <p:tnLst>
+      <p:par>
+        <p:cTn id="1" dur="indefinite" restart="never" nodeType="tmRoot"/>
+      </p:par>
+    </p:tnLst>
+  </p:timing>
 </p:sld>
+</file>
+
+<file path=ppt/tags/tag1.xml><?xml version="1.0" encoding="utf-8"?>
+<p:tagLst xmlns:a="http://schemas.openxmlformats.org/drawingml/2006/main" xmlns:r="http://schemas.openxmlformats.org/officeDocument/2006/relationships" xmlns:p="http://schemas.openxmlformats.org/presentationml/2006/main">
+  <p:tag name="MILESTONE1" val="255,75,33,-46303,False;10/31/2013 00:00:00;Milestone 3;False;False;True;False;False;tbName;1;;11;;10;1;-16777216;-16777216;False;110;False;False;False;False;False;84.50071;481.6328"/>
+</p:tagLst>
+</file>
+
+<file path=ppt/tags/tag10.xml><?xml version="1.0" encoding="utf-8"?>
+<p:tagLst xmlns:a="http://schemas.openxmlformats.org/drawingml/2006/main" xmlns:r="http://schemas.openxmlformats.org/officeDocument/2006/relationships" xmlns:p="http://schemas.openxmlformats.org/presentationml/2006/main">
+  <p:tag name="TIMESCALVALUEFONT" val="Yes"/>
+</p:tagLst>
+</file>
+
+<file path=ppt/tags/tag11.xml><?xml version="1.0" encoding="utf-8"?>
+<p:tagLst xmlns:a="http://schemas.openxmlformats.org/drawingml/2006/main" xmlns:r="http://schemas.openxmlformats.org/officeDocument/2006/relationships" xmlns:p="http://schemas.openxmlformats.org/presentationml/2006/main">
+  <p:tag name="TIMESCALVALUEFONT" val="Yes"/>
+</p:tagLst>
+</file>
+
+<file path=ppt/tags/tag12.xml><?xml version="1.0" encoding="utf-8"?>
+<p:tagLst xmlns:a="http://schemas.openxmlformats.org/drawingml/2006/main" xmlns:r="http://schemas.openxmlformats.org/officeDocument/2006/relationships" xmlns:p="http://schemas.openxmlformats.org/presentationml/2006/main">
+  <p:tag name="TIMESCALVALUEFONT" val="Yes"/>
+</p:tagLst>
+</file>
+
+<file path=ppt/tags/tag13.xml><?xml version="1.0" encoding="utf-8"?>
+<p:tagLst xmlns:a="http://schemas.openxmlformats.org/drawingml/2006/main" xmlns:r="http://schemas.openxmlformats.org/officeDocument/2006/relationships" xmlns:p="http://schemas.openxmlformats.org/presentationml/2006/main">
+  <p:tag name="TIMESCALVALUEFONT" val="Yes"/>
+</p:tagLst>
+</file>
+
+<file path=ppt/tags/tag14.xml><?xml version="1.0" encoding="utf-8"?>
+<p:tagLst xmlns:a="http://schemas.openxmlformats.org/drawingml/2006/main" xmlns:r="http://schemas.openxmlformats.org/officeDocument/2006/relationships" xmlns:p="http://schemas.openxmlformats.org/presentationml/2006/main">
+  <p:tag name="TIMESCALVALUEFONT" val="Yes"/>
+</p:tagLst>
+</file>
+
+<file path=ppt/tags/tag15.xml><?xml version="1.0" encoding="utf-8"?>
+<p:tagLst xmlns:a="http://schemas.openxmlformats.org/drawingml/2006/main" xmlns:r="http://schemas.openxmlformats.org/officeDocument/2006/relationships" xmlns:p="http://schemas.openxmlformats.org/presentationml/2006/main">
+  <p:tag name="RIGHTTIMEBANDDATE" val="Yes"/>
+</p:tagLst>
+</file>
+
+<file path=ppt/tags/tag16.xml><?xml version="1.0" encoding="utf-8"?>
+<p:tagLst xmlns:a="http://schemas.openxmlformats.org/drawingml/2006/main" xmlns:r="http://schemas.openxmlformats.org/officeDocument/2006/relationships" xmlns:p="http://schemas.openxmlformats.org/presentationml/2006/main">
+  <p:tag name="MILESTONE0" val="0,0,0,-16777216,True;11/30/2013 00:00:00;Project End;False;False;True;False;True;tbDate;0;;11;;10;0;-16777216;-16777216;False;110;False;False;False;False;False;180.0007;525.3589"/>
+</p:tagLst>
+</file>
+
+<file path=ppt/tags/tag17.xml><?xml version="1.0" encoding="utf-8"?>
+<p:tagLst xmlns:a="http://schemas.openxmlformats.org/drawingml/2006/main" xmlns:r="http://schemas.openxmlformats.org/officeDocument/2006/relationships" xmlns:p="http://schemas.openxmlformats.org/presentationml/2006/main">
+  <p:tag name="MILESTONE4" val="26,170,66,-15029694,False;01/15/2013 00:00:00;Project Start;False;False;True;False;True;tbDate;4;;11;;10;4;-16777216;-16777216;False;110;False;False;False;False;False;180.0007;60.40551"/>
+</p:tagLst>
+</file>
+
+<file path=ppt/tags/tag18.xml><?xml version="1.0" encoding="utf-8"?>
+<p:tagLst xmlns:a="http://schemas.openxmlformats.org/drawingml/2006/main" xmlns:r="http://schemas.openxmlformats.org/officeDocument/2006/relationships" xmlns:p="http://schemas.openxmlformats.org/presentationml/2006/main">
+  <p:tag name="INTERVAL5" val="254,186,10,-83446,False;;01/15/2013 00:00:00;04/30/2013 00:00:00;Partner Recruit;1;Shape;5;;11;;10;;10;0;-16777215;-16777216;-16777216;False;0;False;False;False;False;False;False;False;False"/>
+</p:tagLst>
+</file>
+
+<file path=ppt/tags/tag19.xml><?xml version="1.0" encoding="utf-8"?>
+<p:tagLst xmlns:a="http://schemas.openxmlformats.org/drawingml/2006/main" xmlns:r="http://schemas.openxmlformats.org/officeDocument/2006/relationships" xmlns:p="http://schemas.openxmlformats.org/presentationml/2006/main">
+  <p:tag name="TIMESCALVALUEFONT" val="Yes"/>
+</p:tagLst>
+</file>
+
+<file path=ppt/tags/tag2.xml><?xml version="1.0" encoding="utf-8"?>
+<p:tagLst xmlns:a="http://schemas.openxmlformats.org/drawingml/2006/main" xmlns:r="http://schemas.openxmlformats.org/officeDocument/2006/relationships" xmlns:p="http://schemas.openxmlformats.org/presentationml/2006/main">
+  <p:tag name="INTERVAL0" val="234,22,30,-1436130,False;;10/15/2013 00:00:00;12/01/2013 00:00:00;Partner Marketing;3;Shape;0;;11;;10;;10;5;-16777215;-16777216;-16777216;False;171.6877;False;False;False;False;False;False;False;False"/>
+</p:tagLst>
+</file>
+
+<file path=ppt/tags/tag20.xml><?xml version="1.0" encoding="utf-8"?>
+<p:tagLst xmlns:a="http://schemas.openxmlformats.org/drawingml/2006/main" xmlns:r="http://schemas.openxmlformats.org/officeDocument/2006/relationships" xmlns:p="http://schemas.openxmlformats.org/presentationml/2006/main">
+  <p:tag name="INTERVAL5" val="254,186,10,-83446,False;;01/15/2013 00:00:00;04/30/2013 00:00:00;Partner Recruit;1;Shape;5;;11;;10;;10;0;-16777215;-16777216;-16777216;False;0;False;False;False;False;False;False;False;False"/>
+</p:tagLst>
+</file>
+
+<file path=ppt/tags/tag21.xml><?xml version="1.0" encoding="utf-8"?>
+<p:tagLst xmlns:a="http://schemas.openxmlformats.org/drawingml/2006/main" xmlns:r="http://schemas.openxmlformats.org/officeDocument/2006/relationships" xmlns:p="http://schemas.openxmlformats.org/presentationml/2006/main">
+  <p:tag name="INTERVAL3" val="0,114,188,-16747844,False;;04/15/2013 00:00:00;06/30/2013 00:00:00;Architecture Review;1;Shape;3;;11;;10;;10;2;-16777215;-16777216;-16777216;False;0;False;False;False;False;False;False;False;False"/>
+</p:tagLst>
+</file>
+
+<file path=ppt/tags/tag22.xml><?xml version="1.0" encoding="utf-8"?>
+<p:tagLst xmlns:a="http://schemas.openxmlformats.org/drawingml/2006/main" xmlns:r="http://schemas.openxmlformats.org/officeDocument/2006/relationships" xmlns:p="http://schemas.openxmlformats.org/presentationml/2006/main">
+  <p:tag name="INTERVAL5" val="254,186,10,-83446,False;;01/15/2013 00:00:00;04/30/2013 00:00:00;Partner Recruit;1;Shape;5;;11;;10;;10;0;-16777215;-16777216;-16777216;False;0;False;False;False;False;False;False;False;False"/>
+</p:tagLst>
+</file>
+
+<file path=ppt/tags/tag23.xml><?xml version="1.0" encoding="utf-8"?>
+<p:tagLst xmlns:a="http://schemas.openxmlformats.org/drawingml/2006/main" xmlns:r="http://schemas.openxmlformats.org/officeDocument/2006/relationships" xmlns:p="http://schemas.openxmlformats.org/presentationml/2006/main">
+  <p:tag name="INTERVAL5" val="254,186,10,-83446,False;;01/15/2013 00:00:00;04/30/2013 00:00:00;Partner Recruit;1;Shape;5;;11;;10;;10;0;-16777215;-16777216;-16777216;False;0;False;False;False;False;False;False;False;False"/>
+</p:tagLst>
+</file>
+
+<file path=ppt/tags/tag24.xml><?xml version="1.0" encoding="utf-8"?>
+<p:tagLst xmlns:a="http://schemas.openxmlformats.org/drawingml/2006/main" xmlns:r="http://schemas.openxmlformats.org/officeDocument/2006/relationships" xmlns:p="http://schemas.openxmlformats.org/presentationml/2006/main">
+  <p:tag name="MILESTONE1" val="255,75,33,-46303,False;10/31/2013 00:00:00;Milestone 3;False;False;True;False;False;tbName;1;;11;;10;1;-16777216;-16777216;False;110;False;False;False;False;False;84.50071;481.6328"/>
+</p:tagLst>
+</file>
+
+<file path=ppt/tags/tag3.xml><?xml version="1.0" encoding="utf-8"?>
+<p:tagLst xmlns:a="http://schemas.openxmlformats.org/drawingml/2006/main" xmlns:r="http://schemas.openxmlformats.org/officeDocument/2006/relationships" xmlns:p="http://schemas.openxmlformats.org/presentationml/2006/main">
+  <p:tag name="INTERVAL2" val="26,170,66,-15029694,False;;04/15/2013 00:00:00;06/30/2013 00:00:00;Kickoff Calls;1;Shape;2;;11;;10;;10;3;-16777215;-16777216;-16777216;False;0;False;False;False;False;False;False;False;False"/>
+</p:tagLst>
+</file>
+
+<file path=ppt/tags/tag4.xml><?xml version="1.0" encoding="utf-8"?>
+<p:tagLst xmlns:a="http://schemas.openxmlformats.org/drawingml/2006/main" xmlns:r="http://schemas.openxmlformats.org/officeDocument/2006/relationships" xmlns:p="http://schemas.openxmlformats.org/presentationml/2006/main">
+  <p:tag name="INTERVAL3" val="0,114,188,-16747844,False;;04/15/2013 00:00:00;06/30/2013 00:00:00;Architecture Review;1;Shape;3;;11;;10;;10;2;-16777215;-16777216;-16777216;False;0;False;False;False;False;False;False;False;False"/>
+</p:tagLst>
+</file>
+
+<file path=ppt/tags/tag5.xml><?xml version="1.0" encoding="utf-8"?>
+<p:tagLst xmlns:a="http://schemas.openxmlformats.org/drawingml/2006/main" xmlns:r="http://schemas.openxmlformats.org/officeDocument/2006/relationships" xmlns:p="http://schemas.openxmlformats.org/presentationml/2006/main">
+  <p:tag name="TIMEBAND" val="Timeband"/>
+</p:tagLst>
+</file>
+
+<file path=ppt/tags/tag6.xml><?xml version="1.0" encoding="utf-8"?>
+<p:tagLst xmlns:a="http://schemas.openxmlformats.org/drawingml/2006/main" xmlns:r="http://schemas.openxmlformats.org/officeDocument/2006/relationships" xmlns:p="http://schemas.openxmlformats.org/presentationml/2006/main">
+  <p:tag name="LEFTYTIMEBANDDATE" val="Yes"/>
+</p:tagLst>
+</file>
+
+<file path=ppt/tags/tag7.xml><?xml version="1.0" encoding="utf-8"?>
+<p:tagLst xmlns:a="http://schemas.openxmlformats.org/drawingml/2006/main" xmlns:r="http://schemas.openxmlformats.org/officeDocument/2006/relationships" xmlns:p="http://schemas.openxmlformats.org/presentationml/2006/main">
+  <p:tag name="TIMESCALVALUEFONT" val="Yes"/>
+</p:tagLst>
+</file>
+
+<file path=ppt/tags/tag8.xml><?xml version="1.0" encoding="utf-8"?>
+<p:tagLst xmlns:a="http://schemas.openxmlformats.org/drawingml/2006/main" xmlns:r="http://schemas.openxmlformats.org/officeDocument/2006/relationships" xmlns:p="http://schemas.openxmlformats.org/presentationml/2006/main">
+  <p:tag name="TIMESCALVALUEFONT" val="Yes"/>
+</p:tagLst>
+</file>
+
+<file path=ppt/tags/tag9.xml><?xml version="1.0" encoding="utf-8"?>
+<p:tagLst xmlns:a="http://schemas.openxmlformats.org/drawingml/2006/main" xmlns:r="http://schemas.openxmlformats.org/officeDocument/2006/relationships" xmlns:p="http://schemas.openxmlformats.org/presentationml/2006/main">
+  <p:tag name="TIMESCALVALUEFONT" val="Yes"/>
+</p:tagLst>
 </file>
 
 <file path=ppt/theme/theme1.xml><?xml version="1.0" encoding="utf-8"?>

--- a/ppt/yyx_v1.1.pptx
+++ b/ppt/yyx_v1.1.pptx
@@ -801,7 +801,133 @@
           <a:bodyPr/>
           <a:lstStyle/>
           <a:p>
-            <a:endParaRPr lang="zh-CN" altLang="en-US" dirty="0"/>
+            <a:pPr lvl="1">
+              <a:spcBef>
+                <a:spcPts val="600"/>
+              </a:spcBef>
+              <a:spcAft>
+                <a:spcPts val="0"/>
+              </a:spcAft>
+            </a:pPr>
+            <a:r>
+              <a:rPr lang="zh-CN" altLang="en-US" sz="2000" dirty="0" smtClean="0"/>
+              <a:t>查找表压缩优点：使用传统结构，通过减小存储器大小提升性能。</a:t>
+            </a:r>
+            <a:endParaRPr lang="en-US" altLang="zh-CN" sz="2000" dirty="0" smtClean="0"/>
+          </a:p>
+          <a:p>
+            <a:pPr marL="342900" lvl="1" indent="0">
+              <a:spcBef>
+                <a:spcPts val="0"/>
+              </a:spcBef>
+              <a:spcAft>
+                <a:spcPts val="600"/>
+              </a:spcAft>
+              <a:buNone/>
+            </a:pPr>
+            <a:r>
+              <a:rPr lang="en-US" altLang="zh-CN" sz="2000" dirty="0" smtClean="0"/>
+              <a:t>   </a:t>
+            </a:r>
+            <a:r>
+              <a:rPr lang="zh-CN" altLang="en-US" sz="2000" dirty="0" smtClean="0"/>
+              <a:t>查找表压缩缺点：特点是实现简单，但是在原理上突破很难。</a:t>
+            </a:r>
+            <a:endParaRPr lang="en-US" altLang="zh-CN" sz="2000" dirty="0" smtClean="0"/>
+          </a:p>
+          <a:p>
+            <a:pPr lvl="1">
+              <a:spcBef>
+                <a:spcPts val="600"/>
+              </a:spcBef>
+              <a:spcAft>
+                <a:spcPts val="0"/>
+              </a:spcAft>
+            </a:pPr>
+            <a:r>
+              <a:rPr lang="zh-CN" altLang="en-US" sz="2000" dirty="0" smtClean="0"/>
+              <a:t>矩阵旋转优点：不需要存储器，杂散性能最好，可用流水线加速</a:t>
+            </a:r>
+            <a:endParaRPr lang="en-US" altLang="zh-CN" sz="2000" dirty="0" smtClean="0"/>
+          </a:p>
+          <a:p>
+            <a:pPr marL="342900" lvl="1" indent="0">
+              <a:spcBef>
+                <a:spcPts val="0"/>
+              </a:spcBef>
+              <a:spcAft>
+                <a:spcPts val="600"/>
+              </a:spcAft>
+              <a:buNone/>
+            </a:pPr>
+            <a:r>
+              <a:rPr lang="en-US" altLang="zh-CN" sz="2000" dirty="0" smtClean="0"/>
+              <a:t>   </a:t>
+            </a:r>
+            <a:r>
+              <a:rPr lang="zh-CN" altLang="en-US" sz="2000" dirty="0" smtClean="0"/>
+              <a:t>矩阵旋转缺点：但是占用资源过多，速度仍然比较慢。</a:t>
+            </a:r>
+            <a:endParaRPr lang="en-US" altLang="zh-CN" sz="2000" dirty="0" smtClean="0"/>
+          </a:p>
+          <a:p>
+            <a:pPr lvl="1">
+              <a:spcBef>
+                <a:spcPts val="600"/>
+              </a:spcBef>
+              <a:spcAft>
+                <a:spcPts val="0"/>
+              </a:spcAft>
+            </a:pPr>
+            <a:r>
+              <a:rPr lang="zh-CN" altLang="en-US" sz="2000" dirty="0" smtClean="0"/>
+              <a:t>非线性</a:t>
+            </a:r>
+            <a:r>
+              <a:rPr lang="en-US" altLang="zh-CN" sz="2000" dirty="0" smtClean="0"/>
+              <a:t>DAC</a:t>
+            </a:r>
+            <a:r>
+              <a:rPr lang="zh-CN" altLang="en-US" sz="2000" dirty="0" smtClean="0"/>
+              <a:t>优点：不需要存储器，利用部分模拟器件优势提升性能。</a:t>
+            </a:r>
+            <a:endParaRPr lang="en-US" altLang="zh-CN" sz="2000" dirty="0" smtClean="0"/>
+          </a:p>
+          <a:p>
+            <a:pPr marL="342900" lvl="1" indent="0">
+              <a:spcBef>
+                <a:spcPts val="0"/>
+              </a:spcBef>
+              <a:spcAft>
+                <a:spcPts val="600"/>
+              </a:spcAft>
+              <a:buNone/>
+            </a:pPr>
+            <a:r>
+              <a:rPr lang="en-US" altLang="zh-CN" sz="2000" dirty="0" smtClean="0"/>
+              <a:t>   </a:t>
+            </a:r>
+            <a:r>
+              <a:rPr lang="zh-CN" altLang="en-US" sz="2000" dirty="0" smtClean="0"/>
+              <a:t>非线性</a:t>
+            </a:r>
+            <a:r>
+              <a:rPr lang="en-US" altLang="zh-CN" sz="2000" dirty="0" smtClean="0"/>
+              <a:t>DAC</a:t>
+            </a:r>
+            <a:r>
+              <a:rPr lang="zh-CN" altLang="en-US" sz="2000" dirty="0" smtClean="0"/>
+              <a:t>缺点：大大增加了</a:t>
+            </a:r>
+            <a:r>
+              <a:rPr lang="en-US" altLang="zh-CN" sz="2000" dirty="0" smtClean="0"/>
+              <a:t>DAC</a:t>
+            </a:r>
+            <a:r>
+              <a:rPr lang="zh-CN" altLang="en-US" sz="2000" dirty="0" smtClean="0"/>
+              <a:t>的复杂度和功耗。</a:t>
+            </a:r>
+            <a:endParaRPr lang="en-US" altLang="zh-CN" sz="2000" dirty="0" smtClean="0"/>
           </a:p>
         </p:txBody>
       </p:sp>
@@ -822,7 +948,7 @@
           <a:p>
             <a:fld id="{E49FE5E3-45E0-401A-BDC7-016727830831}" type="slidenum">
               <a:rPr lang="zh-CN" altLang="en-US" smtClean="0"/>
-              <a:t>11</a:t>
+              <a:t>10</a:t>
             </a:fld>
             <a:endParaRPr lang="zh-CN" altLang="en-US"/>
           </a:p>
@@ -831,7 +957,7 @@
     </p:spTree>
     <p:extLst>
       <p:ext uri="{BB962C8B-B14F-4D97-AF65-F5344CB8AC3E}">
-        <p14:creationId xmlns:p14="http://schemas.microsoft.com/office/powerpoint/2010/main" val="3531225097"/>
+        <p14:creationId xmlns:p14="http://schemas.microsoft.com/office/powerpoint/2010/main" val="695932727"/>
       </p:ext>
     </p:extLst>
   </p:cSld>
@@ -885,6 +1011,238 @@
           <a:bodyPr/>
           <a:lstStyle/>
           <a:p>
+            <a:r>
+              <a:rPr lang="zh-CN" altLang="en-US" dirty="0" smtClean="0"/>
+              <a:t>实施方案我分成</a:t>
+            </a:r>
+            <a:r>
+              <a:rPr lang="en-US" altLang="zh-CN" dirty="0" smtClean="0"/>
+              <a:t>5</a:t>
+            </a:r>
+            <a:r>
+              <a:rPr lang="zh-CN" altLang="en-US" dirty="0" smtClean="0"/>
+              <a:t>步：</a:t>
+            </a:r>
+            <a:endParaRPr lang="en-US" altLang="zh-CN" dirty="0" smtClean="0"/>
+          </a:p>
+          <a:p>
+            <a:pPr marL="228600" indent="-228600">
+              <a:buAutoNum type="arabicPeriod"/>
+            </a:pPr>
+            <a:r>
+              <a:rPr lang="zh-CN" altLang="en-US" dirty="0" smtClean="0"/>
+              <a:t>是在</a:t>
+            </a:r>
+            <a:r>
+              <a:rPr lang="en-US" altLang="zh-CN" dirty="0" err="1" smtClean="0"/>
+              <a:t>Maltlab</a:t>
+            </a:r>
+            <a:r>
+              <a:rPr lang="zh-CN" altLang="en-US" dirty="0" smtClean="0"/>
+              <a:t>和</a:t>
+            </a:r>
+            <a:r>
+              <a:rPr lang="en-US" altLang="zh-CN" dirty="0" err="1" smtClean="0"/>
+              <a:t>Modelsim</a:t>
+            </a:r>
+            <a:r>
+              <a:rPr lang="zh-CN" altLang="en-US" dirty="0" smtClean="0"/>
+              <a:t>上搭建可扩展的数控振荡器测试平台</a:t>
+            </a:r>
+            <a:endParaRPr lang="en-US" altLang="zh-CN" dirty="0" smtClean="0"/>
+          </a:p>
+          <a:p>
+            <a:pPr marL="228600" indent="-228600">
+              <a:buAutoNum type="arabicPeriod"/>
+            </a:pPr>
+            <a:r>
+              <a:rPr lang="zh-CN" altLang="en-US" dirty="0" smtClean="0"/>
+              <a:t>分析振荡器输出波形的噪声来源，理论上指导振荡器设计</a:t>
+            </a:r>
+            <a:endParaRPr lang="en-US" altLang="zh-CN" dirty="0" smtClean="0"/>
+          </a:p>
+          <a:p>
+            <a:pPr marL="228600" marR="0" indent="-228600" algn="l" defTabSz="914400" rtl="0" eaLnBrk="1" fontAlgn="auto" latinLnBrk="0" hangingPunct="1">
+              <a:lnSpc>
+                <a:spcPct val="100000"/>
+              </a:lnSpc>
+              <a:spcBef>
+                <a:spcPts val="0"/>
+              </a:spcBef>
+              <a:spcAft>
+                <a:spcPts val="0"/>
+              </a:spcAft>
+              <a:buClrTx/>
+              <a:buSzTx/>
+              <a:buFontTx/>
+              <a:buAutoNum type="arabicPeriod"/>
+              <a:tabLst/>
+              <a:defRPr/>
+            </a:pPr>
+            <a:r>
+              <a:rPr lang="zh-CN" altLang="en-US" sz="1200" dirty="0" smtClean="0"/>
+              <a:t>前端、后端仿真，保证系统实用性，同时找到性能瓶颈</a:t>
+            </a:r>
+            <a:endParaRPr lang="en-US" altLang="zh-CN" sz="1200" dirty="0" smtClean="0"/>
+          </a:p>
+          <a:p>
+            <a:pPr marL="228600" marR="0" indent="-228600" algn="l" defTabSz="914400" rtl="0" eaLnBrk="1" fontAlgn="auto" latinLnBrk="0" hangingPunct="1">
+              <a:lnSpc>
+                <a:spcPct val="100000"/>
+              </a:lnSpc>
+              <a:spcBef>
+                <a:spcPts val="0"/>
+              </a:spcBef>
+              <a:spcAft>
+                <a:spcPts val="0"/>
+              </a:spcAft>
+              <a:buClrTx/>
+              <a:buSzTx/>
+              <a:buFontTx/>
+              <a:buAutoNum type="arabicPeriod"/>
+              <a:tabLst/>
+              <a:defRPr/>
+            </a:pPr>
+            <a:r>
+              <a:rPr lang="zh-CN" altLang="en-US" sz="1200" dirty="0" smtClean="0"/>
+              <a:t>根据使用场景，参考多种改进结构，迭代式优化设计方案</a:t>
+            </a:r>
+            <a:endParaRPr lang="en-US" altLang="zh-CN" sz="1200" dirty="0" smtClean="0"/>
+          </a:p>
+          <a:p>
+            <a:pPr marL="228600" marR="0" indent="-228600" algn="l" defTabSz="914400" rtl="0" eaLnBrk="1" fontAlgn="auto" latinLnBrk="0" hangingPunct="1">
+              <a:lnSpc>
+                <a:spcPct val="100000"/>
+              </a:lnSpc>
+              <a:spcBef>
+                <a:spcPts val="0"/>
+              </a:spcBef>
+              <a:spcAft>
+                <a:spcPts val="0"/>
+              </a:spcAft>
+              <a:buClrTx/>
+              <a:buSzTx/>
+              <a:buFontTx/>
+              <a:buAutoNum type="arabicPeriod"/>
+              <a:tabLst/>
+              <a:defRPr/>
+            </a:pPr>
+            <a:r>
+              <a:rPr lang="zh-CN" altLang="en-US" sz="1200" dirty="0" smtClean="0"/>
+              <a:t>总结项目结果，综合测试</a:t>
+            </a:r>
+            <a:r>
+              <a:rPr lang="en-US" altLang="zh-CN" sz="1200" dirty="0" smtClean="0"/>
+              <a:t>NCO</a:t>
+            </a:r>
+            <a:r>
+              <a:rPr lang="zh-CN" altLang="en-US" sz="1200" dirty="0" smtClean="0"/>
+              <a:t>性能，完成毕业论文</a:t>
+            </a:r>
+            <a:endParaRPr lang="en-US" altLang="zh-CN" sz="1200" dirty="0" smtClean="0"/>
+          </a:p>
+          <a:p>
+            <a:pPr marL="0" indent="0">
+              <a:buNone/>
+            </a:pPr>
+            <a:r>
+              <a:rPr lang="zh-CN" altLang="en-US" dirty="0" smtClean="0"/>
+              <a:t>图片大致标明了方案进度规划</a:t>
+            </a:r>
+            <a:endParaRPr lang="en-US" altLang="zh-CN" dirty="0" smtClean="0"/>
+          </a:p>
+          <a:p>
+            <a:pPr marL="228600" indent="-228600">
+              <a:buAutoNum type="arabicPeriod"/>
+            </a:pPr>
+            <a:endParaRPr lang="zh-CN" altLang="en-US" dirty="0"/>
+          </a:p>
+        </p:txBody>
+      </p:sp>
+      <p:sp>
+        <p:nvSpPr>
+          <p:cNvPr id="4" name="灯片编号占位符 3"/>
+          <p:cNvSpPr>
+            <a:spLocks noGrp="1"/>
+          </p:cNvSpPr>
+          <p:nvPr>
+            <p:ph type="sldNum" sz="quarter" idx="10"/>
+          </p:nvPr>
+        </p:nvSpPr>
+        <p:spPr/>
+        <p:txBody>
+          <a:bodyPr/>
+          <a:lstStyle/>
+          <a:p>
+            <a:fld id="{E49FE5E3-45E0-401A-BDC7-016727830831}" type="slidenum">
+              <a:rPr lang="zh-CN" altLang="en-US" smtClean="0"/>
+              <a:t>11</a:t>
+            </a:fld>
+            <a:endParaRPr lang="zh-CN" altLang="en-US"/>
+          </a:p>
+        </p:txBody>
+      </p:sp>
+    </p:spTree>
+    <p:extLst>
+      <p:ext uri="{BB962C8B-B14F-4D97-AF65-F5344CB8AC3E}">
+        <p14:creationId xmlns:p14="http://schemas.microsoft.com/office/powerpoint/2010/main" val="3531225097"/>
+      </p:ext>
+    </p:extLst>
+  </p:cSld>
+  <p:clrMapOvr>
+    <a:masterClrMapping/>
+  </p:clrMapOvr>
+</p:notes>
+</file>
+
+<file path=ppt/notesSlides/notesSlide12.xml><?xml version="1.0" encoding="utf-8"?>
+<p:notes xmlns:a="http://schemas.openxmlformats.org/drawingml/2006/main" xmlns:r="http://schemas.openxmlformats.org/officeDocument/2006/relationships" xmlns:p="http://schemas.openxmlformats.org/presentationml/2006/main">
+  <p:cSld>
+    <p:spTree>
+      <p:nvGrpSpPr>
+        <p:cNvPr id="1" name=""/>
+        <p:cNvGrpSpPr/>
+        <p:nvPr/>
+      </p:nvGrpSpPr>
+      <p:grpSpPr>
+        <a:xfrm>
+          <a:off x="0" y="0"/>
+          <a:ext cx="0" cy="0"/>
+          <a:chOff x="0" y="0"/>
+          <a:chExt cx="0" cy="0"/>
+        </a:xfrm>
+      </p:grpSpPr>
+      <p:sp>
+        <p:nvSpPr>
+          <p:cNvPr id="2" name="幻灯片图像占位符 1"/>
+          <p:cNvSpPr>
+            <a:spLocks noGrp="1" noRot="1" noChangeAspect="1"/>
+          </p:cNvSpPr>
+          <p:nvPr>
+            <p:ph type="sldImg"/>
+          </p:nvPr>
+        </p:nvSpPr>
+        <p:spPr/>
+      </p:sp>
+      <p:sp>
+        <p:nvSpPr>
+          <p:cNvPr id="3" name="备注占位符 2"/>
+          <p:cNvSpPr>
+            <a:spLocks noGrp="1"/>
+          </p:cNvSpPr>
+          <p:nvPr>
+            <p:ph type="body" idx="1"/>
+          </p:nvPr>
+        </p:nvSpPr>
+        <p:spPr/>
+        <p:txBody>
+          <a:bodyPr/>
+          <a:lstStyle/>
+          <a:p>
+            <a:r>
+              <a:rPr lang="zh-CN" altLang="en-US" dirty="0" smtClean="0"/>
+              <a:t>这是我更具体的计划安排</a:t>
+            </a:r>
             <a:endParaRPr lang="zh-CN" altLang="en-US" dirty="0"/>
           </a:p>
         </p:txBody>
@@ -916,6 +1274,94 @@
     <p:extLst>
       <p:ext uri="{BB962C8B-B14F-4D97-AF65-F5344CB8AC3E}">
         <p14:creationId xmlns:p14="http://schemas.microsoft.com/office/powerpoint/2010/main" val="3315618667"/>
+      </p:ext>
+    </p:extLst>
+  </p:cSld>
+  <p:clrMapOvr>
+    <a:masterClrMapping/>
+  </p:clrMapOvr>
+</p:notes>
+</file>
+
+<file path=ppt/notesSlides/notesSlide13.xml><?xml version="1.0" encoding="utf-8"?>
+<p:notes xmlns:a="http://schemas.openxmlformats.org/drawingml/2006/main" xmlns:r="http://schemas.openxmlformats.org/officeDocument/2006/relationships" xmlns:p="http://schemas.openxmlformats.org/presentationml/2006/main">
+  <p:cSld>
+    <p:spTree>
+      <p:nvGrpSpPr>
+        <p:cNvPr id="1" name=""/>
+        <p:cNvGrpSpPr/>
+        <p:nvPr/>
+      </p:nvGrpSpPr>
+      <p:grpSpPr>
+        <a:xfrm>
+          <a:off x="0" y="0"/>
+          <a:ext cx="0" cy="0"/>
+          <a:chOff x="0" y="0"/>
+          <a:chExt cx="0" cy="0"/>
+        </a:xfrm>
+      </p:grpSpPr>
+      <p:sp>
+        <p:nvSpPr>
+          <p:cNvPr id="2" name="幻灯片图像占位符 1"/>
+          <p:cNvSpPr>
+            <a:spLocks noGrp="1" noRot="1" noChangeAspect="1"/>
+          </p:cNvSpPr>
+          <p:nvPr>
+            <p:ph type="sldImg"/>
+          </p:nvPr>
+        </p:nvSpPr>
+        <p:spPr/>
+      </p:sp>
+      <p:sp>
+        <p:nvSpPr>
+          <p:cNvPr id="3" name="备注占位符 2"/>
+          <p:cNvSpPr>
+            <a:spLocks noGrp="1"/>
+          </p:cNvSpPr>
+          <p:nvPr>
+            <p:ph type="body" idx="1"/>
+          </p:nvPr>
+        </p:nvSpPr>
+        <p:spPr/>
+        <p:txBody>
+          <a:bodyPr/>
+          <a:lstStyle/>
+          <a:p>
+            <a:r>
+              <a:rPr lang="zh-CN" altLang="en-US" dirty="0" smtClean="0"/>
+              <a:t>我的开题报告结束了，谢谢老师聆听</a:t>
+            </a:r>
+            <a:endParaRPr lang="zh-CN" altLang="en-US" dirty="0"/>
+          </a:p>
+        </p:txBody>
+      </p:sp>
+      <p:sp>
+        <p:nvSpPr>
+          <p:cNvPr id="4" name="灯片编号占位符 3"/>
+          <p:cNvSpPr>
+            <a:spLocks noGrp="1"/>
+          </p:cNvSpPr>
+          <p:nvPr>
+            <p:ph type="sldNum" sz="quarter" idx="10"/>
+          </p:nvPr>
+        </p:nvSpPr>
+        <p:spPr/>
+        <p:txBody>
+          <a:bodyPr/>
+          <a:lstStyle/>
+          <a:p>
+            <a:fld id="{E49FE5E3-45E0-401A-BDC7-016727830831}" type="slidenum">
+              <a:rPr lang="zh-CN" altLang="en-US" smtClean="0"/>
+              <a:t>13</a:t>
+            </a:fld>
+            <a:endParaRPr lang="zh-CN" altLang="en-US"/>
+          </a:p>
+        </p:txBody>
+      </p:sp>
+    </p:spTree>
+    <p:extLst>
+      <p:ext uri="{BB962C8B-B14F-4D97-AF65-F5344CB8AC3E}">
+        <p14:creationId xmlns:p14="http://schemas.microsoft.com/office/powerpoint/2010/main" val="2546265558"/>
       </p:ext>
     </p:extLst>
   </p:cSld>
@@ -1083,7 +1529,15 @@
             </a:pPr>
             <a:r>
               <a:rPr lang="zh-CN" altLang="en-US" dirty="0" smtClean="0"/>
-              <a:t>无线电应用中，正弦波生成是一个基础而重要的部分。锁相环技术的出现后，模拟正弦波振荡器在无线通信、雷达等系统中有广泛应用。</a:t>
+              <a:t>无线电应用中</a:t>
+            </a:r>
+            <a:r>
+              <a:rPr lang="zh-CN" altLang="en-US" dirty="0" smtClean="0"/>
+              <a:t>，生成指定频率的正弦波是</a:t>
+            </a:r>
+            <a:r>
+              <a:rPr lang="zh-CN" altLang="en-US" dirty="0" smtClean="0"/>
+              <a:t>一个基础而重要的部分。锁相环技术的出现后，模拟正弦波振荡器在无线通信、雷达等系统中有广泛应用。</a:t>
             </a:r>
             <a:endParaRPr lang="en-US" altLang="zh-CN" dirty="0" smtClean="0"/>
           </a:p>
@@ -1107,7 +1561,47 @@
             </a:pPr>
             <a:r>
               <a:rPr lang="zh-CN" altLang="en-US" dirty="0" smtClean="0"/>
-              <a:t>但是随着通信系统对带宽、精度等需求增长迅速，但是振荡器性能受到模拟的限制。尤其是雷达这样的军用系统，使用模拟器件已经无法满足频率切换速度的要求。</a:t>
+              <a:t>通信系统</a:t>
+            </a:r>
+            <a:r>
+              <a:rPr lang="zh-CN" altLang="en-US" dirty="0" smtClean="0"/>
+              <a:t>对带宽、精度等需求增长迅速，但是振荡器性能受到模拟的限制。尤其是雷达这样的军用系统，使用模拟器件已经无法满足频率切换速度的要求</a:t>
+            </a:r>
+            <a:r>
+              <a:rPr lang="zh-CN" altLang="en-US" dirty="0" smtClean="0"/>
+              <a:t>。</a:t>
+            </a:r>
+            <a:endParaRPr lang="en-US" altLang="zh-CN" dirty="0" smtClean="0"/>
+          </a:p>
+          <a:p>
+            <a:pPr marL="0" marR="0" indent="0" algn="l" defTabSz="914400" rtl="0" eaLnBrk="1" fontAlgn="auto" latinLnBrk="0" hangingPunct="1">
+              <a:lnSpc>
+                <a:spcPct val="130000"/>
+              </a:lnSpc>
+              <a:spcBef>
+                <a:spcPts val="0"/>
+              </a:spcBef>
+              <a:spcAft>
+                <a:spcPts val="0"/>
+              </a:spcAft>
+              <a:buClrTx/>
+              <a:buSzTx/>
+              <a:buFontTx/>
+              <a:buNone/>
+              <a:tabLst/>
+              <a:defRPr/>
+            </a:pPr>
+            <a:r>
+              <a:rPr lang="zh-CN" altLang="en-US" dirty="0" smtClean="0"/>
+              <a:t>对于</a:t>
+            </a:r>
+            <a:r>
+              <a:rPr lang="en-US" altLang="zh-CN" dirty="0" smtClean="0"/>
+              <a:t>FPGA</a:t>
+            </a:r>
+            <a:r>
+              <a:rPr lang="zh-CN" altLang="en-US" dirty="0" smtClean="0"/>
+              <a:t>等类似的计算平台，使用数控振荡器更容易集成。对于调制解调器这样量产型产品，使用数字电路设计的振荡器，起到降低成本的作用。</a:t>
             </a:r>
             <a:endParaRPr lang="en-US" altLang="zh-CN" dirty="0" smtClean="0"/>
           </a:p>
@@ -1360,8 +1854,29 @@
           <a:p>
             <a:r>
               <a:rPr lang="zh-CN" altLang="en-US" dirty="0" smtClean="0"/>
-              <a:t>实现数控振荡器的</a:t>
-            </a:r>
+              <a:t>实现数控振荡器</a:t>
+            </a:r>
+            <a:r>
+              <a:rPr lang="zh-CN" altLang="en-US" dirty="0" smtClean="0"/>
+              <a:t>的方法是直接数字综合法，完全去除了模拟器件。</a:t>
+            </a:r>
+            <a:endParaRPr lang="en-US" altLang="zh-CN" dirty="0" smtClean="0"/>
+          </a:p>
+          <a:p>
+            <a:r>
+              <a:rPr lang="zh-CN" altLang="en-US" dirty="0" smtClean="0"/>
+              <a:t>包括相位的累加器，相位到正弦值得转换器和数模转换器。</a:t>
+            </a:r>
+            <a:endParaRPr lang="en-US" altLang="zh-CN" dirty="0" smtClean="0"/>
+          </a:p>
+          <a:p>
+            <a:r>
+              <a:rPr lang="zh-CN" altLang="en-US" dirty="0" smtClean="0"/>
+              <a:t>分别对比锁相环、数字锁相环，直接数字综合在频率分辨率等性能上有不可比拟的优势。目前在最高频率和杂散性能上率逊于数字锁相环技术，但是未来有希望超越锁相环。</a:t>
+            </a:r>
+            <a:endParaRPr lang="en-US" altLang="zh-CN" dirty="0" smtClean="0"/>
+          </a:p>
+          <a:p>
             <a:endParaRPr lang="zh-CN" altLang="en-US" dirty="0"/>
           </a:p>
         </p:txBody>
@@ -1446,213 +1961,70 @@
           <a:bodyPr/>
           <a:lstStyle/>
           <a:p>
-            <a:pPr marL="342900" lvl="1" indent="0">
-              <a:spcBef>
-                <a:spcPts val="0"/>
-              </a:spcBef>
-              <a:spcAft>
-                <a:spcPts val="1200"/>
-              </a:spcAft>
-              <a:buNone/>
-            </a:pPr>
             <a:r>
               <a:rPr lang="zh-CN" altLang="en-US" dirty="0" smtClean="0"/>
-              <a:t>影响</a:t>
+              <a:t>首先</a:t>
+            </a:r>
+            <a:endParaRPr lang="en-US" altLang="zh-CN" dirty="0" smtClean="0"/>
+          </a:p>
+          <a:p>
+            <a:r>
+              <a:rPr lang="zh-CN" altLang="en-US" dirty="0" smtClean="0"/>
+              <a:t>我的毕业设计目标分成三部分：</a:t>
+            </a:r>
+            <a:endParaRPr lang="en-US" altLang="zh-CN" dirty="0" smtClean="0"/>
+          </a:p>
+          <a:p>
+            <a:r>
+              <a:rPr lang="zh-CN" altLang="en-US" dirty="0" smtClean="0"/>
+              <a:t>第一点是设计电路结构和编写关键模块的</a:t>
+            </a:r>
+            <a:r>
+              <a:rPr lang="en-US" altLang="zh-CN" dirty="0" err="1" smtClean="0"/>
+              <a:t>verilog</a:t>
+            </a:r>
+            <a:r>
+              <a:rPr lang="zh-CN" altLang="en-US" dirty="0" smtClean="0"/>
+              <a:t>代码，主要工作是设计高速低功耗的相位累加器和混合方案的相位幅度转换器。</a:t>
+            </a:r>
+            <a:endParaRPr lang="en-US" altLang="zh-CN" dirty="0" smtClean="0"/>
+          </a:p>
+          <a:p>
+            <a:r>
+              <a:rPr lang="zh-CN" altLang="en-US" dirty="0" smtClean="0"/>
+              <a:t>第二目标是进行电路的仿真、综合、分析，熟悉使用前端、后端设计仿真工具，在前后端过程中思考改进方案。一方面是根据仿真结果指导电路方案，同事还锻炼了自己的电路设计的经验。</a:t>
+            </a:r>
+            <a:endParaRPr lang="en-US" altLang="zh-CN" dirty="0" smtClean="0"/>
+          </a:p>
+          <a:p>
+            <a:r>
+              <a:rPr lang="zh-CN" altLang="en-US" dirty="0" smtClean="0"/>
+              <a:t>最后是实际达成的指标，希望在仿真中做到频率分辨率数量级为</a:t>
+            </a:r>
+            <a:r>
+              <a:rPr lang="en-US" altLang="zh-CN" dirty="0" err="1" smtClean="0"/>
+              <a:t>subHz</a:t>
+            </a:r>
+            <a:r>
+              <a:rPr lang="zh-CN" altLang="en-US" dirty="0" smtClean="0"/>
+              <a:t>，时钟频率达到</a:t>
             </a:r>
             <a:r>
               <a:rPr lang="en-US" altLang="zh-CN" dirty="0" smtClean="0"/>
-              <a:t>NCO</a:t>
+              <a:t>1GHz</a:t>
             </a:r>
             <a:r>
               <a:rPr lang="zh-CN" altLang="en-US" dirty="0" smtClean="0"/>
-              <a:t>频率和杂散性能的主要是时钟、存储器和数模转换器</a:t>
-            </a:r>
-            <a:endParaRPr lang="en-US" altLang="zh-CN" dirty="0" smtClean="0"/>
-          </a:p>
-          <a:p>
-            <a:pPr marL="342900" lvl="1" indent="0">
-              <a:spcBef>
-                <a:spcPts val="0"/>
-              </a:spcBef>
-              <a:spcAft>
-                <a:spcPts val="1200"/>
-              </a:spcAft>
-              <a:buNone/>
-            </a:pPr>
+              <a:t>，最大杂散分量在</a:t>
+            </a:r>
+            <a:r>
+              <a:rPr lang="en-US" altLang="zh-CN" dirty="0" smtClean="0"/>
+              <a:t>50dBc</a:t>
+            </a:r>
             <a:r>
               <a:rPr lang="zh-CN" altLang="en-US" dirty="0" smtClean="0"/>
-              <a:t>使用</a:t>
-            </a:r>
-            <a:r>
-              <a:rPr lang="en-US" altLang="zh-CN" dirty="0" smtClean="0"/>
-              <a:t>CMOS</a:t>
-            </a:r>
-            <a:r>
-              <a:rPr lang="zh-CN" altLang="en-US" dirty="0" smtClean="0"/>
-              <a:t>工艺在片上实现</a:t>
-            </a:r>
-            <a:r>
-              <a:rPr lang="en-US" altLang="zh-CN" dirty="0" smtClean="0"/>
-              <a:t>10GHz</a:t>
-            </a:r>
-            <a:r>
-              <a:rPr lang="zh-CN" altLang="en-US" dirty="0" smtClean="0"/>
-              <a:t>以上的且稳定的时钟仍相当困难；</a:t>
-            </a:r>
-            <a:r>
-              <a:rPr lang="en-US" altLang="zh-CN" dirty="0" smtClean="0"/>
-              <a:t>DAC</a:t>
-            </a:r>
-            <a:r>
-              <a:rPr lang="zh-CN" altLang="en-US" dirty="0" smtClean="0"/>
-              <a:t>采样率同样制约</a:t>
-            </a:r>
-            <a:r>
-              <a:rPr lang="en-US" altLang="zh-CN" dirty="0"/>
-              <a:t>NCO</a:t>
-            </a:r>
-            <a:r>
-              <a:rPr lang="zh-CN" altLang="en-US" dirty="0"/>
-              <a:t>无法实现时钟</a:t>
-            </a:r>
-            <a:r>
-              <a:rPr lang="en-US" altLang="zh-CN" dirty="0"/>
-              <a:t>10GHz </a:t>
-            </a:r>
-            <a:r>
-              <a:rPr lang="zh-CN" altLang="en-US" dirty="0"/>
-              <a:t>以上超高速综合</a:t>
-            </a:r>
-            <a:r>
-              <a:rPr lang="zh-CN" altLang="en-US" dirty="0" smtClean="0"/>
-              <a:t>器</a:t>
-            </a:r>
-            <a:endParaRPr lang="en-US" altLang="zh-CN" dirty="0" smtClean="0"/>
-          </a:p>
-          <a:p>
-            <a:pPr marL="342900" lvl="1" indent="0">
-              <a:spcBef>
-                <a:spcPts val="0"/>
-              </a:spcBef>
-              <a:spcAft>
-                <a:spcPts val="1200"/>
-              </a:spcAft>
-              <a:buNone/>
-            </a:pPr>
-            <a:r>
-              <a:rPr lang="zh-CN" altLang="en-US" dirty="0" smtClean="0"/>
-              <a:t>存储器的限制最主要，利用</a:t>
-            </a:r>
-            <a:r>
-              <a:rPr lang="en-US" altLang="zh-CN" dirty="0" smtClean="0"/>
-              <a:t>memory compiler </a:t>
-            </a:r>
-            <a:r>
-              <a:rPr lang="zh-CN" altLang="en-US" dirty="0" smtClean="0"/>
-              <a:t>工具以</a:t>
-            </a:r>
-            <a:r>
-              <a:rPr lang="en-US" altLang="zh-CN" dirty="0" smtClean="0"/>
-              <a:t>65 nm</a:t>
-            </a:r>
-            <a:r>
-              <a:rPr lang="zh-CN" altLang="en-US" dirty="0" smtClean="0"/>
-              <a:t>工艺生成的的存储器，访存速度上限约为</a:t>
-            </a:r>
-            <a:r>
-              <a:rPr lang="en-US" altLang="zh-CN" dirty="0" smtClean="0"/>
-              <a:t>1 GHz</a:t>
-            </a:r>
-          </a:p>
-          <a:p>
-            <a:pPr marL="342900" lvl="1" indent="0">
-              <a:spcBef>
-                <a:spcPts val="0"/>
-              </a:spcBef>
-              <a:spcAft>
-                <a:spcPts val="1200"/>
-              </a:spcAft>
-              <a:buNone/>
-            </a:pPr>
-            <a:r>
-              <a:rPr lang="zh-CN" altLang="en-US" dirty="0" smtClean="0"/>
-              <a:t>解决该局限，学术界主要有三个方向：</a:t>
-            </a:r>
-            <a:endParaRPr lang="en-US" altLang="zh-CN" dirty="0" smtClean="0"/>
-          </a:p>
-          <a:p>
-            <a:pPr marL="342900" lvl="1" indent="0">
-              <a:spcBef>
-                <a:spcPts val="0"/>
-              </a:spcBef>
-              <a:spcAft>
-                <a:spcPts val="1200"/>
-              </a:spcAft>
-              <a:buNone/>
-            </a:pPr>
-            <a:r>
-              <a:rPr lang="zh-CN" altLang="en-US" dirty="0" smtClean="0"/>
-              <a:t>压缩算法（利用更少的存储量，达到接近的杂散性能，从而提高频率）</a:t>
-            </a:r>
-            <a:endParaRPr lang="en-US" altLang="zh-CN" dirty="0" smtClean="0"/>
-          </a:p>
-          <a:p>
-            <a:pPr marL="342900" lvl="1" indent="0">
-              <a:spcBef>
-                <a:spcPts val="0"/>
-              </a:spcBef>
-              <a:spcAft>
-                <a:spcPts val="1200"/>
-              </a:spcAft>
-              <a:buNone/>
-            </a:pPr>
-            <a:r>
-              <a:rPr lang="zh-CN" altLang="en-US" dirty="0" smtClean="0"/>
-              <a:t>矩阵旋转法（通过矩阵旋转电路实现正弦函数，没有存储器</a:t>
-            </a:r>
-            <a:r>
-              <a:rPr lang="en-US" altLang="zh-CN" dirty="0" smtClean="0"/>
-              <a:t>,</a:t>
-            </a:r>
-            <a:r>
-              <a:rPr lang="zh-CN" altLang="en-US" dirty="0" smtClean="0"/>
-              <a:t>解决了存储器瓶颈，但是引入矩阵旋转电路的问题）</a:t>
-            </a:r>
-            <a:endParaRPr lang="en-US" altLang="zh-CN" dirty="0" smtClean="0"/>
-          </a:p>
-          <a:p>
-            <a:pPr marL="342900" lvl="1" indent="0">
-              <a:spcBef>
-                <a:spcPts val="0"/>
-              </a:spcBef>
-              <a:spcAft>
-                <a:spcPts val="1200"/>
-              </a:spcAft>
-              <a:buNone/>
-            </a:pPr>
-            <a:r>
-              <a:rPr lang="zh-CN" altLang="en-US" dirty="0" smtClean="0"/>
-              <a:t>非线性</a:t>
-            </a:r>
-            <a:r>
-              <a:rPr lang="en-US" altLang="zh-CN" dirty="0" smtClean="0"/>
-              <a:t>DAC</a:t>
-            </a:r>
-            <a:r>
-              <a:rPr lang="zh-CN" altLang="en-US" dirty="0" smtClean="0"/>
-              <a:t>（通过非线性</a:t>
-            </a:r>
-            <a:r>
-              <a:rPr lang="en-US" altLang="zh-CN" dirty="0" smtClean="0"/>
-              <a:t>DAC</a:t>
-            </a:r>
-            <a:r>
-              <a:rPr lang="zh-CN" altLang="en-US" dirty="0" smtClean="0"/>
-              <a:t>，直接实现相位到正弦值的映射）</a:t>
-            </a:r>
-            <a:endParaRPr lang="en-US" altLang="zh-CN" dirty="0"/>
-          </a:p>
-          <a:p>
+              <a:t>以上。</a:t>
+            </a:r>
             <a:endParaRPr lang="zh-CN" altLang="en-US" dirty="0"/>
           </a:p>
         </p:txBody>
@@ -1674,7 +2046,7 @@
           <a:p>
             <a:fld id="{E49FE5E3-45E0-401A-BDC7-016727830831}" type="slidenum">
               <a:rPr lang="zh-CN" altLang="en-US" smtClean="0"/>
-              <a:t>7</a:t>
+              <a:t>6</a:t>
             </a:fld>
             <a:endParaRPr lang="zh-CN" altLang="en-US"/>
           </a:p>
@@ -1683,7 +2055,7 @@
     </p:spTree>
     <p:extLst>
       <p:ext uri="{BB962C8B-B14F-4D97-AF65-F5344CB8AC3E}">
-        <p14:creationId xmlns:p14="http://schemas.microsoft.com/office/powerpoint/2010/main" val="1741478004"/>
+        <p14:creationId xmlns:p14="http://schemas.microsoft.com/office/powerpoint/2010/main" val="1112548446"/>
       </p:ext>
     </p:extLst>
   </p:cSld>
@@ -1737,18 +2109,213 @@
           <a:bodyPr/>
           <a:lstStyle/>
           <a:p>
+            <a:pPr marL="342900" lvl="1" indent="0">
+              <a:spcBef>
+                <a:spcPts val="0"/>
+              </a:spcBef>
+              <a:spcAft>
+                <a:spcPts val="1200"/>
+              </a:spcAft>
+              <a:buNone/>
+            </a:pPr>
             <a:r>
               <a:rPr lang="zh-CN" altLang="en-US" dirty="0" smtClean="0"/>
-              <a:t>我选了</a:t>
+              <a:t>影响</a:t>
             </a:r>
             <a:r>
               <a:rPr lang="en-US" altLang="zh-CN" dirty="0" smtClean="0"/>
-              <a:t>3</a:t>
+              <a:t>NCO</a:t>
             </a:r>
             <a:r>
               <a:rPr lang="zh-CN" altLang="en-US" dirty="0" smtClean="0"/>
-              <a:t>篇近年的文献，分别使用查找表压缩、矩阵旋转法和非线性数模转换器</a:t>
-            </a:r>
+              <a:t>频率和杂散性能的主要是时钟、存储器和数模转换器</a:t>
+            </a:r>
+            <a:endParaRPr lang="en-US" altLang="zh-CN" dirty="0" smtClean="0"/>
+          </a:p>
+          <a:p>
+            <a:pPr marL="342900" lvl="1" indent="0">
+              <a:spcBef>
+                <a:spcPts val="0"/>
+              </a:spcBef>
+              <a:spcAft>
+                <a:spcPts val="1200"/>
+              </a:spcAft>
+              <a:buNone/>
+            </a:pPr>
+            <a:r>
+              <a:rPr lang="zh-CN" altLang="en-US" dirty="0" smtClean="0"/>
+              <a:t>使用</a:t>
+            </a:r>
+            <a:r>
+              <a:rPr lang="en-US" altLang="zh-CN" dirty="0" smtClean="0"/>
+              <a:t>CMOS</a:t>
+            </a:r>
+            <a:r>
+              <a:rPr lang="zh-CN" altLang="en-US" dirty="0" smtClean="0"/>
+              <a:t>工艺在片上实现</a:t>
+            </a:r>
+            <a:r>
+              <a:rPr lang="en-US" altLang="zh-CN" dirty="0" smtClean="0"/>
+              <a:t>10GHz</a:t>
+            </a:r>
+            <a:r>
+              <a:rPr lang="zh-CN" altLang="en-US" dirty="0" smtClean="0"/>
+              <a:t>以上的且稳定的时钟仍相当困难；</a:t>
+            </a:r>
+            <a:r>
+              <a:rPr lang="en-US" altLang="zh-CN" dirty="0" smtClean="0"/>
+              <a:t>DAC</a:t>
+            </a:r>
+            <a:r>
+              <a:rPr lang="zh-CN" altLang="en-US" dirty="0" smtClean="0"/>
+              <a:t>采样率同样制约</a:t>
+            </a:r>
+            <a:r>
+              <a:rPr lang="en-US" altLang="zh-CN" dirty="0"/>
+              <a:t>NCO</a:t>
+            </a:r>
+            <a:r>
+              <a:rPr lang="zh-CN" altLang="en-US" dirty="0"/>
+              <a:t>无法实现时钟</a:t>
+            </a:r>
+            <a:r>
+              <a:rPr lang="en-US" altLang="zh-CN" dirty="0"/>
+              <a:t>10GHz </a:t>
+            </a:r>
+            <a:r>
+              <a:rPr lang="zh-CN" altLang="en-US" dirty="0"/>
+              <a:t>以上超高速综合</a:t>
+            </a:r>
+            <a:r>
+              <a:rPr lang="zh-CN" altLang="en-US" dirty="0" smtClean="0"/>
+              <a:t>器</a:t>
+            </a:r>
+            <a:endParaRPr lang="en-US" altLang="zh-CN" dirty="0" smtClean="0"/>
+          </a:p>
+          <a:p>
+            <a:pPr marL="342900" lvl="1" indent="0">
+              <a:spcBef>
+                <a:spcPts val="0"/>
+              </a:spcBef>
+              <a:spcAft>
+                <a:spcPts val="1200"/>
+              </a:spcAft>
+              <a:buNone/>
+            </a:pPr>
+            <a:r>
+              <a:rPr lang="zh-CN" altLang="en-US" dirty="0" smtClean="0"/>
+              <a:t>存储器的限制最主要，利用</a:t>
+            </a:r>
+            <a:r>
+              <a:rPr lang="en-US" altLang="zh-CN" dirty="0" smtClean="0"/>
+              <a:t>memory compiler </a:t>
+            </a:r>
+            <a:r>
+              <a:rPr lang="zh-CN" altLang="en-US" dirty="0" smtClean="0"/>
+              <a:t>工具以</a:t>
+            </a:r>
+            <a:r>
+              <a:rPr lang="en-US" altLang="zh-CN" dirty="0" smtClean="0"/>
+              <a:t>65 nm</a:t>
+            </a:r>
+            <a:r>
+              <a:rPr lang="zh-CN" altLang="en-US" dirty="0" smtClean="0"/>
+              <a:t>工艺生成的的存储器，访存速度上限约为</a:t>
+            </a:r>
+            <a:r>
+              <a:rPr lang="en-US" altLang="zh-CN" dirty="0" smtClean="0"/>
+              <a:t>1 GHz</a:t>
+            </a:r>
+          </a:p>
+          <a:p>
+            <a:pPr marL="342900" lvl="1" indent="0">
+              <a:spcBef>
+                <a:spcPts val="0"/>
+              </a:spcBef>
+              <a:spcAft>
+                <a:spcPts val="1200"/>
+              </a:spcAft>
+              <a:buNone/>
+            </a:pPr>
+            <a:r>
+              <a:rPr lang="zh-CN" altLang="en-US" dirty="0" smtClean="0"/>
+              <a:t>解决该局限，学术界主要有三个方向：</a:t>
+            </a:r>
+            <a:endParaRPr lang="en-US" altLang="zh-CN" dirty="0" smtClean="0"/>
+          </a:p>
+          <a:p>
+            <a:pPr marL="342900" lvl="1" indent="0">
+              <a:spcBef>
+                <a:spcPts val="0"/>
+              </a:spcBef>
+              <a:spcAft>
+                <a:spcPts val="1200"/>
+              </a:spcAft>
+              <a:buNone/>
+            </a:pPr>
+            <a:r>
+              <a:rPr lang="zh-CN" altLang="en-US" dirty="0" smtClean="0"/>
+              <a:t>压缩算法（利用更少的存储量，达到接近的杂散性能，从而提高频率）</a:t>
+            </a:r>
+            <a:endParaRPr lang="en-US" altLang="zh-CN" dirty="0" smtClean="0"/>
+          </a:p>
+          <a:p>
+            <a:pPr marL="342900" lvl="1" indent="0">
+              <a:spcBef>
+                <a:spcPts val="0"/>
+              </a:spcBef>
+              <a:spcAft>
+                <a:spcPts val="1200"/>
+              </a:spcAft>
+              <a:buNone/>
+            </a:pPr>
+            <a:r>
+              <a:rPr lang="zh-CN" altLang="en-US" dirty="0" smtClean="0"/>
+              <a:t>矩阵旋转法（通过矩阵旋转电路实现正弦函数，没有存储器</a:t>
+            </a:r>
+            <a:r>
+              <a:rPr lang="en-US" altLang="zh-CN" dirty="0" smtClean="0"/>
+              <a:t>,</a:t>
+            </a:r>
+            <a:r>
+              <a:rPr lang="zh-CN" altLang="en-US" dirty="0" smtClean="0"/>
+              <a:t>解决了存储器瓶颈，但是引入矩阵旋转电路的问题）</a:t>
+            </a:r>
+            <a:endParaRPr lang="en-US" altLang="zh-CN" dirty="0" smtClean="0"/>
+          </a:p>
+          <a:p>
+            <a:pPr marL="342900" lvl="1" indent="0">
+              <a:spcBef>
+                <a:spcPts val="0"/>
+              </a:spcBef>
+              <a:spcAft>
+                <a:spcPts val="1200"/>
+              </a:spcAft>
+              <a:buNone/>
+            </a:pPr>
+            <a:r>
+              <a:rPr lang="zh-CN" altLang="en-US" dirty="0" smtClean="0"/>
+              <a:t>非线性</a:t>
+            </a:r>
+            <a:r>
+              <a:rPr lang="en-US" altLang="zh-CN" dirty="0" smtClean="0"/>
+              <a:t>DAC</a:t>
+            </a:r>
+            <a:r>
+              <a:rPr lang="zh-CN" altLang="en-US" dirty="0" smtClean="0"/>
+              <a:t>（通过非线性</a:t>
+            </a:r>
+            <a:r>
+              <a:rPr lang="en-US" altLang="zh-CN" dirty="0" smtClean="0"/>
+              <a:t>DAC</a:t>
+            </a:r>
+            <a:r>
+              <a:rPr lang="zh-CN" altLang="en-US" dirty="0" smtClean="0"/>
+              <a:t>，直接实现相位到正弦值的映射）</a:t>
+            </a:r>
+            <a:endParaRPr lang="en-US" altLang="zh-CN" dirty="0"/>
+          </a:p>
+          <a:p>
             <a:endParaRPr lang="zh-CN" altLang="en-US" dirty="0"/>
           </a:p>
         </p:txBody>
@@ -1770,7 +2337,7 @@
           <a:p>
             <a:fld id="{E49FE5E3-45E0-401A-BDC7-016727830831}" type="slidenum">
               <a:rPr lang="zh-CN" altLang="en-US" smtClean="0"/>
-              <a:t>8</a:t>
+              <a:t>7</a:t>
             </a:fld>
             <a:endParaRPr lang="zh-CN" altLang="en-US"/>
           </a:p>
@@ -1779,7 +2346,7 @@
     </p:spTree>
     <p:extLst>
       <p:ext uri="{BB962C8B-B14F-4D97-AF65-F5344CB8AC3E}">
-        <p14:creationId xmlns:p14="http://schemas.microsoft.com/office/powerpoint/2010/main" val="3963488404"/>
+        <p14:creationId xmlns:p14="http://schemas.microsoft.com/office/powerpoint/2010/main" val="1741478004"/>
       </p:ext>
     </p:extLst>
   </p:cSld>
@@ -1833,139 +2400,17 @@
           <a:bodyPr/>
           <a:lstStyle/>
           <a:p>
-            <a:pPr lvl="1">
-              <a:spcBef>
-                <a:spcPts val="0"/>
-              </a:spcBef>
-              <a:spcAft>
-                <a:spcPts val="1200"/>
-              </a:spcAft>
-            </a:pPr>
-            <a:endParaRPr lang="en-US" altLang="zh-CN" dirty="0"/>
-          </a:p>
-          <a:p>
             <a:r>
               <a:rPr lang="zh-CN" altLang="en-US" dirty="0" smtClean="0"/>
-              <a:t>传统的</a:t>
+              <a:t>我选了</a:t>
             </a:r>
             <a:r>
               <a:rPr lang="en-US" altLang="zh-CN" dirty="0" smtClean="0"/>
-              <a:t>DDS</a:t>
+              <a:t>3</a:t>
             </a:r>
             <a:r>
               <a:rPr lang="zh-CN" altLang="en-US" dirty="0" smtClean="0"/>
-              <a:t>结构受到存储器限制，通过压缩，使用更小的存储器实现更快的速度</a:t>
-            </a:r>
-            <a:endParaRPr lang="en-US" altLang="zh-CN" dirty="0" smtClean="0"/>
-          </a:p>
-          <a:p>
-            <a:pPr marL="0" marR="0" indent="0" algn="l" defTabSz="914400" rtl="0" eaLnBrk="1" fontAlgn="auto" latinLnBrk="0" hangingPunct="1">
-              <a:lnSpc>
-                <a:spcPct val="100000"/>
-              </a:lnSpc>
-              <a:spcBef>
-                <a:spcPts val="0"/>
-              </a:spcBef>
-              <a:spcAft>
-                <a:spcPts val="0"/>
-              </a:spcAft>
-              <a:buClrTx/>
-              <a:buSzTx/>
-              <a:buFontTx/>
-              <a:buNone/>
-              <a:tabLst/>
-              <a:defRPr/>
-            </a:pPr>
-            <a:r>
-              <a:rPr lang="zh-CN" altLang="en-US" dirty="0" smtClean="0"/>
-              <a:t>以往的压缩方法是在（</a:t>
-            </a:r>
-            <a:r>
-              <a:rPr lang="en-US" altLang="zh-CN" dirty="0" smtClean="0"/>
-              <a:t>0,1/2pi</a:t>
-            </a:r>
-            <a:r>
-              <a:rPr lang="zh-CN" altLang="en-US" dirty="0" smtClean="0"/>
-              <a:t>）空间上进行了均匀分段的线性拟合，文献一的主要贡献是进行了非均匀分段。和均匀分段相比，引入噪声水平相当时容量可减小</a:t>
-            </a:r>
-            <a:r>
-              <a:rPr lang="en-US" altLang="zh-CN" dirty="0" smtClean="0"/>
-              <a:t>40%</a:t>
-            </a:r>
-          </a:p>
-          <a:p>
-            <a:pPr marL="0" marR="0" indent="0" algn="l" defTabSz="914400" rtl="0" eaLnBrk="1" fontAlgn="auto" latinLnBrk="0" hangingPunct="1">
-              <a:lnSpc>
-                <a:spcPct val="100000"/>
-              </a:lnSpc>
-              <a:spcBef>
-                <a:spcPts val="0"/>
-              </a:spcBef>
-              <a:spcAft>
-                <a:spcPts val="0"/>
-              </a:spcAft>
-              <a:buClrTx/>
-              <a:buSzTx/>
-              <a:buFontTx/>
-              <a:buNone/>
-              <a:tabLst/>
-              <a:defRPr/>
-            </a:pPr>
-            <a:r>
-              <a:rPr lang="en-US" altLang="zh-CN" dirty="0" smtClean="0"/>
-              <a:t>Basic</a:t>
-            </a:r>
-            <a:r>
-              <a:rPr lang="zh-CN" altLang="en-US" dirty="0" smtClean="0"/>
-              <a:t>的</a:t>
-            </a:r>
-            <a:r>
-              <a:rPr lang="en-US" altLang="zh-CN" dirty="0" err="1" smtClean="0"/>
-              <a:t>cordic</a:t>
-            </a:r>
-            <a:r>
-              <a:rPr lang="zh-CN" altLang="en-US" dirty="0" smtClean="0"/>
-              <a:t>算法存在流水级数过长的问题，文献二的主要工作是通过</a:t>
-            </a:r>
-            <a:r>
-              <a:rPr lang="en-US" altLang="zh-CN" dirty="0" smtClean="0"/>
-              <a:t>excess-four</a:t>
-            </a:r>
-            <a:r>
-              <a:rPr lang="zh-CN" altLang="en-US" dirty="0" smtClean="0"/>
-              <a:t>电路减小了了矩阵旋转法的切换延时</a:t>
-            </a:r>
-            <a:endParaRPr lang="en-US" altLang="zh-CN" dirty="0" smtClean="0"/>
-          </a:p>
-          <a:p>
-            <a:pPr marL="0" marR="0" indent="0" algn="l" defTabSz="914400" rtl="0" eaLnBrk="1" fontAlgn="auto" latinLnBrk="0" hangingPunct="1">
-              <a:lnSpc>
-                <a:spcPct val="100000"/>
-              </a:lnSpc>
-              <a:spcBef>
-                <a:spcPts val="0"/>
-              </a:spcBef>
-              <a:spcAft>
-                <a:spcPts val="0"/>
-              </a:spcAft>
-              <a:buClrTx/>
-              <a:buSzTx/>
-              <a:buFontTx/>
-              <a:buNone/>
-              <a:tabLst/>
-              <a:defRPr/>
-            </a:pPr>
-            <a:r>
-              <a:rPr lang="zh-CN" altLang="en-US" dirty="0" smtClean="0"/>
-              <a:t>文献三使用的是非线性</a:t>
-            </a:r>
-            <a:r>
-              <a:rPr lang="en-US" altLang="zh-CN" dirty="0" smtClean="0"/>
-              <a:t>DAC</a:t>
-            </a:r>
-            <a:r>
-              <a:rPr lang="zh-CN" altLang="en-US" dirty="0" smtClean="0"/>
-              <a:t>，提出了更优的电路方案，论文中显示的时钟频率和杂散性能都达到近年来最高水平</a:t>
+              <a:t>篇近年的文献，分别使用查找表压缩、矩阵旋转法和非线性数模转换器</a:t>
             </a:r>
             <a:endParaRPr lang="zh-CN" altLang="en-US" dirty="0"/>
           </a:p>
@@ -1988,7 +2433,7 @@
           <a:p>
             <a:fld id="{E49FE5E3-45E0-401A-BDC7-016727830831}" type="slidenum">
               <a:rPr lang="zh-CN" altLang="en-US" smtClean="0"/>
-              <a:t>9</a:t>
+              <a:t>8</a:t>
             </a:fld>
             <a:endParaRPr lang="zh-CN" altLang="en-US"/>
           </a:p>
@@ -1997,7 +2442,7 @@
     </p:spTree>
     <p:extLst>
       <p:ext uri="{BB962C8B-B14F-4D97-AF65-F5344CB8AC3E}">
-        <p14:creationId xmlns:p14="http://schemas.microsoft.com/office/powerpoint/2010/main" val="1154387684"/>
+        <p14:creationId xmlns:p14="http://schemas.microsoft.com/office/powerpoint/2010/main" val="3963488404"/>
       </p:ext>
     </p:extLst>
   </p:cSld>
@@ -2053,131 +2498,139 @@
           <a:p>
             <a:pPr lvl="1">
               <a:spcBef>
-                <a:spcPts val="600"/>
+                <a:spcPts val="0"/>
+              </a:spcBef>
+              <a:spcAft>
+                <a:spcPts val="1200"/>
+              </a:spcAft>
+            </a:pPr>
+            <a:endParaRPr lang="en-US" altLang="zh-CN" dirty="0"/>
+          </a:p>
+          <a:p>
+            <a:r>
+              <a:rPr lang="zh-CN" altLang="en-US" dirty="0" smtClean="0"/>
+              <a:t>传统的</a:t>
+            </a:r>
+            <a:r>
+              <a:rPr lang="en-US" altLang="zh-CN" dirty="0" smtClean="0"/>
+              <a:t>DDS</a:t>
+            </a:r>
+            <a:r>
+              <a:rPr lang="zh-CN" altLang="en-US" dirty="0" smtClean="0"/>
+              <a:t>结构受到存储器限制，通过压缩，使用更小的存储器实现更快的速度</a:t>
+            </a:r>
+            <a:endParaRPr lang="en-US" altLang="zh-CN" dirty="0" smtClean="0"/>
+          </a:p>
+          <a:p>
+            <a:pPr marL="0" marR="0" indent="0" algn="l" defTabSz="914400" rtl="0" eaLnBrk="1" fontAlgn="auto" latinLnBrk="0" hangingPunct="1">
+              <a:lnSpc>
+                <a:spcPct val="100000"/>
+              </a:lnSpc>
+              <a:spcBef>
+                <a:spcPts val="0"/>
               </a:spcBef>
               <a:spcAft>
                 <a:spcPts val="0"/>
               </a:spcAft>
+              <a:buClrTx/>
+              <a:buSzTx/>
+              <a:buFontTx/>
+              <a:buNone/>
+              <a:tabLst/>
+              <a:defRPr/>
             </a:pPr>
             <a:r>
-              <a:rPr lang="zh-CN" altLang="en-US" sz="2000" dirty="0" smtClean="0"/>
-              <a:t>查找表压缩优点：使用传统结构，通过减小存储器大小提升性能。</a:t>
-            </a:r>
-            <a:endParaRPr lang="en-US" altLang="zh-CN" sz="2000" dirty="0" smtClean="0"/>
-          </a:p>
-          <a:p>
-            <a:pPr marL="342900" lvl="1" indent="0">
+              <a:rPr lang="zh-CN" altLang="en-US" dirty="0" smtClean="0"/>
+              <a:t>以往的压缩方法是在（</a:t>
+            </a:r>
+            <a:r>
+              <a:rPr lang="en-US" altLang="zh-CN" dirty="0" smtClean="0"/>
+              <a:t>0,1/2pi</a:t>
+            </a:r>
+            <a:r>
+              <a:rPr lang="zh-CN" altLang="en-US" dirty="0" smtClean="0"/>
+              <a:t>）空间上进行了均匀分段的线性拟合，文献一的主要贡献是进行了非均匀分段。和均匀分段相比，引入噪声水平相当时容量可减小</a:t>
+            </a:r>
+            <a:r>
+              <a:rPr lang="en-US" altLang="zh-CN" dirty="0" smtClean="0"/>
+              <a:t>40%</a:t>
+            </a:r>
+          </a:p>
+          <a:p>
+            <a:pPr marL="0" marR="0" indent="0" algn="l" defTabSz="914400" rtl="0" eaLnBrk="1" fontAlgn="auto" latinLnBrk="0" hangingPunct="1">
+              <a:lnSpc>
+                <a:spcPct val="100000"/>
+              </a:lnSpc>
               <a:spcBef>
                 <a:spcPts val="0"/>
               </a:spcBef>
               <a:spcAft>
-                <a:spcPts val="600"/>
+                <a:spcPts val="0"/>
               </a:spcAft>
+              <a:buClrTx/>
+              <a:buSzTx/>
+              <a:buFontTx/>
               <a:buNone/>
+              <a:tabLst/>
+              <a:defRPr/>
             </a:pPr>
             <a:r>
-              <a:rPr lang="en-US" altLang="zh-CN" sz="2000" dirty="0" smtClean="0"/>
-              <a:t>   </a:t>
-            </a:r>
-            <a:r>
-              <a:rPr lang="zh-CN" altLang="en-US" sz="2000" dirty="0" smtClean="0"/>
-              <a:t>查找表压缩缺点：特点是实现简单，但是在原理上突破很难。</a:t>
-            </a:r>
-            <a:endParaRPr lang="en-US" altLang="zh-CN" sz="2000" dirty="0" smtClean="0"/>
-          </a:p>
-          <a:p>
-            <a:pPr lvl="1">
+              <a:rPr lang="en-US" altLang="zh-CN" dirty="0" smtClean="0"/>
+              <a:t>Basic</a:t>
+            </a:r>
+            <a:r>
+              <a:rPr lang="zh-CN" altLang="en-US" dirty="0" smtClean="0"/>
+              <a:t>的</a:t>
+            </a:r>
+            <a:r>
+              <a:rPr lang="en-US" altLang="zh-CN" dirty="0" err="1" smtClean="0"/>
+              <a:t>cordic</a:t>
+            </a:r>
+            <a:r>
+              <a:rPr lang="zh-CN" altLang="en-US" dirty="0" smtClean="0"/>
+              <a:t>算法存在流水级数过长的问题，文献二的主要工作是通过</a:t>
+            </a:r>
+            <a:r>
+              <a:rPr lang="en-US" altLang="zh-CN" dirty="0" smtClean="0"/>
+              <a:t>excess-four</a:t>
+            </a:r>
+            <a:r>
+              <a:rPr lang="zh-CN" altLang="en-US" dirty="0" smtClean="0"/>
+              <a:t>电路减小了了矩阵旋转法的切换延时</a:t>
+            </a:r>
+            <a:endParaRPr lang="en-US" altLang="zh-CN" dirty="0" smtClean="0"/>
+          </a:p>
+          <a:p>
+            <a:pPr marL="0" marR="0" indent="0" algn="l" defTabSz="914400" rtl="0" eaLnBrk="1" fontAlgn="auto" latinLnBrk="0" hangingPunct="1">
+              <a:lnSpc>
+                <a:spcPct val="100000"/>
+              </a:lnSpc>
               <a:spcBef>
-                <a:spcPts val="600"/>
+                <a:spcPts val="0"/>
               </a:spcBef>
               <a:spcAft>
                 <a:spcPts val="0"/>
               </a:spcAft>
+              <a:buClrTx/>
+              <a:buSzTx/>
+              <a:buFontTx/>
+              <a:buNone/>
+              <a:tabLst/>
+              <a:defRPr/>
             </a:pPr>
             <a:r>
-              <a:rPr lang="zh-CN" altLang="en-US" sz="2000" dirty="0" smtClean="0"/>
-              <a:t>矩阵旋转优点：不需要存储器，杂散性能最好，可用流水线加速</a:t>
-            </a:r>
-            <a:endParaRPr lang="en-US" altLang="zh-CN" sz="2000" dirty="0" smtClean="0"/>
-          </a:p>
-          <a:p>
-            <a:pPr marL="342900" lvl="1" indent="0">
-              <a:spcBef>
-                <a:spcPts val="0"/>
-              </a:spcBef>
-              <a:spcAft>
-                <a:spcPts val="600"/>
-              </a:spcAft>
-              <a:buNone/>
-            </a:pPr>
-            <a:r>
-              <a:rPr lang="en-US" altLang="zh-CN" sz="2000" dirty="0" smtClean="0"/>
-              <a:t>   </a:t>
-            </a:r>
-            <a:r>
-              <a:rPr lang="zh-CN" altLang="en-US" sz="2000" dirty="0" smtClean="0"/>
-              <a:t>矩阵旋转缺点：但是占用资源过多，速度仍然比较慢。</a:t>
-            </a:r>
-            <a:endParaRPr lang="en-US" altLang="zh-CN" sz="2000" dirty="0" smtClean="0"/>
-          </a:p>
-          <a:p>
-            <a:pPr lvl="1">
-              <a:spcBef>
-                <a:spcPts val="600"/>
-              </a:spcBef>
-              <a:spcAft>
-                <a:spcPts val="0"/>
-              </a:spcAft>
-            </a:pPr>
-            <a:r>
-              <a:rPr lang="zh-CN" altLang="en-US" sz="2000" dirty="0" smtClean="0"/>
-              <a:t>非线性</a:t>
-            </a:r>
-            <a:r>
-              <a:rPr lang="en-US" altLang="zh-CN" sz="2000" dirty="0" smtClean="0"/>
+              <a:rPr lang="zh-CN" altLang="en-US" dirty="0" smtClean="0"/>
+              <a:t>文献三使用的是非线性</a:t>
+            </a:r>
+            <a:r>
+              <a:rPr lang="en-US" altLang="zh-CN" dirty="0" smtClean="0"/>
               <a:t>DAC</a:t>
             </a:r>
             <a:r>
-              <a:rPr lang="zh-CN" altLang="en-US" sz="2000" dirty="0" smtClean="0"/>
-              <a:t>优点：不需要存储器，利用部分模拟器件优势提升性能。</a:t>
-            </a:r>
-            <a:endParaRPr lang="en-US" altLang="zh-CN" sz="2000" dirty="0" smtClean="0"/>
-          </a:p>
-          <a:p>
-            <a:pPr marL="342900" lvl="1" indent="0">
-              <a:spcBef>
-                <a:spcPts val="0"/>
-              </a:spcBef>
-              <a:spcAft>
-                <a:spcPts val="600"/>
-              </a:spcAft>
-              <a:buNone/>
-            </a:pPr>
-            <a:r>
-              <a:rPr lang="en-US" altLang="zh-CN" sz="2000" dirty="0" smtClean="0"/>
-              <a:t>   </a:t>
-            </a:r>
-            <a:r>
-              <a:rPr lang="zh-CN" altLang="en-US" sz="2000" dirty="0" smtClean="0"/>
-              <a:t>非线性</a:t>
-            </a:r>
-            <a:r>
-              <a:rPr lang="en-US" altLang="zh-CN" sz="2000" dirty="0" smtClean="0"/>
-              <a:t>DAC</a:t>
-            </a:r>
-            <a:r>
-              <a:rPr lang="zh-CN" altLang="en-US" sz="2000" dirty="0" smtClean="0"/>
-              <a:t>缺点：大大增加了</a:t>
-            </a:r>
-            <a:r>
-              <a:rPr lang="en-US" altLang="zh-CN" sz="2000" dirty="0" smtClean="0"/>
-              <a:t>DAC</a:t>
-            </a:r>
-            <a:r>
-              <a:rPr lang="zh-CN" altLang="en-US" sz="2000" dirty="0" smtClean="0"/>
-              <a:t>的复杂度和功耗。</a:t>
-            </a:r>
-            <a:endParaRPr lang="en-US" altLang="zh-CN" sz="2000" dirty="0" smtClean="0"/>
+              <a:rPr lang="zh-CN" altLang="en-US" dirty="0" smtClean="0"/>
+              <a:t>，提出了更优的电路方案，论文中显示的时钟频率和杂散性能都达到近年来最高水平</a:t>
+            </a:r>
+            <a:endParaRPr lang="zh-CN" altLang="en-US" dirty="0"/>
           </a:p>
         </p:txBody>
       </p:sp>
@@ -2198,7 +2651,7 @@
           <a:p>
             <a:fld id="{E49FE5E3-45E0-401A-BDC7-016727830831}" type="slidenum">
               <a:rPr lang="zh-CN" altLang="en-US" smtClean="0"/>
-              <a:t>10</a:t>
+              <a:t>9</a:t>
             </a:fld>
             <a:endParaRPr lang="zh-CN" altLang="en-US"/>
           </a:p>
@@ -2207,7 +2660,7 @@
     </p:spTree>
     <p:extLst>
       <p:ext uri="{BB962C8B-B14F-4D97-AF65-F5344CB8AC3E}">
-        <p14:creationId xmlns:p14="http://schemas.microsoft.com/office/powerpoint/2010/main" val="695932727"/>
+        <p14:creationId xmlns:p14="http://schemas.microsoft.com/office/powerpoint/2010/main" val="1154387684"/>
       </p:ext>
     </p:extLst>
   </p:cSld>
@@ -13740,7 +14193,15 @@
             </a:r>
             <a:r>
               <a:rPr lang="zh-CN" altLang="en-US" sz="2000" dirty="0" smtClean="0"/>
-              <a:t>上搭建数控振荡器</a:t>
+              <a:t>上</a:t>
+            </a:r>
+            <a:r>
+              <a:rPr lang="zh-CN" altLang="en-US" sz="2000" dirty="0" smtClean="0"/>
+              <a:t>搭建可扩展的数控</a:t>
+            </a:r>
+            <a:r>
+              <a:rPr lang="zh-CN" altLang="en-US" sz="2000" dirty="0" smtClean="0"/>
+              <a:t>振荡器</a:t>
             </a:r>
             <a:r>
               <a:rPr lang="zh-CN" altLang="en-US" sz="2000" dirty="0"/>
@@ -13749,6 +14210,40 @@
             <a:r>
               <a:rPr lang="zh-CN" altLang="en-US" sz="2000" dirty="0" smtClean="0"/>
               <a:t>平台</a:t>
+            </a:r>
+            <a:endParaRPr lang="en-US" altLang="zh-CN" sz="2000" dirty="0"/>
+          </a:p>
+          <a:p>
+            <a:pPr marL="342900" indent="-342900">
+              <a:spcBef>
+                <a:spcPts val="600"/>
+              </a:spcBef>
+              <a:buFontTx/>
+              <a:buAutoNum type="arabicPeriod"/>
+            </a:pPr>
+            <a:r>
+              <a:rPr lang="zh-CN" altLang="en-US" sz="2000" dirty="0" smtClean="0"/>
+              <a:t>分析</a:t>
+            </a:r>
+            <a:r>
+              <a:rPr lang="zh-CN" altLang="en-US" sz="2000" dirty="0" smtClean="0"/>
+              <a:t>误差</a:t>
+            </a:r>
+            <a:r>
+              <a:rPr lang="zh-CN" altLang="en-US" sz="2000" dirty="0"/>
+              <a:t>来源，</a:t>
+            </a:r>
+            <a:r>
+              <a:rPr lang="zh-CN" altLang="en-US" sz="2000" dirty="0" smtClean="0"/>
+              <a:t>理论指导</a:t>
+            </a:r>
+            <a:r>
+              <a:rPr lang="zh-CN" altLang="en-US" sz="2000" dirty="0"/>
+              <a:t>振荡器</a:t>
+            </a:r>
+            <a:r>
+              <a:rPr lang="zh-CN" altLang="en-US" sz="2000" dirty="0" smtClean="0"/>
+              <a:t>设计</a:t>
             </a:r>
             <a:endParaRPr lang="en-US" altLang="zh-CN" sz="2000" dirty="0"/>
           </a:p>
@@ -13761,15 +14256,7 @@
             </a:pPr>
             <a:r>
               <a:rPr lang="zh-CN" altLang="en-US" sz="2000" dirty="0" smtClean="0"/>
-              <a:t>理论上分析误差</a:t>
-            </a:r>
-            <a:r>
-              <a:rPr lang="zh-CN" altLang="en-US" sz="2000" dirty="0"/>
-              <a:t>来源</a:t>
-            </a:r>
-            <a:r>
-              <a:rPr lang="zh-CN" altLang="en-US" sz="2000" dirty="0" smtClean="0"/>
-              <a:t>，通过前端仿真找到</a:t>
+              <a:t>前端、后端仿真，保证系统实用性，同时找到</a:t>
             </a:r>
             <a:r>
               <a:rPr lang="zh-CN" altLang="en-US" sz="2000" dirty="0"/>
@@ -13790,15 +14277,11 @@
             </a:pPr>
             <a:r>
               <a:rPr lang="zh-CN" altLang="en-US" sz="2000" dirty="0" smtClean="0"/>
-              <a:t>根据使用场景，混合利用改进结构，提出创新的</a:t>
-            </a:r>
-            <a:r>
-              <a:rPr lang="en-US" altLang="zh-CN" sz="2000" dirty="0" smtClean="0"/>
-              <a:t>NCO</a:t>
+              <a:t>根据使用场景</a:t>
             </a:r>
             <a:r>
               <a:rPr lang="zh-CN" altLang="en-US" sz="2000" dirty="0" smtClean="0"/>
-              <a:t>设计方案</a:t>
+              <a:t>，参考多种改进结构，迭代式优化设计方案</a:t>
             </a:r>
             <a:endParaRPr lang="en-US" altLang="zh-CN" sz="2000" dirty="0" smtClean="0"/>
           </a:p>
@@ -13811,28 +14294,11 @@
             </a:pPr>
             <a:r>
               <a:rPr lang="zh-CN" altLang="en-US" sz="2000" dirty="0" smtClean="0"/>
-              <a:t>电路实现上谋求优化，进一步提高</a:t>
-            </a:r>
-            <a:r>
-              <a:rPr lang="en-US" altLang="zh-CN" sz="2000" dirty="0" smtClean="0"/>
-              <a:t>NCO</a:t>
+              <a:t>总结</a:t>
             </a:r>
             <a:r>
               <a:rPr lang="zh-CN" altLang="en-US" sz="2000" dirty="0" smtClean="0"/>
-              <a:t>性能</a:t>
-            </a:r>
-            <a:endParaRPr lang="en-US" altLang="zh-CN" sz="2000" dirty="0" smtClean="0"/>
-          </a:p>
-          <a:p>
-            <a:pPr marL="342900" indent="-342900">
-              <a:spcBef>
-                <a:spcPts val="600"/>
-              </a:spcBef>
-              <a:buAutoNum type="arabicPeriod"/>
-            </a:pPr>
-            <a:r>
-              <a:rPr lang="zh-CN" altLang="en-US" sz="2000" dirty="0" smtClean="0"/>
-              <a:t>总结项目结果，综合测试</a:t>
+              <a:t>项目结果，综合测试</a:t>
             </a:r>
             <a:r>
               <a:rPr lang="en-US" altLang="zh-CN" sz="2000" dirty="0" smtClean="0"/>
@@ -20794,7 +21260,11 @@
             </a:r>
             <a:r>
               <a:rPr lang="zh-CN" altLang="en-US" sz="2000" dirty="0" smtClean="0"/>
-              <a:t>静态分析电路时序，根据静态时序思考改进方案</a:t>
+              <a:t>分析</a:t>
+            </a:r>
+            <a:r>
+              <a:rPr lang="zh-CN" altLang="en-US" sz="2000" dirty="0" smtClean="0"/>
+              <a:t>电路时序，根据静态时序思考改进方案</a:t>
             </a:r>
             <a:endParaRPr lang="en-US" altLang="zh-CN" sz="2000" dirty="0"/>
           </a:p>
@@ -20813,7 +21283,15 @@
             </a:r>
             <a:r>
               <a:rPr lang="zh-CN" altLang="en-US" sz="2000" dirty="0" smtClean="0"/>
-              <a:t>学习使用后端设计工具，在电路实现上寻找优化点</a:t>
+              <a:t>学习使用后端设计工具</a:t>
+            </a:r>
+            <a:r>
+              <a:rPr lang="zh-CN" altLang="en-US" sz="2000" dirty="0" smtClean="0"/>
+              <a:t>，在</a:t>
+            </a:r>
+            <a:r>
+              <a:rPr lang="zh-CN" altLang="en-US" sz="2000" dirty="0" smtClean="0"/>
+              <a:t>电路实现上寻找优化点</a:t>
             </a:r>
             <a:endParaRPr lang="en-US" altLang="zh-CN" sz="2000" dirty="0" smtClean="0"/>
           </a:p>
@@ -21212,21 +21690,13 @@
             </a:r>
             <a:r>
               <a:rPr lang="zh-CN" altLang="en-US" dirty="0" smtClean="0"/>
-              <a:t>缩法：</a:t>
-            </a:r>
-            <a:r>
-              <a:rPr lang="zh-CN" altLang="en-US" dirty="0"/>
-              <a:t>利用对称性压缩、</a:t>
-            </a:r>
-            <a:r>
-              <a:rPr lang="en-US" altLang="zh-CN" dirty="0"/>
-              <a:t>Nicholas</a:t>
-            </a:r>
-            <a:r>
-              <a:rPr lang="zh-CN" altLang="en-US" dirty="0"/>
-              <a:t>构架、分段方法等</a:t>
-            </a:r>
-            <a:endParaRPr lang="en-US" altLang="zh-CN" dirty="0"/>
+              <a:t>缩法</a:t>
+            </a:r>
+            <a:r>
+              <a:rPr lang="zh-CN" altLang="en-US" dirty="0" smtClean="0"/>
+              <a:t>：引入小噪声的情况下，减小存储器寻址位长</a:t>
+            </a:r>
+            <a:endParaRPr lang="en-US" altLang="zh-CN" dirty="0" smtClean="0"/>
           </a:p>
           <a:p>
             <a:pPr lvl="1">
@@ -21239,19 +21709,31 @@
             </a:pPr>
             <a:r>
               <a:rPr lang="zh-CN" altLang="en-US" dirty="0" smtClean="0"/>
-              <a:t>矩阵旋转法</a:t>
+              <a:t>矩阵</a:t>
+            </a:r>
+            <a:r>
+              <a:rPr lang="zh-CN" altLang="en-US" dirty="0" smtClean="0"/>
+              <a:t>旋转法</a:t>
+            </a:r>
+            <a:r>
+              <a:rPr lang="zh-CN" altLang="en-US" dirty="0" smtClean="0"/>
+              <a:t>：根据</a:t>
+            </a:r>
+            <a:r>
+              <a:rPr lang="en-US" altLang="zh-CN" dirty="0" smtClean="0"/>
+              <a:t>CORDIC</a:t>
+            </a:r>
+            <a:r>
+              <a:rPr lang="zh-CN" altLang="en-US" dirty="0" smtClean="0"/>
+              <a:t>算法实现矩阵旋转电路，</a:t>
             </a:r>
             <a:r>
               <a:rPr lang="zh-CN" altLang="en-US" dirty="0"/>
-              <a:t>：通过</a:t>
-            </a:r>
-            <a:r>
-              <a:rPr lang="en-US" altLang="zh-CN" dirty="0"/>
-              <a:t>CORDIC</a:t>
-            </a:r>
-            <a:r>
-              <a:rPr lang="zh-CN" altLang="en-US" dirty="0"/>
-              <a:t>算法进行矩阵旋转，生产正弦、余弦值</a:t>
+              <a:t>生产</a:t>
+            </a:r>
+            <a:r>
+              <a:rPr lang="zh-CN" altLang="en-US" dirty="0" smtClean="0"/>
+              <a:t>正弦波</a:t>
             </a:r>
             <a:endParaRPr lang="en-US" altLang="zh-CN" dirty="0"/>
           </a:p>

--- a/ppt/yyx_v1.1.pptx
+++ b/ppt/yyx_v1.1.pptx
@@ -214,7 +214,7 @@
           <a:p>
             <a:fld id="{41C171BD-44C2-486C-A04B-5A7F58ADE3A6}" type="datetimeFigureOut">
               <a:rPr lang="zh-CN" altLang="en-US" smtClean="0"/>
-              <a:t>2017/1/12</a:t>
+              <a:t>2017/1/13</a:t>
             </a:fld>
             <a:endParaRPr lang="zh-CN" altLang="en-US"/>
           </a:p>
@@ -729,15 +729,15 @@
           <a:lstStyle/>
           <a:p>
             <a:r>
-              <a:rPr lang="zh-CN" altLang="en-US" dirty="0" smtClean="0"/>
+              <a:rPr lang="zh-CN" altLang="en-US" dirty="0"/>
               <a:t>各位老师，大家好。我是第二组</a:t>
             </a:r>
             <a:r>
-              <a:rPr lang="en-US" altLang="zh-CN" dirty="0" smtClean="0"/>
+              <a:rPr lang="en-US" altLang="zh-CN" dirty="0"/>
               <a:t>6</a:t>
             </a:r>
             <a:r>
-              <a:rPr lang="zh-CN" altLang="en-US" dirty="0" smtClean="0"/>
+              <a:rPr lang="zh-CN" altLang="en-US" dirty="0"/>
               <a:t>号杨一雄。我的毕业设计选题是超高速、高精度数控振荡器。</a:t>
             </a:r>
             <a:endParaRPr lang="zh-CN" altLang="zh-CN" dirty="0"/>
@@ -810,10 +810,10 @@
               </a:spcAft>
             </a:pPr>
             <a:r>
-              <a:rPr lang="zh-CN" altLang="en-US" sz="2000" dirty="0" smtClean="0"/>
+              <a:rPr lang="zh-CN" altLang="en-US" sz="2000" dirty="0"/>
               <a:t>查找表压缩优点：使用传统结构，通过减小存储器大小提升性能。</a:t>
             </a:r>
-            <a:endParaRPr lang="en-US" altLang="zh-CN" sz="2000" dirty="0" smtClean="0"/>
+            <a:endParaRPr lang="en-US" altLang="zh-CN" sz="2000" dirty="0"/>
           </a:p>
           <a:p>
             <a:pPr marL="342900" lvl="1" indent="0">
@@ -826,14 +826,14 @@
               <a:buNone/>
             </a:pPr>
             <a:r>
-              <a:rPr lang="en-US" altLang="zh-CN" sz="2000" dirty="0" smtClean="0"/>
+              <a:rPr lang="en-US" altLang="zh-CN" sz="2000" dirty="0"/>
               <a:t>   </a:t>
             </a:r>
             <a:r>
-              <a:rPr lang="zh-CN" altLang="en-US" sz="2000" dirty="0" smtClean="0"/>
+              <a:rPr lang="zh-CN" altLang="en-US" sz="2000" dirty="0"/>
               <a:t>查找表压缩缺点：特点是实现简单，但是在原理上突破很难。</a:t>
             </a:r>
-            <a:endParaRPr lang="en-US" altLang="zh-CN" sz="2000" dirty="0" smtClean="0"/>
+            <a:endParaRPr lang="en-US" altLang="zh-CN" sz="2000" dirty="0"/>
           </a:p>
           <a:p>
             <a:pPr lvl="1">
@@ -845,10 +845,10 @@
               </a:spcAft>
             </a:pPr>
             <a:r>
-              <a:rPr lang="zh-CN" altLang="en-US" sz="2000" dirty="0" smtClean="0"/>
+              <a:rPr lang="zh-CN" altLang="en-US" sz="2000" dirty="0"/>
               <a:t>矩阵旋转优点：不需要存储器，杂散性能最好，可用流水线加速</a:t>
             </a:r>
-            <a:endParaRPr lang="en-US" altLang="zh-CN" sz="2000" dirty="0" smtClean="0"/>
+            <a:endParaRPr lang="en-US" altLang="zh-CN" sz="2000" dirty="0"/>
           </a:p>
           <a:p>
             <a:pPr marL="342900" lvl="1" indent="0">
@@ -861,14 +861,14 @@
               <a:buNone/>
             </a:pPr>
             <a:r>
-              <a:rPr lang="en-US" altLang="zh-CN" sz="2000" dirty="0" smtClean="0"/>
+              <a:rPr lang="en-US" altLang="zh-CN" sz="2000" dirty="0"/>
               <a:t>   </a:t>
             </a:r>
             <a:r>
-              <a:rPr lang="zh-CN" altLang="en-US" sz="2000" dirty="0" smtClean="0"/>
+              <a:rPr lang="zh-CN" altLang="en-US" sz="2000" dirty="0"/>
               <a:t>矩阵旋转缺点：但是占用资源过多，速度仍然比较慢。</a:t>
             </a:r>
-            <a:endParaRPr lang="en-US" altLang="zh-CN" sz="2000" dirty="0" smtClean="0"/>
+            <a:endParaRPr lang="en-US" altLang="zh-CN" sz="2000" dirty="0"/>
           </a:p>
           <a:p>
             <a:pPr lvl="1">
@@ -880,18 +880,18 @@
               </a:spcAft>
             </a:pPr>
             <a:r>
-              <a:rPr lang="zh-CN" altLang="en-US" sz="2000" dirty="0" smtClean="0"/>
+              <a:rPr lang="zh-CN" altLang="en-US" sz="2000" dirty="0"/>
               <a:t>非线性</a:t>
             </a:r>
             <a:r>
-              <a:rPr lang="en-US" altLang="zh-CN" sz="2000" dirty="0" smtClean="0"/>
+              <a:rPr lang="en-US" altLang="zh-CN" sz="2000" dirty="0"/>
               <a:t>DAC</a:t>
             </a:r>
             <a:r>
-              <a:rPr lang="zh-CN" altLang="en-US" sz="2000" dirty="0" smtClean="0"/>
+              <a:rPr lang="zh-CN" altLang="en-US" sz="2000" dirty="0"/>
               <a:t>优点：不需要存储器，利用部分模拟器件优势提升性能。</a:t>
             </a:r>
-            <a:endParaRPr lang="en-US" altLang="zh-CN" sz="2000" dirty="0" smtClean="0"/>
+            <a:endParaRPr lang="en-US" altLang="zh-CN" sz="2000" dirty="0"/>
           </a:p>
           <a:p>
             <a:pPr marL="342900" lvl="1" indent="0">
@@ -904,30 +904,66 @@
               <a:buNone/>
             </a:pPr>
             <a:r>
-              <a:rPr lang="en-US" altLang="zh-CN" sz="2000" dirty="0" smtClean="0"/>
+              <a:rPr lang="en-US" altLang="zh-CN" sz="2000" dirty="0"/>
               <a:t>   </a:t>
             </a:r>
             <a:r>
-              <a:rPr lang="zh-CN" altLang="en-US" sz="2000" dirty="0" smtClean="0"/>
+              <a:rPr lang="zh-CN" altLang="en-US" sz="2000" dirty="0"/>
               <a:t>非线性</a:t>
             </a:r>
             <a:r>
-              <a:rPr lang="en-US" altLang="zh-CN" sz="2000" dirty="0" smtClean="0"/>
+              <a:rPr lang="en-US" altLang="zh-CN" sz="2000" dirty="0"/>
               <a:t>DAC</a:t>
             </a:r>
             <a:r>
-              <a:rPr lang="zh-CN" altLang="en-US" sz="2000" dirty="0" smtClean="0"/>
+              <a:rPr lang="zh-CN" altLang="en-US" sz="2000" dirty="0"/>
               <a:t>缺点：大大增加了</a:t>
             </a:r>
             <a:r>
-              <a:rPr lang="en-US" altLang="zh-CN" sz="2000" dirty="0" smtClean="0"/>
+              <a:rPr lang="en-US" altLang="zh-CN" sz="2000" dirty="0"/>
               <a:t>DAC</a:t>
             </a:r>
             <a:r>
-              <a:rPr lang="zh-CN" altLang="en-US" sz="2000" dirty="0" smtClean="0"/>
+              <a:rPr lang="zh-CN" altLang="en-US" sz="2000" dirty="0"/>
               <a:t>的复杂度和功耗。</a:t>
             </a:r>
-            <a:endParaRPr lang="en-US" altLang="zh-CN" sz="2000" dirty="0" smtClean="0"/>
+            <a:endParaRPr lang="en-US" altLang="zh-CN" sz="2000" dirty="0"/>
+          </a:p>
+          <a:p>
+            <a:pPr marL="342900" marR="0" lvl="1" indent="0" algn="l" defTabSz="914400" rtl="0" eaLnBrk="1" fontAlgn="auto" latinLnBrk="0" hangingPunct="1">
+              <a:lnSpc>
+                <a:spcPct val="100000"/>
+              </a:lnSpc>
+              <a:spcBef>
+                <a:spcPts val="0"/>
+              </a:spcBef>
+              <a:spcAft>
+                <a:spcPts val="600"/>
+              </a:spcAft>
+              <a:buClrTx/>
+              <a:buSzTx/>
+              <a:buFontTx/>
+              <a:buNone/>
+              <a:tabLst/>
+              <a:defRPr/>
+            </a:pPr>
+            <a:r>
+              <a:rPr lang="zh-CN" altLang="en-US" sz="2000" dirty="0"/>
+              <a:t>从以上三篇文献中，我们都看出了方法之间的融合。包括</a:t>
+            </a:r>
+            <a:r>
+              <a:rPr lang="zh-CN" altLang="en-US" sz="2000" dirty="0"/>
+              <a:t>存储器和矩阵旋转电路结合，非线性</a:t>
+            </a:r>
+            <a:r>
+              <a:rPr lang="en-US" altLang="zh-CN" sz="2000" dirty="0"/>
+              <a:t>DAC</a:t>
+            </a:r>
+            <a:r>
+              <a:rPr lang="zh-CN" altLang="en-US" sz="2000" dirty="0"/>
+              <a:t>设计中也有压缩的办法</a:t>
+            </a:r>
+            <a:endParaRPr lang="en-US" altLang="zh-CN" sz="2000" dirty="0"/>
           </a:p>
         </p:txBody>
       </p:sp>
@@ -1012,54 +1048,54 @@
           <a:lstStyle/>
           <a:p>
             <a:r>
-              <a:rPr lang="zh-CN" altLang="en-US" dirty="0" smtClean="0"/>
+              <a:rPr lang="zh-CN" altLang="en-US" dirty="0"/>
               <a:t>实施方案我分成</a:t>
             </a:r>
             <a:r>
-              <a:rPr lang="en-US" altLang="zh-CN" dirty="0" smtClean="0"/>
+              <a:rPr lang="en-US" altLang="zh-CN" dirty="0"/>
               <a:t>5</a:t>
             </a:r>
             <a:r>
-              <a:rPr lang="zh-CN" altLang="en-US" dirty="0" smtClean="0"/>
+              <a:rPr lang="zh-CN" altLang="en-US" dirty="0"/>
               <a:t>步：</a:t>
             </a:r>
-            <a:endParaRPr lang="en-US" altLang="zh-CN" dirty="0" smtClean="0"/>
+            <a:endParaRPr lang="en-US" altLang="zh-CN" dirty="0"/>
           </a:p>
           <a:p>
             <a:pPr marL="228600" indent="-228600">
               <a:buAutoNum type="arabicPeriod"/>
             </a:pPr>
             <a:r>
-              <a:rPr lang="zh-CN" altLang="en-US" dirty="0" smtClean="0"/>
+              <a:rPr lang="zh-CN" altLang="en-US" dirty="0"/>
               <a:t>是在</a:t>
             </a:r>
             <a:r>
-              <a:rPr lang="en-US" altLang="zh-CN" dirty="0" err="1" smtClean="0"/>
+              <a:rPr lang="en-US" altLang="zh-CN" dirty="0" err="1"/>
               <a:t>Maltlab</a:t>
             </a:r>
             <a:r>
-              <a:rPr lang="zh-CN" altLang="en-US" dirty="0" smtClean="0"/>
+              <a:rPr lang="zh-CN" altLang="en-US" dirty="0"/>
               <a:t>和</a:t>
             </a:r>
             <a:r>
-              <a:rPr lang="en-US" altLang="zh-CN" dirty="0" err="1" smtClean="0"/>
+              <a:rPr lang="en-US" altLang="zh-CN" dirty="0" err="1"/>
               <a:t>Modelsim</a:t>
             </a:r>
             <a:r>
-              <a:rPr lang="zh-CN" altLang="en-US" dirty="0" smtClean="0"/>
+              <a:rPr lang="zh-CN" altLang="en-US" dirty="0"/>
               <a:t>上搭建可扩展的数控振荡器测试平台</a:t>
             </a:r>
-            <a:endParaRPr lang="en-US" altLang="zh-CN" dirty="0" smtClean="0"/>
+            <a:endParaRPr lang="en-US" altLang="zh-CN" dirty="0"/>
           </a:p>
           <a:p>
             <a:pPr marL="228600" indent="-228600">
               <a:buAutoNum type="arabicPeriod"/>
             </a:pPr>
             <a:r>
-              <a:rPr lang="zh-CN" altLang="en-US" dirty="0" smtClean="0"/>
-              <a:t>分析振荡器输出波形的噪声来源，理论上指导振荡器设计</a:t>
-            </a:r>
-            <a:endParaRPr lang="en-US" altLang="zh-CN" dirty="0" smtClean="0"/>
+              <a:rPr lang="zh-CN" altLang="en-US" dirty="0"/>
+              <a:t>分析振荡器输出波形的噪声来源，理论上指导振荡器设计。到此为止我的代码和理论框架基本搭建完成。</a:t>
+            </a:r>
+            <a:endParaRPr lang="en-US" altLang="zh-CN" dirty="0"/>
           </a:p>
           <a:p>
             <a:pPr marL="228600" marR="0" indent="-228600" algn="l" defTabSz="914400" rtl="0" eaLnBrk="1" fontAlgn="auto" latinLnBrk="0" hangingPunct="1">
@@ -1080,10 +1116,10 @@
               <a:defRPr/>
             </a:pPr>
             <a:r>
-              <a:rPr lang="zh-CN" altLang="en-US" sz="1200" dirty="0" smtClean="0"/>
+              <a:rPr lang="zh-CN" altLang="en-US" sz="1200" dirty="0"/>
               <a:t>前端、后端仿真，保证系统实用性，同时找到性能瓶颈</a:t>
             </a:r>
-            <a:endParaRPr lang="en-US" altLang="zh-CN" sz="1200" dirty="0" smtClean="0"/>
+            <a:endParaRPr lang="en-US" altLang="zh-CN" sz="1200" dirty="0"/>
           </a:p>
           <a:p>
             <a:pPr marL="228600" marR="0" indent="-228600" algn="l" defTabSz="914400" rtl="0" eaLnBrk="1" fontAlgn="auto" latinLnBrk="0" hangingPunct="1">
@@ -1104,10 +1140,10 @@
               <a:defRPr/>
             </a:pPr>
             <a:r>
-              <a:rPr lang="zh-CN" altLang="en-US" sz="1200" dirty="0" smtClean="0"/>
+              <a:rPr lang="zh-CN" altLang="en-US" sz="1200" dirty="0"/>
               <a:t>根据使用场景，参考多种改进结构，迭代式优化设计方案</a:t>
             </a:r>
-            <a:endParaRPr lang="en-US" altLang="zh-CN" sz="1200" dirty="0" smtClean="0"/>
+            <a:endParaRPr lang="en-US" altLang="zh-CN" sz="1200" dirty="0"/>
           </a:p>
           <a:p>
             <a:pPr marL="228600" marR="0" indent="-228600" algn="l" defTabSz="914400" rtl="0" eaLnBrk="1" fontAlgn="auto" latinLnBrk="0" hangingPunct="1">
@@ -1128,28 +1164,18 @@
               <a:defRPr/>
             </a:pPr>
             <a:r>
-              <a:rPr lang="zh-CN" altLang="en-US" sz="1200" dirty="0" smtClean="0"/>
+              <a:rPr lang="zh-CN" altLang="en-US" sz="1200" dirty="0"/>
               <a:t>总结项目结果，综合测试</a:t>
             </a:r>
             <a:r>
-              <a:rPr lang="en-US" altLang="zh-CN" sz="1200" dirty="0" smtClean="0"/>
+              <a:rPr lang="en-US" altLang="zh-CN" sz="1200" dirty="0"/>
               <a:t>NCO</a:t>
             </a:r>
             <a:r>
-              <a:rPr lang="zh-CN" altLang="en-US" sz="1200" dirty="0" smtClean="0"/>
+              <a:rPr lang="zh-CN" altLang="en-US" sz="1200" dirty="0"/>
               <a:t>性能，完成毕业论文</a:t>
             </a:r>
-            <a:endParaRPr lang="en-US" altLang="zh-CN" sz="1200" dirty="0" smtClean="0"/>
-          </a:p>
-          <a:p>
-            <a:pPr marL="0" indent="0">
-              <a:buNone/>
-            </a:pPr>
-            <a:r>
-              <a:rPr lang="zh-CN" altLang="en-US" dirty="0" smtClean="0"/>
-              <a:t>图片大致标明了方案进度规划</a:t>
-            </a:r>
-            <a:endParaRPr lang="en-US" altLang="zh-CN" dirty="0" smtClean="0"/>
+            <a:endParaRPr lang="en-US" altLang="zh-CN" sz="1200" dirty="0"/>
           </a:p>
           <a:p>
             <a:pPr marL="228600" indent="-228600">
@@ -1240,10 +1266,9 @@
           <a:lstStyle/>
           <a:p>
             <a:r>
-              <a:rPr lang="zh-CN" altLang="en-US" dirty="0" smtClean="0"/>
+              <a:rPr lang="zh-CN" altLang="en-US" dirty="0"/>
               <a:t>这是我更具体的计划安排</a:t>
             </a:r>
-            <a:endParaRPr lang="zh-CN" altLang="en-US" dirty="0"/>
           </a:p>
         </p:txBody>
       </p:sp>
@@ -1328,10 +1353,9 @@
           <a:lstStyle/>
           <a:p>
             <a:r>
-              <a:rPr lang="zh-CN" altLang="en-US" dirty="0" smtClean="0"/>
+              <a:rPr lang="zh-CN" altLang="en-US" dirty="0"/>
               <a:t>我的开题报告结束了，谢谢老师聆听</a:t>
             </a:r>
-            <a:endParaRPr lang="zh-CN" altLang="en-US" dirty="0"/>
           </a:p>
         </p:txBody>
       </p:sp>
@@ -1417,28 +1441,15 @@
           <a:p>
             <a:r>
               <a:rPr lang="zh-CN" altLang="en-US" dirty="0"/>
-              <a:t>我的报告思路主要分为</a:t>
-            </a:r>
-            <a:r>
-              <a:rPr lang="zh-CN" altLang="en-US" dirty="0" smtClean="0"/>
-              <a:t>以下五个</a:t>
-            </a:r>
+              <a:t>我的报告思路主要分为以下五个部分：研究背景、课题目标、前期调研、实施方案、计划安排</a:t>
+            </a:r>
+            <a:endParaRPr lang="en-US" altLang="zh-CN" dirty="0"/>
+          </a:p>
+          <a:p>
             <a:r>
               <a:rPr lang="zh-CN" altLang="en-US" dirty="0"/>
-              <a:t>部分</a:t>
-            </a:r>
-            <a:r>
-              <a:rPr lang="zh-CN" altLang="en-US" dirty="0" smtClean="0"/>
-              <a:t>：研究背景、课题目标、前期调研、实施方案、计划安排</a:t>
-            </a:r>
-            <a:endParaRPr lang="en-US" altLang="zh-CN" dirty="0" smtClean="0"/>
-          </a:p>
-          <a:p>
-            <a:r>
-              <a:rPr lang="zh-CN" altLang="en-US" dirty="0" smtClean="0"/>
               <a:t>研究背景部分我将会描述研究目标以及介绍相关应用</a:t>
             </a:r>
-            <a:endParaRPr lang="zh-CN" altLang="en-US" dirty="0"/>
           </a:p>
         </p:txBody>
       </p:sp>
@@ -1528,18 +1539,18 @@
               </a:lnSpc>
             </a:pPr>
             <a:r>
-              <a:rPr lang="zh-CN" altLang="en-US" dirty="0" smtClean="0"/>
-              <a:t>无线电应用中</a:t>
-            </a:r>
-            <a:r>
-              <a:rPr lang="zh-CN" altLang="en-US" dirty="0" smtClean="0"/>
-              <a:t>，生成指定频率的正弦波是</a:t>
-            </a:r>
-            <a:r>
-              <a:rPr lang="zh-CN" altLang="en-US" dirty="0" smtClean="0"/>
-              <a:t>一个基础而重要的部分。锁相环技术的出现后，模拟正弦波振荡器在无线通信、雷达等系统中有广泛应用。</a:t>
-            </a:r>
-            <a:endParaRPr lang="en-US" altLang="zh-CN" dirty="0" smtClean="0"/>
+              <a:rPr lang="zh-CN" altLang="en-US" dirty="0"/>
+              <a:t>无线电应用中，生成指定频率的正弦波是一个基础而重要的部分，因而</a:t>
+            </a:r>
+            <a:r>
+              <a:rPr lang="zh-CN" altLang="en-US" dirty="0"/>
+              <a:t>它的前景是非常广阔的。</a:t>
+            </a:r>
+            <a:r>
+              <a:rPr lang="zh-CN" altLang="en-US" dirty="0"/>
+              <a:t>锁相环技术的出现后，模拟正弦波振荡器在无线通信、雷达等系统中已经有广泛应用。</a:t>
+            </a:r>
+            <a:endParaRPr lang="en-US" altLang="zh-CN" dirty="0"/>
           </a:p>
           <a:p>
             <a:pPr marL="0" marR="0" indent="0" algn="l" defTabSz="914400" rtl="0" eaLnBrk="1" fontAlgn="auto" latinLnBrk="0" hangingPunct="1">
@@ -1560,18 +1571,10 @@
               <a:defRPr/>
             </a:pPr>
             <a:r>
-              <a:rPr lang="zh-CN" altLang="en-US" dirty="0" smtClean="0"/>
-              <a:t>通信系统</a:t>
-            </a:r>
-            <a:r>
-              <a:rPr lang="zh-CN" altLang="en-US" dirty="0" smtClean="0"/>
-              <a:t>对带宽、精度等需求增长迅速，但是振荡器性能受到模拟的限制。尤其是雷达这样的军用系统，使用模拟器件已经无法满足频率切换速度的要求</a:t>
-            </a:r>
-            <a:r>
-              <a:rPr lang="zh-CN" altLang="en-US" dirty="0" smtClean="0"/>
-              <a:t>。</a:t>
-            </a:r>
-            <a:endParaRPr lang="en-US" altLang="zh-CN" dirty="0" smtClean="0"/>
+              <a:rPr lang="zh-CN" altLang="en-US" dirty="0"/>
+              <a:t>现代通信系统对带宽、精度等需求增长迅速，但是振荡器性能增长遇到瓶颈。尤其是雷达这样的军用系统，使用模拟器件已经无法满足频率切换速度的要求。</a:t>
+            </a:r>
+            <a:endParaRPr lang="en-US" altLang="zh-CN" dirty="0"/>
           </a:p>
           <a:p>
             <a:pPr marL="0" marR="0" indent="0" algn="l" defTabSz="914400" rtl="0" eaLnBrk="1" fontAlgn="auto" latinLnBrk="0" hangingPunct="1">
@@ -1592,18 +1595,18 @@
               <a:defRPr/>
             </a:pPr>
             <a:r>
-              <a:rPr lang="zh-CN" altLang="en-US" dirty="0" smtClean="0"/>
+              <a:rPr lang="zh-CN" altLang="en-US" dirty="0"/>
               <a:t>对于</a:t>
             </a:r>
             <a:r>
-              <a:rPr lang="en-US" altLang="zh-CN" dirty="0" smtClean="0"/>
+              <a:rPr lang="en-US" altLang="zh-CN" dirty="0"/>
               <a:t>FPGA</a:t>
             </a:r>
             <a:r>
-              <a:rPr lang="zh-CN" altLang="en-US" dirty="0" smtClean="0"/>
+              <a:rPr lang="zh-CN" altLang="en-US" dirty="0"/>
               <a:t>等类似的计算平台，使用数控振荡器更容易集成。对于调制解调器这样量产型产品，使用数字电路设计的振荡器，起到降低成本的作用。</a:t>
             </a:r>
-            <a:endParaRPr lang="en-US" altLang="zh-CN" dirty="0" smtClean="0"/>
+            <a:endParaRPr lang="en-US" altLang="zh-CN" dirty="0"/>
           </a:p>
           <a:p>
             <a:pPr marL="0" marR="0" indent="0" algn="l" defTabSz="914400" rtl="0" eaLnBrk="1" fontAlgn="auto" latinLnBrk="0" hangingPunct="1">
@@ -1623,7 +1626,7 @@
               <a:tabLst/>
               <a:defRPr/>
             </a:pPr>
-            <a:endParaRPr lang="en-US" altLang="zh-CN" dirty="0" smtClean="0"/>
+            <a:endParaRPr lang="en-US" altLang="zh-CN" dirty="0"/>
           </a:p>
         </p:txBody>
       </p:sp>
@@ -1725,26 +1728,26 @@
               <a:defRPr/>
             </a:pPr>
             <a:r>
-              <a:rPr lang="zh-CN" altLang="en-US" dirty="0" smtClean="0"/>
+              <a:rPr lang="zh-CN" altLang="en-US" dirty="0"/>
               <a:t>（第</a:t>
             </a:r>
             <a:r>
-              <a:rPr lang="en-US" altLang="zh-CN" dirty="0" smtClean="0"/>
+              <a:rPr lang="en-US" altLang="zh-CN" dirty="0"/>
               <a:t>3-4</a:t>
             </a:r>
             <a:r>
-              <a:rPr lang="zh-CN" altLang="en-US" dirty="0" smtClean="0"/>
+              <a:rPr lang="zh-CN" altLang="en-US" dirty="0"/>
               <a:t>页</a:t>
             </a:r>
             <a:r>
-              <a:rPr lang="en-US" altLang="zh-CN" dirty="0" smtClean="0"/>
+              <a:rPr lang="en-US" altLang="zh-CN" dirty="0"/>
               <a:t>PPT</a:t>
             </a:r>
             <a:r>
-              <a:rPr lang="zh-CN" altLang="en-US" dirty="0" smtClean="0"/>
+              <a:rPr lang="zh-CN" altLang="en-US" dirty="0"/>
               <a:t>是合在一起的）</a:t>
             </a:r>
-            <a:endParaRPr lang="en-US" altLang="zh-CN" dirty="0" smtClean="0"/>
+            <a:endParaRPr lang="en-US" altLang="zh-CN" dirty="0"/>
           </a:p>
           <a:p>
             <a:pPr marL="0" marR="0" indent="0" algn="l" defTabSz="914400" rtl="0" eaLnBrk="1" fontAlgn="auto" latinLnBrk="0" hangingPunct="1">
@@ -1765,10 +1768,10 @@
               <a:defRPr/>
             </a:pPr>
             <a:r>
-              <a:rPr lang="zh-CN" altLang="en-US" dirty="0" smtClean="0"/>
+              <a:rPr lang="zh-CN" altLang="en-US" dirty="0"/>
               <a:t>目前来看，使用数控振荡器成为主流，伴随数字电路的优势，较传统模拟振荡器在频率分辨率、杂散性能、鲁棒性上均实现超越</a:t>
             </a:r>
-            <a:endParaRPr lang="en-US" altLang="zh-CN" dirty="0" smtClean="0"/>
+            <a:endParaRPr lang="en-US" altLang="zh-CN" dirty="0"/>
           </a:p>
         </p:txBody>
       </p:sp>
@@ -1853,28 +1856,31 @@
           <a:lstStyle/>
           <a:p>
             <a:r>
-              <a:rPr lang="zh-CN" altLang="en-US" dirty="0" smtClean="0"/>
-              <a:t>实现数控振荡器</a:t>
-            </a:r>
-            <a:r>
-              <a:rPr lang="zh-CN" altLang="en-US" dirty="0" smtClean="0"/>
-              <a:t>的方法是直接数字综合法，完全去除了模拟器件。</a:t>
-            </a:r>
-            <a:endParaRPr lang="en-US" altLang="zh-CN" dirty="0" smtClean="0"/>
-          </a:p>
-          <a:p>
-            <a:r>
-              <a:rPr lang="zh-CN" altLang="en-US" dirty="0" smtClean="0"/>
+              <a:rPr lang="zh-CN" altLang="en-US" dirty="0"/>
+              <a:t>实现数控振荡器的方法是直接数字综合法，完全去除了模拟器件。</a:t>
+            </a:r>
+            <a:endParaRPr lang="en-US" altLang="zh-CN" dirty="0"/>
+          </a:p>
+          <a:p>
+            <a:r>
+              <a:rPr lang="zh-CN" altLang="en-US" dirty="0"/>
               <a:t>包括相位的累加器，相位到正弦值得转换器和数模转换器。</a:t>
             </a:r>
-            <a:endParaRPr lang="en-US" altLang="zh-CN" dirty="0" smtClean="0"/>
-          </a:p>
-          <a:p>
-            <a:r>
-              <a:rPr lang="zh-CN" altLang="en-US" dirty="0" smtClean="0"/>
-              <a:t>分别对比锁相环、数字锁相环，直接数字综合在频率分辨率等性能上有不可比拟的优势。目前在最高频率和杂散性能上率逊于数字锁相环技术，但是未来有希望超越锁相环。</a:t>
-            </a:r>
-            <a:endParaRPr lang="en-US" altLang="zh-CN" dirty="0" smtClean="0"/>
+            <a:endParaRPr lang="en-US" altLang="zh-CN" dirty="0"/>
+          </a:p>
+          <a:p>
+            <a:r>
+              <a:rPr lang="zh-CN" altLang="en-US" dirty="0"/>
+              <a:t>分别对比锁相环、数字锁相环，直接数字综合在频率分辨率等性能上有不可比拟的优势。</a:t>
+            </a:r>
+            <a:endParaRPr lang="en-US" altLang="zh-CN" dirty="0"/>
+          </a:p>
+          <a:p>
+            <a:r>
+              <a:rPr lang="zh-CN" altLang="en-US" dirty="0"/>
+              <a:t>目前在最高频率和杂散性能上率逊于数字锁相环技术，但是未来有希望超越锁相环。</a:t>
+            </a:r>
+            <a:endParaRPr lang="en-US" altLang="zh-CN" dirty="0"/>
           </a:p>
           <a:p>
             <a:endParaRPr lang="zh-CN" altLang="en-US" dirty="0"/>
@@ -1962,70 +1968,69 @@
           <a:lstStyle/>
           <a:p>
             <a:r>
-              <a:rPr lang="zh-CN" altLang="en-US" dirty="0" smtClean="0"/>
+              <a:rPr lang="zh-CN" altLang="en-US" dirty="0"/>
               <a:t>首先</a:t>
             </a:r>
-            <a:endParaRPr lang="en-US" altLang="zh-CN" dirty="0" smtClean="0"/>
-          </a:p>
-          <a:p>
-            <a:r>
-              <a:rPr lang="zh-CN" altLang="en-US" dirty="0" smtClean="0"/>
+            <a:endParaRPr lang="en-US" altLang="zh-CN" dirty="0"/>
+          </a:p>
+          <a:p>
+            <a:r>
+              <a:rPr lang="zh-CN" altLang="en-US" dirty="0"/>
               <a:t>我的毕业设计目标分成三部分：</a:t>
             </a:r>
-            <a:endParaRPr lang="en-US" altLang="zh-CN" dirty="0" smtClean="0"/>
-          </a:p>
-          <a:p>
-            <a:r>
-              <a:rPr lang="zh-CN" altLang="en-US" dirty="0" smtClean="0"/>
+            <a:endParaRPr lang="en-US" altLang="zh-CN" dirty="0"/>
+          </a:p>
+          <a:p>
+            <a:r>
+              <a:rPr lang="zh-CN" altLang="en-US" dirty="0"/>
               <a:t>第一点是设计电路结构和编写关键模块的</a:t>
             </a:r>
             <a:r>
-              <a:rPr lang="en-US" altLang="zh-CN" dirty="0" err="1" smtClean="0"/>
+              <a:rPr lang="en-US" altLang="zh-CN" dirty="0" err="1"/>
               <a:t>verilog</a:t>
             </a:r>
             <a:r>
-              <a:rPr lang="zh-CN" altLang="en-US" dirty="0" smtClean="0"/>
+              <a:rPr lang="zh-CN" altLang="en-US" dirty="0"/>
               <a:t>代码，主要工作是设计高速低功耗的相位累加器和混合方案的相位幅度转换器。</a:t>
             </a:r>
-            <a:endParaRPr lang="en-US" altLang="zh-CN" dirty="0" smtClean="0"/>
-          </a:p>
-          <a:p>
-            <a:r>
-              <a:rPr lang="zh-CN" altLang="en-US" dirty="0" smtClean="0"/>
+            <a:endParaRPr lang="en-US" altLang="zh-CN" dirty="0"/>
+          </a:p>
+          <a:p>
+            <a:r>
+              <a:rPr lang="zh-CN" altLang="en-US" dirty="0"/>
               <a:t>第二目标是进行电路的仿真、综合、分析，熟悉使用前端、后端设计仿真工具，在前后端过程中思考改进方案。一方面是根据仿真结果指导电路方案，同事还锻炼了自己的电路设计的经验。</a:t>
             </a:r>
-            <a:endParaRPr lang="en-US" altLang="zh-CN" dirty="0" smtClean="0"/>
-          </a:p>
-          <a:p>
-            <a:r>
-              <a:rPr lang="zh-CN" altLang="en-US" dirty="0" smtClean="0"/>
+            <a:endParaRPr lang="en-US" altLang="zh-CN" dirty="0"/>
+          </a:p>
+          <a:p>
+            <a:r>
+              <a:rPr lang="zh-CN" altLang="en-US" dirty="0"/>
               <a:t>最后是实际达成的指标，希望在仿真中做到频率分辨率数量级为</a:t>
             </a:r>
             <a:r>
-              <a:rPr lang="en-US" altLang="zh-CN" dirty="0" err="1" smtClean="0"/>
+              <a:rPr lang="en-US" altLang="zh-CN" dirty="0" err="1"/>
               <a:t>subHz</a:t>
             </a:r>
             <a:r>
-              <a:rPr lang="zh-CN" altLang="en-US" dirty="0" smtClean="0"/>
+              <a:rPr lang="zh-CN" altLang="en-US" dirty="0"/>
               <a:t>，时钟频率达到</a:t>
             </a:r>
             <a:r>
-              <a:rPr lang="en-US" altLang="zh-CN" dirty="0" smtClean="0"/>
+              <a:rPr lang="en-US" altLang="zh-CN" dirty="0"/>
               <a:t>1GHz</a:t>
             </a:r>
             <a:r>
-              <a:rPr lang="zh-CN" altLang="en-US" dirty="0" smtClean="0"/>
+              <a:rPr lang="zh-CN" altLang="en-US" dirty="0"/>
               <a:t>，最大杂散分量在</a:t>
             </a:r>
             <a:r>
-              <a:rPr lang="en-US" altLang="zh-CN" dirty="0" smtClean="0"/>
+              <a:rPr lang="en-US" altLang="zh-CN" dirty="0"/>
               <a:t>50dBc</a:t>
             </a:r>
             <a:r>
-              <a:rPr lang="zh-CN" altLang="en-US" dirty="0" smtClean="0"/>
+              <a:rPr lang="zh-CN" altLang="en-US" dirty="0"/>
               <a:t>以上。</a:t>
             </a:r>
-            <a:endParaRPr lang="zh-CN" altLang="en-US" dirty="0"/>
           </a:p>
         </p:txBody>
       </p:sp>
@@ -2119,18 +2124,18 @@
               <a:buNone/>
             </a:pPr>
             <a:r>
-              <a:rPr lang="zh-CN" altLang="en-US" dirty="0" smtClean="0"/>
+              <a:rPr lang="zh-CN" altLang="en-US" dirty="0"/>
               <a:t>影响</a:t>
             </a:r>
             <a:r>
-              <a:rPr lang="en-US" altLang="zh-CN" dirty="0" smtClean="0"/>
+              <a:rPr lang="en-US" altLang="zh-CN" dirty="0"/>
               <a:t>NCO</a:t>
             </a:r>
             <a:r>
-              <a:rPr lang="zh-CN" altLang="en-US" dirty="0" smtClean="0"/>
+              <a:rPr lang="zh-CN" altLang="en-US" dirty="0"/>
               <a:t>频率和杂散性能的主要是时钟、存储器和数模转换器</a:t>
             </a:r>
-            <a:endParaRPr lang="en-US" altLang="zh-CN" dirty="0" smtClean="0"/>
+            <a:endParaRPr lang="en-US" altLang="zh-CN" dirty="0"/>
           </a:p>
           <a:p>
             <a:pPr marL="342900" lvl="1" indent="0">
@@ -2143,31 +2148,31 @@
               <a:buNone/>
             </a:pPr>
             <a:r>
-              <a:rPr lang="zh-CN" altLang="en-US" dirty="0" smtClean="0"/>
+              <a:rPr lang="zh-CN" altLang="en-US" dirty="0"/>
               <a:t>使用</a:t>
             </a:r>
             <a:r>
-              <a:rPr lang="en-US" altLang="zh-CN" dirty="0" smtClean="0"/>
+              <a:rPr lang="en-US" altLang="zh-CN" dirty="0"/>
               <a:t>CMOS</a:t>
             </a:r>
             <a:r>
-              <a:rPr lang="zh-CN" altLang="en-US" dirty="0" smtClean="0"/>
-              <a:t>工艺在片上实现</a:t>
-            </a:r>
-            <a:r>
-              <a:rPr lang="en-US" altLang="zh-CN" dirty="0" smtClean="0"/>
+              <a:rPr lang="zh-CN" altLang="en-US" dirty="0"/>
+              <a:t>工艺下在片上实现</a:t>
+            </a:r>
+            <a:r>
+              <a:rPr lang="en-US" altLang="zh-CN" dirty="0"/>
               <a:t>10GHz</a:t>
             </a:r>
             <a:r>
-              <a:rPr lang="zh-CN" altLang="en-US" dirty="0" smtClean="0"/>
-              <a:t>以上的且稳定的时钟仍相当困难；</a:t>
-            </a:r>
-            <a:r>
-              <a:rPr lang="en-US" altLang="zh-CN" dirty="0" smtClean="0"/>
+              <a:rPr lang="zh-CN" altLang="en-US" dirty="0"/>
+              <a:t>以上的且稳定的时钟仍比较困难；</a:t>
+            </a:r>
+            <a:r>
+              <a:rPr lang="en-US" altLang="zh-CN" dirty="0"/>
               <a:t>DAC</a:t>
             </a:r>
             <a:r>
-              <a:rPr lang="zh-CN" altLang="en-US" dirty="0" smtClean="0"/>
+              <a:rPr lang="zh-CN" altLang="en-US" dirty="0"/>
               <a:t>采样率同样制约</a:t>
             </a:r>
             <a:r>
@@ -2184,13 +2189,9 @@
             </a:r>
             <a:r>
               <a:rPr lang="zh-CN" altLang="en-US" dirty="0"/>
-              <a:t>以上超高速综合</a:t>
-            </a:r>
-            <a:r>
-              <a:rPr lang="zh-CN" altLang="en-US" dirty="0" smtClean="0"/>
-              <a:t>器</a:t>
-            </a:r>
-            <a:endParaRPr lang="en-US" altLang="zh-CN" dirty="0" smtClean="0"/>
+              <a:t>以上超高速综合器</a:t>
+            </a:r>
+            <a:endParaRPr lang="en-US" altLang="zh-CN" dirty="0"/>
           </a:p>
           <a:p>
             <a:pPr marL="342900" lvl="1" indent="0">
@@ -2203,27 +2204,27 @@
               <a:buNone/>
             </a:pPr>
             <a:r>
-              <a:rPr lang="zh-CN" altLang="en-US" dirty="0" smtClean="0"/>
+              <a:rPr lang="zh-CN" altLang="en-US" dirty="0"/>
               <a:t>存储器的限制最主要，利用</a:t>
             </a:r>
             <a:r>
-              <a:rPr lang="en-US" altLang="zh-CN" dirty="0" smtClean="0"/>
+              <a:rPr lang="en-US" altLang="zh-CN" dirty="0"/>
               <a:t>memory compiler </a:t>
             </a:r>
             <a:r>
-              <a:rPr lang="zh-CN" altLang="en-US" dirty="0" smtClean="0"/>
+              <a:rPr lang="zh-CN" altLang="en-US" dirty="0"/>
               <a:t>工具以</a:t>
             </a:r>
             <a:r>
-              <a:rPr lang="en-US" altLang="zh-CN" dirty="0" smtClean="0"/>
+              <a:rPr lang="en-US" altLang="zh-CN" dirty="0"/>
               <a:t>65 nm</a:t>
             </a:r>
             <a:r>
-              <a:rPr lang="zh-CN" altLang="en-US" dirty="0" smtClean="0"/>
+              <a:rPr lang="zh-CN" altLang="en-US" dirty="0"/>
               <a:t>工艺生成的的存储器，访存速度上限约为</a:t>
             </a:r>
             <a:r>
-              <a:rPr lang="en-US" altLang="zh-CN" dirty="0" smtClean="0"/>
+              <a:rPr lang="en-US" altLang="zh-CN" dirty="0"/>
               <a:t>1 GHz</a:t>
             </a:r>
           </a:p>
@@ -2238,10 +2239,10 @@
               <a:buNone/>
             </a:pPr>
             <a:r>
-              <a:rPr lang="zh-CN" altLang="en-US" dirty="0" smtClean="0"/>
+              <a:rPr lang="zh-CN" altLang="en-US" dirty="0"/>
               <a:t>解决该局限，学术界主要有三个方向：</a:t>
             </a:r>
-            <a:endParaRPr lang="en-US" altLang="zh-CN" dirty="0" smtClean="0"/>
+            <a:endParaRPr lang="en-US" altLang="zh-CN" dirty="0"/>
           </a:p>
           <a:p>
             <a:pPr marL="342900" lvl="1" indent="0">
@@ -2254,10 +2255,10 @@
               <a:buNone/>
             </a:pPr>
             <a:r>
-              <a:rPr lang="zh-CN" altLang="en-US" dirty="0" smtClean="0"/>
-              <a:t>压缩算法（利用更少的存储量，达到接近的杂散性能，从而提高频率）</a:t>
-            </a:r>
-            <a:endParaRPr lang="en-US" altLang="zh-CN" dirty="0" smtClean="0"/>
+              <a:rPr lang="zh-CN" altLang="en-US" dirty="0"/>
+              <a:t>查找表压缩（利用更少的存储量，达到接近的杂散性能，从而提高频率）</a:t>
+            </a:r>
+            <a:endParaRPr lang="en-US" altLang="zh-CN" dirty="0"/>
           </a:p>
           <a:p>
             <a:pPr marL="342900" lvl="1" indent="0">
@@ -2270,18 +2271,18 @@
               <a:buNone/>
             </a:pPr>
             <a:r>
-              <a:rPr lang="zh-CN" altLang="en-US" dirty="0" smtClean="0"/>
+              <a:rPr lang="zh-CN" altLang="en-US" dirty="0"/>
               <a:t>矩阵旋转法（通过矩阵旋转电路实现正弦函数，没有存储器</a:t>
             </a:r>
             <a:r>
-              <a:rPr lang="en-US" altLang="zh-CN" dirty="0" smtClean="0"/>
+              <a:rPr lang="en-US" altLang="zh-CN" dirty="0"/>
               <a:t>,</a:t>
             </a:r>
             <a:r>
-              <a:rPr lang="zh-CN" altLang="en-US" dirty="0" smtClean="0"/>
-              <a:t>解决了存储器瓶颈，但是引入矩阵旋转电路的问题）</a:t>
-            </a:r>
-            <a:endParaRPr lang="en-US" altLang="zh-CN" dirty="0" smtClean="0"/>
+              <a:rPr lang="zh-CN" altLang="en-US" dirty="0"/>
+              <a:t>但引入了新的问题）</a:t>
+            </a:r>
+            <a:endParaRPr lang="en-US" altLang="zh-CN" dirty="0"/>
           </a:p>
           <a:p>
             <a:pPr marL="342900" lvl="1" indent="0">
@@ -2294,24 +2295,24 @@
               <a:buNone/>
             </a:pPr>
             <a:r>
-              <a:rPr lang="zh-CN" altLang="en-US" dirty="0" smtClean="0"/>
+              <a:rPr lang="zh-CN" altLang="en-US" dirty="0"/>
               <a:t>非线性</a:t>
             </a:r>
             <a:r>
-              <a:rPr lang="en-US" altLang="zh-CN" dirty="0" smtClean="0"/>
+              <a:rPr lang="en-US" altLang="zh-CN" dirty="0"/>
               <a:t>DAC</a:t>
             </a:r>
             <a:r>
-              <a:rPr lang="zh-CN" altLang="en-US" dirty="0" smtClean="0"/>
-              <a:t>（通过非线性</a:t>
-            </a:r>
-            <a:r>
-              <a:rPr lang="en-US" altLang="zh-CN" dirty="0" smtClean="0"/>
+              <a:rPr lang="zh-CN" altLang="en-US" dirty="0"/>
+              <a:t>（</a:t>
+            </a:r>
+            <a:r>
+              <a:rPr lang="en-US" altLang="zh-CN" dirty="0"/>
               <a:t>DAC</a:t>
             </a:r>
             <a:r>
-              <a:rPr lang="zh-CN" altLang="en-US" dirty="0" smtClean="0"/>
-              <a:t>，直接实现相位到正弦值的映射）</a:t>
+              <a:rPr lang="zh-CN" altLang="en-US" dirty="0"/>
+              <a:t>内部直接实现相位到正弦值的映射，是一个数字地址输入模拟信号输出的查找表）</a:t>
             </a:r>
             <a:endParaRPr lang="en-US" altLang="zh-CN" dirty="0"/>
           </a:p>
@@ -2401,18 +2402,17 @@
           <a:lstStyle/>
           <a:p>
             <a:r>
-              <a:rPr lang="zh-CN" altLang="en-US" dirty="0" smtClean="0"/>
+              <a:rPr lang="zh-CN" altLang="en-US" dirty="0"/>
               <a:t>我选了</a:t>
             </a:r>
             <a:r>
-              <a:rPr lang="en-US" altLang="zh-CN" dirty="0" smtClean="0"/>
+              <a:rPr lang="en-US" altLang="zh-CN" dirty="0"/>
               <a:t>3</a:t>
             </a:r>
             <a:r>
-              <a:rPr lang="zh-CN" altLang="en-US" dirty="0" smtClean="0"/>
+              <a:rPr lang="zh-CN" altLang="en-US" dirty="0"/>
               <a:t>篇近年的文献，分别使用查找表压缩、矩阵旋转法和非线性数模转换器</a:t>
             </a:r>
-            <a:endParaRPr lang="zh-CN" altLang="en-US" dirty="0"/>
           </a:p>
         </p:txBody>
       </p:sp>
@@ -2508,18 +2508,18 @@
           </a:p>
           <a:p>
             <a:r>
-              <a:rPr lang="zh-CN" altLang="en-US" dirty="0" smtClean="0"/>
+              <a:rPr lang="zh-CN" altLang="en-US" dirty="0"/>
               <a:t>传统的</a:t>
             </a:r>
             <a:r>
-              <a:rPr lang="en-US" altLang="zh-CN" dirty="0" smtClean="0"/>
+              <a:rPr lang="en-US" altLang="zh-CN" dirty="0"/>
               <a:t>DDS</a:t>
             </a:r>
             <a:r>
-              <a:rPr lang="zh-CN" altLang="en-US" dirty="0" smtClean="0"/>
+              <a:rPr lang="zh-CN" altLang="en-US" dirty="0"/>
               <a:t>结构受到存储器限制，通过压缩，使用更小的存储器实现更快的速度</a:t>
             </a:r>
-            <a:endParaRPr lang="en-US" altLang="zh-CN" dirty="0" smtClean="0"/>
+            <a:endParaRPr lang="en-US" altLang="zh-CN" dirty="0"/>
           </a:p>
           <a:p>
             <a:pPr marL="0" marR="0" indent="0" algn="l" defTabSz="914400" rtl="0" eaLnBrk="1" fontAlgn="auto" latinLnBrk="0" hangingPunct="1">
@@ -2540,19 +2540,19 @@
               <a:defRPr/>
             </a:pPr>
             <a:r>
-              <a:rPr lang="zh-CN" altLang="en-US" dirty="0" smtClean="0"/>
+              <a:rPr lang="zh-CN" altLang="en-US" dirty="0"/>
               <a:t>以往的压缩方法是在（</a:t>
             </a:r>
             <a:r>
-              <a:rPr lang="en-US" altLang="zh-CN" dirty="0" smtClean="0"/>
+              <a:rPr lang="en-US" altLang="zh-CN" dirty="0"/>
               <a:t>0,1/2pi</a:t>
             </a:r>
             <a:r>
-              <a:rPr lang="zh-CN" altLang="en-US" dirty="0" smtClean="0"/>
+              <a:rPr lang="zh-CN" altLang="en-US" dirty="0"/>
               <a:t>）空间上进行了均匀分段的线性拟合，文献一的主要贡献是进行了非均匀分段。和均匀分段相比，引入噪声水平相当时容量可减小</a:t>
             </a:r>
             <a:r>
-              <a:rPr lang="en-US" altLang="zh-CN" dirty="0" smtClean="0"/>
+              <a:rPr lang="en-US" altLang="zh-CN" dirty="0"/>
               <a:t>40%</a:t>
             </a:r>
           </a:p>
@@ -2575,30 +2575,30 @@
               <a:defRPr/>
             </a:pPr>
             <a:r>
-              <a:rPr lang="en-US" altLang="zh-CN" dirty="0" smtClean="0"/>
+              <a:rPr lang="en-US" altLang="zh-CN" dirty="0"/>
               <a:t>Basic</a:t>
             </a:r>
             <a:r>
-              <a:rPr lang="zh-CN" altLang="en-US" dirty="0" smtClean="0"/>
+              <a:rPr lang="zh-CN" altLang="en-US" dirty="0"/>
               <a:t>的</a:t>
             </a:r>
             <a:r>
-              <a:rPr lang="en-US" altLang="zh-CN" dirty="0" err="1" smtClean="0"/>
+              <a:rPr lang="en-US" altLang="zh-CN" dirty="0" err="1"/>
               <a:t>cordic</a:t>
             </a:r>
             <a:r>
-              <a:rPr lang="zh-CN" altLang="en-US" dirty="0" smtClean="0"/>
+              <a:rPr lang="zh-CN" altLang="en-US" dirty="0"/>
               <a:t>算法存在流水级数过长的问题，文献二的主要工作是通过</a:t>
             </a:r>
             <a:r>
-              <a:rPr lang="en-US" altLang="zh-CN" dirty="0" smtClean="0"/>
+              <a:rPr lang="en-US" altLang="zh-CN" dirty="0"/>
               <a:t>excess-four</a:t>
             </a:r>
             <a:r>
-              <a:rPr lang="zh-CN" altLang="en-US" dirty="0" smtClean="0"/>
+              <a:rPr lang="zh-CN" altLang="en-US" dirty="0"/>
               <a:t>电路减小了了矩阵旋转法的切换延时</a:t>
             </a:r>
-            <a:endParaRPr lang="en-US" altLang="zh-CN" dirty="0" smtClean="0"/>
+            <a:endParaRPr lang="en-US" altLang="zh-CN" dirty="0"/>
           </a:p>
           <a:p>
             <a:pPr marL="0" marR="0" indent="0" algn="l" defTabSz="914400" rtl="0" eaLnBrk="1" fontAlgn="auto" latinLnBrk="0" hangingPunct="1">
@@ -2619,18 +2619,17 @@
               <a:defRPr/>
             </a:pPr>
             <a:r>
-              <a:rPr lang="zh-CN" altLang="en-US" dirty="0" smtClean="0"/>
+              <a:rPr lang="zh-CN" altLang="en-US" dirty="0"/>
               <a:t>文献三使用的是非线性</a:t>
             </a:r>
             <a:r>
-              <a:rPr lang="en-US" altLang="zh-CN" dirty="0" smtClean="0"/>
+              <a:rPr lang="en-US" altLang="zh-CN" dirty="0"/>
               <a:t>DAC</a:t>
             </a:r>
             <a:r>
-              <a:rPr lang="zh-CN" altLang="en-US" dirty="0" smtClean="0"/>
+              <a:rPr lang="zh-CN" altLang="en-US" dirty="0"/>
               <a:t>，提出了更优的电路方案，论文中显示的时钟频率和杂散性能都达到近年来最高水平</a:t>
             </a:r>
-            <a:endParaRPr lang="zh-CN" altLang="en-US" dirty="0"/>
           </a:p>
         </p:txBody>
       </p:sp>
@@ -13260,18 +13259,13 @@
           <a:lstStyle/>
           <a:p>
             <a:r>
-              <a:rPr lang="en-US" altLang="zh-CN" sz="1050" dirty="0" smtClean="0">
+              <a:rPr lang="en-US" altLang="zh-CN" sz="1050" dirty="0">
                 <a:solidFill>
                   <a:srgbClr val="000000"/>
                 </a:solidFill>
               </a:rPr>
               <a:t>1/13</a:t>
             </a:r>
-            <a:endParaRPr lang="en-US" altLang="zh-CN" sz="1050" dirty="0">
-              <a:solidFill>
-                <a:srgbClr val="000000"/>
-              </a:solidFill>
-            </a:endParaRPr>
           </a:p>
         </p:txBody>
       </p:sp>
@@ -13285,13 +13279,6 @@
   <p:clrMapOvr>
     <a:masterClrMapping/>
   </p:clrMapOvr>
-  <p:timing>
-    <p:tnLst>
-      <p:par>
-        <p:cTn id="1" dur="indefinite" restart="never" nodeType="tmRoot"/>
-      </p:par>
-    </p:tnLst>
-  </p:timing>
 </p:sld>
 </file>
 
@@ -13383,13 +13370,9 @@
             </a:r>
             <a:r>
               <a:rPr lang="zh-CN" altLang="en-US" dirty="0"/>
-              <a:t>，存在不同的</a:t>
-            </a:r>
-            <a:r>
-              <a:rPr lang="zh-CN" altLang="en-US" dirty="0" smtClean="0"/>
-              <a:t>特点：</a:t>
-            </a:r>
-            <a:endParaRPr lang="en-US" altLang="zh-CN" dirty="0" smtClean="0"/>
+              <a:t>，存在不同的特点：</a:t>
+            </a:r>
+            <a:endParaRPr lang="en-US" altLang="zh-CN" dirty="0"/>
           </a:p>
           <a:p>
             <a:pPr marL="0" indent="0">
@@ -13413,19 +13396,7 @@
               </a:spcAft>
               <a:buNone/>
             </a:pPr>
-            <a:endParaRPr lang="en-US" altLang="zh-CN" dirty="0" smtClean="0"/>
-          </a:p>
-          <a:p>
-            <a:pPr marL="0" indent="0">
-              <a:spcBef>
-                <a:spcPts val="600"/>
-              </a:spcBef>
-              <a:spcAft>
-                <a:spcPts val="1200"/>
-              </a:spcAft>
-              <a:buNone/>
-            </a:pPr>
-            <a:endParaRPr lang="en-US" altLang="zh-CN" dirty="0" smtClean="0"/>
+            <a:endParaRPr lang="en-US" altLang="zh-CN" dirty="0"/>
           </a:p>
           <a:p>
             <a:pPr marL="0" indent="0">
@@ -13449,7 +13420,19 @@
               </a:spcAft>
               <a:buNone/>
             </a:pPr>
-            <a:endParaRPr lang="en-US" altLang="zh-CN" dirty="0" smtClean="0"/>
+            <a:endParaRPr lang="en-US" altLang="zh-CN" dirty="0"/>
+          </a:p>
+          <a:p>
+            <a:pPr marL="0" indent="0">
+              <a:spcBef>
+                <a:spcPts val="600"/>
+              </a:spcBef>
+              <a:spcAft>
+                <a:spcPts val="1200"/>
+              </a:spcAft>
+              <a:buNone/>
+            </a:pPr>
+            <a:endParaRPr lang="en-US" altLang="zh-CN" dirty="0"/>
           </a:p>
           <a:p>
             <a:pPr>
@@ -13461,16 +13444,8 @@
               </a:spcAft>
             </a:pPr>
             <a:r>
-              <a:rPr lang="zh-CN" altLang="en-US" dirty="0" smtClean="0"/>
-              <a:t>三</a:t>
-            </a:r>
-            <a:r>
               <a:rPr lang="zh-CN" altLang="en-US" dirty="0"/>
-              <a:t>种优化方法的</a:t>
-            </a:r>
-            <a:r>
-              <a:rPr lang="zh-CN" altLang="en-US" dirty="0" smtClean="0"/>
-              <a:t>融合的趋势：</a:t>
+              <a:t>三种优化方法的融合的趋势：</a:t>
             </a:r>
             <a:endParaRPr lang="en-US" altLang="zh-CN" dirty="0"/>
           </a:p>
@@ -13485,15 +13460,7 @@
             </a:pPr>
             <a:r>
               <a:rPr lang="zh-CN" altLang="en-US" sz="2000" dirty="0"/>
-              <a:t>查找表和</a:t>
-            </a:r>
-            <a:r>
-              <a:rPr lang="en-US" altLang="zh-CN" sz="2000" dirty="0"/>
-              <a:t>CORDIC</a:t>
-            </a:r>
-            <a:r>
-              <a:rPr lang="zh-CN" altLang="en-US" sz="2000" dirty="0"/>
-              <a:t>算法结合</a:t>
+              <a:t>存储器和矩阵旋转电路结合</a:t>
             </a:r>
             <a:endParaRPr lang="en-US" altLang="zh-CN" sz="2000" dirty="0"/>
           </a:p>
@@ -13507,7 +13474,7 @@
               </a:spcAft>
             </a:pPr>
             <a:r>
-              <a:rPr lang="zh-CN" altLang="en-US" sz="2000" dirty="0" smtClean="0"/>
+              <a:rPr lang="zh-CN" altLang="en-US" sz="2000" dirty="0"/>
               <a:t>非线性</a:t>
             </a:r>
             <a:r>
@@ -13515,12 +13482,8 @@
               <a:t>DAC</a:t>
             </a:r>
             <a:r>
-              <a:rPr lang="zh-CN" altLang="en-US" sz="2000" dirty="0" smtClean="0"/>
-              <a:t>设计中，同样引入</a:t>
-            </a:r>
-            <a:r>
               <a:rPr lang="zh-CN" altLang="en-US" sz="2000" dirty="0"/>
-              <a:t>压缩优化方法</a:t>
+              <a:t>设计中，同样引入压缩优化方法</a:t>
             </a:r>
             <a:endParaRPr lang="en-US" altLang="zh-CN" sz="2000" dirty="0"/>
           </a:p>
@@ -13542,18 +13505,13 @@
           <a:lstStyle/>
           <a:p>
             <a:r>
-              <a:rPr lang="en-US" altLang="zh-CN" dirty="0" smtClean="0">
+              <a:rPr lang="en-US" altLang="zh-CN" dirty="0">
                 <a:solidFill>
                   <a:srgbClr val="000000"/>
                 </a:solidFill>
               </a:rPr>
               <a:t>10/13</a:t>
             </a:r>
-            <a:endParaRPr lang="en-US" altLang="zh-CN" dirty="0">
-              <a:solidFill>
-                <a:srgbClr val="000000"/>
-              </a:solidFill>
-            </a:endParaRPr>
           </a:p>
         </p:txBody>
       </p:sp>
@@ -13687,17 +13645,9 @@
                     <a:schemeClr val="tx1"/>
                   </a:solidFill>
                 </a:rPr>
-                <a:t>压缩</a:t>
+                <a:t>压缩法：</a:t>
               </a:r>
-              <a:r>
-                <a:rPr lang="zh-CN" altLang="en-US" b="1" dirty="0" smtClean="0">
-                  <a:solidFill>
-                    <a:schemeClr val="tx1"/>
-                  </a:solidFill>
-                </a:rPr>
-                <a:t>法：</a:t>
-              </a:r>
-              <a:endParaRPr lang="en-US" altLang="zh-CN" b="1" dirty="0" smtClean="0">
+              <a:endParaRPr lang="en-US" altLang="zh-CN" b="1" dirty="0">
                 <a:solidFill>
                   <a:schemeClr val="tx1"/>
                 </a:solidFill>
@@ -13706,14 +13656,14 @@
             <a:p>
               <a:pPr algn="ctr"/>
               <a:r>
-                <a:rPr lang="zh-CN" altLang="en-US" sz="1600" dirty="0" smtClean="0">
+                <a:rPr lang="zh-CN" altLang="en-US" sz="1600" dirty="0">
                   <a:solidFill>
                     <a:schemeClr val="tx1"/>
                   </a:solidFill>
                 </a:rPr>
                 <a:t>优点：电路改动小</a:t>
               </a:r>
-              <a:endParaRPr lang="en-US" altLang="zh-CN" sz="1600" dirty="0" smtClean="0">
+              <a:endParaRPr lang="en-US" altLang="zh-CN" sz="1600" dirty="0">
                 <a:solidFill>
                   <a:schemeClr val="tx1"/>
                 </a:solidFill>
@@ -13722,18 +13672,13 @@
             <a:p>
               <a:pPr algn="ctr"/>
               <a:r>
-                <a:rPr lang="zh-CN" altLang="en-US" sz="1600" dirty="0" smtClean="0">
+                <a:rPr lang="zh-CN" altLang="en-US" sz="1600" dirty="0">
                   <a:solidFill>
                     <a:schemeClr val="tx1"/>
                   </a:solidFill>
                 </a:rPr>
                 <a:t>缺点：提升空间小</a:t>
               </a:r>
-              <a:endParaRPr lang="zh-CN" altLang="en-US" sz="1600" dirty="0">
-                <a:solidFill>
-                  <a:schemeClr val="tx1"/>
-                </a:solidFill>
-              </a:endParaRPr>
             </a:p>
           </p:txBody>
         </p:sp>
@@ -13794,17 +13739,9 @@
                     <a:schemeClr val="tx1"/>
                   </a:solidFill>
                 </a:rPr>
-                <a:t>矩阵</a:t>
+                <a:t>矩阵旋转法：</a:t>
               </a:r>
-              <a:r>
-                <a:rPr lang="zh-CN" altLang="en-US" b="1" dirty="0" smtClean="0">
-                  <a:solidFill>
-                    <a:schemeClr val="tx1"/>
-                  </a:solidFill>
-                </a:rPr>
-                <a:t>旋转法：</a:t>
-              </a:r>
-              <a:endParaRPr lang="en-US" altLang="zh-CN" b="1" dirty="0" smtClean="0">
+              <a:endParaRPr lang="en-US" altLang="zh-CN" b="1" dirty="0">
                 <a:solidFill>
                   <a:schemeClr val="tx1"/>
                 </a:solidFill>
@@ -13813,14 +13750,14 @@
             <a:p>
               <a:pPr algn="ctr"/>
               <a:r>
-                <a:rPr lang="zh-CN" altLang="en-US" sz="1600" dirty="0" smtClean="0">
+                <a:rPr lang="zh-CN" altLang="en-US" sz="1600" dirty="0">
                   <a:solidFill>
                     <a:schemeClr val="tx1"/>
                   </a:solidFill>
                 </a:rPr>
                 <a:t>优点：不需要存储器，杂散性能好</a:t>
               </a:r>
-              <a:endParaRPr lang="en-US" altLang="zh-CN" sz="1600" dirty="0" smtClean="0">
+              <a:endParaRPr lang="en-US" altLang="zh-CN" sz="1600" dirty="0">
                 <a:solidFill>
                   <a:schemeClr val="tx1"/>
                 </a:solidFill>
@@ -13829,18 +13766,13 @@
             <a:p>
               <a:pPr algn="ctr"/>
               <a:r>
-                <a:rPr lang="zh-CN" altLang="en-US" sz="1600" dirty="0" smtClean="0">
+                <a:rPr lang="zh-CN" altLang="en-US" sz="1600" dirty="0">
                   <a:solidFill>
                     <a:schemeClr val="tx1"/>
                   </a:solidFill>
                 </a:rPr>
                 <a:t>缺点：占用资源过多，切换延时大</a:t>
               </a:r>
-              <a:endParaRPr lang="zh-CN" altLang="en-US" sz="1600" dirty="0">
-                <a:solidFill>
-                  <a:schemeClr val="tx1"/>
-                </a:solidFill>
-              </a:endParaRPr>
             </a:p>
           </p:txBody>
         </p:sp>
@@ -13893,7 +13825,7 @@
                 </a:spcAft>
               </a:pPr>
               <a:r>
-                <a:rPr lang="zh-CN" altLang="en-US" b="1" dirty="0" smtClean="0">
+                <a:rPr lang="zh-CN" altLang="en-US" b="1" dirty="0">
                   <a:solidFill>
                     <a:schemeClr val="tx1"/>
                   </a:solidFill>
@@ -13901,7 +13833,7 @@
                 <a:t>非线性</a:t>
               </a:r>
               <a:r>
-                <a:rPr lang="en-US" altLang="zh-CN" b="1" dirty="0" smtClean="0">
+                <a:rPr lang="en-US" altLang="zh-CN" b="1" dirty="0">
                   <a:solidFill>
                     <a:schemeClr val="tx1"/>
                   </a:solidFill>
@@ -13909,14 +13841,14 @@
                 <a:t>DAC</a:t>
               </a:r>
               <a:r>
-                <a:rPr lang="zh-CN" altLang="en-US" b="1" dirty="0" smtClean="0">
+                <a:rPr lang="zh-CN" altLang="en-US" b="1" dirty="0">
                   <a:solidFill>
                     <a:schemeClr val="tx1"/>
                   </a:solidFill>
                 </a:rPr>
                 <a:t>：</a:t>
               </a:r>
-              <a:endParaRPr lang="en-US" altLang="zh-CN" b="1" dirty="0" smtClean="0">
+              <a:endParaRPr lang="en-US" altLang="zh-CN" b="1" dirty="0">
                 <a:solidFill>
                   <a:schemeClr val="tx1"/>
                 </a:solidFill>
@@ -13925,14 +13857,14 @@
             <a:p>
               <a:pPr algn="ctr"/>
               <a:r>
-                <a:rPr lang="zh-CN" altLang="en-US" sz="1600" dirty="0" smtClean="0">
+                <a:rPr lang="zh-CN" altLang="en-US" sz="1600" dirty="0">
                   <a:solidFill>
                     <a:schemeClr val="tx1"/>
                   </a:solidFill>
                 </a:rPr>
                 <a:t>优点：速度比传统结构更快</a:t>
               </a:r>
-              <a:endParaRPr lang="en-US" altLang="zh-CN" sz="1600" dirty="0" smtClean="0">
+              <a:endParaRPr lang="en-US" altLang="zh-CN" sz="1600" dirty="0">
                 <a:solidFill>
                   <a:schemeClr val="tx1"/>
                 </a:solidFill>
@@ -13941,7 +13873,7 @@
             <a:p>
               <a:pPr algn="ctr"/>
               <a:r>
-                <a:rPr lang="zh-CN" altLang="en-US" sz="1600" dirty="0" smtClean="0">
+                <a:rPr lang="zh-CN" altLang="en-US" sz="1600" dirty="0">
                   <a:solidFill>
                     <a:schemeClr val="tx1"/>
                   </a:solidFill>
@@ -13949,7 +13881,7 @@
                 <a:t>缺点：增加了</a:t>
               </a:r>
               <a:r>
-                <a:rPr lang="en-US" altLang="zh-CN" sz="1600" dirty="0" smtClean="0">
+                <a:rPr lang="en-US" altLang="zh-CN" sz="1600" dirty="0">
                   <a:solidFill>
                     <a:schemeClr val="tx1"/>
                   </a:solidFill>
@@ -13957,18 +13889,13 @@
                 <a:t>DAC</a:t>
               </a:r>
               <a:r>
-                <a:rPr lang="zh-CN" altLang="en-US" sz="1600" dirty="0" smtClean="0">
+                <a:rPr lang="zh-CN" altLang="en-US" sz="1600" dirty="0">
                   <a:solidFill>
                     <a:schemeClr val="tx1"/>
                   </a:solidFill>
                 </a:rPr>
                 <a:t>的复杂度</a:t>
               </a:r>
-              <a:endParaRPr lang="zh-CN" altLang="en-US" sz="1600" dirty="0">
-                <a:solidFill>
-                  <a:schemeClr val="tx1"/>
-                </a:solidFill>
-              </a:endParaRPr>
             </a:p>
           </p:txBody>
         </p:sp>
@@ -14014,14 +13941,15 @@
           <p:nvCxnSpPr>
             <p:cNvPr id="21" name="直接箭头连接符 20"/>
             <p:cNvCxnSpPr>
+              <a:cxnSpLocks/>
               <a:endCxn id="15" idx="0"/>
             </p:cNvCxnSpPr>
             <p:nvPr/>
           </p:nvCxnSpPr>
           <p:spPr>
             <a:xfrm>
-              <a:off x="5569527" y="3397595"/>
-              <a:ext cx="1875141" cy="370140"/>
+              <a:off x="6248400" y="3397595"/>
+              <a:ext cx="1196268" cy="370140"/>
             </a:xfrm>
             <a:prstGeom prst="straightConnector1">
               <a:avLst/>
@@ -14059,13 +13987,6 @@
   <p:clrMapOvr>
     <a:masterClrMapping/>
   </p:clrMapOvr>
-  <p:timing>
-    <p:tnLst>
-      <p:par>
-        <p:cTn id="1" dur="indefinite" restart="never" nodeType="tmRoot"/>
-      </p:par>
-    </p:tnLst>
-  </p:timing>
 </p:sld>
 </file>
 
@@ -14124,1410 +14045,2358 @@
           <a:lstStyle/>
           <a:p>
             <a:r>
-              <a:rPr lang="en-US" altLang="zh-CN" dirty="0" smtClean="0">
+              <a:rPr lang="en-US" altLang="zh-CN" dirty="0">
                 <a:solidFill>
                   <a:srgbClr val="000000"/>
                 </a:solidFill>
               </a:rPr>
               <a:t>11/13</a:t>
             </a:r>
-            <a:endParaRPr lang="en-US" altLang="zh-CN" dirty="0">
-              <a:solidFill>
-                <a:srgbClr val="000000"/>
-              </a:solidFill>
-            </a:endParaRPr>
-          </a:p>
-        </p:txBody>
-      </p:sp>
-      <p:sp>
-        <p:nvSpPr>
-          <p:cNvPr id="7" name="文本框 6"/>
-          <p:cNvSpPr txBox="1"/>
-          <p:nvPr/>
-        </p:nvSpPr>
-        <p:spPr>
-          <a:xfrm>
-            <a:off x="486063" y="846247"/>
-            <a:ext cx="8019473" cy="2939266"/>
-          </a:xfrm>
-          <a:prstGeom prst="rect">
-            <a:avLst/>
-          </a:prstGeom>
-          <a:noFill/>
-        </p:spPr>
-        <p:txBody>
-          <a:bodyPr wrap="square" rtlCol="0">
-            <a:spAutoFit/>
-          </a:bodyPr>
-          <a:lstStyle/>
-          <a:p>
-            <a:pPr marL="342900" indent="-342900">
-              <a:spcBef>
-                <a:spcPts val="600"/>
-              </a:spcBef>
-              <a:buAutoNum type="arabicPeriod"/>
-            </a:pPr>
-            <a:r>
-              <a:rPr lang="zh-CN" altLang="en-US" sz="2000" dirty="0" smtClean="0"/>
-              <a:t>在</a:t>
-            </a:r>
-            <a:r>
-              <a:rPr lang="en-US" altLang="zh-CN" sz="2000" dirty="0" err="1"/>
-              <a:t>M</a:t>
-            </a:r>
-            <a:r>
-              <a:rPr lang="en-US" altLang="zh-CN" sz="2000" dirty="0" err="1" smtClean="0"/>
-              <a:t>odelsim</a:t>
-            </a:r>
-            <a:r>
-              <a:rPr lang="zh-CN" altLang="en-US" sz="2000" dirty="0" smtClean="0"/>
-              <a:t>和</a:t>
-            </a:r>
-            <a:r>
-              <a:rPr lang="en-US" altLang="zh-CN" sz="2000" dirty="0" err="1"/>
-              <a:t>M</a:t>
-            </a:r>
-            <a:r>
-              <a:rPr lang="en-US" altLang="zh-CN" sz="2000" dirty="0" err="1" smtClean="0"/>
-              <a:t>atlab</a:t>
-            </a:r>
-            <a:r>
-              <a:rPr lang="zh-CN" altLang="en-US" sz="2000" dirty="0" smtClean="0"/>
-              <a:t>上</a:t>
-            </a:r>
-            <a:r>
-              <a:rPr lang="zh-CN" altLang="en-US" sz="2000" dirty="0" smtClean="0"/>
-              <a:t>搭建可扩展的数控</a:t>
-            </a:r>
-            <a:r>
-              <a:rPr lang="zh-CN" altLang="en-US" sz="2000" dirty="0" smtClean="0"/>
-              <a:t>振荡器</a:t>
-            </a:r>
-            <a:r>
-              <a:rPr lang="zh-CN" altLang="en-US" sz="2000" dirty="0"/>
-              <a:t>测试</a:t>
-            </a:r>
-            <a:r>
-              <a:rPr lang="zh-CN" altLang="en-US" sz="2000" dirty="0" smtClean="0"/>
-              <a:t>平台</a:t>
-            </a:r>
-            <a:endParaRPr lang="en-US" altLang="zh-CN" sz="2000" dirty="0"/>
-          </a:p>
-          <a:p>
-            <a:pPr marL="342900" indent="-342900">
-              <a:spcBef>
-                <a:spcPts val="600"/>
-              </a:spcBef>
-              <a:buFontTx/>
-              <a:buAutoNum type="arabicPeriod"/>
-            </a:pPr>
-            <a:r>
-              <a:rPr lang="zh-CN" altLang="en-US" sz="2000" dirty="0" smtClean="0"/>
-              <a:t>分析</a:t>
-            </a:r>
-            <a:r>
-              <a:rPr lang="zh-CN" altLang="en-US" sz="2000" dirty="0" smtClean="0"/>
-              <a:t>误差</a:t>
-            </a:r>
-            <a:r>
-              <a:rPr lang="zh-CN" altLang="en-US" sz="2000" dirty="0"/>
-              <a:t>来源，</a:t>
-            </a:r>
-            <a:r>
-              <a:rPr lang="zh-CN" altLang="en-US" sz="2000" dirty="0" smtClean="0"/>
-              <a:t>理论指导</a:t>
-            </a:r>
-            <a:r>
-              <a:rPr lang="zh-CN" altLang="en-US" sz="2000" dirty="0"/>
-              <a:t>振荡器</a:t>
-            </a:r>
-            <a:r>
-              <a:rPr lang="zh-CN" altLang="en-US" sz="2000" dirty="0" smtClean="0"/>
-              <a:t>设计</a:t>
-            </a:r>
-            <a:endParaRPr lang="en-US" altLang="zh-CN" sz="2000" dirty="0"/>
-          </a:p>
-          <a:p>
-            <a:pPr marL="342900" indent="-342900">
-              <a:spcBef>
-                <a:spcPts val="600"/>
-              </a:spcBef>
-              <a:buAutoNum type="arabicPeriod"/>
-            </a:pPr>
-            <a:r>
-              <a:rPr lang="zh-CN" altLang="en-US" sz="2000" dirty="0" smtClean="0"/>
-              <a:t>前端、后端仿真，保证系统实用性，同时找到</a:t>
-            </a:r>
-            <a:r>
-              <a:rPr lang="zh-CN" altLang="en-US" sz="2000" dirty="0"/>
-              <a:t>性能</a:t>
-            </a:r>
-            <a:r>
-              <a:rPr lang="zh-CN" altLang="en-US" sz="2000" dirty="0" smtClean="0"/>
-              <a:t>瓶颈</a:t>
-            </a:r>
-            <a:endParaRPr lang="en-US" altLang="zh-CN" sz="2000" dirty="0"/>
-          </a:p>
-          <a:p>
-            <a:pPr marL="342900" indent="-342900">
-              <a:spcBef>
-                <a:spcPts val="600"/>
-              </a:spcBef>
-              <a:buAutoNum type="arabicPeriod"/>
-            </a:pPr>
-            <a:r>
-              <a:rPr lang="zh-CN" altLang="en-US" sz="2000" dirty="0" smtClean="0"/>
-              <a:t>根据使用场景</a:t>
-            </a:r>
-            <a:r>
-              <a:rPr lang="zh-CN" altLang="en-US" sz="2000" dirty="0" smtClean="0"/>
-              <a:t>，参考多种改进结构，迭代式优化设计方案</a:t>
-            </a:r>
-            <a:endParaRPr lang="en-US" altLang="zh-CN" sz="2000" dirty="0" smtClean="0"/>
-          </a:p>
-          <a:p>
-            <a:pPr marL="342900" indent="-342900">
-              <a:spcBef>
-                <a:spcPts val="600"/>
-              </a:spcBef>
-              <a:buAutoNum type="arabicPeriod"/>
-            </a:pPr>
-            <a:r>
-              <a:rPr lang="zh-CN" altLang="en-US" sz="2000" dirty="0" smtClean="0"/>
-              <a:t>总结</a:t>
-            </a:r>
-            <a:r>
-              <a:rPr lang="zh-CN" altLang="en-US" sz="2000" dirty="0" smtClean="0"/>
-              <a:t>项目结果，综合测试</a:t>
-            </a:r>
-            <a:r>
-              <a:rPr lang="en-US" altLang="zh-CN" sz="2000" dirty="0" smtClean="0"/>
-              <a:t>NCO</a:t>
-            </a:r>
-            <a:r>
-              <a:rPr lang="zh-CN" altLang="en-US" sz="2000" dirty="0" smtClean="0"/>
-              <a:t>性能，完成毕业论文</a:t>
-            </a:r>
-            <a:endParaRPr lang="en-US" altLang="zh-CN" sz="2000" dirty="0"/>
-          </a:p>
-          <a:p>
-            <a:pPr marL="342900" indent="-342900">
-              <a:spcBef>
-                <a:spcPts val="600"/>
-              </a:spcBef>
-              <a:buAutoNum type="arabicPeriod"/>
-            </a:pPr>
-            <a:endParaRPr lang="en-US" altLang="zh-CN" sz="2000" dirty="0">
-              <a:ea typeface="Arial Unicode MS" pitchFamily="34" charset="-122"/>
-            </a:endParaRPr>
-          </a:p>
-          <a:p>
-            <a:pPr marL="342900" indent="-342900">
-              <a:buAutoNum type="arabicPeriod"/>
-            </a:pPr>
-            <a:endParaRPr lang="en-US" altLang="zh-CN" sz="2000" dirty="0">
-              <a:ea typeface="Arial Unicode MS" pitchFamily="34" charset="-122"/>
-            </a:endParaRPr>
-          </a:p>
-          <a:p>
-            <a:pPr marL="342900" indent="-342900">
-              <a:buAutoNum type="arabicPeriod"/>
-            </a:pPr>
-            <a:endParaRPr lang="en-US" altLang="zh-CN" sz="2000" dirty="0">
-              <a:ea typeface="Arial Unicode MS" pitchFamily="34" charset="-122"/>
-            </a:endParaRPr>
           </a:p>
         </p:txBody>
       </p:sp>
       <p:grpSp>
         <p:nvGrpSpPr>
-          <p:cNvPr id="50" name="组合 49"/>
+          <p:cNvPr id="3" name="组合 2"/>
           <p:cNvGrpSpPr/>
           <p:nvPr/>
         </p:nvGrpSpPr>
         <p:grpSpPr>
           <a:xfrm>
-            <a:off x="431800" y="2843369"/>
-            <a:ext cx="8280400" cy="3776506"/>
-            <a:chOff x="431800" y="1301023"/>
-            <a:chExt cx="8280400" cy="3776506"/>
+            <a:off x="83308" y="948943"/>
+            <a:ext cx="8986890" cy="5147059"/>
+            <a:chOff x="381883" y="2868544"/>
+            <a:chExt cx="8330317" cy="3751331"/>
           </a:xfrm>
         </p:grpSpPr>
-        <p:cxnSp>
-          <p:nvCxnSpPr>
-            <p:cNvPr id="51" name="intervalshape"/>
-            <p:cNvCxnSpPr>
-              <a:endCxn id="52" idx="3"/>
-            </p:cNvCxnSpPr>
+        <p:grpSp>
+          <p:nvGrpSpPr>
+            <p:cNvPr id="50" name="组合 49"/>
+            <p:cNvGrpSpPr/>
             <p:nvPr/>
-          </p:nvCxnSpPr>
-          <p:spPr>
+          </p:nvGrpSpPr>
+          <p:grpSpPr>
             <a:xfrm>
-              <a:off x="7710974" y="1962674"/>
-              <a:ext cx="0" cy="2877727"/>
+              <a:off x="381883" y="2868544"/>
+              <a:ext cx="8330317" cy="3751331"/>
+              <a:chOff x="381883" y="1326198"/>
+              <a:chExt cx="8330317" cy="3751331"/>
             </a:xfrm>
-            <a:prstGeom prst="line">
-              <a:avLst/>
-            </a:prstGeom>
-            <a:ln w="1270">
+          </p:grpSpPr>
+          <p:cxnSp>
+            <p:nvCxnSpPr>
+              <p:cNvPr id="51" name="intervalshape"/>
+              <p:cNvCxnSpPr>
+                <a:endCxn id="52" idx="3"/>
+              </p:cNvCxnSpPr>
+              <p:nvPr/>
+            </p:nvCxnSpPr>
+            <p:spPr>
+              <a:xfrm>
+                <a:off x="7710974" y="1962674"/>
+                <a:ext cx="0" cy="2877727"/>
+              </a:xfrm>
+              <a:prstGeom prst="line">
+                <a:avLst/>
+              </a:prstGeom>
+              <a:ln w="1270">
+                <a:solidFill>
+                  <a:srgbClr val="CCCCCC"/>
+                </a:solidFill>
+              </a:ln>
+            </p:spPr>
+            <p:style>
+              <a:lnRef idx="1">
+                <a:schemeClr val="accent1"/>
+              </a:lnRef>
+              <a:fillRef idx="0">
+                <a:schemeClr val="accent1"/>
+              </a:fillRef>
+              <a:effectRef idx="0">
+                <a:schemeClr val="accent1"/>
+              </a:effectRef>
+              <a:fontRef idx="minor">
+                <a:schemeClr val="tx1"/>
+              </a:fontRef>
+            </p:style>
+          </p:cxnSp>
+          <p:sp>
+            <p:nvSpPr>
+              <p:cNvPr id="52" name="intervalshape"/>
+              <p:cNvSpPr/>
+              <p:nvPr>
+                <p:custDataLst>
+                  <p:tags r:id="rId2"/>
+                </p:custDataLst>
+              </p:nvPr>
+            </p:nvSpPr>
+            <p:spPr>
+              <a:xfrm>
+                <a:off x="6507514" y="4603272"/>
+                <a:ext cx="1203460" cy="474257"/>
+              </a:xfrm>
+              <a:prstGeom prst="homePlate">
+                <a:avLst/>
+              </a:prstGeom>
               <a:solidFill>
-                <a:srgbClr val="CCCCCC"/>
+                <a:srgbClr val="EA161E"/>
               </a:solidFill>
-            </a:ln>
-          </p:spPr>
-          <p:style>
-            <a:lnRef idx="1">
-              <a:schemeClr val="accent1"/>
-            </a:lnRef>
-            <a:fillRef idx="0">
-              <a:schemeClr val="accent1"/>
-            </a:fillRef>
-            <a:effectRef idx="0">
-              <a:schemeClr val="accent1"/>
-            </a:effectRef>
-            <a:fontRef idx="minor">
-              <a:schemeClr val="tx1"/>
-            </a:fontRef>
-          </p:style>
-        </p:cxnSp>
-        <p:sp>
-          <p:nvSpPr>
-            <p:cNvPr id="52" name="intervalshape"/>
-            <p:cNvSpPr/>
-            <p:nvPr>
-              <p:custDataLst>
-                <p:tags r:id="rId2"/>
-              </p:custDataLst>
-            </p:nvPr>
-          </p:nvSpPr>
-          <p:spPr>
-            <a:xfrm>
-              <a:off x="6507514" y="4603272"/>
-              <a:ext cx="1203460" cy="474257"/>
-            </a:xfrm>
-            <a:prstGeom prst="homePlate">
-              <a:avLst/>
-            </a:prstGeom>
-            <a:solidFill>
-              <a:srgbClr val="EA161E"/>
-            </a:solidFill>
-            <a:ln w="25400" cap="flat" cmpd="sng" algn="ctr">
-              <a:noFill/>
-              <a:prstDash val="solid"/>
-            </a:ln>
-            <a:effectLst>
-              <a:outerShdw blurRad="63500">
-                <a:scrgbClr r="0" g="0" b="0">
-                  <a:alpha val="50000"/>
-                </a:scrgbClr>
-              </a:outerShdw>
-            </a:effectLst>
-            <a:scene3d>
-              <a:camera prst="orthographicFront"/>
-              <a:lightRig rig="balanced" dir="t">
-                <a:rot lat="0" lon="0" rev="8700000"/>
-              </a:lightRig>
-            </a:scene3d>
-            <a:sp3d>
-              <a:bevelT w="165100" h="12700"/>
-            </a:sp3d>
-            <a:extLst>
-              <a:ext uri="{91240B29-F687-4F45-9708-019B960494DF}">
-                <a14:hiddenLine xmlns:a14="http://schemas.microsoft.com/office/drawing/2010/main" w="25400" cap="flat" cmpd="sng" algn="ctr">
-                  <a:solidFill>
-                    <a:schemeClr val="accent1">
-                      <a:shade val="50000"/>
-                    </a:schemeClr>
-                  </a:solidFill>
-                  <a:prstDash val="solid"/>
-                </a14:hiddenLine>
-              </a:ext>
-              <a:ext uri="{53640926-AAD7-44D8-BBD7-CCE9431645EC}">
-                <a14:shadowObscured xmlns:a14="http://schemas.microsoft.com/office/drawing/2010/main" val="1"/>
-              </a:ext>
-            </a:extLst>
-          </p:spPr>
-          <p:style>
-            <a:lnRef idx="2">
-              <a:schemeClr val="accent1">
-                <a:shade val="50000"/>
-              </a:schemeClr>
-            </a:lnRef>
-            <a:fillRef idx="1">
-              <a:schemeClr val="accent1"/>
-            </a:fillRef>
-            <a:effectRef idx="0">
-              <a:schemeClr val="accent1"/>
-            </a:effectRef>
-            <a:fontRef idx="minor">
-              <a:schemeClr val="lt1"/>
-            </a:fontRef>
-          </p:style>
-          <p:txBody>
-            <a:bodyPr rtlCol="0" anchor="ctr"/>
-            <a:lstStyle/>
-            <a:p>
-              <a:pPr algn="ctr"/>
-              <a:r>
-                <a:rPr lang="zh-CN" altLang="en-US" sz="1500" dirty="0" smtClean="0">
+              <a:ln w="25400" cap="flat" cmpd="sng" algn="ctr">
+                <a:noFill/>
+                <a:prstDash val="solid"/>
+              </a:ln>
+              <a:effectLst>
+                <a:outerShdw blurRad="63500">
+                  <a:scrgbClr r="0" g="0" b="0">
+                    <a:alpha val="50000"/>
+                  </a:scrgbClr>
+                </a:outerShdw>
+              </a:effectLst>
+              <a:scene3d>
+                <a:camera prst="orthographicFront"/>
+                <a:lightRig rig="balanced" dir="t">
+                  <a:rot lat="0" lon="0" rev="8700000"/>
+                </a:lightRig>
+              </a:scene3d>
+              <a:sp3d>
+                <a:bevelT w="165100" h="12700"/>
+              </a:sp3d>
+              <a:extLst>
+                <a:ext uri="{91240B29-F687-4F45-9708-019B960494DF}">
+                  <a14:hiddenLine xmlns:a14="http://schemas.microsoft.com/office/drawing/2010/main" w="25400" cap="flat" cmpd="sng" algn="ctr">
+                    <a:solidFill>
+                      <a:schemeClr val="accent1">
+                        <a:shade val="50000"/>
+                      </a:schemeClr>
+                    </a:solidFill>
+                    <a:prstDash val="solid"/>
+                  </a14:hiddenLine>
+                </a:ext>
+                <a:ext uri="{53640926-AAD7-44D8-BBD7-CCE9431645EC}">
+                  <a14:shadowObscured xmlns:a14="http://schemas.microsoft.com/office/drawing/2010/main" val="1"/>
+                </a:ext>
+              </a:extLst>
+            </p:spPr>
+            <p:style>
+              <a:lnRef idx="2">
+                <a:schemeClr val="accent1">
+                  <a:shade val="50000"/>
+                </a:schemeClr>
+              </a:lnRef>
+              <a:fillRef idx="1">
+                <a:schemeClr val="accent1"/>
+              </a:fillRef>
+              <a:effectRef idx="0">
+                <a:schemeClr val="accent1"/>
+              </a:effectRef>
+              <a:fontRef idx="minor">
+                <a:schemeClr val="lt1"/>
+              </a:fontRef>
+            </p:style>
+            <p:txBody>
+              <a:bodyPr rtlCol="0" anchor="ctr"/>
+              <a:lstStyle/>
+              <a:p>
+                <a:pPr algn="ctr"/>
+                <a:r>
+                  <a:rPr lang="zh-CN" altLang="en-US" sz="1700" dirty="0">
+                    <a:solidFill>
+                      <a:prstClr val="white"/>
+                    </a:solidFill>
+                  </a:rPr>
+                  <a:t>综合测试</a:t>
+                </a:r>
+                <a:endParaRPr lang="en-US" altLang="zh-CN" sz="1700" dirty="0">
                   <a:solidFill>
                     <a:prstClr val="white"/>
                   </a:solidFill>
-                </a:rPr>
-                <a:t>综合测试</a:t>
-              </a:r>
-              <a:endParaRPr lang="en-US" altLang="zh-CN" sz="1500" dirty="0" smtClean="0">
-                <a:solidFill>
-                  <a:prstClr val="white"/>
-                </a:solidFill>
-              </a:endParaRPr>
-            </a:p>
-            <a:p>
-              <a:pPr algn="ctr"/>
-              <a:r>
-                <a:rPr lang="zh-CN" altLang="en-US" sz="1500" dirty="0" smtClean="0">
+                </a:endParaRPr>
+              </a:p>
+              <a:p>
+                <a:pPr algn="ctr"/>
+                <a:r>
+                  <a:rPr lang="zh-CN" altLang="en-US" sz="1700" dirty="0">
+                    <a:solidFill>
+                      <a:prstClr val="white"/>
+                    </a:solidFill>
+                  </a:rPr>
+                  <a:t>完成论文</a:t>
+                </a:r>
+                <a:endParaRPr lang="en-US" sz="1700" dirty="0">
                   <a:solidFill>
                     <a:prstClr val="white"/>
                   </a:solidFill>
-                </a:rPr>
-                <a:t>完成论文</a:t>
-              </a:r>
-              <a:endParaRPr lang="en-US" sz="1500" dirty="0">
-                <a:solidFill>
-                  <a:prstClr val="white"/>
-                </a:solidFill>
-              </a:endParaRPr>
-            </a:p>
-          </p:txBody>
-        </p:sp>
-        <p:sp>
-          <p:nvSpPr>
-            <p:cNvPr id="53" name="intervalshape"/>
-            <p:cNvSpPr/>
-            <p:nvPr>
-              <p:custDataLst>
-                <p:tags r:id="rId3"/>
-              </p:custDataLst>
-            </p:nvPr>
-          </p:nvSpPr>
-          <p:spPr>
-            <a:xfrm>
-              <a:off x="4158614" y="4332339"/>
-              <a:ext cx="1650401" cy="270933"/>
-            </a:xfrm>
-            <a:prstGeom prst="roundRect">
-              <a:avLst/>
-            </a:prstGeom>
-            <a:solidFill>
-              <a:srgbClr val="1AAA42"/>
-            </a:solidFill>
-            <a:ln w="25400" cap="flat" cmpd="sng" algn="ctr">
-              <a:noFill/>
-              <a:prstDash val="solid"/>
-            </a:ln>
-            <a:effectLst>
-              <a:outerShdw blurRad="63500">
-                <a:scrgbClr r="0" g="0" b="0">
-                  <a:alpha val="50000"/>
-                </a:scrgbClr>
-              </a:outerShdw>
-            </a:effectLst>
-            <a:scene3d>
-              <a:camera prst="orthographicFront"/>
-              <a:lightRig rig="balanced" dir="t">
-                <a:rot lat="0" lon="0" rev="8700000"/>
-              </a:lightRig>
-            </a:scene3d>
-            <a:sp3d>
-              <a:bevelT w="165100" h="12700"/>
-            </a:sp3d>
-            <a:extLst>
-              <a:ext uri="{91240B29-F687-4F45-9708-019B960494DF}">
-                <a14:hiddenLine xmlns:a14="http://schemas.microsoft.com/office/drawing/2010/main" w="25400" cap="flat" cmpd="sng" algn="ctr">
-                  <a:solidFill>
-                    <a:schemeClr val="accent1">
-                      <a:shade val="50000"/>
-                    </a:schemeClr>
-                  </a:solidFill>
-                  <a:prstDash val="solid"/>
-                </a14:hiddenLine>
-              </a:ext>
-              <a:ext uri="{53640926-AAD7-44D8-BBD7-CCE9431645EC}">
-                <a14:shadowObscured xmlns:a14="http://schemas.microsoft.com/office/drawing/2010/main" val="1"/>
-              </a:ext>
-            </a:extLst>
-          </p:spPr>
-          <p:style>
-            <a:lnRef idx="2">
-              <a:schemeClr val="accent1">
-                <a:shade val="50000"/>
-              </a:schemeClr>
-            </a:lnRef>
-            <a:fillRef idx="1">
-              <a:schemeClr val="accent1"/>
-            </a:fillRef>
-            <a:effectRef idx="0">
-              <a:schemeClr val="accent1"/>
-            </a:effectRef>
-            <a:fontRef idx="minor">
-              <a:schemeClr val="lt1"/>
-            </a:fontRef>
-          </p:style>
-          <p:txBody>
-            <a:bodyPr wrap="none" lIns="44450" tIns="19050" rIns="44450" bIns="6350" rtlCol="0" anchor="ctr"/>
-            <a:lstStyle/>
-            <a:p>
-              <a:pPr algn="ctr">
-                <a:lnSpc>
-                  <a:spcPts val="1000"/>
-                </a:lnSpc>
-              </a:pPr>
-              <a:r>
-                <a:rPr lang="zh-CN" altLang="en-US" sz="1500" dirty="0">
+                </a:endParaRPr>
+              </a:p>
+            </p:txBody>
+          </p:sp>
+          <p:sp>
+            <p:nvSpPr>
+              <p:cNvPr id="53" name="intervalshape"/>
+              <p:cNvSpPr/>
+              <p:nvPr>
+                <p:custDataLst>
+                  <p:tags r:id="rId3"/>
+                </p:custDataLst>
+              </p:nvPr>
+            </p:nvSpPr>
+            <p:spPr>
+              <a:xfrm>
+                <a:off x="4158614" y="4332339"/>
+                <a:ext cx="1650401" cy="270933"/>
+              </a:xfrm>
+              <a:prstGeom prst="roundRect">
+                <a:avLst/>
+              </a:prstGeom>
+              <a:solidFill>
+                <a:srgbClr val="1AAA42"/>
+              </a:solidFill>
+              <a:ln w="25400" cap="flat" cmpd="sng" algn="ctr">
+                <a:noFill/>
+                <a:prstDash val="solid"/>
+              </a:ln>
+              <a:effectLst>
+                <a:outerShdw blurRad="63500">
+                  <a:scrgbClr r="0" g="0" b="0">
+                    <a:alpha val="50000"/>
+                  </a:scrgbClr>
+                </a:outerShdw>
+              </a:effectLst>
+              <a:scene3d>
+                <a:camera prst="orthographicFront"/>
+                <a:lightRig rig="balanced" dir="t">
+                  <a:rot lat="0" lon="0" rev="8700000"/>
+                </a:lightRig>
+              </a:scene3d>
+              <a:sp3d>
+                <a:bevelT w="165100" h="12700"/>
+              </a:sp3d>
+              <a:extLst>
+                <a:ext uri="{91240B29-F687-4F45-9708-019B960494DF}">
+                  <a14:hiddenLine xmlns:a14="http://schemas.microsoft.com/office/drawing/2010/main" w="25400" cap="flat" cmpd="sng" algn="ctr">
+                    <a:solidFill>
+                      <a:schemeClr val="accent1">
+                        <a:shade val="50000"/>
+                      </a:schemeClr>
+                    </a:solidFill>
+                    <a:prstDash val="solid"/>
+                  </a14:hiddenLine>
+                </a:ext>
+                <a:ext uri="{53640926-AAD7-44D8-BBD7-CCE9431645EC}">
+                  <a14:shadowObscured xmlns:a14="http://schemas.microsoft.com/office/drawing/2010/main" val="1"/>
+                </a:ext>
+              </a:extLst>
+            </p:spPr>
+            <p:style>
+              <a:lnRef idx="2">
+                <a:schemeClr val="accent1">
+                  <a:shade val="50000"/>
+                </a:schemeClr>
+              </a:lnRef>
+              <a:fillRef idx="1">
+                <a:schemeClr val="accent1"/>
+              </a:fillRef>
+              <a:effectRef idx="0">
+                <a:schemeClr val="accent1"/>
+              </a:effectRef>
+              <a:fontRef idx="minor">
+                <a:schemeClr val="lt1"/>
+              </a:fontRef>
+            </p:style>
+            <p:txBody>
+              <a:bodyPr wrap="none" lIns="44450" tIns="19050" rIns="44450" bIns="6350" rtlCol="0" anchor="ctr"/>
+              <a:lstStyle/>
+              <a:p>
+                <a:pPr algn="ctr">
+                  <a:lnSpc>
+                    <a:spcPts val="1000"/>
+                  </a:lnSpc>
+                </a:pPr>
+                <a:r>
+                  <a:rPr lang="zh-CN" altLang="en-US" sz="1700" dirty="0">
+                    <a:solidFill>
+                      <a:srgbClr val="FFFFFF"/>
+                    </a:solidFill>
+                    <a:latin typeface=""/>
+                  </a:rPr>
+                  <a:t>迭代优化设计方案</a:t>
+                </a:r>
+                <a:endParaRPr lang="en-US" sz="1700" dirty="0">
                   <a:solidFill>
                     <a:srgbClr val="FFFFFF"/>
                   </a:solidFill>
                   <a:latin typeface=""/>
-                </a:rPr>
-                <a:t>迭代优化设计方案</a:t>
-              </a:r>
-              <a:endParaRPr lang="en-US" sz="1500" dirty="0">
-                <a:solidFill>
-                  <a:srgbClr val="FFFFFF"/>
-                </a:solidFill>
-                <a:latin typeface=""/>
-              </a:endParaRPr>
-            </a:p>
-          </p:txBody>
-        </p:sp>
-        <p:sp>
-          <p:nvSpPr>
-            <p:cNvPr id="54" name="intervalshape"/>
-            <p:cNvSpPr/>
-            <p:nvPr>
-              <p:custDataLst>
-                <p:tags r:id="rId4"/>
-              </p:custDataLst>
-            </p:nvPr>
-          </p:nvSpPr>
-          <p:spPr>
-            <a:xfrm>
-              <a:off x="3411574" y="3801419"/>
-              <a:ext cx="1566825" cy="451970"/>
-            </a:xfrm>
-            <a:prstGeom prst="roundRect">
-              <a:avLst/>
-            </a:prstGeom>
-            <a:solidFill>
-              <a:srgbClr val="0072BC"/>
-            </a:solidFill>
-            <a:ln w="25400" cap="flat" cmpd="sng" algn="ctr">
-              <a:noFill/>
-              <a:prstDash val="solid"/>
-            </a:ln>
-            <a:effectLst>
-              <a:outerShdw blurRad="63500">
-                <a:scrgbClr r="0" g="0" b="0">
-                  <a:alpha val="50000"/>
-                </a:scrgbClr>
-              </a:outerShdw>
-            </a:effectLst>
-            <a:scene3d>
-              <a:camera prst="orthographicFront"/>
-              <a:lightRig rig="balanced" dir="t">
-                <a:rot lat="0" lon="0" rev="8700000"/>
-              </a:lightRig>
-            </a:scene3d>
-            <a:sp3d>
-              <a:bevelT w="165100" h="12700"/>
-            </a:sp3d>
-            <a:extLst>
-              <a:ext uri="{91240B29-F687-4F45-9708-019B960494DF}">
-                <a14:hiddenLine xmlns:a14="http://schemas.microsoft.com/office/drawing/2010/main" w="25400" cap="flat" cmpd="sng" algn="ctr">
-                  <a:solidFill>
-                    <a:schemeClr val="accent1">
-                      <a:shade val="50000"/>
-                    </a:schemeClr>
-                  </a:solidFill>
-                  <a:prstDash val="solid"/>
-                </a14:hiddenLine>
-              </a:ext>
-              <a:ext uri="{53640926-AAD7-44D8-BBD7-CCE9431645EC}">
-                <a14:shadowObscured xmlns:a14="http://schemas.microsoft.com/office/drawing/2010/main" val="1"/>
-              </a:ext>
-            </a:extLst>
-          </p:spPr>
-          <p:style>
-            <a:lnRef idx="2">
-              <a:schemeClr val="accent1">
-                <a:shade val="50000"/>
-              </a:schemeClr>
-            </a:lnRef>
-            <a:fillRef idx="1">
-              <a:schemeClr val="accent1"/>
-            </a:fillRef>
-            <a:effectRef idx="0">
-              <a:schemeClr val="accent1"/>
-            </a:effectRef>
-            <a:fontRef idx="minor">
-              <a:schemeClr val="lt1"/>
-            </a:fontRef>
-          </p:style>
-          <p:txBody>
-            <a:bodyPr wrap="none" lIns="44450" tIns="19050" rIns="44450" bIns="6350" rtlCol="0" anchor="ctr"/>
-            <a:lstStyle/>
-            <a:p>
-              <a:pPr algn="ctr">
-                <a:lnSpc>
-                  <a:spcPct val="90000"/>
-                </a:lnSpc>
-              </a:pPr>
-              <a:r>
-                <a:rPr lang="zh-CN" altLang="en-US" sz="1500" dirty="0" smtClean="0">
+                </a:endParaRPr>
+              </a:p>
+            </p:txBody>
+          </p:sp>
+          <p:sp>
+            <p:nvSpPr>
+              <p:cNvPr id="54" name="intervalshape"/>
+              <p:cNvSpPr/>
+              <p:nvPr>
+                <p:custDataLst>
+                  <p:tags r:id="rId4"/>
+                </p:custDataLst>
+              </p:nvPr>
+            </p:nvSpPr>
+            <p:spPr>
+              <a:xfrm>
+                <a:off x="3411574" y="3801419"/>
+                <a:ext cx="1566825" cy="451970"/>
+              </a:xfrm>
+              <a:prstGeom prst="roundRect">
+                <a:avLst/>
+              </a:prstGeom>
+              <a:solidFill>
+                <a:srgbClr val="0072BC"/>
+              </a:solidFill>
+              <a:ln w="25400" cap="flat" cmpd="sng" algn="ctr">
+                <a:noFill/>
+                <a:prstDash val="solid"/>
+              </a:ln>
+              <a:effectLst>
+                <a:outerShdw blurRad="63500">
+                  <a:scrgbClr r="0" g="0" b="0">
+                    <a:alpha val="50000"/>
+                  </a:scrgbClr>
+                </a:outerShdw>
+              </a:effectLst>
+              <a:scene3d>
+                <a:camera prst="orthographicFront"/>
+                <a:lightRig rig="balanced" dir="t">
+                  <a:rot lat="0" lon="0" rev="8700000"/>
+                </a:lightRig>
+              </a:scene3d>
+              <a:sp3d>
+                <a:bevelT w="165100" h="12700"/>
+              </a:sp3d>
+              <a:extLst>
+                <a:ext uri="{91240B29-F687-4F45-9708-019B960494DF}">
+                  <a14:hiddenLine xmlns:a14="http://schemas.microsoft.com/office/drawing/2010/main" w="25400" cap="flat" cmpd="sng" algn="ctr">
+                    <a:solidFill>
+                      <a:schemeClr val="accent1">
+                        <a:shade val="50000"/>
+                      </a:schemeClr>
+                    </a:solidFill>
+                    <a:prstDash val="solid"/>
+                  </a14:hiddenLine>
+                </a:ext>
+                <a:ext uri="{53640926-AAD7-44D8-BBD7-CCE9431645EC}">
+                  <a14:shadowObscured xmlns:a14="http://schemas.microsoft.com/office/drawing/2010/main" val="1"/>
+                </a:ext>
+              </a:extLst>
+            </p:spPr>
+            <p:style>
+              <a:lnRef idx="2">
+                <a:schemeClr val="accent1">
+                  <a:shade val="50000"/>
+                </a:schemeClr>
+              </a:lnRef>
+              <a:fillRef idx="1">
+                <a:schemeClr val="accent1"/>
+              </a:fillRef>
+              <a:effectRef idx="0">
+                <a:schemeClr val="accent1"/>
+              </a:effectRef>
+              <a:fontRef idx="minor">
+                <a:schemeClr val="lt1"/>
+              </a:fontRef>
+            </p:style>
+            <p:txBody>
+              <a:bodyPr wrap="none" lIns="44450" tIns="19050" rIns="44450" bIns="6350" rtlCol="0" anchor="ctr"/>
+              <a:lstStyle/>
+              <a:p>
+                <a:pPr algn="ctr">
+                  <a:lnSpc>
+                    <a:spcPct val="90000"/>
+                  </a:lnSpc>
+                </a:pPr>
+                <a:r>
+                  <a:rPr lang="zh-CN" altLang="en-US" sz="1700" dirty="0">
+                    <a:solidFill>
+                      <a:srgbClr val="FFFFFF"/>
+                    </a:solidFill>
+                    <a:latin typeface=""/>
+                  </a:rPr>
+                  <a:t>前端综合</a:t>
+                </a:r>
+                <a:endParaRPr lang="en-US" altLang="zh-CN" sz="1700" dirty="0">
                   <a:solidFill>
                     <a:srgbClr val="FFFFFF"/>
                   </a:solidFill>
                   <a:latin typeface=""/>
-                </a:rPr>
-                <a:t>前端综合</a:t>
-              </a:r>
-              <a:endParaRPr lang="en-US" altLang="zh-CN" sz="1500" dirty="0" smtClean="0">
-                <a:solidFill>
-                  <a:srgbClr val="FFFFFF"/>
-                </a:solidFill>
-                <a:latin typeface=""/>
-              </a:endParaRPr>
-            </a:p>
-            <a:p>
-              <a:pPr algn="ctr">
-                <a:lnSpc>
-                  <a:spcPct val="90000"/>
-                </a:lnSpc>
-              </a:pPr>
-              <a:r>
-                <a:rPr lang="zh-CN" altLang="en-US" sz="1500" dirty="0" smtClean="0">
+                </a:endParaRPr>
+              </a:p>
+              <a:p>
+                <a:pPr algn="ctr">
+                  <a:lnSpc>
+                    <a:spcPct val="90000"/>
+                  </a:lnSpc>
+                </a:pPr>
+                <a:r>
+                  <a:rPr lang="zh-CN" altLang="en-US" sz="1700" dirty="0">
+                    <a:solidFill>
+                      <a:srgbClr val="FFFFFF"/>
+                    </a:solidFill>
+                    <a:latin typeface=""/>
+                  </a:rPr>
+                  <a:t>静态时序分析</a:t>
+                </a:r>
+                <a:endParaRPr lang="en-US" sz="1700" dirty="0">
                   <a:solidFill>
                     <a:srgbClr val="FFFFFF"/>
                   </a:solidFill>
                   <a:latin typeface=""/>
-                </a:rPr>
-                <a:t>静态时序分析</a:t>
-              </a:r>
-              <a:endParaRPr lang="en-US" sz="1500" dirty="0">
+                </a:endParaRPr>
+              </a:p>
+            </p:txBody>
+          </p:sp>
+          <p:sp>
+            <p:nvSpPr>
+              <p:cNvPr id="55" name="pgshape"/>
+              <p:cNvSpPr/>
+              <p:nvPr>
+                <p:custDataLst>
+                  <p:tags r:id="rId5"/>
+                </p:custDataLst>
+              </p:nvPr>
+            </p:nvSpPr>
+            <p:spPr>
+              <a:xfrm>
+                <a:off x="1193800" y="1824067"/>
+                <a:ext cx="6756400" cy="338667"/>
+              </a:xfrm>
+              <a:prstGeom prst="roundRect">
+                <a:avLst/>
+              </a:prstGeom>
+              <a:gradFill flip="none" rotWithShape="1">
+                <a:gsLst>
+                  <a:gs pos="0">
+                    <a:srgbClr val="2F3699"/>
+                  </a:gs>
+                  <a:gs pos="100000">
+                    <a:srgbClr val="272D7F"/>
+                  </a:gs>
+                </a:gsLst>
+                <a:lin ang="5400000" scaled="1"/>
+                <a:tileRect/>
+              </a:gradFill>
+              <a:ln w="25400" cap="flat" cmpd="sng" algn="ctr">
+                <a:noFill/>
+                <a:prstDash val="solid"/>
+              </a:ln>
+              <a:effectLst>
+                <a:reflection blurRad="6350" stA="50000" endA="300" endPos="55500" dist="50800" dir="5400000" sy="-100000" algn="bl" rotWithShape="0"/>
+              </a:effectLst>
+              <a:scene3d>
+                <a:camera prst="orthographicFront"/>
+                <a:lightRig rig="threePt" dir="t">
+                  <a:rot lat="0" lon="0" rev="8700000"/>
+                </a:lightRig>
+              </a:scene3d>
+              <a:sp3d>
+                <a:bevelT w="165100" h="19050"/>
+              </a:sp3d>
+              <a:extLst>
+                <a:ext uri="{91240B29-F687-4F45-9708-019B960494DF}">
+                  <a14:hiddenLine xmlns:a14="http://schemas.microsoft.com/office/drawing/2010/main" w="25400" cap="flat" cmpd="sng" algn="ctr">
+                    <a:solidFill>
+                      <a:schemeClr val="accent1">
+                        <a:shade val="50000"/>
+                      </a:schemeClr>
+                    </a:solidFill>
+                    <a:prstDash val="solid"/>
+                  </a14:hiddenLine>
+                </a:ext>
+              </a:extLst>
+            </p:spPr>
+            <p:style>
+              <a:lnRef idx="2">
+                <a:schemeClr val="accent1">
+                  <a:shade val="50000"/>
+                </a:schemeClr>
+              </a:lnRef>
+              <a:fillRef idx="1">
+                <a:schemeClr val="accent1"/>
+              </a:fillRef>
+              <a:effectRef idx="0">
+                <a:schemeClr val="accent1"/>
+              </a:effectRef>
+              <a:fontRef idx="minor">
+                <a:schemeClr val="lt1"/>
+              </a:fontRef>
+            </p:style>
+            <p:txBody>
+              <a:bodyPr rtlCol="0" anchor="ctr"/>
+              <a:lstStyle/>
+              <a:p>
+                <a:pPr algn="ctr"/>
+                <a:endParaRPr lang="en-US" dirty="0">
+                  <a:solidFill>
+                    <a:prstClr val="white"/>
+                  </a:solidFill>
+                </a:endParaRPr>
+              </a:p>
+            </p:txBody>
+          </p:sp>
+          <p:sp>
+            <p:nvSpPr>
+              <p:cNvPr id="56" name="pgshape"/>
+              <p:cNvSpPr txBox="1"/>
+              <p:nvPr>
+                <p:custDataLst>
+                  <p:tags r:id="rId6"/>
+                </p:custDataLst>
+              </p:nvPr>
+            </p:nvSpPr>
+            <p:spPr>
+              <a:xfrm>
+                <a:off x="431800" y="1824067"/>
+                <a:ext cx="635000" cy="338667"/>
+              </a:xfrm>
+              <a:prstGeom prst="rect">
+                <a:avLst/>
+              </a:prstGeom>
+              <a:noFill/>
+            </p:spPr>
+            <p:txBody>
+              <a:bodyPr vert="horz" wrap="none" rtlCol="0" anchor="ctr">
+                <a:noAutofit/>
+              </a:bodyPr>
+              <a:lstStyle/>
+              <a:p>
+                <a:pPr algn="ctr"/>
+                <a:r>
+                  <a:rPr lang="en-US" sz="2400" b="1" dirty="0">
+                    <a:solidFill>
+                      <a:srgbClr val="C0504D"/>
+                    </a:solidFill>
+                  </a:rPr>
+                  <a:t>2016</a:t>
+                </a:r>
+              </a:p>
+            </p:txBody>
+          </p:sp>
+          <p:cxnSp>
+            <p:nvCxnSpPr>
+              <p:cNvPr id="57" name="pgshape"/>
+              <p:cNvCxnSpPr/>
+              <p:nvPr/>
+            </p:nvCxnSpPr>
+            <p:spPr>
+              <a:xfrm flipV="1">
+                <a:off x="1338649" y="1654734"/>
+                <a:ext cx="0" cy="169333"/>
+              </a:xfrm>
+              <a:prstGeom prst="line">
+                <a:avLst/>
+              </a:prstGeom>
+              <a:ln w="25400">
                 <a:solidFill>
-                  <a:srgbClr val="FFFFFF"/>
+                  <a:srgbClr val="7D7D7D"/>
                 </a:solidFill>
-                <a:latin typeface=""/>
-              </a:endParaRPr>
-            </a:p>
-          </p:txBody>
-        </p:sp>
-        <p:sp>
-          <p:nvSpPr>
-            <p:cNvPr id="55" name="pgshape"/>
-            <p:cNvSpPr/>
-            <p:nvPr>
-              <p:custDataLst>
-                <p:tags r:id="rId5"/>
-              </p:custDataLst>
-            </p:nvPr>
-          </p:nvSpPr>
-          <p:spPr>
-            <a:xfrm>
-              <a:off x="1193800" y="1824067"/>
-              <a:ext cx="6756400" cy="338667"/>
-            </a:xfrm>
-            <a:prstGeom prst="roundRect">
-              <a:avLst/>
-            </a:prstGeom>
-            <a:gradFill flip="none" rotWithShape="1">
-              <a:gsLst>
-                <a:gs pos="0">
-                  <a:srgbClr val="2F3699"/>
-                </a:gs>
-                <a:gs pos="100000">
-                  <a:srgbClr val="272D7F"/>
-                </a:gs>
-              </a:gsLst>
-              <a:lin ang="5400000" scaled="1"/>
-              <a:tileRect/>
-            </a:gradFill>
-            <a:ln w="25400" cap="flat" cmpd="sng" algn="ctr">
+              </a:ln>
+            </p:spPr>
+            <p:style>
+              <a:lnRef idx="1">
+                <a:schemeClr val="accent1"/>
+              </a:lnRef>
+              <a:fillRef idx="0">
+                <a:schemeClr val="accent1"/>
+              </a:fillRef>
+              <a:effectRef idx="0">
+                <a:schemeClr val="accent1"/>
+              </a:effectRef>
+              <a:fontRef idx="minor">
+                <a:schemeClr val="tx1"/>
+              </a:fontRef>
+            </p:style>
+          </p:cxnSp>
+          <p:sp>
+            <p:nvSpPr>
+              <p:cNvPr id="58" name="pgshape"/>
+              <p:cNvSpPr txBox="1"/>
+              <p:nvPr>
+                <p:custDataLst>
+                  <p:tags r:id="rId7"/>
+                </p:custDataLst>
+              </p:nvPr>
+            </p:nvSpPr>
+            <p:spPr>
+              <a:xfrm>
+                <a:off x="1934367" y="1824066"/>
+                <a:ext cx="563033" cy="338667"/>
+              </a:xfrm>
+              <a:prstGeom prst="rect">
+                <a:avLst/>
+              </a:prstGeom>
               <a:noFill/>
-              <a:prstDash val="solid"/>
-            </a:ln>
-            <a:effectLst>
-              <a:reflection blurRad="6350" stA="50000" endA="300" endPos="55500" dist="50800" dir="5400000" sy="-100000" algn="bl" rotWithShape="0"/>
-            </a:effectLst>
-            <a:scene3d>
-              <a:camera prst="orthographicFront"/>
-              <a:lightRig rig="threePt" dir="t">
-                <a:rot lat="0" lon="0" rev="8700000"/>
-              </a:lightRig>
-            </a:scene3d>
-            <a:sp3d>
-              <a:bevelT w="165100" h="19050"/>
-            </a:sp3d>
-            <a:extLst>
-              <a:ext uri="{91240B29-F687-4F45-9708-019B960494DF}">
-                <a14:hiddenLine xmlns:a14="http://schemas.microsoft.com/office/drawing/2010/main" w="25400" cap="flat" cmpd="sng" algn="ctr">
-                  <a:solidFill>
-                    <a:schemeClr val="accent1">
-                      <a:shade val="50000"/>
-                    </a:schemeClr>
-                  </a:solidFill>
-                  <a:prstDash val="solid"/>
-                </a14:hiddenLine>
-              </a:ext>
-            </a:extLst>
-          </p:spPr>
-          <p:style>
-            <a:lnRef idx="2">
-              <a:schemeClr val="accent1">
-                <a:shade val="50000"/>
-              </a:schemeClr>
-            </a:lnRef>
-            <a:fillRef idx="1">
-              <a:schemeClr val="accent1"/>
-            </a:fillRef>
-            <a:effectRef idx="0">
-              <a:schemeClr val="accent1"/>
-            </a:effectRef>
-            <a:fontRef idx="minor">
-              <a:schemeClr val="lt1"/>
-            </a:fontRef>
-          </p:style>
-          <p:txBody>
-            <a:bodyPr rtlCol="0" anchor="ctr"/>
-            <a:lstStyle/>
-            <a:p>
-              <a:pPr algn="ctr"/>
-              <a:endParaRPr lang="en-US" dirty="0">
-                <a:solidFill>
-                  <a:prstClr val="white"/>
-                </a:solidFill>
-              </a:endParaRPr>
-            </a:p>
-          </p:txBody>
-        </p:sp>
-        <p:sp>
-          <p:nvSpPr>
-            <p:cNvPr id="56" name="pgshape"/>
-            <p:cNvSpPr txBox="1"/>
-            <p:nvPr>
-              <p:custDataLst>
-                <p:tags r:id="rId6"/>
-              </p:custDataLst>
-            </p:nvPr>
-          </p:nvSpPr>
-          <p:spPr>
-            <a:xfrm>
-              <a:off x="431800" y="1824067"/>
-              <a:ext cx="635000" cy="338667"/>
-            </a:xfrm>
-            <a:prstGeom prst="rect">
-              <a:avLst/>
-            </a:prstGeom>
-            <a:noFill/>
-          </p:spPr>
-          <p:txBody>
-            <a:bodyPr vert="horz" wrap="none" rtlCol="0" anchor="ctr">
-              <a:noAutofit/>
-            </a:bodyPr>
-            <a:lstStyle/>
-            <a:p>
-              <a:pPr algn="ctr"/>
-              <a:r>
-                <a:rPr lang="en-US" sz="2400" b="1" dirty="0" smtClean="0">
-                  <a:solidFill>
-                    <a:srgbClr val="C0504D"/>
-                  </a:solidFill>
-                </a:rPr>
-                <a:t>2016</a:t>
-              </a:r>
-              <a:endParaRPr lang="en-US" sz="2400" b="1" dirty="0">
-                <a:solidFill>
-                  <a:srgbClr val="C0504D"/>
-                </a:solidFill>
-              </a:endParaRPr>
-            </a:p>
-          </p:txBody>
-        </p:sp>
-        <p:cxnSp>
-          <p:nvCxnSpPr>
-            <p:cNvPr id="57" name="pgshape"/>
-            <p:cNvCxnSpPr/>
-            <p:nvPr/>
-          </p:nvCxnSpPr>
-          <p:spPr>
-            <a:xfrm flipV="1">
-              <a:off x="1338649" y="1654734"/>
-              <a:ext cx="0" cy="169333"/>
-            </a:xfrm>
-            <a:prstGeom prst="line">
-              <a:avLst/>
-            </a:prstGeom>
-            <a:ln w="25400">
-              <a:solidFill>
-                <a:srgbClr val="7D7D7D"/>
-              </a:solidFill>
-            </a:ln>
-          </p:spPr>
-          <p:style>
-            <a:lnRef idx="1">
-              <a:schemeClr val="accent1"/>
-            </a:lnRef>
-            <a:fillRef idx="0">
-              <a:schemeClr val="accent1"/>
-            </a:fillRef>
-            <a:effectRef idx="0">
-              <a:schemeClr val="accent1"/>
-            </a:effectRef>
-            <a:fontRef idx="minor">
-              <a:schemeClr val="tx1"/>
-            </a:fontRef>
-          </p:style>
-        </p:cxnSp>
-        <p:sp>
-          <p:nvSpPr>
-            <p:cNvPr id="58" name="pgshape"/>
-            <p:cNvSpPr txBox="1"/>
-            <p:nvPr>
-              <p:custDataLst>
-                <p:tags r:id="rId7"/>
-              </p:custDataLst>
-            </p:nvPr>
-          </p:nvSpPr>
-          <p:spPr>
-            <a:xfrm>
-              <a:off x="1934367" y="1824066"/>
-              <a:ext cx="563033" cy="338667"/>
-            </a:xfrm>
-            <a:prstGeom prst="rect">
-              <a:avLst/>
-            </a:prstGeom>
-            <a:noFill/>
-          </p:spPr>
-          <p:txBody>
-            <a:bodyPr vert="horz" wrap="square" rtlCol="0" anchor="ctr" anchorCtr="0">
-              <a:noAutofit/>
-            </a:bodyPr>
-            <a:lstStyle/>
-            <a:p>
-              <a:r>
-                <a:rPr lang="en-US" altLang="zh-CN" sz="1400" dirty="0" smtClean="0">
+            </p:spPr>
+            <p:txBody>
+              <a:bodyPr vert="horz" wrap="square" rtlCol="0" anchor="ctr" anchorCtr="0">
+                <a:noAutofit/>
+              </a:bodyPr>
+              <a:lstStyle/>
+              <a:p>
+                <a:r>
+                  <a:rPr lang="en-US" altLang="zh-CN" sz="1600" dirty="0">
+                    <a:solidFill>
+                      <a:srgbClr val="FFFFFF"/>
+                    </a:solidFill>
+                  </a:rPr>
+                  <a:t>Nov</a:t>
+                </a:r>
+                <a:endParaRPr lang="en-US" sz="1600" dirty="0">
                   <a:solidFill>
                     <a:srgbClr val="FFFFFF"/>
                   </a:solidFill>
-                </a:rPr>
-                <a:t>Nov</a:t>
-              </a:r>
-              <a:endParaRPr lang="en-US" sz="1400" dirty="0">
-                <a:solidFill>
-                  <a:srgbClr val="FFFFFF"/>
-                </a:solidFill>
-              </a:endParaRPr>
-            </a:p>
-          </p:txBody>
-        </p:sp>
-        <p:sp>
-          <p:nvSpPr>
-            <p:cNvPr id="59" name="pgshape"/>
-            <p:cNvSpPr txBox="1"/>
-            <p:nvPr>
-              <p:custDataLst>
-                <p:tags r:id="rId8"/>
-              </p:custDataLst>
-            </p:nvPr>
-          </p:nvSpPr>
-          <p:spPr>
-            <a:xfrm>
-              <a:off x="2689373" y="1824066"/>
-              <a:ext cx="563033" cy="338667"/>
-            </a:xfrm>
-            <a:prstGeom prst="rect">
-              <a:avLst/>
-            </a:prstGeom>
-            <a:noFill/>
-          </p:spPr>
-          <p:txBody>
-            <a:bodyPr vert="horz" wrap="square" rtlCol="0" anchor="ctr" anchorCtr="0">
-              <a:noAutofit/>
-            </a:bodyPr>
-            <a:lstStyle/>
-            <a:p>
-              <a:r>
-                <a:rPr lang="en-US" altLang="zh-CN" sz="1400" dirty="0" smtClean="0">
+                </a:endParaRPr>
+              </a:p>
+            </p:txBody>
+          </p:sp>
+          <p:sp>
+            <p:nvSpPr>
+              <p:cNvPr id="59" name="pgshape"/>
+              <p:cNvSpPr txBox="1"/>
+              <p:nvPr>
+                <p:custDataLst>
+                  <p:tags r:id="rId8"/>
+                </p:custDataLst>
+              </p:nvPr>
+            </p:nvSpPr>
+            <p:spPr>
+              <a:xfrm>
+                <a:off x="2689373" y="1824066"/>
+                <a:ext cx="563033" cy="338667"/>
+              </a:xfrm>
+              <a:prstGeom prst="rect">
+                <a:avLst/>
+              </a:prstGeom>
+              <a:noFill/>
+            </p:spPr>
+            <p:txBody>
+              <a:bodyPr vert="horz" wrap="square" rtlCol="0" anchor="ctr" anchorCtr="0">
+                <a:noAutofit/>
+              </a:bodyPr>
+              <a:lstStyle/>
+              <a:p>
+                <a:r>
+                  <a:rPr lang="en-US" altLang="zh-CN" sz="1600" dirty="0">
+                    <a:solidFill>
+                      <a:srgbClr val="FFFFFF"/>
+                    </a:solidFill>
+                  </a:rPr>
+                  <a:t>Dec</a:t>
+                </a:r>
+                <a:endParaRPr lang="en-US" sz="1600" dirty="0">
                   <a:solidFill>
                     <a:srgbClr val="FFFFFF"/>
                   </a:solidFill>
-                </a:rPr>
-                <a:t>Dec</a:t>
-              </a:r>
-              <a:endParaRPr lang="en-US" sz="1400" dirty="0">
+                </a:endParaRPr>
+              </a:p>
+            </p:txBody>
+          </p:sp>
+          <p:cxnSp>
+            <p:nvCxnSpPr>
+              <p:cNvPr id="60" name="pgshape"/>
+              <p:cNvCxnSpPr/>
+              <p:nvPr/>
+            </p:nvCxnSpPr>
+            <p:spPr>
+              <a:xfrm flipV="1">
+                <a:off x="2051720" y="1654734"/>
+                <a:ext cx="0" cy="169333"/>
+              </a:xfrm>
+              <a:prstGeom prst="line">
+                <a:avLst/>
+              </a:prstGeom>
+              <a:ln w="25400">
                 <a:solidFill>
-                  <a:srgbClr val="FFFFFF"/>
+                  <a:srgbClr val="7D7D7D"/>
                 </a:solidFill>
-              </a:endParaRPr>
-            </a:p>
-          </p:txBody>
-        </p:sp>
-        <p:cxnSp>
-          <p:nvCxnSpPr>
-            <p:cNvPr id="60" name="pgshape"/>
-            <p:cNvCxnSpPr/>
-            <p:nvPr/>
-          </p:nvCxnSpPr>
-          <p:spPr>
-            <a:xfrm flipV="1">
-              <a:off x="2051720" y="1654734"/>
-              <a:ext cx="0" cy="169333"/>
-            </a:xfrm>
-            <a:prstGeom prst="line">
-              <a:avLst/>
-            </a:prstGeom>
-            <a:ln w="25400">
-              <a:solidFill>
-                <a:srgbClr val="7D7D7D"/>
-              </a:solidFill>
-            </a:ln>
-          </p:spPr>
-          <p:style>
-            <a:lnRef idx="1">
-              <a:schemeClr val="accent1"/>
-            </a:lnRef>
-            <a:fillRef idx="0">
-              <a:schemeClr val="accent1"/>
-            </a:fillRef>
-            <a:effectRef idx="0">
-              <a:schemeClr val="accent1"/>
-            </a:effectRef>
-            <a:fontRef idx="minor">
-              <a:schemeClr val="tx1"/>
-            </a:fontRef>
-          </p:style>
-        </p:cxnSp>
-        <p:sp>
-          <p:nvSpPr>
-            <p:cNvPr id="61" name="pgshape"/>
-            <p:cNvSpPr txBox="1"/>
-            <p:nvPr>
-              <p:custDataLst>
-                <p:tags r:id="rId9"/>
-              </p:custDataLst>
-            </p:nvPr>
-          </p:nvSpPr>
-          <p:spPr>
-            <a:xfrm>
-              <a:off x="3413168" y="1824066"/>
-              <a:ext cx="563033" cy="338667"/>
-            </a:xfrm>
-            <a:prstGeom prst="rect">
-              <a:avLst/>
-            </a:prstGeom>
-            <a:noFill/>
-          </p:spPr>
-          <p:txBody>
-            <a:bodyPr vert="horz" wrap="square" rtlCol="0" anchor="ctr" anchorCtr="0">
-              <a:noAutofit/>
-            </a:bodyPr>
-            <a:lstStyle/>
-            <a:p>
-              <a:r>
-                <a:rPr lang="en-US" altLang="zh-CN" sz="1400" dirty="0" smtClean="0">
+              </a:ln>
+            </p:spPr>
+            <p:style>
+              <a:lnRef idx="1">
+                <a:schemeClr val="accent1"/>
+              </a:lnRef>
+              <a:fillRef idx="0">
+                <a:schemeClr val="accent1"/>
+              </a:fillRef>
+              <a:effectRef idx="0">
+                <a:schemeClr val="accent1"/>
+              </a:effectRef>
+              <a:fontRef idx="minor">
+                <a:schemeClr val="tx1"/>
+              </a:fontRef>
+            </p:style>
+          </p:cxnSp>
+          <p:sp>
+            <p:nvSpPr>
+              <p:cNvPr id="61" name="pgshape"/>
+              <p:cNvSpPr txBox="1"/>
+              <p:nvPr>
+                <p:custDataLst>
+                  <p:tags r:id="rId9"/>
+                </p:custDataLst>
+              </p:nvPr>
+            </p:nvSpPr>
+            <p:spPr>
+              <a:xfrm>
+                <a:off x="3413168" y="1824066"/>
+                <a:ext cx="563033" cy="338667"/>
+              </a:xfrm>
+              <a:prstGeom prst="rect">
+                <a:avLst/>
+              </a:prstGeom>
+              <a:noFill/>
+            </p:spPr>
+            <p:txBody>
+              <a:bodyPr vert="horz" wrap="square" rtlCol="0" anchor="ctr" anchorCtr="0">
+                <a:noAutofit/>
+              </a:bodyPr>
+              <a:lstStyle/>
+              <a:p>
+                <a:r>
+                  <a:rPr lang="en-US" altLang="zh-CN" sz="1600" dirty="0">
+                    <a:solidFill>
+                      <a:srgbClr val="FFFFFF"/>
+                    </a:solidFill>
+                  </a:rPr>
+                  <a:t>Jan</a:t>
+                </a:r>
+                <a:endParaRPr lang="en-US" sz="1600" dirty="0">
                   <a:solidFill>
                     <a:srgbClr val="FFFFFF"/>
                   </a:solidFill>
-                </a:rPr>
-                <a:t>Jan</a:t>
-              </a:r>
-              <a:endParaRPr lang="en-US" sz="1400" dirty="0">
+                </a:endParaRPr>
+              </a:p>
+            </p:txBody>
+          </p:sp>
+          <p:cxnSp>
+            <p:nvCxnSpPr>
+              <p:cNvPr id="62" name="pgshape"/>
+              <p:cNvCxnSpPr/>
+              <p:nvPr/>
+            </p:nvCxnSpPr>
+            <p:spPr>
+              <a:xfrm flipV="1">
+                <a:off x="2796427" y="1654734"/>
+                <a:ext cx="0" cy="169333"/>
+              </a:xfrm>
+              <a:prstGeom prst="line">
+                <a:avLst/>
+              </a:prstGeom>
+              <a:ln w="25400">
                 <a:solidFill>
-                  <a:srgbClr val="FFFFFF"/>
+                  <a:srgbClr val="7D7D7D"/>
                 </a:solidFill>
-              </a:endParaRPr>
-            </a:p>
-          </p:txBody>
-        </p:sp>
-        <p:cxnSp>
-          <p:nvCxnSpPr>
-            <p:cNvPr id="62" name="pgshape"/>
-            <p:cNvCxnSpPr/>
-            <p:nvPr/>
-          </p:nvCxnSpPr>
-          <p:spPr>
-            <a:xfrm flipV="1">
-              <a:off x="2796427" y="1654734"/>
-              <a:ext cx="0" cy="169333"/>
-            </a:xfrm>
-            <a:prstGeom prst="line">
-              <a:avLst/>
-            </a:prstGeom>
-            <a:ln w="25400">
-              <a:solidFill>
-                <a:srgbClr val="7D7D7D"/>
-              </a:solidFill>
-            </a:ln>
-          </p:spPr>
-          <p:style>
-            <a:lnRef idx="1">
-              <a:schemeClr val="accent1"/>
-            </a:lnRef>
-            <a:fillRef idx="0">
-              <a:schemeClr val="accent1"/>
-            </a:fillRef>
-            <a:effectRef idx="0">
-              <a:schemeClr val="accent1"/>
-            </a:effectRef>
-            <a:fontRef idx="minor">
-              <a:schemeClr val="tx1"/>
-            </a:fontRef>
-          </p:style>
-        </p:cxnSp>
-        <p:sp>
-          <p:nvSpPr>
-            <p:cNvPr id="63" name="pgshape"/>
-            <p:cNvSpPr txBox="1"/>
-            <p:nvPr>
-              <p:custDataLst>
-                <p:tags r:id="rId10"/>
-              </p:custDataLst>
-            </p:nvPr>
-          </p:nvSpPr>
-          <p:spPr>
-            <a:xfrm>
-              <a:off x="4158615" y="1824066"/>
-              <a:ext cx="563033" cy="338667"/>
-            </a:xfrm>
-            <a:prstGeom prst="rect">
-              <a:avLst/>
-            </a:prstGeom>
-            <a:noFill/>
-          </p:spPr>
-          <p:txBody>
-            <a:bodyPr vert="horz" wrap="square" rtlCol="0" anchor="ctr" anchorCtr="0">
-              <a:noAutofit/>
-            </a:bodyPr>
-            <a:lstStyle/>
-            <a:p>
-              <a:r>
-                <a:rPr lang="en-US" altLang="zh-CN" sz="1400" dirty="0" smtClean="0">
+              </a:ln>
+            </p:spPr>
+            <p:style>
+              <a:lnRef idx="1">
+                <a:schemeClr val="accent1"/>
+              </a:lnRef>
+              <a:fillRef idx="0">
+                <a:schemeClr val="accent1"/>
+              </a:fillRef>
+              <a:effectRef idx="0">
+                <a:schemeClr val="accent1"/>
+              </a:effectRef>
+              <a:fontRef idx="minor">
+                <a:schemeClr val="tx1"/>
+              </a:fontRef>
+            </p:style>
+          </p:cxnSp>
+          <p:sp>
+            <p:nvSpPr>
+              <p:cNvPr id="63" name="pgshape"/>
+              <p:cNvSpPr txBox="1"/>
+              <p:nvPr>
+                <p:custDataLst>
+                  <p:tags r:id="rId10"/>
+                </p:custDataLst>
+              </p:nvPr>
+            </p:nvSpPr>
+            <p:spPr>
+              <a:xfrm>
+                <a:off x="4158615" y="1824066"/>
+                <a:ext cx="563033" cy="338667"/>
+              </a:xfrm>
+              <a:prstGeom prst="rect">
+                <a:avLst/>
+              </a:prstGeom>
+              <a:noFill/>
+            </p:spPr>
+            <p:txBody>
+              <a:bodyPr vert="horz" wrap="square" rtlCol="0" anchor="ctr" anchorCtr="0">
+                <a:noAutofit/>
+              </a:bodyPr>
+              <a:lstStyle/>
+              <a:p>
+                <a:r>
+                  <a:rPr lang="en-US" altLang="zh-CN" sz="1600" dirty="0">
+                    <a:solidFill>
+                      <a:srgbClr val="FFFFFF"/>
+                    </a:solidFill>
+                  </a:rPr>
+                  <a:t>Feb</a:t>
+                </a:r>
+                <a:endParaRPr lang="en-US" sz="1600" dirty="0">
                   <a:solidFill>
                     <a:srgbClr val="FFFFFF"/>
                   </a:solidFill>
-                </a:rPr>
-                <a:t>Feb</a:t>
-              </a:r>
-              <a:endParaRPr lang="en-US" sz="1400" dirty="0">
-                <a:solidFill>
-                  <a:srgbClr val="FFFFFF"/>
-                </a:solidFill>
-              </a:endParaRPr>
-            </a:p>
-          </p:txBody>
-        </p:sp>
-        <p:sp>
-          <p:nvSpPr>
-            <p:cNvPr id="64" name="pgshape"/>
-            <p:cNvSpPr txBox="1"/>
-            <p:nvPr>
-              <p:custDataLst>
-                <p:tags r:id="rId11"/>
-              </p:custDataLst>
-            </p:nvPr>
-          </p:nvSpPr>
-          <p:spPr>
-            <a:xfrm>
-              <a:off x="4916670" y="1824066"/>
-              <a:ext cx="563033" cy="338667"/>
-            </a:xfrm>
-            <a:prstGeom prst="rect">
-              <a:avLst/>
-            </a:prstGeom>
-            <a:noFill/>
-          </p:spPr>
-          <p:txBody>
-            <a:bodyPr vert="horz" wrap="square" rtlCol="0" anchor="ctr" anchorCtr="0">
-              <a:noAutofit/>
-            </a:bodyPr>
-            <a:lstStyle/>
-            <a:p>
-              <a:r>
-                <a:rPr lang="en-US" altLang="zh-CN" sz="1400" dirty="0" smtClean="0">
+                </a:endParaRPr>
+              </a:p>
+            </p:txBody>
+          </p:sp>
+          <p:sp>
+            <p:nvSpPr>
+              <p:cNvPr id="64" name="pgshape"/>
+              <p:cNvSpPr txBox="1"/>
+              <p:nvPr>
+                <p:custDataLst>
+                  <p:tags r:id="rId11"/>
+                </p:custDataLst>
+              </p:nvPr>
+            </p:nvSpPr>
+            <p:spPr>
+              <a:xfrm>
+                <a:off x="4916670" y="1824066"/>
+                <a:ext cx="563033" cy="338667"/>
+              </a:xfrm>
+              <a:prstGeom prst="rect">
+                <a:avLst/>
+              </a:prstGeom>
+              <a:noFill/>
+            </p:spPr>
+            <p:txBody>
+              <a:bodyPr vert="horz" wrap="square" rtlCol="0" anchor="ctr" anchorCtr="0">
+                <a:noAutofit/>
+              </a:bodyPr>
+              <a:lstStyle/>
+              <a:p>
+                <a:r>
+                  <a:rPr lang="en-US" altLang="zh-CN" sz="1600" dirty="0">
+                    <a:solidFill>
+                      <a:srgbClr val="FFFFFF"/>
+                    </a:solidFill>
+                  </a:rPr>
+                  <a:t>Mar</a:t>
+                </a:r>
+                <a:endParaRPr lang="en-US" sz="1600" dirty="0">
                   <a:solidFill>
                     <a:srgbClr val="FFFFFF"/>
                   </a:solidFill>
-                </a:rPr>
-                <a:t>Mar</a:t>
-              </a:r>
-              <a:endParaRPr lang="en-US" sz="1400" dirty="0">
-                <a:solidFill>
-                  <a:srgbClr val="FFFFFF"/>
-                </a:solidFill>
-              </a:endParaRPr>
-            </a:p>
-          </p:txBody>
-        </p:sp>
-        <p:sp>
-          <p:nvSpPr>
-            <p:cNvPr id="65" name="pgshape"/>
-            <p:cNvSpPr txBox="1"/>
-            <p:nvPr>
-              <p:custDataLst>
-                <p:tags r:id="rId12"/>
-              </p:custDataLst>
-            </p:nvPr>
-          </p:nvSpPr>
-          <p:spPr>
-            <a:xfrm>
-              <a:off x="5683465" y="1824066"/>
-              <a:ext cx="563033" cy="338667"/>
-            </a:xfrm>
-            <a:prstGeom prst="rect">
-              <a:avLst/>
-            </a:prstGeom>
-            <a:noFill/>
-          </p:spPr>
-          <p:txBody>
-            <a:bodyPr vert="horz" wrap="square" rtlCol="0" anchor="ctr" anchorCtr="0">
-              <a:noAutofit/>
-            </a:bodyPr>
-            <a:lstStyle/>
-            <a:p>
-              <a:r>
-                <a:rPr lang="en-US" altLang="zh-CN" sz="1400" dirty="0" smtClean="0">
+                </a:endParaRPr>
+              </a:p>
+            </p:txBody>
+          </p:sp>
+          <p:sp>
+            <p:nvSpPr>
+              <p:cNvPr id="65" name="pgshape"/>
+              <p:cNvSpPr txBox="1"/>
+              <p:nvPr>
+                <p:custDataLst>
+                  <p:tags r:id="rId12"/>
+                </p:custDataLst>
+              </p:nvPr>
+            </p:nvSpPr>
+            <p:spPr>
+              <a:xfrm>
+                <a:off x="5683465" y="1824066"/>
+                <a:ext cx="563033" cy="338667"/>
+              </a:xfrm>
+              <a:prstGeom prst="rect">
+                <a:avLst/>
+              </a:prstGeom>
+              <a:noFill/>
+            </p:spPr>
+            <p:txBody>
+              <a:bodyPr vert="horz" wrap="square" rtlCol="0" anchor="ctr" anchorCtr="0">
+                <a:noAutofit/>
+              </a:bodyPr>
+              <a:lstStyle/>
+              <a:p>
+                <a:r>
+                  <a:rPr lang="en-US" altLang="zh-CN" sz="1600" dirty="0">
+                    <a:solidFill>
+                      <a:srgbClr val="FFFFFF"/>
+                    </a:solidFill>
+                  </a:rPr>
+                  <a:t>Apr</a:t>
+                </a:r>
+                <a:endParaRPr lang="en-US" sz="1600" dirty="0">
                   <a:solidFill>
                     <a:srgbClr val="FFFFFF"/>
                   </a:solidFill>
-                </a:rPr>
-                <a:t>Apr</a:t>
-              </a:r>
-              <a:endParaRPr lang="en-US" sz="1400" dirty="0">
+                </a:endParaRPr>
+              </a:p>
+            </p:txBody>
+          </p:sp>
+          <p:cxnSp>
+            <p:nvCxnSpPr>
+              <p:cNvPr id="66" name="pgshape"/>
+              <p:cNvCxnSpPr/>
+              <p:nvPr/>
+            </p:nvCxnSpPr>
+            <p:spPr>
+              <a:xfrm flipV="1">
+                <a:off x="4283968" y="1651059"/>
+                <a:ext cx="0" cy="169333"/>
+              </a:xfrm>
+              <a:prstGeom prst="line">
+                <a:avLst/>
+              </a:prstGeom>
+              <a:ln w="25400">
                 <a:solidFill>
-                  <a:srgbClr val="FFFFFF"/>
+                  <a:srgbClr val="7D7D7D"/>
                 </a:solidFill>
-              </a:endParaRPr>
-            </a:p>
-          </p:txBody>
-        </p:sp>
-        <p:cxnSp>
-          <p:nvCxnSpPr>
-            <p:cNvPr id="66" name="pgshape"/>
-            <p:cNvCxnSpPr/>
-            <p:nvPr/>
-          </p:nvCxnSpPr>
-          <p:spPr>
-            <a:xfrm flipV="1">
-              <a:off x="4283968" y="1651059"/>
-              <a:ext cx="0" cy="169333"/>
-            </a:xfrm>
-            <a:prstGeom prst="line">
-              <a:avLst/>
-            </a:prstGeom>
-            <a:ln w="25400">
-              <a:solidFill>
-                <a:srgbClr val="7D7D7D"/>
-              </a:solidFill>
-            </a:ln>
-          </p:spPr>
-          <p:style>
-            <a:lnRef idx="1">
-              <a:schemeClr val="accent1"/>
-            </a:lnRef>
-            <a:fillRef idx="0">
-              <a:schemeClr val="accent1"/>
-            </a:fillRef>
-            <a:effectRef idx="0">
-              <a:schemeClr val="accent1"/>
-            </a:effectRef>
-            <a:fontRef idx="minor">
-              <a:schemeClr val="tx1"/>
-            </a:fontRef>
-          </p:style>
-        </p:cxnSp>
-        <p:sp>
-          <p:nvSpPr>
-            <p:cNvPr id="67" name="pgshape"/>
-            <p:cNvSpPr txBox="1"/>
-            <p:nvPr>
-              <p:custDataLst>
-                <p:tags r:id="rId13"/>
-              </p:custDataLst>
-            </p:nvPr>
-          </p:nvSpPr>
-          <p:spPr>
-            <a:xfrm>
-              <a:off x="6389152" y="1824066"/>
-              <a:ext cx="563033" cy="338667"/>
-            </a:xfrm>
-            <a:prstGeom prst="rect">
-              <a:avLst/>
-            </a:prstGeom>
-            <a:noFill/>
-          </p:spPr>
-          <p:txBody>
-            <a:bodyPr vert="horz" wrap="square" rtlCol="0" anchor="ctr" anchorCtr="0">
-              <a:noAutofit/>
-            </a:bodyPr>
-            <a:lstStyle/>
-            <a:p>
-              <a:r>
-                <a:rPr lang="en-US" altLang="zh-CN" sz="1400" dirty="0" smtClean="0">
+              </a:ln>
+            </p:spPr>
+            <p:style>
+              <a:lnRef idx="1">
+                <a:schemeClr val="accent1"/>
+              </a:lnRef>
+              <a:fillRef idx="0">
+                <a:schemeClr val="accent1"/>
+              </a:fillRef>
+              <a:effectRef idx="0">
+                <a:schemeClr val="accent1"/>
+              </a:effectRef>
+              <a:fontRef idx="minor">
+                <a:schemeClr val="tx1"/>
+              </a:fontRef>
+            </p:style>
+          </p:cxnSp>
+          <p:sp>
+            <p:nvSpPr>
+              <p:cNvPr id="67" name="pgshape"/>
+              <p:cNvSpPr txBox="1"/>
+              <p:nvPr>
+                <p:custDataLst>
+                  <p:tags r:id="rId13"/>
+                </p:custDataLst>
+              </p:nvPr>
+            </p:nvSpPr>
+            <p:spPr>
+              <a:xfrm>
+                <a:off x="6389152" y="1824066"/>
+                <a:ext cx="563033" cy="338667"/>
+              </a:xfrm>
+              <a:prstGeom prst="rect">
+                <a:avLst/>
+              </a:prstGeom>
+              <a:noFill/>
+            </p:spPr>
+            <p:txBody>
+              <a:bodyPr vert="horz" wrap="square" rtlCol="0" anchor="ctr" anchorCtr="0">
+                <a:noAutofit/>
+              </a:bodyPr>
+              <a:lstStyle/>
+              <a:p>
+                <a:r>
+                  <a:rPr lang="en-US" altLang="zh-CN" sz="1600" dirty="0">
+                    <a:solidFill>
+                      <a:srgbClr val="FFFFFF"/>
+                    </a:solidFill>
+                  </a:rPr>
+                  <a:t>May</a:t>
+                </a:r>
+                <a:endParaRPr lang="en-US" sz="1600" dirty="0">
                   <a:solidFill>
                     <a:srgbClr val="FFFFFF"/>
                   </a:solidFill>
-                </a:rPr>
-                <a:t>May</a:t>
-              </a:r>
-              <a:endParaRPr lang="en-US" sz="1400" dirty="0">
+                </a:endParaRPr>
+              </a:p>
+            </p:txBody>
+          </p:sp>
+          <p:cxnSp>
+            <p:nvCxnSpPr>
+              <p:cNvPr id="68" name="pgshape"/>
+              <p:cNvCxnSpPr/>
+              <p:nvPr/>
+            </p:nvCxnSpPr>
+            <p:spPr>
+              <a:xfrm flipV="1">
+                <a:off x="5076056" y="1651059"/>
+                <a:ext cx="0" cy="169333"/>
+              </a:xfrm>
+              <a:prstGeom prst="line">
+                <a:avLst/>
+              </a:prstGeom>
+              <a:ln w="25400">
                 <a:solidFill>
-                  <a:srgbClr val="FFFFFF"/>
+                  <a:srgbClr val="7D7D7D"/>
                 </a:solidFill>
-              </a:endParaRPr>
-            </a:p>
-          </p:txBody>
-        </p:sp>
-        <p:cxnSp>
-          <p:nvCxnSpPr>
-            <p:cNvPr id="68" name="pgshape"/>
-            <p:cNvCxnSpPr/>
-            <p:nvPr/>
-          </p:nvCxnSpPr>
-          <p:spPr>
-            <a:xfrm flipV="1">
-              <a:off x="5076056" y="1651059"/>
-              <a:ext cx="0" cy="169333"/>
-            </a:xfrm>
-            <a:prstGeom prst="line">
-              <a:avLst/>
-            </a:prstGeom>
-            <a:ln w="25400">
-              <a:solidFill>
-                <a:srgbClr val="7D7D7D"/>
-              </a:solidFill>
-            </a:ln>
-          </p:spPr>
-          <p:style>
-            <a:lnRef idx="1">
-              <a:schemeClr val="accent1"/>
-            </a:lnRef>
-            <a:fillRef idx="0">
-              <a:schemeClr val="accent1"/>
-            </a:fillRef>
-            <a:effectRef idx="0">
-              <a:schemeClr val="accent1"/>
-            </a:effectRef>
-            <a:fontRef idx="minor">
-              <a:schemeClr val="tx1"/>
-            </a:fontRef>
-          </p:style>
-        </p:cxnSp>
-        <p:sp>
-          <p:nvSpPr>
-            <p:cNvPr id="69" name="pgshape"/>
-            <p:cNvSpPr txBox="1"/>
-            <p:nvPr>
-              <p:custDataLst>
-                <p:tags r:id="rId14"/>
-              </p:custDataLst>
-            </p:nvPr>
-          </p:nvSpPr>
-          <p:spPr>
-            <a:xfrm>
-              <a:off x="7156845" y="1824066"/>
-              <a:ext cx="505088" cy="338667"/>
-            </a:xfrm>
-            <a:prstGeom prst="rect">
-              <a:avLst/>
-            </a:prstGeom>
-            <a:noFill/>
-          </p:spPr>
-          <p:txBody>
-            <a:bodyPr vert="horz" wrap="square" rtlCol="0" anchor="ctr" anchorCtr="0">
-              <a:noAutofit/>
-            </a:bodyPr>
-            <a:lstStyle/>
-            <a:p>
-              <a:r>
-                <a:rPr lang="en-US" altLang="zh-CN" sz="1400" dirty="0" smtClean="0">
+              </a:ln>
+            </p:spPr>
+            <p:style>
+              <a:lnRef idx="1">
+                <a:schemeClr val="accent1"/>
+              </a:lnRef>
+              <a:fillRef idx="0">
+                <a:schemeClr val="accent1"/>
+              </a:fillRef>
+              <a:effectRef idx="0">
+                <a:schemeClr val="accent1"/>
+              </a:effectRef>
+              <a:fontRef idx="minor">
+                <a:schemeClr val="tx1"/>
+              </a:fontRef>
+            </p:style>
+          </p:cxnSp>
+          <p:sp>
+            <p:nvSpPr>
+              <p:cNvPr id="69" name="pgshape"/>
+              <p:cNvSpPr txBox="1"/>
+              <p:nvPr>
+                <p:custDataLst>
+                  <p:tags r:id="rId14"/>
+                </p:custDataLst>
+              </p:nvPr>
+            </p:nvSpPr>
+            <p:spPr>
+              <a:xfrm>
+                <a:off x="7156845" y="1824066"/>
+                <a:ext cx="505088" cy="338667"/>
+              </a:xfrm>
+              <a:prstGeom prst="rect">
+                <a:avLst/>
+              </a:prstGeom>
+              <a:noFill/>
+            </p:spPr>
+            <p:txBody>
+              <a:bodyPr vert="horz" wrap="square" rtlCol="0" anchor="ctr" anchorCtr="0">
+                <a:noAutofit/>
+              </a:bodyPr>
+              <a:lstStyle/>
+              <a:p>
+                <a:r>
+                  <a:rPr lang="en-US" altLang="zh-CN" sz="1600" dirty="0">
+                    <a:solidFill>
+                      <a:srgbClr val="FFFFFF"/>
+                    </a:solidFill>
+                  </a:rPr>
+                  <a:t>Jun</a:t>
+                </a:r>
+                <a:endParaRPr lang="en-US" sz="1600" dirty="0">
                   <a:solidFill>
                     <a:srgbClr val="FFFFFF"/>
                   </a:solidFill>
-                </a:rPr>
-                <a:t>Jun</a:t>
-              </a:r>
-              <a:endParaRPr lang="en-US" sz="1400" dirty="0">
+                </a:endParaRPr>
+              </a:p>
+            </p:txBody>
+          </p:sp>
+          <p:cxnSp>
+            <p:nvCxnSpPr>
+              <p:cNvPr id="70" name="pgshape"/>
+              <p:cNvCxnSpPr/>
+              <p:nvPr/>
+            </p:nvCxnSpPr>
+            <p:spPr>
+              <a:xfrm flipV="1">
+                <a:off x="5796136" y="1651059"/>
+                <a:ext cx="0" cy="169333"/>
+              </a:xfrm>
+              <a:prstGeom prst="line">
+                <a:avLst/>
+              </a:prstGeom>
+              <a:ln w="25400">
                 <a:solidFill>
-                  <a:srgbClr val="FFFFFF"/>
+                  <a:srgbClr val="7D7D7D"/>
                 </a:solidFill>
-              </a:endParaRPr>
-            </a:p>
-          </p:txBody>
-        </p:sp>
-        <p:cxnSp>
-          <p:nvCxnSpPr>
-            <p:cNvPr id="70" name="pgshape"/>
-            <p:cNvCxnSpPr/>
-            <p:nvPr/>
-          </p:nvCxnSpPr>
-          <p:spPr>
-            <a:xfrm flipV="1">
-              <a:off x="5796136" y="1651059"/>
-              <a:ext cx="0" cy="169333"/>
-            </a:xfrm>
-            <a:prstGeom prst="line">
-              <a:avLst/>
-            </a:prstGeom>
-            <a:ln w="25400">
+              </a:ln>
+            </p:spPr>
+            <p:style>
+              <a:lnRef idx="1">
+                <a:schemeClr val="accent1"/>
+              </a:lnRef>
+              <a:fillRef idx="0">
+                <a:schemeClr val="accent1"/>
+              </a:fillRef>
+              <a:effectRef idx="0">
+                <a:schemeClr val="accent1"/>
+              </a:effectRef>
+              <a:fontRef idx="minor">
+                <a:schemeClr val="tx1"/>
+              </a:fontRef>
+            </p:style>
+          </p:cxnSp>
+          <p:cxnSp>
+            <p:nvCxnSpPr>
+              <p:cNvPr id="71" name="pgshape"/>
+              <p:cNvCxnSpPr/>
+              <p:nvPr/>
+            </p:nvCxnSpPr>
+            <p:spPr>
+              <a:xfrm flipV="1">
+                <a:off x="6507514" y="1651059"/>
+                <a:ext cx="0" cy="169333"/>
+              </a:xfrm>
+              <a:prstGeom prst="line">
+                <a:avLst/>
+              </a:prstGeom>
+              <a:ln w="25400">
+                <a:solidFill>
+                  <a:srgbClr val="7D7D7D"/>
+                </a:solidFill>
+              </a:ln>
+            </p:spPr>
+            <p:style>
+              <a:lnRef idx="1">
+                <a:schemeClr val="accent1"/>
+              </a:lnRef>
+              <a:fillRef idx="0">
+                <a:schemeClr val="accent1"/>
+              </a:fillRef>
+              <a:effectRef idx="0">
+                <a:schemeClr val="accent1"/>
+              </a:effectRef>
+              <a:fontRef idx="minor">
+                <a:schemeClr val="tx1"/>
+              </a:fontRef>
+            </p:style>
+          </p:cxnSp>
+          <p:cxnSp>
+            <p:nvCxnSpPr>
+              <p:cNvPr id="72" name="pgshape"/>
+              <p:cNvCxnSpPr/>
+              <p:nvPr/>
+            </p:nvCxnSpPr>
+            <p:spPr>
+              <a:xfrm flipV="1">
+                <a:off x="7300377" y="1648820"/>
+                <a:ext cx="0" cy="169333"/>
+              </a:xfrm>
+              <a:prstGeom prst="line">
+                <a:avLst/>
+              </a:prstGeom>
+              <a:ln w="25400">
+                <a:solidFill>
+                  <a:schemeClr val="lt2"/>
+                </a:solidFill>
+              </a:ln>
+            </p:spPr>
+            <p:style>
+              <a:lnRef idx="1">
+                <a:schemeClr val="accent1"/>
+              </a:lnRef>
+              <a:fillRef idx="0">
+                <a:schemeClr val="accent1"/>
+              </a:fillRef>
+              <a:effectRef idx="0">
+                <a:schemeClr val="accent1"/>
+              </a:effectRef>
+              <a:fontRef idx="minor">
+                <a:schemeClr val="tx1"/>
+              </a:fontRef>
+            </p:style>
+          </p:cxnSp>
+          <p:sp>
+            <p:nvSpPr>
+              <p:cNvPr id="73" name="pgshape"/>
+              <p:cNvSpPr txBox="1"/>
+              <p:nvPr>
+                <p:custDataLst>
+                  <p:tags r:id="rId15"/>
+                </p:custDataLst>
+              </p:nvPr>
+            </p:nvSpPr>
+            <p:spPr>
+              <a:xfrm>
+                <a:off x="8077200" y="1824067"/>
+                <a:ext cx="635000" cy="338667"/>
+              </a:xfrm>
+              <a:prstGeom prst="rect">
+                <a:avLst/>
+              </a:prstGeom>
+              <a:noFill/>
+            </p:spPr>
+            <p:txBody>
+              <a:bodyPr vert="horz" wrap="none" rtlCol="0" anchor="ctr">
+                <a:noAutofit/>
+              </a:bodyPr>
+              <a:lstStyle/>
+              <a:p>
+                <a:pPr algn="ctr"/>
+                <a:r>
+                  <a:rPr lang="en-US" sz="2400" b="1" dirty="0">
+                    <a:solidFill>
+                      <a:srgbClr val="C0504D"/>
+                    </a:solidFill>
+                  </a:rPr>
+                  <a:t>2017</a:t>
+                </a:r>
+              </a:p>
+            </p:txBody>
+          </p:sp>
+          <p:sp>
+            <p:nvSpPr>
+              <p:cNvPr id="74" name="milestoneshape"/>
+              <p:cNvSpPr/>
+              <p:nvPr/>
+            </p:nvSpPr>
+            <p:spPr>
+              <a:xfrm rot="10800000">
+                <a:off x="7583974" y="2044201"/>
+                <a:ext cx="254000" cy="372533"/>
+              </a:xfrm>
+              <a:prstGeom prst="flowChartMerge">
+                <a:avLst/>
+              </a:prstGeom>
               <a:solidFill>
-                <a:srgbClr val="7D7D7D"/>
+                <a:schemeClr val="tx1"/>
               </a:solidFill>
-            </a:ln>
-          </p:spPr>
-          <p:style>
-            <a:lnRef idx="1">
-              <a:schemeClr val="accent1"/>
-            </a:lnRef>
-            <a:fillRef idx="0">
-              <a:schemeClr val="accent1"/>
-            </a:fillRef>
-            <a:effectRef idx="0">
-              <a:schemeClr val="accent1"/>
-            </a:effectRef>
-            <a:fontRef idx="minor">
-              <a:schemeClr val="tx1"/>
-            </a:fontRef>
-          </p:style>
-        </p:cxnSp>
-        <p:cxnSp>
-          <p:nvCxnSpPr>
-            <p:cNvPr id="71" name="pgshape"/>
-            <p:cNvCxnSpPr/>
-            <p:nvPr/>
-          </p:nvCxnSpPr>
-          <p:spPr>
-            <a:xfrm flipV="1">
-              <a:off x="6507514" y="1651059"/>
-              <a:ext cx="0" cy="169333"/>
-            </a:xfrm>
-            <a:prstGeom prst="line">
-              <a:avLst/>
-            </a:prstGeom>
-            <a:ln w="25400">
+              <a:ln w="25400" cap="flat" cmpd="sng" algn="ctr">
+                <a:noFill/>
+                <a:prstDash val="solid"/>
+              </a:ln>
+              <a:effectLst>
+                <a:outerShdw blurRad="63500">
+                  <a:scrgbClr r="0" g="0" b="0">
+                    <a:alpha val="50000"/>
+                  </a:scrgbClr>
+                </a:outerShdw>
+              </a:effectLst>
+              <a:scene3d>
+                <a:camera prst="orthographicFront"/>
+                <a:lightRig rig="threePt" dir="t"/>
+              </a:scene3d>
+              <a:sp3d>
+                <a:bevelT h="12700"/>
+              </a:sp3d>
+              <a:extLst>
+                <a:ext uri="{91240B29-F687-4F45-9708-019B960494DF}">
+                  <a14:hiddenLine xmlns:a14="http://schemas.microsoft.com/office/drawing/2010/main" w="25400" cap="flat" cmpd="sng" algn="ctr">
+                    <a:solidFill>
+                      <a:schemeClr val="accent1">
+                        <a:shade val="50000"/>
+                      </a:schemeClr>
+                    </a:solidFill>
+                    <a:prstDash val="solid"/>
+                  </a14:hiddenLine>
+                </a:ext>
+              </a:extLst>
+            </p:spPr>
+            <p:style>
+              <a:lnRef idx="2">
+                <a:schemeClr val="accent1">
+                  <a:shade val="50000"/>
+                </a:schemeClr>
+              </a:lnRef>
+              <a:fillRef idx="1">
+                <a:schemeClr val="accent1"/>
+              </a:fillRef>
+              <a:effectRef idx="0">
+                <a:schemeClr val="accent1"/>
+              </a:effectRef>
+              <a:fontRef idx="minor">
+                <a:schemeClr val="lt1"/>
+              </a:fontRef>
+            </p:style>
+            <p:txBody>
+              <a:bodyPr rtlCol="0" anchor="ctr"/>
+              <a:lstStyle/>
+              <a:p>
+                <a:pPr algn="ctr"/>
+                <a:endParaRPr lang="en-US" dirty="0">
+                  <a:solidFill>
+                    <a:prstClr val="white"/>
+                  </a:solidFill>
+                </a:endParaRPr>
+              </a:p>
+            </p:txBody>
+          </p:sp>
+          <p:sp>
+            <p:nvSpPr>
+              <p:cNvPr id="75" name="milestoneshape"/>
+              <p:cNvSpPr txBox="1"/>
+              <p:nvPr>
+                <p:custDataLst>
+                  <p:tags r:id="rId16"/>
+                </p:custDataLst>
+              </p:nvPr>
+            </p:nvSpPr>
+            <p:spPr>
+              <a:xfrm>
+                <a:off x="7012474" y="2442134"/>
+                <a:ext cx="1397000" cy="304800"/>
+              </a:xfrm>
+              <a:prstGeom prst="rect">
+                <a:avLst/>
+              </a:prstGeom>
+              <a:noFill/>
+            </p:spPr>
+            <p:txBody>
+              <a:bodyPr vert="horz" wrap="none" lIns="88900" tIns="44450" rIns="88900" bIns="44450" rtlCol="0" anchor="ctr" anchorCtr="1">
+                <a:noAutofit/>
+              </a:bodyPr>
+              <a:lstStyle/>
+              <a:p>
+                <a:pPr algn="ctr">
+                  <a:lnSpc>
+                    <a:spcPct val="80000"/>
+                  </a:lnSpc>
+                </a:pPr>
+                <a:r>
+                  <a:rPr lang="en-US" sz="1500" dirty="0">
+                    <a:solidFill>
+                      <a:prstClr val="black"/>
+                    </a:solidFill>
+                    <a:latin typeface=""/>
+                  </a:rPr>
+                  <a:t>2017</a:t>
+                </a:r>
+                <a:r>
+                  <a:rPr lang="zh-CN" altLang="en-US" sz="1500" dirty="0">
+                    <a:solidFill>
+                      <a:prstClr val="black"/>
+                    </a:solidFill>
+                    <a:latin typeface=""/>
+                  </a:rPr>
+                  <a:t>年</a:t>
+                </a:r>
+                <a:r>
+                  <a:rPr lang="en-US" altLang="zh-CN" sz="1500" dirty="0">
+                    <a:solidFill>
+                      <a:prstClr val="black"/>
+                    </a:solidFill>
+                    <a:latin typeface=""/>
+                  </a:rPr>
+                  <a:t>6</a:t>
+                </a:r>
+                <a:r>
+                  <a:rPr lang="zh-CN" altLang="en-US" sz="1500" dirty="0">
+                    <a:solidFill>
+                      <a:prstClr val="black"/>
+                    </a:solidFill>
+                    <a:latin typeface=""/>
+                  </a:rPr>
+                  <a:t>月</a:t>
+                </a:r>
+                <a:endParaRPr lang="en-US" altLang="zh-CN" sz="1500" dirty="0">
+                  <a:solidFill>
+                    <a:prstClr val="black"/>
+                  </a:solidFill>
+                  <a:latin typeface=""/>
+                </a:endParaRPr>
+              </a:p>
+              <a:p>
+                <a:pPr algn="ctr">
+                  <a:lnSpc>
+                    <a:spcPct val="80000"/>
+                  </a:lnSpc>
+                </a:pPr>
+                <a:r>
+                  <a:rPr lang="zh-CN" altLang="en-US" sz="1500" dirty="0">
+                    <a:solidFill>
+                      <a:prstClr val="black"/>
+                    </a:solidFill>
+                    <a:latin typeface=""/>
+                  </a:rPr>
+                  <a:t>提交论文 </a:t>
+                </a:r>
+                <a:r>
+                  <a:rPr lang="en-US" altLang="zh-CN" sz="1500" dirty="0">
+                    <a:solidFill>
+                      <a:prstClr val="black"/>
+                    </a:solidFill>
+                    <a:latin typeface=""/>
+                  </a:rPr>
+                  <a:t>&amp; </a:t>
+                </a:r>
+                <a:r>
+                  <a:rPr lang="zh-CN" altLang="en-US" sz="1500" dirty="0">
+                    <a:solidFill>
+                      <a:prstClr val="black"/>
+                    </a:solidFill>
+                    <a:latin typeface=""/>
+                  </a:rPr>
+                  <a:t>毕设答辩</a:t>
+                </a:r>
+                <a:endParaRPr lang="en-US" sz="1500" dirty="0">
+                  <a:solidFill>
+                    <a:prstClr val="black"/>
+                  </a:solidFill>
+                  <a:latin typeface=""/>
+                </a:endParaRPr>
+              </a:p>
+            </p:txBody>
+          </p:sp>
+          <p:grpSp>
+            <p:nvGrpSpPr>
+              <p:cNvPr id="76" name="组合 75"/>
+              <p:cNvGrpSpPr/>
+              <p:nvPr/>
+            </p:nvGrpSpPr>
+            <p:grpSpPr>
+              <a:xfrm>
+                <a:off x="3170202" y="1326198"/>
+                <a:ext cx="1397000" cy="565667"/>
+                <a:chOff x="6116737" y="1376933"/>
+                <a:chExt cx="1397000" cy="565667"/>
+              </a:xfrm>
+            </p:grpSpPr>
+            <p:sp>
+              <p:nvSpPr>
+                <p:cNvPr id="88" name="milestoneshape"/>
+                <p:cNvSpPr/>
+                <p:nvPr/>
+              </p:nvSpPr>
+              <p:spPr>
+                <a:xfrm>
+                  <a:off x="6688237" y="1570067"/>
+                  <a:ext cx="254000" cy="372533"/>
+                </a:xfrm>
+                <a:prstGeom prst="flowChartMerge">
+                  <a:avLst/>
+                </a:prstGeom>
+                <a:solidFill>
+                  <a:srgbClr val="CCFF33"/>
+                </a:solidFill>
+                <a:ln w="25400" cap="flat" cmpd="sng" algn="ctr">
+                  <a:noFill/>
+                  <a:prstDash val="solid"/>
+                </a:ln>
+                <a:effectLst>
+                  <a:outerShdw blurRad="63500">
+                    <a:scrgbClr r="0" g="0" b="0">
+                      <a:alpha val="50000"/>
+                    </a:scrgbClr>
+                  </a:outerShdw>
+                </a:effectLst>
+                <a:scene3d>
+                  <a:camera prst="orthographicFront"/>
+                  <a:lightRig rig="threePt" dir="t"/>
+                </a:scene3d>
+                <a:sp3d>
+                  <a:bevelT h="12700"/>
+                </a:sp3d>
+                <a:extLst>
+                  <a:ext uri="{91240B29-F687-4F45-9708-019B960494DF}">
+                    <a14:hiddenLine xmlns:a14="http://schemas.microsoft.com/office/drawing/2010/main" w="25400" cap="flat" cmpd="sng" algn="ctr">
+                      <a:solidFill>
+                        <a:schemeClr val="accent1">
+                          <a:shade val="50000"/>
+                        </a:schemeClr>
+                      </a:solidFill>
+                      <a:prstDash val="solid"/>
+                    </a14:hiddenLine>
+                  </a:ext>
+                </a:extLst>
+              </p:spPr>
+              <p:style>
+                <a:lnRef idx="2">
+                  <a:schemeClr val="accent1">
+                    <a:shade val="50000"/>
+                  </a:schemeClr>
+                </a:lnRef>
+                <a:fillRef idx="1">
+                  <a:schemeClr val="accent1"/>
+                </a:fillRef>
+                <a:effectRef idx="0">
+                  <a:schemeClr val="accent1"/>
+                </a:effectRef>
+                <a:fontRef idx="minor">
+                  <a:schemeClr val="lt1"/>
+                </a:fontRef>
+              </p:style>
+              <p:txBody>
+                <a:bodyPr rtlCol="0" anchor="ctr"/>
+                <a:lstStyle/>
+                <a:p>
+                  <a:pPr algn="ctr"/>
+                  <a:endParaRPr lang="en-US" dirty="0">
+                    <a:solidFill>
+                      <a:prstClr val="white"/>
+                    </a:solidFill>
+                  </a:endParaRPr>
+                </a:p>
+              </p:txBody>
+            </p:sp>
+            <p:sp>
+              <p:nvSpPr>
+                <p:cNvPr id="89" name="milestoneshape"/>
+                <p:cNvSpPr txBox="1"/>
+                <p:nvPr>
+                  <p:custDataLst>
+                    <p:tags r:id="rId24"/>
+                  </p:custDataLst>
+                </p:nvPr>
+              </p:nvSpPr>
+              <p:spPr>
+                <a:xfrm>
+                  <a:off x="6116737" y="1376933"/>
+                  <a:ext cx="1397000" cy="200016"/>
+                </a:xfrm>
+                <a:prstGeom prst="rect">
+                  <a:avLst/>
+                </a:prstGeom>
+                <a:noFill/>
+              </p:spPr>
+              <p:txBody>
+                <a:bodyPr vert="horz" wrap="square" lIns="88900" tIns="44450" rIns="88900" bIns="44450" rtlCol="0" anchor="b" anchorCtr="1">
+                  <a:spAutoFit/>
+                </a:bodyPr>
+                <a:lstStyle/>
+                <a:p>
+                  <a:pPr algn="ctr">
+                    <a:lnSpc>
+                      <a:spcPct val="80000"/>
+                    </a:lnSpc>
+                  </a:pPr>
+                  <a:r>
+                    <a:rPr lang="zh-CN" altLang="en-US" sz="1500" dirty="0">
+                      <a:solidFill>
+                        <a:prstClr val="black"/>
+                      </a:solidFill>
+                      <a:latin typeface=""/>
+                    </a:rPr>
+                    <a:t>毕设开题报告</a:t>
+                  </a:r>
+                  <a:endParaRPr lang="en-US" sz="1500" dirty="0">
+                    <a:solidFill>
+                      <a:prstClr val="black"/>
+                    </a:solidFill>
+                    <a:latin typeface=""/>
+                  </a:endParaRPr>
+                </a:p>
+              </p:txBody>
+            </p:sp>
+          </p:grpSp>
+          <p:sp>
+            <p:nvSpPr>
+              <p:cNvPr id="77" name="milestoneshape"/>
+              <p:cNvSpPr/>
+              <p:nvPr/>
+            </p:nvSpPr>
+            <p:spPr>
+              <a:xfrm rot="10800000">
+                <a:off x="1483205" y="2059390"/>
+                <a:ext cx="254000" cy="372533"/>
+              </a:xfrm>
+              <a:prstGeom prst="flowChartMerge">
+                <a:avLst/>
+              </a:prstGeom>
               <a:solidFill>
-                <a:srgbClr val="7D7D7D"/>
+                <a:srgbClr val="1AAA42"/>
               </a:solidFill>
-            </a:ln>
-          </p:spPr>
-          <p:style>
-            <a:lnRef idx="1">
-              <a:schemeClr val="accent1"/>
-            </a:lnRef>
-            <a:fillRef idx="0">
-              <a:schemeClr val="accent1"/>
-            </a:fillRef>
-            <a:effectRef idx="0">
-              <a:schemeClr val="accent1"/>
-            </a:effectRef>
-            <a:fontRef idx="minor">
-              <a:schemeClr val="tx1"/>
-            </a:fontRef>
-          </p:style>
-        </p:cxnSp>
-        <p:cxnSp>
-          <p:nvCxnSpPr>
-            <p:cNvPr id="72" name="pgshape"/>
-            <p:cNvCxnSpPr/>
-            <p:nvPr/>
-          </p:nvCxnSpPr>
-          <p:spPr>
-            <a:xfrm flipV="1">
-              <a:off x="7950200" y="1654734"/>
-              <a:ext cx="0" cy="169333"/>
-            </a:xfrm>
-            <a:prstGeom prst="line">
-              <a:avLst/>
-            </a:prstGeom>
-            <a:ln w="25400">
+              <a:ln w="25400" cap="flat" cmpd="sng" algn="ctr">
+                <a:noFill/>
+                <a:prstDash val="solid"/>
+              </a:ln>
+              <a:effectLst>
+                <a:outerShdw blurRad="63500">
+                  <a:scrgbClr r="0" g="0" b="0">
+                    <a:alpha val="50000"/>
+                  </a:scrgbClr>
+                </a:outerShdw>
+              </a:effectLst>
+              <a:scene3d>
+                <a:camera prst="orthographicFront"/>
+                <a:lightRig rig="threePt" dir="t"/>
+              </a:scene3d>
+              <a:sp3d>
+                <a:bevelT h="12700"/>
+              </a:sp3d>
+              <a:extLst>
+                <a:ext uri="{91240B29-F687-4F45-9708-019B960494DF}">
+                  <a14:hiddenLine xmlns:a14="http://schemas.microsoft.com/office/drawing/2010/main" w="25400" cap="flat" cmpd="sng" algn="ctr">
+                    <a:solidFill>
+                      <a:schemeClr val="accent1">
+                        <a:shade val="50000"/>
+                      </a:schemeClr>
+                    </a:solidFill>
+                    <a:prstDash val="solid"/>
+                  </a14:hiddenLine>
+                </a:ext>
+              </a:extLst>
+            </p:spPr>
+            <p:style>
+              <a:lnRef idx="2">
+                <a:schemeClr val="accent1">
+                  <a:shade val="50000"/>
+                </a:schemeClr>
+              </a:lnRef>
+              <a:fillRef idx="1">
+                <a:schemeClr val="accent1"/>
+              </a:fillRef>
+              <a:effectRef idx="0">
+                <a:schemeClr val="accent1"/>
+              </a:effectRef>
+              <a:fontRef idx="minor">
+                <a:schemeClr val="lt1"/>
+              </a:fontRef>
+            </p:style>
+            <p:txBody>
+              <a:bodyPr rtlCol="0" anchor="ctr"/>
+              <a:lstStyle/>
+              <a:p>
+                <a:pPr algn="ctr"/>
+                <a:endParaRPr lang="en-US" dirty="0">
+                  <a:solidFill>
+                    <a:prstClr val="white"/>
+                  </a:solidFill>
+                </a:endParaRPr>
+              </a:p>
+            </p:txBody>
+          </p:sp>
+          <p:sp>
+            <p:nvSpPr>
+              <p:cNvPr id="78" name="milestoneshape"/>
+              <p:cNvSpPr txBox="1"/>
+              <p:nvPr>
+                <p:custDataLst>
+                  <p:tags r:id="rId17"/>
+                </p:custDataLst>
+              </p:nvPr>
+            </p:nvSpPr>
+            <p:spPr>
+              <a:xfrm>
+                <a:off x="381883" y="2282373"/>
+                <a:ext cx="1397000" cy="445323"/>
+              </a:xfrm>
+              <a:prstGeom prst="rect">
+                <a:avLst/>
+              </a:prstGeom>
+              <a:noFill/>
+            </p:spPr>
+            <p:txBody>
+              <a:bodyPr vert="horz" wrap="none" lIns="88900" tIns="44450" rIns="88900" bIns="44450" rtlCol="0" anchor="ctr" anchorCtr="1">
+                <a:noAutofit/>
+              </a:bodyPr>
+              <a:lstStyle/>
+              <a:p>
+                <a:pPr algn="ctr">
+                  <a:lnSpc>
+                    <a:spcPct val="80000"/>
+                  </a:lnSpc>
+                </a:pPr>
+                <a:r>
+                  <a:rPr lang="en-US" sz="1500" dirty="0">
+                    <a:solidFill>
+                      <a:prstClr val="black"/>
+                    </a:solidFill>
+                    <a:latin typeface=""/>
+                  </a:rPr>
+                  <a:t>10/14</a:t>
+                </a:r>
+              </a:p>
+              <a:p>
+                <a:pPr algn="ctr">
+                  <a:lnSpc>
+                    <a:spcPct val="80000"/>
+                  </a:lnSpc>
+                </a:pPr>
+                <a:r>
+                  <a:rPr lang="zh-CN" altLang="en-US" sz="1500" dirty="0">
+                    <a:solidFill>
+                      <a:prstClr val="black"/>
+                    </a:solidFill>
+                    <a:latin typeface=""/>
+                  </a:rPr>
+                  <a:t>第一次项目讨论</a:t>
+                </a:r>
+                <a:endParaRPr lang="en-US" sz="1500" dirty="0">
+                  <a:solidFill>
+                    <a:prstClr val="black"/>
+                  </a:solidFill>
+                  <a:latin typeface=""/>
+                </a:endParaRPr>
+              </a:p>
+            </p:txBody>
+          </p:sp>
+          <p:cxnSp>
+            <p:nvCxnSpPr>
+              <p:cNvPr id="79" name="pgshape"/>
+              <p:cNvCxnSpPr/>
+              <p:nvPr/>
+            </p:nvCxnSpPr>
+            <p:spPr>
+              <a:xfrm flipV="1">
+                <a:off x="3563888" y="1651059"/>
+                <a:ext cx="0" cy="169333"/>
+              </a:xfrm>
+              <a:prstGeom prst="line">
+                <a:avLst/>
+              </a:prstGeom>
+              <a:ln w="25400">
+                <a:solidFill>
+                  <a:srgbClr val="7D7D7D"/>
+                </a:solidFill>
+              </a:ln>
+            </p:spPr>
+            <p:style>
+              <a:lnRef idx="1">
+                <a:schemeClr val="accent1"/>
+              </a:lnRef>
+              <a:fillRef idx="0">
+                <a:schemeClr val="accent1"/>
+              </a:fillRef>
+              <a:effectRef idx="0">
+                <a:schemeClr val="accent1"/>
+              </a:effectRef>
+              <a:fontRef idx="minor">
+                <a:schemeClr val="tx1"/>
+              </a:fontRef>
+            </p:style>
+          </p:cxnSp>
+          <p:sp>
+            <p:nvSpPr>
+              <p:cNvPr id="80" name="intervalshape"/>
+              <p:cNvSpPr/>
+              <p:nvPr>
+                <p:custDataLst>
+                  <p:tags r:id="rId18"/>
+                </p:custDataLst>
+              </p:nvPr>
+            </p:nvSpPr>
+            <p:spPr>
+              <a:xfrm>
+                <a:off x="1749121" y="2461149"/>
+                <a:ext cx="1298880" cy="325028"/>
+              </a:xfrm>
+              <a:prstGeom prst="roundRect">
+                <a:avLst/>
+              </a:prstGeom>
               <a:solidFill>
-                <a:schemeClr val="lt2"/>
+                <a:srgbClr val="FEBA0A"/>
               </a:solidFill>
-            </a:ln>
-          </p:spPr>
-          <p:style>
-            <a:lnRef idx="1">
-              <a:schemeClr val="accent1"/>
-            </a:lnRef>
-            <a:fillRef idx="0">
-              <a:schemeClr val="accent1"/>
-            </a:fillRef>
-            <a:effectRef idx="0">
-              <a:schemeClr val="accent1"/>
-            </a:effectRef>
-            <a:fontRef idx="minor">
-              <a:schemeClr val="tx1"/>
-            </a:fontRef>
-          </p:style>
-        </p:cxnSp>
+              <a:ln w="25400" cap="flat" cmpd="sng" algn="ctr">
+                <a:noFill/>
+                <a:prstDash val="solid"/>
+              </a:ln>
+              <a:effectLst>
+                <a:outerShdw blurRad="63500">
+                  <a:scrgbClr r="0" g="0" b="0">
+                    <a:alpha val="50000"/>
+                  </a:scrgbClr>
+                </a:outerShdw>
+              </a:effectLst>
+              <a:scene3d>
+                <a:camera prst="orthographicFront"/>
+                <a:lightRig rig="balanced" dir="t">
+                  <a:rot lat="0" lon="0" rev="8700000"/>
+                </a:lightRig>
+              </a:scene3d>
+              <a:sp3d>
+                <a:bevelT w="165100" h="12700"/>
+              </a:sp3d>
+              <a:extLst>
+                <a:ext uri="{91240B29-F687-4F45-9708-019B960494DF}">
+                  <a14:hiddenLine xmlns:a14="http://schemas.microsoft.com/office/drawing/2010/main" w="25400" cap="flat" cmpd="sng" algn="ctr">
+                    <a:solidFill>
+                      <a:schemeClr val="accent1">
+                        <a:shade val="50000"/>
+                      </a:schemeClr>
+                    </a:solidFill>
+                    <a:prstDash val="solid"/>
+                  </a14:hiddenLine>
+                </a:ext>
+                <a:ext uri="{53640926-AAD7-44D8-BBD7-CCE9431645EC}">
+                  <a14:shadowObscured xmlns:a14="http://schemas.microsoft.com/office/drawing/2010/main" val="1"/>
+                </a:ext>
+              </a:extLst>
+            </p:spPr>
+            <p:style>
+              <a:lnRef idx="2">
+                <a:schemeClr val="accent1">
+                  <a:shade val="50000"/>
+                </a:schemeClr>
+              </a:lnRef>
+              <a:fillRef idx="1">
+                <a:schemeClr val="accent1"/>
+              </a:fillRef>
+              <a:effectRef idx="0">
+                <a:schemeClr val="accent1"/>
+              </a:effectRef>
+              <a:fontRef idx="minor">
+                <a:schemeClr val="lt1"/>
+              </a:fontRef>
+            </p:style>
+            <p:txBody>
+              <a:bodyPr wrap="none" lIns="44450" tIns="19050" rIns="44450" bIns="6350" rtlCol="0" anchor="ctr"/>
+              <a:lstStyle/>
+              <a:p>
+                <a:pPr algn="ctr">
+                  <a:lnSpc>
+                    <a:spcPts val="1000"/>
+                  </a:lnSpc>
+                </a:pPr>
+                <a:r>
+                  <a:rPr lang="zh-CN" altLang="en-US" sz="1700" dirty="0">
+                    <a:solidFill>
+                      <a:srgbClr val="FFFFFF"/>
+                    </a:solidFill>
+                    <a:latin typeface=""/>
+                  </a:rPr>
+                  <a:t>文献调研</a:t>
+                </a:r>
+                <a:endParaRPr lang="en-US" sz="1700" dirty="0">
+                  <a:solidFill>
+                    <a:srgbClr val="FFFFFF"/>
+                  </a:solidFill>
+                  <a:latin typeface=""/>
+                </a:endParaRPr>
+              </a:p>
+            </p:txBody>
+          </p:sp>
+          <p:sp>
+            <p:nvSpPr>
+              <p:cNvPr id="81" name="pgshape"/>
+              <p:cNvSpPr txBox="1"/>
+              <p:nvPr>
+                <p:custDataLst>
+                  <p:tags r:id="rId19"/>
+                </p:custDataLst>
+              </p:nvPr>
+            </p:nvSpPr>
+            <p:spPr>
+              <a:xfrm>
+                <a:off x="1209888" y="1818153"/>
+                <a:ext cx="563033" cy="338667"/>
+              </a:xfrm>
+              <a:prstGeom prst="rect">
+                <a:avLst/>
+              </a:prstGeom>
+              <a:noFill/>
+            </p:spPr>
+            <p:txBody>
+              <a:bodyPr vert="horz" wrap="square" rtlCol="0" anchor="ctr" anchorCtr="0">
+                <a:noAutofit/>
+              </a:bodyPr>
+              <a:lstStyle/>
+              <a:p>
+                <a:r>
+                  <a:rPr lang="en-US" sz="1600" dirty="0">
+                    <a:solidFill>
+                      <a:srgbClr val="FFFFFF"/>
+                    </a:solidFill>
+                  </a:rPr>
+                  <a:t>Oct</a:t>
+                </a:r>
+              </a:p>
+            </p:txBody>
+          </p:sp>
+          <p:sp>
+            <p:nvSpPr>
+              <p:cNvPr id="82" name="intervalshape"/>
+              <p:cNvSpPr/>
+              <p:nvPr>
+                <p:custDataLst>
+                  <p:tags r:id="rId20"/>
+                </p:custDataLst>
+              </p:nvPr>
+            </p:nvSpPr>
+            <p:spPr>
+              <a:xfrm>
+                <a:off x="2537888" y="3397441"/>
+                <a:ext cx="1005842" cy="325028"/>
+              </a:xfrm>
+              <a:prstGeom prst="roundRect">
+                <a:avLst/>
+              </a:prstGeom>
+              <a:solidFill>
+                <a:srgbClr val="C78E01"/>
+              </a:solidFill>
+              <a:ln w="25400" cap="flat" cmpd="sng" algn="ctr">
+                <a:noFill/>
+                <a:prstDash val="solid"/>
+              </a:ln>
+              <a:effectLst>
+                <a:outerShdw blurRad="63500">
+                  <a:scrgbClr r="0" g="0" b="0">
+                    <a:alpha val="50000"/>
+                  </a:scrgbClr>
+                </a:outerShdw>
+              </a:effectLst>
+              <a:scene3d>
+                <a:camera prst="orthographicFront"/>
+                <a:lightRig rig="balanced" dir="t">
+                  <a:rot lat="0" lon="0" rev="8700000"/>
+                </a:lightRig>
+              </a:scene3d>
+              <a:sp3d>
+                <a:bevelT w="165100" h="12700"/>
+              </a:sp3d>
+              <a:extLst>
+                <a:ext uri="{91240B29-F687-4F45-9708-019B960494DF}">
+                  <a14:hiddenLine xmlns:a14="http://schemas.microsoft.com/office/drawing/2010/main" w="25400" cap="flat" cmpd="sng" algn="ctr">
+                    <a:solidFill>
+                      <a:schemeClr val="accent1">
+                        <a:shade val="50000"/>
+                      </a:schemeClr>
+                    </a:solidFill>
+                    <a:prstDash val="solid"/>
+                  </a14:hiddenLine>
+                </a:ext>
+                <a:ext uri="{53640926-AAD7-44D8-BBD7-CCE9431645EC}">
+                  <a14:shadowObscured xmlns:a14="http://schemas.microsoft.com/office/drawing/2010/main" val="1"/>
+                </a:ext>
+              </a:extLst>
+            </p:spPr>
+            <p:style>
+              <a:lnRef idx="2">
+                <a:schemeClr val="accent1">
+                  <a:shade val="50000"/>
+                </a:schemeClr>
+              </a:lnRef>
+              <a:fillRef idx="1">
+                <a:schemeClr val="accent1"/>
+              </a:fillRef>
+              <a:effectRef idx="0">
+                <a:schemeClr val="accent1"/>
+              </a:effectRef>
+              <a:fontRef idx="minor">
+                <a:schemeClr val="lt1"/>
+              </a:fontRef>
+            </p:style>
+            <p:txBody>
+              <a:bodyPr wrap="none" lIns="44450" tIns="19050" rIns="44450" bIns="6350" rtlCol="0" anchor="ctr"/>
+              <a:lstStyle/>
+              <a:p>
+                <a:pPr algn="ctr">
+                  <a:lnSpc>
+                    <a:spcPts val="1000"/>
+                  </a:lnSpc>
+                </a:pPr>
+                <a:r>
+                  <a:rPr lang="zh-CN" altLang="en-US" sz="1700" dirty="0">
+                    <a:solidFill>
+                      <a:srgbClr val="FFFFFF"/>
+                    </a:solidFill>
+                    <a:latin typeface=""/>
+                  </a:rPr>
+                  <a:t>误差分析</a:t>
+                </a:r>
+                <a:endParaRPr lang="en-US" sz="1700" dirty="0">
+                  <a:solidFill>
+                    <a:srgbClr val="FFFFFF"/>
+                  </a:solidFill>
+                  <a:latin typeface=""/>
+                </a:endParaRPr>
+              </a:p>
+            </p:txBody>
+          </p:sp>
+          <p:grpSp>
+            <p:nvGrpSpPr>
+              <p:cNvPr id="83" name="组合 82"/>
+              <p:cNvGrpSpPr/>
+              <p:nvPr/>
+            </p:nvGrpSpPr>
+            <p:grpSpPr>
+              <a:xfrm>
+                <a:off x="1737205" y="2867218"/>
+                <a:ext cx="1674369" cy="458748"/>
+                <a:chOff x="1737205" y="2825896"/>
+                <a:chExt cx="1674369" cy="531096"/>
+              </a:xfrm>
+            </p:grpSpPr>
+            <p:sp>
+              <p:nvSpPr>
+                <p:cNvPr id="86" name="intervalshape"/>
+                <p:cNvSpPr/>
+                <p:nvPr>
+                  <p:custDataLst>
+                    <p:tags r:id="rId22"/>
+                  </p:custDataLst>
+                </p:nvPr>
+              </p:nvSpPr>
+              <p:spPr>
+                <a:xfrm>
+                  <a:off x="1737205" y="2836971"/>
+                  <a:ext cx="760195" cy="520021"/>
+                </a:xfrm>
+                <a:prstGeom prst="roundRect">
+                  <a:avLst/>
+                </a:prstGeom>
+                <a:solidFill>
+                  <a:schemeClr val="accent1">
+                    <a:lumMod val="75000"/>
+                  </a:schemeClr>
+                </a:solidFill>
+                <a:ln w="25400" cap="flat" cmpd="sng" algn="ctr">
+                  <a:noFill/>
+                  <a:prstDash val="solid"/>
+                </a:ln>
+                <a:effectLst>
+                  <a:outerShdw blurRad="63500">
+                    <a:scrgbClr r="0" g="0" b="0">
+                      <a:alpha val="50000"/>
+                    </a:scrgbClr>
+                  </a:outerShdw>
+                </a:effectLst>
+                <a:scene3d>
+                  <a:camera prst="orthographicFront"/>
+                  <a:lightRig rig="balanced" dir="t">
+                    <a:rot lat="0" lon="0" rev="8700000"/>
+                  </a:lightRig>
+                </a:scene3d>
+                <a:sp3d>
+                  <a:bevelT w="165100" h="12700"/>
+                </a:sp3d>
+                <a:extLst>
+                  <a:ext uri="{53640926-AAD7-44D8-BBD7-CCE9431645EC}">
+                    <a14:shadowObscured xmlns:a14="http://schemas.microsoft.com/office/drawing/2010/main" val="1"/>
+                  </a:ext>
+                </a:extLst>
+              </p:spPr>
+              <p:style>
+                <a:lnRef idx="2">
+                  <a:schemeClr val="accent1">
+                    <a:shade val="50000"/>
+                  </a:schemeClr>
+                </a:lnRef>
+                <a:fillRef idx="1">
+                  <a:schemeClr val="accent1"/>
+                </a:fillRef>
+                <a:effectRef idx="0">
+                  <a:schemeClr val="accent1"/>
+                </a:effectRef>
+                <a:fontRef idx="minor">
+                  <a:schemeClr val="lt1"/>
+                </a:fontRef>
+              </p:style>
+              <p:txBody>
+                <a:bodyPr wrap="none" lIns="44450" tIns="19050" rIns="44450" bIns="6350" rtlCol="0" anchor="ctr"/>
+                <a:lstStyle/>
+                <a:p>
+                  <a:pPr algn="ctr">
+                    <a:lnSpc>
+                      <a:spcPct val="90000"/>
+                    </a:lnSpc>
+                  </a:pPr>
+                  <a:r>
+                    <a:rPr lang="en-US" altLang="zh-CN" sz="1700" dirty="0" err="1">
+                      <a:solidFill>
+                        <a:srgbClr val="FFFFFF"/>
+                      </a:solidFill>
+                      <a:latin typeface=""/>
+                    </a:rPr>
+                    <a:t>Matlab</a:t>
+                  </a:r>
+                  <a:endParaRPr lang="en-US" altLang="zh-CN" sz="1700" dirty="0">
+                    <a:solidFill>
+                      <a:srgbClr val="FFFFFF"/>
+                    </a:solidFill>
+                    <a:latin typeface=""/>
+                  </a:endParaRPr>
+                </a:p>
+                <a:p>
+                  <a:pPr algn="ctr">
+                    <a:lnSpc>
+                      <a:spcPct val="90000"/>
+                    </a:lnSpc>
+                  </a:pPr>
+                  <a:r>
+                    <a:rPr lang="zh-CN" altLang="en-US" sz="1700" dirty="0">
+                      <a:solidFill>
+                        <a:srgbClr val="FFFFFF"/>
+                      </a:solidFill>
+                      <a:latin typeface=""/>
+                    </a:rPr>
+                    <a:t>测试平台</a:t>
+                  </a:r>
+                  <a:endParaRPr lang="en-US" sz="1700" dirty="0">
+                    <a:solidFill>
+                      <a:srgbClr val="FFFFFF"/>
+                    </a:solidFill>
+                    <a:latin typeface=""/>
+                  </a:endParaRPr>
+                </a:p>
+              </p:txBody>
+            </p:sp>
+            <p:sp>
+              <p:nvSpPr>
+                <p:cNvPr id="87" name="intervalshape"/>
+                <p:cNvSpPr/>
+                <p:nvPr>
+                  <p:custDataLst>
+                    <p:tags r:id="rId23"/>
+                  </p:custDataLst>
+                </p:nvPr>
+              </p:nvSpPr>
+              <p:spPr>
+                <a:xfrm>
+                  <a:off x="2537887" y="2825896"/>
+                  <a:ext cx="873687" cy="520021"/>
+                </a:xfrm>
+                <a:prstGeom prst="roundRect">
+                  <a:avLst/>
+                </a:prstGeom>
+                <a:solidFill>
+                  <a:schemeClr val="accent1">
+                    <a:lumMod val="75000"/>
+                  </a:schemeClr>
+                </a:solidFill>
+                <a:ln w="25400" cap="flat" cmpd="sng" algn="ctr">
+                  <a:noFill/>
+                  <a:prstDash val="solid"/>
+                </a:ln>
+                <a:effectLst>
+                  <a:outerShdw blurRad="63500">
+                    <a:scrgbClr r="0" g="0" b="0">
+                      <a:alpha val="50000"/>
+                    </a:scrgbClr>
+                  </a:outerShdw>
+                </a:effectLst>
+                <a:scene3d>
+                  <a:camera prst="orthographicFront"/>
+                  <a:lightRig rig="balanced" dir="t">
+                    <a:rot lat="0" lon="0" rev="8700000"/>
+                  </a:lightRig>
+                </a:scene3d>
+                <a:sp3d>
+                  <a:bevelT w="165100" h="12700"/>
+                </a:sp3d>
+                <a:extLst>
+                  <a:ext uri="{53640926-AAD7-44D8-BBD7-CCE9431645EC}">
+                    <a14:shadowObscured xmlns:a14="http://schemas.microsoft.com/office/drawing/2010/main" val="1"/>
+                  </a:ext>
+                </a:extLst>
+              </p:spPr>
+              <p:style>
+                <a:lnRef idx="2">
+                  <a:schemeClr val="accent1">
+                    <a:shade val="50000"/>
+                  </a:schemeClr>
+                </a:lnRef>
+                <a:fillRef idx="1">
+                  <a:schemeClr val="accent1"/>
+                </a:fillRef>
+                <a:effectRef idx="0">
+                  <a:schemeClr val="accent1"/>
+                </a:effectRef>
+                <a:fontRef idx="minor">
+                  <a:schemeClr val="lt1"/>
+                </a:fontRef>
+              </p:style>
+              <p:txBody>
+                <a:bodyPr wrap="none" lIns="44450" tIns="19050" rIns="44450" bIns="6350" rtlCol="0" anchor="ctr"/>
+                <a:lstStyle/>
+                <a:p>
+                  <a:pPr algn="ctr">
+                    <a:lnSpc>
+                      <a:spcPct val="90000"/>
+                    </a:lnSpc>
+                  </a:pPr>
+                  <a:r>
+                    <a:rPr lang="en-US" altLang="zh-CN" sz="1700" dirty="0" err="1">
+                      <a:solidFill>
+                        <a:srgbClr val="FFFFFF"/>
+                      </a:solidFill>
+                      <a:latin typeface=""/>
+                    </a:rPr>
+                    <a:t>Modelsim</a:t>
+                  </a:r>
+                  <a:endParaRPr lang="en-US" altLang="zh-CN" sz="1700" dirty="0">
+                    <a:solidFill>
+                      <a:srgbClr val="FFFFFF"/>
+                    </a:solidFill>
+                    <a:latin typeface=""/>
+                  </a:endParaRPr>
+                </a:p>
+                <a:p>
+                  <a:pPr algn="ctr">
+                    <a:lnSpc>
+                      <a:spcPct val="90000"/>
+                    </a:lnSpc>
+                  </a:pPr>
+                  <a:r>
+                    <a:rPr lang="zh-CN" altLang="en-US" sz="1700" dirty="0">
+                      <a:solidFill>
+                        <a:srgbClr val="FFFFFF"/>
+                      </a:solidFill>
+                      <a:latin typeface=""/>
+                    </a:rPr>
+                    <a:t>测试平台</a:t>
+                  </a:r>
+                  <a:endParaRPr lang="en-US" sz="1700" dirty="0">
+                    <a:solidFill>
+                      <a:srgbClr val="FFFFFF"/>
+                    </a:solidFill>
+                    <a:latin typeface=""/>
+                  </a:endParaRPr>
+                </a:p>
+              </p:txBody>
+            </p:sp>
+          </p:grpSp>
+          <p:cxnSp>
+            <p:nvCxnSpPr>
+              <p:cNvPr id="84" name="intervalshape"/>
+              <p:cNvCxnSpPr/>
+              <p:nvPr/>
+            </p:nvCxnSpPr>
+            <p:spPr>
+              <a:xfrm>
+                <a:off x="3868702" y="1886203"/>
+                <a:ext cx="0" cy="1915216"/>
+              </a:xfrm>
+              <a:prstGeom prst="line">
+                <a:avLst/>
+              </a:prstGeom>
+              <a:ln w="1270">
+                <a:solidFill>
+                  <a:srgbClr val="CCCCCC"/>
+                </a:solidFill>
+              </a:ln>
+            </p:spPr>
+            <p:style>
+              <a:lnRef idx="1">
+                <a:schemeClr val="accent1"/>
+              </a:lnRef>
+              <a:fillRef idx="0">
+                <a:schemeClr val="accent1"/>
+              </a:fillRef>
+              <a:effectRef idx="0">
+                <a:schemeClr val="accent1"/>
+              </a:effectRef>
+              <a:fontRef idx="minor">
+                <a:schemeClr val="tx1"/>
+              </a:fontRef>
+            </p:style>
+          </p:cxnSp>
+          <p:sp>
+            <p:nvSpPr>
+              <p:cNvPr id="85" name="intervalshape"/>
+              <p:cNvSpPr/>
+              <p:nvPr>
+                <p:custDataLst>
+                  <p:tags r:id="rId21"/>
+                </p:custDataLst>
+              </p:nvPr>
+            </p:nvSpPr>
+            <p:spPr>
+              <a:xfrm>
+                <a:off x="5043670" y="3801419"/>
+                <a:ext cx="1463843" cy="451970"/>
+              </a:xfrm>
+              <a:prstGeom prst="roundRect">
+                <a:avLst/>
+              </a:prstGeom>
+              <a:solidFill>
+                <a:srgbClr val="0072BC"/>
+              </a:solidFill>
+              <a:ln w="25400" cap="flat" cmpd="sng" algn="ctr">
+                <a:noFill/>
+                <a:prstDash val="solid"/>
+              </a:ln>
+              <a:effectLst>
+                <a:outerShdw blurRad="63500">
+                  <a:scrgbClr r="0" g="0" b="0">
+                    <a:alpha val="50000"/>
+                  </a:scrgbClr>
+                </a:outerShdw>
+              </a:effectLst>
+              <a:scene3d>
+                <a:camera prst="orthographicFront"/>
+                <a:lightRig rig="balanced" dir="t">
+                  <a:rot lat="0" lon="0" rev="8700000"/>
+                </a:lightRig>
+              </a:scene3d>
+              <a:sp3d>
+                <a:bevelT w="165100" h="12700"/>
+              </a:sp3d>
+              <a:extLst>
+                <a:ext uri="{91240B29-F687-4F45-9708-019B960494DF}">
+                  <a14:hiddenLine xmlns:a14="http://schemas.microsoft.com/office/drawing/2010/main" w="25400" cap="flat" cmpd="sng" algn="ctr">
+                    <a:solidFill>
+                      <a:schemeClr val="accent1">
+                        <a:shade val="50000"/>
+                      </a:schemeClr>
+                    </a:solidFill>
+                    <a:prstDash val="solid"/>
+                  </a14:hiddenLine>
+                </a:ext>
+                <a:ext uri="{53640926-AAD7-44D8-BBD7-CCE9431645EC}">
+                  <a14:shadowObscured xmlns:a14="http://schemas.microsoft.com/office/drawing/2010/main" val="1"/>
+                </a:ext>
+              </a:extLst>
+            </p:spPr>
+            <p:style>
+              <a:lnRef idx="2">
+                <a:schemeClr val="accent1">
+                  <a:shade val="50000"/>
+                </a:schemeClr>
+              </a:lnRef>
+              <a:fillRef idx="1">
+                <a:schemeClr val="accent1"/>
+              </a:fillRef>
+              <a:effectRef idx="0">
+                <a:schemeClr val="accent1"/>
+              </a:effectRef>
+              <a:fontRef idx="minor">
+                <a:schemeClr val="lt1"/>
+              </a:fontRef>
+            </p:style>
+            <p:txBody>
+              <a:bodyPr wrap="none" lIns="44450" tIns="19050" rIns="44450" bIns="6350" rtlCol="0" anchor="ctr"/>
+              <a:lstStyle/>
+              <a:p>
+                <a:pPr algn="ctr">
+                  <a:lnSpc>
+                    <a:spcPct val="90000"/>
+                  </a:lnSpc>
+                </a:pPr>
+                <a:r>
+                  <a:rPr lang="zh-CN" altLang="en-US" sz="1700" dirty="0">
+                    <a:solidFill>
+                      <a:srgbClr val="FFFFFF"/>
+                    </a:solidFill>
+                    <a:latin typeface=""/>
+                  </a:rPr>
+                  <a:t>后端设计</a:t>
+                </a:r>
+                <a:endParaRPr lang="en-US" altLang="zh-CN" sz="1700" dirty="0">
+                  <a:solidFill>
+                    <a:srgbClr val="FFFFFF"/>
+                  </a:solidFill>
+                  <a:latin typeface=""/>
+                </a:endParaRPr>
+              </a:p>
+              <a:p>
+                <a:pPr algn="ctr">
+                  <a:lnSpc>
+                    <a:spcPct val="90000"/>
+                  </a:lnSpc>
+                </a:pPr>
+                <a:r>
+                  <a:rPr lang="zh-CN" altLang="en-US" sz="1700" dirty="0">
+                    <a:solidFill>
+                      <a:srgbClr val="FFFFFF"/>
+                    </a:solidFill>
+                    <a:latin typeface=""/>
+                  </a:rPr>
+                  <a:t>电路实现优化</a:t>
+                </a:r>
+                <a:endParaRPr lang="en-US" sz="1700" dirty="0">
+                  <a:solidFill>
+                    <a:srgbClr val="FFFFFF"/>
+                  </a:solidFill>
+                  <a:latin typeface=""/>
+                </a:endParaRPr>
+              </a:p>
+            </p:txBody>
+          </p:sp>
+        </p:grpSp>
         <p:sp>
           <p:nvSpPr>
-            <p:cNvPr id="73" name="pgshape"/>
-            <p:cNvSpPr txBox="1"/>
-            <p:nvPr>
-              <p:custDataLst>
-                <p:tags r:id="rId15"/>
-              </p:custDataLst>
-            </p:nvPr>
-          </p:nvSpPr>
-          <p:spPr>
-            <a:xfrm>
-              <a:off x="8077200" y="1824067"/>
-              <a:ext cx="635000" cy="338667"/>
-            </a:xfrm>
-            <a:prstGeom prst="rect">
-              <a:avLst/>
-            </a:prstGeom>
-            <a:noFill/>
-          </p:spPr>
-          <p:txBody>
-            <a:bodyPr vert="horz" wrap="none" rtlCol="0" anchor="ctr">
-              <a:noAutofit/>
-            </a:bodyPr>
-            <a:lstStyle/>
-            <a:p>
-              <a:pPr algn="ctr"/>
-              <a:r>
-                <a:rPr lang="en-US" sz="2400" b="1" dirty="0" smtClean="0">
-                  <a:solidFill>
-                    <a:srgbClr val="C0504D"/>
-                  </a:solidFill>
-                </a:rPr>
-                <a:t>2017</a:t>
-              </a:r>
-              <a:endParaRPr lang="en-US" sz="2400" b="1" dirty="0">
-                <a:solidFill>
-                  <a:srgbClr val="C0504D"/>
-                </a:solidFill>
-              </a:endParaRPr>
-            </a:p>
-          </p:txBody>
-        </p:sp>
-        <p:sp>
-          <p:nvSpPr>
-            <p:cNvPr id="74" name="milestoneshape"/>
+            <p:cNvPr id="92" name="milestoneshape"/>
             <p:cNvSpPr/>
             <p:nvPr/>
           </p:nvSpPr>
           <p:spPr>
-            <a:xfrm rot="10800000">
-              <a:off x="7583974" y="2044201"/>
+            <a:xfrm>
+              <a:off x="5918030" y="3067592"/>
               <a:ext cx="254000" cy="372533"/>
             </a:xfrm>
             <a:prstGeom prst="flowChartMerge">
               <a:avLst/>
             </a:prstGeom>
             <a:solidFill>
-              <a:schemeClr val="tx1"/>
+              <a:srgbClr val="FF4B21"/>
             </a:solidFill>
             <a:ln w="25400" cap="flat" cmpd="sng" algn="ctr">
               <a:noFill/>
@@ -15591,18 +16460,18 @@
         </p:sp>
         <p:sp>
           <p:nvSpPr>
-            <p:cNvPr id="75" name="milestoneshape"/>
+            <p:cNvPr id="93" name="milestoneshape"/>
             <p:cNvSpPr txBox="1"/>
             <p:nvPr>
               <p:custDataLst>
-                <p:tags r:id="rId16"/>
+                <p:tags r:id="rId1"/>
               </p:custDataLst>
             </p:nvPr>
           </p:nvSpPr>
           <p:spPr>
             <a:xfrm>
-              <a:off x="7012474" y="2442134"/>
-              <a:ext cx="1397000" cy="304800"/>
+              <a:off x="5336035" y="2874458"/>
+              <a:ext cx="1397000" cy="200016"/>
             </a:xfrm>
             <a:prstGeom prst="rect">
               <a:avLst/>
@@ -15610,369 +16479,26 @@
             <a:noFill/>
           </p:spPr>
           <p:txBody>
-            <a:bodyPr vert="horz" wrap="none" lIns="88900" tIns="44450" rIns="88900" bIns="44450" rtlCol="0" anchor="ctr" anchorCtr="1">
-              <a:noAutofit/>
+            <a:bodyPr vert="horz" wrap="square" lIns="88900" tIns="44450" rIns="88900" bIns="44450" rtlCol="0" anchor="b" anchorCtr="1">
+              <a:spAutoFit/>
             </a:bodyPr>
             <a:lstStyle/>
             <a:p>
-              <a:pPr algn="ctr"/>
+              <a:pPr algn="ctr">
+                <a:lnSpc>
+                  <a:spcPct val="80000"/>
+                </a:lnSpc>
+              </a:pPr>
               <a:r>
-                <a:rPr lang="en-US" sz="1000" dirty="0" smtClean="0">
+                <a:rPr lang="zh-CN" altLang="en-US" sz="1500" dirty="0">
                   <a:solidFill>
                     <a:prstClr val="black"/>
                   </a:solidFill>
                   <a:latin typeface=""/>
                 </a:rPr>
-                <a:t>2017</a:t>
+                <a:t>毕设中期报告</a:t>
               </a:r>
-              <a:r>
-                <a:rPr lang="zh-CN" altLang="en-US" sz="1000" dirty="0" smtClean="0">
-                  <a:solidFill>
-                    <a:prstClr val="black"/>
-                  </a:solidFill>
-                  <a:latin typeface=""/>
-                </a:rPr>
-                <a:t>年</a:t>
-              </a:r>
-              <a:r>
-                <a:rPr lang="en-US" altLang="zh-CN" sz="1000" dirty="0" smtClean="0">
-                  <a:solidFill>
-                    <a:prstClr val="black"/>
-                  </a:solidFill>
-                  <a:latin typeface=""/>
-                </a:rPr>
-                <a:t>6</a:t>
-              </a:r>
-              <a:r>
-                <a:rPr lang="zh-CN" altLang="en-US" sz="1000" dirty="0" smtClean="0">
-                  <a:solidFill>
-                    <a:prstClr val="black"/>
-                  </a:solidFill>
-                  <a:latin typeface=""/>
-                </a:rPr>
-                <a:t>月</a:t>
-              </a:r>
-              <a:endParaRPr lang="en-US" altLang="zh-CN" sz="1000" dirty="0" smtClean="0">
-                <a:solidFill>
-                  <a:prstClr val="black"/>
-                </a:solidFill>
-                <a:latin typeface=""/>
-              </a:endParaRPr>
-            </a:p>
-            <a:p>
-              <a:pPr algn="ctr"/>
-              <a:r>
-                <a:rPr lang="zh-CN" altLang="en-US" sz="1000" dirty="0" smtClean="0">
-                  <a:solidFill>
-                    <a:prstClr val="black"/>
-                  </a:solidFill>
-                  <a:latin typeface=""/>
-                </a:rPr>
-                <a:t>提交论文 </a:t>
-              </a:r>
-              <a:r>
-                <a:rPr lang="en-US" altLang="zh-CN" sz="1000" dirty="0" smtClean="0">
-                  <a:solidFill>
-                    <a:prstClr val="black"/>
-                  </a:solidFill>
-                  <a:latin typeface=""/>
-                </a:rPr>
-                <a:t>&amp; </a:t>
-              </a:r>
-              <a:r>
-                <a:rPr lang="zh-CN" altLang="en-US" sz="1000" dirty="0" smtClean="0">
-                  <a:solidFill>
-                    <a:prstClr val="black"/>
-                  </a:solidFill>
-                  <a:latin typeface=""/>
-                </a:rPr>
-                <a:t>毕设答辩</a:t>
-              </a:r>
-              <a:endParaRPr lang="en-US" sz="1000" dirty="0">
-                <a:solidFill>
-                  <a:prstClr val="black"/>
-                </a:solidFill>
-                <a:latin typeface=""/>
-              </a:endParaRPr>
-            </a:p>
-          </p:txBody>
-        </p:sp>
-        <p:grpSp>
-          <p:nvGrpSpPr>
-            <p:cNvPr id="76" name="组合 75"/>
-            <p:cNvGrpSpPr/>
-            <p:nvPr/>
-          </p:nvGrpSpPr>
-          <p:grpSpPr>
-            <a:xfrm>
-              <a:off x="3170202" y="1301023"/>
-              <a:ext cx="1397000" cy="590842"/>
-              <a:chOff x="6116737" y="1351758"/>
-              <a:chExt cx="1397000" cy="590842"/>
-            </a:xfrm>
-          </p:grpSpPr>
-          <p:sp>
-            <p:nvSpPr>
-              <p:cNvPr id="88" name="milestoneshape"/>
-              <p:cNvSpPr/>
-              <p:nvPr/>
-            </p:nvSpPr>
-            <p:spPr>
-              <a:xfrm>
-                <a:off x="6688237" y="1570067"/>
-                <a:ext cx="254000" cy="372533"/>
-              </a:xfrm>
-              <a:prstGeom prst="flowChartMerge">
-                <a:avLst/>
-              </a:prstGeom>
-              <a:solidFill>
-                <a:srgbClr val="CCFF33"/>
-              </a:solidFill>
-              <a:ln w="25400" cap="flat" cmpd="sng" algn="ctr">
-                <a:noFill/>
-                <a:prstDash val="solid"/>
-              </a:ln>
-              <a:effectLst>
-                <a:outerShdw blurRad="63500">
-                  <a:scrgbClr r="0" g="0" b="0">
-                    <a:alpha val="50000"/>
-                  </a:scrgbClr>
-                </a:outerShdw>
-              </a:effectLst>
-              <a:scene3d>
-                <a:camera prst="orthographicFront"/>
-                <a:lightRig rig="threePt" dir="t"/>
-              </a:scene3d>
-              <a:sp3d>
-                <a:bevelT h="12700"/>
-              </a:sp3d>
-              <a:extLst>
-                <a:ext uri="{91240B29-F687-4F45-9708-019B960494DF}">
-                  <a14:hiddenLine xmlns:a14="http://schemas.microsoft.com/office/drawing/2010/main" w="25400" cap="flat" cmpd="sng" algn="ctr">
-                    <a:solidFill>
-                      <a:schemeClr val="accent1">
-                        <a:shade val="50000"/>
-                      </a:schemeClr>
-                    </a:solidFill>
-                    <a:prstDash val="solid"/>
-                  </a14:hiddenLine>
-                </a:ext>
-              </a:extLst>
-            </p:spPr>
-            <p:style>
-              <a:lnRef idx="2">
-                <a:schemeClr val="accent1">
-                  <a:shade val="50000"/>
-                </a:schemeClr>
-              </a:lnRef>
-              <a:fillRef idx="1">
-                <a:schemeClr val="accent1"/>
-              </a:fillRef>
-              <a:effectRef idx="0">
-                <a:schemeClr val="accent1"/>
-              </a:effectRef>
-              <a:fontRef idx="minor">
-                <a:schemeClr val="lt1"/>
-              </a:fontRef>
-            </p:style>
-            <p:txBody>
-              <a:bodyPr rtlCol="0" anchor="ctr"/>
-              <a:lstStyle/>
-              <a:p>
-                <a:pPr algn="ctr"/>
-                <a:endParaRPr lang="en-US" dirty="0">
-                  <a:solidFill>
-                    <a:prstClr val="white"/>
-                  </a:solidFill>
-                </a:endParaRPr>
-              </a:p>
-            </p:txBody>
-          </p:sp>
-          <p:sp>
-            <p:nvSpPr>
-              <p:cNvPr id="89" name="milestoneshape"/>
-              <p:cNvSpPr txBox="1"/>
-              <p:nvPr>
-                <p:custDataLst>
-                  <p:tags r:id="rId24"/>
-                </p:custDataLst>
-              </p:nvPr>
-            </p:nvSpPr>
-            <p:spPr>
-              <a:xfrm>
-                <a:off x="6116737" y="1351758"/>
-                <a:ext cx="1397000" cy="225190"/>
-              </a:xfrm>
-              <a:prstGeom prst="rect">
-                <a:avLst/>
-              </a:prstGeom>
-              <a:noFill/>
-            </p:spPr>
-            <p:txBody>
-              <a:bodyPr vert="horz" wrap="square" lIns="88900" tIns="44450" rIns="88900" bIns="44450" rtlCol="0" anchor="b" anchorCtr="1">
-                <a:spAutoFit/>
-              </a:bodyPr>
-              <a:lstStyle/>
-              <a:p>
-                <a:pPr algn="ctr">
-                  <a:lnSpc>
-                    <a:spcPct val="80000"/>
-                  </a:lnSpc>
-                </a:pPr>
-                <a:r>
-                  <a:rPr lang="zh-CN" altLang="en-US" sz="1100" dirty="0">
-                    <a:solidFill>
-                      <a:prstClr val="black"/>
-                    </a:solidFill>
-                    <a:latin typeface=""/>
-                  </a:rPr>
-                  <a:t>毕设</a:t>
-                </a:r>
-                <a:r>
-                  <a:rPr lang="zh-CN" altLang="en-US" sz="1100" dirty="0" smtClean="0">
-                    <a:solidFill>
-                      <a:prstClr val="black"/>
-                    </a:solidFill>
-                    <a:latin typeface=""/>
-                  </a:rPr>
-                  <a:t>开题报告</a:t>
-                </a:r>
-                <a:endParaRPr lang="en-US" sz="1100" dirty="0">
-                  <a:solidFill>
-                    <a:prstClr val="black"/>
-                  </a:solidFill>
-                  <a:latin typeface=""/>
-                </a:endParaRPr>
-              </a:p>
-            </p:txBody>
-          </p:sp>
-        </p:grpSp>
-        <p:sp>
-          <p:nvSpPr>
-            <p:cNvPr id="77" name="milestoneshape"/>
-            <p:cNvSpPr/>
-            <p:nvPr/>
-          </p:nvSpPr>
-          <p:spPr>
-            <a:xfrm rot="10800000">
-              <a:off x="1483205" y="2059390"/>
-              <a:ext cx="254000" cy="372533"/>
-            </a:xfrm>
-            <a:prstGeom prst="flowChartMerge">
-              <a:avLst/>
-            </a:prstGeom>
-            <a:solidFill>
-              <a:srgbClr val="1AAA42"/>
-            </a:solidFill>
-            <a:ln w="25400" cap="flat" cmpd="sng" algn="ctr">
-              <a:noFill/>
-              <a:prstDash val="solid"/>
-            </a:ln>
-            <a:effectLst>
-              <a:outerShdw blurRad="63500">
-                <a:scrgbClr r="0" g="0" b="0">
-                  <a:alpha val="50000"/>
-                </a:scrgbClr>
-              </a:outerShdw>
-            </a:effectLst>
-            <a:scene3d>
-              <a:camera prst="orthographicFront"/>
-              <a:lightRig rig="threePt" dir="t"/>
-            </a:scene3d>
-            <a:sp3d>
-              <a:bevelT h="12700"/>
-            </a:sp3d>
-            <a:extLst>
-              <a:ext uri="{91240B29-F687-4F45-9708-019B960494DF}">
-                <a14:hiddenLine xmlns:a14="http://schemas.microsoft.com/office/drawing/2010/main" w="25400" cap="flat" cmpd="sng" algn="ctr">
-                  <a:solidFill>
-                    <a:schemeClr val="accent1">
-                      <a:shade val="50000"/>
-                    </a:schemeClr>
-                  </a:solidFill>
-                  <a:prstDash val="solid"/>
-                </a14:hiddenLine>
-              </a:ext>
-            </a:extLst>
-          </p:spPr>
-          <p:style>
-            <a:lnRef idx="2">
-              <a:schemeClr val="accent1">
-                <a:shade val="50000"/>
-              </a:schemeClr>
-            </a:lnRef>
-            <a:fillRef idx="1">
-              <a:schemeClr val="accent1"/>
-            </a:fillRef>
-            <a:effectRef idx="0">
-              <a:schemeClr val="accent1"/>
-            </a:effectRef>
-            <a:fontRef idx="minor">
-              <a:schemeClr val="lt1"/>
-            </a:fontRef>
-          </p:style>
-          <p:txBody>
-            <a:bodyPr rtlCol="0" anchor="ctr"/>
-            <a:lstStyle/>
-            <a:p>
-              <a:pPr algn="ctr"/>
-              <a:endParaRPr lang="en-US" dirty="0">
-                <a:solidFill>
-                  <a:prstClr val="white"/>
-                </a:solidFill>
-              </a:endParaRPr>
-            </a:p>
-          </p:txBody>
-        </p:sp>
-        <p:sp>
-          <p:nvSpPr>
-            <p:cNvPr id="78" name="milestoneshape"/>
-            <p:cNvSpPr txBox="1"/>
-            <p:nvPr>
-              <p:custDataLst>
-                <p:tags r:id="rId17"/>
-              </p:custDataLst>
-            </p:nvPr>
-          </p:nvSpPr>
-          <p:spPr>
-            <a:xfrm>
-              <a:off x="486191" y="2199225"/>
-              <a:ext cx="1397000" cy="445323"/>
-            </a:xfrm>
-            <a:prstGeom prst="rect">
-              <a:avLst/>
-            </a:prstGeom>
-            <a:noFill/>
-          </p:spPr>
-          <p:txBody>
-            <a:bodyPr vert="horz" wrap="none" lIns="88900" tIns="44450" rIns="88900" bIns="44450" rtlCol="0" anchor="ctr" anchorCtr="1">
-              <a:noAutofit/>
-            </a:bodyPr>
-            <a:lstStyle/>
-            <a:p>
-              <a:pPr algn="ctr"/>
-              <a:r>
-                <a:rPr lang="en-US" sz="1000" dirty="0" smtClean="0">
-                  <a:solidFill>
-                    <a:prstClr val="black"/>
-                  </a:solidFill>
-                  <a:latin typeface=""/>
-                </a:rPr>
-                <a:t>10/14</a:t>
-              </a:r>
-            </a:p>
-            <a:p>
-              <a:pPr algn="ctr"/>
-              <a:r>
-                <a:rPr lang="zh-CN" altLang="en-US" sz="1000" dirty="0" smtClean="0">
-                  <a:solidFill>
-                    <a:prstClr val="black"/>
-                  </a:solidFill>
-                  <a:latin typeface=""/>
-                </a:rPr>
-                <a:t>第一次项目讨论</a:t>
-              </a:r>
-              <a:endParaRPr lang="en-US" sz="1000" dirty="0">
+              <a:endParaRPr lang="en-US" sz="1500" dirty="0">
                 <a:solidFill>
                   <a:prstClr val="black"/>
                 </a:solidFill>
@@ -15983,543 +16509,14 @@
         </p:sp>
         <p:cxnSp>
           <p:nvCxnSpPr>
-            <p:cNvPr id="79" name="pgshape"/>
-            <p:cNvCxnSpPr/>
-            <p:nvPr/>
-          </p:nvCxnSpPr>
-          <p:spPr>
-            <a:xfrm flipV="1">
-              <a:off x="3563888" y="1651059"/>
-              <a:ext cx="0" cy="169333"/>
-            </a:xfrm>
-            <a:prstGeom prst="line">
-              <a:avLst/>
-            </a:prstGeom>
-            <a:ln w="25400">
-              <a:solidFill>
-                <a:srgbClr val="7D7D7D"/>
-              </a:solidFill>
-            </a:ln>
-          </p:spPr>
-          <p:style>
-            <a:lnRef idx="1">
-              <a:schemeClr val="accent1"/>
-            </a:lnRef>
-            <a:fillRef idx="0">
-              <a:schemeClr val="accent1"/>
-            </a:fillRef>
-            <a:effectRef idx="0">
-              <a:schemeClr val="accent1"/>
-            </a:effectRef>
-            <a:fontRef idx="minor">
-              <a:schemeClr val="tx1"/>
-            </a:fontRef>
-          </p:style>
-        </p:cxnSp>
-        <p:sp>
-          <p:nvSpPr>
-            <p:cNvPr id="80" name="intervalshape"/>
-            <p:cNvSpPr/>
-            <p:nvPr>
-              <p:custDataLst>
-                <p:tags r:id="rId18"/>
-              </p:custDataLst>
-            </p:nvPr>
-          </p:nvSpPr>
-          <p:spPr>
-            <a:xfrm>
-              <a:off x="1749121" y="2461149"/>
-              <a:ext cx="1298880" cy="325028"/>
-            </a:xfrm>
-            <a:prstGeom prst="roundRect">
-              <a:avLst/>
-            </a:prstGeom>
-            <a:solidFill>
-              <a:srgbClr val="FEBA0A"/>
-            </a:solidFill>
-            <a:ln w="25400" cap="flat" cmpd="sng" algn="ctr">
-              <a:noFill/>
-              <a:prstDash val="solid"/>
-            </a:ln>
-            <a:effectLst>
-              <a:outerShdw blurRad="63500">
-                <a:scrgbClr r="0" g="0" b="0">
-                  <a:alpha val="50000"/>
-                </a:scrgbClr>
-              </a:outerShdw>
-            </a:effectLst>
-            <a:scene3d>
-              <a:camera prst="orthographicFront"/>
-              <a:lightRig rig="balanced" dir="t">
-                <a:rot lat="0" lon="0" rev="8700000"/>
-              </a:lightRig>
-            </a:scene3d>
-            <a:sp3d>
-              <a:bevelT w="165100" h="12700"/>
-            </a:sp3d>
-            <a:extLst>
-              <a:ext uri="{91240B29-F687-4F45-9708-019B960494DF}">
-                <a14:hiddenLine xmlns:a14="http://schemas.microsoft.com/office/drawing/2010/main" w="25400" cap="flat" cmpd="sng" algn="ctr">
-                  <a:solidFill>
-                    <a:schemeClr val="accent1">
-                      <a:shade val="50000"/>
-                    </a:schemeClr>
-                  </a:solidFill>
-                  <a:prstDash val="solid"/>
-                </a14:hiddenLine>
-              </a:ext>
-              <a:ext uri="{53640926-AAD7-44D8-BBD7-CCE9431645EC}">
-                <a14:shadowObscured xmlns:a14="http://schemas.microsoft.com/office/drawing/2010/main" val="1"/>
-              </a:ext>
-            </a:extLst>
-          </p:spPr>
-          <p:style>
-            <a:lnRef idx="2">
-              <a:schemeClr val="accent1">
-                <a:shade val="50000"/>
-              </a:schemeClr>
-            </a:lnRef>
-            <a:fillRef idx="1">
-              <a:schemeClr val="accent1"/>
-            </a:fillRef>
-            <a:effectRef idx="0">
-              <a:schemeClr val="accent1"/>
-            </a:effectRef>
-            <a:fontRef idx="minor">
-              <a:schemeClr val="lt1"/>
-            </a:fontRef>
-          </p:style>
-          <p:txBody>
-            <a:bodyPr wrap="none" lIns="44450" tIns="19050" rIns="44450" bIns="6350" rtlCol="0" anchor="ctr"/>
-            <a:lstStyle/>
-            <a:p>
-              <a:pPr algn="ctr">
-                <a:lnSpc>
-                  <a:spcPts val="1000"/>
-                </a:lnSpc>
-              </a:pPr>
-              <a:r>
-                <a:rPr lang="zh-CN" altLang="en-US" sz="1500" dirty="0" smtClean="0">
-                  <a:solidFill>
-                    <a:srgbClr val="FFFFFF"/>
-                  </a:solidFill>
-                  <a:latin typeface=""/>
-                </a:rPr>
-                <a:t>文献调研</a:t>
-              </a:r>
-              <a:endParaRPr lang="en-US" sz="1500" dirty="0">
-                <a:solidFill>
-                  <a:srgbClr val="FFFFFF"/>
-                </a:solidFill>
-                <a:latin typeface=""/>
-              </a:endParaRPr>
-            </a:p>
-          </p:txBody>
-        </p:sp>
-        <p:sp>
-          <p:nvSpPr>
-            <p:cNvPr id="81" name="pgshape"/>
-            <p:cNvSpPr txBox="1"/>
-            <p:nvPr>
-              <p:custDataLst>
-                <p:tags r:id="rId19"/>
-              </p:custDataLst>
-            </p:nvPr>
-          </p:nvSpPr>
-          <p:spPr>
-            <a:xfrm>
-              <a:off x="1209888" y="1818153"/>
-              <a:ext cx="563033" cy="338667"/>
-            </a:xfrm>
-            <a:prstGeom prst="rect">
-              <a:avLst/>
-            </a:prstGeom>
-            <a:noFill/>
-          </p:spPr>
-          <p:txBody>
-            <a:bodyPr vert="horz" wrap="square" rtlCol="0" anchor="ctr" anchorCtr="0">
-              <a:noAutofit/>
-            </a:bodyPr>
-            <a:lstStyle/>
-            <a:p>
-              <a:r>
-                <a:rPr lang="en-US" sz="1400" dirty="0" smtClean="0">
-                  <a:solidFill>
-                    <a:srgbClr val="FFFFFF"/>
-                  </a:solidFill>
-                </a:rPr>
-                <a:t>Oct</a:t>
-              </a:r>
-              <a:endParaRPr lang="en-US" sz="1400" dirty="0">
-                <a:solidFill>
-                  <a:srgbClr val="FFFFFF"/>
-                </a:solidFill>
-              </a:endParaRPr>
-            </a:p>
-          </p:txBody>
-        </p:sp>
-        <p:sp>
-          <p:nvSpPr>
-            <p:cNvPr id="82" name="intervalshape"/>
-            <p:cNvSpPr/>
-            <p:nvPr>
-              <p:custDataLst>
-                <p:tags r:id="rId20"/>
-              </p:custDataLst>
-            </p:nvPr>
-          </p:nvSpPr>
-          <p:spPr>
-            <a:xfrm>
-              <a:off x="2537888" y="3397441"/>
-              <a:ext cx="1005842" cy="325028"/>
-            </a:xfrm>
-            <a:prstGeom prst="roundRect">
-              <a:avLst/>
-            </a:prstGeom>
-            <a:solidFill>
-              <a:srgbClr val="C78E01"/>
-            </a:solidFill>
-            <a:ln w="25400" cap="flat" cmpd="sng" algn="ctr">
-              <a:noFill/>
-              <a:prstDash val="solid"/>
-            </a:ln>
-            <a:effectLst>
-              <a:outerShdw blurRad="63500">
-                <a:scrgbClr r="0" g="0" b="0">
-                  <a:alpha val="50000"/>
-                </a:scrgbClr>
-              </a:outerShdw>
-            </a:effectLst>
-            <a:scene3d>
-              <a:camera prst="orthographicFront"/>
-              <a:lightRig rig="balanced" dir="t">
-                <a:rot lat="0" lon="0" rev="8700000"/>
-              </a:lightRig>
-            </a:scene3d>
-            <a:sp3d>
-              <a:bevelT w="165100" h="12700"/>
-            </a:sp3d>
-            <a:extLst>
-              <a:ext uri="{91240B29-F687-4F45-9708-019B960494DF}">
-                <a14:hiddenLine xmlns:a14="http://schemas.microsoft.com/office/drawing/2010/main" w="25400" cap="flat" cmpd="sng" algn="ctr">
-                  <a:solidFill>
-                    <a:schemeClr val="accent1">
-                      <a:shade val="50000"/>
-                    </a:schemeClr>
-                  </a:solidFill>
-                  <a:prstDash val="solid"/>
-                </a14:hiddenLine>
-              </a:ext>
-              <a:ext uri="{53640926-AAD7-44D8-BBD7-CCE9431645EC}">
-                <a14:shadowObscured xmlns:a14="http://schemas.microsoft.com/office/drawing/2010/main" val="1"/>
-              </a:ext>
-            </a:extLst>
-          </p:spPr>
-          <p:style>
-            <a:lnRef idx="2">
-              <a:schemeClr val="accent1">
-                <a:shade val="50000"/>
-              </a:schemeClr>
-            </a:lnRef>
-            <a:fillRef idx="1">
-              <a:schemeClr val="accent1"/>
-            </a:fillRef>
-            <a:effectRef idx="0">
-              <a:schemeClr val="accent1"/>
-            </a:effectRef>
-            <a:fontRef idx="minor">
-              <a:schemeClr val="lt1"/>
-            </a:fontRef>
-          </p:style>
-          <p:txBody>
-            <a:bodyPr wrap="none" lIns="44450" tIns="19050" rIns="44450" bIns="6350" rtlCol="0" anchor="ctr"/>
-            <a:lstStyle/>
-            <a:p>
-              <a:pPr algn="ctr">
-                <a:lnSpc>
-                  <a:spcPts val="1000"/>
-                </a:lnSpc>
-              </a:pPr>
-              <a:r>
-                <a:rPr lang="zh-CN" altLang="en-US" sz="1500" dirty="0">
-                  <a:solidFill>
-                    <a:srgbClr val="FFFFFF"/>
-                  </a:solidFill>
-                  <a:latin typeface=""/>
-                </a:rPr>
-                <a:t>误差</a:t>
-              </a:r>
-              <a:r>
-                <a:rPr lang="zh-CN" altLang="en-US" sz="1500" dirty="0" smtClean="0">
-                  <a:solidFill>
-                    <a:srgbClr val="FFFFFF"/>
-                  </a:solidFill>
-                  <a:latin typeface=""/>
-                </a:rPr>
-                <a:t>分析</a:t>
-              </a:r>
-              <a:endParaRPr lang="en-US" sz="1500" dirty="0">
-                <a:solidFill>
-                  <a:srgbClr val="FFFFFF"/>
-                </a:solidFill>
-                <a:latin typeface=""/>
-              </a:endParaRPr>
-            </a:p>
-          </p:txBody>
-        </p:sp>
-        <p:grpSp>
-          <p:nvGrpSpPr>
-            <p:cNvPr id="83" name="组合 82"/>
-            <p:cNvGrpSpPr/>
-            <p:nvPr/>
-          </p:nvGrpSpPr>
-          <p:grpSpPr>
-            <a:xfrm>
-              <a:off x="1737205" y="2867218"/>
-              <a:ext cx="1674369" cy="458748"/>
-              <a:chOff x="1737205" y="2825896"/>
-              <a:chExt cx="1674369" cy="531096"/>
-            </a:xfrm>
-          </p:grpSpPr>
-          <p:sp>
-            <p:nvSpPr>
-              <p:cNvPr id="86" name="intervalshape"/>
-              <p:cNvSpPr/>
-              <p:nvPr>
-                <p:custDataLst>
-                  <p:tags r:id="rId22"/>
-                </p:custDataLst>
-              </p:nvPr>
-            </p:nvSpPr>
-            <p:spPr>
-              <a:xfrm>
-                <a:off x="1737205" y="2836971"/>
-                <a:ext cx="760195" cy="520021"/>
-              </a:xfrm>
-              <a:prstGeom prst="roundRect">
-                <a:avLst/>
-              </a:prstGeom>
-              <a:solidFill>
-                <a:schemeClr val="accent1">
-                  <a:lumMod val="75000"/>
-                </a:schemeClr>
-              </a:solidFill>
-              <a:ln w="25400" cap="flat" cmpd="sng" algn="ctr">
-                <a:noFill/>
-                <a:prstDash val="solid"/>
-              </a:ln>
-              <a:effectLst>
-                <a:outerShdw blurRad="63500">
-                  <a:scrgbClr r="0" g="0" b="0">
-                    <a:alpha val="50000"/>
-                  </a:scrgbClr>
-                </a:outerShdw>
-              </a:effectLst>
-              <a:scene3d>
-                <a:camera prst="orthographicFront"/>
-                <a:lightRig rig="balanced" dir="t">
-                  <a:rot lat="0" lon="0" rev="8700000"/>
-                </a:lightRig>
-              </a:scene3d>
-              <a:sp3d>
-                <a:bevelT w="165100" h="12700"/>
-              </a:sp3d>
-              <a:extLst>
-                <a:ext uri="{53640926-AAD7-44D8-BBD7-CCE9431645EC}">
-                  <a14:shadowObscured xmlns:a14="http://schemas.microsoft.com/office/drawing/2010/main" val="1"/>
-                </a:ext>
-              </a:extLst>
-            </p:spPr>
-            <p:style>
-              <a:lnRef idx="2">
-                <a:schemeClr val="accent1">
-                  <a:shade val="50000"/>
-                </a:schemeClr>
-              </a:lnRef>
-              <a:fillRef idx="1">
-                <a:schemeClr val="accent1"/>
-              </a:fillRef>
-              <a:effectRef idx="0">
-                <a:schemeClr val="accent1"/>
-              </a:effectRef>
-              <a:fontRef idx="minor">
-                <a:schemeClr val="lt1"/>
-              </a:fontRef>
-            </p:style>
-            <p:txBody>
-              <a:bodyPr wrap="none" lIns="44450" tIns="19050" rIns="44450" bIns="6350" rtlCol="0" anchor="ctr"/>
-              <a:lstStyle/>
-              <a:p>
-                <a:pPr algn="ctr">
-                  <a:lnSpc>
-                    <a:spcPct val="90000"/>
-                  </a:lnSpc>
-                </a:pPr>
-                <a:r>
-                  <a:rPr lang="en-US" altLang="zh-CN" sz="1500" dirty="0" err="1">
-                    <a:solidFill>
-                      <a:srgbClr val="FFFFFF"/>
-                    </a:solidFill>
-                    <a:latin typeface=""/>
-                  </a:rPr>
-                  <a:t>Matlab</a:t>
-                </a:r>
-                <a:endParaRPr lang="en-US" altLang="zh-CN" sz="1500" dirty="0">
-                  <a:solidFill>
-                    <a:srgbClr val="FFFFFF"/>
-                  </a:solidFill>
-                  <a:latin typeface=""/>
-                </a:endParaRPr>
-              </a:p>
-              <a:p>
-                <a:pPr algn="ctr">
-                  <a:lnSpc>
-                    <a:spcPct val="90000"/>
-                  </a:lnSpc>
-                </a:pPr>
-                <a:r>
-                  <a:rPr lang="zh-CN" altLang="en-US" sz="1500" dirty="0">
-                    <a:solidFill>
-                      <a:srgbClr val="FFFFFF"/>
-                    </a:solidFill>
-                    <a:latin typeface=""/>
-                  </a:rPr>
-                  <a:t>测试平台</a:t>
-                </a:r>
-                <a:endParaRPr lang="en-US" sz="1500" dirty="0">
-                  <a:solidFill>
-                    <a:srgbClr val="FFFFFF"/>
-                  </a:solidFill>
-                  <a:latin typeface=""/>
-                </a:endParaRPr>
-              </a:p>
-            </p:txBody>
-          </p:sp>
-          <p:sp>
-            <p:nvSpPr>
-              <p:cNvPr id="87" name="intervalshape"/>
-              <p:cNvSpPr/>
-              <p:nvPr>
-                <p:custDataLst>
-                  <p:tags r:id="rId23"/>
-                </p:custDataLst>
-              </p:nvPr>
-            </p:nvSpPr>
-            <p:spPr>
-              <a:xfrm>
-                <a:off x="2537887" y="2825896"/>
-                <a:ext cx="873687" cy="520021"/>
-              </a:xfrm>
-              <a:prstGeom prst="roundRect">
-                <a:avLst/>
-              </a:prstGeom>
-              <a:solidFill>
-                <a:schemeClr val="accent1">
-                  <a:lumMod val="75000"/>
-                </a:schemeClr>
-              </a:solidFill>
-              <a:ln w="25400" cap="flat" cmpd="sng" algn="ctr">
-                <a:noFill/>
-                <a:prstDash val="solid"/>
-              </a:ln>
-              <a:effectLst>
-                <a:outerShdw blurRad="63500">
-                  <a:scrgbClr r="0" g="0" b="0">
-                    <a:alpha val="50000"/>
-                  </a:scrgbClr>
-                </a:outerShdw>
-              </a:effectLst>
-              <a:scene3d>
-                <a:camera prst="orthographicFront"/>
-                <a:lightRig rig="balanced" dir="t">
-                  <a:rot lat="0" lon="0" rev="8700000"/>
-                </a:lightRig>
-              </a:scene3d>
-              <a:sp3d>
-                <a:bevelT w="165100" h="12700"/>
-              </a:sp3d>
-              <a:extLst>
-                <a:ext uri="{53640926-AAD7-44D8-BBD7-CCE9431645EC}">
-                  <a14:shadowObscured xmlns:a14="http://schemas.microsoft.com/office/drawing/2010/main" val="1"/>
-                </a:ext>
-              </a:extLst>
-            </p:spPr>
-            <p:style>
-              <a:lnRef idx="2">
-                <a:schemeClr val="accent1">
-                  <a:shade val="50000"/>
-                </a:schemeClr>
-              </a:lnRef>
-              <a:fillRef idx="1">
-                <a:schemeClr val="accent1"/>
-              </a:fillRef>
-              <a:effectRef idx="0">
-                <a:schemeClr val="accent1"/>
-              </a:effectRef>
-              <a:fontRef idx="minor">
-                <a:schemeClr val="lt1"/>
-              </a:fontRef>
-            </p:style>
-            <p:txBody>
-              <a:bodyPr wrap="none" lIns="44450" tIns="19050" rIns="44450" bIns="6350" rtlCol="0" anchor="ctr"/>
-              <a:lstStyle/>
-              <a:p>
-                <a:pPr algn="ctr">
-                  <a:lnSpc>
-                    <a:spcPct val="90000"/>
-                  </a:lnSpc>
-                </a:pPr>
-                <a:r>
-                  <a:rPr lang="en-US" altLang="zh-CN" sz="1500" dirty="0" err="1">
-                    <a:solidFill>
-                      <a:srgbClr val="FFFFFF"/>
-                    </a:solidFill>
-                    <a:latin typeface=""/>
-                  </a:rPr>
-                  <a:t>Modelsim</a:t>
-                </a:r>
-                <a:endParaRPr lang="en-US" altLang="zh-CN" sz="1500" dirty="0">
-                  <a:solidFill>
-                    <a:srgbClr val="FFFFFF"/>
-                  </a:solidFill>
-                  <a:latin typeface=""/>
-                </a:endParaRPr>
-              </a:p>
-              <a:p>
-                <a:pPr algn="ctr">
-                  <a:lnSpc>
-                    <a:spcPct val="90000"/>
-                  </a:lnSpc>
-                </a:pPr>
-                <a:r>
-                  <a:rPr lang="zh-CN" altLang="en-US" sz="1500" dirty="0">
-                    <a:solidFill>
-                      <a:srgbClr val="FFFFFF"/>
-                    </a:solidFill>
-                    <a:latin typeface=""/>
-                  </a:rPr>
-                  <a:t>测试平台</a:t>
-                </a:r>
-                <a:endParaRPr lang="en-US" sz="1500" dirty="0">
-                  <a:solidFill>
-                    <a:srgbClr val="FFFFFF"/>
-                  </a:solidFill>
-                  <a:latin typeface=""/>
-                </a:endParaRPr>
-              </a:p>
-            </p:txBody>
-          </p:sp>
-        </p:grpSp>
-        <p:cxnSp>
-          <p:nvCxnSpPr>
-            <p:cNvPr id="84" name="intervalshape"/>
+            <p:cNvPr id="134" name="intervalshape"/>
             <p:cNvCxnSpPr/>
             <p:nvPr/>
           </p:nvCxnSpPr>
           <p:spPr>
             <a:xfrm>
-              <a:off x="3868702" y="1886203"/>
-              <a:ext cx="0" cy="1915216"/>
+              <a:off x="6034535" y="3419882"/>
+              <a:ext cx="0" cy="1923883"/>
             </a:xfrm>
             <a:prstGeom prst="line">
               <a:avLst/>
@@ -16545,308 +16542,7 @@
             </a:fontRef>
           </p:style>
         </p:cxnSp>
-        <p:sp>
-          <p:nvSpPr>
-            <p:cNvPr id="85" name="intervalshape"/>
-            <p:cNvSpPr/>
-            <p:nvPr>
-              <p:custDataLst>
-                <p:tags r:id="rId21"/>
-              </p:custDataLst>
-            </p:nvPr>
-          </p:nvSpPr>
-          <p:spPr>
-            <a:xfrm>
-              <a:off x="5043670" y="3801419"/>
-              <a:ext cx="1463843" cy="451970"/>
-            </a:xfrm>
-            <a:prstGeom prst="roundRect">
-              <a:avLst/>
-            </a:prstGeom>
-            <a:solidFill>
-              <a:srgbClr val="0072BC"/>
-            </a:solidFill>
-            <a:ln w="25400" cap="flat" cmpd="sng" algn="ctr">
-              <a:noFill/>
-              <a:prstDash val="solid"/>
-            </a:ln>
-            <a:effectLst>
-              <a:outerShdw blurRad="63500">
-                <a:scrgbClr r="0" g="0" b="0">
-                  <a:alpha val="50000"/>
-                </a:scrgbClr>
-              </a:outerShdw>
-            </a:effectLst>
-            <a:scene3d>
-              <a:camera prst="orthographicFront"/>
-              <a:lightRig rig="balanced" dir="t">
-                <a:rot lat="0" lon="0" rev="8700000"/>
-              </a:lightRig>
-            </a:scene3d>
-            <a:sp3d>
-              <a:bevelT w="165100" h="12700"/>
-            </a:sp3d>
-            <a:extLst>
-              <a:ext uri="{91240B29-F687-4F45-9708-019B960494DF}">
-                <a14:hiddenLine xmlns:a14="http://schemas.microsoft.com/office/drawing/2010/main" w="25400" cap="flat" cmpd="sng" algn="ctr">
-                  <a:solidFill>
-                    <a:schemeClr val="accent1">
-                      <a:shade val="50000"/>
-                    </a:schemeClr>
-                  </a:solidFill>
-                  <a:prstDash val="solid"/>
-                </a14:hiddenLine>
-              </a:ext>
-              <a:ext uri="{53640926-AAD7-44D8-BBD7-CCE9431645EC}">
-                <a14:shadowObscured xmlns:a14="http://schemas.microsoft.com/office/drawing/2010/main" val="1"/>
-              </a:ext>
-            </a:extLst>
-          </p:spPr>
-          <p:style>
-            <a:lnRef idx="2">
-              <a:schemeClr val="accent1">
-                <a:shade val="50000"/>
-              </a:schemeClr>
-            </a:lnRef>
-            <a:fillRef idx="1">
-              <a:schemeClr val="accent1"/>
-            </a:fillRef>
-            <a:effectRef idx="0">
-              <a:schemeClr val="accent1"/>
-            </a:effectRef>
-            <a:fontRef idx="minor">
-              <a:schemeClr val="lt1"/>
-            </a:fontRef>
-          </p:style>
-          <p:txBody>
-            <a:bodyPr wrap="none" lIns="44450" tIns="19050" rIns="44450" bIns="6350" rtlCol="0" anchor="ctr"/>
-            <a:lstStyle/>
-            <a:p>
-              <a:pPr algn="ctr">
-                <a:lnSpc>
-                  <a:spcPct val="90000"/>
-                </a:lnSpc>
-              </a:pPr>
-              <a:r>
-                <a:rPr lang="zh-CN" altLang="en-US" sz="1500" dirty="0" smtClean="0">
-                  <a:solidFill>
-                    <a:srgbClr val="FFFFFF"/>
-                  </a:solidFill>
-                  <a:latin typeface=""/>
-                </a:rPr>
-                <a:t>后端设计</a:t>
-              </a:r>
-              <a:endParaRPr lang="en-US" altLang="zh-CN" sz="1500" dirty="0" smtClean="0">
-                <a:solidFill>
-                  <a:srgbClr val="FFFFFF"/>
-                </a:solidFill>
-                <a:latin typeface=""/>
-              </a:endParaRPr>
-            </a:p>
-            <a:p>
-              <a:pPr algn="ctr">
-                <a:lnSpc>
-                  <a:spcPct val="90000"/>
-                </a:lnSpc>
-              </a:pPr>
-              <a:r>
-                <a:rPr lang="zh-CN" altLang="en-US" sz="1500" dirty="0" smtClean="0">
-                  <a:solidFill>
-                    <a:srgbClr val="FFFFFF"/>
-                  </a:solidFill>
-                  <a:latin typeface=""/>
-                </a:rPr>
-                <a:t>电路实现优化</a:t>
-              </a:r>
-              <a:endParaRPr lang="en-US" sz="1500" dirty="0">
-                <a:solidFill>
-                  <a:srgbClr val="FFFFFF"/>
-                </a:solidFill>
-                <a:latin typeface=""/>
-              </a:endParaRPr>
-            </a:p>
-          </p:txBody>
-        </p:sp>
       </p:grpSp>
-      <p:sp>
-        <p:nvSpPr>
-          <p:cNvPr id="92" name="milestoneshape"/>
-          <p:cNvSpPr/>
-          <p:nvPr/>
-        </p:nvSpPr>
-        <p:spPr>
-          <a:xfrm>
-            <a:off x="5918030" y="3067592"/>
-            <a:ext cx="254000" cy="372533"/>
-          </a:xfrm>
-          <a:prstGeom prst="flowChartMerge">
-            <a:avLst/>
-          </a:prstGeom>
-          <a:solidFill>
-            <a:srgbClr val="FF4B21"/>
-          </a:solidFill>
-          <a:ln w="25400" cap="flat" cmpd="sng" algn="ctr">
-            <a:noFill/>
-            <a:prstDash val="solid"/>
-          </a:ln>
-          <a:effectLst>
-            <a:outerShdw blurRad="63500">
-              <a:scrgbClr r="0" g="0" b="0">
-                <a:alpha val="50000"/>
-              </a:scrgbClr>
-            </a:outerShdw>
-          </a:effectLst>
-          <a:scene3d>
-            <a:camera prst="orthographicFront"/>
-            <a:lightRig rig="threePt" dir="t"/>
-          </a:scene3d>
-          <a:sp3d>
-            <a:bevelT h="12700"/>
-          </a:sp3d>
-          <a:extLst>
-            <a:ext uri="{91240B29-F687-4F45-9708-019B960494DF}">
-              <a14:hiddenLine xmlns:a14="http://schemas.microsoft.com/office/drawing/2010/main" w="25400" cap="flat" cmpd="sng" algn="ctr">
-                <a:solidFill>
-                  <a:schemeClr val="accent1">
-                    <a:shade val="50000"/>
-                  </a:schemeClr>
-                </a:solidFill>
-                <a:prstDash val="solid"/>
-              </a14:hiddenLine>
-            </a:ext>
-          </a:extLst>
-        </p:spPr>
-        <p:style>
-          <a:lnRef idx="2">
-            <a:schemeClr val="accent1">
-              <a:shade val="50000"/>
-            </a:schemeClr>
-          </a:lnRef>
-          <a:fillRef idx="1">
-            <a:schemeClr val="accent1"/>
-          </a:fillRef>
-          <a:effectRef idx="0">
-            <a:schemeClr val="accent1"/>
-          </a:effectRef>
-          <a:fontRef idx="minor">
-            <a:schemeClr val="lt1"/>
-          </a:fontRef>
-        </p:style>
-        <p:txBody>
-          <a:bodyPr rtlCol="0" anchor="ctr"/>
-          <a:lstStyle/>
-          <a:p>
-            <a:pPr algn="ctr"/>
-            <a:endParaRPr lang="en-US" dirty="0">
-              <a:solidFill>
-                <a:prstClr val="white"/>
-              </a:solidFill>
-            </a:endParaRPr>
-          </a:p>
-        </p:txBody>
-      </p:sp>
-      <p:sp>
-        <p:nvSpPr>
-          <p:cNvPr id="93" name="milestoneshape"/>
-          <p:cNvSpPr txBox="1"/>
-          <p:nvPr>
-            <p:custDataLst>
-              <p:tags r:id="rId1"/>
-            </p:custDataLst>
-          </p:nvPr>
-        </p:nvSpPr>
-        <p:spPr>
-          <a:xfrm>
-            <a:off x="5336035" y="2849283"/>
-            <a:ext cx="1397000" cy="225190"/>
-          </a:xfrm>
-          <a:prstGeom prst="rect">
-            <a:avLst/>
-          </a:prstGeom>
-          <a:noFill/>
-        </p:spPr>
-        <p:txBody>
-          <a:bodyPr vert="horz" wrap="square" lIns="88900" tIns="44450" rIns="88900" bIns="44450" rtlCol="0" anchor="b" anchorCtr="1">
-            <a:spAutoFit/>
-          </a:bodyPr>
-          <a:lstStyle/>
-          <a:p>
-            <a:pPr algn="ctr">
-              <a:lnSpc>
-                <a:spcPct val="80000"/>
-              </a:lnSpc>
-            </a:pPr>
-            <a:r>
-              <a:rPr lang="zh-CN" altLang="en-US" sz="1100" dirty="0">
-                <a:solidFill>
-                  <a:prstClr val="black"/>
-                </a:solidFill>
-                <a:latin typeface=""/>
-              </a:rPr>
-              <a:t>毕</a:t>
-            </a:r>
-            <a:r>
-              <a:rPr lang="zh-CN" altLang="en-US" sz="1100" dirty="0" smtClean="0">
-                <a:solidFill>
-                  <a:prstClr val="black"/>
-                </a:solidFill>
-                <a:latin typeface=""/>
-              </a:rPr>
-              <a:t>设</a:t>
-            </a:r>
-            <a:r>
-              <a:rPr lang="zh-CN" altLang="en-US" sz="1100" dirty="0">
-                <a:solidFill>
-                  <a:prstClr val="black"/>
-                </a:solidFill>
-                <a:latin typeface=""/>
-              </a:rPr>
-              <a:t>中期报告</a:t>
-            </a:r>
-            <a:endParaRPr lang="en-US" sz="1100" dirty="0">
-              <a:solidFill>
-                <a:prstClr val="black"/>
-              </a:solidFill>
-              <a:latin typeface=""/>
-            </a:endParaRPr>
-          </a:p>
-        </p:txBody>
-      </p:sp>
-      <p:cxnSp>
-        <p:nvCxnSpPr>
-          <p:cNvPr id="134" name="intervalshape"/>
-          <p:cNvCxnSpPr/>
-          <p:nvPr/>
-        </p:nvCxnSpPr>
-        <p:spPr>
-          <a:xfrm>
-            <a:off x="6034535" y="3419882"/>
-            <a:ext cx="0" cy="1923883"/>
-          </a:xfrm>
-          <a:prstGeom prst="line">
-            <a:avLst/>
-          </a:prstGeom>
-          <a:ln w="1270">
-            <a:solidFill>
-              <a:srgbClr val="CCCCCC"/>
-            </a:solidFill>
-          </a:ln>
-        </p:spPr>
-        <p:style>
-          <a:lnRef idx="1">
-            <a:schemeClr val="accent1"/>
-          </a:lnRef>
-          <a:fillRef idx="0">
-            <a:schemeClr val="accent1"/>
-          </a:fillRef>
-          <a:effectRef idx="0">
-            <a:schemeClr val="accent1"/>
-          </a:effectRef>
-          <a:fontRef idx="minor">
-            <a:schemeClr val="tx1"/>
-          </a:fontRef>
-        </p:style>
-      </p:cxnSp>
     </p:spTree>
     <p:extLst>
       <p:ext uri="{BB962C8B-B14F-4D97-AF65-F5344CB8AC3E}">
@@ -16857,13 +16553,6 @@
   <p:clrMapOvr>
     <a:masterClrMapping/>
   </p:clrMapOvr>
-  <p:timing>
-    <p:tnLst>
-      <p:par>
-        <p:cTn id="1" dur="indefinite" restart="never" nodeType="tmRoot"/>
-      </p:par>
-    </p:tnLst>
-  </p:timing>
 </p:sld>
 </file>
 
@@ -16939,40 +16628,32 @@
           <a:p>
             <a:pPr lvl="1"/>
             <a:r>
-              <a:rPr lang="zh-CN" altLang="en-US" sz="2000" dirty="0" smtClean="0"/>
+              <a:rPr lang="zh-CN" altLang="en-US" sz="2000" dirty="0"/>
               <a:t>第</a:t>
             </a:r>
             <a:r>
-              <a:rPr lang="en-US" altLang="zh-CN" sz="2000" dirty="0" smtClean="0"/>
+              <a:rPr lang="en-US" altLang="zh-CN" sz="2000" dirty="0"/>
               <a:t>5 ~10</a:t>
             </a:r>
             <a:r>
-              <a:rPr lang="zh-CN" altLang="en-US" sz="2000" dirty="0" smtClean="0"/>
-              <a:t>周</a:t>
-            </a:r>
-            <a:r>
               <a:rPr lang="zh-CN" altLang="en-US" sz="2000" dirty="0"/>
-              <a:t>：前期文献调研、课题背景了解</a:t>
+              <a:t>周：前期文献调研、课题背景了解</a:t>
             </a:r>
             <a:endParaRPr lang="en-US" altLang="zh-CN" sz="2000" dirty="0"/>
           </a:p>
           <a:p>
             <a:pPr lvl="1"/>
             <a:r>
-              <a:rPr lang="zh-CN" altLang="en-US" sz="2000" dirty="0" smtClean="0"/>
+              <a:rPr lang="zh-CN" altLang="en-US" sz="2000" dirty="0"/>
               <a:t>第</a:t>
             </a:r>
             <a:r>
-              <a:rPr lang="en-US" altLang="zh-CN" sz="2000" dirty="0" smtClean="0"/>
+              <a:rPr lang="en-US" altLang="zh-CN" sz="2000" dirty="0"/>
               <a:t>8 ~13</a:t>
             </a:r>
             <a:r>
-              <a:rPr lang="zh-CN" altLang="en-US" sz="2000" dirty="0" smtClean="0"/>
-              <a:t>周</a:t>
-            </a:r>
-            <a:r>
               <a:rPr lang="zh-CN" altLang="en-US" sz="2000" dirty="0"/>
-              <a:t>：</a:t>
+              <a:t>周：</a:t>
             </a:r>
             <a:r>
               <a:rPr lang="en-US" altLang="zh-CN" sz="2000" dirty="0" err="1"/>
@@ -16996,35 +16677,7 @@
             </a:r>
             <a:r>
               <a:rPr lang="zh-CN" altLang="en-US" sz="2000" dirty="0"/>
-              <a:t>基本模型</a:t>
-            </a:r>
-            <a:r>
-              <a:rPr lang="zh-CN" altLang="en-US" sz="2000" dirty="0" smtClean="0"/>
-              <a:t>，</a:t>
-            </a:r>
-            <a:endParaRPr lang="en-US" altLang="zh-CN" sz="2000" dirty="0" smtClean="0"/>
-          </a:p>
-          <a:p>
-            <a:pPr lvl="1"/>
-            <a:r>
-              <a:rPr lang="zh-CN" altLang="en-US" sz="2000" dirty="0" smtClean="0"/>
-              <a:t>第</a:t>
-            </a:r>
-            <a:r>
-              <a:rPr lang="en-US" altLang="zh-CN" sz="2000" dirty="0" smtClean="0"/>
-              <a:t>14~15</a:t>
-            </a:r>
-            <a:r>
-              <a:rPr lang="zh-CN" altLang="en-US" sz="2000" dirty="0" smtClean="0"/>
-              <a:t>周：进行</a:t>
-            </a:r>
-            <a:r>
-              <a:rPr lang="zh-CN" altLang="en-US" sz="2000" dirty="0"/>
-              <a:t>理论分析和</a:t>
-            </a:r>
-            <a:r>
-              <a:rPr lang="zh-CN" altLang="en-US" sz="2000" dirty="0" smtClean="0"/>
-              <a:t>功能性仿真</a:t>
+              <a:t>基本模型，</a:t>
             </a:r>
             <a:endParaRPr lang="en-US" altLang="zh-CN" sz="2000" dirty="0"/>
           </a:p>
@@ -17035,26 +16688,34 @@
               <a:t>第</a:t>
             </a:r>
             <a:r>
-              <a:rPr lang="en-US" altLang="zh-CN" sz="2000" dirty="0" smtClean="0"/>
+              <a:rPr lang="en-US" altLang="zh-CN" sz="2000" dirty="0"/>
+              <a:t>14~15</a:t>
+            </a:r>
+            <a:r>
+              <a:rPr lang="zh-CN" altLang="en-US" sz="2000" dirty="0"/>
+              <a:t>周：进行理论分析和功能性仿真</a:t>
+            </a:r>
+            <a:endParaRPr lang="en-US" altLang="zh-CN" sz="2000" dirty="0"/>
+          </a:p>
+          <a:p>
+            <a:pPr lvl="1"/>
+            <a:r>
+              <a:rPr lang="zh-CN" altLang="en-US" sz="2000" dirty="0"/>
+              <a:t>第</a:t>
+            </a:r>
+            <a:r>
+              <a:rPr lang="en-US" altLang="zh-CN" sz="2000" dirty="0"/>
               <a:t>15~18</a:t>
             </a:r>
             <a:r>
-              <a:rPr lang="zh-CN" altLang="en-US" sz="2000" dirty="0" smtClean="0"/>
-              <a:t>周：学习使用综合工具；总结</a:t>
-            </a:r>
-            <a:r>
               <a:rPr lang="zh-CN" altLang="en-US" sz="2000" dirty="0"/>
-              <a:t>调研结果，准备开题</a:t>
-            </a:r>
-            <a:r>
-              <a:rPr lang="zh-CN" altLang="en-US" sz="2000" dirty="0" smtClean="0"/>
-              <a:t>报告</a:t>
-            </a:r>
-            <a:endParaRPr lang="en-US" altLang="zh-CN" sz="2000" dirty="0" smtClean="0"/>
-          </a:p>
-          <a:p>
-            <a:r>
-              <a:rPr lang="en-US" altLang="zh-CN" dirty="0" smtClean="0"/>
+              <a:t>周：学习使用综合工具；总结调研结果，准备开题报告</a:t>
+            </a:r>
+            <a:endParaRPr lang="en-US" altLang="zh-CN" sz="2000" dirty="0"/>
+          </a:p>
+          <a:p>
+            <a:r>
+              <a:rPr lang="en-US" altLang="zh-CN" dirty="0"/>
               <a:t>2016</a:t>
             </a:r>
             <a:r>
@@ -17070,16 +16731,8 @@
               <a:t>第 </a:t>
             </a:r>
             <a:r>
-              <a:rPr lang="en-US" altLang="zh-CN" sz="2000" dirty="0" smtClean="0"/>
-              <a:t>1 ~ </a:t>
-            </a:r>
-            <a:r>
               <a:rPr lang="en-US" altLang="zh-CN" sz="2000" dirty="0"/>
-              <a:t>3</a:t>
-            </a:r>
-            <a:r>
-              <a:rPr lang="en-US" altLang="zh-CN" sz="2000" dirty="0" smtClean="0"/>
-              <a:t> </a:t>
+              <a:t>1 ~ 3 </a:t>
             </a:r>
             <a:r>
               <a:rPr lang="zh-CN" altLang="en-US" sz="2000" dirty="0"/>
@@ -17094,36 +16747,12 @@
               <a:t>第 </a:t>
             </a:r>
             <a:r>
-              <a:rPr lang="en-US" altLang="zh-CN" sz="2000" dirty="0" smtClean="0"/>
-              <a:t>4 ~ </a:t>
-            </a:r>
-            <a:r>
               <a:rPr lang="en-US" altLang="zh-CN" sz="2000" dirty="0"/>
-              <a:t>6</a:t>
-            </a:r>
-            <a:r>
-              <a:rPr lang="en-US" altLang="zh-CN" sz="2000" dirty="0" smtClean="0"/>
-              <a:t> </a:t>
-            </a:r>
-            <a:r>
-              <a:rPr lang="zh-CN" altLang="en-US" sz="2000" dirty="0" smtClean="0"/>
-              <a:t>周：规划查找</a:t>
+              <a:t>4 ~ 6 </a:t>
             </a:r>
             <a:r>
               <a:rPr lang="zh-CN" altLang="en-US" sz="2000" dirty="0"/>
-              <a:t>表、矩阵</a:t>
-            </a:r>
-            <a:r>
-              <a:rPr lang="zh-CN" altLang="en-US" sz="2000" dirty="0" smtClean="0"/>
-              <a:t>旋转混合</a:t>
-            </a:r>
-            <a:r>
-              <a:rPr lang="zh-CN" altLang="en-US" sz="2000" dirty="0"/>
-              <a:t>方案</a:t>
-            </a:r>
-            <a:r>
-              <a:rPr lang="zh-CN" altLang="en-US" sz="2000" dirty="0" smtClean="0"/>
-              <a:t>，学习后端仿真流程</a:t>
+              <a:t>周：规划查找表、矩阵旋转混合方案，学习后端仿真流程</a:t>
             </a:r>
             <a:endParaRPr lang="en-US" altLang="zh-CN" sz="2000" dirty="0"/>
           </a:p>
@@ -17139,15 +16768,7 @@
             </a:r>
             <a:r>
               <a:rPr lang="zh-CN" altLang="en-US" sz="2000" dirty="0"/>
-              <a:t>周</a:t>
-            </a:r>
-            <a:r>
-              <a:rPr lang="zh-CN" altLang="en-US" sz="2000" dirty="0" smtClean="0"/>
-              <a:t>：讨论</a:t>
-            </a:r>
-            <a:r>
-              <a:rPr lang="zh-CN" altLang="en-US" sz="2000" dirty="0"/>
-              <a:t>改进方案，准备中期答辩</a:t>
+              <a:t>周：讨论改进方案，准备中期答辩</a:t>
             </a:r>
             <a:endParaRPr lang="en-US" altLang="zh-CN" sz="2000" dirty="0"/>
           </a:p>
@@ -17159,19 +16780,11 @@
             </a:r>
             <a:r>
               <a:rPr lang="en-US" altLang="zh-CN" sz="2000" dirty="0"/>
-              <a:t>9 </a:t>
-            </a:r>
-            <a:r>
-              <a:rPr lang="en-US" altLang="zh-CN" sz="2000" dirty="0" smtClean="0"/>
-              <a:t>~ 13</a:t>
-            </a:r>
-            <a:r>
-              <a:rPr lang="zh-CN" altLang="en-US" sz="2000" dirty="0" smtClean="0"/>
-              <a:t>周：电路实现上寻找</a:t>
+              <a:t>9 ~ 13</a:t>
             </a:r>
             <a:r>
               <a:rPr lang="zh-CN" altLang="en-US" sz="2000" dirty="0"/>
-              <a:t>突破点，进一步优化</a:t>
+              <a:t>周：电路实现上寻找突破点，进一步优化</a:t>
             </a:r>
             <a:r>
               <a:rPr lang="en-US" altLang="zh-CN" sz="2000" dirty="0"/>
@@ -17190,24 +16803,12 @@
               <a:t>第</a:t>
             </a:r>
             <a:r>
-              <a:rPr lang="en-US" altLang="zh-CN" sz="2000" dirty="0" smtClean="0"/>
+              <a:rPr lang="en-US" altLang="zh-CN" sz="2000" dirty="0"/>
               <a:t>14 ~ 16</a:t>
             </a:r>
             <a:r>
-              <a:rPr lang="zh-CN" altLang="en-US" sz="2000" dirty="0" smtClean="0"/>
-              <a:t>周</a:t>
-            </a:r>
-            <a:r>
               <a:rPr lang="zh-CN" altLang="en-US" sz="2000" dirty="0"/>
-              <a:t>：</a:t>
-            </a:r>
-            <a:r>
-              <a:rPr lang="zh-CN" altLang="en-US" sz="2000" dirty="0" smtClean="0"/>
-              <a:t>进行综合的</a:t>
-            </a:r>
-            <a:r>
-              <a:rPr lang="zh-CN" altLang="en-US" sz="2000" dirty="0"/>
-              <a:t>仿真验证，完成毕业论文，准备论文答辩</a:t>
+              <a:t>周：进行综合的仿真验证，完成毕业论文，准备论文答辩</a:t>
             </a:r>
             <a:endParaRPr lang="en-US" altLang="zh-CN" sz="2000" dirty="0"/>
           </a:p>
@@ -17229,18 +16830,13 @@
           <a:lstStyle/>
           <a:p>
             <a:r>
-              <a:rPr lang="en-US" altLang="zh-CN" dirty="0" smtClean="0">
+              <a:rPr lang="en-US" altLang="zh-CN" dirty="0">
                 <a:solidFill>
                   <a:srgbClr val="000000"/>
                 </a:solidFill>
               </a:rPr>
               <a:t>12/13</a:t>
             </a:r>
-            <a:endParaRPr lang="en-US" altLang="zh-CN" dirty="0">
-              <a:solidFill>
-                <a:srgbClr val="000000"/>
-              </a:solidFill>
-            </a:endParaRPr>
           </a:p>
         </p:txBody>
       </p:sp>
@@ -17254,13 +16850,6 @@
   <p:clrMapOvr>
     <a:masterClrMapping/>
   </p:clrMapOvr>
-  <p:timing>
-    <p:tnLst>
-      <p:par>
-        <p:cTn id="1" dur="indefinite" restart="never" nodeType="tmRoot"/>
-      </p:par>
-    </p:tnLst>
-  </p:timing>
 </p:sld>
 </file>
 
@@ -17324,18 +16913,13 @@
           <a:lstStyle/>
           <a:p>
             <a:r>
-              <a:rPr lang="en-US" altLang="zh-CN" dirty="0" smtClean="0">
+              <a:rPr lang="en-US" altLang="zh-CN" dirty="0">
                 <a:solidFill>
                   <a:srgbClr val="000000"/>
                 </a:solidFill>
               </a:rPr>
               <a:t>13/13</a:t>
             </a:r>
-            <a:endParaRPr lang="en-US" altLang="zh-CN" dirty="0">
-              <a:solidFill>
-                <a:srgbClr val="000000"/>
-              </a:solidFill>
-            </a:endParaRPr>
           </a:p>
         </p:txBody>
       </p:sp>
@@ -17349,13 +16933,6 @@
   <p:clrMapOvr>
     <a:masterClrMapping/>
   </p:clrMapOvr>
-  <p:timing>
-    <p:tnLst>
-      <p:par>
-        <p:cTn id="1" dur="indefinite" restart="never" nodeType="tmRoot"/>
-      </p:par>
-    </p:tnLst>
-  </p:timing>
 </p:sld>
 </file>
 
@@ -17470,18 +17047,13 @@
           <a:lstStyle/>
           <a:p>
             <a:r>
-              <a:rPr lang="en-US" altLang="zh-CN" dirty="0" smtClean="0">
+              <a:rPr lang="en-US" altLang="zh-CN" dirty="0">
                 <a:solidFill>
                   <a:srgbClr val="000000"/>
                 </a:solidFill>
               </a:rPr>
               <a:t>2/13</a:t>
             </a:r>
-            <a:endParaRPr lang="en-US" altLang="zh-CN" dirty="0">
-              <a:solidFill>
-                <a:srgbClr val="000000"/>
-              </a:solidFill>
-            </a:endParaRPr>
           </a:p>
         </p:txBody>
       </p:sp>
@@ -17495,13 +17067,6 @@
   <p:clrMapOvr>
     <a:masterClrMapping/>
   </p:clrMapOvr>
-  <p:timing>
-    <p:tnLst>
-      <p:par>
-        <p:cTn id="1" dur="indefinite" restart="never" nodeType="tmRoot"/>
-      </p:par>
-    </p:tnLst>
-  </p:timing>
 </p:sld>
 </file>
 
@@ -17578,10 +17143,10 @@
               </a:lnSpc>
             </a:pPr>
             <a:r>
-              <a:rPr lang="zh-CN" altLang="en-US" dirty="0" smtClean="0"/>
+              <a:rPr lang="zh-CN" altLang="en-US" dirty="0"/>
               <a:t>无线电应用中，正弦波生成是一个基础而重要的部分</a:t>
             </a:r>
-            <a:endParaRPr lang="en-US" altLang="zh-CN" dirty="0" smtClean="0"/>
+            <a:endParaRPr lang="en-US" altLang="zh-CN" dirty="0"/>
           </a:p>
           <a:p>
             <a:pPr>
@@ -17590,24 +17155,8 @@
               </a:lnSpc>
             </a:pPr>
             <a:r>
-              <a:rPr lang="zh-CN" altLang="en-US" dirty="0" smtClean="0"/>
-              <a:t>现代</a:t>
-            </a:r>
-            <a:r>
               <a:rPr lang="zh-CN" altLang="en-US" dirty="0"/>
-              <a:t>通信系统对带宽、精度的</a:t>
-            </a:r>
-            <a:r>
-              <a:rPr lang="zh-CN" altLang="en-US" dirty="0" smtClean="0"/>
-              <a:t>需求</a:t>
-            </a:r>
-            <a:r>
-              <a:rPr lang="zh-CN" altLang="en-US" dirty="0"/>
-              <a:t>不断</a:t>
-            </a:r>
-            <a:r>
-              <a:rPr lang="zh-CN" altLang="en-US" dirty="0" smtClean="0"/>
-              <a:t>增长</a:t>
+              <a:t>现代通信系统对带宽、精度的需求不断增长</a:t>
             </a:r>
             <a:endParaRPr lang="en-US" altLang="zh-CN" dirty="0"/>
           </a:p>
@@ -17619,11 +17168,7 @@
             </a:pPr>
             <a:r>
               <a:rPr lang="zh-CN" altLang="en-US" dirty="0"/>
-              <a:t>雷达等军用</a:t>
-            </a:r>
-            <a:r>
-              <a:rPr lang="zh-CN" altLang="en-US" dirty="0" smtClean="0"/>
-              <a:t>系统对切换延时有特殊要求，模拟器件实现困难</a:t>
+              <a:t>雷达等军用系统对切换延时有特殊要求，模拟器件实现困难</a:t>
             </a:r>
             <a:endParaRPr lang="en-US" altLang="zh-CN" dirty="0"/>
           </a:p>
@@ -17645,18 +17190,13 @@
           <a:lstStyle/>
           <a:p>
             <a:r>
-              <a:rPr lang="en-US" altLang="zh-CN" dirty="0" smtClean="0">
+              <a:rPr lang="en-US" altLang="zh-CN" dirty="0">
                 <a:solidFill>
                   <a:srgbClr val="000000"/>
                 </a:solidFill>
               </a:rPr>
               <a:t>4/13</a:t>
             </a:r>
-            <a:endParaRPr lang="en-US" altLang="zh-CN" dirty="0">
-              <a:solidFill>
-                <a:srgbClr val="000000"/>
-              </a:solidFill>
-            </a:endParaRPr>
           </a:p>
         </p:txBody>
       </p:sp>
@@ -17891,18 +17431,11 @@
                         <a:lstStyle/>
                         <a:p>
                           <a:r>
-                            <a:rPr lang="zh-CN" altLang="en-US" sz="1600" b="1" dirty="0" smtClean="0">
-                              <a:latin typeface="黑体" panose="02010609060101010101" pitchFamily="49" charset="-122"/>
-                              <a:ea typeface="黑体" panose="02010609060101010101" pitchFamily="49" charset="-122"/>
-                            </a:rPr>
-                            <a:t>雷达</a:t>
-                          </a:r>
-                          <a:r>
                             <a:rPr lang="zh-CN" altLang="en-US" sz="1600" b="1" dirty="0">
                               <a:latin typeface="黑体" panose="02010609060101010101" pitchFamily="49" charset="-122"/>
                               <a:ea typeface="黑体" panose="02010609060101010101" pitchFamily="49" charset="-122"/>
                             </a:rPr>
-                            <a:t>系统</a:t>
+                            <a:t>雷达系统</a:t>
                           </a:r>
                         </a:p>
                       </p:txBody>
@@ -18285,18 +17818,13 @@
           <a:lstStyle/>
           <a:p>
             <a:r>
-              <a:rPr lang="en-US" altLang="zh-CN" dirty="0" smtClean="0">
+              <a:rPr lang="en-US" altLang="zh-CN" dirty="0">
                 <a:solidFill>
                   <a:srgbClr val="000000"/>
                 </a:solidFill>
               </a:rPr>
               <a:t>4/13</a:t>
             </a:r>
-            <a:endParaRPr lang="en-US" altLang="zh-CN" dirty="0">
-              <a:solidFill>
-                <a:srgbClr val="000000"/>
-              </a:solidFill>
-            </a:endParaRPr>
           </a:p>
         </p:txBody>
       </p:sp>
@@ -18429,13 +17957,9 @@
             </a:pPr>
             <a:r>
               <a:rPr lang="zh-CN" altLang="en-US" dirty="0"/>
-              <a:t>雷达等军用系统对切换延时有特殊要求，模拟器件实现</a:t>
-            </a:r>
-            <a:r>
-              <a:rPr lang="zh-CN" altLang="en-US" dirty="0" smtClean="0"/>
-              <a:t>困难</a:t>
-            </a:r>
-            <a:endParaRPr lang="en-US" altLang="zh-CN" dirty="0" smtClean="0"/>
+              <a:t>雷达等军用系统对切换延时有特殊要求，模拟器件实现困难</a:t>
+            </a:r>
+            <a:endParaRPr lang="en-US" altLang="zh-CN" dirty="0"/>
           </a:p>
           <a:p>
             <a:pPr>
@@ -18444,7 +17968,7 @@
               </a:lnSpc>
             </a:pPr>
             <a:r>
-              <a:rPr lang="zh-CN" altLang="en-US" dirty="0" smtClean="0"/>
+              <a:rPr lang="zh-CN" altLang="en-US" dirty="0"/>
               <a:t>模拟锁相环技术逐渐被淘汰，数控振荡器成为发展的必然</a:t>
             </a:r>
             <a:endParaRPr lang="en-US" altLang="zh-CN" dirty="0"/>
@@ -18637,18 +18161,13 @@
           <a:lstStyle/>
           <a:p>
             <a:r>
-              <a:rPr lang="en-US" altLang="zh-CN" dirty="0" smtClean="0">
+              <a:rPr lang="en-US" altLang="zh-CN" dirty="0">
                 <a:solidFill>
                   <a:srgbClr val="000000"/>
                 </a:solidFill>
               </a:rPr>
               <a:t>5/13</a:t>
             </a:r>
-            <a:endParaRPr lang="en-US" altLang="zh-CN" dirty="0">
-              <a:solidFill>
-                <a:srgbClr val="000000"/>
-              </a:solidFill>
-            </a:endParaRPr>
           </a:p>
         </p:txBody>
       </p:sp>
@@ -18678,28 +18197,16 @@
               </a:lnSpc>
             </a:pPr>
             <a:r>
-              <a:rPr lang="zh-CN" altLang="en-US" dirty="0" smtClean="0"/>
-              <a:t>使用方法是直接</a:t>
-            </a:r>
-            <a:r>
               <a:rPr lang="zh-CN" altLang="en-US" dirty="0"/>
-              <a:t>数字综合</a:t>
+              <a:t>使用方法是直接数字综合</a:t>
             </a:r>
             <a:r>
               <a:rPr lang="en-US" altLang="zh-CN" dirty="0"/>
-              <a:t>(DDS</a:t>
-            </a:r>
-            <a:r>
-              <a:rPr lang="en-US" altLang="zh-CN" dirty="0" smtClean="0"/>
-              <a:t>)</a:t>
-            </a:r>
-            <a:r>
-              <a:rPr lang="zh-CN" altLang="en-US" dirty="0" smtClean="0"/>
-              <a:t>，</a:t>
+              <a:t>(DDS)</a:t>
             </a:r>
             <a:r>
               <a:rPr lang="zh-CN" altLang="en-US" dirty="0"/>
-              <a:t>完全去除了模拟器件</a:t>
+              <a:t>，完全去除了模拟器件</a:t>
             </a:r>
             <a:endParaRPr lang="en-US" altLang="zh-CN" dirty="0"/>
           </a:p>
@@ -18711,13 +18218,28 @@
             </a:pPr>
             <a:r>
               <a:rPr lang="zh-CN" altLang="en-US" dirty="0"/>
-              <a:t>由三部分构成：相位累加器、相位幅度转换器、</a:t>
-            </a:r>
-            <a:r>
-              <a:rPr lang="zh-CN" altLang="en-US" dirty="0" smtClean="0"/>
-              <a:t>数模转换器</a:t>
-            </a:r>
-            <a:endParaRPr lang="en-US" altLang="zh-CN" dirty="0"/>
+              <a:t>由三部分构成：相位累加器、相位幅度转换器 </a:t>
+            </a:r>
+            <a:r>
+              <a:rPr lang="en-US" altLang="zh-CN" dirty="0"/>
+              <a:t>(</a:t>
+            </a:r>
+            <a:r>
+              <a:rPr lang="zh-CN" altLang="en-US" dirty="0"/>
+              <a:t>接</a:t>
+            </a:r>
+            <a:r>
+              <a:rPr lang="en-US" altLang="zh-CN" dirty="0"/>
+              <a:t>DAC</a:t>
+            </a:r>
+            <a:r>
+              <a:rPr lang="zh-CN" altLang="en-US" dirty="0"/>
+              <a:t>输出</a:t>
+            </a:r>
+            <a:r>
+              <a:rPr lang="en-US" altLang="zh-CN" dirty="0"/>
+              <a:t>)</a:t>
+            </a:r>
           </a:p>
         </p:txBody>
       </p:sp>
@@ -20837,12 +20359,8 @@
               <a:buChar char="ü"/>
             </a:pPr>
             <a:r>
-              <a:rPr lang="zh-CN" altLang="en-US" dirty="0" smtClean="0"/>
-              <a:t>直接切换频率，无需等待负反馈，</a:t>
-            </a:r>
-            <a:r>
               <a:rPr lang="zh-CN" altLang="en-US" dirty="0"/>
-              <a:t>切换延时</a:t>
+              <a:t>直接切换频率，无需等待负反馈，切换延时</a:t>
             </a:r>
             <a:r>
               <a:rPr lang="zh-CN" altLang="en-US" dirty="0">
@@ -20942,21 +20460,8 @@
                 <a:ea typeface="Arial Unicode MS" pitchFamily="34" charset="-122"/>
                 <a:cs typeface="Arial Unicode MS" pitchFamily="34" charset="-122"/>
               </a:rPr>
-              <a:t>同锁相环技术</a:t>
-            </a:r>
-            <a:r>
-              <a:rPr lang="zh-CN" altLang="en-US" sz="2400" dirty="0" smtClean="0">
-                <a:latin typeface="Arial Unicode MS" pitchFamily="34" charset="-122"/>
-                <a:ea typeface="Arial Unicode MS" pitchFamily="34" charset="-122"/>
-                <a:cs typeface="Arial Unicode MS" pitchFamily="34" charset="-122"/>
-              </a:rPr>
-              <a:t>比较：</a:t>
-            </a:r>
-            <a:endParaRPr lang="zh-CN" altLang="en-US" sz="2400" dirty="0">
-              <a:latin typeface="Arial Unicode MS" pitchFamily="34" charset="-122"/>
-              <a:ea typeface="Arial Unicode MS" pitchFamily="34" charset="-122"/>
-              <a:cs typeface="Arial Unicode MS" pitchFamily="34" charset="-122"/>
-            </a:endParaRPr>
+              <a:t>同锁相环技术比较：</a:t>
+            </a:r>
           </a:p>
         </p:txBody>
       </p:sp>
@@ -20970,13 +20475,6 @@
   <p:clrMapOvr>
     <a:masterClrMapping/>
   </p:clrMapOvr>
-  <p:timing>
-    <p:tnLst>
-      <p:par>
-        <p:cTn id="1" dur="indefinite" restart="never" nodeType="tmRoot"/>
-      </p:par>
-    </p:tnLst>
-  </p:timing>
 </p:sld>
 </file>
 
@@ -21035,18 +20533,13 @@
           <a:lstStyle/>
           <a:p>
             <a:r>
-              <a:rPr lang="en-US" altLang="zh-CN" dirty="0" smtClean="0">
+              <a:rPr lang="en-US" altLang="zh-CN" dirty="0">
                 <a:solidFill>
                   <a:srgbClr val="000000"/>
                 </a:solidFill>
               </a:rPr>
               <a:t>6/13</a:t>
             </a:r>
-            <a:endParaRPr lang="en-US" altLang="zh-CN" dirty="0">
-              <a:solidFill>
-                <a:srgbClr val="000000"/>
-              </a:solidFill>
-            </a:endParaRPr>
           </a:p>
         </p:txBody>
       </p:sp>
@@ -21077,15 +20570,7 @@
             </a:pPr>
             <a:r>
               <a:rPr lang="zh-CN" altLang="en-US" dirty="0"/>
-              <a:t>总</a:t>
-            </a:r>
-            <a:r>
-              <a:rPr lang="zh-CN" altLang="en-US" dirty="0" smtClean="0"/>
-              <a:t>目标</a:t>
-            </a:r>
-            <a:r>
-              <a:rPr lang="zh-CN" altLang="en-US" dirty="0"/>
-              <a:t>：设计高速、高精度数控振荡器</a:t>
+              <a:t>总目标：设计高速、高精度数控振荡器</a:t>
             </a:r>
             <a:endParaRPr lang="en-US" altLang="zh-CN" dirty="0"/>
           </a:p>
@@ -21100,12 +20585,8 @@
               <a:buNone/>
             </a:pPr>
             <a:r>
-              <a:rPr lang="zh-CN" altLang="en-US" dirty="0" smtClean="0"/>
-              <a:t>一</a:t>
-            </a:r>
-            <a:r>
               <a:rPr lang="zh-CN" altLang="en-US" dirty="0"/>
-              <a:t>、电路结构的设计和代码编写</a:t>
+              <a:t>一、电路结构的设计和代码编写</a:t>
             </a:r>
             <a:endParaRPr lang="en-US" altLang="zh-CN" dirty="0"/>
           </a:p>
@@ -21119,16 +20600,12 @@
               </a:spcAft>
             </a:pPr>
             <a:r>
-              <a:rPr lang="en-US" altLang="zh-CN" sz="2000" dirty="0" smtClean="0"/>
+              <a:rPr lang="en-US" altLang="zh-CN" sz="2000" dirty="0"/>
               <a:t>1.1 </a:t>
             </a:r>
             <a:r>
-              <a:rPr lang="zh-CN" altLang="en-US" sz="2000" dirty="0" smtClean="0"/>
-              <a:t>设计</a:t>
-            </a:r>
-            <a:r>
               <a:rPr lang="zh-CN" altLang="en-US" sz="2000" dirty="0"/>
-              <a:t>高速、低功耗的相位累加器</a:t>
+              <a:t>设计高速、低功耗的相位累加器</a:t>
             </a:r>
             <a:endParaRPr lang="en-US" altLang="zh-CN" sz="2000" dirty="0"/>
           </a:p>
@@ -21142,11 +20619,11 @@
               </a:spcAft>
             </a:pPr>
             <a:r>
-              <a:rPr lang="en-US" altLang="zh-CN" sz="2000" dirty="0" smtClean="0"/>
+              <a:rPr lang="en-US" altLang="zh-CN" sz="2000" dirty="0"/>
               <a:t>1.2 </a:t>
             </a:r>
             <a:r>
-              <a:rPr lang="zh-CN" altLang="en-US" sz="2000" dirty="0" smtClean="0"/>
+              <a:rPr lang="zh-CN" altLang="en-US" sz="2000" dirty="0"/>
               <a:t>设计混合方案的相位</a:t>
             </a:r>
             <a:r>
@@ -21170,12 +20647,8 @@
               <a:buNone/>
             </a:pPr>
             <a:r>
-              <a:rPr lang="zh-CN" altLang="en-US" dirty="0" smtClean="0"/>
-              <a:t>二</a:t>
-            </a:r>
-            <a:r>
               <a:rPr lang="zh-CN" altLang="en-US" dirty="0"/>
-              <a:t>、电路仿真检查</a:t>
+              <a:t>二、电路仿真检查</a:t>
             </a:r>
             <a:endParaRPr lang="en-US" altLang="zh-CN" dirty="0"/>
           </a:p>
@@ -21193,15 +20666,15 @@
               <a:t>2.1 </a:t>
             </a:r>
             <a:r>
-              <a:rPr lang="zh-CN" altLang="en-US" sz="2000" dirty="0" smtClean="0"/>
+              <a:rPr lang="zh-CN" altLang="en-US" sz="2000" dirty="0"/>
               <a:t>搭建可扩展的</a:t>
             </a:r>
             <a:r>
-              <a:rPr lang="en-US" altLang="zh-CN" sz="2000" dirty="0" smtClean="0"/>
+              <a:rPr lang="en-US" altLang="zh-CN" sz="2000" dirty="0"/>
               <a:t>NCO</a:t>
             </a:r>
             <a:r>
-              <a:rPr lang="zh-CN" altLang="en-US" sz="2000" dirty="0" smtClean="0"/>
+              <a:rPr lang="zh-CN" altLang="en-US" sz="2000" dirty="0"/>
               <a:t>仿真平台</a:t>
             </a:r>
             <a:endParaRPr lang="en-US" altLang="zh-CN" sz="2000" dirty="0"/>
@@ -21216,34 +20689,30 @@
               </a:spcAft>
             </a:pPr>
             <a:r>
-              <a:rPr lang="en-US" altLang="zh-CN" sz="2000" dirty="0" smtClean="0"/>
+              <a:rPr lang="en-US" altLang="zh-CN" sz="2000" dirty="0"/>
               <a:t>2.2 </a:t>
             </a:r>
             <a:r>
-              <a:rPr lang="zh-CN" altLang="en-US" sz="2000" dirty="0" smtClean="0"/>
+              <a:rPr lang="zh-CN" altLang="en-US" sz="2000" dirty="0"/>
               <a:t>熟悉使用</a:t>
             </a:r>
             <a:r>
-              <a:rPr lang="en-US" altLang="zh-CN" sz="2000" dirty="0" smtClean="0"/>
+              <a:rPr lang="en-US" altLang="zh-CN" sz="2000" dirty="0"/>
               <a:t>Design Compiler</a:t>
             </a:r>
             <a:r>
-              <a:rPr lang="zh-CN" altLang="en-US" sz="2000" dirty="0" smtClean="0"/>
+              <a:rPr lang="zh-CN" altLang="en-US" sz="2000" dirty="0"/>
               <a:t>、</a:t>
             </a:r>
             <a:r>
               <a:rPr lang="en-US" altLang="zh-CN" sz="2000" dirty="0"/>
-              <a:t>M</a:t>
-            </a:r>
-            <a:r>
-              <a:rPr lang="en-US" altLang="zh-CN" sz="2000" dirty="0" smtClean="0"/>
-              <a:t>emory Complier</a:t>
-            </a:r>
-            <a:r>
-              <a:rPr lang="zh-CN" altLang="en-US" sz="2000" dirty="0" smtClean="0"/>
+              <a:t>Memory Complier</a:t>
+            </a:r>
+            <a:r>
+              <a:rPr lang="zh-CN" altLang="en-US" sz="2000" dirty="0"/>
               <a:t>等前端设计工具</a:t>
             </a:r>
-            <a:endParaRPr lang="en-US" altLang="zh-CN" sz="2000" dirty="0" smtClean="0"/>
+            <a:endParaRPr lang="en-US" altLang="zh-CN" sz="2000" dirty="0"/>
           </a:p>
           <a:p>
             <a:pPr>
@@ -21255,16 +20724,12 @@
               </a:spcAft>
             </a:pPr>
             <a:r>
-              <a:rPr lang="en-US" altLang="zh-CN" sz="2000" dirty="0" smtClean="0"/>
+              <a:rPr lang="en-US" altLang="zh-CN" sz="2000" dirty="0"/>
               <a:t>2.3 </a:t>
             </a:r>
             <a:r>
-              <a:rPr lang="zh-CN" altLang="en-US" sz="2000" dirty="0" smtClean="0"/>
-              <a:t>分析</a:t>
-            </a:r>
-            <a:r>
-              <a:rPr lang="zh-CN" altLang="en-US" sz="2000" dirty="0" smtClean="0"/>
-              <a:t>电路时序，根据静态时序思考改进方案</a:t>
+              <a:rPr lang="zh-CN" altLang="en-US" sz="2000" dirty="0"/>
+              <a:t>分析电路时序，根据静态时序思考改进方案</a:t>
             </a:r>
             <a:endParaRPr lang="en-US" altLang="zh-CN" sz="2000" dirty="0"/>
           </a:p>
@@ -21278,22 +20743,14 @@
               </a:spcAft>
             </a:pPr>
             <a:r>
-              <a:rPr lang="en-US" altLang="zh-CN" sz="2000" dirty="0" smtClean="0"/>
+              <a:rPr lang="en-US" altLang="zh-CN" sz="2000" dirty="0"/>
               <a:t>2.4 </a:t>
             </a:r>
             <a:r>
-              <a:rPr lang="zh-CN" altLang="en-US" sz="2000" dirty="0" smtClean="0"/>
-              <a:t>学习使用后端设计工具</a:t>
-            </a:r>
-            <a:r>
-              <a:rPr lang="zh-CN" altLang="en-US" sz="2000" dirty="0" smtClean="0"/>
-              <a:t>，在</a:t>
-            </a:r>
-            <a:r>
-              <a:rPr lang="zh-CN" altLang="en-US" sz="2000" dirty="0" smtClean="0"/>
-              <a:t>电路实现上寻找优化点</a:t>
-            </a:r>
-            <a:endParaRPr lang="en-US" altLang="zh-CN" sz="2000" dirty="0" smtClean="0"/>
+              <a:rPr lang="zh-CN" altLang="en-US" sz="2000" dirty="0"/>
+              <a:t>学习使用后端设计工具，在电路实现上寻找优化点</a:t>
+            </a:r>
+            <a:endParaRPr lang="en-US" altLang="zh-CN" sz="2000" dirty="0"/>
           </a:p>
           <a:p>
             <a:pPr marL="0" indent="0">
@@ -21307,13 +20764,9 @@
             </a:pPr>
             <a:r>
               <a:rPr lang="zh-CN" altLang="en-US" dirty="0"/>
-              <a:t>三、达成</a:t>
-            </a:r>
-            <a:r>
-              <a:rPr lang="zh-CN" altLang="en-US" dirty="0" smtClean="0"/>
-              <a:t>指标</a:t>
-            </a:r>
-            <a:endParaRPr lang="en-US" altLang="zh-CN" dirty="0" smtClean="0"/>
+              <a:t>三、达成指标</a:t>
+            </a:r>
+            <a:endParaRPr lang="en-US" altLang="zh-CN" dirty="0"/>
           </a:p>
           <a:p>
             <a:pPr>
@@ -21322,16 +20775,12 @@
               </a:spcBef>
             </a:pPr>
             <a:r>
-              <a:rPr lang="en-US" altLang="zh-CN" sz="2000" dirty="0" smtClean="0"/>
+              <a:rPr lang="en-US" altLang="zh-CN" sz="2000" dirty="0"/>
               <a:t>3.1 </a:t>
             </a:r>
             <a:r>
-              <a:rPr lang="zh-CN" altLang="en-US" sz="2000" dirty="0" smtClean="0"/>
-              <a:t>频率</a:t>
-            </a:r>
-            <a:r>
               <a:rPr lang="zh-CN" altLang="en-US" sz="2000" dirty="0"/>
-              <a:t>分辨率：</a:t>
+              <a:t>频率分辨率：</a:t>
             </a:r>
             <a:r>
               <a:rPr lang="en-US" altLang="zh-CN" sz="2000" dirty="0" err="1"/>
@@ -21354,16 +20803,12 @@
               </a:spcBef>
             </a:pPr>
             <a:r>
-              <a:rPr lang="en-US" altLang="zh-CN" sz="2000" dirty="0" smtClean="0"/>
+              <a:rPr lang="en-US" altLang="zh-CN" sz="2000" dirty="0"/>
               <a:t>3.2 </a:t>
             </a:r>
             <a:r>
-              <a:rPr lang="zh-CN" altLang="en-US" sz="2000" dirty="0" smtClean="0"/>
-              <a:t>时钟频率</a:t>
-            </a:r>
-            <a:r>
               <a:rPr lang="zh-CN" altLang="en-US" sz="2000" dirty="0"/>
-              <a:t>：</a:t>
+              <a:t>时钟频率：</a:t>
             </a:r>
             <a:r>
               <a:rPr lang="en-US" altLang="zh-CN" sz="2000" dirty="0"/>
@@ -21377,23 +20822,19 @@
               </a:spcBef>
             </a:pPr>
             <a:r>
-              <a:rPr lang="en-US" altLang="zh-CN" sz="2000" dirty="0" smtClean="0"/>
+              <a:rPr lang="en-US" altLang="zh-CN" sz="2000" dirty="0"/>
               <a:t>3.3 </a:t>
             </a:r>
             <a:r>
-              <a:rPr lang="zh-CN" altLang="en-US" sz="2000" dirty="0" smtClean="0"/>
-              <a:t>杂散</a:t>
-            </a:r>
-            <a:r>
               <a:rPr lang="zh-CN" altLang="en-US" sz="2000" dirty="0"/>
-              <a:t>性能：</a:t>
+              <a:t>杂散性能：</a:t>
             </a:r>
             <a:r>
               <a:rPr lang="en-US" altLang="zh-CN" sz="2000" dirty="0"/>
               <a:t>50 </a:t>
             </a:r>
             <a:r>
-              <a:rPr lang="en-US" altLang="zh-CN" sz="2000" dirty="0" err="1" smtClean="0"/>
+              <a:rPr lang="en-US" altLang="zh-CN" sz="2000" dirty="0" err="1"/>
               <a:t>dBc</a:t>
             </a:r>
             <a:endParaRPr lang="en-US" altLang="zh-CN" dirty="0"/>
@@ -21445,13 +20886,6 @@
   <p:clrMapOvr>
     <a:masterClrMapping/>
   </p:clrMapOvr>
-  <p:timing>
-    <p:tnLst>
-      <p:par>
-        <p:cTn id="1" dur="indefinite" restart="never" nodeType="tmRoot"/>
-      </p:par>
-    </p:tnLst>
-  </p:timing>
 </p:sld>
 </file>
 
@@ -21510,18 +20944,13 @@
           <a:lstStyle/>
           <a:p>
             <a:r>
-              <a:rPr lang="en-US" altLang="zh-CN" dirty="0" smtClean="0">
+              <a:rPr lang="en-US" altLang="zh-CN" dirty="0">
                 <a:solidFill>
                   <a:srgbClr val="000000"/>
                 </a:solidFill>
               </a:rPr>
               <a:t>7/13</a:t>
             </a:r>
-            <a:endParaRPr lang="en-US" altLang="zh-CN" dirty="0">
-              <a:solidFill>
-                <a:srgbClr val="000000"/>
-              </a:solidFill>
-            </a:endParaRPr>
           </a:p>
         </p:txBody>
       </p:sp>
@@ -21631,7 +21060,7 @@
               <a:t>速率普遍在</a:t>
             </a:r>
             <a:r>
-              <a:rPr lang="en-US" altLang="zh-CN" dirty="0" smtClean="0"/>
+              <a:rPr lang="en-US" altLang="zh-CN" dirty="0"/>
               <a:t>10Gbps</a:t>
             </a:r>
             <a:r>
@@ -21651,12 +21080,8 @@
               <a:buNone/>
             </a:pPr>
             <a:r>
-              <a:rPr lang="zh-CN" altLang="en-US" dirty="0" smtClean="0"/>
-              <a:t>实际的系统</a:t>
-            </a:r>
-            <a:r>
               <a:rPr lang="zh-CN" altLang="en-US" dirty="0"/>
-              <a:t>瓶颈是存储器访问速度比较慢</a:t>
+              <a:t>实际的系统瓶颈是存储器访问速度比较慢</a:t>
             </a:r>
             <a:endParaRPr lang="en-US" altLang="zh-CN" dirty="0"/>
           </a:p>
@@ -21686,17 +21111,9 @@
             </a:pPr>
             <a:r>
               <a:rPr lang="zh-CN" altLang="en-US" dirty="0"/>
-              <a:t>查找表</a:t>
-            </a:r>
-            <a:r>
-              <a:rPr lang="zh-CN" altLang="en-US" dirty="0" smtClean="0"/>
-              <a:t>缩法</a:t>
-            </a:r>
-            <a:r>
-              <a:rPr lang="zh-CN" altLang="en-US" dirty="0" smtClean="0"/>
-              <a:t>：引入小噪声的情况下，减小存储器寻址位长</a:t>
-            </a:r>
-            <a:endParaRPr lang="en-US" altLang="zh-CN" dirty="0" smtClean="0"/>
+              <a:t>查找表缩法：引入小噪声的情况下，减小存储器寻址位长</a:t>
+            </a:r>
+            <a:endParaRPr lang="en-US" altLang="zh-CN" dirty="0"/>
           </a:p>
           <a:p>
             <a:pPr lvl="1">
@@ -21708,32 +21125,16 @@
               </a:spcAft>
             </a:pPr>
             <a:r>
-              <a:rPr lang="zh-CN" altLang="en-US" dirty="0" smtClean="0"/>
-              <a:t>矩阵</a:t>
-            </a:r>
-            <a:r>
-              <a:rPr lang="zh-CN" altLang="en-US" dirty="0" smtClean="0"/>
-              <a:t>旋转法</a:t>
-            </a:r>
-            <a:r>
-              <a:rPr lang="zh-CN" altLang="en-US" dirty="0" smtClean="0"/>
-              <a:t>：根据</a:t>
-            </a:r>
-            <a:r>
-              <a:rPr lang="en-US" altLang="zh-CN" dirty="0" smtClean="0"/>
+              <a:rPr lang="zh-CN" altLang="en-US" dirty="0"/>
+              <a:t>矩阵旋转法：根据</a:t>
+            </a:r>
+            <a:r>
+              <a:rPr lang="en-US" altLang="zh-CN" dirty="0"/>
               <a:t>CORDIC</a:t>
             </a:r>
             <a:r>
-              <a:rPr lang="zh-CN" altLang="en-US" dirty="0" smtClean="0"/>
-              <a:t>算法实现矩阵旋转电路，</a:t>
-            </a:r>
-            <a:r>
               <a:rPr lang="zh-CN" altLang="en-US" dirty="0"/>
-              <a:t>生产</a:t>
-            </a:r>
-            <a:r>
-              <a:rPr lang="zh-CN" altLang="en-US" dirty="0" smtClean="0"/>
-              <a:t>正弦波</a:t>
+              <a:t>算法实现矩阵旋转电路，生产正弦波</a:t>
             </a:r>
             <a:endParaRPr lang="en-US" altLang="zh-CN" dirty="0"/>
           </a:p>
@@ -21756,7 +21157,7 @@
             </a:r>
             <a:r>
               <a:rPr lang="zh-CN" altLang="en-US" dirty="0"/>
-              <a:t>：在模拟器件内实现正弦函数映射</a:t>
+              <a:t>：在数模转换器内实现正弦函数映射</a:t>
             </a:r>
             <a:endParaRPr lang="en-US" altLang="zh-CN" dirty="0"/>
           </a:p>
@@ -21772,13 +21173,6 @@
   <p:clrMapOvr>
     <a:masterClrMapping/>
   </p:clrMapOvr>
-  <p:timing>
-    <p:tnLst>
-      <p:par>
-        <p:cTn id="1" dur="indefinite" restart="never" nodeType="tmRoot"/>
-      </p:par>
-    </p:tnLst>
-  </p:timing>
 </p:sld>
 </file>
 
@@ -21875,14 +21269,10 @@
             </a:r>
             <a:r>
               <a:rPr lang="zh-CN" altLang="en-US" dirty="0"/>
-              <a:t>种</a:t>
-            </a:r>
-            <a:r>
-              <a:rPr lang="zh-CN" altLang="en-US" dirty="0" smtClean="0"/>
-              <a:t>，分别挑选</a:t>
-            </a:r>
-            <a:r>
-              <a:rPr lang="en-US" altLang="zh-CN" dirty="0" smtClean="0"/>
+              <a:t>种，分别挑选</a:t>
+            </a:r>
+            <a:r>
+              <a:rPr lang="en-US" altLang="zh-CN" dirty="0"/>
               <a:t>3</a:t>
             </a:r>
             <a:r>
@@ -22016,18 +21406,13 @@
           <a:lstStyle/>
           <a:p>
             <a:r>
-              <a:rPr lang="en-US" altLang="zh-CN" dirty="0" smtClean="0">
+              <a:rPr lang="en-US" altLang="zh-CN" dirty="0">
                 <a:solidFill>
                   <a:srgbClr val="000000"/>
                 </a:solidFill>
               </a:rPr>
               <a:t>8/13</a:t>
             </a:r>
-            <a:endParaRPr lang="en-US" altLang="zh-CN" dirty="0">
-              <a:solidFill>
-                <a:srgbClr val="000000"/>
-              </a:solidFill>
-            </a:endParaRPr>
           </a:p>
         </p:txBody>
       </p:sp>
@@ -22950,13 +22335,6 @@
   <p:clrMapOvr>
     <a:masterClrMapping/>
   </p:clrMapOvr>
-  <p:timing>
-    <p:tnLst>
-      <p:par>
-        <p:cTn id="1" dur="indefinite" restart="never" nodeType="tmRoot"/>
-      </p:par>
-    </p:tnLst>
-  </p:timing>
 </p:sld>
 </file>
 
@@ -23531,24 +22909,16 @@
                   <a:t>DAC</a:t>
                 </a:r>
                 <a:r>
-                  <a:rPr lang="zh-CN" altLang="en-US" sz="2000" dirty="0" smtClean="0"/>
-                  <a:t>，</a:t>
+                  <a:rPr lang="zh-CN" altLang="en-US" sz="2000" dirty="0"/>
+                  <a:t>，简化</a:t>
                 </a:r>
                 <a:r>
-                  <a:rPr lang="zh-CN" altLang="en-US" sz="2000" dirty="0"/>
-                  <a:t>简化</a:t>
-                </a:r>
-                <a:r>
-                  <a:rPr lang="en-US" altLang="zh-CN" sz="2000" dirty="0" smtClean="0"/>
+                  <a:rPr lang="en-US" altLang="zh-CN" sz="2000" dirty="0"/>
                   <a:t>DAC</a:t>
                 </a:r>
                 <a:r>
                   <a:rPr lang="zh-CN" altLang="en-US" sz="2000" dirty="0"/>
-                  <a:t>中编</a:t>
-                </a:r>
-                <a:r>
-                  <a:rPr lang="zh-CN" altLang="en-US" sz="2000" dirty="0" smtClean="0"/>
-                  <a:t>解码器</a:t>
+                  <a:t>中编解码器</a:t>
                 </a:r>
                 <a:endParaRPr lang="en-US" altLang="zh-CN" sz="2000" dirty="0"/>
               </a:p>
@@ -23682,18 +23052,13 @@
           <a:lstStyle/>
           <a:p>
             <a:r>
-              <a:rPr lang="en-US" altLang="zh-CN" dirty="0" smtClean="0">
+              <a:rPr lang="en-US" altLang="zh-CN" dirty="0">
                 <a:solidFill>
                   <a:srgbClr val="000000"/>
                 </a:solidFill>
               </a:rPr>
               <a:t>9/13</a:t>
             </a:r>
-            <a:endParaRPr lang="en-US" altLang="zh-CN" dirty="0">
-              <a:solidFill>
-                <a:srgbClr val="000000"/>
-              </a:solidFill>
-            </a:endParaRPr>
           </a:p>
         </p:txBody>
       </p:sp>
@@ -23707,13 +23072,6 @@
   <p:clrMapOvr>
     <a:masterClrMapping/>
   </p:clrMapOvr>
-  <p:timing>
-    <p:tnLst>
-      <p:par>
-        <p:cTn id="1" dur="indefinite" restart="never" nodeType="tmRoot"/>
-      </p:par>
-    </p:tnLst>
-  </p:timing>
 </p:sld>
 </file>
 

--- a/ppt/yyx_v1.1.pptx
+++ b/ppt/yyx_v1.1.pptx
@@ -7,10 +7,10 @@
     <p:sldMasterId id="2147483672" r:id="rId3"/>
   </p:sldMasterIdLst>
   <p:notesMasterIdLst>
-    <p:notesMasterId r:id="rId17"/>
+    <p:notesMasterId r:id="rId22"/>
   </p:notesMasterIdLst>
   <p:handoutMasterIdLst>
-    <p:handoutMasterId r:id="rId18"/>
+    <p:handoutMasterId r:id="rId23"/>
   </p:handoutMasterIdLst>
   <p:sldIdLst>
     <p:sldId id="279" r:id="rId4"/>
@@ -18,14 +18,19 @@
     <p:sldId id="290" r:id="rId6"/>
     <p:sldId id="282" r:id="rId7"/>
     <p:sldId id="264" r:id="rId8"/>
-    <p:sldId id="284" r:id="rId9"/>
-    <p:sldId id="286" r:id="rId10"/>
-    <p:sldId id="267" r:id="rId11"/>
-    <p:sldId id="285" r:id="rId12"/>
-    <p:sldId id="268" r:id="rId13"/>
-    <p:sldId id="289" r:id="rId14"/>
-    <p:sldId id="271" r:id="rId15"/>
-    <p:sldId id="273" r:id="rId16"/>
+    <p:sldId id="286" r:id="rId9"/>
+    <p:sldId id="267" r:id="rId10"/>
+    <p:sldId id="285" r:id="rId11"/>
+    <p:sldId id="291" r:id="rId12"/>
+    <p:sldId id="292" r:id="rId13"/>
+    <p:sldId id="268" r:id="rId14"/>
+    <p:sldId id="293" r:id="rId15"/>
+    <p:sldId id="294" r:id="rId16"/>
+    <p:sldId id="295" r:id="rId17"/>
+    <p:sldId id="289" r:id="rId18"/>
+    <p:sldId id="271" r:id="rId19"/>
+    <p:sldId id="284" r:id="rId20"/>
+    <p:sldId id="273" r:id="rId21"/>
   </p:sldIdLst>
   <p:sldSz cx="9144000" cy="6858000" type="screen4x3"/>
   <p:notesSz cx="6858000" cy="9144000"/>
@@ -380,7 +385,7 @@
           <a:p>
             <a:fld id="{52870B4D-8E9B-40BE-BFA7-166D04D852CD}" type="datetimeFigureOut">
               <a:rPr lang="zh-CN" altLang="en-US" smtClean="0"/>
-              <a:t>2017/1/12</a:t>
+              <a:t>2017/1/13</a:t>
             </a:fld>
             <a:endParaRPr lang="zh-CN" altLang="en-US"/>
           </a:p>
@@ -803,134 +808,31 @@
           <a:p>
             <a:pPr lvl="1">
               <a:spcBef>
-                <a:spcPts val="600"/>
-              </a:spcBef>
-              <a:spcAft>
-                <a:spcPts val="0"/>
-              </a:spcAft>
-            </a:pPr>
-            <a:r>
-              <a:rPr lang="zh-CN" altLang="en-US" sz="2000" dirty="0"/>
-              <a:t>查找表压缩优点：使用传统结构，通过减小存储器大小提升性能。</a:t>
-            </a:r>
-            <a:endParaRPr lang="en-US" altLang="zh-CN" sz="2000" dirty="0"/>
-          </a:p>
-          <a:p>
-            <a:pPr marL="342900" lvl="1" indent="0">
-              <a:spcBef>
                 <a:spcPts val="0"/>
               </a:spcBef>
               <a:spcAft>
-                <a:spcPts val="600"/>
-              </a:spcAft>
-              <a:buNone/>
-            </a:pPr>
-            <a:r>
-              <a:rPr lang="en-US" altLang="zh-CN" sz="2000" dirty="0"/>
-              <a:t>   </a:t>
-            </a:r>
-            <a:r>
-              <a:rPr lang="zh-CN" altLang="en-US" sz="2000" dirty="0"/>
-              <a:t>查找表压缩缺点：特点是实现简单，但是在原理上突破很难。</a:t>
-            </a:r>
-            <a:endParaRPr lang="en-US" altLang="zh-CN" sz="2000" dirty="0"/>
-          </a:p>
-          <a:p>
-            <a:pPr lvl="1">
-              <a:spcBef>
-                <a:spcPts val="600"/>
-              </a:spcBef>
-              <a:spcAft>
-                <a:spcPts val="0"/>
+                <a:spcPts val="1200"/>
               </a:spcAft>
             </a:pPr>
-            <a:r>
-              <a:rPr lang="zh-CN" altLang="en-US" sz="2000" dirty="0"/>
-              <a:t>矩阵旋转优点：不需要存储器，杂散性能最好，可用流水线加速</a:t>
-            </a:r>
-            <a:endParaRPr lang="en-US" altLang="zh-CN" sz="2000" dirty="0"/>
-          </a:p>
-          <a:p>
-            <a:pPr marL="342900" lvl="1" indent="0">
-              <a:spcBef>
-                <a:spcPts val="0"/>
-              </a:spcBef>
-              <a:spcAft>
-                <a:spcPts val="600"/>
-              </a:spcAft>
-              <a:buNone/>
-            </a:pPr>
-            <a:r>
-              <a:rPr lang="en-US" altLang="zh-CN" sz="2000" dirty="0"/>
-              <a:t>   </a:t>
-            </a:r>
-            <a:r>
-              <a:rPr lang="zh-CN" altLang="en-US" sz="2000" dirty="0"/>
-              <a:t>矩阵旋转缺点：但是占用资源过多，速度仍然比较慢。</a:t>
-            </a:r>
-            <a:endParaRPr lang="en-US" altLang="zh-CN" sz="2000" dirty="0"/>
-          </a:p>
-          <a:p>
-            <a:pPr lvl="1">
-              <a:spcBef>
-                <a:spcPts val="600"/>
-              </a:spcBef>
-              <a:spcAft>
-                <a:spcPts val="0"/>
-              </a:spcAft>
-            </a:pPr>
-            <a:r>
-              <a:rPr lang="zh-CN" altLang="en-US" sz="2000" dirty="0"/>
-              <a:t>非线性</a:t>
-            </a:r>
-            <a:r>
-              <a:rPr lang="en-US" altLang="zh-CN" sz="2000" dirty="0"/>
-              <a:t>DAC</a:t>
-            </a:r>
-            <a:r>
-              <a:rPr lang="zh-CN" altLang="en-US" sz="2000" dirty="0"/>
-              <a:t>优点：不需要存储器，利用部分模拟器件优势提升性能。</a:t>
-            </a:r>
-            <a:endParaRPr lang="en-US" altLang="zh-CN" sz="2000" dirty="0"/>
-          </a:p>
-          <a:p>
-            <a:pPr marL="342900" lvl="1" indent="0">
-              <a:spcBef>
-                <a:spcPts val="0"/>
-              </a:spcBef>
-              <a:spcAft>
-                <a:spcPts val="600"/>
-              </a:spcAft>
-              <a:buNone/>
-            </a:pPr>
-            <a:r>
-              <a:rPr lang="en-US" altLang="zh-CN" sz="2000" dirty="0"/>
-              <a:t>   </a:t>
-            </a:r>
-            <a:r>
-              <a:rPr lang="zh-CN" altLang="en-US" sz="2000" dirty="0"/>
-              <a:t>非线性</a:t>
-            </a:r>
-            <a:r>
-              <a:rPr lang="en-US" altLang="zh-CN" sz="2000" dirty="0"/>
-              <a:t>DAC</a:t>
-            </a:r>
-            <a:r>
-              <a:rPr lang="zh-CN" altLang="en-US" sz="2000" dirty="0"/>
-              <a:t>缺点：大大增加了</a:t>
-            </a:r>
-            <a:r>
-              <a:rPr lang="en-US" altLang="zh-CN" sz="2000" dirty="0"/>
-              <a:t>DAC</a:t>
-            </a:r>
-            <a:r>
-              <a:rPr lang="zh-CN" altLang="en-US" sz="2000" dirty="0"/>
-              <a:t>的复杂度和功耗。</a:t>
-            </a:r>
-            <a:endParaRPr lang="en-US" altLang="zh-CN" sz="2000" dirty="0"/>
-          </a:p>
-          <a:p>
-            <a:pPr marL="342900" marR="0" lvl="1" indent="0" algn="l" defTabSz="914400" rtl="0" eaLnBrk="1" fontAlgn="auto" latinLnBrk="0" hangingPunct="1">
+            <a:endParaRPr lang="en-US" altLang="zh-CN" dirty="0"/>
+          </a:p>
+          <a:p>
+            <a:r>
+              <a:rPr lang="zh-CN" altLang="en-US" dirty="0"/>
+              <a:t>传统的</a:t>
+            </a:r>
+            <a:r>
+              <a:rPr lang="en-US" altLang="zh-CN" dirty="0"/>
+              <a:t>DDS</a:t>
+            </a:r>
+            <a:r>
+              <a:rPr lang="zh-CN" altLang="en-US" dirty="0"/>
+              <a:t>结构受到存储器限制，通过压缩，使用更小的存储器实现更快的速度</a:t>
+            </a:r>
+            <a:endParaRPr lang="en-US" altLang="zh-CN" dirty="0"/>
+          </a:p>
+          <a:p>
+            <a:pPr marL="0" marR="0" indent="0" algn="l" defTabSz="914400" rtl="0" eaLnBrk="1" fontAlgn="auto" latinLnBrk="0" hangingPunct="1">
               <a:lnSpc>
                 <a:spcPct val="100000"/>
               </a:lnSpc>
@@ -938,7 +840,7 @@
                 <a:spcPts val="0"/>
               </a:spcBef>
               <a:spcAft>
-                <a:spcPts val="600"/>
+                <a:spcPts val="0"/>
               </a:spcAft>
               <a:buClrTx/>
               <a:buSzTx/>
@@ -948,22 +850,96 @@
               <a:defRPr/>
             </a:pPr>
             <a:r>
-              <a:rPr lang="zh-CN" altLang="en-US" sz="2000" dirty="0"/>
-              <a:t>从以上三篇文献中，我们都看出了方法之间的融合。包括</a:t>
-            </a:r>
-            <a:r>
-              <a:rPr lang="zh-CN" altLang="en-US" sz="2000" dirty="0"/>
-              <a:t>存储器和矩阵旋转电路结合，非线性</a:t>
-            </a:r>
-            <a:r>
-              <a:rPr lang="en-US" altLang="zh-CN" sz="2000" dirty="0"/>
+              <a:rPr lang="zh-CN" altLang="en-US" dirty="0"/>
+              <a:t>以往的压缩方法是在（</a:t>
+            </a:r>
+            <a:r>
+              <a:rPr lang="en-US" altLang="zh-CN" dirty="0"/>
+              <a:t>0,1/2pi</a:t>
+            </a:r>
+            <a:r>
+              <a:rPr lang="zh-CN" altLang="en-US" dirty="0"/>
+              <a:t>）空间上进行了均匀分段的线性拟合，文献一的主要贡献是进行了非均匀分段。和均匀分段相比，引入噪声水平相当时容量可减小</a:t>
+            </a:r>
+            <a:r>
+              <a:rPr lang="en-US" altLang="zh-CN" dirty="0"/>
+              <a:t>40%</a:t>
+            </a:r>
+          </a:p>
+          <a:p>
+            <a:pPr marL="0" marR="0" indent="0" algn="l" defTabSz="914400" rtl="0" eaLnBrk="1" fontAlgn="auto" latinLnBrk="0" hangingPunct="1">
+              <a:lnSpc>
+                <a:spcPct val="100000"/>
+              </a:lnSpc>
+              <a:spcBef>
+                <a:spcPts val="0"/>
+              </a:spcBef>
+              <a:spcAft>
+                <a:spcPts val="0"/>
+              </a:spcAft>
+              <a:buClrTx/>
+              <a:buSzTx/>
+              <a:buFontTx/>
+              <a:buNone/>
+              <a:tabLst/>
+              <a:defRPr/>
+            </a:pPr>
+            <a:r>
+              <a:rPr lang="en-US" altLang="zh-CN" dirty="0"/>
+              <a:t>Basic</a:t>
+            </a:r>
+            <a:r>
+              <a:rPr lang="zh-CN" altLang="en-US" dirty="0"/>
+              <a:t>的</a:t>
+            </a:r>
+            <a:r>
+              <a:rPr lang="en-US" altLang="zh-CN" dirty="0" err="1"/>
+              <a:t>cordic</a:t>
+            </a:r>
+            <a:r>
+              <a:rPr lang="zh-CN" altLang="en-US" dirty="0"/>
+              <a:t>算法存在流水级数过长的问题，文献二的主要工作是通过</a:t>
+            </a:r>
+            <a:r>
+              <a:rPr lang="en-US" altLang="zh-CN" dirty="0"/>
+              <a:t>excess-four</a:t>
+            </a:r>
+            <a:r>
+              <a:rPr lang="zh-CN" altLang="en-US" dirty="0"/>
+              <a:t>电路减小了了矩阵旋转法的切换延时</a:t>
+            </a:r>
+            <a:endParaRPr lang="en-US" altLang="zh-CN" dirty="0"/>
+          </a:p>
+          <a:p>
+            <a:pPr marL="0" marR="0" indent="0" algn="l" defTabSz="914400" rtl="0" eaLnBrk="1" fontAlgn="auto" latinLnBrk="0" hangingPunct="1">
+              <a:lnSpc>
+                <a:spcPct val="100000"/>
+              </a:lnSpc>
+              <a:spcBef>
+                <a:spcPts val="0"/>
+              </a:spcBef>
+              <a:spcAft>
+                <a:spcPts val="0"/>
+              </a:spcAft>
+              <a:buClrTx/>
+              <a:buSzTx/>
+              <a:buFontTx/>
+              <a:buNone/>
+              <a:tabLst/>
+              <a:defRPr/>
+            </a:pPr>
+            <a:r>
+              <a:rPr lang="zh-CN" altLang="en-US" dirty="0"/>
+              <a:t>文献三使用的是非线性</a:t>
+            </a:r>
+            <a:r>
+              <a:rPr lang="en-US" altLang="zh-CN" dirty="0"/>
               <a:t>DAC</a:t>
             </a:r>
             <a:r>
-              <a:rPr lang="zh-CN" altLang="en-US" sz="2000" dirty="0"/>
-              <a:t>设计中也有压缩的办法</a:t>
-            </a:r>
-            <a:endParaRPr lang="en-US" altLang="zh-CN" sz="2000" dirty="0"/>
+              <a:rPr lang="zh-CN" altLang="en-US" dirty="0"/>
+              <a:t>，提出了更优的电路方案，论文中显示的时钟频率和杂散性能都达到近年来最高水平</a:t>
+            </a:r>
           </a:p>
         </p:txBody>
       </p:sp>
@@ -993,7 +969,7 @@
     </p:spTree>
     <p:extLst>
       <p:ext uri="{BB962C8B-B14F-4D97-AF65-F5344CB8AC3E}">
-        <p14:creationId xmlns:p14="http://schemas.microsoft.com/office/powerpoint/2010/main" val="695932727"/>
+        <p14:creationId xmlns:p14="http://schemas.microsoft.com/office/powerpoint/2010/main" val="1494422998"/>
       </p:ext>
     </p:extLst>
   </p:cSld>
@@ -1047,58 +1023,136 @@
           <a:bodyPr/>
           <a:lstStyle/>
           <a:p>
-            <a:r>
-              <a:rPr lang="zh-CN" altLang="en-US" dirty="0"/>
-              <a:t>实施方案我分成</a:t>
-            </a:r>
-            <a:r>
-              <a:rPr lang="en-US" altLang="zh-CN" dirty="0"/>
-              <a:t>5</a:t>
-            </a:r>
-            <a:r>
-              <a:rPr lang="zh-CN" altLang="en-US" dirty="0"/>
-              <a:t>步：</a:t>
-            </a:r>
-            <a:endParaRPr lang="en-US" altLang="zh-CN" dirty="0"/>
-          </a:p>
-          <a:p>
-            <a:pPr marL="228600" indent="-228600">
-              <a:buAutoNum type="arabicPeriod"/>
+            <a:pPr lvl="1">
+              <a:spcBef>
+                <a:spcPts val="600"/>
+              </a:spcBef>
+              <a:spcAft>
+                <a:spcPts val="0"/>
+              </a:spcAft>
             </a:pPr>
             <a:r>
-              <a:rPr lang="zh-CN" altLang="en-US" dirty="0"/>
-              <a:t>是在</a:t>
-            </a:r>
-            <a:r>
-              <a:rPr lang="en-US" altLang="zh-CN" dirty="0" err="1"/>
-              <a:t>Maltlab</a:t>
-            </a:r>
-            <a:r>
-              <a:rPr lang="zh-CN" altLang="en-US" dirty="0"/>
-              <a:t>和</a:t>
-            </a:r>
-            <a:r>
-              <a:rPr lang="en-US" altLang="zh-CN" dirty="0" err="1"/>
-              <a:t>Modelsim</a:t>
-            </a:r>
-            <a:r>
-              <a:rPr lang="zh-CN" altLang="en-US" dirty="0"/>
-              <a:t>上搭建可扩展的数控振荡器测试平台</a:t>
-            </a:r>
-            <a:endParaRPr lang="en-US" altLang="zh-CN" dirty="0"/>
-          </a:p>
-          <a:p>
-            <a:pPr marL="228600" indent="-228600">
-              <a:buAutoNum type="arabicPeriod"/>
+              <a:rPr lang="zh-CN" altLang="en-US" sz="2000" dirty="0"/>
+              <a:t>查找表压缩优点：使用传统结构，通过减小存储器大小提升性能。</a:t>
+            </a:r>
+            <a:endParaRPr lang="en-US" altLang="zh-CN" sz="2000" dirty="0"/>
+          </a:p>
+          <a:p>
+            <a:pPr marL="342900" lvl="1" indent="0">
+              <a:spcBef>
+                <a:spcPts val="0"/>
+              </a:spcBef>
+              <a:spcAft>
+                <a:spcPts val="600"/>
+              </a:spcAft>
+              <a:buNone/>
             </a:pPr>
             <a:r>
-              <a:rPr lang="zh-CN" altLang="en-US" dirty="0"/>
-              <a:t>分析振荡器输出波形的噪声来源，理论上指导振荡器设计。到此为止我的代码和理论框架基本搭建完成。</a:t>
-            </a:r>
-            <a:endParaRPr lang="en-US" altLang="zh-CN" dirty="0"/>
-          </a:p>
-          <a:p>
-            <a:pPr marL="228600" marR="0" indent="-228600" algn="l" defTabSz="914400" rtl="0" eaLnBrk="1" fontAlgn="auto" latinLnBrk="0" hangingPunct="1">
+              <a:rPr lang="en-US" altLang="zh-CN" sz="2000" dirty="0"/>
+              <a:t>   </a:t>
+            </a:r>
+            <a:r>
+              <a:rPr lang="zh-CN" altLang="en-US" sz="2000" dirty="0"/>
+              <a:t>查找表压缩缺点：特点是实现简单，但是在原理上突破很难。</a:t>
+            </a:r>
+            <a:endParaRPr lang="en-US" altLang="zh-CN" sz="2000" dirty="0"/>
+          </a:p>
+          <a:p>
+            <a:pPr lvl="1">
+              <a:spcBef>
+                <a:spcPts val="600"/>
+              </a:spcBef>
+              <a:spcAft>
+                <a:spcPts val="0"/>
+              </a:spcAft>
+            </a:pPr>
+            <a:r>
+              <a:rPr lang="zh-CN" altLang="en-US" sz="2000" dirty="0"/>
+              <a:t>矩阵旋转优点：不需要存储器，杂散性能最好，可用流水线加速</a:t>
+            </a:r>
+            <a:endParaRPr lang="en-US" altLang="zh-CN" sz="2000" dirty="0"/>
+          </a:p>
+          <a:p>
+            <a:pPr marL="342900" lvl="1" indent="0">
+              <a:spcBef>
+                <a:spcPts val="0"/>
+              </a:spcBef>
+              <a:spcAft>
+                <a:spcPts val="600"/>
+              </a:spcAft>
+              <a:buNone/>
+            </a:pPr>
+            <a:r>
+              <a:rPr lang="en-US" altLang="zh-CN" sz="2000" dirty="0"/>
+              <a:t>   </a:t>
+            </a:r>
+            <a:r>
+              <a:rPr lang="zh-CN" altLang="en-US" sz="2000" dirty="0"/>
+              <a:t>矩阵旋转缺点：但是占用资源过多，速度仍然比较慢。</a:t>
+            </a:r>
+            <a:endParaRPr lang="en-US" altLang="zh-CN" sz="2000" dirty="0"/>
+          </a:p>
+          <a:p>
+            <a:pPr lvl="1">
+              <a:spcBef>
+                <a:spcPts val="600"/>
+              </a:spcBef>
+              <a:spcAft>
+                <a:spcPts val="0"/>
+              </a:spcAft>
+            </a:pPr>
+            <a:r>
+              <a:rPr lang="zh-CN" altLang="en-US" sz="2000" dirty="0"/>
+              <a:t>非线性</a:t>
+            </a:r>
+            <a:r>
+              <a:rPr lang="en-US" altLang="zh-CN" sz="2000" dirty="0"/>
+              <a:t>DAC</a:t>
+            </a:r>
+            <a:r>
+              <a:rPr lang="zh-CN" altLang="en-US" sz="2000" dirty="0"/>
+              <a:t>优点：不需要存储器，利用部分模拟器件优势提升性能。</a:t>
+            </a:r>
+            <a:endParaRPr lang="en-US" altLang="zh-CN" sz="2000" dirty="0"/>
+          </a:p>
+          <a:p>
+            <a:pPr marL="342900" lvl="1" indent="0">
+              <a:spcBef>
+                <a:spcPts val="0"/>
+              </a:spcBef>
+              <a:spcAft>
+                <a:spcPts val="600"/>
+              </a:spcAft>
+              <a:buNone/>
+            </a:pPr>
+            <a:r>
+              <a:rPr lang="en-US" altLang="zh-CN" sz="2000" dirty="0"/>
+              <a:t>   </a:t>
+            </a:r>
+            <a:r>
+              <a:rPr lang="zh-CN" altLang="en-US" sz="2000" dirty="0"/>
+              <a:t>非线性</a:t>
+            </a:r>
+            <a:r>
+              <a:rPr lang="en-US" altLang="zh-CN" sz="2000" dirty="0"/>
+              <a:t>DAC</a:t>
+            </a:r>
+            <a:r>
+              <a:rPr lang="zh-CN" altLang="en-US" sz="2000" dirty="0"/>
+              <a:t>缺点：大大增加了</a:t>
+            </a:r>
+            <a:r>
+              <a:rPr lang="en-US" altLang="zh-CN" sz="2000" dirty="0"/>
+              <a:t>DAC</a:t>
+            </a:r>
+            <a:r>
+              <a:rPr lang="zh-CN" altLang="en-US" sz="2000" dirty="0"/>
+              <a:t>的复杂度和功耗。</a:t>
+            </a:r>
+            <a:endParaRPr lang="en-US" altLang="zh-CN" sz="2000" dirty="0"/>
+          </a:p>
+          <a:p>
+            <a:pPr marL="342900" marR="0" lvl="1" indent="0" algn="l" defTabSz="914400" rtl="0" eaLnBrk="1" fontAlgn="auto" latinLnBrk="0" hangingPunct="1">
               <a:lnSpc>
                 <a:spcPct val="100000"/>
               </a:lnSpc>
@@ -1106,82 +1160,28 @@
                 <a:spcPts val="0"/>
               </a:spcBef>
               <a:spcAft>
-                <a:spcPts val="0"/>
+                <a:spcPts val="600"/>
               </a:spcAft>
               <a:buClrTx/>
               <a:buSzTx/>
               <a:buFontTx/>
-              <a:buAutoNum type="arabicPeriod"/>
+              <a:buNone/>
               <a:tabLst/>
               <a:defRPr/>
             </a:pPr>
             <a:r>
-              <a:rPr lang="zh-CN" altLang="en-US" sz="1200" dirty="0"/>
-              <a:t>前端、后端仿真，保证系统实用性，同时找到性能瓶颈</a:t>
-            </a:r>
-            <a:endParaRPr lang="en-US" altLang="zh-CN" sz="1200" dirty="0"/>
-          </a:p>
-          <a:p>
-            <a:pPr marL="228600" marR="0" indent="-228600" algn="l" defTabSz="914400" rtl="0" eaLnBrk="1" fontAlgn="auto" latinLnBrk="0" hangingPunct="1">
-              <a:lnSpc>
-                <a:spcPct val="100000"/>
-              </a:lnSpc>
-              <a:spcBef>
-                <a:spcPts val="0"/>
-              </a:spcBef>
-              <a:spcAft>
-                <a:spcPts val="0"/>
-              </a:spcAft>
-              <a:buClrTx/>
-              <a:buSzTx/>
-              <a:buFontTx/>
-              <a:buAutoNum type="arabicPeriod"/>
-              <a:tabLst/>
-              <a:defRPr/>
-            </a:pPr>
-            <a:r>
-              <a:rPr lang="zh-CN" altLang="en-US" sz="1200" dirty="0"/>
-              <a:t>根据使用场景，参考多种改进结构，迭代式优化设计方案</a:t>
-            </a:r>
-            <a:endParaRPr lang="en-US" altLang="zh-CN" sz="1200" dirty="0"/>
-          </a:p>
-          <a:p>
-            <a:pPr marL="228600" marR="0" indent="-228600" algn="l" defTabSz="914400" rtl="0" eaLnBrk="1" fontAlgn="auto" latinLnBrk="0" hangingPunct="1">
-              <a:lnSpc>
-                <a:spcPct val="100000"/>
-              </a:lnSpc>
-              <a:spcBef>
-                <a:spcPts val="0"/>
-              </a:spcBef>
-              <a:spcAft>
-                <a:spcPts val="0"/>
-              </a:spcAft>
-              <a:buClrTx/>
-              <a:buSzTx/>
-              <a:buFontTx/>
-              <a:buAutoNum type="arabicPeriod"/>
-              <a:tabLst/>
-              <a:defRPr/>
-            </a:pPr>
-            <a:r>
-              <a:rPr lang="zh-CN" altLang="en-US" sz="1200" dirty="0"/>
-              <a:t>总结项目结果，综合测试</a:t>
-            </a:r>
-            <a:r>
-              <a:rPr lang="en-US" altLang="zh-CN" sz="1200" dirty="0"/>
-              <a:t>NCO</a:t>
-            </a:r>
-            <a:r>
-              <a:rPr lang="zh-CN" altLang="en-US" sz="1200" dirty="0"/>
-              <a:t>性能，完成毕业论文</a:t>
-            </a:r>
-            <a:endParaRPr lang="en-US" altLang="zh-CN" sz="1200" dirty="0"/>
-          </a:p>
-          <a:p>
-            <a:pPr marL="228600" indent="-228600">
-              <a:buAutoNum type="arabicPeriod"/>
-            </a:pPr>
-            <a:endParaRPr lang="zh-CN" altLang="en-US" dirty="0"/>
+              <a:rPr lang="zh-CN" altLang="en-US" sz="2000" dirty="0"/>
+              <a:t>从以上三篇文献中，我们都看出了方法之间的融合。包括存储器和矩阵旋转电路结合，非线性</a:t>
+            </a:r>
+            <a:r>
+              <a:rPr lang="en-US" altLang="zh-CN" sz="2000" dirty="0"/>
+              <a:t>DAC</a:t>
+            </a:r>
+            <a:r>
+              <a:rPr lang="zh-CN" altLang="en-US" sz="2000" dirty="0"/>
+              <a:t>设计中也有压缩的办法</a:t>
+            </a:r>
+            <a:endParaRPr lang="en-US" altLang="zh-CN" sz="2000" dirty="0"/>
           </a:p>
         </p:txBody>
       </p:sp>
@@ -1211,7 +1211,7 @@
     </p:spTree>
     <p:extLst>
       <p:ext uri="{BB962C8B-B14F-4D97-AF65-F5344CB8AC3E}">
-        <p14:creationId xmlns:p14="http://schemas.microsoft.com/office/powerpoint/2010/main" val="3531225097"/>
+        <p14:creationId xmlns:p14="http://schemas.microsoft.com/office/powerpoint/2010/main" val="695932727"/>
       </p:ext>
     </p:extLst>
   </p:cSld>
@@ -1267,8 +1267,139 @@
           <a:p>
             <a:r>
               <a:rPr lang="zh-CN" altLang="en-US" dirty="0"/>
-              <a:t>这是我更具体的计划安排</a:t>
-            </a:r>
+              <a:t>实施方案我分成</a:t>
+            </a:r>
+            <a:r>
+              <a:rPr lang="en-US" altLang="zh-CN" dirty="0"/>
+              <a:t>5</a:t>
+            </a:r>
+            <a:r>
+              <a:rPr lang="zh-CN" altLang="en-US" dirty="0"/>
+              <a:t>步：</a:t>
+            </a:r>
+            <a:endParaRPr lang="en-US" altLang="zh-CN" dirty="0"/>
+          </a:p>
+          <a:p>
+            <a:pPr marL="228600" indent="-228600">
+              <a:buAutoNum type="arabicPeriod"/>
+            </a:pPr>
+            <a:r>
+              <a:rPr lang="zh-CN" altLang="en-US" dirty="0"/>
+              <a:t>是在</a:t>
+            </a:r>
+            <a:r>
+              <a:rPr lang="en-US" altLang="zh-CN" dirty="0" err="1"/>
+              <a:t>Maltlab</a:t>
+            </a:r>
+            <a:r>
+              <a:rPr lang="zh-CN" altLang="en-US" dirty="0"/>
+              <a:t>和</a:t>
+            </a:r>
+            <a:r>
+              <a:rPr lang="en-US" altLang="zh-CN" dirty="0" err="1"/>
+              <a:t>Modelsim</a:t>
+            </a:r>
+            <a:r>
+              <a:rPr lang="zh-CN" altLang="en-US" dirty="0"/>
+              <a:t>上搭建可扩展的数控振荡器测试平台</a:t>
+            </a:r>
+            <a:endParaRPr lang="en-US" altLang="zh-CN" dirty="0"/>
+          </a:p>
+          <a:p>
+            <a:pPr marL="228600" indent="-228600">
+              <a:buAutoNum type="arabicPeriod"/>
+            </a:pPr>
+            <a:r>
+              <a:rPr lang="zh-CN" altLang="en-US" dirty="0"/>
+              <a:t>分析振荡器输出波形的噪声来源，理论上指导振荡器设计。到此为止我的代码和理论框架基本搭建完成。</a:t>
+            </a:r>
+            <a:endParaRPr lang="en-US" altLang="zh-CN" dirty="0"/>
+          </a:p>
+          <a:p>
+            <a:pPr marL="228600" marR="0" indent="-228600" algn="l" defTabSz="914400" rtl="0" eaLnBrk="1" fontAlgn="auto" latinLnBrk="0" hangingPunct="1">
+              <a:lnSpc>
+                <a:spcPct val="100000"/>
+              </a:lnSpc>
+              <a:spcBef>
+                <a:spcPts val="0"/>
+              </a:spcBef>
+              <a:spcAft>
+                <a:spcPts val="0"/>
+              </a:spcAft>
+              <a:buClrTx/>
+              <a:buSzTx/>
+              <a:buFontTx/>
+              <a:buAutoNum type="arabicPeriod"/>
+              <a:tabLst/>
+              <a:defRPr/>
+            </a:pPr>
+            <a:r>
+              <a:rPr lang="zh-CN" altLang="en-US" sz="1200" dirty="0"/>
+              <a:t>前端、后端仿真，保证系统实用性，同时找到性能瓶颈</a:t>
+            </a:r>
+            <a:endParaRPr lang="en-US" altLang="zh-CN" sz="1200" dirty="0"/>
+          </a:p>
+          <a:p>
+            <a:pPr marL="228600" marR="0" indent="-228600" algn="l" defTabSz="914400" rtl="0" eaLnBrk="1" fontAlgn="auto" latinLnBrk="0" hangingPunct="1">
+              <a:lnSpc>
+                <a:spcPct val="100000"/>
+              </a:lnSpc>
+              <a:spcBef>
+                <a:spcPts val="0"/>
+              </a:spcBef>
+              <a:spcAft>
+                <a:spcPts val="0"/>
+              </a:spcAft>
+              <a:buClrTx/>
+              <a:buSzTx/>
+              <a:buFontTx/>
+              <a:buAutoNum type="arabicPeriod"/>
+              <a:tabLst/>
+              <a:defRPr/>
+            </a:pPr>
+            <a:r>
+              <a:rPr lang="zh-CN" altLang="en-US" sz="1200" dirty="0"/>
+              <a:t>根据使用场景，参考多种改进结构，迭代式优化设计方案</a:t>
+            </a:r>
+            <a:endParaRPr lang="en-US" altLang="zh-CN" sz="1200" dirty="0"/>
+          </a:p>
+          <a:p>
+            <a:pPr marL="228600" marR="0" indent="-228600" algn="l" defTabSz="914400" rtl="0" eaLnBrk="1" fontAlgn="auto" latinLnBrk="0" hangingPunct="1">
+              <a:lnSpc>
+                <a:spcPct val="100000"/>
+              </a:lnSpc>
+              <a:spcBef>
+                <a:spcPts val="0"/>
+              </a:spcBef>
+              <a:spcAft>
+                <a:spcPts val="0"/>
+              </a:spcAft>
+              <a:buClrTx/>
+              <a:buSzTx/>
+              <a:buFontTx/>
+              <a:buAutoNum type="arabicPeriod"/>
+              <a:tabLst/>
+              <a:defRPr/>
+            </a:pPr>
+            <a:r>
+              <a:rPr lang="zh-CN" altLang="en-US" sz="1200" dirty="0"/>
+              <a:t>总结项目结果，综合测试</a:t>
+            </a:r>
+            <a:r>
+              <a:rPr lang="en-US" altLang="zh-CN" sz="1200" dirty="0"/>
+              <a:t>NCO</a:t>
+            </a:r>
+            <a:r>
+              <a:rPr lang="zh-CN" altLang="en-US" sz="1200" dirty="0"/>
+              <a:t>性能，完成毕业论文</a:t>
+            </a:r>
+            <a:endParaRPr lang="en-US" altLang="zh-CN" sz="1200" dirty="0"/>
+          </a:p>
+          <a:p>
+            <a:pPr marL="228600" indent="-228600">
+              <a:buAutoNum type="arabicPeriod"/>
+            </a:pPr>
+            <a:endParaRPr lang="zh-CN" altLang="en-US" dirty="0"/>
           </a:p>
         </p:txBody>
       </p:sp>
@@ -1289,7 +1420,7 @@
           <a:p>
             <a:fld id="{E49FE5E3-45E0-401A-BDC7-016727830831}" type="slidenum">
               <a:rPr lang="zh-CN" altLang="en-US" smtClean="0"/>
-              <a:t>12</a:t>
+              <a:t>15</a:t>
             </a:fld>
             <a:endParaRPr lang="zh-CN" altLang="en-US"/>
           </a:p>
@@ -1298,7 +1429,7 @@
     </p:spTree>
     <p:extLst>
       <p:ext uri="{BB962C8B-B14F-4D97-AF65-F5344CB8AC3E}">
-        <p14:creationId xmlns:p14="http://schemas.microsoft.com/office/powerpoint/2010/main" val="3315618667"/>
+        <p14:creationId xmlns:p14="http://schemas.microsoft.com/office/powerpoint/2010/main" val="3531225097"/>
       </p:ext>
     </p:extLst>
   </p:cSld>
@@ -1354,7 +1485,7 @@
           <a:p>
             <a:r>
               <a:rPr lang="zh-CN" altLang="en-US" dirty="0"/>
-              <a:t>我的开题报告结束了，谢谢老师聆听</a:t>
+              <a:t>这是我更具体的计划安排</a:t>
             </a:r>
           </a:p>
         </p:txBody>
@@ -1376,7 +1507,241 @@
           <a:p>
             <a:fld id="{E49FE5E3-45E0-401A-BDC7-016727830831}" type="slidenum">
               <a:rPr lang="zh-CN" altLang="en-US" smtClean="0"/>
-              <a:t>13</a:t>
+              <a:t>16</a:t>
+            </a:fld>
+            <a:endParaRPr lang="zh-CN" altLang="en-US"/>
+          </a:p>
+        </p:txBody>
+      </p:sp>
+    </p:spTree>
+    <p:extLst>
+      <p:ext uri="{BB962C8B-B14F-4D97-AF65-F5344CB8AC3E}">
+        <p14:creationId xmlns:p14="http://schemas.microsoft.com/office/powerpoint/2010/main" val="3315618667"/>
+      </p:ext>
+    </p:extLst>
+  </p:cSld>
+  <p:clrMapOvr>
+    <a:masterClrMapping/>
+  </p:clrMapOvr>
+</p:notes>
+</file>
+
+<file path=ppt/notesSlides/notesSlide14.xml><?xml version="1.0" encoding="utf-8"?>
+<p:notes xmlns:a="http://schemas.openxmlformats.org/drawingml/2006/main" xmlns:r="http://schemas.openxmlformats.org/officeDocument/2006/relationships" xmlns:p="http://schemas.openxmlformats.org/presentationml/2006/main">
+  <p:cSld>
+    <p:spTree>
+      <p:nvGrpSpPr>
+        <p:cNvPr id="1" name=""/>
+        <p:cNvGrpSpPr/>
+        <p:nvPr/>
+      </p:nvGrpSpPr>
+      <p:grpSpPr>
+        <a:xfrm>
+          <a:off x="0" y="0"/>
+          <a:ext cx="0" cy="0"/>
+          <a:chOff x="0" y="0"/>
+          <a:chExt cx="0" cy="0"/>
+        </a:xfrm>
+      </p:grpSpPr>
+      <p:sp>
+        <p:nvSpPr>
+          <p:cNvPr id="2" name="幻灯片图像占位符 1"/>
+          <p:cNvSpPr>
+            <a:spLocks noGrp="1" noRot="1" noChangeAspect="1"/>
+          </p:cNvSpPr>
+          <p:nvPr>
+            <p:ph type="sldImg"/>
+          </p:nvPr>
+        </p:nvSpPr>
+        <p:spPr/>
+      </p:sp>
+      <p:sp>
+        <p:nvSpPr>
+          <p:cNvPr id="3" name="备注占位符 2"/>
+          <p:cNvSpPr>
+            <a:spLocks noGrp="1"/>
+          </p:cNvSpPr>
+          <p:nvPr>
+            <p:ph type="body" idx="1"/>
+          </p:nvPr>
+        </p:nvSpPr>
+        <p:spPr/>
+        <p:txBody>
+          <a:bodyPr/>
+          <a:lstStyle/>
+          <a:p>
+            <a:r>
+              <a:rPr lang="zh-CN" altLang="en-US" dirty="0"/>
+              <a:t>首先</a:t>
+            </a:r>
+            <a:endParaRPr lang="en-US" altLang="zh-CN" dirty="0"/>
+          </a:p>
+          <a:p>
+            <a:r>
+              <a:rPr lang="zh-CN" altLang="en-US" dirty="0"/>
+              <a:t>我的毕业设计目标分成三部分：</a:t>
+            </a:r>
+            <a:endParaRPr lang="en-US" altLang="zh-CN" dirty="0"/>
+          </a:p>
+          <a:p>
+            <a:r>
+              <a:rPr lang="zh-CN" altLang="en-US" dirty="0"/>
+              <a:t>第一点是设计电路结构和编写关键模块的</a:t>
+            </a:r>
+            <a:r>
+              <a:rPr lang="en-US" altLang="zh-CN" dirty="0" err="1"/>
+              <a:t>verilog</a:t>
+            </a:r>
+            <a:r>
+              <a:rPr lang="zh-CN" altLang="en-US" dirty="0"/>
+              <a:t>代码，主要工作是设计高速低功耗的相位累加器和混合方案的相位幅度转换器。</a:t>
+            </a:r>
+            <a:endParaRPr lang="en-US" altLang="zh-CN" dirty="0"/>
+          </a:p>
+          <a:p>
+            <a:r>
+              <a:rPr lang="zh-CN" altLang="en-US" dirty="0"/>
+              <a:t>第二目标是进行电路的仿真、综合、分析，熟悉使用前端、后端设计仿真工具，在前后端过程中思考改进方案。一方面是根据仿真结果指导电路方案，同事还锻炼了自己的电路设计的经验。</a:t>
+            </a:r>
+            <a:endParaRPr lang="en-US" altLang="zh-CN" dirty="0"/>
+          </a:p>
+          <a:p>
+            <a:r>
+              <a:rPr lang="zh-CN" altLang="en-US" dirty="0"/>
+              <a:t>最后是实际达成的指标，希望在仿真中做到频率分辨率数量级为</a:t>
+            </a:r>
+            <a:r>
+              <a:rPr lang="en-US" altLang="zh-CN" dirty="0" err="1"/>
+              <a:t>subHz</a:t>
+            </a:r>
+            <a:r>
+              <a:rPr lang="zh-CN" altLang="en-US" dirty="0"/>
+              <a:t>，时钟频率达到</a:t>
+            </a:r>
+            <a:r>
+              <a:rPr lang="en-US" altLang="zh-CN" dirty="0"/>
+              <a:t>1GHz</a:t>
+            </a:r>
+            <a:r>
+              <a:rPr lang="zh-CN" altLang="en-US" dirty="0"/>
+              <a:t>，最大杂散分量在</a:t>
+            </a:r>
+            <a:r>
+              <a:rPr lang="en-US" altLang="zh-CN" dirty="0"/>
+              <a:t>50dBc</a:t>
+            </a:r>
+            <a:r>
+              <a:rPr lang="zh-CN" altLang="en-US" dirty="0"/>
+              <a:t>以上。</a:t>
+            </a:r>
+          </a:p>
+        </p:txBody>
+      </p:sp>
+      <p:sp>
+        <p:nvSpPr>
+          <p:cNvPr id="4" name="灯片编号占位符 3"/>
+          <p:cNvSpPr>
+            <a:spLocks noGrp="1"/>
+          </p:cNvSpPr>
+          <p:nvPr>
+            <p:ph type="sldNum" sz="quarter" idx="10"/>
+          </p:nvPr>
+        </p:nvSpPr>
+        <p:spPr/>
+        <p:txBody>
+          <a:bodyPr/>
+          <a:lstStyle/>
+          <a:p>
+            <a:fld id="{E49FE5E3-45E0-401A-BDC7-016727830831}" type="slidenum">
+              <a:rPr lang="zh-CN" altLang="en-US" smtClean="0"/>
+              <a:t>17</a:t>
+            </a:fld>
+            <a:endParaRPr lang="zh-CN" altLang="en-US"/>
+          </a:p>
+        </p:txBody>
+      </p:sp>
+    </p:spTree>
+    <p:extLst>
+      <p:ext uri="{BB962C8B-B14F-4D97-AF65-F5344CB8AC3E}">
+        <p14:creationId xmlns:p14="http://schemas.microsoft.com/office/powerpoint/2010/main" val="1112548446"/>
+      </p:ext>
+    </p:extLst>
+  </p:cSld>
+  <p:clrMapOvr>
+    <a:masterClrMapping/>
+  </p:clrMapOvr>
+</p:notes>
+</file>
+
+<file path=ppt/notesSlides/notesSlide15.xml><?xml version="1.0" encoding="utf-8"?>
+<p:notes xmlns:a="http://schemas.openxmlformats.org/drawingml/2006/main" xmlns:r="http://schemas.openxmlformats.org/officeDocument/2006/relationships" xmlns:p="http://schemas.openxmlformats.org/presentationml/2006/main">
+  <p:cSld>
+    <p:spTree>
+      <p:nvGrpSpPr>
+        <p:cNvPr id="1" name=""/>
+        <p:cNvGrpSpPr/>
+        <p:nvPr/>
+      </p:nvGrpSpPr>
+      <p:grpSpPr>
+        <a:xfrm>
+          <a:off x="0" y="0"/>
+          <a:ext cx="0" cy="0"/>
+          <a:chOff x="0" y="0"/>
+          <a:chExt cx="0" cy="0"/>
+        </a:xfrm>
+      </p:grpSpPr>
+      <p:sp>
+        <p:nvSpPr>
+          <p:cNvPr id="2" name="幻灯片图像占位符 1"/>
+          <p:cNvSpPr>
+            <a:spLocks noGrp="1" noRot="1" noChangeAspect="1"/>
+          </p:cNvSpPr>
+          <p:nvPr>
+            <p:ph type="sldImg"/>
+          </p:nvPr>
+        </p:nvSpPr>
+        <p:spPr/>
+      </p:sp>
+      <p:sp>
+        <p:nvSpPr>
+          <p:cNvPr id="3" name="备注占位符 2"/>
+          <p:cNvSpPr>
+            <a:spLocks noGrp="1"/>
+          </p:cNvSpPr>
+          <p:nvPr>
+            <p:ph type="body" idx="1"/>
+          </p:nvPr>
+        </p:nvSpPr>
+        <p:spPr/>
+        <p:txBody>
+          <a:bodyPr/>
+          <a:lstStyle/>
+          <a:p>
+            <a:r>
+              <a:rPr lang="zh-CN" altLang="en-US" dirty="0"/>
+              <a:t>我的开题报告结束了，谢谢老师聆听</a:t>
+            </a:r>
+          </a:p>
+        </p:txBody>
+      </p:sp>
+      <p:sp>
+        <p:nvSpPr>
+          <p:cNvPr id="4" name="灯片编号占位符 3"/>
+          <p:cNvSpPr>
+            <a:spLocks noGrp="1"/>
+          </p:cNvSpPr>
+          <p:nvPr>
+            <p:ph type="sldNum" sz="quarter" idx="10"/>
+          </p:nvPr>
+        </p:nvSpPr>
+        <p:spPr/>
+        <p:txBody>
+          <a:bodyPr/>
+          <a:lstStyle/>
+          <a:p>
+            <a:fld id="{E49FE5E3-45E0-401A-BDC7-016727830831}" type="slidenum">
+              <a:rPr lang="zh-CN" altLang="en-US" smtClean="0"/>
+              <a:t>18</a:t>
             </a:fld>
             <a:endParaRPr lang="zh-CN" altLang="en-US"/>
           </a:p>
@@ -1540,15 +1905,7 @@
             </a:pPr>
             <a:r>
               <a:rPr lang="zh-CN" altLang="en-US" dirty="0"/>
-              <a:t>无线电应用中，生成指定频率的正弦波是一个基础而重要的部分，因而</a:t>
-            </a:r>
-            <a:r>
-              <a:rPr lang="zh-CN" altLang="en-US" dirty="0"/>
-              <a:t>它的前景是非常广阔的。</a:t>
-            </a:r>
-            <a:r>
-              <a:rPr lang="zh-CN" altLang="en-US" dirty="0"/>
-              <a:t>锁相环技术的出现后，模拟正弦波振荡器在无线通信、雷达等系统中已经有广泛应用。</a:t>
+              <a:t>无线电应用中，生成指定频率的正弦波是一个基础而重要的部分，因而它的前景是非常广阔的。锁相环技术的出现后，模拟正弦波振荡器在无线通信、雷达等系统中已经有广泛应用。</a:t>
             </a:r>
             <a:endParaRPr lang="en-US" altLang="zh-CN" dirty="0"/>
           </a:p>
@@ -1967,70 +2324,210 @@
           <a:bodyPr/>
           <a:lstStyle/>
           <a:p>
+            <a:pPr marL="342900" lvl="1" indent="0">
+              <a:spcBef>
+                <a:spcPts val="0"/>
+              </a:spcBef>
+              <a:spcAft>
+                <a:spcPts val="1200"/>
+              </a:spcAft>
+              <a:buNone/>
+            </a:pPr>
             <a:r>
               <a:rPr lang="zh-CN" altLang="en-US" dirty="0"/>
-              <a:t>首先</a:t>
+              <a:t>影响</a:t>
+            </a:r>
+            <a:r>
+              <a:rPr lang="en-US" altLang="zh-CN" dirty="0"/>
+              <a:t>NCO</a:t>
+            </a:r>
+            <a:r>
+              <a:rPr lang="zh-CN" altLang="en-US" dirty="0"/>
+              <a:t>频率和杂散性能的主要是时钟、存储器和数模转换器</a:t>
             </a:r>
             <a:endParaRPr lang="en-US" altLang="zh-CN" dirty="0"/>
           </a:p>
           <a:p>
+            <a:pPr marL="342900" lvl="1" indent="0">
+              <a:spcBef>
+                <a:spcPts val="0"/>
+              </a:spcBef>
+              <a:spcAft>
+                <a:spcPts val="1200"/>
+              </a:spcAft>
+              <a:buNone/>
+            </a:pPr>
             <a:r>
               <a:rPr lang="zh-CN" altLang="en-US" dirty="0"/>
-              <a:t>我的毕业设计目标分成三部分：</a:t>
+              <a:t>使用</a:t>
+            </a:r>
+            <a:r>
+              <a:rPr lang="en-US" altLang="zh-CN" dirty="0"/>
+              <a:t>CMOS</a:t>
+            </a:r>
+            <a:r>
+              <a:rPr lang="zh-CN" altLang="en-US" dirty="0"/>
+              <a:t>工艺下在片上实现</a:t>
+            </a:r>
+            <a:r>
+              <a:rPr lang="en-US" altLang="zh-CN" dirty="0"/>
+              <a:t>10GHz</a:t>
+            </a:r>
+            <a:r>
+              <a:rPr lang="zh-CN" altLang="en-US" dirty="0"/>
+              <a:t>以上的且稳定的时钟仍比较困难；</a:t>
+            </a:r>
+            <a:r>
+              <a:rPr lang="en-US" altLang="zh-CN" dirty="0"/>
+              <a:t>DAC</a:t>
+            </a:r>
+            <a:r>
+              <a:rPr lang="zh-CN" altLang="en-US" dirty="0"/>
+              <a:t>采样率同样制约</a:t>
+            </a:r>
+            <a:r>
+              <a:rPr lang="en-US" altLang="zh-CN" dirty="0"/>
+              <a:t>NCO</a:t>
+            </a:r>
+            <a:r>
+              <a:rPr lang="zh-CN" altLang="en-US" dirty="0"/>
+              <a:t>无法实现时钟</a:t>
+            </a:r>
+            <a:r>
+              <a:rPr lang="en-US" altLang="zh-CN" dirty="0"/>
+              <a:t>10GHz </a:t>
+            </a:r>
+            <a:r>
+              <a:rPr lang="zh-CN" altLang="en-US" dirty="0"/>
+              <a:t>以上超高速综合器</a:t>
             </a:r>
             <a:endParaRPr lang="en-US" altLang="zh-CN" dirty="0"/>
           </a:p>
           <a:p>
+            <a:pPr marL="342900" lvl="1" indent="0">
+              <a:spcBef>
+                <a:spcPts val="0"/>
+              </a:spcBef>
+              <a:spcAft>
+                <a:spcPts val="1200"/>
+              </a:spcAft>
+              <a:buNone/>
+            </a:pPr>
             <a:r>
               <a:rPr lang="zh-CN" altLang="en-US" dirty="0"/>
-              <a:t>第一点是设计电路结构和编写关键模块的</a:t>
-            </a:r>
-            <a:r>
-              <a:rPr lang="en-US" altLang="zh-CN" dirty="0" err="1"/>
-              <a:t>verilog</a:t>
+              <a:t>存储器的限制最主要，利用</a:t>
+            </a:r>
+            <a:r>
+              <a:rPr lang="en-US" altLang="zh-CN" dirty="0"/>
+              <a:t>memory compiler </a:t>
             </a:r>
             <a:r>
               <a:rPr lang="zh-CN" altLang="en-US" dirty="0"/>
-              <a:t>代码，主要工作是设计高速低功耗的相位累加器和混合方案的相位幅度转换器。</a:t>
+              <a:t>工具以</a:t>
+            </a:r>
+            <a:r>
+              <a:rPr lang="en-US" altLang="zh-CN" dirty="0"/>
+              <a:t>65 nm</a:t>
+            </a:r>
+            <a:r>
+              <a:rPr lang="zh-CN" altLang="en-US" dirty="0"/>
+              <a:t>工艺生成的的存储器，访存速度上限约为</a:t>
+            </a:r>
+            <a:r>
+              <a:rPr lang="en-US" altLang="zh-CN" dirty="0"/>
+              <a:t>1 GHz</a:t>
+            </a:r>
+          </a:p>
+          <a:p>
+            <a:pPr marL="342900" lvl="1" indent="0">
+              <a:spcBef>
+                <a:spcPts val="0"/>
+              </a:spcBef>
+              <a:spcAft>
+                <a:spcPts val="1200"/>
+              </a:spcAft>
+              <a:buNone/>
+            </a:pPr>
+            <a:r>
+              <a:rPr lang="zh-CN" altLang="en-US" dirty="0"/>
+              <a:t>解决该局限，学术界主要有三个方向：</a:t>
             </a:r>
             <a:endParaRPr lang="en-US" altLang="zh-CN" dirty="0"/>
           </a:p>
           <a:p>
+            <a:pPr marL="342900" lvl="1" indent="0">
+              <a:spcBef>
+                <a:spcPts val="0"/>
+              </a:spcBef>
+              <a:spcAft>
+                <a:spcPts val="1200"/>
+              </a:spcAft>
+              <a:buNone/>
+            </a:pPr>
             <a:r>
               <a:rPr lang="zh-CN" altLang="en-US" dirty="0"/>
-              <a:t>第二目标是进行电路的仿真、综合、分析，熟悉使用前端、后端设计仿真工具，在前后端过程中思考改进方案。一方面是根据仿真结果指导电路方案，同事还锻炼了自己的电路设计的经验。</a:t>
+              <a:t>查找表压缩（利用更少的存储量，达到接近的杂散性能，从而提高频率）</a:t>
             </a:r>
             <a:endParaRPr lang="en-US" altLang="zh-CN" dirty="0"/>
           </a:p>
           <a:p>
+            <a:pPr marL="342900" lvl="1" indent="0">
+              <a:spcBef>
+                <a:spcPts val="0"/>
+              </a:spcBef>
+              <a:spcAft>
+                <a:spcPts val="1200"/>
+              </a:spcAft>
+              <a:buNone/>
+            </a:pPr>
             <a:r>
               <a:rPr lang="zh-CN" altLang="en-US" dirty="0"/>
-              <a:t>最后是实际达成的指标，希望在仿真中做到频率分辨率数量级为</a:t>
-            </a:r>
-            <a:r>
-              <a:rPr lang="en-US" altLang="zh-CN" dirty="0" err="1"/>
-              <a:t>subHz</a:t>
+              <a:t>矩阵旋转法（通过矩阵旋转电路实现正弦函数，没有存储器</a:t>
+            </a:r>
+            <a:r>
+              <a:rPr lang="en-US" altLang="zh-CN" dirty="0"/>
+              <a:t>,</a:t>
             </a:r>
             <a:r>
               <a:rPr lang="zh-CN" altLang="en-US" dirty="0"/>
-              <a:t>，时钟频率达到</a:t>
+              <a:t>但引入了新的问题）</a:t>
+            </a:r>
+            <a:endParaRPr lang="en-US" altLang="zh-CN" dirty="0"/>
+          </a:p>
+          <a:p>
+            <a:pPr marL="342900" lvl="1" indent="0">
+              <a:spcBef>
+                <a:spcPts val="0"/>
+              </a:spcBef>
+              <a:spcAft>
+                <a:spcPts val="1200"/>
+              </a:spcAft>
+              <a:buNone/>
+            </a:pPr>
+            <a:r>
+              <a:rPr lang="zh-CN" altLang="en-US" dirty="0"/>
+              <a:t>非线性</a:t>
             </a:r>
             <a:r>
               <a:rPr lang="en-US" altLang="zh-CN" dirty="0"/>
-              <a:t>1GHz</a:t>
+              <a:t>DAC</a:t>
             </a:r>
             <a:r>
               <a:rPr lang="zh-CN" altLang="en-US" dirty="0"/>
-              <a:t>，最大杂散分量在</a:t>
+              <a:t>（</a:t>
             </a:r>
             <a:r>
               <a:rPr lang="en-US" altLang="zh-CN" dirty="0"/>
-              <a:t>50dBc</a:t>
+              <a:t>DAC</a:t>
             </a:r>
             <a:r>
               <a:rPr lang="zh-CN" altLang="en-US" dirty="0"/>
-              <a:t>以上。</a:t>
-            </a:r>
+              <a:t>内部直接实现相位到正弦值的映射，是一个数字地址输入模拟信号输出的查找表）</a:t>
+            </a:r>
+            <a:endParaRPr lang="en-US" altLang="zh-CN" dirty="0"/>
+          </a:p>
+          <a:p>
+            <a:endParaRPr lang="zh-CN" altLang="en-US" dirty="0"/>
           </a:p>
         </p:txBody>
       </p:sp>
@@ -2060,7 +2557,7 @@
     </p:spTree>
     <p:extLst>
       <p:ext uri="{BB962C8B-B14F-4D97-AF65-F5344CB8AC3E}">
-        <p14:creationId xmlns:p14="http://schemas.microsoft.com/office/powerpoint/2010/main" val="1112548446"/>
+        <p14:creationId xmlns:p14="http://schemas.microsoft.com/office/powerpoint/2010/main" val="1741478004"/>
       </p:ext>
     </p:extLst>
   </p:cSld>
@@ -2114,210 +2611,18 @@
           <a:bodyPr/>
           <a:lstStyle/>
           <a:p>
-            <a:pPr marL="342900" lvl="1" indent="0">
-              <a:spcBef>
-                <a:spcPts val="0"/>
-              </a:spcBef>
-              <a:spcAft>
-                <a:spcPts val="1200"/>
-              </a:spcAft>
-              <a:buNone/>
-            </a:pPr>
             <a:r>
               <a:rPr lang="zh-CN" altLang="en-US" dirty="0"/>
-              <a:t>影响</a:t>
+              <a:t>我选了</a:t>
             </a:r>
             <a:r>
               <a:rPr lang="en-US" altLang="zh-CN" dirty="0"/>
-              <a:t>NCO</a:t>
+              <a:t>3</a:t>
             </a:r>
             <a:r>
               <a:rPr lang="zh-CN" altLang="en-US" dirty="0"/>
-              <a:t>频率和杂散性能的主要是时钟、存储器和数模转换器</a:t>
-            </a:r>
-            <a:endParaRPr lang="en-US" altLang="zh-CN" dirty="0"/>
-          </a:p>
-          <a:p>
-            <a:pPr marL="342900" lvl="1" indent="0">
-              <a:spcBef>
-                <a:spcPts val="0"/>
-              </a:spcBef>
-              <a:spcAft>
-                <a:spcPts val="1200"/>
-              </a:spcAft>
-              <a:buNone/>
-            </a:pPr>
-            <a:r>
-              <a:rPr lang="zh-CN" altLang="en-US" dirty="0"/>
-              <a:t>使用</a:t>
-            </a:r>
-            <a:r>
-              <a:rPr lang="en-US" altLang="zh-CN" dirty="0"/>
-              <a:t>CMOS</a:t>
-            </a:r>
-            <a:r>
-              <a:rPr lang="zh-CN" altLang="en-US" dirty="0"/>
-              <a:t>工艺下在片上实现</a:t>
-            </a:r>
-            <a:r>
-              <a:rPr lang="en-US" altLang="zh-CN" dirty="0"/>
-              <a:t>10GHz</a:t>
-            </a:r>
-            <a:r>
-              <a:rPr lang="zh-CN" altLang="en-US" dirty="0"/>
-              <a:t>以上的且稳定的时钟仍比较困难；</a:t>
-            </a:r>
-            <a:r>
-              <a:rPr lang="en-US" altLang="zh-CN" dirty="0"/>
-              <a:t>DAC</a:t>
-            </a:r>
-            <a:r>
-              <a:rPr lang="zh-CN" altLang="en-US" dirty="0"/>
-              <a:t>采样率同样制约</a:t>
-            </a:r>
-            <a:r>
-              <a:rPr lang="en-US" altLang="zh-CN" dirty="0"/>
-              <a:t>NCO</a:t>
-            </a:r>
-            <a:r>
-              <a:rPr lang="zh-CN" altLang="en-US" dirty="0"/>
-              <a:t>无法实现时钟</a:t>
-            </a:r>
-            <a:r>
-              <a:rPr lang="en-US" altLang="zh-CN" dirty="0"/>
-              <a:t>10GHz </a:t>
-            </a:r>
-            <a:r>
-              <a:rPr lang="zh-CN" altLang="en-US" dirty="0"/>
-              <a:t>以上超高速综合器</a:t>
-            </a:r>
-            <a:endParaRPr lang="en-US" altLang="zh-CN" dirty="0"/>
-          </a:p>
-          <a:p>
-            <a:pPr marL="342900" lvl="1" indent="0">
-              <a:spcBef>
-                <a:spcPts val="0"/>
-              </a:spcBef>
-              <a:spcAft>
-                <a:spcPts val="1200"/>
-              </a:spcAft>
-              <a:buNone/>
-            </a:pPr>
-            <a:r>
-              <a:rPr lang="zh-CN" altLang="en-US" dirty="0"/>
-              <a:t>存储器的限制最主要，利用</a:t>
-            </a:r>
-            <a:r>
-              <a:rPr lang="en-US" altLang="zh-CN" dirty="0"/>
-              <a:t>memory compiler </a:t>
-            </a:r>
-            <a:r>
-              <a:rPr lang="zh-CN" altLang="en-US" dirty="0"/>
-              <a:t>工具以</a:t>
-            </a:r>
-            <a:r>
-              <a:rPr lang="en-US" altLang="zh-CN" dirty="0"/>
-              <a:t>65 nm</a:t>
-            </a:r>
-            <a:r>
-              <a:rPr lang="zh-CN" altLang="en-US" dirty="0"/>
-              <a:t>工艺生成的的存储器，访存速度上限约为</a:t>
-            </a:r>
-            <a:r>
-              <a:rPr lang="en-US" altLang="zh-CN" dirty="0"/>
-              <a:t>1 GHz</a:t>
-            </a:r>
-          </a:p>
-          <a:p>
-            <a:pPr marL="342900" lvl="1" indent="0">
-              <a:spcBef>
-                <a:spcPts val="0"/>
-              </a:spcBef>
-              <a:spcAft>
-                <a:spcPts val="1200"/>
-              </a:spcAft>
-              <a:buNone/>
-            </a:pPr>
-            <a:r>
-              <a:rPr lang="zh-CN" altLang="en-US" dirty="0"/>
-              <a:t>解决该局限，学术界主要有三个方向：</a:t>
-            </a:r>
-            <a:endParaRPr lang="en-US" altLang="zh-CN" dirty="0"/>
-          </a:p>
-          <a:p>
-            <a:pPr marL="342900" lvl="1" indent="0">
-              <a:spcBef>
-                <a:spcPts val="0"/>
-              </a:spcBef>
-              <a:spcAft>
-                <a:spcPts val="1200"/>
-              </a:spcAft>
-              <a:buNone/>
-            </a:pPr>
-            <a:r>
-              <a:rPr lang="zh-CN" altLang="en-US" dirty="0"/>
-              <a:t>查找表压缩（利用更少的存储量，达到接近的杂散性能，从而提高频率）</a:t>
-            </a:r>
-            <a:endParaRPr lang="en-US" altLang="zh-CN" dirty="0"/>
-          </a:p>
-          <a:p>
-            <a:pPr marL="342900" lvl="1" indent="0">
-              <a:spcBef>
-                <a:spcPts val="0"/>
-              </a:spcBef>
-              <a:spcAft>
-                <a:spcPts val="1200"/>
-              </a:spcAft>
-              <a:buNone/>
-            </a:pPr>
-            <a:r>
-              <a:rPr lang="zh-CN" altLang="en-US" dirty="0"/>
-              <a:t>矩阵旋转法（通过矩阵旋转电路实现正弦函数，没有存储器</a:t>
-            </a:r>
-            <a:r>
-              <a:rPr lang="en-US" altLang="zh-CN" dirty="0"/>
-              <a:t>,</a:t>
-            </a:r>
-            <a:r>
-              <a:rPr lang="zh-CN" altLang="en-US" dirty="0"/>
-              <a:t>但引入了新的问题）</a:t>
-            </a:r>
-            <a:endParaRPr lang="en-US" altLang="zh-CN" dirty="0"/>
-          </a:p>
-          <a:p>
-            <a:pPr marL="342900" lvl="1" indent="0">
-              <a:spcBef>
-                <a:spcPts val="0"/>
-              </a:spcBef>
-              <a:spcAft>
-                <a:spcPts val="1200"/>
-              </a:spcAft>
-              <a:buNone/>
-            </a:pPr>
-            <a:r>
-              <a:rPr lang="zh-CN" altLang="en-US" dirty="0"/>
-              <a:t>非线性</a:t>
-            </a:r>
-            <a:r>
-              <a:rPr lang="en-US" altLang="zh-CN" dirty="0"/>
-              <a:t>DAC</a:t>
-            </a:r>
-            <a:r>
-              <a:rPr lang="zh-CN" altLang="en-US" dirty="0"/>
-              <a:t>（</a:t>
-            </a:r>
-            <a:r>
-              <a:rPr lang="en-US" altLang="zh-CN" dirty="0"/>
-              <a:t>DAC</a:t>
-            </a:r>
-            <a:r>
-              <a:rPr lang="zh-CN" altLang="en-US" dirty="0"/>
-              <a:t>内部直接实现相位到正弦值的映射，是一个数字地址输入模拟信号输出的查找表）</a:t>
-            </a:r>
-            <a:endParaRPr lang="en-US" altLang="zh-CN" dirty="0"/>
-          </a:p>
-          <a:p>
-            <a:endParaRPr lang="zh-CN" altLang="en-US" dirty="0"/>
+              <a:t>篇近年的文献，分别使用查找表压缩、矩阵旋转法和非线性数模转换器</a:t>
+            </a:r>
           </a:p>
         </p:txBody>
       </p:sp>
@@ -2347,7 +2652,7 @@
     </p:spTree>
     <p:extLst>
       <p:ext uri="{BB962C8B-B14F-4D97-AF65-F5344CB8AC3E}">
-        <p14:creationId xmlns:p14="http://schemas.microsoft.com/office/powerpoint/2010/main" val="1741478004"/>
+        <p14:creationId xmlns:p14="http://schemas.microsoft.com/office/powerpoint/2010/main" val="3963488404"/>
       </p:ext>
     </p:extLst>
   </p:cSld>
@@ -2401,17 +2706,139 @@
           <a:bodyPr/>
           <a:lstStyle/>
           <a:p>
+            <a:pPr lvl="1">
+              <a:spcBef>
+                <a:spcPts val="0"/>
+              </a:spcBef>
+              <a:spcAft>
+                <a:spcPts val="1200"/>
+              </a:spcAft>
+            </a:pPr>
+            <a:endParaRPr lang="en-US" altLang="zh-CN" dirty="0"/>
+          </a:p>
+          <a:p>
             <a:r>
               <a:rPr lang="zh-CN" altLang="en-US" dirty="0"/>
-              <a:t>我选了</a:t>
+              <a:t>传统的</a:t>
             </a:r>
             <a:r>
               <a:rPr lang="en-US" altLang="zh-CN" dirty="0"/>
-              <a:t>3</a:t>
+              <a:t>DDS</a:t>
             </a:r>
             <a:r>
               <a:rPr lang="zh-CN" altLang="en-US" dirty="0"/>
-              <a:t>篇近年的文献，分别使用查找表压缩、矩阵旋转法和非线性数模转换器</a:t>
+              <a:t>结构受到存储器限制，通过压缩，使用更小的存储器实现更快的速度</a:t>
+            </a:r>
+            <a:endParaRPr lang="en-US" altLang="zh-CN" dirty="0"/>
+          </a:p>
+          <a:p>
+            <a:pPr marL="0" marR="0" indent="0" algn="l" defTabSz="914400" rtl="0" eaLnBrk="1" fontAlgn="auto" latinLnBrk="0" hangingPunct="1">
+              <a:lnSpc>
+                <a:spcPct val="100000"/>
+              </a:lnSpc>
+              <a:spcBef>
+                <a:spcPts val="0"/>
+              </a:spcBef>
+              <a:spcAft>
+                <a:spcPts val="0"/>
+              </a:spcAft>
+              <a:buClrTx/>
+              <a:buSzTx/>
+              <a:buFontTx/>
+              <a:buNone/>
+              <a:tabLst/>
+              <a:defRPr/>
+            </a:pPr>
+            <a:r>
+              <a:rPr lang="zh-CN" altLang="en-US" dirty="0"/>
+              <a:t>以往的压缩方法是在（</a:t>
+            </a:r>
+            <a:r>
+              <a:rPr lang="en-US" altLang="zh-CN" dirty="0"/>
+              <a:t>0,1/2pi</a:t>
+            </a:r>
+            <a:r>
+              <a:rPr lang="zh-CN" altLang="en-US" dirty="0"/>
+              <a:t>）空间上进行了均匀分段的线性拟合，文献一的主要贡献是进行了非均匀分段。和均匀分段相比，引入噪声水平相当时容量可减小</a:t>
+            </a:r>
+            <a:r>
+              <a:rPr lang="en-US" altLang="zh-CN" dirty="0"/>
+              <a:t>40%</a:t>
+            </a:r>
+          </a:p>
+          <a:p>
+            <a:pPr marL="0" marR="0" indent="0" algn="l" defTabSz="914400" rtl="0" eaLnBrk="1" fontAlgn="auto" latinLnBrk="0" hangingPunct="1">
+              <a:lnSpc>
+                <a:spcPct val="100000"/>
+              </a:lnSpc>
+              <a:spcBef>
+                <a:spcPts val="0"/>
+              </a:spcBef>
+              <a:spcAft>
+                <a:spcPts val="0"/>
+              </a:spcAft>
+              <a:buClrTx/>
+              <a:buSzTx/>
+              <a:buFontTx/>
+              <a:buNone/>
+              <a:tabLst/>
+              <a:defRPr/>
+            </a:pPr>
+            <a:r>
+              <a:rPr lang="en-US" altLang="zh-CN" dirty="0"/>
+              <a:t>Basic</a:t>
+            </a:r>
+            <a:r>
+              <a:rPr lang="zh-CN" altLang="en-US" dirty="0"/>
+              <a:t>的</a:t>
+            </a:r>
+            <a:r>
+              <a:rPr lang="en-US" altLang="zh-CN" dirty="0" err="1"/>
+              <a:t>cordic</a:t>
+            </a:r>
+            <a:r>
+              <a:rPr lang="zh-CN" altLang="en-US" dirty="0"/>
+              <a:t>算法存在流水级数过长的问题，文献二的主要工作是通过</a:t>
+            </a:r>
+            <a:r>
+              <a:rPr lang="en-US" altLang="zh-CN" dirty="0"/>
+              <a:t>excess-four</a:t>
+            </a:r>
+            <a:r>
+              <a:rPr lang="zh-CN" altLang="en-US" dirty="0"/>
+              <a:t>电路减小了了矩阵旋转法的切换延时</a:t>
+            </a:r>
+            <a:endParaRPr lang="en-US" altLang="zh-CN" dirty="0"/>
+          </a:p>
+          <a:p>
+            <a:pPr marL="0" marR="0" indent="0" algn="l" defTabSz="914400" rtl="0" eaLnBrk="1" fontAlgn="auto" latinLnBrk="0" hangingPunct="1">
+              <a:lnSpc>
+                <a:spcPct val="100000"/>
+              </a:lnSpc>
+              <a:spcBef>
+                <a:spcPts val="0"/>
+              </a:spcBef>
+              <a:spcAft>
+                <a:spcPts val="0"/>
+              </a:spcAft>
+              <a:buClrTx/>
+              <a:buSzTx/>
+              <a:buFontTx/>
+              <a:buNone/>
+              <a:tabLst/>
+              <a:defRPr/>
+            </a:pPr>
+            <a:r>
+              <a:rPr lang="zh-CN" altLang="en-US" dirty="0"/>
+              <a:t>文献三使用的是非线性</a:t>
+            </a:r>
+            <a:r>
+              <a:rPr lang="en-US" altLang="zh-CN" dirty="0"/>
+              <a:t>DAC</a:t>
+            </a:r>
+            <a:r>
+              <a:rPr lang="zh-CN" altLang="en-US" dirty="0"/>
+              <a:t>，提出了更优的电路方案，论文中显示的时钟频率和杂散性能都达到近年来最高水平</a:t>
             </a:r>
           </a:p>
         </p:txBody>
@@ -2442,7 +2869,7 @@
     </p:spTree>
     <p:extLst>
       <p:ext uri="{BB962C8B-B14F-4D97-AF65-F5344CB8AC3E}">
-        <p14:creationId xmlns:p14="http://schemas.microsoft.com/office/powerpoint/2010/main" val="3963488404"/>
+        <p14:creationId xmlns:p14="http://schemas.microsoft.com/office/powerpoint/2010/main" val="1154387684"/>
       </p:ext>
     </p:extLst>
   </p:cSld>
@@ -2659,7 +3086,7 @@
     </p:spTree>
     <p:extLst>
       <p:ext uri="{BB962C8B-B14F-4D97-AF65-F5344CB8AC3E}">
-        <p14:creationId xmlns:p14="http://schemas.microsoft.com/office/powerpoint/2010/main" val="1154387684"/>
+        <p14:creationId xmlns:p14="http://schemas.microsoft.com/office/powerpoint/2010/main" val="2544013398"/>
       </p:ext>
     </p:extLst>
   </p:cSld>
@@ -13301,6 +13728,586 @@
       </p:grpSpPr>
       <p:sp>
         <p:nvSpPr>
+          <p:cNvPr id="5" name="文本框 4"/>
+          <p:cNvSpPr txBox="1"/>
+          <p:nvPr/>
+        </p:nvSpPr>
+        <p:spPr>
+          <a:xfrm>
+            <a:off x="175491" y="840243"/>
+            <a:ext cx="8876145" cy="707886"/>
+          </a:xfrm>
+          <a:prstGeom prst="rect">
+            <a:avLst/>
+          </a:prstGeom>
+          <a:noFill/>
+        </p:spPr>
+        <p:txBody>
+          <a:bodyPr wrap="square" rtlCol="0">
+            <a:spAutoFit/>
+          </a:bodyPr>
+          <a:lstStyle/>
+          <a:p>
+            <a:r>
+              <a:rPr lang="en-US" altLang="zh-CN" sz="2000" dirty="0"/>
+              <a:t>[3] A 2 GHz 130 </a:t>
+            </a:r>
+            <a:r>
+              <a:rPr lang="en-US" altLang="zh-CN" sz="2000" dirty="0" err="1"/>
+              <a:t>mW</a:t>
+            </a:r>
+            <a:r>
+              <a:rPr lang="en-US" altLang="zh-CN" sz="2000" dirty="0"/>
+              <a:t> Direct-Digital Frequency Synthesizer With a Nonlinear DAC in 55 nm CMOS</a:t>
+            </a:r>
+          </a:p>
+        </p:txBody>
+      </p:sp>
+      <p:sp>
+        <p:nvSpPr>
+          <p:cNvPr id="2" name="标题 1"/>
+          <p:cNvSpPr>
+            <a:spLocks noGrp="1"/>
+          </p:cNvSpPr>
+          <p:nvPr>
+            <p:ph type="title"/>
+          </p:nvPr>
+        </p:nvSpPr>
+        <p:spPr/>
+        <p:txBody>
+          <a:bodyPr/>
+          <a:lstStyle/>
+          <a:p>
+            <a:r>
+              <a:rPr lang="zh-CN" altLang="en-US" sz="3600" dirty="0"/>
+              <a:t>前期调研结果</a:t>
+            </a:r>
+            <a:r>
+              <a:rPr lang="en-US" altLang="zh-CN" sz="3600" dirty="0"/>
+              <a:t>—</a:t>
+            </a:r>
+            <a:r>
+              <a:rPr lang="zh-CN" altLang="en-US" sz="3600" dirty="0"/>
+              <a:t>文献调研</a:t>
+            </a:r>
+          </a:p>
+        </p:txBody>
+      </p:sp>
+      <p:sp>
+        <p:nvSpPr>
+          <p:cNvPr id="4" name="页脚占位符 3"/>
+          <p:cNvSpPr>
+            <a:spLocks noGrp="1"/>
+          </p:cNvSpPr>
+          <p:nvPr>
+            <p:ph type="ftr" sz="quarter" idx="11"/>
+          </p:nvPr>
+        </p:nvSpPr>
+        <p:spPr/>
+        <p:txBody>
+          <a:bodyPr/>
+          <a:lstStyle/>
+          <a:p>
+            <a:r>
+              <a:rPr lang="en-US" altLang="zh-CN" dirty="0">
+                <a:solidFill>
+                  <a:srgbClr val="000000"/>
+                </a:solidFill>
+              </a:rPr>
+              <a:t>9/13</a:t>
+            </a:r>
+          </a:p>
+        </p:txBody>
+      </p:sp>
+      <p:pic>
+        <p:nvPicPr>
+          <p:cNvPr id="8" name="图片 7"/>
+          <p:cNvPicPr>
+            <a:picLocks noChangeAspect="1"/>
+          </p:cNvPicPr>
+          <p:nvPr/>
+        </p:nvPicPr>
+        <p:blipFill rotWithShape="1">
+          <a:blip r:embed="rId3"/>
+          <a:srcRect l="1692"/>
+          <a:stretch/>
+        </p:blipFill>
+        <p:spPr>
+          <a:xfrm>
+            <a:off x="685800" y="2826702"/>
+            <a:ext cx="3043237" cy="1685925"/>
+          </a:xfrm>
+          <a:prstGeom prst="rect">
+            <a:avLst/>
+          </a:prstGeom>
+        </p:spPr>
+      </p:pic>
+      <p:sp>
+        <p:nvSpPr>
+          <p:cNvPr id="21" name="内容占位符 2"/>
+          <p:cNvSpPr txBox="1">
+            <a:spLocks/>
+          </p:cNvSpPr>
+          <p:nvPr/>
+        </p:nvSpPr>
+        <p:spPr bwMode="auto">
+          <a:xfrm>
+            <a:off x="175491" y="1692276"/>
+            <a:ext cx="8686800" cy="1429702"/>
+          </a:xfrm>
+          <a:prstGeom prst="rect">
+            <a:avLst/>
+          </a:prstGeom>
+          <a:noFill/>
+          <a:ln w="9525">
+            <a:noFill/>
+            <a:miter lim="800000"/>
+            <a:headEnd/>
+            <a:tailEnd/>
+          </a:ln>
+          <a:effectLst/>
+        </p:spPr>
+        <p:txBody>
+          <a:bodyPr vert="horz" wrap="square" lIns="91440" tIns="45720" rIns="91440" bIns="45720" numCol="1" anchor="t" anchorCtr="0" compatLnSpc="1">
+            <a:prstTxWarp prst="textNoShape">
+              <a:avLst/>
+            </a:prstTxWarp>
+          </a:bodyPr>
+          <a:lstStyle>
+            <a:lvl1pPr marL="257175" indent="-257175" algn="l" rtl="0" fontAlgn="base">
+              <a:spcBef>
+                <a:spcPct val="20000"/>
+              </a:spcBef>
+              <a:spcAft>
+                <a:spcPct val="0"/>
+              </a:spcAft>
+              <a:buChar char="•"/>
+              <a:defRPr sz="2400">
+                <a:solidFill>
+                  <a:schemeClr val="tx1"/>
+                </a:solidFill>
+                <a:latin typeface="Arial Unicode MS" pitchFamily="34" charset="-122"/>
+                <a:ea typeface="Arial Unicode MS" pitchFamily="34" charset="-122"/>
+                <a:cs typeface="Arial Unicode MS" pitchFamily="34" charset="-122"/>
+              </a:defRPr>
+            </a:lvl1pPr>
+            <a:lvl2pPr marL="557213" indent="-214313" algn="l" rtl="0" fontAlgn="base">
+              <a:spcBef>
+                <a:spcPct val="20000"/>
+              </a:spcBef>
+              <a:spcAft>
+                <a:spcPct val="0"/>
+              </a:spcAft>
+              <a:buChar char="–"/>
+              <a:defRPr sz="2100">
+                <a:solidFill>
+                  <a:schemeClr val="tx1"/>
+                </a:solidFill>
+                <a:latin typeface="Arial Unicode MS" pitchFamily="34" charset="-122"/>
+                <a:ea typeface="Arial Unicode MS" pitchFamily="34" charset="-122"/>
+                <a:cs typeface="Arial Unicode MS" pitchFamily="34" charset="-122"/>
+              </a:defRPr>
+            </a:lvl2pPr>
+            <a:lvl3pPr marL="857250" indent="-171450" algn="l" rtl="0" fontAlgn="base">
+              <a:spcBef>
+                <a:spcPct val="20000"/>
+              </a:spcBef>
+              <a:spcAft>
+                <a:spcPct val="0"/>
+              </a:spcAft>
+              <a:buChar char="•"/>
+              <a:defRPr sz="1800">
+                <a:solidFill>
+                  <a:schemeClr val="tx1"/>
+                </a:solidFill>
+                <a:latin typeface="Arial Unicode MS" pitchFamily="34" charset="-122"/>
+                <a:ea typeface="Arial Unicode MS" pitchFamily="34" charset="-122"/>
+                <a:cs typeface="Arial Unicode MS" pitchFamily="34" charset="-122"/>
+              </a:defRPr>
+            </a:lvl3pPr>
+            <a:lvl4pPr marL="1200150" indent="-171450" algn="l" rtl="0" fontAlgn="base">
+              <a:spcBef>
+                <a:spcPct val="20000"/>
+              </a:spcBef>
+              <a:spcAft>
+                <a:spcPct val="0"/>
+              </a:spcAft>
+              <a:buChar char="–"/>
+              <a:defRPr sz="1500">
+                <a:solidFill>
+                  <a:schemeClr val="tx1"/>
+                </a:solidFill>
+                <a:latin typeface="Arial Unicode MS" pitchFamily="34" charset="-122"/>
+                <a:ea typeface="Arial Unicode MS" pitchFamily="34" charset="-122"/>
+                <a:cs typeface="Arial Unicode MS" pitchFamily="34" charset="-122"/>
+              </a:defRPr>
+            </a:lvl4pPr>
+            <a:lvl5pPr marL="1543050" indent="-171450" algn="l" rtl="0" fontAlgn="base">
+              <a:spcBef>
+                <a:spcPct val="20000"/>
+              </a:spcBef>
+              <a:spcAft>
+                <a:spcPct val="0"/>
+              </a:spcAft>
+              <a:buChar char="»"/>
+              <a:defRPr sz="1500">
+                <a:solidFill>
+                  <a:schemeClr val="tx1"/>
+                </a:solidFill>
+                <a:latin typeface="Arial Unicode MS" pitchFamily="34" charset="-122"/>
+                <a:ea typeface="Arial Unicode MS" pitchFamily="34" charset="-122"/>
+                <a:cs typeface="Arial Unicode MS" pitchFamily="34" charset="-122"/>
+              </a:defRPr>
+            </a:lvl5pPr>
+            <a:lvl6pPr marL="1885950" indent="-171450" algn="l" rtl="0" fontAlgn="base">
+              <a:spcBef>
+                <a:spcPct val="20000"/>
+              </a:spcBef>
+              <a:spcAft>
+                <a:spcPct val="0"/>
+              </a:spcAft>
+              <a:buChar char="»"/>
+              <a:defRPr sz="1500">
+                <a:solidFill>
+                  <a:schemeClr val="tx1"/>
+                </a:solidFill>
+                <a:latin typeface="+mn-lt"/>
+                <a:ea typeface="+mn-ea"/>
+              </a:defRPr>
+            </a:lvl6pPr>
+            <a:lvl7pPr marL="2228850" indent="-171450" algn="l" rtl="0" fontAlgn="base">
+              <a:spcBef>
+                <a:spcPct val="20000"/>
+              </a:spcBef>
+              <a:spcAft>
+                <a:spcPct val="0"/>
+              </a:spcAft>
+              <a:buChar char="»"/>
+              <a:defRPr sz="1500">
+                <a:solidFill>
+                  <a:schemeClr val="tx1"/>
+                </a:solidFill>
+                <a:latin typeface="+mn-lt"/>
+                <a:ea typeface="+mn-ea"/>
+              </a:defRPr>
+            </a:lvl7pPr>
+            <a:lvl8pPr marL="2571750" indent="-171450" algn="l" rtl="0" fontAlgn="base">
+              <a:spcBef>
+                <a:spcPct val="20000"/>
+              </a:spcBef>
+              <a:spcAft>
+                <a:spcPct val="0"/>
+              </a:spcAft>
+              <a:buChar char="»"/>
+              <a:defRPr sz="1500">
+                <a:solidFill>
+                  <a:schemeClr val="tx1"/>
+                </a:solidFill>
+                <a:latin typeface="+mn-lt"/>
+                <a:ea typeface="+mn-ea"/>
+              </a:defRPr>
+            </a:lvl8pPr>
+            <a:lvl9pPr marL="2914650" indent="-171450" algn="l" rtl="0" fontAlgn="base">
+              <a:spcBef>
+                <a:spcPct val="20000"/>
+              </a:spcBef>
+              <a:spcAft>
+                <a:spcPct val="0"/>
+              </a:spcAft>
+              <a:buChar char="»"/>
+              <a:defRPr sz="1500">
+                <a:solidFill>
+                  <a:schemeClr val="tx1"/>
+                </a:solidFill>
+                <a:latin typeface="+mn-lt"/>
+                <a:ea typeface="+mn-ea"/>
+              </a:defRPr>
+            </a:lvl9pPr>
+          </a:lstStyle>
+          <a:p>
+            <a:pPr>
+              <a:spcBef>
+                <a:spcPts val="0"/>
+              </a:spcBef>
+              <a:spcAft>
+                <a:spcPts val="1200"/>
+              </a:spcAft>
+            </a:pPr>
+            <a:r>
+              <a:rPr lang="zh-CN" altLang="en-US" sz="2000" dirty="0"/>
+              <a:t>面临问题：查找表和角度旋转方法，最长路径延时仍然很大</a:t>
+            </a:r>
+            <a:endParaRPr lang="en-US" altLang="zh-CN" sz="2000" dirty="0"/>
+          </a:p>
+          <a:p>
+            <a:pPr>
+              <a:spcBef>
+                <a:spcPts val="0"/>
+              </a:spcBef>
+              <a:spcAft>
+                <a:spcPts val="1200"/>
+              </a:spcAft>
+            </a:pPr>
+            <a:r>
+              <a:rPr lang="zh-CN" altLang="en-US" sz="2000" dirty="0"/>
+              <a:t>使用方法：使用非线性的</a:t>
+            </a:r>
+            <a:r>
+              <a:rPr lang="en-US" altLang="zh-CN" sz="2000" dirty="0"/>
+              <a:t>DAC</a:t>
+            </a:r>
+            <a:r>
+              <a:rPr lang="zh-CN" altLang="en-US" sz="2000" dirty="0"/>
+              <a:t>，压缩</a:t>
+            </a:r>
+            <a:r>
+              <a:rPr lang="en-US" altLang="zh-CN" sz="2000" dirty="0"/>
+              <a:t>DAC</a:t>
+            </a:r>
+            <a:r>
+              <a:rPr lang="zh-CN" altLang="en-US" sz="2000" dirty="0"/>
+              <a:t>中编解码器复杂度</a:t>
+            </a:r>
+            <a:endParaRPr lang="en-US" altLang="zh-CN" sz="2000" dirty="0"/>
+          </a:p>
+          <a:p>
+            <a:pPr marL="0" indent="0">
+              <a:spcBef>
+                <a:spcPts val="0"/>
+              </a:spcBef>
+              <a:spcAft>
+                <a:spcPts val="1200"/>
+              </a:spcAft>
+              <a:buNone/>
+            </a:pPr>
+            <a:endParaRPr lang="en-US" altLang="zh-CN" sz="2000" dirty="0"/>
+          </a:p>
+        </p:txBody>
+      </p:sp>
+      <p:grpSp>
+        <p:nvGrpSpPr>
+          <p:cNvPr id="23" name="组合 22"/>
+          <p:cNvGrpSpPr/>
+          <p:nvPr/>
+        </p:nvGrpSpPr>
+        <p:grpSpPr>
+          <a:xfrm>
+            <a:off x="4785014" y="2826702"/>
+            <a:ext cx="3195639" cy="1685925"/>
+            <a:chOff x="4785014" y="2826702"/>
+            <a:chExt cx="3195639" cy="1685925"/>
+          </a:xfrm>
+        </p:grpSpPr>
+        <p:grpSp>
+          <p:nvGrpSpPr>
+            <p:cNvPr id="11" name="组合 10"/>
+            <p:cNvGrpSpPr/>
+            <p:nvPr/>
+          </p:nvGrpSpPr>
+          <p:grpSpPr>
+            <a:xfrm>
+              <a:off x="4785014" y="2826702"/>
+              <a:ext cx="3195639" cy="1685925"/>
+              <a:chOff x="4613564" y="2826702"/>
+              <a:chExt cx="3195639" cy="1685925"/>
+            </a:xfrm>
+          </p:grpSpPr>
+          <p:pic>
+            <p:nvPicPr>
+              <p:cNvPr id="9" name="图片 8"/>
+              <p:cNvPicPr>
+                <a:picLocks noChangeAspect="1"/>
+              </p:cNvPicPr>
+              <p:nvPr/>
+            </p:nvPicPr>
+            <p:blipFill>
+              <a:blip r:embed="rId4"/>
+              <a:stretch>
+                <a:fillRect/>
+              </a:stretch>
+            </p:blipFill>
+            <p:spPr>
+              <a:xfrm>
+                <a:off x="6924676" y="3669664"/>
+                <a:ext cx="685800" cy="628650"/>
+              </a:xfrm>
+              <a:prstGeom prst="rect">
+                <a:avLst/>
+              </a:prstGeom>
+            </p:spPr>
+          </p:pic>
+          <p:pic>
+            <p:nvPicPr>
+              <p:cNvPr id="22" name="图片 21"/>
+              <p:cNvPicPr>
+                <a:picLocks noChangeAspect="1"/>
+              </p:cNvPicPr>
+              <p:nvPr/>
+            </p:nvPicPr>
+            <p:blipFill rotWithShape="1">
+              <a:blip r:embed="rId3"/>
+              <a:srcRect l="1693" r="23650"/>
+              <a:stretch/>
+            </p:blipFill>
+            <p:spPr>
+              <a:xfrm>
+                <a:off x="4613564" y="2826702"/>
+                <a:ext cx="2311112" cy="1685925"/>
+              </a:xfrm>
+              <a:prstGeom prst="rect">
+                <a:avLst/>
+              </a:prstGeom>
+            </p:spPr>
+          </p:pic>
+          <p:pic>
+            <p:nvPicPr>
+              <p:cNvPr id="10" name="图片 9"/>
+              <p:cNvPicPr>
+                <a:picLocks noChangeAspect="1"/>
+              </p:cNvPicPr>
+              <p:nvPr/>
+            </p:nvPicPr>
+            <p:blipFill rotWithShape="1">
+              <a:blip r:embed="rId5"/>
+              <a:srcRect l="5771"/>
+              <a:stretch/>
+            </p:blipFill>
+            <p:spPr>
+              <a:xfrm>
+                <a:off x="7010400" y="2937512"/>
+                <a:ext cx="798803" cy="657225"/>
+              </a:xfrm>
+              <a:prstGeom prst="rect">
+                <a:avLst/>
+              </a:prstGeom>
+            </p:spPr>
+          </p:pic>
+        </p:grpSp>
+        <p:pic>
+          <p:nvPicPr>
+            <p:cNvPr id="13" name="图片 12"/>
+            <p:cNvPicPr>
+              <a:picLocks noChangeAspect="1"/>
+            </p:cNvPicPr>
+            <p:nvPr/>
+          </p:nvPicPr>
+          <p:blipFill>
+            <a:blip r:embed="rId6"/>
+            <a:stretch>
+              <a:fillRect/>
+            </a:stretch>
+          </p:blipFill>
+          <p:spPr>
+            <a:xfrm>
+              <a:off x="5810251" y="3659822"/>
+              <a:ext cx="1085850" cy="514350"/>
+            </a:xfrm>
+            <a:prstGeom prst="rect">
+              <a:avLst/>
+            </a:prstGeom>
+          </p:spPr>
+        </p:pic>
+      </p:grpSp>
+      <p:sp>
+        <p:nvSpPr>
+          <p:cNvPr id="24" name="矩形 23"/>
+          <p:cNvSpPr/>
+          <p:nvPr/>
+        </p:nvSpPr>
+        <p:spPr>
+          <a:xfrm>
+            <a:off x="128241" y="5103812"/>
+            <a:ext cx="8482359" cy="784830"/>
+          </a:xfrm>
+          <a:prstGeom prst="rect">
+            <a:avLst/>
+          </a:prstGeom>
+        </p:spPr>
+        <p:txBody>
+          <a:bodyPr wrap="square">
+            <a:spAutoFit/>
+          </a:bodyPr>
+          <a:lstStyle/>
+          <a:p>
+            <a:pPr lvl="1">
+              <a:spcBef>
+                <a:spcPts val="600"/>
+              </a:spcBef>
+              <a:spcAft>
+                <a:spcPts val="0"/>
+              </a:spcAft>
+            </a:pPr>
+            <a:r>
+              <a:rPr lang="zh-CN" altLang="en-US" sz="2000" dirty="0"/>
+              <a:t>贡献：解决了存储器的限制，优化了</a:t>
+            </a:r>
+            <a:r>
+              <a:rPr lang="en-US" altLang="zh-CN" sz="2000" dirty="0"/>
+              <a:t>DAC</a:t>
+            </a:r>
+            <a:r>
+              <a:rPr lang="zh-CN" altLang="en-US" sz="2000" dirty="0"/>
+              <a:t>编码器，时钟频率可以更快</a:t>
+            </a:r>
+            <a:endParaRPr lang="en-US" altLang="zh-CN" sz="2000" dirty="0"/>
+          </a:p>
+          <a:p>
+            <a:pPr lvl="1">
+              <a:spcBef>
+                <a:spcPts val="600"/>
+              </a:spcBef>
+              <a:spcAft>
+                <a:spcPts val="0"/>
+              </a:spcAft>
+            </a:pPr>
+            <a:r>
+              <a:rPr lang="zh-CN" altLang="en-US" sz="2000" dirty="0"/>
+              <a:t>不足：增大了</a:t>
+            </a:r>
+            <a:r>
+              <a:rPr lang="en-US" altLang="zh-CN" sz="2000" dirty="0"/>
+              <a:t>DAC</a:t>
+            </a:r>
+            <a:r>
+              <a:rPr lang="zh-CN" altLang="en-US" sz="2000" dirty="0"/>
+              <a:t>的复杂度，失真加重，引入了新的噪声</a:t>
+            </a:r>
+            <a:endParaRPr lang="en-US" altLang="zh-CN" sz="2000" dirty="0"/>
+          </a:p>
+        </p:txBody>
+      </p:sp>
+    </p:spTree>
+    <p:extLst>
+      <p:ext uri="{BB962C8B-B14F-4D97-AF65-F5344CB8AC3E}">
+        <p14:creationId xmlns:p14="http://schemas.microsoft.com/office/powerpoint/2010/main" val="2736447706"/>
+      </p:ext>
+    </p:extLst>
+  </p:cSld>
+  <p:clrMapOvr>
+    <a:masterClrMapping/>
+  </p:clrMapOvr>
+</p:sld>
+</file>
+
+<file path=ppt/slides/slide11.xml><?xml version="1.0" encoding="utf-8"?>
+<p:sld xmlns:a="http://schemas.openxmlformats.org/drawingml/2006/main" xmlns:r="http://schemas.openxmlformats.org/officeDocument/2006/relationships" xmlns:p="http://schemas.openxmlformats.org/presentationml/2006/main">
+  <p:cSld>
+    <p:spTree>
+      <p:nvGrpSpPr>
+        <p:cNvPr id="1" name=""/>
+        <p:cNvGrpSpPr/>
+        <p:nvPr/>
+      </p:nvGrpSpPr>
+      <p:grpSpPr>
+        <a:xfrm>
+          <a:off x="0" y="0"/>
+          <a:ext cx="0" cy="0"/>
+          <a:chOff x="0" y="0"/>
+          <a:chExt cx="0" cy="0"/>
+        </a:xfrm>
+      </p:grpSpPr>
+      <p:sp>
+        <p:nvSpPr>
           <p:cNvPr id="2" name="标题 1"/>
           <p:cNvSpPr>
             <a:spLocks noGrp="1"/>
@@ -13445,47 +14452,9 @@
             </a:pPr>
             <a:r>
               <a:rPr lang="zh-CN" altLang="en-US" dirty="0"/>
-              <a:t>三种优化方法的融合的趋势：</a:t>
+              <a:t>三种优化方法的融合的趋势</a:t>
             </a:r>
             <a:endParaRPr lang="en-US" altLang="zh-CN" dirty="0"/>
-          </a:p>
-          <a:p>
-            <a:pPr lvl="1">
-              <a:spcBef>
-                <a:spcPts val="0"/>
-              </a:spcBef>
-              <a:spcAft>
-                <a:spcPts val="600"/>
-              </a:spcAft>
-            </a:pPr>
-            <a:r>
-              <a:rPr lang="zh-CN" altLang="en-US" sz="2000" dirty="0"/>
-              <a:t>存储器和矩阵旋转电路结合</a:t>
-            </a:r>
-            <a:endParaRPr lang="en-US" altLang="zh-CN" sz="2000" dirty="0"/>
-          </a:p>
-          <a:p>
-            <a:pPr lvl="1">
-              <a:spcBef>
-                <a:spcPts val="0"/>
-              </a:spcBef>
-              <a:spcAft>
-                <a:spcPts val="600"/>
-              </a:spcAft>
-            </a:pPr>
-            <a:r>
-              <a:rPr lang="zh-CN" altLang="en-US" sz="2000" dirty="0"/>
-              <a:t>非线性</a:t>
-            </a:r>
-            <a:r>
-              <a:rPr lang="en-US" altLang="zh-CN" sz="2000" dirty="0"/>
-              <a:t>DAC</a:t>
-            </a:r>
-            <a:r>
-              <a:rPr lang="zh-CN" altLang="en-US" sz="2000" dirty="0"/>
-              <a:t>设计中，同样引入压缩优化方法</a:t>
-            </a:r>
-            <a:endParaRPr lang="en-US" altLang="zh-CN" sz="2000" dirty="0"/>
           </a:p>
         </p:txBody>
       </p:sp>
@@ -13515,116 +14484,1866 @@
           </a:p>
         </p:txBody>
       </p:sp>
+      <p:graphicFrame>
+        <p:nvGraphicFramePr>
+          <p:cNvPr id="4" name="表格 3"/>
+          <p:cNvGraphicFramePr>
+            <a:graphicFrameLocks noGrp="1"/>
+          </p:cNvGraphicFramePr>
+          <p:nvPr>
+            <p:extLst>
+              <p:ext uri="{D42A27DB-BD31-4B8C-83A1-F6EECF244321}">
+                <p14:modId xmlns:p14="http://schemas.microsoft.com/office/powerpoint/2010/main" val="2935330199"/>
+              </p:ext>
+            </p:extLst>
+          </p:nvPr>
+        </p:nvGraphicFramePr>
+        <p:xfrm>
+          <a:off x="749300" y="2229484"/>
+          <a:ext cx="7581900" cy="2380616"/>
+        </p:xfrm>
+        <a:graphic>
+          <a:graphicData uri="http://schemas.openxmlformats.org/drawingml/2006/table">
+            <a:tbl>
+              <a:tblPr firstRow="1" bandRow="1">
+                <a:tableStyleId>{073A0DAA-6AF3-43AB-8588-CEC1D06C72B9}</a:tableStyleId>
+              </a:tblPr>
+              <a:tblGrid>
+                <a:gridCol w="1565203">
+                  <a:extLst>
+                    <a:ext uri="{9D8B030D-6E8A-4147-A177-3AD203B41FA5}">
+                      <a16:colId xmlns:a16="http://schemas.microsoft.com/office/drawing/2014/main" val="163680560"/>
+                    </a:ext>
+                  </a:extLst>
+                </a:gridCol>
+                <a:gridCol w="1206211">
+                  <a:extLst>
+                    <a:ext uri="{9D8B030D-6E8A-4147-A177-3AD203B41FA5}">
+                      <a16:colId xmlns:a16="http://schemas.microsoft.com/office/drawing/2014/main" val="94231575"/>
+                    </a:ext>
+                  </a:extLst>
+                </a:gridCol>
+                <a:gridCol w="1251635">
+                  <a:extLst>
+                    <a:ext uri="{9D8B030D-6E8A-4147-A177-3AD203B41FA5}">
+                      <a16:colId xmlns:a16="http://schemas.microsoft.com/office/drawing/2014/main" val="1558350487"/>
+                    </a:ext>
+                  </a:extLst>
+                </a:gridCol>
+                <a:gridCol w="3558851">
+                  <a:extLst>
+                    <a:ext uri="{9D8B030D-6E8A-4147-A177-3AD203B41FA5}">
+                      <a16:colId xmlns:a16="http://schemas.microsoft.com/office/drawing/2014/main" val="737192955"/>
+                    </a:ext>
+                  </a:extLst>
+                </a:gridCol>
+              </a:tblGrid>
+              <a:tr h="595154">
+                <a:tc>
+                  <a:txBody>
+                    <a:bodyPr/>
+                    <a:lstStyle/>
+                    <a:p>
+                      <a:endParaRPr lang="zh-CN" altLang="en-US" sz="1800" dirty="0"/>
+                    </a:p>
+                  </a:txBody>
+                  <a:tcPr/>
+                </a:tc>
+                <a:tc>
+                  <a:txBody>
+                    <a:bodyPr/>
+                    <a:lstStyle/>
+                    <a:p>
+                      <a:pPr algn="ctr"/>
+                      <a:r>
+                        <a:rPr lang="zh-CN" altLang="en-US" sz="1800" dirty="0"/>
+                        <a:t>速度</a:t>
+                      </a:r>
+                    </a:p>
+                  </a:txBody>
+                  <a:tcPr/>
+                </a:tc>
+                <a:tc>
+                  <a:txBody>
+                    <a:bodyPr/>
+                    <a:lstStyle/>
+                    <a:p>
+                      <a:pPr algn="ctr"/>
+                      <a:r>
+                        <a:rPr lang="zh-CN" altLang="en-US" sz="1800" dirty="0"/>
+                        <a:t>杂散性能</a:t>
+                      </a:r>
+                    </a:p>
+                  </a:txBody>
+                  <a:tcPr/>
+                </a:tc>
+                <a:tc>
+                  <a:txBody>
+                    <a:bodyPr/>
+                    <a:lstStyle/>
+                    <a:p>
+                      <a:r>
+                        <a:rPr lang="zh-CN" altLang="en-US" sz="1800" dirty="0"/>
+                        <a:t>特点</a:t>
+                      </a:r>
+                    </a:p>
+                  </a:txBody>
+                  <a:tcPr/>
+                </a:tc>
+                <a:extLst>
+                  <a:ext uri="{0D108BD9-81ED-4DB2-BD59-A6C34878D82A}">
+                    <a16:rowId xmlns:a16="http://schemas.microsoft.com/office/drawing/2014/main" val="724937019"/>
+                  </a:ext>
+                </a:extLst>
+              </a:tr>
+              <a:tr h="595154">
+                <a:tc>
+                  <a:txBody>
+                    <a:bodyPr/>
+                    <a:lstStyle/>
+                    <a:p>
+                      <a:r>
+                        <a:rPr lang="zh-CN" altLang="en-US" sz="1800" dirty="0"/>
+                        <a:t>查找表压缩</a:t>
+                      </a:r>
+                    </a:p>
+                  </a:txBody>
+                  <a:tcPr/>
+                </a:tc>
+                <a:tc>
+                  <a:txBody>
+                    <a:bodyPr/>
+                    <a:lstStyle/>
+                    <a:p>
+                      <a:pPr algn="ctr"/>
+                      <a:r>
+                        <a:rPr lang="en-US" altLang="zh-CN" sz="1800" dirty="0"/>
+                        <a:t>≈ 1 GHz</a:t>
+                      </a:r>
+                      <a:endParaRPr lang="zh-CN" altLang="en-US" sz="1800" dirty="0"/>
+                    </a:p>
+                  </a:txBody>
+                  <a:tcPr/>
+                </a:tc>
+                <a:tc>
+                  <a:txBody>
+                    <a:bodyPr/>
+                    <a:lstStyle/>
+                    <a:p>
+                      <a:pPr algn="ctr"/>
+                      <a:r>
+                        <a:rPr lang="en-US" altLang="zh-CN" sz="1800" dirty="0"/>
+                        <a:t>≈ 50</a:t>
+                      </a:r>
+                      <a:r>
+                        <a:rPr lang="zh-CN" altLang="en-US" sz="1800" dirty="0"/>
+                        <a:t> </a:t>
+                      </a:r>
+                      <a:r>
+                        <a:rPr lang="en-US" altLang="zh-CN" sz="1800" dirty="0" err="1"/>
+                        <a:t>dBc</a:t>
+                      </a:r>
+                      <a:endParaRPr lang="zh-CN" altLang="en-US" sz="1800" dirty="0"/>
+                    </a:p>
+                  </a:txBody>
+                  <a:tcPr/>
+                </a:tc>
+                <a:tc>
+                  <a:txBody>
+                    <a:bodyPr/>
+                    <a:lstStyle/>
+                    <a:p>
+                      <a:r>
+                        <a:rPr lang="zh-CN" altLang="en-US" sz="1800" dirty="0"/>
+                        <a:t>结构简单，提升空间小</a:t>
+                      </a:r>
+                    </a:p>
+                  </a:txBody>
+                  <a:tcPr/>
+                </a:tc>
+                <a:extLst>
+                  <a:ext uri="{0D108BD9-81ED-4DB2-BD59-A6C34878D82A}">
+                    <a16:rowId xmlns:a16="http://schemas.microsoft.com/office/drawing/2014/main" val="3141921607"/>
+                  </a:ext>
+                </a:extLst>
+              </a:tr>
+              <a:tr h="595154">
+                <a:tc>
+                  <a:txBody>
+                    <a:bodyPr/>
+                    <a:lstStyle/>
+                    <a:p>
+                      <a:r>
+                        <a:rPr lang="zh-CN" altLang="en-US" sz="1800" dirty="0"/>
+                        <a:t>矩阵旋转法</a:t>
+                      </a:r>
+                    </a:p>
+                  </a:txBody>
+                  <a:tcPr/>
+                </a:tc>
+                <a:tc>
+                  <a:txBody>
+                    <a:bodyPr/>
+                    <a:lstStyle/>
+                    <a:p>
+                      <a:pPr algn="ctr"/>
+                      <a:r>
+                        <a:rPr lang="en-US" altLang="zh-CN" sz="1800" dirty="0"/>
+                        <a:t>&lt; 1 GHz</a:t>
+                      </a:r>
+                      <a:endParaRPr lang="zh-CN" altLang="en-US" sz="1800" dirty="0"/>
+                    </a:p>
+                  </a:txBody>
+                  <a:tcPr/>
+                </a:tc>
+                <a:tc>
+                  <a:txBody>
+                    <a:bodyPr/>
+                    <a:lstStyle/>
+                    <a:p>
+                      <a:pPr algn="ctr"/>
+                      <a:r>
+                        <a:rPr lang="en-US" altLang="zh-CN" sz="1800" dirty="0"/>
+                        <a:t>&gt; 70 </a:t>
+                      </a:r>
+                      <a:r>
+                        <a:rPr lang="en-US" altLang="zh-CN" sz="1800" dirty="0" err="1"/>
+                        <a:t>dBc</a:t>
+                      </a:r>
+                      <a:endParaRPr lang="zh-CN" altLang="en-US" sz="1800" dirty="0"/>
+                    </a:p>
+                  </a:txBody>
+                  <a:tcPr/>
+                </a:tc>
+                <a:tc>
+                  <a:txBody>
+                    <a:bodyPr/>
+                    <a:lstStyle/>
+                    <a:p>
+                      <a:r>
+                        <a:rPr lang="zh-CN" altLang="en-US" sz="1800" dirty="0"/>
+                        <a:t>杂散性能强，速度慢、时延大</a:t>
+                      </a:r>
+                    </a:p>
+                  </a:txBody>
+                  <a:tcPr/>
+                </a:tc>
+                <a:extLst>
+                  <a:ext uri="{0D108BD9-81ED-4DB2-BD59-A6C34878D82A}">
+                    <a16:rowId xmlns:a16="http://schemas.microsoft.com/office/drawing/2014/main" val="2454669402"/>
+                  </a:ext>
+                </a:extLst>
+              </a:tr>
+              <a:tr h="595154">
+                <a:tc>
+                  <a:txBody>
+                    <a:bodyPr/>
+                    <a:lstStyle/>
+                    <a:p>
+                      <a:r>
+                        <a:rPr lang="zh-CN" altLang="en-US" sz="1800" dirty="0"/>
+                        <a:t>非线性</a:t>
+                      </a:r>
+                      <a:r>
+                        <a:rPr lang="en-US" altLang="zh-CN" sz="1800" dirty="0"/>
+                        <a:t>DAC</a:t>
+                      </a:r>
+                      <a:endParaRPr lang="zh-CN" altLang="en-US" sz="1800" dirty="0"/>
+                    </a:p>
+                  </a:txBody>
+                  <a:tcPr/>
+                </a:tc>
+                <a:tc>
+                  <a:txBody>
+                    <a:bodyPr/>
+                    <a:lstStyle/>
+                    <a:p>
+                      <a:pPr algn="ctr"/>
+                      <a:r>
+                        <a:rPr lang="en-US" altLang="zh-CN" sz="1800" dirty="0"/>
+                        <a:t>&gt; 1 GHz</a:t>
+                      </a:r>
+                      <a:endParaRPr lang="zh-CN" altLang="en-US" sz="1800" dirty="0"/>
+                    </a:p>
+                  </a:txBody>
+                  <a:tcPr/>
+                </a:tc>
+                <a:tc>
+                  <a:txBody>
+                    <a:bodyPr/>
+                    <a:lstStyle/>
+                    <a:p>
+                      <a:pPr algn="ctr"/>
+                      <a:r>
+                        <a:rPr lang="en-US" altLang="zh-CN" sz="1800" dirty="0"/>
+                        <a:t>≈ 40 </a:t>
+                      </a:r>
+                      <a:r>
+                        <a:rPr lang="en-US" altLang="zh-CN" sz="1800" dirty="0" err="1"/>
+                        <a:t>dBc</a:t>
+                      </a:r>
+                      <a:endParaRPr lang="zh-CN" altLang="en-US" sz="1800" dirty="0"/>
+                    </a:p>
+                  </a:txBody>
+                  <a:tcPr/>
+                </a:tc>
+                <a:tc>
+                  <a:txBody>
+                    <a:bodyPr/>
+                    <a:lstStyle/>
+                    <a:p>
+                      <a:r>
+                        <a:rPr lang="zh-CN" altLang="en-US" sz="1800" dirty="0"/>
+                        <a:t>速度比较快，波形失真</a:t>
+                      </a:r>
+                    </a:p>
+                  </a:txBody>
+                  <a:tcPr/>
+                </a:tc>
+                <a:extLst>
+                  <a:ext uri="{0D108BD9-81ED-4DB2-BD59-A6C34878D82A}">
+                    <a16:rowId xmlns:a16="http://schemas.microsoft.com/office/drawing/2014/main" val="2681214126"/>
+                  </a:ext>
+                </a:extLst>
+              </a:tr>
+            </a:tbl>
+          </a:graphicData>
+        </a:graphic>
+      </p:graphicFrame>
+    </p:spTree>
+    <p:extLst>
+      <p:ext uri="{BB962C8B-B14F-4D97-AF65-F5344CB8AC3E}">
+        <p14:creationId xmlns:p14="http://schemas.microsoft.com/office/powerpoint/2010/main" val="1730840355"/>
+      </p:ext>
+    </p:extLst>
+  </p:cSld>
+  <p:clrMapOvr>
+    <a:masterClrMapping/>
+  </p:clrMapOvr>
+</p:sld>
+</file>
+
+<file path=ppt/slides/slide12.xml><?xml version="1.0" encoding="utf-8"?>
+<p:sld xmlns:a="http://schemas.openxmlformats.org/drawingml/2006/main" xmlns:r="http://schemas.openxmlformats.org/officeDocument/2006/relationships" xmlns:p="http://schemas.openxmlformats.org/presentationml/2006/main">
+  <p:cSld>
+    <p:spTree>
+      <p:nvGrpSpPr>
+        <p:cNvPr id="1" name=""/>
+        <p:cNvGrpSpPr/>
+        <p:nvPr/>
+      </p:nvGrpSpPr>
+      <p:grpSpPr>
+        <a:xfrm>
+          <a:off x="0" y="0"/>
+          <a:ext cx="0" cy="0"/>
+          <a:chOff x="0" y="0"/>
+          <a:chExt cx="0" cy="0"/>
+        </a:xfrm>
+      </p:grpSpPr>
+      <p:sp>
+        <p:nvSpPr>
+          <p:cNvPr id="2" name="标题 1"/>
+          <p:cNvSpPr>
+            <a:spLocks noGrp="1"/>
+          </p:cNvSpPr>
+          <p:nvPr>
+            <p:ph type="title"/>
+          </p:nvPr>
+        </p:nvSpPr>
+        <p:spPr/>
+        <p:txBody>
+          <a:bodyPr/>
+          <a:lstStyle/>
+          <a:p>
+            <a:r>
+              <a:rPr lang="zh-CN" altLang="en-US" sz="3600" dirty="0"/>
+              <a:t>实施方案</a:t>
+            </a:r>
+          </a:p>
+        </p:txBody>
+      </p:sp>
+      <p:sp>
+        <p:nvSpPr>
+          <p:cNvPr id="3" name="内容占位符 2"/>
+          <p:cNvSpPr>
+            <a:spLocks noGrp="1"/>
+          </p:cNvSpPr>
+          <p:nvPr>
+            <p:ph idx="1"/>
+          </p:nvPr>
+        </p:nvSpPr>
+        <p:spPr/>
+        <p:txBody>
+          <a:bodyPr/>
+          <a:lstStyle/>
+          <a:p>
+            <a:r>
+              <a:rPr lang="en-US" altLang="zh-CN" dirty="0"/>
+              <a:t>Proposal Architecture</a:t>
+            </a:r>
+          </a:p>
+          <a:p>
+            <a:pPr marL="0" indent="0">
+              <a:buNone/>
+            </a:pPr>
+            <a:endParaRPr lang="en-US" altLang="zh-CN" dirty="0"/>
+          </a:p>
+          <a:p>
+            <a:pPr marL="0" indent="0">
+              <a:buNone/>
+            </a:pPr>
+            <a:endParaRPr lang="en-US" altLang="zh-CN" dirty="0"/>
+          </a:p>
+          <a:p>
+            <a:pPr marL="0" indent="0">
+              <a:buNone/>
+            </a:pPr>
+            <a:endParaRPr lang="en-US" altLang="zh-CN" dirty="0"/>
+          </a:p>
+          <a:p>
+            <a:pPr marL="0" indent="0">
+              <a:buNone/>
+            </a:pPr>
+            <a:endParaRPr lang="en-US" altLang="zh-CN" dirty="0"/>
+          </a:p>
+          <a:p>
+            <a:pPr marL="0" indent="0">
+              <a:buNone/>
+            </a:pPr>
+            <a:endParaRPr lang="en-US" altLang="zh-CN" dirty="0"/>
+          </a:p>
+          <a:p>
+            <a:endParaRPr lang="en-US" altLang="zh-CN" dirty="0"/>
+          </a:p>
+          <a:p>
+            <a:r>
+              <a:rPr lang="zh-CN" altLang="en-US" dirty="0"/>
+              <a:t>创新空间：主要分为</a:t>
+            </a:r>
+            <a:r>
+              <a:rPr lang="en-US" altLang="zh-CN" dirty="0"/>
+              <a:t>4</a:t>
+            </a:r>
+            <a:r>
+              <a:rPr lang="zh-CN" altLang="en-US" dirty="0"/>
+              <a:t>点</a:t>
+            </a:r>
+            <a:endParaRPr lang="en-US" altLang="zh-CN" dirty="0"/>
+          </a:p>
+          <a:p>
+            <a:pPr lvl="1"/>
+            <a:r>
+              <a:rPr lang="en-US" altLang="zh-CN" dirty="0"/>
+              <a:t>1. </a:t>
+            </a:r>
+            <a:r>
+              <a:rPr lang="zh-CN" altLang="en-US" dirty="0"/>
+              <a:t>使用</a:t>
+            </a:r>
+            <a:r>
+              <a:rPr lang="en-US" altLang="zh-CN" dirty="0"/>
+              <a:t>Rom</a:t>
+            </a:r>
+            <a:r>
+              <a:rPr lang="zh-CN" altLang="en-US" dirty="0"/>
+              <a:t>和矩阵旋转法，兼具高精度和第切换延时</a:t>
+            </a:r>
+            <a:endParaRPr lang="en-US" altLang="zh-CN" dirty="0"/>
+          </a:p>
+          <a:p>
+            <a:pPr lvl="1"/>
+            <a:r>
+              <a:rPr lang="en-US" altLang="zh-CN" dirty="0"/>
+              <a:t>2. </a:t>
+            </a:r>
+            <a:r>
+              <a:rPr lang="zh-CN" altLang="en-US" dirty="0"/>
+              <a:t>针对</a:t>
+            </a:r>
+            <a:r>
+              <a:rPr lang="en-US" altLang="zh-CN" dirty="0"/>
+              <a:t>CORDIC</a:t>
+            </a:r>
+            <a:r>
+              <a:rPr lang="zh-CN" altLang="en-US" dirty="0"/>
+              <a:t>旋转电路，探索简化的可能，进一步提升速度</a:t>
+            </a:r>
+            <a:endParaRPr lang="en-US" altLang="zh-CN" dirty="0"/>
+          </a:p>
+          <a:p>
+            <a:pPr lvl="1"/>
+            <a:r>
+              <a:rPr lang="en-US" altLang="zh-CN" dirty="0"/>
+              <a:t>3. </a:t>
+            </a:r>
+            <a:r>
+              <a:rPr lang="zh-CN" altLang="en-US" dirty="0"/>
+              <a:t>建立资源配置系统，尽可能最优化资源配置</a:t>
+            </a:r>
+            <a:endParaRPr lang="en-US" altLang="zh-CN" dirty="0"/>
+          </a:p>
+          <a:p>
+            <a:pPr lvl="1"/>
+            <a:r>
+              <a:rPr lang="en-US" altLang="zh-CN" dirty="0"/>
+              <a:t>4. </a:t>
+            </a:r>
+            <a:r>
+              <a:rPr lang="zh-CN" altLang="en-US" dirty="0"/>
+              <a:t>引入</a:t>
+            </a:r>
+            <a:r>
+              <a:rPr lang="en-US" altLang="zh-CN" dirty="0"/>
+              <a:t>dither</a:t>
+            </a:r>
+            <a:r>
+              <a:rPr lang="zh-CN" altLang="en-US" dirty="0"/>
+              <a:t>技术，可能对性能产生收益</a:t>
+            </a:r>
+            <a:endParaRPr lang="en-US" altLang="zh-CN" dirty="0"/>
+          </a:p>
+          <a:p>
+            <a:pPr marL="0" indent="0">
+              <a:buNone/>
+            </a:pPr>
+            <a:endParaRPr lang="zh-CN" altLang="en-US" dirty="0"/>
+          </a:p>
+        </p:txBody>
+      </p:sp>
+      <p:sp>
+        <p:nvSpPr>
+          <p:cNvPr id="4" name="页脚占位符 3"/>
+          <p:cNvSpPr>
+            <a:spLocks noGrp="1"/>
+          </p:cNvSpPr>
+          <p:nvPr>
+            <p:ph type="ftr" sz="quarter" idx="11"/>
+          </p:nvPr>
+        </p:nvSpPr>
+        <p:spPr/>
+        <p:txBody>
+          <a:bodyPr/>
+          <a:lstStyle/>
+          <a:p>
+            <a:r>
+              <a:rPr lang="en-US" altLang="zh-CN">
+                <a:solidFill>
+                  <a:srgbClr val="000000"/>
+                </a:solidFill>
+              </a:rPr>
+              <a:t>20/22</a:t>
+            </a:r>
+            <a:endParaRPr lang="en-US" altLang="zh-CN" dirty="0">
+              <a:solidFill>
+                <a:srgbClr val="000000"/>
+              </a:solidFill>
+            </a:endParaRPr>
+          </a:p>
+        </p:txBody>
+      </p:sp>
       <p:grpSp>
         <p:nvGrpSpPr>
-          <p:cNvPr id="24" name="组合 23"/>
+          <p:cNvPr id="41" name="组合 40"/>
           <p:cNvGrpSpPr/>
           <p:nvPr/>
         </p:nvGrpSpPr>
         <p:grpSpPr>
           <a:xfrm>
-            <a:off x="251460" y="1938094"/>
-            <a:ext cx="8583786" cy="2857453"/>
-            <a:chOff x="251460" y="1966034"/>
-            <a:chExt cx="8583786" cy="2857453"/>
+            <a:off x="381001" y="1864248"/>
+            <a:ext cx="3989235" cy="1510972"/>
+            <a:chOff x="4185871" y="2197317"/>
+            <a:chExt cx="7160901" cy="2712281"/>
           </a:xfrm>
         </p:grpSpPr>
-        <p:pic>
-          <p:nvPicPr>
-            <p:cNvPr id="8" name="图片 7"/>
-            <p:cNvPicPr>
-              <a:picLocks noChangeAspect="1"/>
-            </p:cNvPicPr>
+        <p:grpSp>
+          <p:nvGrpSpPr>
+            <p:cNvPr id="42" name="组合 41"/>
+            <p:cNvGrpSpPr/>
             <p:nvPr/>
-          </p:nvPicPr>
-          <p:blipFill>
-            <a:blip r:embed="rId3"/>
-            <a:stretch>
-              <a:fillRect/>
-            </a:stretch>
-          </p:blipFill>
+          </p:nvGrpSpPr>
+          <p:grpSpPr>
+            <a:xfrm>
+              <a:off x="4185871" y="2197317"/>
+              <a:ext cx="7160901" cy="2712281"/>
+              <a:chOff x="4629149" y="2074224"/>
+              <a:chExt cx="7160901" cy="2712281"/>
+            </a:xfrm>
+          </p:grpSpPr>
+          <p:grpSp>
+            <p:nvGrpSpPr>
+              <p:cNvPr id="44" name="组合 43"/>
+              <p:cNvGrpSpPr/>
+              <p:nvPr/>
+            </p:nvGrpSpPr>
+            <p:grpSpPr>
+              <a:xfrm>
+                <a:off x="4629149" y="2074224"/>
+                <a:ext cx="7160901" cy="1780269"/>
+                <a:chOff x="1534257" y="2013439"/>
+                <a:chExt cx="7160901" cy="1780269"/>
+              </a:xfrm>
+            </p:grpSpPr>
+            <p:cxnSp>
+              <p:nvCxnSpPr>
+                <p:cNvPr id="50" name="直接箭头连接符 49"/>
+                <p:cNvCxnSpPr/>
+                <p:nvPr/>
+              </p:nvCxnSpPr>
+              <p:spPr>
+                <a:xfrm>
+                  <a:off x="3763108" y="2998178"/>
+                  <a:ext cx="457199" cy="0"/>
+                </a:xfrm>
+                <a:prstGeom prst="straightConnector1">
+                  <a:avLst/>
+                </a:prstGeom>
+                <a:ln w="19050">
+                  <a:solidFill>
+                    <a:schemeClr val="tx1">
+                      <a:lumMod val="95000"/>
+                      <a:lumOff val="5000"/>
+                    </a:schemeClr>
+                  </a:solidFill>
+                  <a:tailEnd type="triangle"/>
+                </a:ln>
+              </p:spPr>
+              <p:style>
+                <a:lnRef idx="1">
+                  <a:schemeClr val="accent1"/>
+                </a:lnRef>
+                <a:fillRef idx="0">
+                  <a:schemeClr val="accent1"/>
+                </a:fillRef>
+                <a:effectRef idx="0">
+                  <a:schemeClr val="accent1"/>
+                </a:effectRef>
+                <a:fontRef idx="minor">
+                  <a:schemeClr val="tx1"/>
+                </a:fontRef>
+              </p:style>
+            </p:cxnSp>
+            <p:grpSp>
+              <p:nvGrpSpPr>
+                <p:cNvPr id="51" name="组合 50"/>
+                <p:cNvGrpSpPr/>
+                <p:nvPr/>
+              </p:nvGrpSpPr>
+              <p:grpSpPr>
+                <a:xfrm>
+                  <a:off x="1534257" y="2013439"/>
+                  <a:ext cx="7160901" cy="1780269"/>
+                  <a:chOff x="1534257" y="2013439"/>
+                  <a:chExt cx="7160901" cy="1780269"/>
+                </a:xfrm>
+              </p:grpSpPr>
+              <p:grpSp>
+                <p:nvGrpSpPr>
+                  <p:cNvPr id="52" name="组合 51"/>
+                  <p:cNvGrpSpPr/>
+                  <p:nvPr/>
+                </p:nvGrpSpPr>
+                <p:grpSpPr>
+                  <a:xfrm>
+                    <a:off x="1534257" y="2013439"/>
+                    <a:ext cx="3538905" cy="1780269"/>
+                    <a:chOff x="707781" y="1565031"/>
+                    <a:chExt cx="3538905" cy="1780269"/>
+                  </a:xfrm>
+                </p:grpSpPr>
+                <p:grpSp>
+                  <p:nvGrpSpPr>
+                    <p:cNvPr id="54" name="组合 53"/>
+                    <p:cNvGrpSpPr/>
+                    <p:nvPr/>
+                  </p:nvGrpSpPr>
+                  <p:grpSpPr>
+                    <a:xfrm>
+                      <a:off x="931985" y="1565031"/>
+                      <a:ext cx="3314701" cy="967154"/>
+                      <a:chOff x="931985" y="1565031"/>
+                      <a:chExt cx="3314701" cy="967154"/>
+                    </a:xfrm>
+                  </p:grpSpPr>
+                  <p:cxnSp>
+                    <p:nvCxnSpPr>
+                      <p:cNvPr id="73" name="直接箭头连接符 72"/>
+                      <p:cNvCxnSpPr/>
+                      <p:nvPr/>
+                    </p:nvCxnSpPr>
+                    <p:spPr>
+                      <a:xfrm>
+                        <a:off x="931985" y="2112351"/>
+                        <a:ext cx="764930" cy="0"/>
+                      </a:xfrm>
+                      <a:prstGeom prst="straightConnector1">
+                        <a:avLst/>
+                      </a:prstGeom>
+                      <a:ln w="19050">
+                        <a:solidFill>
+                          <a:schemeClr val="tx1">
+                            <a:lumMod val="95000"/>
+                            <a:lumOff val="5000"/>
+                          </a:schemeClr>
+                        </a:solidFill>
+                        <a:tailEnd type="triangle"/>
+                      </a:ln>
+                    </p:spPr>
+                    <p:style>
+                      <a:lnRef idx="1">
+                        <a:schemeClr val="accent1"/>
+                      </a:lnRef>
+                      <a:fillRef idx="0">
+                        <a:schemeClr val="accent1"/>
+                      </a:fillRef>
+                      <a:effectRef idx="0">
+                        <a:schemeClr val="accent1"/>
+                      </a:effectRef>
+                      <a:fontRef idx="minor">
+                        <a:schemeClr val="tx1"/>
+                      </a:fontRef>
+                    </p:style>
+                  </p:cxnSp>
+                  <p:cxnSp>
+                    <p:nvCxnSpPr>
+                      <p:cNvPr id="74" name="直接连接符 73"/>
+                      <p:cNvCxnSpPr/>
+                      <p:nvPr/>
+                    </p:nvCxnSpPr>
+                    <p:spPr>
+                      <a:xfrm flipV="1">
+                        <a:off x="931985" y="1573823"/>
+                        <a:ext cx="0" cy="536331"/>
+                      </a:xfrm>
+                      <a:prstGeom prst="line">
+                        <a:avLst/>
+                      </a:prstGeom>
+                      <a:ln w="19050">
+                        <a:solidFill>
+                          <a:schemeClr val="tx1">
+                            <a:lumMod val="95000"/>
+                            <a:lumOff val="5000"/>
+                          </a:schemeClr>
+                        </a:solidFill>
+                      </a:ln>
+                    </p:spPr>
+                    <p:style>
+                      <a:lnRef idx="1">
+                        <a:schemeClr val="accent1"/>
+                      </a:lnRef>
+                      <a:fillRef idx="0">
+                        <a:schemeClr val="accent1"/>
+                      </a:fillRef>
+                      <a:effectRef idx="0">
+                        <a:schemeClr val="accent1"/>
+                      </a:effectRef>
+                      <a:fontRef idx="minor">
+                        <a:schemeClr val="tx1"/>
+                      </a:fontRef>
+                    </p:style>
+                  </p:cxnSp>
+                  <p:cxnSp>
+                    <p:nvCxnSpPr>
+                      <p:cNvPr id="75" name="直接连接符 74"/>
+                      <p:cNvCxnSpPr/>
+                      <p:nvPr/>
+                    </p:nvCxnSpPr>
+                    <p:spPr>
+                      <a:xfrm>
+                        <a:off x="931985" y="1565031"/>
+                        <a:ext cx="3314701" cy="0"/>
+                      </a:xfrm>
+                      <a:prstGeom prst="line">
+                        <a:avLst/>
+                      </a:prstGeom>
+                      <a:ln w="19050">
+                        <a:solidFill>
+                          <a:schemeClr val="tx1">
+                            <a:lumMod val="95000"/>
+                            <a:lumOff val="5000"/>
+                          </a:schemeClr>
+                        </a:solidFill>
+                      </a:ln>
+                    </p:spPr>
+                    <p:style>
+                      <a:lnRef idx="1">
+                        <a:schemeClr val="accent1"/>
+                      </a:lnRef>
+                      <a:fillRef idx="0">
+                        <a:schemeClr val="accent1"/>
+                      </a:fillRef>
+                      <a:effectRef idx="0">
+                        <a:schemeClr val="accent1"/>
+                      </a:effectRef>
+                      <a:fontRef idx="minor">
+                        <a:schemeClr val="tx1"/>
+                      </a:fontRef>
+                    </p:style>
+                  </p:cxnSp>
+                  <p:cxnSp>
+                    <p:nvCxnSpPr>
+                      <p:cNvPr id="76" name="直接连接符 75"/>
+                      <p:cNvCxnSpPr/>
+                      <p:nvPr/>
+                    </p:nvCxnSpPr>
+                    <p:spPr>
+                      <a:xfrm>
+                        <a:off x="4246686" y="1565031"/>
+                        <a:ext cx="0" cy="967154"/>
+                      </a:xfrm>
+                      <a:prstGeom prst="line">
+                        <a:avLst/>
+                      </a:prstGeom>
+                      <a:ln w="19050">
+                        <a:solidFill>
+                          <a:schemeClr val="tx1">
+                            <a:lumMod val="95000"/>
+                            <a:lumOff val="5000"/>
+                          </a:schemeClr>
+                        </a:solidFill>
+                      </a:ln>
+                    </p:spPr>
+                    <p:style>
+                      <a:lnRef idx="1">
+                        <a:schemeClr val="accent1"/>
+                      </a:lnRef>
+                      <a:fillRef idx="0">
+                        <a:schemeClr val="accent1"/>
+                      </a:fillRef>
+                      <a:effectRef idx="0">
+                        <a:schemeClr val="accent1"/>
+                      </a:effectRef>
+                      <a:fontRef idx="minor">
+                        <a:schemeClr val="tx1"/>
+                      </a:fontRef>
+                    </p:style>
+                  </p:cxnSp>
+                </p:grpSp>
+                <p:sp>
+                  <p:nvSpPr>
+                    <p:cNvPr id="55" name="矩形 54"/>
+                    <p:cNvSpPr/>
+                    <p:nvPr/>
+                  </p:nvSpPr>
+                  <p:spPr>
+                    <a:xfrm>
+                      <a:off x="3393831" y="1960685"/>
+                      <a:ext cx="580292" cy="1213338"/>
+                    </a:xfrm>
+                    <a:prstGeom prst="rect">
+                      <a:avLst/>
+                    </a:prstGeom>
+                  </p:spPr>
+                  <p:style>
+                    <a:lnRef idx="2">
+                      <a:schemeClr val="accent4"/>
+                    </a:lnRef>
+                    <a:fillRef idx="1">
+                      <a:schemeClr val="lt1"/>
+                    </a:fillRef>
+                    <a:effectRef idx="0">
+                      <a:schemeClr val="accent4"/>
+                    </a:effectRef>
+                    <a:fontRef idx="minor">
+                      <a:schemeClr val="dk1"/>
+                    </a:fontRef>
+                  </p:style>
+                  <p:txBody>
+                    <a:bodyPr rtlCol="0" anchor="ctr"/>
+                    <a:lstStyle/>
+                    <a:p>
+                      <a:pPr algn="ctr"/>
+                      <a:r>
+                        <a:rPr lang="en-US" altLang="zh-CN" sz="1500" dirty="0"/>
+                        <a:t>PA</a:t>
+                      </a:r>
+                    </a:p>
+                  </p:txBody>
+                </p:sp>
+                <p:grpSp>
+                  <p:nvGrpSpPr>
+                    <p:cNvPr id="57" name="组合 56"/>
+                    <p:cNvGrpSpPr/>
+                    <p:nvPr/>
+                  </p:nvGrpSpPr>
+                  <p:grpSpPr>
+                    <a:xfrm>
+                      <a:off x="707781" y="2813511"/>
+                      <a:ext cx="989134" cy="531789"/>
+                      <a:chOff x="707781" y="2813511"/>
+                      <a:chExt cx="989134" cy="531789"/>
+                    </a:xfrm>
+                  </p:grpSpPr>
+                  <p:cxnSp>
+                    <p:nvCxnSpPr>
+                      <p:cNvPr id="69" name="直接箭头连接符 68"/>
+                      <p:cNvCxnSpPr/>
+                      <p:nvPr/>
+                    </p:nvCxnSpPr>
+                    <p:spPr>
+                      <a:xfrm>
+                        <a:off x="1314450" y="3006236"/>
+                        <a:ext cx="382465" cy="0"/>
+                      </a:xfrm>
+                      <a:prstGeom prst="straightConnector1">
+                        <a:avLst/>
+                      </a:prstGeom>
+                      <a:ln w="19050">
+                        <a:solidFill>
+                          <a:schemeClr val="tx2"/>
+                        </a:solidFill>
+                        <a:tailEnd type="triangle"/>
+                      </a:ln>
+                    </p:spPr>
+                    <p:style>
+                      <a:lnRef idx="1">
+                        <a:schemeClr val="accent1"/>
+                      </a:lnRef>
+                      <a:fillRef idx="0">
+                        <a:schemeClr val="accent1"/>
+                      </a:fillRef>
+                      <a:effectRef idx="0">
+                        <a:schemeClr val="accent1"/>
+                      </a:effectRef>
+                      <a:fontRef idx="minor">
+                        <a:schemeClr val="tx1"/>
+                      </a:fontRef>
+                    </p:style>
+                  </p:cxnSp>
+                  <mc:AlternateContent xmlns:mc="http://schemas.openxmlformats.org/markup-compatibility/2006" xmlns:a14="http://schemas.microsoft.com/office/drawing/2010/main">
+                    <mc:Choice Requires="a14">
+                      <p:sp>
+                        <p:nvSpPr>
+                          <p:cNvPr id="70" name="文本框 69"/>
+                          <p:cNvSpPr txBox="1"/>
+                          <p:nvPr/>
+                        </p:nvSpPr>
+                        <p:spPr>
+                          <a:xfrm>
+                            <a:off x="707781" y="2813511"/>
+                            <a:ext cx="791308" cy="531789"/>
+                          </a:xfrm>
+                          <a:prstGeom prst="rect">
+                            <a:avLst/>
+                          </a:prstGeom>
+                          <a:noFill/>
+                        </p:spPr>
+                        <p:txBody>
+                          <a:bodyPr wrap="square" rtlCol="0">
+                            <a:spAutoFit/>
+                          </a:bodyPr>
+                          <a:lstStyle/>
+                          <a:p>
+                            <a:pPr algn="ctr"/>
+                            <a14:m>
+                              <m:oMathPara xmlns:m="http://schemas.openxmlformats.org/officeDocument/2006/math">
+                                <m:oMathParaPr>
+                                  <m:jc m:val="centerGroup"/>
+                                </m:oMathParaPr>
+                                <m:oMath xmlns:m="http://schemas.openxmlformats.org/officeDocument/2006/math">
+                                  <m:r>
+                                    <a:rPr lang="en-US" altLang="zh-CN" sz="1500" i="1" smtClean="0">
+                                      <a:latin typeface="Cambria Math" panose="02040503050406030204" pitchFamily="18" charset="0"/>
+                                      <a:ea typeface="Cambria Math" panose="02040503050406030204" pitchFamily="18" charset="0"/>
+                                    </a:rPr>
+                                    <m:t>∆</m:t>
+                                  </m:r>
+                                  <m:r>
+                                    <m:rPr>
+                                      <m:sty m:val="p"/>
+                                    </m:rPr>
+                                    <a:rPr lang="en-US" altLang="zh-CN" sz="1500" i="1" smtClean="0">
+                                      <a:latin typeface="Cambria Math" panose="02040503050406030204" pitchFamily="18" charset="0"/>
+                                      <a:ea typeface="Cambria Math" panose="02040503050406030204" pitchFamily="18" charset="0"/>
+                                    </a:rPr>
+                                    <m:t>acc</m:t>
+                                  </m:r>
+                                </m:oMath>
+                              </m:oMathPara>
+                            </a14:m>
+                            <a:endParaRPr lang="zh-CN" altLang="en-US" sz="1500" dirty="0"/>
+                          </a:p>
+                        </p:txBody>
+                      </p:sp>
+                    </mc:Choice>
+                    <mc:Fallback xmlns="">
+                      <p:sp>
+                        <p:nvSpPr>
+                          <p:cNvPr id="70" name="文本框 69"/>
+                          <p:cNvSpPr txBox="1">
+                            <a:spLocks noRot="1" noChangeAspect="1" noMove="1" noResize="1" noEditPoints="1" noAdjustHandles="1" noChangeArrowheads="1" noChangeShapeType="1" noTextEdit="1"/>
+                          </p:cNvSpPr>
+                          <p:nvPr/>
+                        </p:nvSpPr>
+                        <p:spPr>
+                          <a:xfrm>
+                            <a:off x="707781" y="2813511"/>
+                            <a:ext cx="791308" cy="531789"/>
+                          </a:xfrm>
+                          <a:prstGeom prst="rect">
+                            <a:avLst/>
+                          </a:prstGeom>
+                          <a:blipFill>
+                            <a:blip r:embed="rId2"/>
+                            <a:stretch>
+                              <a:fillRect l="-13889"/>
+                            </a:stretch>
+                          </a:blipFill>
+                        </p:spPr>
+                        <p:txBody>
+                          <a:bodyPr/>
+                          <a:lstStyle/>
+                          <a:p>
+                            <a:r>
+                              <a:rPr lang="zh-CN" altLang="en-US">
+                                <a:noFill/>
+                              </a:rPr>
+                              <a:t> </a:t>
+                            </a:r>
+                          </a:p>
+                        </p:txBody>
+                      </p:sp>
+                    </mc:Fallback>
+                  </mc:AlternateContent>
+                </p:grpSp>
+                <p:grpSp>
+                  <p:nvGrpSpPr>
+                    <p:cNvPr id="58" name="组合 57"/>
+                    <p:cNvGrpSpPr/>
+                    <p:nvPr/>
+                  </p:nvGrpSpPr>
+                  <p:grpSpPr>
+                    <a:xfrm>
+                      <a:off x="1696915" y="1960685"/>
+                      <a:ext cx="1239717" cy="1213338"/>
+                      <a:chOff x="1696915" y="1960685"/>
+                      <a:chExt cx="1239717" cy="1213338"/>
+                    </a:xfrm>
+                  </p:grpSpPr>
+                  <p:grpSp>
+                    <p:nvGrpSpPr>
+                      <p:cNvPr id="59" name="组合 58"/>
+                      <p:cNvGrpSpPr/>
+                      <p:nvPr/>
+                    </p:nvGrpSpPr>
+                    <p:grpSpPr>
+                      <a:xfrm>
+                        <a:off x="1696915" y="1960685"/>
+                        <a:ext cx="1239717" cy="1213338"/>
+                        <a:chOff x="1090245" y="1397977"/>
+                        <a:chExt cx="1239717" cy="1213338"/>
+                      </a:xfrm>
+                    </p:grpSpPr>
+                    <p:cxnSp>
+                      <p:nvCxnSpPr>
+                        <p:cNvPr id="61" name="直接连接符 60"/>
+                        <p:cNvCxnSpPr/>
+                        <p:nvPr/>
+                      </p:nvCxnSpPr>
+                      <p:spPr>
+                        <a:xfrm>
+                          <a:off x="1090246" y="1397977"/>
+                          <a:ext cx="633046" cy="0"/>
+                        </a:xfrm>
+                        <a:prstGeom prst="line">
+                          <a:avLst/>
+                        </a:prstGeom>
+                        <a:ln w="19050">
+                          <a:solidFill>
+                            <a:schemeClr val="tx1"/>
+                          </a:solidFill>
+                        </a:ln>
+                      </p:spPr>
+                      <p:style>
+                        <a:lnRef idx="1">
+                          <a:schemeClr val="dk1"/>
+                        </a:lnRef>
+                        <a:fillRef idx="0">
+                          <a:schemeClr val="dk1"/>
+                        </a:fillRef>
+                        <a:effectRef idx="0">
+                          <a:schemeClr val="dk1"/>
+                        </a:effectRef>
+                        <a:fontRef idx="minor">
+                          <a:schemeClr val="tx1"/>
+                        </a:fontRef>
+                      </p:style>
+                    </p:cxnSp>
+                    <p:cxnSp>
+                      <p:nvCxnSpPr>
+                        <p:cNvPr id="62" name="直接连接符 61"/>
+                        <p:cNvCxnSpPr/>
+                        <p:nvPr/>
+                      </p:nvCxnSpPr>
+                      <p:spPr>
+                        <a:xfrm>
+                          <a:off x="1723292" y="1397977"/>
+                          <a:ext cx="597879" cy="597879"/>
+                        </a:xfrm>
+                        <a:prstGeom prst="line">
+                          <a:avLst/>
+                        </a:prstGeom>
+                        <a:ln w="19050">
+                          <a:solidFill>
+                            <a:schemeClr val="tx1"/>
+                          </a:solidFill>
+                        </a:ln>
+                      </p:spPr>
+                      <p:style>
+                        <a:lnRef idx="1">
+                          <a:schemeClr val="accent1"/>
+                        </a:lnRef>
+                        <a:fillRef idx="0">
+                          <a:schemeClr val="accent1"/>
+                        </a:fillRef>
+                        <a:effectRef idx="0">
+                          <a:schemeClr val="accent1"/>
+                        </a:effectRef>
+                        <a:fontRef idx="minor">
+                          <a:schemeClr val="tx1"/>
+                        </a:fontRef>
+                      </p:style>
+                    </p:cxnSp>
+                    <p:cxnSp>
+                      <p:nvCxnSpPr>
+                        <p:cNvPr id="63" name="直接连接符 62"/>
+                        <p:cNvCxnSpPr/>
+                        <p:nvPr/>
+                      </p:nvCxnSpPr>
+                      <p:spPr>
+                        <a:xfrm>
+                          <a:off x="1090246" y="1397977"/>
+                          <a:ext cx="0" cy="298938"/>
+                        </a:xfrm>
+                        <a:prstGeom prst="line">
+                          <a:avLst/>
+                        </a:prstGeom>
+                        <a:ln w="19050">
+                          <a:solidFill>
+                            <a:schemeClr val="tx1"/>
+                          </a:solidFill>
+                        </a:ln>
+                      </p:spPr>
+                      <p:style>
+                        <a:lnRef idx="1">
+                          <a:schemeClr val="accent1"/>
+                        </a:lnRef>
+                        <a:fillRef idx="0">
+                          <a:schemeClr val="accent1"/>
+                        </a:fillRef>
+                        <a:effectRef idx="0">
+                          <a:schemeClr val="accent1"/>
+                        </a:effectRef>
+                        <a:fontRef idx="minor">
+                          <a:schemeClr val="tx1"/>
+                        </a:fontRef>
+                      </p:style>
+                    </p:cxnSp>
+                    <p:cxnSp>
+                      <p:nvCxnSpPr>
+                        <p:cNvPr id="64" name="直接连接符 63"/>
+                        <p:cNvCxnSpPr/>
+                        <p:nvPr/>
+                      </p:nvCxnSpPr>
+                      <p:spPr>
+                        <a:xfrm>
+                          <a:off x="1090246" y="1705708"/>
+                          <a:ext cx="272561" cy="272561"/>
+                        </a:xfrm>
+                        <a:prstGeom prst="line">
+                          <a:avLst/>
+                        </a:prstGeom>
+                        <a:ln w="19050">
+                          <a:solidFill>
+                            <a:schemeClr val="tx1"/>
+                          </a:solidFill>
+                        </a:ln>
+                      </p:spPr>
+                      <p:style>
+                        <a:lnRef idx="1">
+                          <a:schemeClr val="accent1"/>
+                        </a:lnRef>
+                        <a:fillRef idx="0">
+                          <a:schemeClr val="accent1"/>
+                        </a:fillRef>
+                        <a:effectRef idx="0">
+                          <a:schemeClr val="accent1"/>
+                        </a:effectRef>
+                        <a:fontRef idx="minor">
+                          <a:schemeClr val="tx1"/>
+                        </a:fontRef>
+                      </p:style>
+                    </p:cxnSp>
+                    <p:cxnSp>
+                      <p:nvCxnSpPr>
+                        <p:cNvPr id="65" name="直接连接符 64"/>
+                        <p:cNvCxnSpPr/>
+                        <p:nvPr/>
+                      </p:nvCxnSpPr>
+                      <p:spPr>
+                        <a:xfrm flipH="1">
+                          <a:off x="1090246" y="1987062"/>
+                          <a:ext cx="272562" cy="272562"/>
+                        </a:xfrm>
+                        <a:prstGeom prst="line">
+                          <a:avLst/>
+                        </a:prstGeom>
+                        <a:ln w="19050">
+                          <a:solidFill>
+                            <a:schemeClr val="tx1"/>
+                          </a:solidFill>
+                        </a:ln>
+                      </p:spPr>
+                      <p:style>
+                        <a:lnRef idx="1">
+                          <a:schemeClr val="accent1"/>
+                        </a:lnRef>
+                        <a:fillRef idx="0">
+                          <a:schemeClr val="accent1"/>
+                        </a:fillRef>
+                        <a:effectRef idx="0">
+                          <a:schemeClr val="accent1"/>
+                        </a:effectRef>
+                        <a:fontRef idx="minor">
+                          <a:schemeClr val="tx1"/>
+                        </a:fontRef>
+                      </p:style>
+                    </p:cxnSp>
+                    <p:cxnSp>
+                      <p:nvCxnSpPr>
+                        <p:cNvPr id="66" name="直接连接符 65"/>
+                        <p:cNvCxnSpPr/>
+                        <p:nvPr/>
+                      </p:nvCxnSpPr>
+                      <p:spPr>
+                        <a:xfrm>
+                          <a:off x="1090246" y="2259624"/>
+                          <a:ext cx="0" cy="351691"/>
+                        </a:xfrm>
+                        <a:prstGeom prst="line">
+                          <a:avLst/>
+                        </a:prstGeom>
+                        <a:ln w="19050">
+                          <a:solidFill>
+                            <a:schemeClr val="tx1"/>
+                          </a:solidFill>
+                        </a:ln>
+                      </p:spPr>
+                      <p:style>
+                        <a:lnRef idx="1">
+                          <a:schemeClr val="accent1"/>
+                        </a:lnRef>
+                        <a:fillRef idx="0">
+                          <a:schemeClr val="accent1"/>
+                        </a:fillRef>
+                        <a:effectRef idx="0">
+                          <a:schemeClr val="accent1"/>
+                        </a:effectRef>
+                        <a:fontRef idx="minor">
+                          <a:schemeClr val="tx1"/>
+                        </a:fontRef>
+                      </p:style>
+                    </p:cxnSp>
+                    <p:cxnSp>
+                      <p:nvCxnSpPr>
+                        <p:cNvPr id="67" name="直接连接符 66"/>
+                        <p:cNvCxnSpPr/>
+                        <p:nvPr/>
+                      </p:nvCxnSpPr>
+                      <p:spPr>
+                        <a:xfrm flipH="1">
+                          <a:off x="1723292" y="1987062"/>
+                          <a:ext cx="606670" cy="606670"/>
+                        </a:xfrm>
+                        <a:prstGeom prst="line">
+                          <a:avLst/>
+                        </a:prstGeom>
+                        <a:ln w="19050">
+                          <a:solidFill>
+                            <a:schemeClr val="tx1"/>
+                          </a:solidFill>
+                        </a:ln>
+                      </p:spPr>
+                      <p:style>
+                        <a:lnRef idx="1">
+                          <a:schemeClr val="accent1"/>
+                        </a:lnRef>
+                        <a:fillRef idx="0">
+                          <a:schemeClr val="accent1"/>
+                        </a:fillRef>
+                        <a:effectRef idx="0">
+                          <a:schemeClr val="accent1"/>
+                        </a:effectRef>
+                        <a:fontRef idx="minor">
+                          <a:schemeClr val="tx1"/>
+                        </a:fontRef>
+                      </p:style>
+                    </p:cxnSp>
+                    <p:cxnSp>
+                      <p:nvCxnSpPr>
+                        <p:cNvPr id="68" name="直接连接符 67"/>
+                        <p:cNvCxnSpPr/>
+                        <p:nvPr/>
+                      </p:nvCxnSpPr>
+                      <p:spPr>
+                        <a:xfrm flipH="1">
+                          <a:off x="1090245" y="2611315"/>
+                          <a:ext cx="633047" cy="0"/>
+                        </a:xfrm>
+                        <a:prstGeom prst="line">
+                          <a:avLst/>
+                        </a:prstGeom>
+                        <a:ln w="19050">
+                          <a:solidFill>
+                            <a:schemeClr val="tx1"/>
+                          </a:solidFill>
+                        </a:ln>
+                      </p:spPr>
+                      <p:style>
+                        <a:lnRef idx="1">
+                          <a:schemeClr val="accent1"/>
+                        </a:lnRef>
+                        <a:fillRef idx="0">
+                          <a:schemeClr val="accent1"/>
+                        </a:fillRef>
+                        <a:effectRef idx="0">
+                          <a:schemeClr val="accent1"/>
+                        </a:effectRef>
+                        <a:fontRef idx="minor">
+                          <a:schemeClr val="tx1"/>
+                        </a:fontRef>
+                      </p:style>
+                    </p:cxnSp>
+                  </p:grpSp>
+                  <p:sp>
+                    <p:nvSpPr>
+                      <p:cNvPr id="60" name="文本框 59"/>
+                      <p:cNvSpPr txBox="1"/>
+                      <p:nvPr/>
+                    </p:nvSpPr>
+                    <p:spPr>
+                      <a:xfrm>
+                        <a:off x="1969476" y="2365105"/>
+                        <a:ext cx="835270" cy="516691"/>
+                      </a:xfrm>
+                      <a:prstGeom prst="rect">
+                        <a:avLst/>
+                      </a:prstGeom>
+                      <a:noFill/>
+                    </p:spPr>
+                    <p:txBody>
+                      <a:bodyPr wrap="square" rtlCol="0">
+                        <a:spAutoFit/>
+                      </a:bodyPr>
+                      <a:lstStyle/>
+                      <a:p>
+                        <a:r>
+                          <a:rPr lang="en-US" altLang="zh-CN" sz="1500" dirty="0"/>
+                          <a:t>+</a:t>
+                        </a:r>
+                        <a:endParaRPr lang="zh-CN" altLang="en-US" sz="1500" dirty="0"/>
+                      </a:p>
+                    </p:txBody>
+                  </p:sp>
+                </p:grpSp>
+              </p:grpSp>
+              <p:cxnSp>
+                <p:nvCxnSpPr>
+                  <p:cNvPr id="53" name="直接箭头连接符 52"/>
+                  <p:cNvCxnSpPr>
+                    <a:cxnSpLocks/>
+                  </p:cNvCxnSpPr>
+                  <p:nvPr/>
+                </p:nvCxnSpPr>
+                <p:spPr>
+                  <a:xfrm>
+                    <a:off x="4800599" y="2980592"/>
+                    <a:ext cx="3894559" cy="0"/>
+                  </a:xfrm>
+                  <a:prstGeom prst="straightConnector1">
+                    <a:avLst/>
+                  </a:prstGeom>
+                  <a:ln w="19050">
+                    <a:solidFill>
+                      <a:schemeClr val="tx1">
+                        <a:lumMod val="95000"/>
+                        <a:lumOff val="5000"/>
+                      </a:schemeClr>
+                    </a:solidFill>
+                    <a:tailEnd type="triangle"/>
+                  </a:ln>
+                </p:spPr>
+                <p:style>
+                  <a:lnRef idx="1">
+                    <a:schemeClr val="accent1"/>
+                  </a:lnRef>
+                  <a:fillRef idx="0">
+                    <a:schemeClr val="accent1"/>
+                  </a:fillRef>
+                  <a:effectRef idx="0">
+                    <a:schemeClr val="accent1"/>
+                  </a:effectRef>
+                  <a:fontRef idx="minor">
+                    <a:schemeClr val="tx1"/>
+                  </a:fontRef>
+                </p:style>
+              </p:cxnSp>
+            </p:grpSp>
+          </p:grpSp>
+          <p:grpSp>
+            <p:nvGrpSpPr>
+              <p:cNvPr id="45" name="组合 44"/>
+              <p:cNvGrpSpPr/>
+              <p:nvPr/>
+            </p:nvGrpSpPr>
+            <p:grpSpPr>
+              <a:xfrm>
+                <a:off x="6616211" y="3429000"/>
+                <a:ext cx="791307" cy="1357505"/>
+                <a:chOff x="6616211" y="3429000"/>
+                <a:chExt cx="791307" cy="1357505"/>
+              </a:xfrm>
+            </p:grpSpPr>
+            <p:grpSp>
+              <p:nvGrpSpPr>
+                <p:cNvPr id="46" name="组合 45"/>
+                <p:cNvGrpSpPr/>
+                <p:nvPr/>
+              </p:nvGrpSpPr>
+              <p:grpSpPr>
+                <a:xfrm>
+                  <a:off x="6981092" y="3429000"/>
+                  <a:ext cx="334107" cy="825716"/>
+                  <a:chOff x="6981092" y="3429000"/>
+                  <a:chExt cx="334107" cy="825716"/>
+                </a:xfrm>
+              </p:grpSpPr>
+              <p:cxnSp>
+                <p:nvCxnSpPr>
+                  <p:cNvPr id="48" name="直接箭头连接符 47"/>
+                  <p:cNvCxnSpPr/>
+                  <p:nvPr/>
+                </p:nvCxnSpPr>
+                <p:spPr>
+                  <a:xfrm>
+                    <a:off x="6981092" y="3429000"/>
+                    <a:ext cx="334107" cy="0"/>
+                  </a:xfrm>
+                  <a:prstGeom prst="straightConnector1">
+                    <a:avLst/>
+                  </a:prstGeom>
+                  <a:ln w="19050">
+                    <a:solidFill>
+                      <a:schemeClr val="tx1">
+                        <a:lumMod val="95000"/>
+                        <a:lumOff val="5000"/>
+                      </a:schemeClr>
+                    </a:solidFill>
+                    <a:tailEnd type="triangle"/>
+                  </a:ln>
+                </p:spPr>
+                <p:style>
+                  <a:lnRef idx="1">
+                    <a:schemeClr val="accent1"/>
+                  </a:lnRef>
+                  <a:fillRef idx="0">
+                    <a:schemeClr val="accent1"/>
+                  </a:fillRef>
+                  <a:effectRef idx="0">
+                    <a:schemeClr val="accent1"/>
+                  </a:effectRef>
+                  <a:fontRef idx="minor">
+                    <a:schemeClr val="tx1"/>
+                  </a:fontRef>
+                </p:style>
+              </p:cxnSp>
+              <p:cxnSp>
+                <p:nvCxnSpPr>
+                  <p:cNvPr id="49" name="直接连接符 48"/>
+                  <p:cNvCxnSpPr/>
+                  <p:nvPr/>
+                </p:nvCxnSpPr>
+                <p:spPr>
+                  <a:xfrm>
+                    <a:off x="6981092" y="3437792"/>
+                    <a:ext cx="0" cy="816924"/>
+                  </a:xfrm>
+                  <a:prstGeom prst="line">
+                    <a:avLst/>
+                  </a:prstGeom>
+                  <a:ln w="19050">
+                    <a:solidFill>
+                      <a:schemeClr val="tx1">
+                        <a:lumMod val="95000"/>
+                        <a:lumOff val="5000"/>
+                      </a:schemeClr>
+                    </a:solidFill>
+                  </a:ln>
+                </p:spPr>
+                <p:style>
+                  <a:lnRef idx="1">
+                    <a:schemeClr val="accent1"/>
+                  </a:lnRef>
+                  <a:fillRef idx="0">
+                    <a:schemeClr val="accent1"/>
+                  </a:fillRef>
+                  <a:effectRef idx="0">
+                    <a:schemeClr val="accent1"/>
+                  </a:effectRef>
+                  <a:fontRef idx="minor">
+                    <a:schemeClr val="tx1"/>
+                  </a:fontRef>
+                </p:style>
+              </p:cxnSp>
+            </p:grpSp>
+            <p:sp>
+              <p:nvSpPr>
+                <p:cNvPr id="47" name="文本框 46"/>
+                <p:cNvSpPr txBox="1"/>
+                <p:nvPr/>
+              </p:nvSpPr>
+              <p:spPr>
+                <a:xfrm>
+                  <a:off x="6616211" y="4254716"/>
+                  <a:ext cx="791307" cy="531789"/>
+                </a:xfrm>
+                <a:prstGeom prst="rect">
+                  <a:avLst/>
+                </a:prstGeom>
+                <a:noFill/>
+              </p:spPr>
+              <p:txBody>
+                <a:bodyPr wrap="square" rtlCol="0">
+                  <a:spAutoFit/>
+                </a:bodyPr>
+                <a:lstStyle/>
+                <a:p>
+                  <a:pPr algn="ctr"/>
+                  <a:r>
+                    <a:rPr lang="en-US" altLang="zh-CN" sz="1500" dirty="0" err="1"/>
+                    <a:t>init</a:t>
+                  </a:r>
+                  <a:endParaRPr lang="zh-CN" altLang="en-US" sz="1500" dirty="0"/>
+                </a:p>
+              </p:txBody>
+            </p:sp>
+          </p:grpSp>
+        </p:grpSp>
+        <p:sp>
+          <p:nvSpPr>
+            <p:cNvPr id="43" name="文本框 42"/>
+            <p:cNvSpPr txBox="1"/>
+            <p:nvPr/>
+          </p:nvSpPr>
           <p:spPr>
             <a:xfrm>
-              <a:off x="1085993" y="1966034"/>
-              <a:ext cx="6057758" cy="1435652"/>
+              <a:off x="8117999" y="3226210"/>
+              <a:ext cx="1302480" cy="580100"/>
+            </a:xfrm>
+            <a:prstGeom prst="rect">
+              <a:avLst/>
+            </a:prstGeom>
+            <a:noFill/>
+          </p:spPr>
+          <p:txBody>
+            <a:bodyPr wrap="square" rtlCol="0">
+              <a:spAutoFit/>
+            </a:bodyPr>
+            <a:lstStyle/>
+            <a:p>
+              <a:pPr algn="ctr"/>
+              <a:r>
+                <a:rPr lang="en-US" altLang="zh-CN" sz="1500" dirty="0"/>
+                <a:t>phase</a:t>
+              </a:r>
+              <a:endParaRPr lang="zh-CN" altLang="en-US" sz="1500" dirty="0"/>
+            </a:p>
+          </p:txBody>
+        </p:sp>
+      </p:grpSp>
+      <p:sp>
+        <p:nvSpPr>
+          <p:cNvPr id="87" name="文本框 86"/>
+          <p:cNvSpPr txBox="1"/>
+          <p:nvPr/>
+        </p:nvSpPr>
+        <p:spPr>
+          <a:xfrm>
+            <a:off x="2910840" y="3487129"/>
+            <a:ext cx="1157177" cy="323165"/>
+          </a:xfrm>
+          <a:prstGeom prst="rect">
+            <a:avLst/>
+          </a:prstGeom>
+          <a:noFill/>
+        </p:spPr>
+        <p:txBody>
+          <a:bodyPr wrap="square" rtlCol="0">
+            <a:spAutoFit/>
+          </a:bodyPr>
+          <a:lstStyle/>
+          <a:p>
+            <a:pPr algn="ctr"/>
+            <a:r>
+              <a:rPr lang="en-US" altLang="zh-CN" sz="1500" dirty="0"/>
+              <a:t>k+1~n bits</a:t>
+            </a:r>
+            <a:endParaRPr lang="zh-CN" altLang="en-US" sz="1500" dirty="0"/>
+          </a:p>
+        </p:txBody>
+      </p:sp>
+      <p:grpSp>
+        <p:nvGrpSpPr>
+          <p:cNvPr id="98" name="组合 97"/>
+          <p:cNvGrpSpPr/>
+          <p:nvPr/>
+        </p:nvGrpSpPr>
+        <p:grpSpPr>
+          <a:xfrm>
+            <a:off x="3572467" y="2074865"/>
+            <a:ext cx="4116917" cy="1748991"/>
+            <a:chOff x="3157801" y="2074865"/>
+            <a:chExt cx="4116917" cy="1748991"/>
+          </a:xfrm>
+        </p:grpSpPr>
+        <p:sp>
+          <p:nvSpPr>
+            <p:cNvPr id="78" name="矩形 77"/>
+            <p:cNvSpPr/>
+            <p:nvPr/>
+          </p:nvSpPr>
+          <p:spPr>
+            <a:xfrm>
+              <a:off x="3999219" y="2074865"/>
+              <a:ext cx="964928" cy="675933"/>
             </a:xfrm>
             <a:prstGeom prst="rect">
               <a:avLst/>
             </a:prstGeom>
           </p:spPr>
-        </p:pic>
-        <p:cxnSp>
-          <p:nvCxnSpPr>
-            <p:cNvPr id="9" name="直接箭头连接符 8"/>
-            <p:cNvCxnSpPr>
-              <a:endCxn id="12" idx="0"/>
-            </p:cNvCxnSpPr>
+          <p:style>
+            <a:lnRef idx="2">
+              <a:schemeClr val="accent4"/>
+            </a:lnRef>
+            <a:fillRef idx="1">
+              <a:schemeClr val="lt1"/>
+            </a:fillRef>
+            <a:effectRef idx="0">
+              <a:schemeClr val="accent4"/>
+            </a:effectRef>
+            <a:fontRef idx="minor">
+              <a:schemeClr val="dk1"/>
+            </a:fontRef>
+          </p:style>
+          <p:txBody>
+            <a:bodyPr rtlCol="0" anchor="ctr"/>
+            <a:lstStyle/>
+            <a:p>
+              <a:pPr algn="ctr"/>
+              <a:r>
+                <a:rPr lang="en-US" altLang="zh-CN" sz="1500" dirty="0"/>
+                <a:t>Coarse Rom </a:t>
+              </a:r>
+            </a:p>
+          </p:txBody>
+        </p:sp>
+        <p:grpSp>
+          <p:nvGrpSpPr>
+            <p:cNvPr id="85" name="组合 84"/>
+            <p:cNvGrpSpPr/>
             <p:nvPr/>
-          </p:nvCxnSpPr>
+          </p:nvGrpSpPr>
+          <p:grpSpPr>
+            <a:xfrm>
+              <a:off x="3293072" y="2410366"/>
+              <a:ext cx="662498" cy="1069433"/>
+              <a:chOff x="2893502" y="2410367"/>
+              <a:chExt cx="426131" cy="723358"/>
+            </a:xfrm>
+          </p:grpSpPr>
+          <p:cxnSp>
+            <p:nvCxnSpPr>
+              <p:cNvPr id="81" name="直接箭头连接符 80"/>
+              <p:cNvCxnSpPr>
+                <a:cxnSpLocks/>
+              </p:cNvCxnSpPr>
+              <p:nvPr/>
+            </p:nvCxnSpPr>
+            <p:spPr>
+              <a:xfrm>
+                <a:off x="2893502" y="3133725"/>
+                <a:ext cx="426131" cy="0"/>
+              </a:xfrm>
+              <a:prstGeom prst="straightConnector1">
+                <a:avLst/>
+              </a:prstGeom>
+              <a:ln w="19050">
+                <a:solidFill>
+                  <a:schemeClr val="tx1">
+                    <a:lumMod val="95000"/>
+                    <a:lumOff val="5000"/>
+                  </a:schemeClr>
+                </a:solidFill>
+                <a:tailEnd type="triangle"/>
+              </a:ln>
+            </p:spPr>
+            <p:style>
+              <a:lnRef idx="1">
+                <a:schemeClr val="accent1"/>
+              </a:lnRef>
+              <a:fillRef idx="0">
+                <a:schemeClr val="accent1"/>
+              </a:fillRef>
+              <a:effectRef idx="0">
+                <a:schemeClr val="accent1"/>
+              </a:effectRef>
+              <a:fontRef idx="minor">
+                <a:schemeClr val="tx1"/>
+              </a:fontRef>
+            </p:style>
+          </p:cxnSp>
+          <p:cxnSp>
+            <p:nvCxnSpPr>
+              <p:cNvPr id="82" name="直接连接符 81"/>
+              <p:cNvCxnSpPr>
+                <a:cxnSpLocks/>
+              </p:cNvCxnSpPr>
+              <p:nvPr/>
+            </p:nvCxnSpPr>
+            <p:spPr>
+              <a:xfrm flipV="1">
+                <a:off x="2893502" y="2410367"/>
+                <a:ext cx="0" cy="723358"/>
+              </a:xfrm>
+              <a:prstGeom prst="line">
+                <a:avLst/>
+              </a:prstGeom>
+              <a:ln w="19050">
+                <a:solidFill>
+                  <a:schemeClr val="tx1">
+                    <a:lumMod val="95000"/>
+                    <a:lumOff val="5000"/>
+                  </a:schemeClr>
+                </a:solidFill>
+              </a:ln>
+            </p:spPr>
+            <p:style>
+              <a:lnRef idx="1">
+                <a:schemeClr val="accent1"/>
+              </a:lnRef>
+              <a:fillRef idx="0">
+                <a:schemeClr val="accent1"/>
+              </a:fillRef>
+              <a:effectRef idx="0">
+                <a:schemeClr val="accent1"/>
+              </a:effectRef>
+              <a:fontRef idx="minor">
+                <a:schemeClr val="tx1"/>
+              </a:fontRef>
+            </p:style>
+          </p:cxnSp>
+        </p:grpSp>
+        <p:sp>
+          <p:nvSpPr>
+            <p:cNvPr id="86" name="文本框 85"/>
+            <p:cNvSpPr txBox="1"/>
+            <p:nvPr/>
+          </p:nvSpPr>
           <p:spPr>
-            <a:xfrm flipH="1">
-              <a:off x="1234440" y="3397595"/>
-              <a:ext cx="2443942" cy="374231"/>
+            <a:xfrm>
+              <a:off x="3157801" y="2079768"/>
+              <a:ext cx="976690" cy="323165"/>
             </a:xfrm>
-            <a:prstGeom prst="straightConnector1">
+            <a:prstGeom prst="rect">
               <a:avLst/>
             </a:prstGeom>
-            <a:ln w="28575">
-              <a:solidFill>
-                <a:schemeClr val="tx1"/>
-              </a:solidFill>
-              <a:tailEnd type="triangle"/>
-            </a:ln>
+            <a:noFill/>
           </p:spPr>
-          <p:style>
-            <a:lnRef idx="1">
-              <a:schemeClr val="accent1"/>
-            </a:lnRef>
-            <a:fillRef idx="0">
-              <a:schemeClr val="accent1"/>
-            </a:fillRef>
-            <a:effectRef idx="0">
-              <a:schemeClr val="accent1"/>
-            </a:effectRef>
-            <a:fontRef idx="minor">
-              <a:schemeClr val="tx1"/>
-            </a:fontRef>
-          </p:style>
-        </p:cxnSp>
+          <p:txBody>
+            <a:bodyPr wrap="square" rtlCol="0">
+              <a:spAutoFit/>
+            </a:bodyPr>
+            <a:lstStyle/>
+            <a:p>
+              <a:pPr algn="ctr"/>
+              <a:r>
+                <a:rPr lang="en-US" altLang="zh-CN" sz="1500" dirty="0"/>
+                <a:t>0~k bits</a:t>
+              </a:r>
+              <a:endParaRPr lang="zh-CN" altLang="en-US" sz="1500" dirty="0"/>
+            </a:p>
+          </p:txBody>
+        </p:sp>
         <p:sp>
           <p:nvSpPr>
-            <p:cNvPr id="12" name="矩形 11"/>
+            <p:cNvPr id="88" name="矩形 87"/>
             <p:cNvSpPr/>
             <p:nvPr/>
           </p:nvSpPr>
           <p:spPr>
             <a:xfrm>
-              <a:off x="251460" y="3771826"/>
-              <a:ext cx="1965960" cy="1051661"/>
+              <a:off x="3999218" y="3147923"/>
+              <a:ext cx="964929" cy="675933"/>
             </a:xfrm>
             <a:prstGeom prst="rect">
               <a:avLst/>
             </a:prstGeom>
-            <a:solidFill>
-              <a:srgbClr val="00B0F0"/>
-            </a:solidFill>
-            <a:ln w="19050">
-              <a:solidFill>
-                <a:schemeClr val="tx2"/>
-              </a:solidFill>
-            </a:ln>
           </p:spPr>
           <p:style>
             <a:lnRef idx="2">
-              <a:schemeClr val="accent1">
+              <a:schemeClr val="accent4"/>
+            </a:lnRef>
+            <a:fillRef idx="1">
+              <a:schemeClr val="lt1"/>
+            </a:fillRef>
+            <a:effectRef idx="0">
+              <a:schemeClr val="accent4"/>
+            </a:effectRef>
+            <a:fontRef idx="minor">
+              <a:schemeClr val="dk1"/>
+            </a:fontRef>
+          </p:style>
+          <p:txBody>
+            <a:bodyPr rtlCol="0" anchor="ctr"/>
+            <a:lstStyle/>
+            <a:p>
+              <a:pPr algn="ctr"/>
+              <a:r>
+                <a:rPr lang="en-US" altLang="zh-CN" sz="1500" dirty="0"/>
+                <a:t>CORDIC</a:t>
+              </a:r>
+            </a:p>
+          </p:txBody>
+        </p:sp>
+        <p:sp>
+          <p:nvSpPr>
+            <p:cNvPr id="91" name="箭头: 直角上 90"/>
+            <p:cNvSpPr/>
+            <p:nvPr/>
+          </p:nvSpPr>
+          <p:spPr>
+            <a:xfrm flipV="1">
+              <a:off x="4975909" y="2358938"/>
+              <a:ext cx="894043" cy="260036"/>
+            </a:xfrm>
+            <a:prstGeom prst="bentUpArrow">
+              <a:avLst>
+                <a:gd name="adj1" fmla="val 8394"/>
+                <a:gd name="adj2" fmla="val 17233"/>
+                <a:gd name="adj3" fmla="val 28585"/>
+              </a:avLst>
+            </a:prstGeom>
+          </p:spPr>
+          <p:style>
+            <a:lnRef idx="2">
+              <a:schemeClr val="dk1">
                 <a:shade val="50000"/>
               </a:schemeClr>
             </a:lnRef>
             <a:fillRef idx="1">
-              <a:schemeClr val="accent1"/>
+              <a:schemeClr val="dk1"/>
             </a:fillRef>
             <a:effectRef idx="0">
-              <a:schemeClr val="accent1"/>
+              <a:schemeClr val="dk1"/>
             </a:effectRef>
             <a:fontRef idx="minor">
               <a:schemeClr val="lt1"/>
@@ -13634,91 +16353,41 @@
             <a:bodyPr rtlCol="0" anchor="ctr"/>
             <a:lstStyle/>
             <a:p>
-              <a:pPr algn="ctr">
-                <a:spcAft>
-                  <a:spcPts val="600"/>
-                </a:spcAft>
-              </a:pPr>
-              <a:r>
-                <a:rPr lang="zh-CN" altLang="en-US" b="1" dirty="0">
-                  <a:solidFill>
-                    <a:schemeClr val="tx1"/>
-                  </a:solidFill>
-                </a:rPr>
-                <a:t>压缩法：</a:t>
-              </a:r>
-              <a:endParaRPr lang="en-US" altLang="zh-CN" b="1" dirty="0">
-                <a:solidFill>
-                  <a:schemeClr val="tx1"/>
-                </a:solidFill>
-              </a:endParaRPr>
-            </a:p>
-            <a:p>
               <a:pPr algn="ctr"/>
-              <a:r>
-                <a:rPr lang="zh-CN" altLang="en-US" sz="1600" dirty="0">
-                  <a:solidFill>
-                    <a:schemeClr val="tx1"/>
-                  </a:solidFill>
-                </a:rPr>
-                <a:t>优点：电路改动小</a:t>
-              </a:r>
-              <a:endParaRPr lang="en-US" altLang="zh-CN" sz="1600" dirty="0">
-                <a:solidFill>
-                  <a:schemeClr val="tx1"/>
-                </a:solidFill>
-              </a:endParaRPr>
-            </a:p>
-            <a:p>
-              <a:pPr algn="ctr"/>
-              <a:r>
-                <a:rPr lang="zh-CN" altLang="en-US" sz="1600" dirty="0">
-                  <a:solidFill>
-                    <a:schemeClr val="tx1"/>
-                  </a:solidFill>
-                </a:rPr>
-                <a:t>缺点：提升空间小</a:t>
-              </a:r>
+              <a:endParaRPr lang="zh-CN" altLang="en-US"/>
             </a:p>
           </p:txBody>
         </p:sp>
         <p:sp>
           <p:nvSpPr>
-            <p:cNvPr id="14" name="矩形 13"/>
+            <p:cNvPr id="92" name="箭头: 直角上 91"/>
             <p:cNvSpPr/>
             <p:nvPr/>
           </p:nvSpPr>
           <p:spPr>
             <a:xfrm>
-              <a:off x="2499360" y="3767735"/>
-              <a:ext cx="3272790" cy="1051661"/>
+              <a:off x="4964147" y="3231583"/>
+              <a:ext cx="894043" cy="255546"/>
             </a:xfrm>
-            <a:prstGeom prst="rect">
-              <a:avLst/>
+            <a:prstGeom prst="bentUpArrow">
+              <a:avLst>
+                <a:gd name="adj1" fmla="val 8394"/>
+                <a:gd name="adj2" fmla="val 17233"/>
+                <a:gd name="adj3" fmla="val 28585"/>
+              </a:avLst>
             </a:prstGeom>
-            <a:solidFill>
-              <a:srgbClr val="92D050">
-                <a:tint val="66000"/>
-                <a:satMod val="160000"/>
-              </a:srgbClr>
-            </a:solidFill>
-            <a:ln w="19050">
-              <a:solidFill>
-                <a:schemeClr val="tx2"/>
-              </a:solidFill>
-            </a:ln>
           </p:spPr>
           <p:style>
             <a:lnRef idx="2">
-              <a:schemeClr val="accent1">
+              <a:schemeClr val="dk1">
                 <a:shade val="50000"/>
               </a:schemeClr>
             </a:lnRef>
             <a:fillRef idx="1">
-              <a:schemeClr val="accent1"/>
+              <a:schemeClr val="dk1"/>
             </a:fillRef>
             <a:effectRef idx="0">
-              <a:schemeClr val="accent1"/>
+              <a:schemeClr val="dk1"/>
             </a:effectRef>
             <a:fontRef idx="minor">
               <a:schemeClr val="lt1"/>
@@ -13728,72 +16397,26 @@
             <a:bodyPr rtlCol="0" anchor="ctr"/>
             <a:lstStyle/>
             <a:p>
-              <a:pPr algn="ctr">
-                <a:spcAft>
-                  <a:spcPts val="600"/>
-                </a:spcAft>
-              </a:pPr>
-              <a:r>
-                <a:rPr lang="zh-CN" altLang="en-US" b="1" dirty="0">
-                  <a:solidFill>
-                    <a:schemeClr val="tx1"/>
-                  </a:solidFill>
-                </a:rPr>
-                <a:t>矩阵旋转法：</a:t>
-              </a:r>
-              <a:endParaRPr lang="en-US" altLang="zh-CN" b="1" dirty="0">
-                <a:solidFill>
-                  <a:schemeClr val="tx1"/>
-                </a:solidFill>
-              </a:endParaRPr>
-            </a:p>
-            <a:p>
               <a:pPr algn="ctr"/>
-              <a:r>
-                <a:rPr lang="zh-CN" altLang="en-US" sz="1600" dirty="0">
-                  <a:solidFill>
-                    <a:schemeClr val="tx1"/>
-                  </a:solidFill>
-                </a:rPr>
-                <a:t>优点：不需要存储器，杂散性能好</a:t>
-              </a:r>
-              <a:endParaRPr lang="en-US" altLang="zh-CN" sz="1600" dirty="0">
-                <a:solidFill>
-                  <a:schemeClr val="tx1"/>
-                </a:solidFill>
-              </a:endParaRPr>
-            </a:p>
-            <a:p>
-              <a:pPr algn="ctr"/>
-              <a:r>
-                <a:rPr lang="zh-CN" altLang="en-US" sz="1600" dirty="0">
-                  <a:solidFill>
-                    <a:schemeClr val="tx1"/>
-                  </a:solidFill>
-                </a:rPr>
-                <a:t>缺点：占用资源过多，切换延时大</a:t>
-              </a:r>
+              <a:endParaRPr lang="zh-CN" altLang="en-US"/>
             </a:p>
           </p:txBody>
         </p:sp>
         <p:sp>
           <p:nvSpPr>
-            <p:cNvPr id="15" name="矩形 14"/>
+            <p:cNvPr id="93" name="椭圆 92"/>
             <p:cNvSpPr/>
             <p:nvPr/>
           </p:nvSpPr>
           <p:spPr>
             <a:xfrm>
-              <a:off x="6054089" y="3767735"/>
-              <a:ext cx="2781157" cy="1051661"/>
+              <a:off x="5555636" y="2662064"/>
+              <a:ext cx="526430" cy="526430"/>
             </a:xfrm>
-            <a:prstGeom prst="rect">
+            <a:prstGeom prst="ellipse">
               <a:avLst/>
             </a:prstGeom>
-            <a:solidFill>
-              <a:srgbClr val="FF9C85"/>
-            </a:solidFill>
-            <a:ln w="19050">
+            <a:ln>
               <a:solidFill>
                 <a:schemeClr val="tx2"/>
               </a:solidFill>
@@ -13801,15 +16424,15 @@
           </p:spPr>
           <p:style>
             <a:lnRef idx="2">
-              <a:schemeClr val="accent1">
+              <a:schemeClr val="accent3">
                 <a:shade val="50000"/>
               </a:schemeClr>
             </a:lnRef>
             <a:fillRef idx="1">
-              <a:schemeClr val="accent1"/>
+              <a:schemeClr val="accent3"/>
             </a:fillRef>
             <a:effectRef idx="0">
-              <a:schemeClr val="accent1"/>
+              <a:schemeClr val="accent3"/>
             </a:effectRef>
             <a:fontRef idx="minor">
               <a:schemeClr val="lt1"/>
@@ -13819,144 +16442,40 @@
             <a:bodyPr rtlCol="0" anchor="ctr"/>
             <a:lstStyle/>
             <a:p>
-              <a:pPr algn="ctr">
-                <a:spcAft>
-                  <a:spcPts val="600"/>
-                </a:spcAft>
-              </a:pPr>
+              <a:pPr algn="ctr"/>
               <a:r>
-                <a:rPr lang="zh-CN" altLang="en-US" b="1" dirty="0">
+                <a:rPr lang="zh-CN" altLang="en-US" sz="1500" dirty="0">
                   <a:solidFill>
                     <a:schemeClr val="tx1"/>
                   </a:solidFill>
                 </a:rPr>
-                <a:t>非线性</a:t>
-              </a:r>
-              <a:r>
-                <a:rPr lang="en-US" altLang="zh-CN" b="1" dirty="0">
-                  <a:solidFill>
-                    <a:schemeClr val="tx1"/>
-                  </a:solidFill>
-                </a:rPr>
-                <a:t>DAC</a:t>
-              </a:r>
-              <a:r>
-                <a:rPr lang="zh-CN" altLang="en-US" b="1" dirty="0">
-                  <a:solidFill>
-                    <a:schemeClr val="tx1"/>
-                  </a:solidFill>
-                </a:rPr>
-                <a:t>：</a:t>
-              </a:r>
-              <a:endParaRPr lang="en-US" altLang="zh-CN" b="1" dirty="0">
-                <a:solidFill>
-                  <a:schemeClr val="tx1"/>
-                </a:solidFill>
-              </a:endParaRPr>
-            </a:p>
-            <a:p>
-              <a:pPr algn="ctr"/>
-              <a:r>
-                <a:rPr lang="zh-CN" altLang="en-US" sz="1600" dirty="0">
-                  <a:solidFill>
-                    <a:schemeClr val="tx1"/>
-                  </a:solidFill>
-                </a:rPr>
-                <a:t>优点：速度比传统结构更快</a:t>
-              </a:r>
-              <a:endParaRPr lang="en-US" altLang="zh-CN" sz="1600" dirty="0">
-                <a:solidFill>
-                  <a:schemeClr val="tx1"/>
-                </a:solidFill>
-              </a:endParaRPr>
-            </a:p>
-            <a:p>
-              <a:pPr algn="ctr"/>
-              <a:r>
-                <a:rPr lang="zh-CN" altLang="en-US" sz="1600" dirty="0">
-                  <a:solidFill>
-                    <a:schemeClr val="tx1"/>
-                  </a:solidFill>
-                </a:rPr>
-                <a:t>缺点：增加了</a:t>
-              </a:r>
-              <a:r>
-                <a:rPr lang="en-US" altLang="zh-CN" sz="1600" dirty="0">
-                  <a:solidFill>
-                    <a:schemeClr val="tx1"/>
-                  </a:solidFill>
-                </a:rPr>
-                <a:t>DAC</a:t>
-              </a:r>
-              <a:r>
-                <a:rPr lang="zh-CN" altLang="en-US" sz="1600" dirty="0">
-                  <a:solidFill>
-                    <a:schemeClr val="tx1"/>
-                  </a:solidFill>
-                </a:rPr>
-                <a:t>的复杂度</a:t>
+                <a:t>结合</a:t>
               </a:r>
             </a:p>
           </p:txBody>
         </p:sp>
         <p:cxnSp>
           <p:nvCxnSpPr>
-            <p:cNvPr id="17" name="直接箭头连接符 16"/>
-            <p:cNvCxnSpPr>
-              <a:endCxn id="14" idx="0"/>
-            </p:cNvCxnSpPr>
-            <p:nvPr/>
-          </p:nvCxnSpPr>
-          <p:spPr>
-            <a:xfrm flipH="1">
-              <a:off x="4135755" y="3397595"/>
-              <a:ext cx="573406" cy="370140"/>
-            </a:xfrm>
-            <a:prstGeom prst="straightConnector1">
-              <a:avLst/>
-            </a:prstGeom>
-            <a:ln w="28575">
-              <a:solidFill>
-                <a:schemeClr val="tx1"/>
-              </a:solidFill>
-              <a:tailEnd type="triangle"/>
-            </a:ln>
-          </p:spPr>
-          <p:style>
-            <a:lnRef idx="1">
-              <a:schemeClr val="accent1"/>
-            </a:lnRef>
-            <a:fillRef idx="0">
-              <a:schemeClr val="accent1"/>
-            </a:fillRef>
-            <a:effectRef idx="0">
-              <a:schemeClr val="accent1"/>
-            </a:effectRef>
-            <a:fontRef idx="minor">
-              <a:schemeClr val="tx1"/>
-            </a:fontRef>
-          </p:style>
-        </p:cxnSp>
-        <p:cxnSp>
-          <p:nvCxnSpPr>
-            <p:cNvPr id="21" name="直接箭头连接符 20"/>
+            <p:cNvPr id="94" name="直接箭头连接符 93"/>
             <p:cNvCxnSpPr>
               <a:cxnSpLocks/>
-              <a:endCxn id="15" idx="0"/>
             </p:cNvCxnSpPr>
             <p:nvPr/>
           </p:nvCxnSpPr>
           <p:spPr>
             <a:xfrm>
-              <a:off x="6248400" y="3397595"/>
-              <a:ext cx="1196268" cy="370140"/>
+              <a:off x="6082066" y="2929645"/>
+              <a:ext cx="1192652" cy="0"/>
             </a:xfrm>
             <a:prstGeom prst="straightConnector1">
               <a:avLst/>
             </a:prstGeom>
-            <a:ln w="28575">
+            <a:ln w="19050">
               <a:solidFill>
-                <a:schemeClr val="tx1"/>
+                <a:schemeClr val="tx1">
+                  <a:lumMod val="95000"/>
+                  <a:lumOff val="5000"/>
+                </a:schemeClr>
               </a:solidFill>
               <a:tailEnd type="triangle"/>
             </a:ln>
@@ -13977,10 +16496,58 @@
           </p:style>
         </p:cxnSp>
       </p:grpSp>
+      <p:pic>
+        <p:nvPicPr>
+          <p:cNvPr id="97" name="图片 96"/>
+          <p:cNvPicPr>
+            <a:picLocks noChangeAspect="1"/>
+          </p:cNvPicPr>
+          <p:nvPr/>
+        </p:nvPicPr>
+        <p:blipFill>
+          <a:blip r:embed="rId3"/>
+          <a:stretch>
+            <a:fillRect/>
+          </a:stretch>
+        </p:blipFill>
+        <p:spPr>
+          <a:xfrm>
+            <a:off x="6727359" y="2148096"/>
+            <a:ext cx="962025" cy="714375"/>
+          </a:xfrm>
+          <a:prstGeom prst="rect">
+            <a:avLst/>
+          </a:prstGeom>
+        </p:spPr>
+      </p:pic>
+      <p:pic>
+        <p:nvPicPr>
+          <p:cNvPr id="102" name="图片 101"/>
+          <p:cNvPicPr>
+            <a:picLocks noChangeAspect="1"/>
+          </p:cNvPicPr>
+          <p:nvPr/>
+        </p:nvPicPr>
+        <p:blipFill>
+          <a:blip r:embed="rId4"/>
+          <a:stretch>
+            <a:fillRect/>
+          </a:stretch>
+        </p:blipFill>
+        <p:spPr>
+          <a:xfrm>
+            <a:off x="2466554" y="1633363"/>
+            <a:ext cx="990600" cy="752475"/>
+          </a:xfrm>
+          <a:prstGeom prst="rect">
+            <a:avLst/>
+          </a:prstGeom>
+        </p:spPr>
+      </p:pic>
     </p:spTree>
     <p:extLst>
       <p:ext uri="{BB962C8B-B14F-4D97-AF65-F5344CB8AC3E}">
-        <p14:creationId xmlns:p14="http://schemas.microsoft.com/office/powerpoint/2010/main" val="1730840355"/>
+        <p14:creationId xmlns:p14="http://schemas.microsoft.com/office/powerpoint/2010/main" val="453158809"/>
       </p:ext>
     </p:extLst>
   </p:cSld>
@@ -13990,7 +16557,574 @@
 </p:sld>
 </file>
 
-<file path=ppt/slides/slide11.xml><?xml version="1.0" encoding="utf-8"?>
+<file path=ppt/slides/slide13.xml><?xml version="1.0" encoding="utf-8"?>
+<p:sld xmlns:a="http://schemas.openxmlformats.org/drawingml/2006/main" xmlns:r="http://schemas.openxmlformats.org/officeDocument/2006/relationships" xmlns:p="http://schemas.openxmlformats.org/presentationml/2006/main">
+  <p:cSld>
+    <p:spTree>
+      <p:nvGrpSpPr>
+        <p:cNvPr id="1" name=""/>
+        <p:cNvGrpSpPr/>
+        <p:nvPr/>
+      </p:nvGrpSpPr>
+      <p:grpSpPr>
+        <a:xfrm>
+          <a:off x="0" y="0"/>
+          <a:ext cx="0" cy="0"/>
+          <a:chOff x="0" y="0"/>
+          <a:chExt cx="0" cy="0"/>
+        </a:xfrm>
+      </p:grpSpPr>
+      <p:sp>
+        <p:nvSpPr>
+          <p:cNvPr id="2" name="标题 1"/>
+          <p:cNvSpPr>
+            <a:spLocks noGrp="1"/>
+          </p:cNvSpPr>
+          <p:nvPr>
+            <p:ph type="title"/>
+          </p:nvPr>
+        </p:nvSpPr>
+        <p:spPr/>
+        <p:txBody>
+          <a:bodyPr/>
+          <a:lstStyle/>
+          <a:p>
+            <a:r>
+              <a:rPr lang="zh-CN" altLang="en-US" sz="3600" dirty="0"/>
+              <a:t>资源配置系统 </a:t>
+            </a:r>
+            <a:r>
+              <a:rPr lang="en-US" altLang="zh-CN" sz="3600" dirty="0"/>
+              <a:t>&amp; dither </a:t>
+            </a:r>
+            <a:r>
+              <a:rPr lang="zh-CN" altLang="en-US" sz="3600" dirty="0"/>
+              <a:t>技术</a:t>
+            </a:r>
+          </a:p>
+        </p:txBody>
+      </p:sp>
+      <p:sp>
+        <p:nvSpPr>
+          <p:cNvPr id="3" name="内容占位符 2"/>
+          <p:cNvSpPr>
+            <a:spLocks noGrp="1"/>
+          </p:cNvSpPr>
+          <p:nvPr>
+            <p:ph idx="1"/>
+          </p:nvPr>
+        </p:nvSpPr>
+        <p:spPr/>
+        <p:txBody>
+          <a:bodyPr/>
+          <a:lstStyle/>
+          <a:p>
+            <a:r>
+              <a:rPr lang="en-US" altLang="zh-CN" dirty="0"/>
+              <a:t>1.</a:t>
+            </a:r>
+            <a:r>
+              <a:rPr lang="zh-CN" altLang="en-US" dirty="0"/>
+              <a:t> 资源配置系统</a:t>
+            </a:r>
+            <a:endParaRPr lang="en-US" altLang="zh-CN" dirty="0"/>
+          </a:p>
+          <a:p>
+            <a:pPr lvl="1"/>
+            <a:r>
+              <a:rPr lang="zh-CN" altLang="en-US" dirty="0"/>
+              <a:t>动机：杂散性能和时钟频率等指标上存在冲突</a:t>
+            </a:r>
+            <a:endParaRPr lang="en-US" altLang="zh-CN" dirty="0"/>
+          </a:p>
+          <a:p>
+            <a:pPr lvl="1"/>
+            <a:r>
+              <a:rPr lang="zh-CN" altLang="en-US" dirty="0"/>
+              <a:t>目标：设计一套系统，根据限制条件自动寻找资源配置方案</a:t>
+            </a:r>
+            <a:endParaRPr lang="en-US" altLang="zh-CN" dirty="0"/>
+          </a:p>
+          <a:p>
+            <a:pPr lvl="1"/>
+            <a:r>
+              <a:rPr lang="zh-CN" altLang="en-US" dirty="0"/>
+              <a:t>收益：在约束条件下，能够综合考虑各项指标之间的平衡</a:t>
+            </a:r>
+            <a:endParaRPr lang="en-US" altLang="zh-CN" dirty="0"/>
+          </a:p>
+          <a:p>
+            <a:r>
+              <a:rPr lang="en-US" altLang="zh-CN" dirty="0"/>
+              <a:t>2. </a:t>
+            </a:r>
+            <a:r>
+              <a:rPr lang="zh-CN" altLang="en-US" dirty="0"/>
+              <a:t>引入</a:t>
+            </a:r>
+            <a:r>
+              <a:rPr lang="en-US" altLang="zh-CN" dirty="0"/>
+              <a:t>dither</a:t>
+            </a:r>
+            <a:r>
+              <a:rPr lang="zh-CN" altLang="en-US" dirty="0"/>
+              <a:t>技术</a:t>
+            </a:r>
+          </a:p>
+        </p:txBody>
+      </p:sp>
+      <p:sp>
+        <p:nvSpPr>
+          <p:cNvPr id="4" name="页脚占位符 3"/>
+          <p:cNvSpPr>
+            <a:spLocks noGrp="1"/>
+          </p:cNvSpPr>
+          <p:nvPr>
+            <p:ph type="ftr" sz="quarter" idx="11"/>
+          </p:nvPr>
+        </p:nvSpPr>
+        <p:spPr/>
+        <p:txBody>
+          <a:bodyPr/>
+          <a:lstStyle/>
+          <a:p>
+            <a:r>
+              <a:rPr lang="en-US" altLang="zh-CN">
+                <a:solidFill>
+                  <a:srgbClr val="000000"/>
+                </a:solidFill>
+              </a:rPr>
+              <a:t>20/22</a:t>
+            </a:r>
+            <a:endParaRPr lang="en-US" altLang="zh-CN" dirty="0">
+              <a:solidFill>
+                <a:srgbClr val="000000"/>
+              </a:solidFill>
+            </a:endParaRPr>
+          </a:p>
+        </p:txBody>
+      </p:sp>
+      <p:sp>
+        <p:nvSpPr>
+          <p:cNvPr id="7" name="矩形 6"/>
+          <p:cNvSpPr/>
+          <p:nvPr/>
+        </p:nvSpPr>
+        <p:spPr>
+          <a:xfrm>
+            <a:off x="41562" y="5547829"/>
+            <a:ext cx="8482359" cy="784830"/>
+          </a:xfrm>
+          <a:prstGeom prst="rect">
+            <a:avLst/>
+          </a:prstGeom>
+        </p:spPr>
+        <p:txBody>
+          <a:bodyPr wrap="square">
+            <a:spAutoFit/>
+          </a:bodyPr>
+          <a:lstStyle/>
+          <a:p>
+            <a:pPr lvl="1">
+              <a:spcBef>
+                <a:spcPts val="600"/>
+              </a:spcBef>
+              <a:spcAft>
+                <a:spcPts val="0"/>
+              </a:spcAft>
+            </a:pPr>
+            <a:r>
+              <a:rPr lang="zh-CN" altLang="en-US" sz="2000" dirty="0"/>
+              <a:t>原理：将周期性噪声转化为白噪声，提升一定底噪</a:t>
+            </a:r>
+            <a:endParaRPr lang="en-US" altLang="zh-CN" sz="2000" dirty="0"/>
+          </a:p>
+          <a:p>
+            <a:pPr lvl="1">
+              <a:spcBef>
+                <a:spcPts val="600"/>
+              </a:spcBef>
+              <a:spcAft>
+                <a:spcPts val="0"/>
+              </a:spcAft>
+            </a:pPr>
+            <a:r>
+              <a:rPr lang="zh-CN" altLang="en-US" sz="2000" dirty="0"/>
+              <a:t>效果：</a:t>
+            </a:r>
+            <a:r>
+              <a:rPr lang="en-US" altLang="zh-CN" sz="2000" dirty="0" err="1"/>
+              <a:t>Matlab</a:t>
+            </a:r>
+            <a:r>
+              <a:rPr lang="zh-CN" altLang="en-US" sz="2000" dirty="0"/>
+              <a:t>仿真显示，</a:t>
+            </a:r>
+            <a:r>
+              <a:rPr lang="en-US" altLang="zh-CN" sz="2000" dirty="0"/>
+              <a:t>SFDR = 96dBc</a:t>
+            </a:r>
+            <a:r>
+              <a:rPr lang="zh-CN" altLang="en-US" sz="2000" dirty="0"/>
+              <a:t>的波形，</a:t>
+            </a:r>
+            <a:r>
+              <a:rPr lang="en-US" altLang="zh-CN" sz="2000" dirty="0"/>
+              <a:t>dither</a:t>
+            </a:r>
+            <a:r>
+              <a:rPr lang="zh-CN" altLang="en-US" sz="2000" dirty="0"/>
+              <a:t>收益为</a:t>
+            </a:r>
+            <a:r>
+              <a:rPr lang="en-US" altLang="zh-CN" sz="2000" dirty="0"/>
+              <a:t>10dBc</a:t>
+            </a:r>
+          </a:p>
+        </p:txBody>
+      </p:sp>
+      <p:grpSp>
+        <p:nvGrpSpPr>
+          <p:cNvPr id="9" name="组合 8"/>
+          <p:cNvGrpSpPr/>
+          <p:nvPr/>
+        </p:nvGrpSpPr>
+        <p:grpSpPr>
+          <a:xfrm>
+            <a:off x="1528672" y="3197635"/>
+            <a:ext cx="6010455" cy="2350194"/>
+            <a:chOff x="171554" y="4123592"/>
+            <a:chExt cx="5531483" cy="2162908"/>
+          </a:xfrm>
+        </p:grpSpPr>
+        <p:pic>
+          <p:nvPicPr>
+            <p:cNvPr id="10" name="图片 9"/>
+            <p:cNvPicPr>
+              <a:picLocks noChangeAspect="1"/>
+            </p:cNvPicPr>
+            <p:nvPr/>
+          </p:nvPicPr>
+          <p:blipFill>
+            <a:blip r:embed="rId2"/>
+            <a:stretch>
+              <a:fillRect/>
+            </a:stretch>
+          </p:blipFill>
+          <p:spPr>
+            <a:xfrm>
+              <a:off x="171554" y="4123592"/>
+              <a:ext cx="2876446" cy="2162908"/>
+            </a:xfrm>
+            <a:prstGeom prst="rect">
+              <a:avLst/>
+            </a:prstGeom>
+          </p:spPr>
+        </p:pic>
+        <p:pic>
+          <p:nvPicPr>
+            <p:cNvPr id="11" name="图片 10"/>
+            <p:cNvPicPr>
+              <a:picLocks noChangeAspect="1"/>
+            </p:cNvPicPr>
+            <p:nvPr/>
+          </p:nvPicPr>
+          <p:blipFill>
+            <a:blip r:embed="rId3"/>
+            <a:stretch>
+              <a:fillRect/>
+            </a:stretch>
+          </p:blipFill>
+          <p:spPr>
+            <a:xfrm>
+              <a:off x="2826591" y="4123592"/>
+              <a:ext cx="2876446" cy="2162908"/>
+            </a:xfrm>
+            <a:prstGeom prst="rect">
+              <a:avLst/>
+            </a:prstGeom>
+          </p:spPr>
+        </p:pic>
+      </p:grpSp>
+    </p:spTree>
+    <p:extLst>
+      <p:ext uri="{BB962C8B-B14F-4D97-AF65-F5344CB8AC3E}">
+        <p14:creationId xmlns:p14="http://schemas.microsoft.com/office/powerpoint/2010/main" val="543439086"/>
+      </p:ext>
+    </p:extLst>
+  </p:cSld>
+  <p:clrMapOvr>
+    <a:masterClrMapping/>
+  </p:clrMapOvr>
+</p:sld>
+</file>
+
+<file path=ppt/slides/slide14.xml><?xml version="1.0" encoding="utf-8"?>
+<p:sld xmlns:a="http://schemas.openxmlformats.org/drawingml/2006/main" xmlns:r="http://schemas.openxmlformats.org/officeDocument/2006/relationships" xmlns:p="http://schemas.openxmlformats.org/presentationml/2006/main">
+  <p:cSld>
+    <p:spTree>
+      <p:nvGrpSpPr>
+        <p:cNvPr id="1" name=""/>
+        <p:cNvGrpSpPr/>
+        <p:nvPr/>
+      </p:nvGrpSpPr>
+      <p:grpSpPr>
+        <a:xfrm>
+          <a:off x="0" y="0"/>
+          <a:ext cx="0" cy="0"/>
+          <a:chOff x="0" y="0"/>
+          <a:chExt cx="0" cy="0"/>
+        </a:xfrm>
+      </p:grpSpPr>
+      <p:sp>
+        <p:nvSpPr>
+          <p:cNvPr id="2" name="标题 1"/>
+          <p:cNvSpPr>
+            <a:spLocks noGrp="1"/>
+          </p:cNvSpPr>
+          <p:nvPr>
+            <p:ph type="title"/>
+          </p:nvPr>
+        </p:nvSpPr>
+        <p:spPr/>
+        <p:txBody>
+          <a:bodyPr/>
+          <a:lstStyle/>
+          <a:p>
+            <a:r>
+              <a:rPr lang="zh-CN" altLang="en-US" sz="3600" dirty="0"/>
+              <a:t>现有进展</a:t>
+            </a:r>
+          </a:p>
+        </p:txBody>
+      </p:sp>
+      <p:sp>
+        <p:nvSpPr>
+          <p:cNvPr id="3" name="内容占位符 2"/>
+          <p:cNvSpPr>
+            <a:spLocks noGrp="1"/>
+          </p:cNvSpPr>
+          <p:nvPr>
+            <p:ph idx="1"/>
+          </p:nvPr>
+        </p:nvSpPr>
+        <p:spPr/>
+        <p:txBody>
+          <a:bodyPr/>
+          <a:lstStyle/>
+          <a:p>
+            <a:r>
+              <a:rPr lang="en-US" altLang="zh-CN" dirty="0"/>
+              <a:t>1. </a:t>
+            </a:r>
+            <a:r>
+              <a:rPr lang="zh-CN" altLang="en-US" dirty="0"/>
+              <a:t>阅读</a:t>
+            </a:r>
+            <a:r>
+              <a:rPr lang="en-US" altLang="zh-CN" dirty="0"/>
+              <a:t>JSSC</a:t>
+            </a:r>
+            <a:r>
+              <a:rPr lang="zh-CN" altLang="en-US" dirty="0"/>
+              <a:t>和</a:t>
+            </a:r>
+            <a:r>
+              <a:rPr lang="en-US" altLang="zh-CN" dirty="0"/>
+              <a:t>TCAS 1</a:t>
+            </a:r>
+            <a:r>
+              <a:rPr lang="zh-CN" altLang="en-US" dirty="0"/>
+              <a:t>等期刊、会议文献</a:t>
+            </a:r>
+            <a:r>
+              <a:rPr lang="en-US" altLang="zh-CN" dirty="0"/>
+              <a:t>20</a:t>
+            </a:r>
+            <a:r>
+              <a:rPr lang="zh-CN" altLang="en-US" dirty="0"/>
+              <a:t>余篇</a:t>
+            </a:r>
+            <a:endParaRPr lang="en-US" altLang="zh-CN" dirty="0"/>
+          </a:p>
+          <a:p>
+            <a:r>
+              <a:rPr lang="en-US" altLang="zh-CN" dirty="0"/>
+              <a:t>2. </a:t>
+            </a:r>
+            <a:r>
+              <a:rPr lang="zh-CN" altLang="en-US" dirty="0"/>
+              <a:t>搭建</a:t>
+            </a:r>
+            <a:r>
+              <a:rPr lang="en-US" altLang="zh-CN" dirty="0" err="1"/>
+              <a:t>Matlab</a:t>
+            </a:r>
+            <a:r>
+              <a:rPr lang="zh-CN" altLang="en-US" dirty="0"/>
+              <a:t>仿真平台，用于数值计算</a:t>
+            </a:r>
+            <a:endParaRPr lang="en-US" altLang="zh-CN" dirty="0"/>
+          </a:p>
+          <a:p>
+            <a:endParaRPr lang="en-US" altLang="zh-CN" dirty="0"/>
+          </a:p>
+          <a:p>
+            <a:endParaRPr lang="en-US" altLang="zh-CN" dirty="0"/>
+          </a:p>
+          <a:p>
+            <a:endParaRPr lang="en-US" altLang="zh-CN" dirty="0"/>
+          </a:p>
+          <a:p>
+            <a:endParaRPr lang="en-US" altLang="zh-CN" dirty="0"/>
+          </a:p>
+          <a:p>
+            <a:pPr marL="0" indent="0">
+              <a:buNone/>
+            </a:pPr>
+            <a:endParaRPr lang="en-US" altLang="zh-CN" dirty="0"/>
+          </a:p>
+          <a:p>
+            <a:r>
+              <a:rPr lang="en-US" altLang="zh-CN" dirty="0"/>
+              <a:t>3. </a:t>
+            </a:r>
+            <a:r>
+              <a:rPr lang="zh-CN" altLang="en-US" dirty="0"/>
+              <a:t>搭建</a:t>
+            </a:r>
+            <a:r>
+              <a:rPr lang="en-US" altLang="zh-CN" dirty="0" err="1"/>
+              <a:t>Modelsim</a:t>
+            </a:r>
+            <a:r>
+              <a:rPr lang="zh-CN" altLang="en-US" dirty="0"/>
+              <a:t>测试平台</a:t>
+            </a:r>
+            <a:endParaRPr lang="en-US" altLang="zh-CN" dirty="0"/>
+          </a:p>
+          <a:p>
+            <a:endParaRPr lang="en-US" altLang="zh-CN" dirty="0"/>
+          </a:p>
+          <a:p>
+            <a:endParaRPr lang="en-US" altLang="zh-CN" dirty="0"/>
+          </a:p>
+          <a:p>
+            <a:endParaRPr lang="en-US" altLang="zh-CN" dirty="0"/>
+          </a:p>
+          <a:p>
+            <a:r>
+              <a:rPr lang="en-US" altLang="zh-CN" dirty="0"/>
+              <a:t>4. </a:t>
+            </a:r>
+            <a:r>
+              <a:rPr lang="zh-CN" altLang="en-US" dirty="0"/>
+              <a:t>正在学习</a:t>
+            </a:r>
+            <a:r>
+              <a:rPr lang="en-US" altLang="zh-CN" dirty="0"/>
+              <a:t>Design Compiler</a:t>
+            </a:r>
+            <a:r>
+              <a:rPr lang="zh-CN" altLang="en-US" dirty="0"/>
+              <a:t>等综合工具</a:t>
+            </a:r>
+          </a:p>
+        </p:txBody>
+      </p:sp>
+      <p:sp>
+        <p:nvSpPr>
+          <p:cNvPr id="4" name="页脚占位符 3"/>
+          <p:cNvSpPr>
+            <a:spLocks noGrp="1"/>
+          </p:cNvSpPr>
+          <p:nvPr>
+            <p:ph type="ftr" sz="quarter" idx="11"/>
+          </p:nvPr>
+        </p:nvSpPr>
+        <p:spPr/>
+        <p:txBody>
+          <a:bodyPr/>
+          <a:lstStyle/>
+          <a:p>
+            <a:r>
+              <a:rPr lang="en-US" altLang="zh-CN">
+                <a:solidFill>
+                  <a:srgbClr val="000000"/>
+                </a:solidFill>
+              </a:rPr>
+              <a:t>20/22</a:t>
+            </a:r>
+            <a:endParaRPr lang="en-US" altLang="zh-CN" dirty="0">
+              <a:solidFill>
+                <a:srgbClr val="000000"/>
+              </a:solidFill>
+            </a:endParaRPr>
+          </a:p>
+        </p:txBody>
+      </p:sp>
+      <p:pic>
+        <p:nvPicPr>
+          <p:cNvPr id="6" name="图片 5"/>
+          <p:cNvPicPr>
+            <a:picLocks noChangeAspect="1"/>
+          </p:cNvPicPr>
+          <p:nvPr/>
+        </p:nvPicPr>
+        <p:blipFill>
+          <a:blip r:embed="rId2"/>
+          <a:stretch>
+            <a:fillRect/>
+          </a:stretch>
+        </p:blipFill>
+        <p:spPr>
+          <a:xfrm>
+            <a:off x="5864860" y="1968562"/>
+            <a:ext cx="2639060" cy="1984409"/>
+          </a:xfrm>
+          <a:prstGeom prst="rect">
+            <a:avLst/>
+          </a:prstGeom>
+        </p:spPr>
+      </p:pic>
+      <p:pic>
+        <p:nvPicPr>
+          <p:cNvPr id="7" name="图片 6"/>
+          <p:cNvPicPr>
+            <a:picLocks noChangeAspect="1"/>
+          </p:cNvPicPr>
+          <p:nvPr/>
+        </p:nvPicPr>
+        <p:blipFill>
+          <a:blip r:embed="rId3"/>
+          <a:stretch>
+            <a:fillRect/>
+          </a:stretch>
+        </p:blipFill>
+        <p:spPr>
+          <a:xfrm>
+            <a:off x="693102" y="2077124"/>
+            <a:ext cx="4988878" cy="1767283"/>
+          </a:xfrm>
+          <a:prstGeom prst="rect">
+            <a:avLst/>
+          </a:prstGeom>
+        </p:spPr>
+      </p:pic>
+    </p:spTree>
+    <p:extLst>
+      <p:ext uri="{BB962C8B-B14F-4D97-AF65-F5344CB8AC3E}">
+        <p14:creationId xmlns:p14="http://schemas.microsoft.com/office/powerpoint/2010/main" val="1029005"/>
+      </p:ext>
+    </p:extLst>
+  </p:cSld>
+  <p:clrMapOvr>
+    <a:masterClrMapping/>
+  </p:clrMapOvr>
+</p:sld>
+</file>
+
+<file path=ppt/slides/slide15.xml><?xml version="1.0" encoding="utf-8"?>
 <p:sld xmlns:a="http://schemas.openxmlformats.org/drawingml/2006/main" xmlns:r="http://schemas.openxmlformats.org/officeDocument/2006/relationships" xmlns:p="http://schemas.openxmlformats.org/presentationml/2006/main">
   <p:cSld>
     <p:spTree>
@@ -16556,7 +19690,7 @@
 </p:sld>
 </file>
 
-<file path=ppt/slides/slide12.xml><?xml version="1.0" encoding="utf-8"?>
+<file path=ppt/slides/slide16.xml><?xml version="1.0" encoding="utf-8"?>
 <p:sld xmlns:a="http://schemas.openxmlformats.org/drawingml/2006/main" xmlns:r="http://schemas.openxmlformats.org/officeDocument/2006/relationships" xmlns:p="http://schemas.openxmlformats.org/presentationml/2006/main">
   <p:cSld>
     <p:spTree>
@@ -16853,7 +19987,418 @@
 </p:sld>
 </file>
 
-<file path=ppt/slides/slide13.xml><?xml version="1.0" encoding="utf-8"?>
+<file path=ppt/slides/slide17.xml><?xml version="1.0" encoding="utf-8"?>
+<p:sld xmlns:a="http://schemas.openxmlformats.org/drawingml/2006/main" xmlns:r="http://schemas.openxmlformats.org/officeDocument/2006/relationships" xmlns:p="http://schemas.openxmlformats.org/presentationml/2006/main">
+  <p:cSld>
+    <p:spTree>
+      <p:nvGrpSpPr>
+        <p:cNvPr id="1" name=""/>
+        <p:cNvGrpSpPr/>
+        <p:nvPr/>
+      </p:nvGrpSpPr>
+      <p:grpSpPr>
+        <a:xfrm>
+          <a:off x="0" y="0"/>
+          <a:ext cx="0" cy="0"/>
+          <a:chOff x="0" y="0"/>
+          <a:chExt cx="0" cy="0"/>
+        </a:xfrm>
+      </p:grpSpPr>
+      <p:sp>
+        <p:nvSpPr>
+          <p:cNvPr id="2" name="标题 1"/>
+          <p:cNvSpPr>
+            <a:spLocks noGrp="1"/>
+          </p:cNvSpPr>
+          <p:nvPr>
+            <p:ph type="title"/>
+          </p:nvPr>
+        </p:nvSpPr>
+        <p:spPr/>
+        <p:txBody>
+          <a:bodyPr/>
+          <a:lstStyle/>
+          <a:p>
+            <a:r>
+              <a:rPr lang="zh-CN" altLang="en-US" sz="3600" dirty="0"/>
+              <a:t>课程目标</a:t>
+            </a:r>
+          </a:p>
+        </p:txBody>
+      </p:sp>
+      <p:sp>
+        <p:nvSpPr>
+          <p:cNvPr id="4" name="页脚占位符 3"/>
+          <p:cNvSpPr>
+            <a:spLocks noGrp="1"/>
+          </p:cNvSpPr>
+          <p:nvPr>
+            <p:ph type="ftr" sz="quarter" idx="11"/>
+          </p:nvPr>
+        </p:nvSpPr>
+        <p:spPr/>
+        <p:txBody>
+          <a:bodyPr/>
+          <a:lstStyle/>
+          <a:p>
+            <a:r>
+              <a:rPr lang="en-US" altLang="zh-CN" dirty="0">
+                <a:solidFill>
+                  <a:srgbClr val="000000"/>
+                </a:solidFill>
+              </a:rPr>
+              <a:t>6/13</a:t>
+            </a:r>
+          </a:p>
+        </p:txBody>
+      </p:sp>
+      <p:sp>
+        <p:nvSpPr>
+          <p:cNvPr id="6" name="内容占位符 2"/>
+          <p:cNvSpPr>
+            <a:spLocks noGrp="1"/>
+          </p:cNvSpPr>
+          <p:nvPr>
+            <p:ph idx="1"/>
+          </p:nvPr>
+        </p:nvSpPr>
+        <p:spPr>
+          <a:xfrm>
+            <a:off x="381000" y="914400"/>
+            <a:ext cx="8393545" cy="5367308"/>
+          </a:xfrm>
+        </p:spPr>
+        <p:txBody>
+          <a:bodyPr/>
+          <a:lstStyle/>
+          <a:p>
+            <a:pPr>
+              <a:spcAft>
+                <a:spcPts val="1200"/>
+              </a:spcAft>
+            </a:pPr>
+            <a:r>
+              <a:rPr lang="zh-CN" altLang="en-US" dirty="0"/>
+              <a:t>总目标：设计高速、高精度数控振荡器</a:t>
+            </a:r>
+            <a:endParaRPr lang="en-US" altLang="zh-CN" dirty="0"/>
+          </a:p>
+          <a:p>
+            <a:pPr marL="0" indent="0">
+              <a:spcBef>
+                <a:spcPts val="600"/>
+              </a:spcBef>
+              <a:spcAft>
+                <a:spcPts val="0"/>
+              </a:spcAft>
+              <a:buNone/>
+            </a:pPr>
+            <a:r>
+              <a:rPr lang="zh-CN" altLang="en-US" dirty="0"/>
+              <a:t>一、电路结构的设计和代码编写</a:t>
+            </a:r>
+            <a:endParaRPr lang="en-US" altLang="zh-CN" dirty="0"/>
+          </a:p>
+          <a:p>
+            <a:pPr>
+              <a:spcBef>
+                <a:spcPts val="600"/>
+              </a:spcBef>
+              <a:spcAft>
+                <a:spcPts val="0"/>
+              </a:spcAft>
+            </a:pPr>
+            <a:r>
+              <a:rPr lang="en-US" altLang="zh-CN" sz="2000" dirty="0"/>
+              <a:t>1.1 </a:t>
+            </a:r>
+            <a:r>
+              <a:rPr lang="zh-CN" altLang="en-US" sz="2000" dirty="0"/>
+              <a:t>设计高速、低功耗的相位累加器</a:t>
+            </a:r>
+            <a:endParaRPr lang="en-US" altLang="zh-CN" sz="2000" dirty="0"/>
+          </a:p>
+          <a:p>
+            <a:pPr>
+              <a:spcBef>
+                <a:spcPts val="600"/>
+              </a:spcBef>
+              <a:spcAft>
+                <a:spcPts val="0"/>
+              </a:spcAft>
+            </a:pPr>
+            <a:r>
+              <a:rPr lang="en-US" altLang="zh-CN" sz="2000" dirty="0"/>
+              <a:t>1.2 </a:t>
+            </a:r>
+            <a:r>
+              <a:rPr lang="zh-CN" altLang="en-US" sz="2000" dirty="0"/>
+              <a:t>设计混合方案的相位</a:t>
+            </a:r>
+            <a:r>
+              <a:rPr lang="en-US" altLang="zh-CN" sz="2000" dirty="0"/>
+              <a:t>-</a:t>
+            </a:r>
+            <a:r>
+              <a:rPr lang="zh-CN" altLang="en-US" sz="2000" dirty="0"/>
+              <a:t>幅度转换器</a:t>
+            </a:r>
+            <a:endParaRPr lang="en-US" altLang="zh-CN" sz="2000" dirty="0"/>
+          </a:p>
+          <a:p>
+            <a:pPr marL="0" indent="0">
+              <a:spcBef>
+                <a:spcPts val="600"/>
+              </a:spcBef>
+              <a:spcAft>
+                <a:spcPts val="0"/>
+              </a:spcAft>
+              <a:buNone/>
+            </a:pPr>
+            <a:r>
+              <a:rPr lang="zh-CN" altLang="en-US" dirty="0"/>
+              <a:t>二、电路仿真检查</a:t>
+            </a:r>
+            <a:endParaRPr lang="en-US" altLang="zh-CN" dirty="0"/>
+          </a:p>
+          <a:p>
+            <a:pPr>
+              <a:spcBef>
+                <a:spcPts val="600"/>
+              </a:spcBef>
+              <a:spcAft>
+                <a:spcPts val="0"/>
+              </a:spcAft>
+            </a:pPr>
+            <a:r>
+              <a:rPr lang="en-US" altLang="zh-CN" sz="2000" dirty="0"/>
+              <a:t>2.1 </a:t>
+            </a:r>
+            <a:r>
+              <a:rPr lang="zh-CN" altLang="en-US" sz="2000" dirty="0"/>
+              <a:t>搭建可扩展的</a:t>
+            </a:r>
+            <a:r>
+              <a:rPr lang="en-US" altLang="zh-CN" sz="2000" dirty="0"/>
+              <a:t>NCO</a:t>
+            </a:r>
+            <a:r>
+              <a:rPr lang="zh-CN" altLang="en-US" sz="2000" dirty="0"/>
+              <a:t>仿真平台</a:t>
+            </a:r>
+            <a:endParaRPr lang="en-US" altLang="zh-CN" sz="2000" dirty="0"/>
+          </a:p>
+          <a:p>
+            <a:pPr>
+              <a:spcBef>
+                <a:spcPts val="600"/>
+              </a:spcBef>
+              <a:spcAft>
+                <a:spcPts val="0"/>
+              </a:spcAft>
+            </a:pPr>
+            <a:r>
+              <a:rPr lang="en-US" altLang="zh-CN" sz="2000" dirty="0"/>
+              <a:t>2.2 </a:t>
+            </a:r>
+            <a:r>
+              <a:rPr lang="zh-CN" altLang="en-US" sz="2000" dirty="0"/>
+              <a:t>熟悉使用</a:t>
+            </a:r>
+            <a:r>
+              <a:rPr lang="en-US" altLang="zh-CN" sz="2000" dirty="0"/>
+              <a:t>Design Compiler</a:t>
+            </a:r>
+            <a:r>
+              <a:rPr lang="zh-CN" altLang="en-US" sz="2000" dirty="0"/>
+              <a:t>、</a:t>
+            </a:r>
+            <a:r>
+              <a:rPr lang="en-US" altLang="zh-CN" sz="2000" dirty="0"/>
+              <a:t>Memory Complier</a:t>
+            </a:r>
+            <a:r>
+              <a:rPr lang="zh-CN" altLang="en-US" sz="2000" dirty="0"/>
+              <a:t>等前端设计工具</a:t>
+            </a:r>
+            <a:endParaRPr lang="en-US" altLang="zh-CN" sz="2000" dirty="0"/>
+          </a:p>
+          <a:p>
+            <a:pPr>
+              <a:spcBef>
+                <a:spcPts val="600"/>
+              </a:spcBef>
+              <a:spcAft>
+                <a:spcPts val="0"/>
+              </a:spcAft>
+            </a:pPr>
+            <a:r>
+              <a:rPr lang="en-US" altLang="zh-CN" sz="2000" dirty="0"/>
+              <a:t>2.3 </a:t>
+            </a:r>
+            <a:r>
+              <a:rPr lang="zh-CN" altLang="en-US" sz="2000" dirty="0"/>
+              <a:t>分析电路时序，根据静态时序思考改进方案</a:t>
+            </a:r>
+            <a:endParaRPr lang="en-US" altLang="zh-CN" sz="2000" dirty="0"/>
+          </a:p>
+          <a:p>
+            <a:pPr>
+              <a:spcBef>
+                <a:spcPts val="600"/>
+              </a:spcBef>
+              <a:spcAft>
+                <a:spcPts val="0"/>
+              </a:spcAft>
+            </a:pPr>
+            <a:r>
+              <a:rPr lang="en-US" altLang="zh-CN" sz="2000" dirty="0"/>
+              <a:t>2.4 </a:t>
+            </a:r>
+            <a:r>
+              <a:rPr lang="zh-CN" altLang="en-US" sz="2000" dirty="0"/>
+              <a:t>学习使用后端设计工具，在电路实现上寻找优化点</a:t>
+            </a:r>
+            <a:endParaRPr lang="en-US" altLang="zh-CN" sz="2000" dirty="0"/>
+          </a:p>
+          <a:p>
+            <a:pPr marL="0" indent="0">
+              <a:spcBef>
+                <a:spcPts val="600"/>
+              </a:spcBef>
+              <a:spcAft>
+                <a:spcPts val="0"/>
+              </a:spcAft>
+              <a:buNone/>
+            </a:pPr>
+            <a:r>
+              <a:rPr lang="zh-CN" altLang="en-US" dirty="0"/>
+              <a:t>三、达成指标</a:t>
+            </a:r>
+            <a:endParaRPr lang="en-US" altLang="zh-CN" dirty="0"/>
+          </a:p>
+          <a:p>
+            <a:pPr>
+              <a:spcBef>
+                <a:spcPts val="600"/>
+              </a:spcBef>
+            </a:pPr>
+            <a:r>
+              <a:rPr lang="en-US" altLang="zh-CN" sz="2000" dirty="0"/>
+              <a:t>3.1 </a:t>
+            </a:r>
+            <a:r>
+              <a:rPr lang="zh-CN" altLang="en-US" sz="2000" dirty="0"/>
+              <a:t>频率分辨率：</a:t>
+            </a:r>
+            <a:r>
+              <a:rPr lang="en-US" altLang="zh-CN" sz="2000" dirty="0" err="1"/>
+              <a:t>subHz</a:t>
+            </a:r>
+            <a:r>
+              <a:rPr lang="en-US" altLang="zh-CN" sz="2000" dirty="0"/>
+              <a:t> </a:t>
+            </a:r>
+            <a:r>
+              <a:rPr lang="zh-CN" altLang="en-US" sz="2000" dirty="0"/>
+              <a:t>数量级</a:t>
+            </a:r>
+            <a:endParaRPr lang="en-US" altLang="zh-CN" sz="2000" dirty="0"/>
+          </a:p>
+          <a:p>
+            <a:pPr>
+              <a:spcBef>
+                <a:spcPts val="600"/>
+              </a:spcBef>
+            </a:pPr>
+            <a:r>
+              <a:rPr lang="en-US" altLang="zh-CN" sz="2000" dirty="0"/>
+              <a:t>3.2 </a:t>
+            </a:r>
+            <a:r>
+              <a:rPr lang="zh-CN" altLang="en-US" sz="2000" dirty="0"/>
+              <a:t>时钟频率：</a:t>
+            </a:r>
+            <a:r>
+              <a:rPr lang="en-US" altLang="zh-CN" sz="2000" dirty="0"/>
+              <a:t>1 GHz </a:t>
+            </a:r>
+          </a:p>
+          <a:p>
+            <a:pPr>
+              <a:spcBef>
+                <a:spcPts val="600"/>
+              </a:spcBef>
+            </a:pPr>
+            <a:r>
+              <a:rPr lang="en-US" altLang="zh-CN" sz="2000" dirty="0"/>
+              <a:t>3.3 </a:t>
+            </a:r>
+            <a:r>
+              <a:rPr lang="zh-CN" altLang="en-US" sz="2000" dirty="0"/>
+              <a:t>杂散性能：</a:t>
+            </a:r>
+            <a:r>
+              <a:rPr lang="en-US" altLang="zh-CN" sz="2000" dirty="0"/>
+              <a:t>50 </a:t>
+            </a:r>
+            <a:r>
+              <a:rPr lang="en-US" altLang="zh-CN" sz="2000" dirty="0" err="1"/>
+              <a:t>dBc</a:t>
+            </a:r>
+            <a:endParaRPr lang="en-US" altLang="zh-CN" dirty="0"/>
+          </a:p>
+          <a:p>
+            <a:pPr marL="0" indent="0">
+              <a:spcBef>
+                <a:spcPts val="600"/>
+              </a:spcBef>
+              <a:spcAft>
+                <a:spcPts val="0"/>
+              </a:spcAft>
+              <a:buNone/>
+            </a:pPr>
+            <a:endParaRPr lang="en-US" altLang="zh-CN" dirty="0"/>
+          </a:p>
+          <a:p>
+            <a:pPr>
+              <a:spcBef>
+                <a:spcPts val="600"/>
+              </a:spcBef>
+              <a:spcAft>
+                <a:spcPts val="0"/>
+              </a:spcAft>
+            </a:pPr>
+            <a:endParaRPr lang="en-US" altLang="zh-CN" dirty="0"/>
+          </a:p>
+          <a:p>
+            <a:pPr marL="342900" lvl="1" indent="0">
+              <a:spcBef>
+                <a:spcPts val="600"/>
+              </a:spcBef>
+              <a:spcAft>
+                <a:spcPts val="600"/>
+              </a:spcAft>
+              <a:buNone/>
+            </a:pPr>
+            <a:endParaRPr lang="en-US" altLang="zh-CN" dirty="0"/>
+          </a:p>
+        </p:txBody>
+      </p:sp>
+    </p:spTree>
+    <p:extLst>
+      <p:ext uri="{BB962C8B-B14F-4D97-AF65-F5344CB8AC3E}">
+        <p14:creationId xmlns:p14="http://schemas.microsoft.com/office/powerpoint/2010/main" val="241809917"/>
+      </p:ext>
+    </p:extLst>
+  </p:cSld>
+  <p:clrMapOvr>
+    <a:masterClrMapping/>
+  </p:clrMapOvr>
+</p:sld>
+</file>
+
+<file path=ppt/slides/slide18.xml><?xml version="1.0" encoding="utf-8"?>
 <p:sld xmlns:a="http://schemas.openxmlformats.org/drawingml/2006/main" xmlns:r="http://schemas.openxmlformats.org/officeDocument/2006/relationships" xmlns:p="http://schemas.openxmlformats.org/presentationml/2006/main">
   <p:cSld>
     <p:spTree>
@@ -16998,13 +20543,6 @@
             <a:r>
               <a:rPr lang="zh-CN" altLang="en-US" sz="3200" dirty="0"/>
               <a:t>研究背景</a:t>
-            </a:r>
-            <a:endParaRPr lang="en-US" altLang="zh-CN" sz="3200" dirty="0"/>
-          </a:p>
-          <a:p>
-            <a:r>
-              <a:rPr lang="zh-CN" altLang="en-US" sz="3200" dirty="0"/>
-              <a:t>课题目标</a:t>
             </a:r>
             <a:endParaRPr lang="en-US" altLang="zh-CN" sz="3200" dirty="0"/>
           </a:p>
@@ -20512,417 +24050,6 @@
           <a:p>
             <a:r>
               <a:rPr lang="zh-CN" altLang="en-US" sz="3600" dirty="0"/>
-              <a:t>课程目标</a:t>
-            </a:r>
-          </a:p>
-        </p:txBody>
-      </p:sp>
-      <p:sp>
-        <p:nvSpPr>
-          <p:cNvPr id="4" name="页脚占位符 3"/>
-          <p:cNvSpPr>
-            <a:spLocks noGrp="1"/>
-          </p:cNvSpPr>
-          <p:nvPr>
-            <p:ph type="ftr" sz="quarter" idx="11"/>
-          </p:nvPr>
-        </p:nvSpPr>
-        <p:spPr/>
-        <p:txBody>
-          <a:bodyPr/>
-          <a:lstStyle/>
-          <a:p>
-            <a:r>
-              <a:rPr lang="en-US" altLang="zh-CN" dirty="0">
-                <a:solidFill>
-                  <a:srgbClr val="000000"/>
-                </a:solidFill>
-              </a:rPr>
-              <a:t>6/13</a:t>
-            </a:r>
-          </a:p>
-        </p:txBody>
-      </p:sp>
-      <p:sp>
-        <p:nvSpPr>
-          <p:cNvPr id="6" name="内容占位符 2"/>
-          <p:cNvSpPr>
-            <a:spLocks noGrp="1"/>
-          </p:cNvSpPr>
-          <p:nvPr>
-            <p:ph idx="1"/>
-          </p:nvPr>
-        </p:nvSpPr>
-        <p:spPr>
-          <a:xfrm>
-            <a:off x="381000" y="914400"/>
-            <a:ext cx="8393545" cy="5367308"/>
-          </a:xfrm>
-        </p:spPr>
-        <p:txBody>
-          <a:bodyPr/>
-          <a:lstStyle/>
-          <a:p>
-            <a:pPr>
-              <a:spcAft>
-                <a:spcPts val="1200"/>
-              </a:spcAft>
-            </a:pPr>
-            <a:r>
-              <a:rPr lang="zh-CN" altLang="en-US" dirty="0"/>
-              <a:t>总目标：设计高速、高精度数控振荡器</a:t>
-            </a:r>
-            <a:endParaRPr lang="en-US" altLang="zh-CN" dirty="0"/>
-          </a:p>
-          <a:p>
-            <a:pPr marL="0" indent="0">
-              <a:spcBef>
-                <a:spcPts val="600"/>
-              </a:spcBef>
-              <a:spcAft>
-                <a:spcPts val="0"/>
-              </a:spcAft>
-              <a:buNone/>
-            </a:pPr>
-            <a:r>
-              <a:rPr lang="zh-CN" altLang="en-US" dirty="0"/>
-              <a:t>一、电路结构的设计和代码编写</a:t>
-            </a:r>
-            <a:endParaRPr lang="en-US" altLang="zh-CN" dirty="0"/>
-          </a:p>
-          <a:p>
-            <a:pPr>
-              <a:spcBef>
-                <a:spcPts val="600"/>
-              </a:spcBef>
-              <a:spcAft>
-                <a:spcPts val="0"/>
-              </a:spcAft>
-            </a:pPr>
-            <a:r>
-              <a:rPr lang="en-US" altLang="zh-CN" sz="2000" dirty="0"/>
-              <a:t>1.1 </a:t>
-            </a:r>
-            <a:r>
-              <a:rPr lang="zh-CN" altLang="en-US" sz="2000" dirty="0"/>
-              <a:t>设计高速、低功耗的相位累加器</a:t>
-            </a:r>
-            <a:endParaRPr lang="en-US" altLang="zh-CN" sz="2000" dirty="0"/>
-          </a:p>
-          <a:p>
-            <a:pPr>
-              <a:spcBef>
-                <a:spcPts val="600"/>
-              </a:spcBef>
-              <a:spcAft>
-                <a:spcPts val="0"/>
-              </a:spcAft>
-            </a:pPr>
-            <a:r>
-              <a:rPr lang="en-US" altLang="zh-CN" sz="2000" dirty="0"/>
-              <a:t>1.2 </a:t>
-            </a:r>
-            <a:r>
-              <a:rPr lang="zh-CN" altLang="en-US" sz="2000" dirty="0"/>
-              <a:t>设计混合方案的相位</a:t>
-            </a:r>
-            <a:r>
-              <a:rPr lang="en-US" altLang="zh-CN" sz="2000" dirty="0"/>
-              <a:t>-</a:t>
-            </a:r>
-            <a:r>
-              <a:rPr lang="zh-CN" altLang="en-US" sz="2000" dirty="0"/>
-              <a:t>幅度转换器</a:t>
-            </a:r>
-            <a:endParaRPr lang="en-US" altLang="zh-CN" sz="2000" dirty="0"/>
-          </a:p>
-          <a:p>
-            <a:pPr marL="0" indent="0">
-              <a:spcBef>
-                <a:spcPts val="600"/>
-              </a:spcBef>
-              <a:spcAft>
-                <a:spcPts val="0"/>
-              </a:spcAft>
-              <a:buNone/>
-            </a:pPr>
-            <a:r>
-              <a:rPr lang="zh-CN" altLang="en-US" dirty="0"/>
-              <a:t>二、电路仿真检查</a:t>
-            </a:r>
-            <a:endParaRPr lang="en-US" altLang="zh-CN" dirty="0"/>
-          </a:p>
-          <a:p>
-            <a:pPr>
-              <a:spcBef>
-                <a:spcPts val="600"/>
-              </a:spcBef>
-              <a:spcAft>
-                <a:spcPts val="0"/>
-              </a:spcAft>
-            </a:pPr>
-            <a:r>
-              <a:rPr lang="en-US" altLang="zh-CN" sz="2000" dirty="0"/>
-              <a:t>2.1 </a:t>
-            </a:r>
-            <a:r>
-              <a:rPr lang="zh-CN" altLang="en-US" sz="2000" dirty="0"/>
-              <a:t>搭建可扩展的</a:t>
-            </a:r>
-            <a:r>
-              <a:rPr lang="en-US" altLang="zh-CN" sz="2000" dirty="0"/>
-              <a:t>NCO</a:t>
-            </a:r>
-            <a:r>
-              <a:rPr lang="zh-CN" altLang="en-US" sz="2000" dirty="0"/>
-              <a:t>仿真平台</a:t>
-            </a:r>
-            <a:endParaRPr lang="en-US" altLang="zh-CN" sz="2000" dirty="0"/>
-          </a:p>
-          <a:p>
-            <a:pPr>
-              <a:spcBef>
-                <a:spcPts val="600"/>
-              </a:spcBef>
-              <a:spcAft>
-                <a:spcPts val="0"/>
-              </a:spcAft>
-            </a:pPr>
-            <a:r>
-              <a:rPr lang="en-US" altLang="zh-CN" sz="2000" dirty="0"/>
-              <a:t>2.2 </a:t>
-            </a:r>
-            <a:r>
-              <a:rPr lang="zh-CN" altLang="en-US" sz="2000" dirty="0"/>
-              <a:t>熟悉使用</a:t>
-            </a:r>
-            <a:r>
-              <a:rPr lang="en-US" altLang="zh-CN" sz="2000" dirty="0"/>
-              <a:t>Design Compiler</a:t>
-            </a:r>
-            <a:r>
-              <a:rPr lang="zh-CN" altLang="en-US" sz="2000" dirty="0"/>
-              <a:t>、</a:t>
-            </a:r>
-            <a:r>
-              <a:rPr lang="en-US" altLang="zh-CN" sz="2000" dirty="0"/>
-              <a:t>Memory Complier</a:t>
-            </a:r>
-            <a:r>
-              <a:rPr lang="zh-CN" altLang="en-US" sz="2000" dirty="0"/>
-              <a:t>等前端设计工具</a:t>
-            </a:r>
-            <a:endParaRPr lang="en-US" altLang="zh-CN" sz="2000" dirty="0"/>
-          </a:p>
-          <a:p>
-            <a:pPr>
-              <a:spcBef>
-                <a:spcPts val="600"/>
-              </a:spcBef>
-              <a:spcAft>
-                <a:spcPts val="0"/>
-              </a:spcAft>
-            </a:pPr>
-            <a:r>
-              <a:rPr lang="en-US" altLang="zh-CN" sz="2000" dirty="0"/>
-              <a:t>2.3 </a:t>
-            </a:r>
-            <a:r>
-              <a:rPr lang="zh-CN" altLang="en-US" sz="2000" dirty="0"/>
-              <a:t>分析电路时序，根据静态时序思考改进方案</a:t>
-            </a:r>
-            <a:endParaRPr lang="en-US" altLang="zh-CN" sz="2000" dirty="0"/>
-          </a:p>
-          <a:p>
-            <a:pPr>
-              <a:spcBef>
-                <a:spcPts val="600"/>
-              </a:spcBef>
-              <a:spcAft>
-                <a:spcPts val="0"/>
-              </a:spcAft>
-            </a:pPr>
-            <a:r>
-              <a:rPr lang="en-US" altLang="zh-CN" sz="2000" dirty="0"/>
-              <a:t>2.4 </a:t>
-            </a:r>
-            <a:r>
-              <a:rPr lang="zh-CN" altLang="en-US" sz="2000" dirty="0"/>
-              <a:t>学习使用后端设计工具，在电路实现上寻找优化点</a:t>
-            </a:r>
-            <a:endParaRPr lang="en-US" altLang="zh-CN" sz="2000" dirty="0"/>
-          </a:p>
-          <a:p>
-            <a:pPr marL="0" indent="0">
-              <a:spcBef>
-                <a:spcPts val="600"/>
-              </a:spcBef>
-              <a:spcAft>
-                <a:spcPts val="0"/>
-              </a:spcAft>
-              <a:buNone/>
-            </a:pPr>
-            <a:r>
-              <a:rPr lang="zh-CN" altLang="en-US" dirty="0"/>
-              <a:t>三、达成指标</a:t>
-            </a:r>
-            <a:endParaRPr lang="en-US" altLang="zh-CN" dirty="0"/>
-          </a:p>
-          <a:p>
-            <a:pPr>
-              <a:spcBef>
-                <a:spcPts val="600"/>
-              </a:spcBef>
-            </a:pPr>
-            <a:r>
-              <a:rPr lang="en-US" altLang="zh-CN" sz="2000" dirty="0"/>
-              <a:t>3.1 </a:t>
-            </a:r>
-            <a:r>
-              <a:rPr lang="zh-CN" altLang="en-US" sz="2000" dirty="0"/>
-              <a:t>频率分辨率：</a:t>
-            </a:r>
-            <a:r>
-              <a:rPr lang="en-US" altLang="zh-CN" sz="2000" dirty="0" err="1"/>
-              <a:t>subHz</a:t>
-            </a:r>
-            <a:r>
-              <a:rPr lang="en-US" altLang="zh-CN" sz="2000" dirty="0"/>
-              <a:t> </a:t>
-            </a:r>
-            <a:r>
-              <a:rPr lang="zh-CN" altLang="en-US" sz="2000" dirty="0"/>
-              <a:t>数量级</a:t>
-            </a:r>
-            <a:endParaRPr lang="en-US" altLang="zh-CN" sz="2000" dirty="0"/>
-          </a:p>
-          <a:p>
-            <a:pPr>
-              <a:spcBef>
-                <a:spcPts val="600"/>
-              </a:spcBef>
-            </a:pPr>
-            <a:r>
-              <a:rPr lang="en-US" altLang="zh-CN" sz="2000" dirty="0"/>
-              <a:t>3.2 </a:t>
-            </a:r>
-            <a:r>
-              <a:rPr lang="zh-CN" altLang="en-US" sz="2000" dirty="0"/>
-              <a:t>时钟频率：</a:t>
-            </a:r>
-            <a:r>
-              <a:rPr lang="en-US" altLang="zh-CN" sz="2000" dirty="0"/>
-              <a:t>1 GHz </a:t>
-            </a:r>
-          </a:p>
-          <a:p>
-            <a:pPr>
-              <a:spcBef>
-                <a:spcPts val="600"/>
-              </a:spcBef>
-            </a:pPr>
-            <a:r>
-              <a:rPr lang="en-US" altLang="zh-CN" sz="2000" dirty="0"/>
-              <a:t>3.3 </a:t>
-            </a:r>
-            <a:r>
-              <a:rPr lang="zh-CN" altLang="en-US" sz="2000" dirty="0"/>
-              <a:t>杂散性能：</a:t>
-            </a:r>
-            <a:r>
-              <a:rPr lang="en-US" altLang="zh-CN" sz="2000" dirty="0"/>
-              <a:t>50 </a:t>
-            </a:r>
-            <a:r>
-              <a:rPr lang="en-US" altLang="zh-CN" sz="2000" dirty="0" err="1"/>
-              <a:t>dBc</a:t>
-            </a:r>
-            <a:endParaRPr lang="en-US" altLang="zh-CN" dirty="0"/>
-          </a:p>
-          <a:p>
-            <a:pPr marL="0" indent="0">
-              <a:spcBef>
-                <a:spcPts val="600"/>
-              </a:spcBef>
-              <a:spcAft>
-                <a:spcPts val="0"/>
-              </a:spcAft>
-              <a:buNone/>
-            </a:pPr>
-            <a:endParaRPr lang="en-US" altLang="zh-CN" dirty="0"/>
-          </a:p>
-          <a:p>
-            <a:pPr>
-              <a:spcBef>
-                <a:spcPts val="600"/>
-              </a:spcBef>
-              <a:spcAft>
-                <a:spcPts val="0"/>
-              </a:spcAft>
-            </a:pPr>
-            <a:endParaRPr lang="en-US" altLang="zh-CN" dirty="0"/>
-          </a:p>
-          <a:p>
-            <a:pPr marL="342900" lvl="1" indent="0">
-              <a:spcBef>
-                <a:spcPts val="600"/>
-              </a:spcBef>
-              <a:spcAft>
-                <a:spcPts val="600"/>
-              </a:spcAft>
-              <a:buNone/>
-            </a:pPr>
-            <a:endParaRPr lang="en-US" altLang="zh-CN" dirty="0"/>
-          </a:p>
-        </p:txBody>
-      </p:sp>
-    </p:spTree>
-    <p:extLst>
-      <p:ext uri="{BB962C8B-B14F-4D97-AF65-F5344CB8AC3E}">
-        <p14:creationId xmlns:p14="http://schemas.microsoft.com/office/powerpoint/2010/main" val="241809917"/>
-      </p:ext>
-    </p:extLst>
-  </p:cSld>
-  <p:clrMapOvr>
-    <a:masterClrMapping/>
-  </p:clrMapOvr>
-</p:sld>
-</file>
-
-<file path=ppt/slides/slide7.xml><?xml version="1.0" encoding="utf-8"?>
-<p:sld xmlns:a="http://schemas.openxmlformats.org/drawingml/2006/main" xmlns:r="http://schemas.openxmlformats.org/officeDocument/2006/relationships" xmlns:p="http://schemas.openxmlformats.org/presentationml/2006/main">
-  <p:cSld>
-    <p:spTree>
-      <p:nvGrpSpPr>
-        <p:cNvPr id="1" name=""/>
-        <p:cNvGrpSpPr/>
-        <p:nvPr/>
-      </p:nvGrpSpPr>
-      <p:grpSpPr>
-        <a:xfrm>
-          <a:off x="0" y="0"/>
-          <a:ext cx="0" cy="0"/>
-          <a:chOff x="0" y="0"/>
-          <a:chExt cx="0" cy="0"/>
-        </a:xfrm>
-      </p:grpSpPr>
-      <p:sp>
-        <p:nvSpPr>
-          <p:cNvPr id="2" name="标题 1"/>
-          <p:cNvSpPr>
-            <a:spLocks noGrp="1"/>
-          </p:cNvSpPr>
-          <p:nvPr>
-            <p:ph type="title"/>
-          </p:nvPr>
-        </p:nvSpPr>
-        <p:spPr/>
-        <p:txBody>
-          <a:bodyPr/>
-          <a:lstStyle/>
-          <a:p>
-            <a:r>
-              <a:rPr lang="zh-CN" altLang="en-US" sz="3600" dirty="0"/>
               <a:t>前期调研结果</a:t>
             </a:r>
           </a:p>
@@ -21001,71 +24128,6 @@
             <a:r>
               <a:rPr lang="zh-CN" altLang="en-US" dirty="0"/>
               <a:t>的制约</a:t>
-            </a:r>
-            <a:endParaRPr lang="en-US" altLang="zh-CN" dirty="0"/>
-          </a:p>
-          <a:p>
-            <a:pPr lvl="1">
-              <a:spcBef>
-                <a:spcPts val="0"/>
-              </a:spcBef>
-              <a:spcAft>
-                <a:spcPts val="1200"/>
-              </a:spcAft>
-            </a:pPr>
-            <a:r>
-              <a:rPr lang="zh-CN" altLang="en-US" dirty="0"/>
-              <a:t>时钟局限：很难产生超高频、高纯度的时钟信号</a:t>
-            </a:r>
-            <a:endParaRPr lang="en-US" altLang="zh-CN" dirty="0"/>
-          </a:p>
-          <a:p>
-            <a:pPr lvl="1">
-              <a:spcBef>
-                <a:spcPts val="0"/>
-              </a:spcBef>
-              <a:spcAft>
-                <a:spcPts val="1200"/>
-              </a:spcAft>
-            </a:pPr>
-            <a:r>
-              <a:rPr lang="zh-CN" altLang="en-US" dirty="0"/>
-              <a:t>存储局限：访问速度受容量限制，截断数据则引入周期性噪声</a:t>
-            </a:r>
-            <a:endParaRPr lang="en-US" altLang="zh-CN" dirty="0"/>
-          </a:p>
-          <a:p>
-            <a:pPr lvl="1">
-              <a:spcBef>
-                <a:spcPts val="0"/>
-              </a:spcBef>
-              <a:spcAft>
-                <a:spcPts val="1200"/>
-              </a:spcAft>
-            </a:pPr>
-            <a:r>
-              <a:rPr lang="en-US" altLang="zh-CN" dirty="0"/>
-              <a:t>DAC</a:t>
-            </a:r>
-            <a:r>
-              <a:rPr lang="zh-CN" altLang="en-US" dirty="0"/>
-              <a:t>局限：</a:t>
-            </a:r>
-            <a:r>
-              <a:rPr lang="en-US" altLang="zh-CN" dirty="0"/>
-              <a:t>DAC</a:t>
-            </a:r>
-            <a:r>
-              <a:rPr lang="zh-CN" altLang="en-US" dirty="0"/>
-              <a:t>速率普遍在</a:t>
-            </a:r>
-            <a:r>
-              <a:rPr lang="en-US" altLang="zh-CN" dirty="0"/>
-              <a:t>10Gbps</a:t>
-            </a:r>
-            <a:r>
-              <a:rPr lang="zh-CN" altLang="en-US" dirty="0"/>
-              <a:t>以下</a:t>
             </a:r>
             <a:endParaRPr lang="en-US" altLang="zh-CN" dirty="0"/>
           </a:p>
@@ -21176,7 +24238,7 @@
 </p:sld>
 </file>
 
-<file path=ppt/slides/slide8.xml><?xml version="1.0" encoding="utf-8"?>
+<file path=ppt/slides/slide7.xml><?xml version="1.0" encoding="utf-8"?>
 <p:sld xmlns:a="http://schemas.openxmlformats.org/drawingml/2006/main" xmlns:r="http://schemas.openxmlformats.org/officeDocument/2006/relationships" xmlns:p="http://schemas.openxmlformats.org/presentationml/2006/main">
   <p:cSld>
     <p:spTree>
@@ -22338,6 +25400,390 @@
 </p:sld>
 </file>
 
+<file path=ppt/slides/slide8.xml><?xml version="1.0" encoding="utf-8"?>
+<p:sld xmlns:a="http://schemas.openxmlformats.org/drawingml/2006/main" xmlns:r="http://schemas.openxmlformats.org/officeDocument/2006/relationships" xmlns:p="http://schemas.openxmlformats.org/presentationml/2006/main">
+  <p:cSld>
+    <p:spTree>
+      <p:nvGrpSpPr>
+        <p:cNvPr id="1" name=""/>
+        <p:cNvGrpSpPr/>
+        <p:nvPr/>
+      </p:nvGrpSpPr>
+      <p:grpSpPr>
+        <a:xfrm>
+          <a:off x="0" y="0"/>
+          <a:ext cx="0" cy="0"/>
+          <a:chOff x="0" y="0"/>
+          <a:chExt cx="0" cy="0"/>
+        </a:xfrm>
+      </p:grpSpPr>
+      <p:sp>
+        <p:nvSpPr>
+          <p:cNvPr id="5" name="文本框 4"/>
+          <p:cNvSpPr txBox="1"/>
+          <p:nvPr/>
+        </p:nvSpPr>
+        <p:spPr>
+          <a:xfrm>
+            <a:off x="175491" y="840509"/>
+            <a:ext cx="8876145" cy="707886"/>
+          </a:xfrm>
+          <a:prstGeom prst="rect">
+            <a:avLst/>
+          </a:prstGeom>
+          <a:noFill/>
+        </p:spPr>
+        <p:txBody>
+          <a:bodyPr wrap="square" rtlCol="0">
+            <a:spAutoFit/>
+          </a:bodyPr>
+          <a:lstStyle/>
+          <a:p>
+            <a:r>
+              <a:rPr lang="en-US" altLang="zh-CN" sz="2000" dirty="0"/>
+              <a:t>[1] Direct Digital Frequency Synthesizer Using Nonuniform Piecewise-Linear Approximation</a:t>
+            </a:r>
+          </a:p>
+        </p:txBody>
+      </p:sp>
+      <p:sp>
+        <p:nvSpPr>
+          <p:cNvPr id="6" name="内容占位符 2"/>
+          <p:cNvSpPr>
+            <a:spLocks noGrp="1"/>
+          </p:cNvSpPr>
+          <p:nvPr>
+            <p:ph idx="1"/>
+          </p:nvPr>
+        </p:nvSpPr>
+        <p:spPr>
+          <a:xfrm>
+            <a:off x="175492" y="1692275"/>
+            <a:ext cx="8876144" cy="5165725"/>
+          </a:xfrm>
+        </p:spPr>
+        <p:txBody>
+          <a:bodyPr/>
+          <a:lstStyle/>
+          <a:p>
+            <a:pPr>
+              <a:spcBef>
+                <a:spcPts val="0"/>
+              </a:spcBef>
+              <a:spcAft>
+                <a:spcPts val="1200"/>
+              </a:spcAft>
+            </a:pPr>
+            <a:r>
+              <a:rPr lang="zh-CN" altLang="en-US" sz="2000" dirty="0"/>
+              <a:t>面临问题：传统构架无法进一步提高频率</a:t>
+            </a:r>
+            <a:endParaRPr lang="en-US" altLang="zh-CN" sz="2000" dirty="0"/>
+          </a:p>
+          <a:p>
+            <a:pPr>
+              <a:spcBef>
+                <a:spcPts val="0"/>
+              </a:spcBef>
+              <a:spcAft>
+                <a:spcPts val="1200"/>
+              </a:spcAft>
+            </a:pPr>
+            <a:r>
+              <a:rPr lang="zh-CN" altLang="en-US" sz="2000" dirty="0"/>
+              <a:t>使用方法：在原有构架上实现非均匀分段的线性拟合法</a:t>
+            </a:r>
+            <a:endParaRPr lang="en-US" altLang="zh-CN" sz="2000" dirty="0"/>
+          </a:p>
+        </p:txBody>
+      </p:sp>
+      <p:sp>
+        <p:nvSpPr>
+          <p:cNvPr id="2" name="标题 1"/>
+          <p:cNvSpPr>
+            <a:spLocks noGrp="1"/>
+          </p:cNvSpPr>
+          <p:nvPr>
+            <p:ph type="title"/>
+          </p:nvPr>
+        </p:nvSpPr>
+        <p:spPr/>
+        <p:txBody>
+          <a:bodyPr/>
+          <a:lstStyle/>
+          <a:p>
+            <a:r>
+              <a:rPr lang="zh-CN" altLang="en-US" sz="3600" dirty="0"/>
+              <a:t>前期调研结果</a:t>
+            </a:r>
+            <a:r>
+              <a:rPr lang="en-US" altLang="zh-CN" sz="3600" dirty="0"/>
+              <a:t>—</a:t>
+            </a:r>
+            <a:r>
+              <a:rPr lang="zh-CN" altLang="en-US" sz="3600" dirty="0"/>
+              <a:t>文献调研</a:t>
+            </a:r>
+          </a:p>
+        </p:txBody>
+      </p:sp>
+      <p:sp>
+        <p:nvSpPr>
+          <p:cNvPr id="4" name="页脚占位符 3"/>
+          <p:cNvSpPr>
+            <a:spLocks noGrp="1"/>
+          </p:cNvSpPr>
+          <p:nvPr>
+            <p:ph type="ftr" sz="quarter" idx="11"/>
+          </p:nvPr>
+        </p:nvSpPr>
+        <p:spPr/>
+        <p:txBody>
+          <a:bodyPr/>
+          <a:lstStyle/>
+          <a:p>
+            <a:r>
+              <a:rPr lang="en-US" altLang="zh-CN" dirty="0">
+                <a:solidFill>
+                  <a:srgbClr val="000000"/>
+                </a:solidFill>
+              </a:rPr>
+              <a:t>9/13</a:t>
+            </a:r>
+          </a:p>
+        </p:txBody>
+      </p:sp>
+      <p:grpSp>
+        <p:nvGrpSpPr>
+          <p:cNvPr id="18" name="组合 17"/>
+          <p:cNvGrpSpPr/>
+          <p:nvPr/>
+        </p:nvGrpSpPr>
+        <p:grpSpPr>
+          <a:xfrm>
+            <a:off x="621445" y="2617504"/>
+            <a:ext cx="7578944" cy="2390823"/>
+            <a:chOff x="534768" y="2851467"/>
+            <a:chExt cx="7578944" cy="2390823"/>
+          </a:xfrm>
+        </p:grpSpPr>
+        <p:pic>
+          <p:nvPicPr>
+            <p:cNvPr id="12" name="图片 11"/>
+            <p:cNvPicPr>
+              <a:picLocks noChangeAspect="1"/>
+            </p:cNvPicPr>
+            <p:nvPr/>
+          </p:nvPicPr>
+          <p:blipFill>
+            <a:blip r:embed="rId3"/>
+            <a:stretch>
+              <a:fillRect/>
+            </a:stretch>
+          </p:blipFill>
+          <p:spPr>
+            <a:xfrm>
+              <a:off x="4589462" y="2851467"/>
+              <a:ext cx="3524250" cy="2028825"/>
+            </a:xfrm>
+            <a:prstGeom prst="rect">
+              <a:avLst/>
+            </a:prstGeom>
+          </p:spPr>
+        </p:pic>
+        <p:pic>
+          <p:nvPicPr>
+            <p:cNvPr id="14" name="图片 13"/>
+            <p:cNvPicPr>
+              <a:picLocks noChangeAspect="1"/>
+            </p:cNvPicPr>
+            <p:nvPr/>
+          </p:nvPicPr>
+          <p:blipFill>
+            <a:blip r:embed="rId4"/>
+            <a:stretch>
+              <a:fillRect/>
+            </a:stretch>
+          </p:blipFill>
+          <p:spPr>
+            <a:xfrm>
+              <a:off x="534768" y="3049853"/>
+              <a:ext cx="3203448" cy="1781493"/>
+            </a:xfrm>
+            <a:prstGeom prst="rect">
+              <a:avLst/>
+            </a:prstGeom>
+          </p:spPr>
+        </p:pic>
+        <p:sp>
+          <p:nvSpPr>
+            <p:cNvPr id="15" name="箭头: 右 14"/>
+            <p:cNvSpPr/>
+            <p:nvPr/>
+          </p:nvSpPr>
+          <p:spPr>
+            <a:xfrm>
+              <a:off x="3996050" y="4617203"/>
+              <a:ext cx="728826" cy="148195"/>
+            </a:xfrm>
+            <a:prstGeom prst="rightArrow">
+              <a:avLst>
+                <a:gd name="adj1" fmla="val 50000"/>
+                <a:gd name="adj2" fmla="val 97125"/>
+              </a:avLst>
+            </a:prstGeom>
+          </p:spPr>
+          <p:style>
+            <a:lnRef idx="2">
+              <a:schemeClr val="dk1">
+                <a:shade val="50000"/>
+              </a:schemeClr>
+            </a:lnRef>
+            <a:fillRef idx="1">
+              <a:schemeClr val="dk1"/>
+            </a:fillRef>
+            <a:effectRef idx="0">
+              <a:schemeClr val="dk1"/>
+            </a:effectRef>
+            <a:fontRef idx="minor">
+              <a:schemeClr val="lt1"/>
+            </a:fontRef>
+          </p:style>
+          <p:txBody>
+            <a:bodyPr rtlCol="0" anchor="ctr"/>
+            <a:lstStyle/>
+            <a:p>
+              <a:pPr algn="ctr"/>
+              <a:endParaRPr lang="zh-CN" altLang="en-US"/>
+            </a:p>
+          </p:txBody>
+        </p:sp>
+        <p:sp>
+          <p:nvSpPr>
+            <p:cNvPr id="16" name="文本框 15"/>
+            <p:cNvSpPr txBox="1"/>
+            <p:nvPr/>
+          </p:nvSpPr>
+          <p:spPr>
+            <a:xfrm>
+              <a:off x="691916" y="4872958"/>
+              <a:ext cx="2889152" cy="369332"/>
+            </a:xfrm>
+            <a:prstGeom prst="rect">
+              <a:avLst/>
+            </a:prstGeom>
+            <a:noFill/>
+          </p:spPr>
+          <p:txBody>
+            <a:bodyPr wrap="square" rtlCol="0">
+              <a:spAutoFit/>
+            </a:bodyPr>
+            <a:lstStyle/>
+            <a:p>
+              <a:pPr algn="ctr"/>
+              <a:r>
+                <a:rPr lang="zh-CN" altLang="en-US" dirty="0"/>
+                <a:t>均匀分段的线性拟合</a:t>
+              </a:r>
+            </a:p>
+          </p:txBody>
+        </p:sp>
+        <p:sp>
+          <p:nvSpPr>
+            <p:cNvPr id="17" name="文本框 16"/>
+            <p:cNvSpPr txBox="1"/>
+            <p:nvPr/>
+          </p:nvSpPr>
+          <p:spPr>
+            <a:xfrm>
+              <a:off x="5161695" y="4872958"/>
+              <a:ext cx="2685952" cy="369332"/>
+            </a:xfrm>
+            <a:prstGeom prst="rect">
+              <a:avLst/>
+            </a:prstGeom>
+            <a:noFill/>
+          </p:spPr>
+          <p:txBody>
+            <a:bodyPr wrap="square" rtlCol="0">
+              <a:spAutoFit/>
+            </a:bodyPr>
+            <a:lstStyle/>
+            <a:p>
+              <a:pPr algn="ctr"/>
+              <a:r>
+                <a:rPr lang="zh-CN" altLang="en-US" dirty="0"/>
+                <a:t>非均匀分段的线性拟合</a:t>
+              </a:r>
+            </a:p>
+          </p:txBody>
+        </p:sp>
+      </p:grpSp>
+      <p:sp>
+        <p:nvSpPr>
+          <p:cNvPr id="19" name="矩形 18"/>
+          <p:cNvSpPr/>
+          <p:nvPr/>
+        </p:nvSpPr>
+        <p:spPr>
+          <a:xfrm>
+            <a:off x="41562" y="5309310"/>
+            <a:ext cx="8482359" cy="784830"/>
+          </a:xfrm>
+          <a:prstGeom prst="rect">
+            <a:avLst/>
+          </a:prstGeom>
+        </p:spPr>
+        <p:txBody>
+          <a:bodyPr wrap="square">
+            <a:spAutoFit/>
+          </a:bodyPr>
+          <a:lstStyle/>
+          <a:p>
+            <a:pPr lvl="1">
+              <a:spcBef>
+                <a:spcPts val="600"/>
+              </a:spcBef>
+              <a:spcAft>
+                <a:spcPts val="0"/>
+              </a:spcAft>
+            </a:pPr>
+            <a:r>
+              <a:rPr lang="zh-CN" altLang="en-US" sz="2000" dirty="0"/>
+              <a:t>贡献：使用传统结构，在分段线性插值基础上将压缩比提升一倍。</a:t>
+            </a:r>
+            <a:endParaRPr lang="en-US" altLang="zh-CN" sz="2000" dirty="0"/>
+          </a:p>
+          <a:p>
+            <a:pPr lvl="1">
+              <a:spcBef>
+                <a:spcPts val="600"/>
+              </a:spcBef>
+              <a:spcAft>
+                <a:spcPts val="0"/>
+              </a:spcAft>
+            </a:pPr>
+            <a:r>
+              <a:rPr lang="zh-CN" altLang="en-US" sz="2000" dirty="0"/>
+              <a:t>不足：查找表的速度问题没有本质提升，在原理上很难突破。</a:t>
+            </a:r>
+            <a:endParaRPr lang="en-US" altLang="zh-CN" sz="2000" dirty="0"/>
+          </a:p>
+        </p:txBody>
+      </p:sp>
+    </p:spTree>
+    <p:extLst>
+      <p:ext uri="{BB962C8B-B14F-4D97-AF65-F5344CB8AC3E}">
+        <p14:creationId xmlns:p14="http://schemas.microsoft.com/office/powerpoint/2010/main" val="587883317"/>
+      </p:ext>
+    </p:extLst>
+  </p:cSld>
+  <p:clrMapOvr>
+    <a:masterClrMapping/>
+  </p:clrMapOvr>
+</p:sld>
+</file>
+
 <file path=ppt/slides/slide9.xml><?xml version="1.0" encoding="utf-8"?>
 <p:sld xmlns:a="http://schemas.openxmlformats.org/drawingml/2006/main" xmlns:r="http://schemas.openxmlformats.org/officeDocument/2006/relationships" xmlns:p="http://schemas.openxmlformats.org/presentationml/2006/main">
   <p:cSld>
@@ -22357,655 +25803,290 @@
       </p:grpSpPr>
       <p:grpSp>
         <p:nvGrpSpPr>
-          <p:cNvPr id="13" name="组合 12"/>
+          <p:cNvPr id="11" name="组合 10"/>
           <p:cNvGrpSpPr/>
           <p:nvPr/>
         </p:nvGrpSpPr>
         <p:grpSpPr>
           <a:xfrm>
-            <a:off x="175491" y="2799335"/>
-            <a:ext cx="8876145" cy="7780921"/>
-            <a:chOff x="175491" y="2799335"/>
-            <a:chExt cx="8876145" cy="7780921"/>
+            <a:off x="175491" y="990855"/>
+            <a:ext cx="8876145" cy="5956738"/>
+            <a:chOff x="175491" y="2738582"/>
+            <a:chExt cx="8876145" cy="5956738"/>
           </a:xfrm>
         </p:grpSpPr>
-        <p:grpSp>
-          <p:nvGrpSpPr>
-            <p:cNvPr id="11" name="组合 10"/>
-            <p:cNvGrpSpPr/>
+        <p:sp>
+          <p:nvSpPr>
+            <p:cNvPr id="7" name="文本框 6"/>
+            <p:cNvSpPr txBox="1"/>
             <p:nvPr/>
-          </p:nvGrpSpPr>
-          <p:grpSpPr>
+          </p:nvSpPr>
+          <p:spPr>
             <a:xfrm>
-              <a:off x="175491" y="2799335"/>
-              <a:ext cx="8876145" cy="5956738"/>
-              <a:chOff x="175491" y="2738582"/>
-              <a:chExt cx="8876145" cy="5956738"/>
+              <a:off x="175491" y="2738582"/>
+              <a:ext cx="8876145" cy="707886"/>
             </a:xfrm>
-          </p:grpSpPr>
-          <p:sp>
-            <p:nvSpPr>
-              <p:cNvPr id="7" name="文本框 6"/>
-              <p:cNvSpPr txBox="1"/>
-              <p:nvPr/>
-            </p:nvSpPr>
-            <p:spPr>
-              <a:xfrm>
-                <a:off x="175491" y="2738582"/>
-                <a:ext cx="8876145" cy="707886"/>
-              </a:xfrm>
-              <a:prstGeom prst="rect">
+            <a:prstGeom prst="rect">
+              <a:avLst/>
+            </a:prstGeom>
+            <a:noFill/>
+          </p:spPr>
+          <p:txBody>
+            <a:bodyPr wrap="square" rtlCol="0">
+              <a:spAutoFit/>
+            </a:bodyPr>
+            <a:lstStyle/>
+            <a:p>
+              <a:r>
+                <a:rPr lang="en-US" altLang="zh-CN" sz="2000" dirty="0"/>
+                <a:t>[2] A direct digital frequency synthesizer with minimized tuning latency of 12ns</a:t>
+              </a:r>
+            </a:p>
+          </p:txBody>
+        </p:sp>
+        <p:sp>
+          <p:nvSpPr>
+            <p:cNvPr id="8" name="内容占位符 2"/>
+            <p:cNvSpPr txBox="1">
+              <a:spLocks/>
+            </p:cNvSpPr>
+            <p:nvPr/>
+          </p:nvSpPr>
+          <p:spPr bwMode="auto">
+            <a:xfrm>
+              <a:off x="217055" y="3529595"/>
+              <a:ext cx="8686800" cy="5165725"/>
+            </a:xfrm>
+            <a:prstGeom prst="rect">
+              <a:avLst/>
+            </a:prstGeom>
+            <a:noFill/>
+            <a:ln w="9525">
+              <a:noFill/>
+              <a:miter lim="800000"/>
+              <a:headEnd/>
+              <a:tailEnd/>
+            </a:ln>
+            <a:effectLst/>
+          </p:spPr>
+          <p:txBody>
+            <a:bodyPr vert="horz" wrap="square" lIns="91440" tIns="45720" rIns="91440" bIns="45720" numCol="1" anchor="t" anchorCtr="0" compatLnSpc="1">
+              <a:prstTxWarp prst="textNoShape">
                 <a:avLst/>
-              </a:prstGeom>
-              <a:noFill/>
-            </p:spPr>
-            <p:txBody>
-              <a:bodyPr wrap="square" rtlCol="0">
-                <a:spAutoFit/>
-              </a:bodyPr>
-              <a:lstStyle/>
-              <a:p>
-                <a:r>
-                  <a:rPr lang="en-US" altLang="zh-CN" sz="2000" dirty="0"/>
-                  <a:t>[2] A direct digital frequency synthesizer with minimized tuning latency of 12ns</a:t>
-                </a:r>
-              </a:p>
-            </p:txBody>
-          </p:sp>
-          <p:sp>
-            <p:nvSpPr>
-              <p:cNvPr id="8" name="内容占位符 2"/>
-              <p:cNvSpPr txBox="1">
-                <a:spLocks/>
-              </p:cNvSpPr>
-              <p:nvPr/>
-            </p:nvSpPr>
-            <p:spPr bwMode="auto">
-              <a:xfrm>
-                <a:off x="217055" y="3529595"/>
-                <a:ext cx="8686800" cy="5165725"/>
-              </a:xfrm>
-              <a:prstGeom prst="rect">
-                <a:avLst/>
-              </a:prstGeom>
-              <a:noFill/>
-              <a:ln w="9525">
-                <a:noFill/>
-                <a:miter lim="800000"/>
-                <a:headEnd/>
-                <a:tailEnd/>
-              </a:ln>
-              <a:effectLst/>
-            </p:spPr>
-            <p:txBody>
-              <a:bodyPr vert="horz" wrap="square" lIns="91440" tIns="45720" rIns="91440" bIns="45720" numCol="1" anchor="t" anchorCtr="0" compatLnSpc="1">
-                <a:prstTxWarp prst="textNoShape">
-                  <a:avLst/>
-                </a:prstTxWarp>
-              </a:bodyPr>
-              <a:lstStyle>
-                <a:lvl1pPr marL="257175" indent="-257175" algn="l" rtl="0" fontAlgn="base">
-                  <a:spcBef>
-                    <a:spcPct val="20000"/>
-                  </a:spcBef>
-                  <a:spcAft>
-                    <a:spcPct val="0"/>
-                  </a:spcAft>
-                  <a:buChar char="•"/>
-                  <a:defRPr sz="2400">
-                    <a:solidFill>
-                      <a:schemeClr val="tx1"/>
-                    </a:solidFill>
-                    <a:latin typeface="Arial Unicode MS" pitchFamily="34" charset="-122"/>
-                    <a:ea typeface="Arial Unicode MS" pitchFamily="34" charset="-122"/>
-                    <a:cs typeface="Arial Unicode MS" pitchFamily="34" charset="-122"/>
-                  </a:defRPr>
-                </a:lvl1pPr>
-                <a:lvl2pPr marL="557213" indent="-214313" algn="l" rtl="0" fontAlgn="base">
-                  <a:spcBef>
-                    <a:spcPct val="20000"/>
-                  </a:spcBef>
-                  <a:spcAft>
-                    <a:spcPct val="0"/>
-                  </a:spcAft>
-                  <a:buChar char="–"/>
-                  <a:defRPr sz="2100">
-                    <a:solidFill>
-                      <a:schemeClr val="tx1"/>
-                    </a:solidFill>
-                    <a:latin typeface="Arial Unicode MS" pitchFamily="34" charset="-122"/>
-                    <a:ea typeface="Arial Unicode MS" pitchFamily="34" charset="-122"/>
-                    <a:cs typeface="Arial Unicode MS" pitchFamily="34" charset="-122"/>
-                  </a:defRPr>
-                </a:lvl2pPr>
-                <a:lvl3pPr marL="857250" indent="-171450" algn="l" rtl="0" fontAlgn="base">
-                  <a:spcBef>
-                    <a:spcPct val="20000"/>
-                  </a:spcBef>
-                  <a:spcAft>
-                    <a:spcPct val="0"/>
-                  </a:spcAft>
-                  <a:buChar char="•"/>
-                  <a:defRPr sz="1800">
-                    <a:solidFill>
-                      <a:schemeClr val="tx1"/>
-                    </a:solidFill>
-                    <a:latin typeface="Arial Unicode MS" pitchFamily="34" charset="-122"/>
-                    <a:ea typeface="Arial Unicode MS" pitchFamily="34" charset="-122"/>
-                    <a:cs typeface="Arial Unicode MS" pitchFamily="34" charset="-122"/>
-                  </a:defRPr>
-                </a:lvl3pPr>
-                <a:lvl4pPr marL="1200150" indent="-171450" algn="l" rtl="0" fontAlgn="base">
-                  <a:spcBef>
-                    <a:spcPct val="20000"/>
-                  </a:spcBef>
-                  <a:spcAft>
-                    <a:spcPct val="0"/>
-                  </a:spcAft>
-                  <a:buChar char="–"/>
-                  <a:defRPr sz="1500">
-                    <a:solidFill>
-                      <a:schemeClr val="tx1"/>
-                    </a:solidFill>
-                    <a:latin typeface="Arial Unicode MS" pitchFamily="34" charset="-122"/>
-                    <a:ea typeface="Arial Unicode MS" pitchFamily="34" charset="-122"/>
-                    <a:cs typeface="Arial Unicode MS" pitchFamily="34" charset="-122"/>
-                  </a:defRPr>
-                </a:lvl4pPr>
-                <a:lvl5pPr marL="1543050" indent="-171450" algn="l" rtl="0" fontAlgn="base">
-                  <a:spcBef>
-                    <a:spcPct val="20000"/>
-                  </a:spcBef>
-                  <a:spcAft>
-                    <a:spcPct val="0"/>
-                  </a:spcAft>
-                  <a:buChar char="»"/>
-                  <a:defRPr sz="1500">
-                    <a:solidFill>
-                      <a:schemeClr val="tx1"/>
-                    </a:solidFill>
-                    <a:latin typeface="Arial Unicode MS" pitchFamily="34" charset="-122"/>
-                    <a:ea typeface="Arial Unicode MS" pitchFamily="34" charset="-122"/>
-                    <a:cs typeface="Arial Unicode MS" pitchFamily="34" charset="-122"/>
-                  </a:defRPr>
-                </a:lvl5pPr>
-                <a:lvl6pPr marL="1885950" indent="-171450" algn="l" rtl="0" fontAlgn="base">
-                  <a:spcBef>
-                    <a:spcPct val="20000"/>
-                  </a:spcBef>
-                  <a:spcAft>
-                    <a:spcPct val="0"/>
-                  </a:spcAft>
-                  <a:buChar char="»"/>
-                  <a:defRPr sz="1500">
-                    <a:solidFill>
-                      <a:schemeClr val="tx1"/>
-                    </a:solidFill>
-                    <a:latin typeface="+mn-lt"/>
-                    <a:ea typeface="+mn-ea"/>
-                  </a:defRPr>
-                </a:lvl6pPr>
-                <a:lvl7pPr marL="2228850" indent="-171450" algn="l" rtl="0" fontAlgn="base">
-                  <a:spcBef>
-                    <a:spcPct val="20000"/>
-                  </a:spcBef>
-                  <a:spcAft>
-                    <a:spcPct val="0"/>
-                  </a:spcAft>
-                  <a:buChar char="»"/>
-                  <a:defRPr sz="1500">
-                    <a:solidFill>
-                      <a:schemeClr val="tx1"/>
-                    </a:solidFill>
-                    <a:latin typeface="+mn-lt"/>
-                    <a:ea typeface="+mn-ea"/>
-                  </a:defRPr>
-                </a:lvl7pPr>
-                <a:lvl8pPr marL="2571750" indent="-171450" algn="l" rtl="0" fontAlgn="base">
-                  <a:spcBef>
-                    <a:spcPct val="20000"/>
-                  </a:spcBef>
-                  <a:spcAft>
-                    <a:spcPct val="0"/>
-                  </a:spcAft>
-                  <a:buChar char="»"/>
-                  <a:defRPr sz="1500">
-                    <a:solidFill>
-                      <a:schemeClr val="tx1"/>
-                    </a:solidFill>
-                    <a:latin typeface="+mn-lt"/>
-                    <a:ea typeface="+mn-ea"/>
-                  </a:defRPr>
-                </a:lvl8pPr>
-                <a:lvl9pPr marL="2914650" indent="-171450" algn="l" rtl="0" fontAlgn="base">
-                  <a:spcBef>
-                    <a:spcPct val="20000"/>
-                  </a:spcBef>
-                  <a:spcAft>
-                    <a:spcPct val="0"/>
-                  </a:spcAft>
-                  <a:buChar char="»"/>
-                  <a:defRPr sz="1500">
-                    <a:solidFill>
-                      <a:schemeClr val="tx1"/>
-                    </a:solidFill>
-                    <a:latin typeface="+mn-lt"/>
-                    <a:ea typeface="+mn-ea"/>
-                  </a:defRPr>
-                </a:lvl9pPr>
-              </a:lstStyle>
-              <a:p>
-                <a:pPr>
-                  <a:spcBef>
-                    <a:spcPts val="0"/>
-                  </a:spcBef>
-                  <a:spcAft>
-                    <a:spcPts val="1200"/>
-                  </a:spcAft>
-                </a:pPr>
-                <a:r>
-                  <a:rPr lang="zh-CN" altLang="en-US" sz="2000" dirty="0"/>
-                  <a:t>面临问题：传统</a:t>
-                </a:r>
-                <a:r>
-                  <a:rPr lang="en-US" altLang="zh-CN" sz="2000" dirty="0"/>
-                  <a:t>CORDIC</a:t>
-                </a:r>
-                <a:r>
-                  <a:rPr lang="zh-CN" altLang="en-US" sz="2000" dirty="0"/>
-                  <a:t>方法流水级数长，导致切换延时很大</a:t>
-                </a:r>
-                <a:endParaRPr lang="en-US" altLang="zh-CN" sz="2000" dirty="0"/>
-              </a:p>
-              <a:p>
-                <a:pPr>
-                  <a:spcBef>
-                    <a:spcPts val="0"/>
-                  </a:spcBef>
-                  <a:spcAft>
-                    <a:spcPts val="1200"/>
-                  </a:spcAft>
-                </a:pPr>
-                <a:r>
-                  <a:rPr lang="zh-CN" altLang="en-US" sz="2000" dirty="0"/>
-                  <a:t>优化方法：使用混合策略，提出</a:t>
-                </a:r>
-                <a:r>
-                  <a:rPr lang="en-US" altLang="zh-CN" sz="2000" dirty="0"/>
-                  <a:t>excess-four</a:t>
-                </a:r>
-                <a:r>
-                  <a:rPr lang="zh-CN" altLang="en-US" sz="2000" dirty="0"/>
-                  <a:t>电路结构</a:t>
-                </a:r>
-                <a:endParaRPr lang="en-US" altLang="zh-CN" sz="2000" dirty="0"/>
-              </a:p>
-            </p:txBody>
-          </p:sp>
-        </p:grpSp>
-        <p:grpSp>
-          <p:nvGrpSpPr>
-            <p:cNvPr id="3" name="组合 2"/>
-            <p:cNvGrpSpPr/>
-            <p:nvPr/>
-          </p:nvGrpSpPr>
-          <p:grpSpPr>
-            <a:xfrm>
-              <a:off x="175491" y="4623518"/>
-              <a:ext cx="8876145" cy="5956738"/>
-              <a:chOff x="175491" y="4562765"/>
-              <a:chExt cx="8876145" cy="5956738"/>
-            </a:xfrm>
-          </p:grpSpPr>
-          <p:sp>
-            <p:nvSpPr>
-              <p:cNvPr id="9" name="文本框 8"/>
-              <p:cNvSpPr txBox="1"/>
-              <p:nvPr/>
-            </p:nvSpPr>
-            <p:spPr>
-              <a:xfrm>
-                <a:off x="175491" y="4562765"/>
-                <a:ext cx="8876145" cy="707886"/>
-              </a:xfrm>
-              <a:prstGeom prst="rect">
-                <a:avLst/>
-              </a:prstGeom>
-              <a:noFill/>
-            </p:spPr>
-            <p:txBody>
-              <a:bodyPr wrap="square" rtlCol="0">
-                <a:spAutoFit/>
-              </a:bodyPr>
-              <a:lstStyle/>
-              <a:p>
-                <a:r>
-                  <a:rPr lang="en-US" altLang="zh-CN" sz="2000" dirty="0"/>
-                  <a:t>[3] A 2 GHz 130 </a:t>
-                </a:r>
-                <a:r>
-                  <a:rPr lang="en-US" altLang="zh-CN" sz="2000" dirty="0" err="1"/>
-                  <a:t>mW</a:t>
-                </a:r>
-                <a:r>
-                  <a:rPr lang="en-US" altLang="zh-CN" sz="2000" dirty="0"/>
-                  <a:t> Direct-Digital Frequency Synthesizer With a Nonlinear DAC in 55 nm CMOS</a:t>
-                </a:r>
-              </a:p>
-            </p:txBody>
-          </p:sp>
-          <p:sp>
-            <p:nvSpPr>
-              <p:cNvPr id="10" name="内容占位符 2"/>
-              <p:cNvSpPr txBox="1">
-                <a:spLocks/>
-              </p:cNvSpPr>
-              <p:nvPr/>
-            </p:nvSpPr>
-            <p:spPr bwMode="auto">
-              <a:xfrm>
-                <a:off x="217055" y="5353778"/>
-                <a:ext cx="8686800" cy="5165725"/>
-              </a:xfrm>
-              <a:prstGeom prst="rect">
-                <a:avLst/>
-              </a:prstGeom>
-              <a:noFill/>
-              <a:ln w="9525">
-                <a:noFill/>
-                <a:miter lim="800000"/>
-                <a:headEnd/>
-                <a:tailEnd/>
-              </a:ln>
-              <a:effectLst/>
-            </p:spPr>
-            <p:txBody>
-              <a:bodyPr vert="horz" wrap="square" lIns="91440" tIns="45720" rIns="91440" bIns="45720" numCol="1" anchor="t" anchorCtr="0" compatLnSpc="1">
-                <a:prstTxWarp prst="textNoShape">
-                  <a:avLst/>
-                </a:prstTxWarp>
-              </a:bodyPr>
-              <a:lstStyle>
-                <a:lvl1pPr marL="257175" indent="-257175" algn="l" rtl="0" fontAlgn="base">
-                  <a:spcBef>
-                    <a:spcPct val="20000"/>
-                  </a:spcBef>
-                  <a:spcAft>
-                    <a:spcPct val="0"/>
-                  </a:spcAft>
-                  <a:buChar char="•"/>
-                  <a:defRPr sz="2400">
-                    <a:solidFill>
-                      <a:schemeClr val="tx1"/>
-                    </a:solidFill>
-                    <a:latin typeface="Arial Unicode MS" pitchFamily="34" charset="-122"/>
-                    <a:ea typeface="Arial Unicode MS" pitchFamily="34" charset="-122"/>
-                    <a:cs typeface="Arial Unicode MS" pitchFamily="34" charset="-122"/>
-                  </a:defRPr>
-                </a:lvl1pPr>
-                <a:lvl2pPr marL="557213" indent="-214313" algn="l" rtl="0" fontAlgn="base">
-                  <a:spcBef>
-                    <a:spcPct val="20000"/>
-                  </a:spcBef>
-                  <a:spcAft>
-                    <a:spcPct val="0"/>
-                  </a:spcAft>
-                  <a:buChar char="–"/>
-                  <a:defRPr sz="2100">
-                    <a:solidFill>
-                      <a:schemeClr val="tx1"/>
-                    </a:solidFill>
-                    <a:latin typeface="Arial Unicode MS" pitchFamily="34" charset="-122"/>
-                    <a:ea typeface="Arial Unicode MS" pitchFamily="34" charset="-122"/>
-                    <a:cs typeface="Arial Unicode MS" pitchFamily="34" charset="-122"/>
-                  </a:defRPr>
-                </a:lvl2pPr>
-                <a:lvl3pPr marL="857250" indent="-171450" algn="l" rtl="0" fontAlgn="base">
-                  <a:spcBef>
-                    <a:spcPct val="20000"/>
-                  </a:spcBef>
-                  <a:spcAft>
-                    <a:spcPct val="0"/>
-                  </a:spcAft>
-                  <a:buChar char="•"/>
-                  <a:defRPr sz="1800">
-                    <a:solidFill>
-                      <a:schemeClr val="tx1"/>
-                    </a:solidFill>
-                    <a:latin typeface="Arial Unicode MS" pitchFamily="34" charset="-122"/>
-                    <a:ea typeface="Arial Unicode MS" pitchFamily="34" charset="-122"/>
-                    <a:cs typeface="Arial Unicode MS" pitchFamily="34" charset="-122"/>
-                  </a:defRPr>
-                </a:lvl3pPr>
-                <a:lvl4pPr marL="1200150" indent="-171450" algn="l" rtl="0" fontAlgn="base">
-                  <a:spcBef>
-                    <a:spcPct val="20000"/>
-                  </a:spcBef>
-                  <a:spcAft>
-                    <a:spcPct val="0"/>
-                  </a:spcAft>
-                  <a:buChar char="–"/>
-                  <a:defRPr sz="1500">
-                    <a:solidFill>
-                      <a:schemeClr val="tx1"/>
-                    </a:solidFill>
-                    <a:latin typeface="Arial Unicode MS" pitchFamily="34" charset="-122"/>
-                    <a:ea typeface="Arial Unicode MS" pitchFamily="34" charset="-122"/>
-                    <a:cs typeface="Arial Unicode MS" pitchFamily="34" charset="-122"/>
-                  </a:defRPr>
-                </a:lvl4pPr>
-                <a:lvl5pPr marL="1543050" indent="-171450" algn="l" rtl="0" fontAlgn="base">
-                  <a:spcBef>
-                    <a:spcPct val="20000"/>
-                  </a:spcBef>
-                  <a:spcAft>
-                    <a:spcPct val="0"/>
-                  </a:spcAft>
-                  <a:buChar char="»"/>
-                  <a:defRPr sz="1500">
-                    <a:solidFill>
-                      <a:schemeClr val="tx1"/>
-                    </a:solidFill>
-                    <a:latin typeface="Arial Unicode MS" pitchFamily="34" charset="-122"/>
-                    <a:ea typeface="Arial Unicode MS" pitchFamily="34" charset="-122"/>
-                    <a:cs typeface="Arial Unicode MS" pitchFamily="34" charset="-122"/>
-                  </a:defRPr>
-                </a:lvl5pPr>
-                <a:lvl6pPr marL="1885950" indent="-171450" algn="l" rtl="0" fontAlgn="base">
-                  <a:spcBef>
-                    <a:spcPct val="20000"/>
-                  </a:spcBef>
-                  <a:spcAft>
-                    <a:spcPct val="0"/>
-                  </a:spcAft>
-                  <a:buChar char="»"/>
-                  <a:defRPr sz="1500">
-                    <a:solidFill>
-                      <a:schemeClr val="tx1"/>
-                    </a:solidFill>
-                    <a:latin typeface="+mn-lt"/>
-                    <a:ea typeface="+mn-ea"/>
-                  </a:defRPr>
-                </a:lvl6pPr>
-                <a:lvl7pPr marL="2228850" indent="-171450" algn="l" rtl="0" fontAlgn="base">
-                  <a:spcBef>
-                    <a:spcPct val="20000"/>
-                  </a:spcBef>
-                  <a:spcAft>
-                    <a:spcPct val="0"/>
-                  </a:spcAft>
-                  <a:buChar char="»"/>
-                  <a:defRPr sz="1500">
-                    <a:solidFill>
-                      <a:schemeClr val="tx1"/>
-                    </a:solidFill>
-                    <a:latin typeface="+mn-lt"/>
-                    <a:ea typeface="+mn-ea"/>
-                  </a:defRPr>
-                </a:lvl7pPr>
-                <a:lvl8pPr marL="2571750" indent="-171450" algn="l" rtl="0" fontAlgn="base">
-                  <a:spcBef>
-                    <a:spcPct val="20000"/>
-                  </a:spcBef>
-                  <a:spcAft>
-                    <a:spcPct val="0"/>
-                  </a:spcAft>
-                  <a:buChar char="»"/>
-                  <a:defRPr sz="1500">
-                    <a:solidFill>
-                      <a:schemeClr val="tx1"/>
-                    </a:solidFill>
-                    <a:latin typeface="+mn-lt"/>
-                    <a:ea typeface="+mn-ea"/>
-                  </a:defRPr>
-                </a:lvl8pPr>
-                <a:lvl9pPr marL="2914650" indent="-171450" algn="l" rtl="0" fontAlgn="base">
-                  <a:spcBef>
-                    <a:spcPct val="20000"/>
-                  </a:spcBef>
-                  <a:spcAft>
-                    <a:spcPct val="0"/>
-                  </a:spcAft>
-                  <a:buChar char="»"/>
-                  <a:defRPr sz="1500">
-                    <a:solidFill>
-                      <a:schemeClr val="tx1"/>
-                    </a:solidFill>
-                    <a:latin typeface="+mn-lt"/>
-                    <a:ea typeface="+mn-ea"/>
-                  </a:defRPr>
-                </a:lvl9pPr>
-              </a:lstStyle>
-              <a:p>
-                <a:pPr>
-                  <a:spcBef>
-                    <a:spcPts val="0"/>
-                  </a:spcBef>
-                  <a:spcAft>
-                    <a:spcPts val="1200"/>
-                  </a:spcAft>
-                </a:pPr>
-                <a:r>
-                  <a:rPr lang="zh-CN" altLang="en-US" sz="2000" dirty="0"/>
-                  <a:t>面临问题：查找表和角度旋转方法，最长路径延时仍然很大</a:t>
-                </a:r>
-                <a:endParaRPr lang="en-US" altLang="zh-CN" sz="2000" dirty="0"/>
-              </a:p>
-              <a:p>
-                <a:pPr>
-                  <a:spcBef>
-                    <a:spcPts val="0"/>
-                  </a:spcBef>
-                  <a:spcAft>
-                    <a:spcPts val="1200"/>
-                  </a:spcAft>
-                </a:pPr>
-                <a:r>
-                  <a:rPr lang="zh-CN" altLang="en-US" sz="2000" dirty="0"/>
-                  <a:t>使用方法：使用非线性的</a:t>
-                </a:r>
-                <a:r>
-                  <a:rPr lang="en-US" altLang="zh-CN" sz="2000" dirty="0"/>
-                  <a:t>DAC</a:t>
-                </a:r>
-                <a:r>
-                  <a:rPr lang="zh-CN" altLang="en-US" sz="2000" dirty="0"/>
-                  <a:t>，简化</a:t>
-                </a:r>
-                <a:r>
-                  <a:rPr lang="en-US" altLang="zh-CN" sz="2000" dirty="0"/>
-                  <a:t>DAC</a:t>
-                </a:r>
-                <a:r>
-                  <a:rPr lang="zh-CN" altLang="en-US" sz="2000" dirty="0"/>
-                  <a:t>中编解码器</a:t>
-                </a:r>
-                <a:endParaRPr lang="en-US" altLang="zh-CN" sz="2000" dirty="0"/>
-              </a:p>
-            </p:txBody>
-          </p:sp>
-        </p:grpSp>
+              </a:prstTxWarp>
+            </a:bodyPr>
+            <a:lstStyle>
+              <a:lvl1pPr marL="257175" indent="-257175" algn="l" rtl="0" fontAlgn="base">
+                <a:spcBef>
+                  <a:spcPct val="20000"/>
+                </a:spcBef>
+                <a:spcAft>
+                  <a:spcPct val="0"/>
+                </a:spcAft>
+                <a:buChar char="•"/>
+                <a:defRPr sz="2400">
+                  <a:solidFill>
+                    <a:schemeClr val="tx1"/>
+                  </a:solidFill>
+                  <a:latin typeface="Arial Unicode MS" pitchFamily="34" charset="-122"/>
+                  <a:ea typeface="Arial Unicode MS" pitchFamily="34" charset="-122"/>
+                  <a:cs typeface="Arial Unicode MS" pitchFamily="34" charset="-122"/>
+                </a:defRPr>
+              </a:lvl1pPr>
+              <a:lvl2pPr marL="557213" indent="-214313" algn="l" rtl="0" fontAlgn="base">
+                <a:spcBef>
+                  <a:spcPct val="20000"/>
+                </a:spcBef>
+                <a:spcAft>
+                  <a:spcPct val="0"/>
+                </a:spcAft>
+                <a:buChar char="–"/>
+                <a:defRPr sz="2100">
+                  <a:solidFill>
+                    <a:schemeClr val="tx1"/>
+                  </a:solidFill>
+                  <a:latin typeface="Arial Unicode MS" pitchFamily="34" charset="-122"/>
+                  <a:ea typeface="Arial Unicode MS" pitchFamily="34" charset="-122"/>
+                  <a:cs typeface="Arial Unicode MS" pitchFamily="34" charset="-122"/>
+                </a:defRPr>
+              </a:lvl2pPr>
+              <a:lvl3pPr marL="857250" indent="-171450" algn="l" rtl="0" fontAlgn="base">
+                <a:spcBef>
+                  <a:spcPct val="20000"/>
+                </a:spcBef>
+                <a:spcAft>
+                  <a:spcPct val="0"/>
+                </a:spcAft>
+                <a:buChar char="•"/>
+                <a:defRPr sz="1800">
+                  <a:solidFill>
+                    <a:schemeClr val="tx1"/>
+                  </a:solidFill>
+                  <a:latin typeface="Arial Unicode MS" pitchFamily="34" charset="-122"/>
+                  <a:ea typeface="Arial Unicode MS" pitchFamily="34" charset="-122"/>
+                  <a:cs typeface="Arial Unicode MS" pitchFamily="34" charset="-122"/>
+                </a:defRPr>
+              </a:lvl3pPr>
+              <a:lvl4pPr marL="1200150" indent="-171450" algn="l" rtl="0" fontAlgn="base">
+                <a:spcBef>
+                  <a:spcPct val="20000"/>
+                </a:spcBef>
+                <a:spcAft>
+                  <a:spcPct val="0"/>
+                </a:spcAft>
+                <a:buChar char="–"/>
+                <a:defRPr sz="1500">
+                  <a:solidFill>
+                    <a:schemeClr val="tx1"/>
+                  </a:solidFill>
+                  <a:latin typeface="Arial Unicode MS" pitchFamily="34" charset="-122"/>
+                  <a:ea typeface="Arial Unicode MS" pitchFamily="34" charset="-122"/>
+                  <a:cs typeface="Arial Unicode MS" pitchFamily="34" charset="-122"/>
+                </a:defRPr>
+              </a:lvl4pPr>
+              <a:lvl5pPr marL="1543050" indent="-171450" algn="l" rtl="0" fontAlgn="base">
+                <a:spcBef>
+                  <a:spcPct val="20000"/>
+                </a:spcBef>
+                <a:spcAft>
+                  <a:spcPct val="0"/>
+                </a:spcAft>
+                <a:buChar char="»"/>
+                <a:defRPr sz="1500">
+                  <a:solidFill>
+                    <a:schemeClr val="tx1"/>
+                  </a:solidFill>
+                  <a:latin typeface="Arial Unicode MS" pitchFamily="34" charset="-122"/>
+                  <a:ea typeface="Arial Unicode MS" pitchFamily="34" charset="-122"/>
+                  <a:cs typeface="Arial Unicode MS" pitchFamily="34" charset="-122"/>
+                </a:defRPr>
+              </a:lvl5pPr>
+              <a:lvl6pPr marL="1885950" indent="-171450" algn="l" rtl="0" fontAlgn="base">
+                <a:spcBef>
+                  <a:spcPct val="20000"/>
+                </a:spcBef>
+                <a:spcAft>
+                  <a:spcPct val="0"/>
+                </a:spcAft>
+                <a:buChar char="»"/>
+                <a:defRPr sz="1500">
+                  <a:solidFill>
+                    <a:schemeClr val="tx1"/>
+                  </a:solidFill>
+                  <a:latin typeface="+mn-lt"/>
+                  <a:ea typeface="+mn-ea"/>
+                </a:defRPr>
+              </a:lvl6pPr>
+              <a:lvl7pPr marL="2228850" indent="-171450" algn="l" rtl="0" fontAlgn="base">
+                <a:spcBef>
+                  <a:spcPct val="20000"/>
+                </a:spcBef>
+                <a:spcAft>
+                  <a:spcPct val="0"/>
+                </a:spcAft>
+                <a:buChar char="»"/>
+                <a:defRPr sz="1500">
+                  <a:solidFill>
+                    <a:schemeClr val="tx1"/>
+                  </a:solidFill>
+                  <a:latin typeface="+mn-lt"/>
+                  <a:ea typeface="+mn-ea"/>
+                </a:defRPr>
+              </a:lvl7pPr>
+              <a:lvl8pPr marL="2571750" indent="-171450" algn="l" rtl="0" fontAlgn="base">
+                <a:spcBef>
+                  <a:spcPct val="20000"/>
+                </a:spcBef>
+                <a:spcAft>
+                  <a:spcPct val="0"/>
+                </a:spcAft>
+                <a:buChar char="»"/>
+                <a:defRPr sz="1500">
+                  <a:solidFill>
+                    <a:schemeClr val="tx1"/>
+                  </a:solidFill>
+                  <a:latin typeface="+mn-lt"/>
+                  <a:ea typeface="+mn-ea"/>
+                </a:defRPr>
+              </a:lvl8pPr>
+              <a:lvl9pPr marL="2914650" indent="-171450" algn="l" rtl="0" fontAlgn="base">
+                <a:spcBef>
+                  <a:spcPct val="20000"/>
+                </a:spcBef>
+                <a:spcAft>
+                  <a:spcPct val="0"/>
+                </a:spcAft>
+                <a:buChar char="»"/>
+                <a:defRPr sz="1500">
+                  <a:solidFill>
+                    <a:schemeClr val="tx1"/>
+                  </a:solidFill>
+                  <a:latin typeface="+mn-lt"/>
+                  <a:ea typeface="+mn-ea"/>
+                </a:defRPr>
+              </a:lvl9pPr>
+            </a:lstStyle>
+            <a:p>
+              <a:pPr>
+                <a:spcBef>
+                  <a:spcPts val="0"/>
+                </a:spcBef>
+                <a:spcAft>
+                  <a:spcPts val="1200"/>
+                </a:spcAft>
+              </a:pPr>
+              <a:r>
+                <a:rPr lang="zh-CN" altLang="en-US" sz="2000" dirty="0"/>
+                <a:t>面临问题：传统</a:t>
+              </a:r>
+              <a:r>
+                <a:rPr lang="en-US" altLang="zh-CN" sz="2000" dirty="0"/>
+                <a:t>CORDIC</a:t>
+              </a:r>
+              <a:r>
+                <a:rPr lang="zh-CN" altLang="en-US" sz="2000" dirty="0"/>
+                <a:t>方法流水级数长，导致切换延时很大</a:t>
+              </a:r>
+              <a:endParaRPr lang="en-US" altLang="zh-CN" sz="2000" dirty="0"/>
+            </a:p>
+            <a:p>
+              <a:pPr>
+                <a:spcBef>
+                  <a:spcPts val="0"/>
+                </a:spcBef>
+                <a:spcAft>
+                  <a:spcPts val="1200"/>
+                </a:spcAft>
+              </a:pPr>
+              <a:r>
+                <a:rPr lang="zh-CN" altLang="en-US" sz="2000" dirty="0"/>
+                <a:t>优化方法：使用混合策略，提出</a:t>
+              </a:r>
+              <a:r>
+                <a:rPr lang="en-US" altLang="zh-CN" sz="2000" dirty="0"/>
+                <a:t>excess-four</a:t>
+              </a:r>
+              <a:r>
+                <a:rPr lang="zh-CN" altLang="en-US" sz="2000" dirty="0"/>
+                <a:t>电路结构</a:t>
+              </a:r>
+              <a:endParaRPr lang="en-US" altLang="zh-CN" sz="2000" dirty="0"/>
+            </a:p>
+            <a:p>
+              <a:pPr marL="0" indent="0">
+                <a:spcBef>
+                  <a:spcPts val="0"/>
+                </a:spcBef>
+                <a:spcAft>
+                  <a:spcPts val="1200"/>
+                </a:spcAft>
+                <a:buNone/>
+              </a:pPr>
+              <a:endParaRPr lang="en-US" altLang="zh-CN" sz="2000" dirty="0"/>
+            </a:p>
+          </p:txBody>
+        </p:sp>
       </p:grpSp>
-      <p:sp>
-        <p:nvSpPr>
-          <p:cNvPr id="5" name="文本框 4"/>
-          <p:cNvSpPr txBox="1"/>
-          <p:nvPr/>
-        </p:nvSpPr>
-        <p:spPr>
-          <a:xfrm>
-            <a:off x="175491" y="840509"/>
-            <a:ext cx="8876145" cy="707886"/>
-          </a:xfrm>
-          <a:prstGeom prst="rect">
-            <a:avLst/>
-          </a:prstGeom>
-          <a:noFill/>
-        </p:spPr>
-        <p:txBody>
-          <a:bodyPr wrap="square" rtlCol="0">
-            <a:spAutoFit/>
-          </a:bodyPr>
-          <a:lstStyle/>
-          <a:p>
-            <a:r>
-              <a:rPr lang="en-US" altLang="zh-CN" sz="2000" dirty="0"/>
-              <a:t>[1] Direct Digital Frequency Synthesizer Using Nonuniform Piecewise-Linear Approximation</a:t>
-            </a:r>
-          </a:p>
-        </p:txBody>
-      </p:sp>
-      <p:sp>
-        <p:nvSpPr>
-          <p:cNvPr id="6" name="内容占位符 2"/>
-          <p:cNvSpPr>
-            <a:spLocks noGrp="1"/>
-          </p:cNvSpPr>
-          <p:nvPr>
-            <p:ph idx="1"/>
-          </p:nvPr>
-        </p:nvSpPr>
-        <p:spPr>
-          <a:xfrm>
-            <a:off x="175492" y="1692275"/>
-            <a:ext cx="8876144" cy="5165725"/>
-          </a:xfrm>
-        </p:spPr>
-        <p:txBody>
-          <a:bodyPr/>
-          <a:lstStyle/>
-          <a:p>
-            <a:pPr>
-              <a:spcBef>
-                <a:spcPts val="0"/>
-              </a:spcBef>
-              <a:spcAft>
-                <a:spcPts val="1200"/>
-              </a:spcAft>
-            </a:pPr>
-            <a:r>
-              <a:rPr lang="zh-CN" altLang="en-US" sz="2000" dirty="0"/>
-              <a:t>面临问题：传统构架无法进一步提高频率</a:t>
-            </a:r>
-            <a:endParaRPr lang="en-US" altLang="zh-CN" sz="2000" dirty="0"/>
-          </a:p>
-          <a:p>
-            <a:pPr>
-              <a:spcBef>
-                <a:spcPts val="0"/>
-              </a:spcBef>
-              <a:spcAft>
-                <a:spcPts val="1200"/>
-              </a:spcAft>
-            </a:pPr>
-            <a:r>
-              <a:rPr lang="zh-CN" altLang="en-US" sz="2000" dirty="0"/>
-              <a:t>使用方法：在原有构架上实现非均匀分段的线性拟合法</a:t>
-            </a:r>
-            <a:endParaRPr lang="en-US" altLang="zh-CN" sz="2000" dirty="0"/>
-          </a:p>
-        </p:txBody>
-      </p:sp>
       <p:sp>
         <p:nvSpPr>
           <p:cNvPr id="2" name="标题 1"/>
@@ -23062,10 +26143,102 @@
           </a:p>
         </p:txBody>
       </p:sp>
+      <p:pic>
+        <p:nvPicPr>
+          <p:cNvPr id="12" name="图片 11"/>
+          <p:cNvPicPr>
+            <a:picLocks noChangeAspect="1"/>
+          </p:cNvPicPr>
+          <p:nvPr/>
+        </p:nvPicPr>
+        <p:blipFill>
+          <a:blip r:embed="rId3"/>
+          <a:stretch>
+            <a:fillRect/>
+          </a:stretch>
+        </p:blipFill>
+        <p:spPr>
+          <a:xfrm>
+            <a:off x="1748284" y="2753902"/>
+            <a:ext cx="5730558" cy="2577500"/>
+          </a:xfrm>
+          <a:prstGeom prst="rect">
+            <a:avLst/>
+          </a:prstGeom>
+        </p:spPr>
+      </p:pic>
+      <p:sp>
+        <p:nvSpPr>
+          <p:cNvPr id="14" name="矩形 13"/>
+          <p:cNvSpPr/>
+          <p:nvPr/>
+        </p:nvSpPr>
+        <p:spPr>
+          <a:xfrm>
+            <a:off x="0" y="5442411"/>
+            <a:ext cx="8610600" cy="723275"/>
+          </a:xfrm>
+          <a:prstGeom prst="rect">
+            <a:avLst/>
+          </a:prstGeom>
+        </p:spPr>
+        <p:txBody>
+          <a:bodyPr wrap="square">
+            <a:spAutoFit/>
+          </a:bodyPr>
+          <a:lstStyle/>
+          <a:p>
+            <a:pPr lvl="1">
+              <a:spcBef>
+                <a:spcPts val="600"/>
+              </a:spcBef>
+              <a:spcAft>
+                <a:spcPts val="0"/>
+              </a:spcAft>
+            </a:pPr>
+            <a:r>
+              <a:rPr lang="zh-CN" altLang="en-US" dirty="0"/>
+              <a:t>贡献：使用</a:t>
+            </a:r>
+            <a:r>
+              <a:rPr lang="en-US" altLang="zh-CN" dirty="0"/>
+              <a:t>LUT</a:t>
+            </a:r>
+            <a:r>
+              <a:rPr lang="zh-CN" altLang="en-US" dirty="0"/>
+              <a:t>和旋转法混合方法，减少旋转次数，实现切换延时大幅度提升</a:t>
+            </a:r>
+            <a:endParaRPr lang="en-US" altLang="zh-CN" dirty="0"/>
+          </a:p>
+          <a:p>
+            <a:pPr lvl="1">
+              <a:spcBef>
+                <a:spcPts val="600"/>
+              </a:spcBef>
+              <a:spcAft>
+                <a:spcPts val="0"/>
+              </a:spcAft>
+            </a:pPr>
+            <a:r>
+              <a:rPr lang="zh-CN" altLang="en-US" dirty="0"/>
+              <a:t>不足：新的</a:t>
+            </a:r>
+            <a:r>
+              <a:rPr lang="en-US" altLang="zh-CN" dirty="0"/>
+              <a:t>excess-four</a:t>
+            </a:r>
+            <a:r>
+              <a:rPr lang="zh-CN" altLang="en-US" dirty="0"/>
+              <a:t>电路降低了时钟频率，同时增加了电路复杂度</a:t>
+            </a:r>
+            <a:endParaRPr lang="en-US" altLang="zh-CN" dirty="0"/>
+          </a:p>
+        </p:txBody>
+      </p:sp>
     </p:spTree>
     <p:extLst>
       <p:ext uri="{BB962C8B-B14F-4D97-AF65-F5344CB8AC3E}">
-        <p14:creationId xmlns:p14="http://schemas.microsoft.com/office/powerpoint/2010/main" val="587883317"/>
+        <p14:creationId xmlns:p14="http://schemas.microsoft.com/office/powerpoint/2010/main" val="3992543001"/>
       </p:ext>
     </p:extLst>
   </p:cSld>

--- a/ppt/yyx_v1.1.pptx
+++ b/ppt/yyx_v1.1.pptx
@@ -16922,20 +16922,16 @@
               <a:t>阅读</a:t>
             </a:r>
             <a:r>
-              <a:rPr lang="en-US" altLang="zh-CN" dirty="0"/>
+              <a:rPr lang="en-US" altLang="zh-CN" dirty="0" smtClean="0"/>
               <a:t>JSSC</a:t>
             </a:r>
             <a:r>
+              <a:rPr lang="zh-CN" altLang="en-US" dirty="0" smtClean="0"/>
+              <a:t>等</a:t>
+            </a:r>
+            <a:r>
               <a:rPr lang="zh-CN" altLang="en-US" dirty="0"/>
-              <a:t>和</a:t>
-            </a:r>
-            <a:r>
-              <a:rPr lang="en-US" altLang="zh-CN" dirty="0"/>
-              <a:t>TCAS 1</a:t>
-            </a:r>
-            <a:r>
-              <a:rPr lang="zh-CN" altLang="en-US" dirty="0"/>
-              <a:t>等期刊、会议文献</a:t>
+              <a:t>期刊、会议文献</a:t>
             </a:r>
             <a:r>
               <a:rPr lang="en-US" altLang="zh-CN" dirty="0"/>
@@ -16943,7 +16939,19 @@
             </a:r>
             <a:r>
               <a:rPr lang="zh-CN" altLang="en-US" dirty="0"/>
-              <a:t>余篇</a:t>
+              <a:t>余</a:t>
+            </a:r>
+            <a:r>
+              <a:rPr lang="zh-CN" altLang="en-US" dirty="0" smtClean="0"/>
+              <a:t>篇，熟悉</a:t>
+            </a:r>
+            <a:r>
+              <a:rPr lang="en-US" altLang="zh-CN" dirty="0" smtClean="0"/>
+              <a:t>NCO</a:t>
+            </a:r>
+            <a:r>
+              <a:rPr lang="zh-CN" altLang="en-US" dirty="0" smtClean="0"/>
+              <a:t>理论</a:t>
             </a:r>
             <a:endParaRPr lang="en-US" altLang="zh-CN" dirty="0"/>
           </a:p>
@@ -17105,6 +17113,29 @@
           <a:xfrm>
             <a:off x="693102" y="2077124"/>
             <a:ext cx="4988878" cy="1767283"/>
+          </a:xfrm>
+          <a:prstGeom prst="rect">
+            <a:avLst/>
+          </a:prstGeom>
+        </p:spPr>
+      </p:pic>
+      <p:pic>
+        <p:nvPicPr>
+          <p:cNvPr id="5" name="图片 4"/>
+          <p:cNvPicPr>
+            <a:picLocks noChangeAspect="1"/>
+          </p:cNvPicPr>
+          <p:nvPr/>
+        </p:nvPicPr>
+        <p:blipFill rotWithShape="1">
+          <a:blip r:embed="rId4"/>
+          <a:srcRect l="52997" t="20781" r="12462" b="64375"/>
+          <a:stretch/>
+        </p:blipFill>
+        <p:spPr>
+          <a:xfrm>
+            <a:off x="690880" y="4643177"/>
+            <a:ext cx="4357370" cy="1206501"/>
           </a:xfrm>
           <a:prstGeom prst="rect">
             <a:avLst/>

--- a/ppt/yyx_v1.1.pptx
+++ b/ppt/yyx_v1.1.pptx
@@ -7,10 +7,10 @@
     <p:sldMasterId id="2147483672" r:id="rId3"/>
   </p:sldMasterIdLst>
   <p:notesMasterIdLst>
-    <p:notesMasterId r:id="rId22"/>
+    <p:notesMasterId r:id="rId21"/>
   </p:notesMasterIdLst>
   <p:handoutMasterIdLst>
-    <p:handoutMasterId r:id="rId23"/>
+    <p:handoutMasterId r:id="rId22"/>
   </p:handoutMasterIdLst>
   <p:sldIdLst>
     <p:sldId id="279" r:id="rId4"/>
@@ -29,8 +29,7 @@
     <p:sldId id="295" r:id="rId17"/>
     <p:sldId id="289" r:id="rId18"/>
     <p:sldId id="271" r:id="rId19"/>
-    <p:sldId id="284" r:id="rId20"/>
-    <p:sldId id="273" r:id="rId21"/>
+    <p:sldId id="273" r:id="rId20"/>
   </p:sldIdLst>
   <p:sldSz cx="9144000" cy="6858000" type="screen4x3"/>
   <p:notesSz cx="6858000" cy="9144000"/>
@@ -806,32 +805,6 @@
           <a:bodyPr/>
           <a:lstStyle/>
           <a:p>
-            <a:pPr lvl="1">
-              <a:spcBef>
-                <a:spcPts val="0"/>
-              </a:spcBef>
-              <a:spcAft>
-                <a:spcPts val="1200"/>
-              </a:spcAft>
-            </a:pPr>
-            <a:endParaRPr lang="en-US" altLang="zh-CN" dirty="0"/>
-          </a:p>
-          <a:p>
-            <a:r>
-              <a:rPr lang="zh-CN" altLang="en-US" dirty="0"/>
-              <a:t>传统的</a:t>
-            </a:r>
-            <a:r>
-              <a:rPr lang="en-US" altLang="zh-CN" dirty="0"/>
-              <a:t>DDS</a:t>
-            </a:r>
-            <a:r>
-              <a:rPr lang="zh-CN" altLang="en-US" dirty="0"/>
-              <a:t>结构受到存储器限制，通过压缩，使用更小的存储器实现更快的速度</a:t>
-            </a:r>
-            <a:endParaRPr lang="en-US" altLang="zh-CN" dirty="0"/>
-          </a:p>
-          <a:p>
             <a:pPr marL="0" marR="0" indent="0" algn="l" defTabSz="914400" rtl="0" eaLnBrk="1" fontAlgn="auto" latinLnBrk="0" hangingPunct="1">
               <a:lnSpc>
                 <a:spcPct val="100000"/>
@@ -851,85 +824,6 @@
             </a:pPr>
             <a:r>
               <a:rPr lang="zh-CN" altLang="en-US" dirty="0"/>
-              <a:t>以往的压缩方法是在（</a:t>
-            </a:r>
-            <a:r>
-              <a:rPr lang="en-US" altLang="zh-CN" dirty="0"/>
-              <a:t>0,1/2pi</a:t>
-            </a:r>
-            <a:r>
-              <a:rPr lang="zh-CN" altLang="en-US" dirty="0"/>
-              <a:t>）空间上进行了均匀分段的线性拟合，文献一的主要贡献是进行了非均匀分段。和均匀分段相比，引入噪声水平相当时容量可减小</a:t>
-            </a:r>
-            <a:r>
-              <a:rPr lang="en-US" altLang="zh-CN" dirty="0"/>
-              <a:t>40%</a:t>
-            </a:r>
-          </a:p>
-          <a:p>
-            <a:pPr marL="0" marR="0" indent="0" algn="l" defTabSz="914400" rtl="0" eaLnBrk="1" fontAlgn="auto" latinLnBrk="0" hangingPunct="1">
-              <a:lnSpc>
-                <a:spcPct val="100000"/>
-              </a:lnSpc>
-              <a:spcBef>
-                <a:spcPts val="0"/>
-              </a:spcBef>
-              <a:spcAft>
-                <a:spcPts val="0"/>
-              </a:spcAft>
-              <a:buClrTx/>
-              <a:buSzTx/>
-              <a:buFontTx/>
-              <a:buNone/>
-              <a:tabLst/>
-              <a:defRPr/>
-            </a:pPr>
-            <a:r>
-              <a:rPr lang="en-US" altLang="zh-CN" dirty="0"/>
-              <a:t>Basic</a:t>
-            </a:r>
-            <a:r>
-              <a:rPr lang="zh-CN" altLang="en-US" dirty="0"/>
-              <a:t>的</a:t>
-            </a:r>
-            <a:r>
-              <a:rPr lang="en-US" altLang="zh-CN" dirty="0" err="1"/>
-              <a:t>cordic</a:t>
-            </a:r>
-            <a:r>
-              <a:rPr lang="zh-CN" altLang="en-US" dirty="0"/>
-              <a:t>算法存在流水级数过长的问题，文献二的主要工作是通过</a:t>
-            </a:r>
-            <a:r>
-              <a:rPr lang="en-US" altLang="zh-CN" dirty="0"/>
-              <a:t>excess-four</a:t>
-            </a:r>
-            <a:r>
-              <a:rPr lang="zh-CN" altLang="en-US" dirty="0"/>
-              <a:t>电路减小了了矩阵旋转法的切换延时</a:t>
-            </a:r>
-            <a:endParaRPr lang="en-US" altLang="zh-CN" dirty="0"/>
-          </a:p>
-          <a:p>
-            <a:pPr marL="0" marR="0" indent="0" algn="l" defTabSz="914400" rtl="0" eaLnBrk="1" fontAlgn="auto" latinLnBrk="0" hangingPunct="1">
-              <a:lnSpc>
-                <a:spcPct val="100000"/>
-              </a:lnSpc>
-              <a:spcBef>
-                <a:spcPts val="0"/>
-              </a:spcBef>
-              <a:spcAft>
-                <a:spcPts val="0"/>
-              </a:spcAft>
-              <a:buClrTx/>
-              <a:buSzTx/>
-              <a:buFontTx/>
-              <a:buNone/>
-              <a:tabLst/>
-              <a:defRPr/>
-            </a:pPr>
-            <a:r>
-              <a:rPr lang="zh-CN" altLang="en-US" dirty="0"/>
               <a:t>文献三使用的是非线性</a:t>
             </a:r>
             <a:r>
@@ -938,7 +832,15 @@
             </a:r>
             <a:r>
               <a:rPr lang="zh-CN" altLang="en-US" dirty="0"/>
-              <a:t>，提出了更优的电路方案，论文中显示的时钟频率和杂散性能都达到近年来最高水平</a:t>
+              <a:t>，直接由数字相位输出模拟正弦波，并且优化了</a:t>
+            </a:r>
+            <a:r>
+              <a:rPr lang="en-US" altLang="zh-CN" dirty="0"/>
+              <a:t>DAC</a:t>
+            </a:r>
+            <a:r>
+              <a:rPr lang="zh-CN" altLang="en-US" dirty="0"/>
+              <a:t>的编码器，使得时钟频率和杂散性能都达到近年来最高水平</a:t>
             </a:r>
           </a:p>
         </p:txBody>
@@ -1023,19 +925,112 @@
           <a:bodyPr/>
           <a:lstStyle/>
           <a:p>
-            <a:pPr lvl="1">
+            <a:pPr>
               <a:spcBef>
                 <a:spcPts val="600"/>
               </a:spcBef>
               <a:spcAft>
-                <a:spcPts val="0"/>
+                <a:spcPts val="1200"/>
               </a:spcAft>
             </a:pPr>
             <a:r>
+              <a:rPr lang="zh-CN" altLang="en-US" dirty="0"/>
+              <a:t>基于查找表压缩、矩阵旋转和非线性</a:t>
+            </a:r>
+            <a:r>
+              <a:rPr lang="en-US" altLang="zh-CN" dirty="0"/>
+              <a:t>DAC</a:t>
+            </a:r>
+            <a:r>
+              <a:rPr lang="zh-CN" altLang="en-US" dirty="0"/>
+              <a:t>的改进型</a:t>
+            </a:r>
+            <a:r>
+              <a:rPr lang="en-US" altLang="zh-CN" dirty="0"/>
+              <a:t>NCO</a:t>
+            </a:r>
+            <a:r>
+              <a:rPr lang="zh-CN" altLang="en-US" dirty="0"/>
+              <a:t>，存在不同的特点：</a:t>
+            </a:r>
+            <a:endParaRPr lang="en-US" altLang="zh-CN" dirty="0"/>
+          </a:p>
+          <a:p>
+            <a:pPr marL="342900" marR="0" lvl="1" indent="0" algn="l" defTabSz="914400" rtl="0" eaLnBrk="1" fontAlgn="auto" latinLnBrk="0" hangingPunct="1">
+              <a:lnSpc>
+                <a:spcPct val="100000"/>
+              </a:lnSpc>
+              <a:spcBef>
+                <a:spcPts val="0"/>
+              </a:spcBef>
+              <a:spcAft>
+                <a:spcPts val="600"/>
+              </a:spcAft>
+              <a:buClrTx/>
+              <a:buSzTx/>
+              <a:buFontTx/>
+              <a:buNone/>
+              <a:tabLst/>
+              <a:defRPr/>
+            </a:pPr>
+            <a:r>
               <a:rPr lang="zh-CN" altLang="en-US" sz="2000" dirty="0"/>
-              <a:t>查找表压缩优点：使用传统结构，通过减小存储器大小提升性能。</a:t>
-            </a:r>
-            <a:endParaRPr lang="en-US" altLang="zh-CN" sz="2000" dirty="0"/>
+              <a:t>查找表压缩的特点是结构简单，提升空间小</a:t>
+            </a:r>
+          </a:p>
+          <a:p>
+            <a:pPr marL="342900" marR="0" lvl="1" indent="0" algn="l" defTabSz="914400" rtl="0" eaLnBrk="1" fontAlgn="auto" latinLnBrk="0" hangingPunct="1">
+              <a:lnSpc>
+                <a:spcPct val="100000"/>
+              </a:lnSpc>
+              <a:spcBef>
+                <a:spcPts val="0"/>
+              </a:spcBef>
+              <a:spcAft>
+                <a:spcPts val="600"/>
+              </a:spcAft>
+              <a:buClrTx/>
+              <a:buSzTx/>
+              <a:buFontTx/>
+              <a:buNone/>
+              <a:tabLst/>
+              <a:defRPr/>
+            </a:pPr>
+            <a:r>
+              <a:rPr lang="zh-CN" altLang="en-US" sz="2000" dirty="0"/>
+              <a:t>矩阵旋转法杂散性能强，速度慢、时延大</a:t>
+            </a:r>
+          </a:p>
+          <a:p>
+            <a:pPr marL="342900" marR="0" lvl="1" indent="0" algn="l" defTabSz="914400" rtl="0" eaLnBrk="1" fontAlgn="auto" latinLnBrk="0" hangingPunct="1">
+              <a:lnSpc>
+                <a:spcPct val="100000"/>
+              </a:lnSpc>
+              <a:spcBef>
+                <a:spcPts val="0"/>
+              </a:spcBef>
+              <a:spcAft>
+                <a:spcPts val="600"/>
+              </a:spcAft>
+              <a:buClrTx/>
+              <a:buSzTx/>
+              <a:buFontTx/>
+              <a:buNone/>
+              <a:tabLst/>
+              <a:defRPr/>
+            </a:pPr>
+            <a:r>
+              <a:rPr lang="zh-CN" altLang="en-US" sz="2000" dirty="0"/>
+              <a:t>非线性</a:t>
+            </a:r>
+            <a:r>
+              <a:rPr lang="en-US" altLang="zh-CN" sz="2000" dirty="0"/>
+              <a:t>DAC</a:t>
+            </a:r>
+            <a:r>
+              <a:rPr lang="zh-CN" altLang="en-US" sz="2000" dirty="0"/>
+              <a:t>速度比较快，波形失真</a:t>
+            </a:r>
           </a:p>
           <a:p>
             <a:pPr marL="342900" lvl="1" indent="0">
@@ -1047,108 +1042,6 @@
               </a:spcAft>
               <a:buNone/>
             </a:pPr>
-            <a:r>
-              <a:rPr lang="en-US" altLang="zh-CN" sz="2000" dirty="0"/>
-              <a:t>   </a:t>
-            </a:r>
-            <a:r>
-              <a:rPr lang="zh-CN" altLang="en-US" sz="2000" dirty="0"/>
-              <a:t>查找表压缩缺点：特点是实现简单，但是在原理上突破很难。</a:t>
-            </a:r>
-            <a:endParaRPr lang="en-US" altLang="zh-CN" sz="2000" dirty="0"/>
-          </a:p>
-          <a:p>
-            <a:pPr lvl="1">
-              <a:spcBef>
-                <a:spcPts val="600"/>
-              </a:spcBef>
-              <a:spcAft>
-                <a:spcPts val="0"/>
-              </a:spcAft>
-            </a:pPr>
-            <a:r>
-              <a:rPr lang="zh-CN" altLang="en-US" sz="2000" dirty="0"/>
-              <a:t>矩阵旋转优点：不需要存储器，杂散性能最好，可用流水线加速</a:t>
-            </a:r>
-            <a:endParaRPr lang="en-US" altLang="zh-CN" sz="2000" dirty="0"/>
-          </a:p>
-          <a:p>
-            <a:pPr marL="342900" lvl="1" indent="0">
-              <a:spcBef>
-                <a:spcPts val="0"/>
-              </a:spcBef>
-              <a:spcAft>
-                <a:spcPts val="600"/>
-              </a:spcAft>
-              <a:buNone/>
-            </a:pPr>
-            <a:r>
-              <a:rPr lang="en-US" altLang="zh-CN" sz="2000" dirty="0"/>
-              <a:t>   </a:t>
-            </a:r>
-            <a:r>
-              <a:rPr lang="zh-CN" altLang="en-US" sz="2000" dirty="0"/>
-              <a:t>矩阵旋转缺点：但是占用资源过多，速度仍然比较慢。</a:t>
-            </a:r>
-            <a:endParaRPr lang="en-US" altLang="zh-CN" sz="2000" dirty="0"/>
-          </a:p>
-          <a:p>
-            <a:pPr lvl="1">
-              <a:spcBef>
-                <a:spcPts val="600"/>
-              </a:spcBef>
-              <a:spcAft>
-                <a:spcPts val="0"/>
-              </a:spcAft>
-            </a:pPr>
-            <a:r>
-              <a:rPr lang="zh-CN" altLang="en-US" sz="2000" dirty="0"/>
-              <a:t>非线性</a:t>
-            </a:r>
-            <a:r>
-              <a:rPr lang="en-US" altLang="zh-CN" sz="2000" dirty="0"/>
-              <a:t>DAC</a:t>
-            </a:r>
-            <a:r>
-              <a:rPr lang="zh-CN" altLang="en-US" sz="2000" dirty="0"/>
-              <a:t>优点：不需要存储器，利用部分模拟器件优势提升性能。</a:t>
-            </a:r>
-            <a:endParaRPr lang="en-US" altLang="zh-CN" sz="2000" dirty="0"/>
-          </a:p>
-          <a:p>
-            <a:pPr marL="342900" lvl="1" indent="0">
-              <a:spcBef>
-                <a:spcPts val="0"/>
-              </a:spcBef>
-              <a:spcAft>
-                <a:spcPts val="600"/>
-              </a:spcAft>
-              <a:buNone/>
-            </a:pPr>
-            <a:r>
-              <a:rPr lang="en-US" altLang="zh-CN" sz="2000" dirty="0"/>
-              <a:t>   </a:t>
-            </a:r>
-            <a:r>
-              <a:rPr lang="zh-CN" altLang="en-US" sz="2000" dirty="0"/>
-              <a:t>非线性</a:t>
-            </a:r>
-            <a:r>
-              <a:rPr lang="en-US" altLang="zh-CN" sz="2000" dirty="0"/>
-              <a:t>DAC</a:t>
-            </a:r>
-            <a:r>
-              <a:rPr lang="zh-CN" altLang="en-US" sz="2000" dirty="0"/>
-              <a:t>缺点：大大增加了</a:t>
-            </a:r>
-            <a:r>
-              <a:rPr lang="en-US" altLang="zh-CN" sz="2000" dirty="0"/>
-              <a:t>DAC</a:t>
-            </a:r>
-            <a:r>
-              <a:rPr lang="zh-CN" altLang="en-US" sz="2000" dirty="0"/>
-              <a:t>的复杂度和功耗。</a:t>
-            </a:r>
             <a:endParaRPr lang="en-US" altLang="zh-CN" sz="2000" dirty="0"/>
           </a:p>
           <a:p>
@@ -1267,138 +1160,114 @@
           <a:p>
             <a:r>
               <a:rPr lang="zh-CN" altLang="en-US" dirty="0"/>
-              <a:t>实施方案我分成</a:t>
+              <a:t>实施方案上，我的电路结构原理图如</a:t>
             </a:r>
             <a:r>
               <a:rPr lang="en-US" altLang="zh-CN" dirty="0"/>
-              <a:t>5</a:t>
+              <a:t>PPT</a:t>
             </a:r>
             <a:r>
               <a:rPr lang="zh-CN" altLang="en-US" dirty="0"/>
-              <a:t>步：</a:t>
+              <a:t>所示，使用查找表和</a:t>
+            </a:r>
+            <a:r>
+              <a:rPr lang="en-US" altLang="zh-CN" dirty="0"/>
+              <a:t>CORDIC</a:t>
+            </a:r>
+            <a:r>
+              <a:rPr lang="zh-CN" altLang="en-US" dirty="0"/>
+              <a:t>旋转电路结合的方法</a:t>
             </a:r>
             <a:endParaRPr lang="en-US" altLang="zh-CN" dirty="0"/>
           </a:p>
           <a:p>
-            <a:pPr marL="228600" indent="-228600">
-              <a:buAutoNum type="arabicPeriod"/>
-            </a:pPr>
             <a:r>
               <a:rPr lang="zh-CN" altLang="en-US" dirty="0"/>
-              <a:t>是在</a:t>
-            </a:r>
-            <a:r>
-              <a:rPr lang="en-US" altLang="zh-CN" dirty="0" err="1"/>
-              <a:t>Maltlab</a:t>
+              <a:t>创新空间：主要分为</a:t>
+            </a:r>
+            <a:r>
+              <a:rPr lang="en-US" altLang="zh-CN" dirty="0"/>
+              <a:t>4</a:t>
             </a:r>
             <a:r>
               <a:rPr lang="zh-CN" altLang="en-US" dirty="0"/>
-              <a:t>和</a:t>
-            </a:r>
-            <a:r>
-              <a:rPr lang="en-US" altLang="zh-CN" dirty="0" err="1"/>
-              <a:t>Modelsim</a:t>
+              <a:t>点</a:t>
+            </a:r>
+            <a:endParaRPr lang="en-US" altLang="zh-CN" dirty="0"/>
+          </a:p>
+          <a:p>
+            <a:pPr lvl="1"/>
+            <a:r>
+              <a:rPr lang="en-US" altLang="zh-CN" dirty="0"/>
+              <a:t>1. </a:t>
             </a:r>
             <a:r>
               <a:rPr lang="zh-CN" altLang="en-US" dirty="0"/>
-              <a:t>上搭建可扩展的数控振荡器测试平台</a:t>
+              <a:t>使用</a:t>
+            </a:r>
+            <a:r>
+              <a:rPr lang="en-US" altLang="zh-CN" dirty="0"/>
+              <a:t>Rom</a:t>
+            </a:r>
+            <a:r>
+              <a:rPr lang="zh-CN" altLang="en-US" dirty="0"/>
+              <a:t>和矩阵旋转法，兼具高精度和第切换延时</a:t>
             </a:r>
             <a:endParaRPr lang="en-US" altLang="zh-CN" dirty="0"/>
           </a:p>
           <a:p>
-            <a:pPr marL="228600" indent="-228600">
-              <a:buAutoNum type="arabicPeriod"/>
-            </a:pPr>
+            <a:pPr lvl="1"/>
+            <a:r>
+              <a:rPr lang="en-US" altLang="zh-CN" dirty="0"/>
+              <a:t>2. </a:t>
+            </a:r>
             <a:r>
               <a:rPr lang="zh-CN" altLang="en-US" dirty="0"/>
-              <a:t>分析振荡器输出波形的噪声来源，理论上指导振荡器设计。到此为止我的代码和理论框架基本搭建完成。</a:t>
+              <a:t>针对</a:t>
+            </a:r>
+            <a:r>
+              <a:rPr lang="en-US" altLang="zh-CN" dirty="0"/>
+              <a:t>CORDIC</a:t>
+            </a:r>
+            <a:r>
+              <a:rPr lang="zh-CN" altLang="en-US" dirty="0"/>
+              <a:t>旋转电路，探索简化的可能，进一步提升速度</a:t>
             </a:r>
             <a:endParaRPr lang="en-US" altLang="zh-CN" dirty="0"/>
           </a:p>
           <a:p>
-            <a:pPr marL="228600" marR="0" indent="-228600" algn="l" defTabSz="914400" rtl="0" eaLnBrk="1" fontAlgn="auto" latinLnBrk="0" hangingPunct="1">
-              <a:lnSpc>
-                <a:spcPct val="100000"/>
-              </a:lnSpc>
-              <a:spcBef>
-                <a:spcPts val="0"/>
-              </a:spcBef>
-              <a:spcAft>
-                <a:spcPts val="0"/>
-              </a:spcAft>
-              <a:buClrTx/>
-              <a:buSzTx/>
-              <a:buFontTx/>
-              <a:buAutoNum type="arabicPeriod"/>
-              <a:tabLst/>
-              <a:defRPr/>
-            </a:pPr>
-            <a:r>
-              <a:rPr lang="zh-CN" altLang="en-US" sz="1200" dirty="0"/>
-              <a:t>前端、后端仿真，保证系统实用性，同时找到性能瓶颈</a:t>
-            </a:r>
-            <a:endParaRPr lang="en-US" altLang="zh-CN" sz="1200" dirty="0"/>
-          </a:p>
-          <a:p>
-            <a:pPr marL="228600" marR="0" indent="-228600" algn="l" defTabSz="914400" rtl="0" eaLnBrk="1" fontAlgn="auto" latinLnBrk="0" hangingPunct="1">
-              <a:lnSpc>
-                <a:spcPct val="100000"/>
-              </a:lnSpc>
-              <a:spcBef>
-                <a:spcPts val="0"/>
-              </a:spcBef>
-              <a:spcAft>
-                <a:spcPts val="0"/>
-              </a:spcAft>
-              <a:buClrTx/>
-              <a:buSzTx/>
-              <a:buFontTx/>
-              <a:buAutoNum type="arabicPeriod"/>
-              <a:tabLst/>
-              <a:defRPr/>
-            </a:pPr>
-            <a:r>
-              <a:rPr lang="zh-CN" altLang="en-US" sz="1200" dirty="0"/>
-              <a:t>根据使用场景，参考多种改进结构，迭代式优化设计方案</a:t>
-            </a:r>
-            <a:endParaRPr lang="en-US" altLang="zh-CN" sz="1200" dirty="0"/>
-          </a:p>
-          <a:p>
-            <a:pPr marL="228600" marR="0" indent="-228600" algn="l" defTabSz="914400" rtl="0" eaLnBrk="1" fontAlgn="auto" latinLnBrk="0" hangingPunct="1">
-              <a:lnSpc>
-                <a:spcPct val="100000"/>
-              </a:lnSpc>
-              <a:spcBef>
-                <a:spcPts val="0"/>
-              </a:spcBef>
-              <a:spcAft>
-                <a:spcPts val="0"/>
-              </a:spcAft>
-              <a:buClrTx/>
-              <a:buSzTx/>
-              <a:buFontTx/>
-              <a:buAutoNum type="arabicPeriod"/>
-              <a:tabLst/>
-              <a:defRPr/>
-            </a:pPr>
-            <a:r>
-              <a:rPr lang="zh-CN" altLang="en-US" sz="1200" dirty="0"/>
-              <a:t>总结项目结果，综合测试</a:t>
-            </a:r>
-            <a:r>
-              <a:rPr lang="en-US" altLang="zh-CN" sz="1200" dirty="0"/>
-              <a:t>NCO</a:t>
-            </a:r>
-            <a:r>
-              <a:rPr lang="zh-CN" altLang="en-US" sz="1200" dirty="0"/>
-              <a:t>性能，完成毕业论文</a:t>
-            </a:r>
-            <a:endParaRPr lang="en-US" altLang="zh-CN" sz="1200" dirty="0"/>
-          </a:p>
-          <a:p>
-            <a:pPr marL="228600" indent="-228600">
-              <a:buAutoNum type="arabicPeriod"/>
-            </a:pPr>
+            <a:pPr lvl="1"/>
+            <a:r>
+              <a:rPr lang="en-US" altLang="zh-CN" dirty="0"/>
+              <a:t>3. </a:t>
+            </a:r>
+            <a:r>
+              <a:rPr lang="zh-CN" altLang="en-US" dirty="0"/>
+              <a:t>建立资源配置系统，尽可能最优化资源配置</a:t>
+            </a:r>
+            <a:endParaRPr lang="en-US" altLang="zh-CN" dirty="0"/>
+          </a:p>
+          <a:p>
+            <a:pPr lvl="1"/>
+            <a:r>
+              <a:rPr lang="en-US" altLang="zh-CN" dirty="0"/>
+              <a:t>4. </a:t>
+            </a:r>
+            <a:r>
+              <a:rPr lang="zh-CN" altLang="en-US" dirty="0"/>
+              <a:t>引入</a:t>
+            </a:r>
+            <a:r>
+              <a:rPr lang="en-US" altLang="zh-CN" dirty="0"/>
+              <a:t>dither</a:t>
+            </a:r>
+            <a:r>
+              <a:rPr lang="zh-CN" altLang="en-US" dirty="0"/>
+              <a:t>技术，可能对性能产生收益</a:t>
+            </a:r>
+            <a:endParaRPr lang="en-US" altLang="zh-CN" dirty="0"/>
+          </a:p>
+          <a:p>
             <a:endParaRPr lang="zh-CN" altLang="en-US" dirty="0"/>
           </a:p>
         </p:txBody>
@@ -1420,7 +1289,7 @@
           <a:p>
             <a:fld id="{E49FE5E3-45E0-401A-BDC7-016727830831}" type="slidenum">
               <a:rPr lang="zh-CN" altLang="en-US" smtClean="0"/>
-              <a:t>15</a:t>
+              <a:t>12</a:t>
             </a:fld>
             <a:endParaRPr lang="zh-CN" altLang="en-US"/>
           </a:p>
@@ -1429,7 +1298,7 @@
     </p:spTree>
     <p:extLst>
       <p:ext uri="{BB962C8B-B14F-4D97-AF65-F5344CB8AC3E}">
-        <p14:creationId xmlns:p14="http://schemas.microsoft.com/office/powerpoint/2010/main" val="3531225097"/>
+        <p14:creationId xmlns:p14="http://schemas.microsoft.com/office/powerpoint/2010/main" val="3321356805"/>
       </p:ext>
     </p:extLst>
   </p:cSld>
@@ -1485,8 +1354,139 @@
           <a:p>
             <a:r>
               <a:rPr lang="zh-CN" altLang="en-US" dirty="0"/>
-              <a:t>这是我更具体的计划安排</a:t>
-            </a:r>
+              <a:t>实施方案我分成</a:t>
+            </a:r>
+            <a:r>
+              <a:rPr lang="en-US" altLang="zh-CN" dirty="0"/>
+              <a:t>5</a:t>
+            </a:r>
+            <a:r>
+              <a:rPr lang="zh-CN" altLang="en-US" dirty="0"/>
+              <a:t>步：</a:t>
+            </a:r>
+            <a:endParaRPr lang="en-US" altLang="zh-CN" dirty="0"/>
+          </a:p>
+          <a:p>
+            <a:pPr marL="228600" indent="-228600">
+              <a:buAutoNum type="arabicPeriod"/>
+            </a:pPr>
+            <a:r>
+              <a:rPr lang="zh-CN" altLang="en-US" dirty="0"/>
+              <a:t>是在</a:t>
+            </a:r>
+            <a:r>
+              <a:rPr lang="en-US" altLang="zh-CN" dirty="0" err="1"/>
+              <a:t>Maltlab</a:t>
+            </a:r>
+            <a:r>
+              <a:rPr lang="zh-CN" altLang="en-US" dirty="0"/>
+              <a:t>和</a:t>
+            </a:r>
+            <a:r>
+              <a:rPr lang="en-US" altLang="zh-CN" dirty="0" err="1"/>
+              <a:t>Modelsim</a:t>
+            </a:r>
+            <a:r>
+              <a:rPr lang="zh-CN" altLang="en-US" dirty="0"/>
+              <a:t>上搭建可扩展的数控振荡器测试平台</a:t>
+            </a:r>
+            <a:endParaRPr lang="en-US" altLang="zh-CN" dirty="0"/>
+          </a:p>
+          <a:p>
+            <a:pPr marL="228600" indent="-228600">
+              <a:buAutoNum type="arabicPeriod"/>
+            </a:pPr>
+            <a:r>
+              <a:rPr lang="zh-CN" altLang="en-US" dirty="0"/>
+              <a:t>分析振荡器输出波形的噪声来源，理论上指导振荡器设计。到此为止我的代码和理论框架基本搭建完成。</a:t>
+            </a:r>
+            <a:endParaRPr lang="en-US" altLang="zh-CN" dirty="0"/>
+          </a:p>
+          <a:p>
+            <a:pPr marL="228600" marR="0" indent="-228600" algn="l" defTabSz="914400" rtl="0" eaLnBrk="1" fontAlgn="auto" latinLnBrk="0" hangingPunct="1">
+              <a:lnSpc>
+                <a:spcPct val="100000"/>
+              </a:lnSpc>
+              <a:spcBef>
+                <a:spcPts val="0"/>
+              </a:spcBef>
+              <a:spcAft>
+                <a:spcPts val="0"/>
+              </a:spcAft>
+              <a:buClrTx/>
+              <a:buSzTx/>
+              <a:buFontTx/>
+              <a:buAutoNum type="arabicPeriod"/>
+              <a:tabLst/>
+              <a:defRPr/>
+            </a:pPr>
+            <a:r>
+              <a:rPr lang="zh-CN" altLang="en-US" sz="1200" dirty="0"/>
+              <a:t>前端、后端仿真，保证系统实用性，同时找到性能瓶颈</a:t>
+            </a:r>
+            <a:endParaRPr lang="en-US" altLang="zh-CN" sz="1200" dirty="0"/>
+          </a:p>
+          <a:p>
+            <a:pPr marL="228600" marR="0" indent="-228600" algn="l" defTabSz="914400" rtl="0" eaLnBrk="1" fontAlgn="auto" latinLnBrk="0" hangingPunct="1">
+              <a:lnSpc>
+                <a:spcPct val="100000"/>
+              </a:lnSpc>
+              <a:spcBef>
+                <a:spcPts val="0"/>
+              </a:spcBef>
+              <a:spcAft>
+                <a:spcPts val="0"/>
+              </a:spcAft>
+              <a:buClrTx/>
+              <a:buSzTx/>
+              <a:buFontTx/>
+              <a:buAutoNum type="arabicPeriod"/>
+              <a:tabLst/>
+              <a:defRPr/>
+            </a:pPr>
+            <a:r>
+              <a:rPr lang="zh-CN" altLang="en-US" sz="1200" dirty="0"/>
+              <a:t>根据使用场景，参考多种改进结构，迭代式优化设计方案</a:t>
+            </a:r>
+            <a:endParaRPr lang="en-US" altLang="zh-CN" sz="1200" dirty="0"/>
+          </a:p>
+          <a:p>
+            <a:pPr marL="228600" marR="0" indent="-228600" algn="l" defTabSz="914400" rtl="0" eaLnBrk="1" fontAlgn="auto" latinLnBrk="0" hangingPunct="1">
+              <a:lnSpc>
+                <a:spcPct val="100000"/>
+              </a:lnSpc>
+              <a:spcBef>
+                <a:spcPts val="0"/>
+              </a:spcBef>
+              <a:spcAft>
+                <a:spcPts val="0"/>
+              </a:spcAft>
+              <a:buClrTx/>
+              <a:buSzTx/>
+              <a:buFontTx/>
+              <a:buAutoNum type="arabicPeriod"/>
+              <a:tabLst/>
+              <a:defRPr/>
+            </a:pPr>
+            <a:r>
+              <a:rPr lang="zh-CN" altLang="en-US" sz="1200" dirty="0"/>
+              <a:t>总结项目结果，综合测试</a:t>
+            </a:r>
+            <a:r>
+              <a:rPr lang="en-US" altLang="zh-CN" sz="1200" dirty="0"/>
+              <a:t>NCO</a:t>
+            </a:r>
+            <a:r>
+              <a:rPr lang="zh-CN" altLang="en-US" sz="1200" dirty="0"/>
+              <a:t>性能，完成毕业论文</a:t>
+            </a:r>
+            <a:endParaRPr lang="en-US" altLang="zh-CN" sz="1200" dirty="0"/>
+          </a:p>
+          <a:p>
+            <a:pPr marL="228600" indent="-228600">
+              <a:buAutoNum type="arabicPeriod"/>
+            </a:pPr>
+            <a:endParaRPr lang="zh-CN" altLang="en-US" dirty="0"/>
           </a:p>
         </p:txBody>
       </p:sp>
@@ -1507,7 +1507,7 @@
           <a:p>
             <a:fld id="{E49FE5E3-45E0-401A-BDC7-016727830831}" type="slidenum">
               <a:rPr lang="zh-CN" altLang="en-US" smtClean="0"/>
-              <a:t>16</a:t>
+              <a:t>15</a:t>
             </a:fld>
             <a:endParaRPr lang="zh-CN" altLang="en-US"/>
           </a:p>
@@ -1516,7 +1516,7 @@
     </p:spTree>
     <p:extLst>
       <p:ext uri="{BB962C8B-B14F-4D97-AF65-F5344CB8AC3E}">
-        <p14:creationId xmlns:p14="http://schemas.microsoft.com/office/powerpoint/2010/main" val="3315618667"/>
+        <p14:creationId xmlns:p14="http://schemas.microsoft.com/office/powerpoint/2010/main" val="3531225097"/>
       </p:ext>
     </p:extLst>
   </p:cSld>
@@ -1572,67 +1572,7 @@
           <a:p>
             <a:r>
               <a:rPr lang="zh-CN" altLang="en-US" dirty="0"/>
-              <a:t>首先</a:t>
-            </a:r>
-            <a:endParaRPr lang="en-US" altLang="zh-CN" dirty="0"/>
-          </a:p>
-          <a:p>
-            <a:r>
-              <a:rPr lang="zh-CN" altLang="en-US" dirty="0"/>
-              <a:t>我的毕业设计目标分成三部分：</a:t>
-            </a:r>
-            <a:endParaRPr lang="en-US" altLang="zh-CN" dirty="0"/>
-          </a:p>
-          <a:p>
-            <a:r>
-              <a:rPr lang="zh-CN" altLang="en-US" dirty="0"/>
-              <a:t>第一点是设计电路结构和编写关键模块的</a:t>
-            </a:r>
-            <a:r>
-              <a:rPr lang="en-US" altLang="zh-CN" dirty="0" err="1"/>
-              <a:t>verilog</a:t>
-            </a:r>
-            <a:r>
-              <a:rPr lang="zh-CN" altLang="en-US" dirty="0"/>
-              <a:t>代码，主要工作是设计高速低功耗的相位累加器和混合方案的相位幅度转换器。</a:t>
-            </a:r>
-            <a:endParaRPr lang="en-US" altLang="zh-CN" dirty="0"/>
-          </a:p>
-          <a:p>
-            <a:r>
-              <a:rPr lang="zh-CN" altLang="en-US" dirty="0"/>
-              <a:t>第二目标是进行电路的仿真、综合、分析，熟悉使用前端、后端设计仿真工具，在前后端过程中思考改进方案。一方面是根据仿真结果指导电路方案，同事还锻炼了自己的电路设计的经验。</a:t>
-            </a:r>
-            <a:endParaRPr lang="en-US" altLang="zh-CN" dirty="0"/>
-          </a:p>
-          <a:p>
-            <a:r>
-              <a:rPr lang="zh-CN" altLang="en-US" dirty="0"/>
-              <a:t>最后是实际达成的指标，希望在仿真中做到频率分辨率数量级为</a:t>
-            </a:r>
-            <a:r>
-              <a:rPr lang="en-US" altLang="zh-CN" dirty="0" err="1"/>
-              <a:t>subHz</a:t>
-            </a:r>
-            <a:r>
-              <a:rPr lang="zh-CN" altLang="en-US" dirty="0"/>
-              <a:t>，时钟频率达到</a:t>
-            </a:r>
-            <a:r>
-              <a:rPr lang="en-US" altLang="zh-CN" dirty="0"/>
-              <a:t>1GHz</a:t>
-            </a:r>
-            <a:r>
-              <a:rPr lang="zh-CN" altLang="en-US" dirty="0"/>
-              <a:t>，最大杂散分量在</a:t>
-            </a:r>
-            <a:r>
-              <a:rPr lang="en-US" altLang="zh-CN" dirty="0"/>
-              <a:t>50dBc</a:t>
-            </a:r>
-            <a:r>
-              <a:rPr lang="zh-CN" altLang="en-US" dirty="0"/>
-              <a:t>以上。</a:t>
+              <a:t>这是我更具体的计划安排</a:t>
             </a:r>
           </a:p>
         </p:txBody>
@@ -1654,7 +1594,7 @@
           <a:p>
             <a:fld id="{E49FE5E3-45E0-401A-BDC7-016727830831}" type="slidenum">
               <a:rPr lang="zh-CN" altLang="en-US" smtClean="0"/>
-              <a:t>17</a:t>
+              <a:t>16</a:t>
             </a:fld>
             <a:endParaRPr lang="zh-CN" altLang="en-US"/>
           </a:p>
@@ -1663,7 +1603,7 @@
     </p:spTree>
     <p:extLst>
       <p:ext uri="{BB962C8B-B14F-4D97-AF65-F5344CB8AC3E}">
-        <p14:creationId xmlns:p14="http://schemas.microsoft.com/office/powerpoint/2010/main" val="1112548446"/>
+        <p14:creationId xmlns:p14="http://schemas.microsoft.com/office/powerpoint/2010/main" val="3315618667"/>
       </p:ext>
     </p:extLst>
   </p:cSld>
@@ -1741,7 +1681,7 @@
           <a:p>
             <a:fld id="{E49FE5E3-45E0-401A-BDC7-016727830831}" type="slidenum">
               <a:rPr lang="zh-CN" altLang="en-US" smtClean="0"/>
-              <a:t>18</a:t>
+              <a:t>17</a:t>
             </a:fld>
             <a:endParaRPr lang="zh-CN" altLang="en-US"/>
           </a:p>
@@ -1905,7 +1845,19 @@
             </a:pPr>
             <a:r>
               <a:rPr lang="zh-CN" altLang="en-US" dirty="0"/>
-              <a:t>无线电应用中，生成指定频率的正弦波是一个基础而重要的部分，因而它的前景是非常广阔的。锁相环技术的出现后，模拟正弦波振荡器在无线通信、雷达等系统中已经有广泛应用。</a:t>
+              <a:t>无线电应用中，生成指定频率的正弦波是一个必不可少的部分，它的前景也非常广阔的。</a:t>
+            </a:r>
+            <a:endParaRPr lang="en-US" altLang="zh-CN" dirty="0"/>
+          </a:p>
+          <a:p>
+            <a:pPr>
+              <a:lnSpc>
+                <a:spcPct val="130000"/>
+              </a:lnSpc>
+            </a:pPr>
+            <a:r>
+              <a:rPr lang="zh-CN" altLang="en-US" dirty="0"/>
+              <a:t>传统的振荡器使用锁相环跟踪生成。但随着现代通信系统对带宽、精度等需求增长迅速，尤其是雷达这样的军用系统，使用模拟器件已经无法满足现有的要求。</a:t>
             </a:r>
             <a:endParaRPr lang="en-US" altLang="zh-CN" dirty="0"/>
           </a:p>
@@ -1929,30 +1881,6 @@
             </a:pPr>
             <a:r>
               <a:rPr lang="zh-CN" altLang="en-US" dirty="0"/>
-              <a:t>现代通信系统对带宽、精度等需求增长迅速，但是振荡器性能增长遇到瓶颈。尤其是雷达这样的军用系统，使用模拟器件已经无法满足频率切换速度的要求。</a:t>
-            </a:r>
-            <a:endParaRPr lang="en-US" altLang="zh-CN" dirty="0"/>
-          </a:p>
-          <a:p>
-            <a:pPr marL="0" marR="0" indent="0" algn="l" defTabSz="914400" rtl="0" eaLnBrk="1" fontAlgn="auto" latinLnBrk="0" hangingPunct="1">
-              <a:lnSpc>
-                <a:spcPct val="130000"/>
-              </a:lnSpc>
-              <a:spcBef>
-                <a:spcPts val="0"/>
-              </a:spcBef>
-              <a:spcAft>
-                <a:spcPts val="0"/>
-              </a:spcAft>
-              <a:buClrTx/>
-              <a:buSzTx/>
-              <a:buFontTx/>
-              <a:buNone/>
-              <a:tabLst/>
-              <a:defRPr/>
-            </a:pPr>
-            <a:r>
-              <a:rPr lang="zh-CN" altLang="en-US" dirty="0"/>
               <a:t>对于</a:t>
             </a:r>
             <a:r>
@@ -1961,28 +1889,8 @@
             </a:r>
             <a:r>
               <a:rPr lang="zh-CN" altLang="en-US" dirty="0"/>
-              <a:t>等类似的计算平台，使用数控振荡器更容易集成。对于调制解调器这样量产型产品，使用数字电路设计的振荡器，起到降低成本的作用。</a:t>
-            </a:r>
-            <a:endParaRPr lang="en-US" altLang="zh-CN" dirty="0"/>
-          </a:p>
-          <a:p>
-            <a:pPr marL="0" marR="0" indent="0" algn="l" defTabSz="914400" rtl="0" eaLnBrk="1" fontAlgn="auto" latinLnBrk="0" hangingPunct="1">
-              <a:lnSpc>
-                <a:spcPct val="130000"/>
-              </a:lnSpc>
-              <a:spcBef>
-                <a:spcPts val="0"/>
-              </a:spcBef>
-              <a:spcAft>
-                <a:spcPts val="0"/>
-              </a:spcAft>
-              <a:buClrTx/>
-              <a:buSzTx/>
-              <a:buFontTx/>
-              <a:buNone/>
-              <a:tabLst/>
-              <a:defRPr/>
-            </a:pPr>
+              <a:t>等类似的计算平台，调制解调器这样量产型产品，使用数字电路设计的振荡器，更容易集成</a:t>
+            </a:r>
             <a:endParaRPr lang="en-US" altLang="zh-CN" dirty="0"/>
           </a:p>
         </p:txBody>
@@ -2359,23 +2267,7 @@
             </a:pPr>
             <a:r>
               <a:rPr lang="zh-CN" altLang="en-US" dirty="0"/>
-              <a:t>使用</a:t>
-            </a:r>
-            <a:r>
-              <a:rPr lang="en-US" altLang="zh-CN" dirty="0"/>
-              <a:t>CMOS</a:t>
-            </a:r>
-            <a:r>
-              <a:rPr lang="zh-CN" altLang="en-US" dirty="0"/>
-              <a:t>工艺下在片上实现</a:t>
-            </a:r>
-            <a:r>
-              <a:rPr lang="en-US" altLang="zh-CN" dirty="0"/>
-              <a:t>10GHz</a:t>
-            </a:r>
-            <a:r>
-              <a:rPr lang="zh-CN" altLang="en-US" dirty="0"/>
-              <a:t>以上的且稳定的时钟仍比较困难；</a:t>
+              <a:t>时钟频率和</a:t>
             </a:r>
             <a:r>
               <a:rPr lang="en-US" altLang="zh-CN" dirty="0"/>
@@ -2383,7 +2275,7 @@
             </a:r>
             <a:r>
               <a:rPr lang="zh-CN" altLang="en-US" dirty="0"/>
-              <a:t>采样率同样制约</a:t>
+              <a:t>采样率限制</a:t>
             </a:r>
             <a:r>
               <a:rPr lang="en-US" altLang="zh-CN" dirty="0"/>
@@ -2391,39 +2283,15 @@
             </a:r>
             <a:r>
               <a:rPr lang="zh-CN" altLang="en-US" dirty="0"/>
-              <a:t>无法实现时钟</a:t>
+              <a:t>速度突破</a:t>
             </a:r>
             <a:r>
               <a:rPr lang="en-US" altLang="zh-CN" dirty="0"/>
-              <a:t>10GHz </a:t>
+              <a:t>10 GHz</a:t>
             </a:r>
             <a:r>
               <a:rPr lang="zh-CN" altLang="en-US" dirty="0"/>
-              <a:t>以上超高速综合器</a:t>
-            </a:r>
-            <a:endParaRPr lang="en-US" altLang="zh-CN" dirty="0"/>
-          </a:p>
-          <a:p>
-            <a:pPr marL="342900" lvl="1" indent="0">
-              <a:spcBef>
-                <a:spcPts val="0"/>
-              </a:spcBef>
-              <a:spcAft>
-                <a:spcPts val="1200"/>
-              </a:spcAft>
-              <a:buNone/>
-            </a:pPr>
-            <a:r>
-              <a:rPr lang="zh-CN" altLang="en-US" dirty="0"/>
-              <a:t>存储器的限制最主要，利用</a:t>
-            </a:r>
-            <a:r>
-              <a:rPr lang="en-US" altLang="zh-CN" dirty="0"/>
-              <a:t>memory compiler </a:t>
-            </a:r>
-            <a:r>
-              <a:rPr lang="zh-CN" altLang="en-US" dirty="0"/>
-              <a:t>工具以</a:t>
+              <a:t>大关；存储器的限制最主要，测试来看</a:t>
             </a:r>
             <a:r>
               <a:rPr lang="en-US" altLang="zh-CN" dirty="0"/>
@@ -2431,7 +2299,7 @@
             </a:r>
             <a:r>
               <a:rPr lang="zh-CN" altLang="en-US" dirty="0"/>
-              <a:t>工艺生成的的存储器，访存速度上限约为</a:t>
+              <a:t>工艺的存储器访存速度上限约为</a:t>
             </a:r>
             <a:r>
               <a:rPr lang="en-US" altLang="zh-CN" dirty="0"/>
@@ -2714,132 +2582,26 @@
                 <a:spcPts val="1200"/>
               </a:spcAft>
             </a:pPr>
+            <a:r>
+              <a:rPr lang="zh-CN" altLang="en-US" dirty="0"/>
+              <a:t>传统的优化方法，是在相位空间均匀分段，段内线性插值，减小了索引地址位数，进而提升了速度</a:t>
+            </a:r>
             <a:endParaRPr lang="en-US" altLang="zh-CN" dirty="0"/>
           </a:p>
           <a:p>
-            <a:r>
-              <a:rPr lang="zh-CN" altLang="en-US" dirty="0"/>
-              <a:t>传统的</a:t>
-            </a:r>
-            <a:r>
-              <a:rPr lang="en-US" altLang="zh-CN" dirty="0"/>
-              <a:t>DDS</a:t>
-            </a:r>
-            <a:r>
-              <a:rPr lang="zh-CN" altLang="en-US" dirty="0"/>
-              <a:t>结构受到存储器限制，通过压缩，使用更小的存储器实现更快的速度</a:t>
-            </a:r>
-            <a:endParaRPr lang="en-US" altLang="zh-CN" dirty="0"/>
-          </a:p>
-          <a:p>
-            <a:pPr marL="0" marR="0" indent="0" algn="l" defTabSz="914400" rtl="0" eaLnBrk="1" fontAlgn="auto" latinLnBrk="0" hangingPunct="1">
-              <a:lnSpc>
-                <a:spcPct val="100000"/>
-              </a:lnSpc>
+            <a:pPr lvl="1">
               <a:spcBef>
                 <a:spcPts val="0"/>
               </a:spcBef>
               <a:spcAft>
-                <a:spcPts val="0"/>
+                <a:spcPts val="1200"/>
               </a:spcAft>
-              <a:buClrTx/>
-              <a:buSzTx/>
-              <a:buFontTx/>
-              <a:buNone/>
-              <a:tabLst/>
-              <a:defRPr/>
             </a:pPr>
             <a:r>
               <a:rPr lang="zh-CN" altLang="en-US" dirty="0"/>
-              <a:t>以往的压缩方法是在（</a:t>
-            </a:r>
-            <a:r>
-              <a:rPr lang="en-US" altLang="zh-CN" dirty="0"/>
-              <a:t>0,1/2pi</a:t>
-            </a:r>
-            <a:r>
-              <a:rPr lang="zh-CN" altLang="en-US" dirty="0"/>
-              <a:t>）空间上进行了均匀分段的线性拟合，文献一的主要贡献是进行了非均匀分段。和均匀分段相比，引入噪声水平相当时容量可减小</a:t>
-            </a:r>
-            <a:r>
-              <a:rPr lang="en-US" altLang="zh-CN" dirty="0"/>
-              <a:t>40%</a:t>
-            </a:r>
-          </a:p>
-          <a:p>
-            <a:pPr marL="0" marR="0" indent="0" algn="l" defTabSz="914400" rtl="0" eaLnBrk="1" fontAlgn="auto" latinLnBrk="0" hangingPunct="1">
-              <a:lnSpc>
-                <a:spcPct val="100000"/>
-              </a:lnSpc>
-              <a:spcBef>
-                <a:spcPts val="0"/>
-              </a:spcBef>
-              <a:spcAft>
-                <a:spcPts val="0"/>
-              </a:spcAft>
-              <a:buClrTx/>
-              <a:buSzTx/>
-              <a:buFontTx/>
-              <a:buNone/>
-              <a:tabLst/>
-              <a:defRPr/>
-            </a:pPr>
-            <a:r>
-              <a:rPr lang="en-US" altLang="zh-CN" dirty="0"/>
-              <a:t>Basic</a:t>
-            </a:r>
-            <a:r>
-              <a:rPr lang="zh-CN" altLang="en-US" dirty="0"/>
-              <a:t>的</a:t>
-            </a:r>
-            <a:r>
-              <a:rPr lang="en-US" altLang="zh-CN" dirty="0" err="1"/>
-              <a:t>cordic</a:t>
-            </a:r>
-            <a:r>
-              <a:rPr lang="zh-CN" altLang="en-US" dirty="0"/>
-              <a:t>算法存在流水级数过长的问题，文献二的主要工作是通过</a:t>
-            </a:r>
-            <a:r>
-              <a:rPr lang="en-US" altLang="zh-CN" dirty="0"/>
-              <a:t>excess-four</a:t>
-            </a:r>
-            <a:r>
-              <a:rPr lang="zh-CN" altLang="en-US" dirty="0"/>
-              <a:t>电路减小了了矩阵旋转法的切换延时</a:t>
+              <a:t>这篇文献的贡献是在相位空间上非均匀分段，将压缩比提升了一倍。不足是该改进对速度提升有限。</a:t>
             </a:r>
             <a:endParaRPr lang="en-US" altLang="zh-CN" dirty="0"/>
-          </a:p>
-          <a:p>
-            <a:pPr marL="0" marR="0" indent="0" algn="l" defTabSz="914400" rtl="0" eaLnBrk="1" fontAlgn="auto" latinLnBrk="0" hangingPunct="1">
-              <a:lnSpc>
-                <a:spcPct val="100000"/>
-              </a:lnSpc>
-              <a:spcBef>
-                <a:spcPts val="0"/>
-              </a:spcBef>
-              <a:spcAft>
-                <a:spcPts val="0"/>
-              </a:spcAft>
-              <a:buClrTx/>
-              <a:buSzTx/>
-              <a:buFontTx/>
-              <a:buNone/>
-              <a:tabLst/>
-              <a:defRPr/>
-            </a:pPr>
-            <a:r>
-              <a:rPr lang="zh-CN" altLang="en-US" dirty="0"/>
-              <a:t>文献三使用的是非线性</a:t>
-            </a:r>
-            <a:r>
-              <a:rPr lang="en-US" altLang="zh-CN" dirty="0"/>
-              <a:t>DAC</a:t>
-            </a:r>
-            <a:r>
-              <a:rPr lang="zh-CN" altLang="en-US" dirty="0"/>
-              <a:t>，提出了更优的电路方案，论文中显示的时钟频率和杂散性能都达到近年来最高水平</a:t>
-            </a:r>
           </a:p>
         </p:txBody>
       </p:sp>
@@ -2934,21 +2696,6 @@
             <a:endParaRPr lang="en-US" altLang="zh-CN" dirty="0"/>
           </a:p>
           <a:p>
-            <a:r>
-              <a:rPr lang="zh-CN" altLang="en-US" dirty="0"/>
-              <a:t>传统的</a:t>
-            </a:r>
-            <a:r>
-              <a:rPr lang="en-US" altLang="zh-CN" dirty="0"/>
-              <a:t>DDS</a:t>
-            </a:r>
-            <a:r>
-              <a:rPr lang="zh-CN" altLang="en-US" dirty="0"/>
-              <a:t>结构受到存储器限制，通过压缩，使用更小的存储器实现更快的速度</a:t>
-            </a:r>
-            <a:endParaRPr lang="en-US" altLang="zh-CN" dirty="0"/>
-          </a:p>
-          <a:p>
             <a:pPr marL="0" marR="0" indent="0" algn="l" defTabSz="914400" rtl="0" eaLnBrk="1" fontAlgn="auto" latinLnBrk="0" hangingPunct="1">
               <a:lnSpc>
                 <a:spcPct val="100000"/>
@@ -2967,41 +2714,6 @@
               <a:defRPr/>
             </a:pPr>
             <a:r>
-              <a:rPr lang="zh-CN" altLang="en-US" dirty="0"/>
-              <a:t>以往的压缩方法是在（</a:t>
-            </a:r>
-            <a:r>
-              <a:rPr lang="en-US" altLang="zh-CN" dirty="0"/>
-              <a:t>0,1/2pi</a:t>
-            </a:r>
-            <a:r>
-              <a:rPr lang="zh-CN" altLang="en-US" dirty="0"/>
-              <a:t>）空间上进行了均匀分段的线性拟合，文献一的主要贡献是进行了非均匀分段。和均匀分段相比，引入噪声水平相当时容量可减小</a:t>
-            </a:r>
-            <a:r>
-              <a:rPr lang="en-US" altLang="zh-CN" dirty="0"/>
-              <a:t>40%</a:t>
-            </a:r>
-          </a:p>
-          <a:p>
-            <a:pPr marL="0" marR="0" indent="0" algn="l" defTabSz="914400" rtl="0" eaLnBrk="1" fontAlgn="auto" latinLnBrk="0" hangingPunct="1">
-              <a:lnSpc>
-                <a:spcPct val="100000"/>
-              </a:lnSpc>
-              <a:spcBef>
-                <a:spcPts val="0"/>
-              </a:spcBef>
-              <a:spcAft>
-                <a:spcPts val="0"/>
-              </a:spcAft>
-              <a:buClrTx/>
-              <a:buSzTx/>
-              <a:buFontTx/>
-              <a:buNone/>
-              <a:tabLst/>
-              <a:defRPr/>
-            </a:pPr>
-            <a:r>
               <a:rPr lang="en-US" altLang="zh-CN" dirty="0"/>
               <a:t>Basic</a:t>
             </a:r>
@@ -3015,7 +2727,7 @@
             </a:r>
             <a:r>
               <a:rPr lang="zh-CN" altLang="en-US" dirty="0"/>
-              <a:t>算法存在流水级数过长的问题，文献二的主要工作是通过</a:t>
+              <a:t>算法，利用矩阵旋转电路替代查找表，但存在流水级数过长的问题，文献二的主要工作是通过</a:t>
             </a:r>
             <a:r>
               <a:rPr lang="en-US" altLang="zh-CN" dirty="0"/>
@@ -3023,40 +2735,9 @@
             </a:r>
             <a:r>
               <a:rPr lang="zh-CN" altLang="en-US" dirty="0"/>
-              <a:t>电路减小了了矩阵旋转法的切换延时</a:t>
+              <a:t>电路减小了了矩阵旋转法的旋转次数，切换延时大大减小</a:t>
             </a:r>
             <a:endParaRPr lang="en-US" altLang="zh-CN" dirty="0"/>
-          </a:p>
-          <a:p>
-            <a:pPr marL="0" marR="0" indent="0" algn="l" defTabSz="914400" rtl="0" eaLnBrk="1" fontAlgn="auto" latinLnBrk="0" hangingPunct="1">
-              <a:lnSpc>
-                <a:spcPct val="100000"/>
-              </a:lnSpc>
-              <a:spcBef>
-                <a:spcPts val="0"/>
-              </a:spcBef>
-              <a:spcAft>
-                <a:spcPts val="0"/>
-              </a:spcAft>
-              <a:buClrTx/>
-              <a:buSzTx/>
-              <a:buFontTx/>
-              <a:buNone/>
-              <a:tabLst/>
-              <a:defRPr/>
-            </a:pPr>
-            <a:r>
-              <a:rPr lang="zh-CN" altLang="en-US" dirty="0"/>
-              <a:t>文献三使用的是非线性</a:t>
-            </a:r>
-            <a:r>
-              <a:rPr lang="en-US" altLang="zh-CN" dirty="0"/>
-              <a:t>DAC</a:t>
-            </a:r>
-            <a:r>
-              <a:rPr lang="zh-CN" altLang="en-US" dirty="0"/>
-              <a:t>，提出了更优的电路方案，论文中显示的时钟频率和杂散性能都达到近年来最高水平</a:t>
-            </a:r>
           </a:p>
         </p:txBody>
       </p:sp>
@@ -13819,29 +13500,6 @@
           </a:p>
         </p:txBody>
       </p:sp>
-      <p:pic>
-        <p:nvPicPr>
-          <p:cNvPr id="8" name="图片 7"/>
-          <p:cNvPicPr>
-            <a:picLocks noChangeAspect="1"/>
-          </p:cNvPicPr>
-          <p:nvPr/>
-        </p:nvPicPr>
-        <p:blipFill rotWithShape="1">
-          <a:blip r:embed="rId3"/>
-          <a:srcRect l="1692"/>
-          <a:stretch/>
-        </p:blipFill>
-        <p:spPr>
-          <a:xfrm>
-            <a:off x="685800" y="2826702"/>
-            <a:ext cx="3043237" cy="1685925"/>
-          </a:xfrm>
-          <a:prstGeom prst="rect">
-            <a:avLst/>
-          </a:prstGeom>
-        </p:spPr>
-      </p:pic>
       <p:sp>
         <p:nvSpPr>
           <p:cNvPr id="21" name="内容占位符 2"/>
@@ -14086,21 +13744,44 @@
       </p:sp>
       <p:grpSp>
         <p:nvGrpSpPr>
-          <p:cNvPr id="23" name="组合 22"/>
+          <p:cNvPr id="3" name="组合 2"/>
           <p:cNvGrpSpPr/>
           <p:nvPr/>
         </p:nvGrpSpPr>
         <p:grpSpPr>
           <a:xfrm>
-            <a:off x="4785014" y="2826702"/>
-            <a:ext cx="3195639" cy="1685925"/>
-            <a:chOff x="4785014" y="2826702"/>
-            <a:chExt cx="3195639" cy="1685925"/>
+            <a:off x="966136" y="2826702"/>
+            <a:ext cx="7294853" cy="1685925"/>
+            <a:chOff x="685800" y="2826702"/>
+            <a:chExt cx="7294853" cy="1685925"/>
           </a:xfrm>
         </p:grpSpPr>
+        <p:pic>
+          <p:nvPicPr>
+            <p:cNvPr id="8" name="图片 7"/>
+            <p:cNvPicPr>
+              <a:picLocks noChangeAspect="1"/>
+            </p:cNvPicPr>
+            <p:nvPr/>
+          </p:nvPicPr>
+          <p:blipFill rotWithShape="1">
+            <a:blip r:embed="rId3"/>
+            <a:srcRect l="1692"/>
+            <a:stretch/>
+          </p:blipFill>
+          <p:spPr>
+            <a:xfrm>
+              <a:off x="685800" y="2826702"/>
+              <a:ext cx="3043237" cy="1685925"/>
+            </a:xfrm>
+            <a:prstGeom prst="rect">
+              <a:avLst/>
+            </a:prstGeom>
+          </p:spPr>
+        </p:pic>
         <p:grpSp>
           <p:nvGrpSpPr>
-            <p:cNvPr id="11" name="组合 10"/>
+            <p:cNvPr id="23" name="组合 22"/>
             <p:cNvGrpSpPr/>
             <p:nvPr/>
           </p:nvGrpSpPr>
@@ -14108,74 +13789,113 @@
             <a:xfrm>
               <a:off x="4785014" y="2826702"/>
               <a:ext cx="3195639" cy="1685925"/>
-              <a:chOff x="4613564" y="2826702"/>
+              <a:chOff x="4785014" y="2826702"/>
               <a:chExt cx="3195639" cy="1685925"/>
             </a:xfrm>
           </p:grpSpPr>
+          <p:grpSp>
+            <p:nvGrpSpPr>
+              <p:cNvPr id="11" name="组合 10"/>
+              <p:cNvGrpSpPr/>
+              <p:nvPr/>
+            </p:nvGrpSpPr>
+            <p:grpSpPr>
+              <a:xfrm>
+                <a:off x="4785014" y="2826702"/>
+                <a:ext cx="3195639" cy="1685925"/>
+                <a:chOff x="4613564" y="2826702"/>
+                <a:chExt cx="3195639" cy="1685925"/>
+              </a:xfrm>
+            </p:grpSpPr>
+            <p:pic>
+              <p:nvPicPr>
+                <p:cNvPr id="9" name="图片 8"/>
+                <p:cNvPicPr>
+                  <a:picLocks noChangeAspect="1"/>
+                </p:cNvPicPr>
+                <p:nvPr/>
+              </p:nvPicPr>
+              <p:blipFill>
+                <a:blip r:embed="rId4"/>
+                <a:stretch>
+                  <a:fillRect/>
+                </a:stretch>
+              </p:blipFill>
+              <p:spPr>
+                <a:xfrm>
+                  <a:off x="6924676" y="3669664"/>
+                  <a:ext cx="685800" cy="628650"/>
+                </a:xfrm>
+                <a:prstGeom prst="rect">
+                  <a:avLst/>
+                </a:prstGeom>
+              </p:spPr>
+            </p:pic>
+            <p:pic>
+              <p:nvPicPr>
+                <p:cNvPr id="22" name="图片 21"/>
+                <p:cNvPicPr>
+                  <a:picLocks noChangeAspect="1"/>
+                </p:cNvPicPr>
+                <p:nvPr/>
+              </p:nvPicPr>
+              <p:blipFill rotWithShape="1">
+                <a:blip r:embed="rId3"/>
+                <a:srcRect l="1693" r="23650"/>
+                <a:stretch/>
+              </p:blipFill>
+              <p:spPr>
+                <a:xfrm>
+                  <a:off x="4613564" y="2826702"/>
+                  <a:ext cx="2311112" cy="1685925"/>
+                </a:xfrm>
+                <a:prstGeom prst="rect">
+                  <a:avLst/>
+                </a:prstGeom>
+              </p:spPr>
+            </p:pic>
+            <p:pic>
+              <p:nvPicPr>
+                <p:cNvPr id="10" name="图片 9"/>
+                <p:cNvPicPr>
+                  <a:picLocks noChangeAspect="1"/>
+                </p:cNvPicPr>
+                <p:nvPr/>
+              </p:nvPicPr>
+              <p:blipFill rotWithShape="1">
+                <a:blip r:embed="rId5"/>
+                <a:srcRect l="5771"/>
+                <a:stretch/>
+              </p:blipFill>
+              <p:spPr>
+                <a:xfrm>
+                  <a:off x="7010400" y="2937512"/>
+                  <a:ext cx="798803" cy="657225"/>
+                </a:xfrm>
+                <a:prstGeom prst="rect">
+                  <a:avLst/>
+                </a:prstGeom>
+              </p:spPr>
+            </p:pic>
+          </p:grpSp>
           <p:pic>
             <p:nvPicPr>
-              <p:cNvPr id="9" name="图片 8"/>
+              <p:cNvPr id="13" name="图片 12"/>
               <p:cNvPicPr>
                 <a:picLocks noChangeAspect="1"/>
               </p:cNvPicPr>
               <p:nvPr/>
             </p:nvPicPr>
             <p:blipFill>
-              <a:blip r:embed="rId4"/>
+              <a:blip r:embed="rId6"/>
               <a:stretch>
                 <a:fillRect/>
               </a:stretch>
             </p:blipFill>
             <p:spPr>
               <a:xfrm>
-                <a:off x="6924676" y="3669664"/>
-                <a:ext cx="685800" cy="628650"/>
-              </a:xfrm>
-              <a:prstGeom prst="rect">
-                <a:avLst/>
-              </a:prstGeom>
-            </p:spPr>
-          </p:pic>
-          <p:pic>
-            <p:nvPicPr>
-              <p:cNvPr id="22" name="图片 21"/>
-              <p:cNvPicPr>
-                <a:picLocks noChangeAspect="1"/>
-              </p:cNvPicPr>
-              <p:nvPr/>
-            </p:nvPicPr>
-            <p:blipFill rotWithShape="1">
-              <a:blip r:embed="rId3"/>
-              <a:srcRect l="1693" r="23650"/>
-              <a:stretch/>
-            </p:blipFill>
-            <p:spPr>
-              <a:xfrm>
-                <a:off x="4613564" y="2826702"/>
-                <a:ext cx="2311112" cy="1685925"/>
-              </a:xfrm>
-              <a:prstGeom prst="rect">
-                <a:avLst/>
-              </a:prstGeom>
-            </p:spPr>
-          </p:pic>
-          <p:pic>
-            <p:nvPicPr>
-              <p:cNvPr id="10" name="图片 9"/>
-              <p:cNvPicPr>
-                <a:picLocks noChangeAspect="1"/>
-              </p:cNvPicPr>
-              <p:nvPr/>
-            </p:nvPicPr>
-            <p:blipFill rotWithShape="1">
-              <a:blip r:embed="rId5"/>
-              <a:srcRect l="5771"/>
-              <a:stretch/>
-            </p:blipFill>
-            <p:spPr>
-              <a:xfrm>
-                <a:off x="7010400" y="2937512"/>
-                <a:ext cx="798803" cy="657225"/>
+                <a:off x="5810251" y="3659822"/>
+                <a:ext cx="1085850" cy="514350"/>
               </a:xfrm>
               <a:prstGeom prst="rect">
                 <a:avLst/>
@@ -14183,30 +13903,6 @@
             </p:spPr>
           </p:pic>
         </p:grpSp>
-        <p:pic>
-          <p:nvPicPr>
-            <p:cNvPr id="13" name="图片 12"/>
-            <p:cNvPicPr>
-              <a:picLocks noChangeAspect="1"/>
-            </p:cNvPicPr>
-            <p:nvPr/>
-          </p:nvPicPr>
-          <p:blipFill>
-            <a:blip r:embed="rId6"/>
-            <a:stretch>
-              <a:fillRect/>
-            </a:stretch>
-          </p:blipFill>
-          <p:spPr>
-            <a:xfrm>
-              <a:off x="5810251" y="3659822"/>
-              <a:ext cx="1085850" cy="514350"/>
-            </a:xfrm>
-            <a:prstGeom prst="rect">
-              <a:avLst/>
-            </a:prstGeom>
-          </p:spPr>
-        </p:pic>
       </p:grpSp>
       <p:sp>
         <p:nvSpPr>
@@ -14918,15 +14614,7 @@
           <a:p>
             <a:r>
               <a:rPr lang="zh-CN" altLang="en-US" dirty="0"/>
-              <a:t>创新空间：主要分为</a:t>
-            </a:r>
-            <a:r>
-              <a:rPr lang="en-US" altLang="zh-CN" dirty="0"/>
-              <a:t>4</a:t>
-            </a:r>
-            <a:r>
-              <a:rPr lang="zh-CN" altLang="en-US" dirty="0"/>
-              <a:t>点</a:t>
+              <a:t>创新空间：</a:t>
             </a:r>
             <a:endParaRPr lang="en-US" altLang="zh-CN" dirty="0"/>
           </a:p>
@@ -15483,7 +15171,7 @@
                             <a:avLst/>
                           </a:prstGeom>
                           <a:blipFill>
-                            <a:blip r:embed="rId2"/>
+                            <a:blip r:embed="rId3"/>
                             <a:stretch>
                               <a:fillRect l="-13889"/>
                             </a:stretch>
@@ -16505,7 +16193,7 @@
           <p:nvPr/>
         </p:nvPicPr>
         <p:blipFill>
-          <a:blip r:embed="rId3"/>
+          <a:blip r:embed="rId4"/>
           <a:stretch>
             <a:fillRect/>
           </a:stretch>
@@ -16529,7 +16217,7 @@
           <p:nvPr/>
         </p:nvPicPr>
         <p:blipFill>
-          <a:blip r:embed="rId4"/>
+          <a:blip r:embed="rId5"/>
           <a:stretch>
             <a:fillRect/>
           </a:stretch>
@@ -16893,6 +16581,14 @@
           <a:p>
             <a:r>
               <a:rPr lang="zh-CN" altLang="en-US" sz="3600" dirty="0"/>
+              <a:t>实施方案</a:t>
+            </a:r>
+            <a:r>
+              <a:rPr lang="en-US" altLang="zh-CN" sz="3600" dirty="0"/>
+              <a:t>-</a:t>
+            </a:r>
+            <a:r>
+              <a:rPr lang="zh-CN" altLang="en-US" sz="3600" dirty="0"/>
               <a:t>现有进展</a:t>
             </a:r>
           </a:p>
@@ -16922,16 +16618,12 @@
               <a:t>阅读</a:t>
             </a:r>
             <a:r>
-              <a:rPr lang="en-US" altLang="zh-CN" dirty="0" smtClean="0"/>
+              <a:rPr lang="en-US" altLang="zh-CN" dirty="0"/>
               <a:t>JSSC</a:t>
             </a:r>
             <a:r>
-              <a:rPr lang="zh-CN" altLang="en-US" dirty="0" smtClean="0"/>
-              <a:t>等</a:t>
-            </a:r>
-            <a:r>
               <a:rPr lang="zh-CN" altLang="en-US" dirty="0"/>
-              <a:t>期刊、会议文献</a:t>
+              <a:t>等期刊、会议文献</a:t>
             </a:r>
             <a:r>
               <a:rPr lang="en-US" altLang="zh-CN" dirty="0"/>
@@ -16939,18 +16631,14 @@
             </a:r>
             <a:r>
               <a:rPr lang="zh-CN" altLang="en-US" dirty="0"/>
-              <a:t>余</a:t>
-            </a:r>
-            <a:r>
-              <a:rPr lang="zh-CN" altLang="en-US" dirty="0" smtClean="0"/>
-              <a:t>篇，熟悉</a:t>
-            </a:r>
-            <a:r>
-              <a:rPr lang="en-US" altLang="zh-CN" dirty="0" smtClean="0"/>
+              <a:t>余篇，熟悉</a:t>
+            </a:r>
+            <a:r>
+              <a:rPr lang="en-US" altLang="zh-CN" dirty="0"/>
               <a:t>NCO</a:t>
             </a:r>
             <a:r>
-              <a:rPr lang="zh-CN" altLang="en-US" dirty="0" smtClean="0"/>
+              <a:rPr lang="zh-CN" altLang="en-US" dirty="0"/>
               <a:t>理论</a:t>
             </a:r>
             <a:endParaRPr lang="en-US" altLang="zh-CN" dirty="0"/>
@@ -17142,6 +16830,91 @@
           </a:prstGeom>
         </p:spPr>
       </p:pic>
+      <p:sp>
+        <p:nvSpPr>
+          <p:cNvPr id="8" name="文本框 7"/>
+          <p:cNvSpPr txBox="1"/>
+          <p:nvPr/>
+        </p:nvSpPr>
+        <p:spPr>
+          <a:xfrm>
+            <a:off x="5484032" y="4643177"/>
+            <a:ext cx="3019888" cy="1131079"/>
+          </a:xfrm>
+          <a:prstGeom prst="rect">
+            <a:avLst/>
+          </a:prstGeom>
+          <a:noFill/>
+        </p:spPr>
+        <p:txBody>
+          <a:bodyPr wrap="square" rtlCol="0">
+            <a:spAutoFit/>
+          </a:bodyPr>
+          <a:lstStyle/>
+          <a:p>
+            <a:pPr>
+              <a:lnSpc>
+                <a:spcPct val="125000"/>
+              </a:lnSpc>
+            </a:pPr>
+            <a:r>
+              <a:rPr lang="en-US" altLang="zh-CN" dirty="0"/>
+              <a:t>ROM Size</a:t>
+            </a:r>
+            <a:r>
+              <a:rPr lang="zh-CN" altLang="en-US" dirty="0"/>
+              <a:t>：</a:t>
+            </a:r>
+            <a:r>
+              <a:rPr lang="en-US" altLang="zh-CN" dirty="0"/>
+              <a:t>256 Kb</a:t>
+            </a:r>
+          </a:p>
+          <a:p>
+            <a:pPr>
+              <a:lnSpc>
+                <a:spcPct val="125000"/>
+              </a:lnSpc>
+            </a:pPr>
+            <a:r>
+              <a:rPr lang="en-US" altLang="zh-CN" dirty="0"/>
+              <a:t>Test point </a:t>
+            </a:r>
+            <a:r>
+              <a:rPr lang="zh-CN" altLang="en-US" dirty="0"/>
+              <a:t>：</a:t>
+            </a:r>
+            <a:r>
+              <a:rPr lang="en-US" altLang="zh-CN" dirty="0"/>
+              <a:t>4096</a:t>
+            </a:r>
+          </a:p>
+          <a:p>
+            <a:pPr>
+              <a:lnSpc>
+                <a:spcPct val="125000"/>
+              </a:lnSpc>
+            </a:pPr>
+            <a:r>
+              <a:rPr lang="en-US" altLang="zh-CN" dirty="0"/>
+              <a:t>test SFDR</a:t>
+            </a:r>
+            <a:r>
+              <a:rPr lang="zh-CN" altLang="en-US" dirty="0"/>
+              <a:t>：</a:t>
+            </a:r>
+            <a:r>
+              <a:rPr lang="en-US" altLang="zh-CN" dirty="0"/>
+              <a:t>96 </a:t>
+            </a:r>
+            <a:r>
+              <a:rPr lang="en-US" altLang="zh-CN" dirty="0" err="1"/>
+              <a:t>dBc</a:t>
+            </a:r>
+            <a:endParaRPr lang="en-US" altLang="zh-CN" dirty="0"/>
+          </a:p>
+        </p:txBody>
+      </p:sp>
     </p:spTree>
     <p:extLst>
       <p:ext uri="{BB962C8B-B14F-4D97-AF65-F5344CB8AC3E}">
@@ -17189,7 +16962,7 @@
           <a:p>
             <a:r>
               <a:rPr lang="zh-CN" altLang="en-US" sz="3600" dirty="0"/>
-              <a:t>实施方案</a:t>
+              <a:t>时间规划</a:t>
             </a:r>
           </a:p>
         </p:txBody>
@@ -19755,7 +19528,7 @@
           <a:p>
             <a:r>
               <a:rPr lang="zh-CN" altLang="en-US" sz="3600" dirty="0"/>
-              <a:t>计划安排</a:t>
+              <a:t>时间规划</a:t>
             </a:r>
           </a:p>
         </p:txBody>
@@ -20019,417 +19792,6 @@
 </file>
 
 <file path=ppt/slides/slide17.xml><?xml version="1.0" encoding="utf-8"?>
-<p:sld xmlns:a="http://schemas.openxmlformats.org/drawingml/2006/main" xmlns:r="http://schemas.openxmlformats.org/officeDocument/2006/relationships" xmlns:p="http://schemas.openxmlformats.org/presentationml/2006/main">
-  <p:cSld>
-    <p:spTree>
-      <p:nvGrpSpPr>
-        <p:cNvPr id="1" name=""/>
-        <p:cNvGrpSpPr/>
-        <p:nvPr/>
-      </p:nvGrpSpPr>
-      <p:grpSpPr>
-        <a:xfrm>
-          <a:off x="0" y="0"/>
-          <a:ext cx="0" cy="0"/>
-          <a:chOff x="0" y="0"/>
-          <a:chExt cx="0" cy="0"/>
-        </a:xfrm>
-      </p:grpSpPr>
-      <p:sp>
-        <p:nvSpPr>
-          <p:cNvPr id="2" name="标题 1"/>
-          <p:cNvSpPr>
-            <a:spLocks noGrp="1"/>
-          </p:cNvSpPr>
-          <p:nvPr>
-            <p:ph type="title"/>
-          </p:nvPr>
-        </p:nvSpPr>
-        <p:spPr/>
-        <p:txBody>
-          <a:bodyPr/>
-          <a:lstStyle/>
-          <a:p>
-            <a:r>
-              <a:rPr lang="zh-CN" altLang="en-US" sz="3600" dirty="0"/>
-              <a:t>课程目标</a:t>
-            </a:r>
-          </a:p>
-        </p:txBody>
-      </p:sp>
-      <p:sp>
-        <p:nvSpPr>
-          <p:cNvPr id="4" name="页脚占位符 3"/>
-          <p:cNvSpPr>
-            <a:spLocks noGrp="1"/>
-          </p:cNvSpPr>
-          <p:nvPr>
-            <p:ph type="ftr" sz="quarter" idx="11"/>
-          </p:nvPr>
-        </p:nvSpPr>
-        <p:spPr/>
-        <p:txBody>
-          <a:bodyPr/>
-          <a:lstStyle/>
-          <a:p>
-            <a:r>
-              <a:rPr lang="en-US" altLang="zh-CN" dirty="0">
-                <a:solidFill>
-                  <a:srgbClr val="000000"/>
-                </a:solidFill>
-              </a:rPr>
-              <a:t>6/13</a:t>
-            </a:r>
-          </a:p>
-        </p:txBody>
-      </p:sp>
-      <p:sp>
-        <p:nvSpPr>
-          <p:cNvPr id="6" name="内容占位符 2"/>
-          <p:cNvSpPr>
-            <a:spLocks noGrp="1"/>
-          </p:cNvSpPr>
-          <p:nvPr>
-            <p:ph idx="1"/>
-          </p:nvPr>
-        </p:nvSpPr>
-        <p:spPr>
-          <a:xfrm>
-            <a:off x="381000" y="914400"/>
-            <a:ext cx="8393545" cy="5367308"/>
-          </a:xfrm>
-        </p:spPr>
-        <p:txBody>
-          <a:bodyPr/>
-          <a:lstStyle/>
-          <a:p>
-            <a:pPr>
-              <a:spcAft>
-                <a:spcPts val="1200"/>
-              </a:spcAft>
-            </a:pPr>
-            <a:r>
-              <a:rPr lang="zh-CN" altLang="en-US" dirty="0"/>
-              <a:t>总目标：设计高速、高精度数控振荡器</a:t>
-            </a:r>
-            <a:endParaRPr lang="en-US" altLang="zh-CN" dirty="0"/>
-          </a:p>
-          <a:p>
-            <a:pPr marL="0" indent="0">
-              <a:spcBef>
-                <a:spcPts val="600"/>
-              </a:spcBef>
-              <a:spcAft>
-                <a:spcPts val="0"/>
-              </a:spcAft>
-              <a:buNone/>
-            </a:pPr>
-            <a:r>
-              <a:rPr lang="zh-CN" altLang="en-US" dirty="0"/>
-              <a:t>一、电路结构的设计和代码编写</a:t>
-            </a:r>
-            <a:endParaRPr lang="en-US" altLang="zh-CN" dirty="0"/>
-          </a:p>
-          <a:p>
-            <a:pPr>
-              <a:spcBef>
-                <a:spcPts val="600"/>
-              </a:spcBef>
-              <a:spcAft>
-                <a:spcPts val="0"/>
-              </a:spcAft>
-            </a:pPr>
-            <a:r>
-              <a:rPr lang="en-US" altLang="zh-CN" sz="2000" dirty="0"/>
-              <a:t>1.1 </a:t>
-            </a:r>
-            <a:r>
-              <a:rPr lang="zh-CN" altLang="en-US" sz="2000" dirty="0"/>
-              <a:t>设计高速、低功耗的相位累加器</a:t>
-            </a:r>
-            <a:endParaRPr lang="en-US" altLang="zh-CN" sz="2000" dirty="0"/>
-          </a:p>
-          <a:p>
-            <a:pPr>
-              <a:spcBef>
-                <a:spcPts val="600"/>
-              </a:spcBef>
-              <a:spcAft>
-                <a:spcPts val="0"/>
-              </a:spcAft>
-            </a:pPr>
-            <a:r>
-              <a:rPr lang="en-US" altLang="zh-CN" sz="2000" dirty="0"/>
-              <a:t>1.2 </a:t>
-            </a:r>
-            <a:r>
-              <a:rPr lang="zh-CN" altLang="en-US" sz="2000" dirty="0"/>
-              <a:t>设计混合方案的相位</a:t>
-            </a:r>
-            <a:r>
-              <a:rPr lang="en-US" altLang="zh-CN" sz="2000" dirty="0"/>
-              <a:t>-</a:t>
-            </a:r>
-            <a:r>
-              <a:rPr lang="zh-CN" altLang="en-US" sz="2000" dirty="0"/>
-              <a:t>幅度转换器</a:t>
-            </a:r>
-            <a:endParaRPr lang="en-US" altLang="zh-CN" sz="2000" dirty="0"/>
-          </a:p>
-          <a:p>
-            <a:pPr marL="0" indent="0">
-              <a:spcBef>
-                <a:spcPts val="600"/>
-              </a:spcBef>
-              <a:spcAft>
-                <a:spcPts val="0"/>
-              </a:spcAft>
-              <a:buNone/>
-            </a:pPr>
-            <a:r>
-              <a:rPr lang="zh-CN" altLang="en-US" dirty="0"/>
-              <a:t>二、电路仿真检查</a:t>
-            </a:r>
-            <a:endParaRPr lang="en-US" altLang="zh-CN" dirty="0"/>
-          </a:p>
-          <a:p>
-            <a:pPr>
-              <a:spcBef>
-                <a:spcPts val="600"/>
-              </a:spcBef>
-              <a:spcAft>
-                <a:spcPts val="0"/>
-              </a:spcAft>
-            </a:pPr>
-            <a:r>
-              <a:rPr lang="en-US" altLang="zh-CN" sz="2000" dirty="0"/>
-              <a:t>2.1 </a:t>
-            </a:r>
-            <a:r>
-              <a:rPr lang="zh-CN" altLang="en-US" sz="2000" dirty="0"/>
-              <a:t>搭建可扩展的</a:t>
-            </a:r>
-            <a:r>
-              <a:rPr lang="en-US" altLang="zh-CN" sz="2000" dirty="0"/>
-              <a:t>NCO</a:t>
-            </a:r>
-            <a:r>
-              <a:rPr lang="zh-CN" altLang="en-US" sz="2000" dirty="0"/>
-              <a:t>仿真平台</a:t>
-            </a:r>
-            <a:endParaRPr lang="en-US" altLang="zh-CN" sz="2000" dirty="0"/>
-          </a:p>
-          <a:p>
-            <a:pPr>
-              <a:spcBef>
-                <a:spcPts val="600"/>
-              </a:spcBef>
-              <a:spcAft>
-                <a:spcPts val="0"/>
-              </a:spcAft>
-            </a:pPr>
-            <a:r>
-              <a:rPr lang="en-US" altLang="zh-CN" sz="2000" dirty="0"/>
-              <a:t>2.2 </a:t>
-            </a:r>
-            <a:r>
-              <a:rPr lang="zh-CN" altLang="en-US" sz="2000" dirty="0"/>
-              <a:t>熟悉使用</a:t>
-            </a:r>
-            <a:r>
-              <a:rPr lang="en-US" altLang="zh-CN" sz="2000" dirty="0"/>
-              <a:t>Design Compiler</a:t>
-            </a:r>
-            <a:r>
-              <a:rPr lang="zh-CN" altLang="en-US" sz="2000" dirty="0"/>
-              <a:t>、</a:t>
-            </a:r>
-            <a:r>
-              <a:rPr lang="en-US" altLang="zh-CN" sz="2000" dirty="0"/>
-              <a:t>Memory Complier</a:t>
-            </a:r>
-            <a:r>
-              <a:rPr lang="zh-CN" altLang="en-US" sz="2000" dirty="0"/>
-              <a:t>等前端设计工具</a:t>
-            </a:r>
-            <a:endParaRPr lang="en-US" altLang="zh-CN" sz="2000" dirty="0"/>
-          </a:p>
-          <a:p>
-            <a:pPr>
-              <a:spcBef>
-                <a:spcPts val="600"/>
-              </a:spcBef>
-              <a:spcAft>
-                <a:spcPts val="0"/>
-              </a:spcAft>
-            </a:pPr>
-            <a:r>
-              <a:rPr lang="en-US" altLang="zh-CN" sz="2000" dirty="0"/>
-              <a:t>2.3 </a:t>
-            </a:r>
-            <a:r>
-              <a:rPr lang="zh-CN" altLang="en-US" sz="2000" dirty="0"/>
-              <a:t>分析电路时序，根据静态时序思考改进方案</a:t>
-            </a:r>
-            <a:endParaRPr lang="en-US" altLang="zh-CN" sz="2000" dirty="0"/>
-          </a:p>
-          <a:p>
-            <a:pPr>
-              <a:spcBef>
-                <a:spcPts val="600"/>
-              </a:spcBef>
-              <a:spcAft>
-                <a:spcPts val="0"/>
-              </a:spcAft>
-            </a:pPr>
-            <a:r>
-              <a:rPr lang="en-US" altLang="zh-CN" sz="2000" dirty="0"/>
-              <a:t>2.4 </a:t>
-            </a:r>
-            <a:r>
-              <a:rPr lang="zh-CN" altLang="en-US" sz="2000" dirty="0"/>
-              <a:t>学习使用后端设计工具，在电路实现上寻找优化点</a:t>
-            </a:r>
-            <a:endParaRPr lang="en-US" altLang="zh-CN" sz="2000" dirty="0"/>
-          </a:p>
-          <a:p>
-            <a:pPr marL="0" indent="0">
-              <a:spcBef>
-                <a:spcPts val="600"/>
-              </a:spcBef>
-              <a:spcAft>
-                <a:spcPts val="0"/>
-              </a:spcAft>
-              <a:buNone/>
-            </a:pPr>
-            <a:r>
-              <a:rPr lang="zh-CN" altLang="en-US" dirty="0"/>
-              <a:t>三、达成指标</a:t>
-            </a:r>
-            <a:endParaRPr lang="en-US" altLang="zh-CN" dirty="0"/>
-          </a:p>
-          <a:p>
-            <a:pPr>
-              <a:spcBef>
-                <a:spcPts val="600"/>
-              </a:spcBef>
-            </a:pPr>
-            <a:r>
-              <a:rPr lang="en-US" altLang="zh-CN" sz="2000" dirty="0"/>
-              <a:t>3.1 </a:t>
-            </a:r>
-            <a:r>
-              <a:rPr lang="zh-CN" altLang="en-US" sz="2000" dirty="0"/>
-              <a:t>频率分辨率：</a:t>
-            </a:r>
-            <a:r>
-              <a:rPr lang="en-US" altLang="zh-CN" sz="2000" dirty="0" err="1"/>
-              <a:t>subHz</a:t>
-            </a:r>
-            <a:r>
-              <a:rPr lang="en-US" altLang="zh-CN" sz="2000" dirty="0"/>
-              <a:t> </a:t>
-            </a:r>
-            <a:r>
-              <a:rPr lang="zh-CN" altLang="en-US" sz="2000" dirty="0"/>
-              <a:t>数量级</a:t>
-            </a:r>
-            <a:endParaRPr lang="en-US" altLang="zh-CN" sz="2000" dirty="0"/>
-          </a:p>
-          <a:p>
-            <a:pPr>
-              <a:spcBef>
-                <a:spcPts val="600"/>
-              </a:spcBef>
-            </a:pPr>
-            <a:r>
-              <a:rPr lang="en-US" altLang="zh-CN" sz="2000" dirty="0"/>
-              <a:t>3.2 </a:t>
-            </a:r>
-            <a:r>
-              <a:rPr lang="zh-CN" altLang="en-US" sz="2000" dirty="0"/>
-              <a:t>时钟频率：</a:t>
-            </a:r>
-            <a:r>
-              <a:rPr lang="en-US" altLang="zh-CN" sz="2000" dirty="0"/>
-              <a:t>1 GHz </a:t>
-            </a:r>
-          </a:p>
-          <a:p>
-            <a:pPr>
-              <a:spcBef>
-                <a:spcPts val="600"/>
-              </a:spcBef>
-            </a:pPr>
-            <a:r>
-              <a:rPr lang="en-US" altLang="zh-CN" sz="2000" dirty="0"/>
-              <a:t>3.3 </a:t>
-            </a:r>
-            <a:r>
-              <a:rPr lang="zh-CN" altLang="en-US" sz="2000" dirty="0"/>
-              <a:t>杂散性能：</a:t>
-            </a:r>
-            <a:r>
-              <a:rPr lang="en-US" altLang="zh-CN" sz="2000" dirty="0"/>
-              <a:t>50 </a:t>
-            </a:r>
-            <a:r>
-              <a:rPr lang="en-US" altLang="zh-CN" sz="2000" dirty="0" err="1"/>
-              <a:t>dBc</a:t>
-            </a:r>
-            <a:endParaRPr lang="en-US" altLang="zh-CN" dirty="0"/>
-          </a:p>
-          <a:p>
-            <a:pPr marL="0" indent="0">
-              <a:spcBef>
-                <a:spcPts val="600"/>
-              </a:spcBef>
-              <a:spcAft>
-                <a:spcPts val="0"/>
-              </a:spcAft>
-              <a:buNone/>
-            </a:pPr>
-            <a:endParaRPr lang="en-US" altLang="zh-CN" dirty="0"/>
-          </a:p>
-          <a:p>
-            <a:pPr>
-              <a:spcBef>
-                <a:spcPts val="600"/>
-              </a:spcBef>
-              <a:spcAft>
-                <a:spcPts val="0"/>
-              </a:spcAft>
-            </a:pPr>
-            <a:endParaRPr lang="en-US" altLang="zh-CN" dirty="0"/>
-          </a:p>
-          <a:p>
-            <a:pPr marL="342900" lvl="1" indent="0">
-              <a:spcBef>
-                <a:spcPts val="600"/>
-              </a:spcBef>
-              <a:spcAft>
-                <a:spcPts val="600"/>
-              </a:spcAft>
-              <a:buNone/>
-            </a:pPr>
-            <a:endParaRPr lang="en-US" altLang="zh-CN" dirty="0"/>
-          </a:p>
-        </p:txBody>
-      </p:sp>
-    </p:spTree>
-    <p:extLst>
-      <p:ext uri="{BB962C8B-B14F-4D97-AF65-F5344CB8AC3E}">
-        <p14:creationId xmlns:p14="http://schemas.microsoft.com/office/powerpoint/2010/main" val="241809917"/>
-      </p:ext>
-    </p:extLst>
-  </p:cSld>
-  <p:clrMapOvr>
-    <a:masterClrMapping/>
-  </p:clrMapOvr>
-</p:sld>
-</file>
-
-<file path=ppt/slides/slide18.xml><?xml version="1.0" encoding="utf-8"?>
 <p:sld xmlns:a="http://schemas.openxmlformats.org/drawingml/2006/main" xmlns:r="http://schemas.openxmlformats.org/officeDocument/2006/relationships" xmlns:p="http://schemas.openxmlformats.org/presentationml/2006/main">
   <p:cSld>
     <p:spTree>
@@ -24362,7 +23724,7 @@
             </a:r>
             <a:r>
               <a:rPr lang="zh-CN" altLang="en-US" dirty="0"/>
-              <a:t>种，分别挑选</a:t>
+              <a:t>种，分别挑选近</a:t>
             </a:r>
             <a:r>
               <a:rPr lang="en-US" altLang="zh-CN" dirty="0"/>
@@ -24370,7 +23732,7 @@
             </a:r>
             <a:r>
               <a:rPr lang="zh-CN" altLang="en-US" dirty="0"/>
-              <a:t>篇近年相关文献</a:t>
+              <a:t>篇典型文献</a:t>
             </a:r>
             <a:endParaRPr lang="en-US" altLang="zh-CN" dirty="0"/>
           </a:p>
